--- a/IA Genetica.pptx
+++ b/IA Genetica.pptx
@@ -6,18 +6,19 @@
   </p:sldMasterIdLst>
   <p:sldIdLst>
     <p:sldId id="268" r:id="rId2"/>
-    <p:sldId id="265" r:id="rId3"/>
-    <p:sldId id="264" r:id="rId4"/>
-    <p:sldId id="256" r:id="rId5"/>
-    <p:sldId id="257" r:id="rId6"/>
-    <p:sldId id="258" r:id="rId7"/>
-    <p:sldId id="259" r:id="rId8"/>
-    <p:sldId id="260" r:id="rId9"/>
-    <p:sldId id="261" r:id="rId10"/>
-    <p:sldId id="262" r:id="rId11"/>
-    <p:sldId id="263" r:id="rId12"/>
+    <p:sldId id="256" r:id="rId3"/>
+    <p:sldId id="257" r:id="rId4"/>
+    <p:sldId id="258" r:id="rId5"/>
+    <p:sldId id="259" r:id="rId6"/>
+    <p:sldId id="260" r:id="rId7"/>
+    <p:sldId id="265" r:id="rId8"/>
+    <p:sldId id="264" r:id="rId9"/>
+    <p:sldId id="263" r:id="rId10"/>
+    <p:sldId id="261" r:id="rId11"/>
+    <p:sldId id="262" r:id="rId12"/>
     <p:sldId id="267" r:id="rId13"/>
-    <p:sldId id="266" r:id="rId14"/>
+    <p:sldId id="269" r:id="rId14"/>
+    <p:sldId id="266" r:id="rId15"/>
   </p:sldIdLst>
   <p:sldSz cx="12192000" cy="6858000"/>
   <p:notesSz cx="6858000" cy="9144000"/>
@@ -271,7 +272,7 @@
           <a:p>
             <a:fld id="{A96067C6-1D97-4125-BDF0-B33C18AFF0C3}" type="datetimeFigureOut">
               <a:rPr lang="pt-BR" smtClean="0"/>
-              <a:t>14/07/2025</a:t>
+              <a:t>15/07/2025</a:t>
             </a:fld>
             <a:endParaRPr lang="pt-BR"/>
           </a:p>
@@ -469,7 +470,7 @@
           <a:p>
             <a:fld id="{A96067C6-1D97-4125-BDF0-B33C18AFF0C3}" type="datetimeFigureOut">
               <a:rPr lang="pt-BR" smtClean="0"/>
-              <a:t>14/07/2025</a:t>
+              <a:t>15/07/2025</a:t>
             </a:fld>
             <a:endParaRPr lang="pt-BR"/>
           </a:p>
@@ -677,7 +678,7 @@
           <a:p>
             <a:fld id="{A96067C6-1D97-4125-BDF0-B33C18AFF0C3}" type="datetimeFigureOut">
               <a:rPr lang="pt-BR" smtClean="0"/>
-              <a:t>14/07/2025</a:t>
+              <a:t>15/07/2025</a:t>
             </a:fld>
             <a:endParaRPr lang="pt-BR"/>
           </a:p>
@@ -875,7 +876,7 @@
           <a:p>
             <a:fld id="{A96067C6-1D97-4125-BDF0-B33C18AFF0C3}" type="datetimeFigureOut">
               <a:rPr lang="pt-BR" smtClean="0"/>
-              <a:t>14/07/2025</a:t>
+              <a:t>15/07/2025</a:t>
             </a:fld>
             <a:endParaRPr lang="pt-BR"/>
           </a:p>
@@ -1150,7 +1151,7 @@
           <a:p>
             <a:fld id="{A96067C6-1D97-4125-BDF0-B33C18AFF0C3}" type="datetimeFigureOut">
               <a:rPr lang="pt-BR" smtClean="0"/>
-              <a:t>14/07/2025</a:t>
+              <a:t>15/07/2025</a:t>
             </a:fld>
             <a:endParaRPr lang="pt-BR"/>
           </a:p>
@@ -1415,7 +1416,7 @@
           <a:p>
             <a:fld id="{A96067C6-1D97-4125-BDF0-B33C18AFF0C3}" type="datetimeFigureOut">
               <a:rPr lang="pt-BR" smtClean="0"/>
-              <a:t>14/07/2025</a:t>
+              <a:t>15/07/2025</a:t>
             </a:fld>
             <a:endParaRPr lang="pt-BR"/>
           </a:p>
@@ -1827,7 +1828,7 @@
           <a:p>
             <a:fld id="{A96067C6-1D97-4125-BDF0-B33C18AFF0C3}" type="datetimeFigureOut">
               <a:rPr lang="pt-BR" smtClean="0"/>
-              <a:t>14/07/2025</a:t>
+              <a:t>15/07/2025</a:t>
             </a:fld>
             <a:endParaRPr lang="pt-BR"/>
           </a:p>
@@ -1968,7 +1969,7 @@
           <a:p>
             <a:fld id="{A96067C6-1D97-4125-BDF0-B33C18AFF0C3}" type="datetimeFigureOut">
               <a:rPr lang="pt-BR" smtClean="0"/>
-              <a:t>14/07/2025</a:t>
+              <a:t>15/07/2025</a:t>
             </a:fld>
             <a:endParaRPr lang="pt-BR"/>
           </a:p>
@@ -2081,7 +2082,7 @@
           <a:p>
             <a:fld id="{A96067C6-1D97-4125-BDF0-B33C18AFF0C3}" type="datetimeFigureOut">
               <a:rPr lang="pt-BR" smtClean="0"/>
-              <a:t>14/07/2025</a:t>
+              <a:t>15/07/2025</a:t>
             </a:fld>
             <a:endParaRPr lang="pt-BR"/>
           </a:p>
@@ -2392,7 +2393,7 @@
           <a:p>
             <a:fld id="{A96067C6-1D97-4125-BDF0-B33C18AFF0C3}" type="datetimeFigureOut">
               <a:rPr lang="pt-BR" smtClean="0"/>
-              <a:t>14/07/2025</a:t>
+              <a:t>15/07/2025</a:t>
             </a:fld>
             <a:endParaRPr lang="pt-BR"/>
           </a:p>
@@ -2680,7 +2681,7 @@
           <a:p>
             <a:fld id="{A96067C6-1D97-4125-BDF0-B33C18AFF0C3}" type="datetimeFigureOut">
               <a:rPr lang="pt-BR" smtClean="0"/>
-              <a:t>14/07/2025</a:t>
+              <a:t>15/07/2025</a:t>
             </a:fld>
             <a:endParaRPr lang="pt-BR"/>
           </a:p>
@@ -2921,7 +2922,7 @@
           <a:p>
             <a:fld id="{A96067C6-1D97-4125-BDF0-B33C18AFF0C3}" type="datetimeFigureOut">
               <a:rPr lang="pt-BR" smtClean="0"/>
-              <a:t>14/07/2025</a:t>
+              <a:t>15/07/2025</a:t>
             </a:fld>
             <a:endParaRPr lang="pt-BR"/>
           </a:p>
@@ -3362,23 +3363,20 @@
         </p:spPr>
         <p:txBody>
           <a:bodyPr>
-            <a:normAutofit/>
+            <a:normAutofit fontScale="90000"/>
           </a:bodyPr>
           <a:lstStyle/>
           <a:p>
             <a:pPr algn="ctr"/>
             <a:r>
               <a:rPr lang="pt-BR" dirty="0"/>
-              <a:t>Tech </a:t>
+              <a:t>IA Genética aplicada ao Space </a:t>
             </a:r>
             <a:r>
               <a:rPr lang="pt-BR" dirty="0" err="1"/>
-              <a:t>Challange</a:t>
-            </a:r>
-            <a:r>
-              <a:rPr lang="pt-BR" dirty="0"/>
-              <a:t> II</a:t>
-            </a:r>
+              <a:t>Invaders</a:t>
+            </a:r>
+            <a:endParaRPr lang="pt-BR" dirty="0"/>
           </a:p>
         </p:txBody>
       </p:sp>
@@ -3396,8 +3394,8 @@
         </p:nvSpPr>
         <p:spPr>
           <a:xfrm>
-            <a:off x="2447635" y="2037277"/>
-            <a:ext cx="7629238" cy="1323439"/>
+            <a:off x="2396835" y="2833143"/>
+            <a:ext cx="7629238" cy="2246769"/>
           </a:xfrm>
           <a:prstGeom prst="rect">
             <a:avLst/>
@@ -3410,33 +3408,48 @@
           </a:bodyPr>
           <a:lstStyle/>
           <a:p>
-            <a:r>
-              <a:rPr lang="pt-BR" sz="1600" b="1" dirty="0"/>
-              <a:t>Trabalho de pós graduação em Inteligência artificial para </a:t>
-            </a:r>
-            <a:r>
-              <a:rPr lang="pt-BR" sz="1600" b="1" dirty="0" err="1"/>
-              <a:t>DEVs</a:t>
-            </a:r>
-            <a:endParaRPr lang="pt-BR" sz="1600" b="1" dirty="0"/>
-          </a:p>
-          <a:p>
-            <a:endParaRPr lang="pt-BR" sz="1600" b="1" dirty="0"/>
-          </a:p>
-          <a:p>
-            <a:r>
-              <a:rPr lang="pt-BR" sz="1600" dirty="0"/>
-              <a:t>Instituição FIAP</a:t>
-            </a:r>
-            <a:br>
-              <a:rPr lang="pt-BR" sz="1600" dirty="0"/>
-            </a:br>
-            <a:br>
-              <a:rPr lang="pt-BR" sz="1600" dirty="0"/>
-            </a:br>
-            <a:r>
-              <a:rPr lang="pt-BR" sz="1600" dirty="0"/>
-              <a:t>Limite de entrega: Agosto de 2025</a:t>
+            <a:pPr algn="ctr"/>
+            <a:r>
+              <a:rPr lang="pt-BR" sz="2800" dirty="0"/>
+              <a:t>Tech </a:t>
+            </a:r>
+            <a:r>
+              <a:rPr lang="pt-BR" sz="2800" dirty="0" err="1"/>
+              <a:t>Challenge</a:t>
+            </a:r>
+            <a:r>
+              <a:rPr lang="pt-BR" sz="2800" dirty="0"/>
+              <a:t> II - IA Genética</a:t>
+            </a:r>
+          </a:p>
+          <a:p>
+            <a:pPr algn="ctr"/>
+            <a:endParaRPr lang="pt-BR" sz="2800" dirty="0"/>
+          </a:p>
+          <a:p>
+            <a:pPr algn="ctr"/>
+            <a:r>
+              <a:rPr lang="pt-BR" sz="2800" dirty="0"/>
+              <a:t>Pós-graduação em IA para </a:t>
+            </a:r>
+            <a:r>
+              <a:rPr lang="pt-BR" sz="2800" dirty="0" err="1"/>
+              <a:t>Devs</a:t>
+            </a:r>
+            <a:r>
+              <a:rPr lang="pt-BR" sz="2800" dirty="0"/>
+              <a:t>, 2025 – FIAP</a:t>
+            </a:r>
+          </a:p>
+          <a:p>
+            <a:pPr algn="ctr"/>
+            <a:endParaRPr lang="pt-BR" sz="2800" dirty="0"/>
+          </a:p>
+          <a:p>
+            <a:pPr algn="ctr"/>
+            <a:r>
+              <a:rPr lang="pt-BR" sz="2800" dirty="0"/>
+              <a:t>Gustavo Malta Guimarães</a:t>
             </a:r>
           </a:p>
         </p:txBody>
@@ -3494,7 +3507,7 @@
           <a:p>
             <a:r>
               <a:rPr lang="pt-BR" dirty="0"/>
-              <a:t>Evoluções Futuras do Projeto</a:t>
+              <a:t>Escopo</a:t>
             </a:r>
           </a:p>
         </p:txBody>
@@ -3514,7 +3527,7 @@
         <p:spPr>
           <a:xfrm>
             <a:off x="838200" y="2048932"/>
-            <a:ext cx="10405533" cy="1477328"/>
+            <a:ext cx="10405533" cy="3139321"/>
           </a:xfrm>
           <a:prstGeom prst="rect">
             <a:avLst/>
@@ -3528,41 +3541,87 @@
           <a:lstStyle/>
           <a:p>
             <a:r>
-              <a:rPr lang="pt-BR" dirty="0"/>
-              <a:t>Este projeto pode ser expandido para incluir o treinamento simultâneo de duas Inteligências Artificiais utilizando NEAT (</a:t>
-            </a:r>
-            <a:r>
-              <a:rPr lang="pt-BR" dirty="0" err="1"/>
-              <a:t>NeuroEvolution</a:t>
-            </a:r>
-            <a:r>
-              <a:rPr lang="pt-BR" dirty="0"/>
-              <a:t> </a:t>
-            </a:r>
-            <a:r>
-              <a:rPr lang="pt-BR" dirty="0" err="1"/>
-              <a:t>of</a:t>
-            </a:r>
-            <a:r>
-              <a:rPr lang="pt-BR" dirty="0"/>
-              <a:t> </a:t>
-            </a:r>
-            <a:r>
-              <a:rPr lang="pt-BR" dirty="0" err="1"/>
-              <a:t>Augmenting</a:t>
-            </a:r>
-            <a:r>
-              <a:rPr lang="pt-BR" dirty="0"/>
-              <a:t> </a:t>
-            </a:r>
-            <a:r>
-              <a:rPr lang="pt-BR" dirty="0" err="1"/>
-              <a:t>Topologies</a:t>
-            </a:r>
-            <a:r>
-              <a:rPr lang="pt-BR" dirty="0"/>
-              <a:t>). Assim, tanto os inimigos quanto o jogador seriam capazes de perceber o comportamento de seus oponentes e tomar decisões mais complexas, adaptando suas estratégias em tempo real de acordo com os movimentos do adversário.</a:t>
-            </a:r>
+              <a:rPr lang="pt-BR" dirty="0">
+                <a:latin typeface="Arial" panose="020B0604020202020204" pitchFamily="34" charset="0"/>
+                <a:cs typeface="Arial" panose="020B0604020202020204" pitchFamily="34" charset="0"/>
+              </a:rPr>
+              <a:t>O objetivo deste trabalho é desenvolver uma primeira versão de um agente jogador utilizando </a:t>
+            </a:r>
+            <a:r>
+              <a:rPr lang="pt-BR" b="1" dirty="0">
+                <a:latin typeface="Arial" panose="020B0604020202020204" pitchFamily="34" charset="0"/>
+                <a:cs typeface="Arial" panose="020B0604020202020204" pitchFamily="34" charset="0"/>
+              </a:rPr>
+              <a:t>Inteligência Artificial Genética</a:t>
+            </a:r>
+            <a:r>
+              <a:rPr lang="pt-BR" dirty="0">
+                <a:latin typeface="Arial" panose="020B0604020202020204" pitchFamily="34" charset="0"/>
+                <a:cs typeface="Arial" panose="020B0604020202020204" pitchFamily="34" charset="0"/>
+              </a:rPr>
+              <a:t> em um ambiente de Space </a:t>
+            </a:r>
+            <a:r>
+              <a:rPr lang="pt-BR" dirty="0" err="1">
+                <a:latin typeface="Arial" panose="020B0604020202020204" pitchFamily="34" charset="0"/>
+                <a:cs typeface="Arial" panose="020B0604020202020204" pitchFamily="34" charset="0"/>
+              </a:rPr>
+              <a:t>Invaders</a:t>
+            </a:r>
+            <a:r>
+              <a:rPr lang="pt-BR" dirty="0">
+                <a:latin typeface="Arial" panose="020B0604020202020204" pitchFamily="34" charset="0"/>
+                <a:cs typeface="Arial" panose="020B0604020202020204" pitchFamily="34" charset="0"/>
+              </a:rPr>
+              <a:t> simplificado.</a:t>
+            </a:r>
+          </a:p>
+          <a:p>
+            <a:endParaRPr lang="pt-BR" dirty="0">
+              <a:latin typeface="Arial" panose="020B0604020202020204" pitchFamily="34" charset="0"/>
+              <a:cs typeface="Arial" panose="020B0604020202020204" pitchFamily="34" charset="0"/>
+            </a:endParaRPr>
+          </a:p>
+          <a:p>
+            <a:r>
+              <a:rPr lang="pt-BR" dirty="0">
+                <a:latin typeface="Arial" panose="020B0604020202020204" pitchFamily="34" charset="0"/>
+                <a:cs typeface="Arial" panose="020B0604020202020204" pitchFamily="34" charset="0"/>
+              </a:rPr>
+              <a:t>Neste contexto, os inimigos serão configurados para apresentar movimentação linear e repetitiva ou permanecerão parados ao longo da partida, gerando um comportamento </a:t>
+            </a:r>
+            <a:r>
+              <a:rPr lang="pt-BR" b="1" dirty="0">
+                <a:latin typeface="Arial" panose="020B0604020202020204" pitchFamily="34" charset="0"/>
+                <a:cs typeface="Arial" panose="020B0604020202020204" pitchFamily="34" charset="0"/>
+              </a:rPr>
+              <a:t>estático</a:t>
+            </a:r>
+            <a:r>
+              <a:rPr lang="pt-BR" dirty="0">
+                <a:latin typeface="Arial" panose="020B0604020202020204" pitchFamily="34" charset="0"/>
+                <a:cs typeface="Arial" panose="020B0604020202020204" pitchFamily="34" charset="0"/>
+              </a:rPr>
+              <a:t>.</a:t>
+            </a:r>
+          </a:p>
+          <a:p>
+            <a:endParaRPr lang="pt-BR" dirty="0">
+              <a:latin typeface="Arial" panose="020B0604020202020204" pitchFamily="34" charset="0"/>
+              <a:cs typeface="Arial" panose="020B0604020202020204" pitchFamily="34" charset="0"/>
+            </a:endParaRPr>
+          </a:p>
+          <a:p>
+            <a:r>
+              <a:rPr lang="pt-BR" dirty="0">
+                <a:latin typeface="Arial" panose="020B0604020202020204" pitchFamily="34" charset="0"/>
+                <a:cs typeface="Arial" panose="020B0604020202020204" pitchFamily="34" charset="0"/>
+              </a:rPr>
+              <a:t>O agente jogador, controlado por IA Genética, terá como principal objetivo eliminar todos os inimigos no menor tempo possível, buscando assim percorrer o caminho mais eficiente e otimizado para maximizar o desempenho no jogo.</a:t>
+            </a:r>
+          </a:p>
+          <a:p>
+            <a:endParaRPr lang="pt-BR" dirty="0"/>
           </a:p>
           <a:p>
             <a:endParaRPr lang="pt-BR" dirty="0"/>
@@ -3572,7 +3631,7 @@
     </p:spTree>
     <p:extLst>
       <p:ext uri="{BB962C8B-B14F-4D97-AF65-F5344CB8AC3E}">
-        <p14:creationId xmlns:p14="http://schemas.microsoft.com/office/powerpoint/2010/main" val="793195397"/>
+        <p14:creationId xmlns:p14="http://schemas.microsoft.com/office/powerpoint/2010/main" val="2773783"/>
       </p:ext>
     </p:extLst>
   </p:cSld>
@@ -3622,7 +3681,7 @@
           <a:p>
             <a:r>
               <a:rPr lang="pt-BR" dirty="0"/>
-              <a:t>IA Genética é uma Solução Viável?</a:t>
+              <a:t>Evoluções Futuras do Projeto</a:t>
             </a:r>
           </a:p>
         </p:txBody>
@@ -3641,8 +3700,8 @@
         </p:nvSpPr>
         <p:spPr>
           <a:xfrm>
-            <a:off x="838200" y="1773488"/>
-            <a:ext cx="10405533" cy="4955203"/>
+            <a:off x="838201" y="2048932"/>
+            <a:ext cx="8534400" cy="2585323"/>
           </a:xfrm>
           <a:prstGeom prst="rect">
             <a:avLst/>
@@ -3656,125 +3715,134 @@
           <a:lstStyle/>
           <a:p>
             <a:r>
-              <a:rPr lang="pt-BR" sz="1400" b="1" dirty="0"/>
-              <a:t>O que otimizar?</a:t>
-            </a:r>
-            <a:br>
-              <a:rPr lang="pt-BR" sz="1400" dirty="0"/>
-            </a:br>
-            <a:r>
-              <a:rPr lang="pt-BR" sz="1400" dirty="0"/>
-              <a:t>	Maximizar inimigos abatidos e rapidez (mínimo de jogadas).</a:t>
-            </a:r>
-          </a:p>
-          <a:p>
-            <a:endParaRPr lang="pt-BR" sz="1400" dirty="0"/>
-          </a:p>
-          <a:p>
-            <a:r>
-              <a:rPr lang="pt-BR" sz="1400" b="1" dirty="0"/>
-              <a:t>Representação (genoma):</a:t>
-            </a:r>
-            <a:br>
-              <a:rPr lang="pt-BR" sz="1400" dirty="0"/>
-            </a:br>
-            <a:r>
-              <a:rPr lang="pt-BR" sz="1400" dirty="0"/>
-              <a:t>	Sequência de 700 genes (0=parar, 1=esq., 2=dir., 3=atirar).</a:t>
-            </a:r>
-          </a:p>
-          <a:p>
-            <a:endParaRPr lang="pt-BR" sz="1400" dirty="0"/>
-          </a:p>
-          <a:p>
-            <a:r>
-              <a:rPr lang="pt-BR" sz="1400" b="1" dirty="0"/>
-              <a:t>Função de fitness:</a:t>
-            </a:r>
-            <a:br>
-              <a:rPr lang="pt-BR" sz="1400" dirty="0"/>
-            </a:br>
-            <a:r>
-              <a:rPr lang="pt-BR" sz="1400" dirty="0"/>
-              <a:t>	Soma ponderada: abates, rapidez dos acertos e bônus por eficiência.</a:t>
-            </a:r>
-          </a:p>
-          <a:p>
-            <a:endParaRPr lang="pt-BR" sz="1400" dirty="0"/>
-          </a:p>
-          <a:p>
-            <a:r>
-              <a:rPr lang="pt-BR" sz="1400" b="1" dirty="0"/>
-              <a:t>Seleção:</a:t>
-            </a:r>
-            <a:br>
-              <a:rPr lang="pt-BR" sz="1400" dirty="0"/>
-            </a:br>
-            <a:r>
-              <a:rPr lang="pt-BR" sz="1400" dirty="0"/>
-              <a:t>	Torneio.</a:t>
-            </a:r>
-          </a:p>
-          <a:p>
-            <a:endParaRPr lang="pt-BR" sz="1400" dirty="0"/>
-          </a:p>
-          <a:p>
-            <a:r>
-              <a:rPr lang="pt-BR" sz="1400" b="1" dirty="0"/>
-              <a:t>Crossover:</a:t>
-            </a:r>
-            <a:br>
-              <a:rPr lang="pt-BR" sz="1400" dirty="0"/>
-            </a:br>
-            <a:r>
-              <a:rPr lang="pt-BR" sz="1400" dirty="0"/>
-              <a:t>	Um ponto fixo.</a:t>
-            </a:r>
-          </a:p>
-          <a:p>
-            <a:endParaRPr lang="pt-BR" sz="1400" dirty="0"/>
-          </a:p>
-          <a:p>
-            <a:r>
-              <a:rPr lang="pt-BR" sz="1400" b="1" dirty="0"/>
-              <a:t>Inicialização:</a:t>
-            </a:r>
-            <a:br>
-              <a:rPr lang="pt-BR" sz="1400" dirty="0"/>
-            </a:br>
-            <a:r>
-              <a:rPr lang="pt-BR" sz="1400" dirty="0"/>
-              <a:t>	Blocos de movimentos repetidos lateralmente, porém aleatórios + totalmente aleatórios.</a:t>
-            </a:r>
-          </a:p>
-          <a:p>
-            <a:endParaRPr lang="pt-BR" sz="1400" dirty="0"/>
-          </a:p>
-          <a:p>
-            <a:r>
-              <a:rPr lang="pt-BR" sz="1400" b="1" dirty="0"/>
-              <a:t>Critério de parada:</a:t>
-            </a:r>
-            <a:br>
-              <a:rPr lang="pt-BR" sz="1400" dirty="0"/>
-            </a:br>
-            <a:r>
-              <a:rPr lang="pt-BR" sz="1400" dirty="0"/>
-              <a:t>	Foi definido o numero de 200 gerações, mas poderia ser ao eliminar todos os inimigos.</a:t>
-            </a:r>
-          </a:p>
-          <a:p>
-            <a:endParaRPr lang="pt-BR" dirty="0"/>
-          </a:p>
-          <a:p>
-            <a:endParaRPr lang="pt-BR" dirty="0"/>
+              <a:rPr lang="pt-BR" dirty="0">
+                <a:latin typeface="Arial" panose="020B0604020202020204" pitchFamily="34" charset="0"/>
+                <a:cs typeface="Arial" panose="020B0604020202020204" pitchFamily="34" charset="0"/>
+              </a:rPr>
+              <a:t>Possibilidade de expandir o projeto com treinamento simultâneo de duas </a:t>
+            </a:r>
+            <a:r>
+              <a:rPr lang="pt-BR" dirty="0" err="1">
+                <a:latin typeface="Arial" panose="020B0604020202020204" pitchFamily="34" charset="0"/>
+                <a:cs typeface="Arial" panose="020B0604020202020204" pitchFamily="34" charset="0"/>
+              </a:rPr>
+              <a:t>IAs</a:t>
+            </a:r>
+            <a:r>
+              <a:rPr lang="pt-BR" dirty="0">
+                <a:latin typeface="Arial" panose="020B0604020202020204" pitchFamily="34" charset="0"/>
+                <a:cs typeface="Arial" panose="020B0604020202020204" pitchFamily="34" charset="0"/>
+              </a:rPr>
+              <a:t> usando NEAT (</a:t>
+            </a:r>
+            <a:r>
+              <a:rPr lang="pt-BR" dirty="0" err="1">
+                <a:latin typeface="Arial" panose="020B0604020202020204" pitchFamily="34" charset="0"/>
+                <a:cs typeface="Arial" panose="020B0604020202020204" pitchFamily="34" charset="0"/>
+              </a:rPr>
+              <a:t>NeuroEvolution</a:t>
+            </a:r>
+            <a:r>
+              <a:rPr lang="pt-BR" dirty="0">
+                <a:latin typeface="Arial" panose="020B0604020202020204" pitchFamily="34" charset="0"/>
+                <a:cs typeface="Arial" panose="020B0604020202020204" pitchFamily="34" charset="0"/>
+              </a:rPr>
+              <a:t> </a:t>
+            </a:r>
+            <a:r>
+              <a:rPr lang="pt-BR" dirty="0" err="1">
+                <a:latin typeface="Arial" panose="020B0604020202020204" pitchFamily="34" charset="0"/>
+                <a:cs typeface="Arial" panose="020B0604020202020204" pitchFamily="34" charset="0"/>
+              </a:rPr>
+              <a:t>of</a:t>
+            </a:r>
+            <a:r>
+              <a:rPr lang="pt-BR" dirty="0">
+                <a:latin typeface="Arial" panose="020B0604020202020204" pitchFamily="34" charset="0"/>
+                <a:cs typeface="Arial" panose="020B0604020202020204" pitchFamily="34" charset="0"/>
+              </a:rPr>
+              <a:t> </a:t>
+            </a:r>
+            <a:r>
+              <a:rPr lang="pt-BR" dirty="0" err="1">
+                <a:latin typeface="Arial" panose="020B0604020202020204" pitchFamily="34" charset="0"/>
+                <a:cs typeface="Arial" panose="020B0604020202020204" pitchFamily="34" charset="0"/>
+              </a:rPr>
+              <a:t>Augmenting</a:t>
+            </a:r>
+            <a:r>
+              <a:rPr lang="pt-BR" dirty="0">
+                <a:latin typeface="Arial" panose="020B0604020202020204" pitchFamily="34" charset="0"/>
+                <a:cs typeface="Arial" panose="020B0604020202020204" pitchFamily="34" charset="0"/>
+              </a:rPr>
+              <a:t> </a:t>
+            </a:r>
+            <a:r>
+              <a:rPr lang="pt-BR" dirty="0" err="1">
+                <a:latin typeface="Arial" panose="020B0604020202020204" pitchFamily="34" charset="0"/>
+                <a:cs typeface="Arial" panose="020B0604020202020204" pitchFamily="34" charset="0"/>
+              </a:rPr>
+              <a:t>Topologies</a:t>
+            </a:r>
+            <a:r>
+              <a:rPr lang="pt-BR" dirty="0">
+                <a:latin typeface="Arial" panose="020B0604020202020204" pitchFamily="34" charset="0"/>
+                <a:cs typeface="Arial" panose="020B0604020202020204" pitchFamily="34" charset="0"/>
+              </a:rPr>
+              <a:t>)</a:t>
+            </a:r>
+          </a:p>
+          <a:p>
+            <a:endParaRPr lang="pt-BR" dirty="0">
+              <a:latin typeface="Arial" panose="020B0604020202020204" pitchFamily="34" charset="0"/>
+              <a:cs typeface="Arial" panose="020B0604020202020204" pitchFamily="34" charset="0"/>
+            </a:endParaRPr>
+          </a:p>
+          <a:p>
+            <a:r>
+              <a:rPr lang="pt-BR" dirty="0">
+                <a:latin typeface="Arial" panose="020B0604020202020204" pitchFamily="34" charset="0"/>
+                <a:cs typeface="Arial" panose="020B0604020202020204" pitchFamily="34" charset="0"/>
+              </a:rPr>
+              <a:t>Tanto os inimigos quanto o jogador passam a perceber e reagir ao comportamento do oponente</a:t>
+            </a:r>
+          </a:p>
+          <a:p>
+            <a:endParaRPr lang="pt-BR" dirty="0">
+              <a:latin typeface="Arial" panose="020B0604020202020204" pitchFamily="34" charset="0"/>
+              <a:cs typeface="Arial" panose="020B0604020202020204" pitchFamily="34" charset="0"/>
+            </a:endParaRPr>
+          </a:p>
+          <a:p>
+            <a:r>
+              <a:rPr lang="pt-BR" dirty="0">
+                <a:latin typeface="Arial" panose="020B0604020202020204" pitchFamily="34" charset="0"/>
+                <a:cs typeface="Arial" panose="020B0604020202020204" pitchFamily="34" charset="0"/>
+              </a:rPr>
+              <a:t>Permite tomada de decisões mais complexas e adaptativas</a:t>
+            </a:r>
+          </a:p>
+          <a:p>
+            <a:endParaRPr lang="pt-BR" dirty="0">
+              <a:latin typeface="Arial" panose="020B0604020202020204" pitchFamily="34" charset="0"/>
+              <a:cs typeface="Arial" panose="020B0604020202020204" pitchFamily="34" charset="0"/>
+            </a:endParaRPr>
+          </a:p>
+          <a:p>
+            <a:r>
+              <a:rPr lang="pt-BR" dirty="0">
+                <a:latin typeface="Arial" panose="020B0604020202020204" pitchFamily="34" charset="0"/>
+                <a:cs typeface="Arial" panose="020B0604020202020204" pitchFamily="34" charset="0"/>
+              </a:rPr>
+              <a:t>Estratégias evoluem em tempo real conforme os movimentos do adversário</a:t>
+            </a:r>
           </a:p>
         </p:txBody>
       </p:sp>
     </p:spTree>
     <p:extLst>
       <p:ext uri="{BB962C8B-B14F-4D97-AF65-F5344CB8AC3E}">
-        <p14:creationId xmlns:p14="http://schemas.microsoft.com/office/powerpoint/2010/main" val="1324432143"/>
+        <p14:creationId xmlns:p14="http://schemas.microsoft.com/office/powerpoint/2010/main" val="793195397"/>
       </p:ext>
     </p:extLst>
   </p:cSld>
@@ -3824,7 +3892,7 @@
           <a:p>
             <a:r>
               <a:rPr lang="pt-BR" dirty="0"/>
-              <a:t>Problemas e soluções</a:t>
+              <a:t>Importância do Elitismo e da Diversidade</a:t>
             </a:r>
           </a:p>
         </p:txBody>
@@ -3844,7 +3912,7 @@
         <p:spPr>
           <a:xfrm>
             <a:off x="838199" y="2304994"/>
-            <a:ext cx="10762673" cy="3139321"/>
+            <a:ext cx="10762673" cy="1754326"/>
           </a:xfrm>
           <a:prstGeom prst="rect">
             <a:avLst/>
@@ -3882,7 +3950,7 @@
                 <a:effectLst/>
                 <a:latin typeface="Arial" panose="020B0604020202020204" pitchFamily="34" charset="0"/>
               </a:rPr>
-              <a:t>Inimigos em movimento:</a:t>
+              <a:t>Manter o melhor indivíduo </a:t>
             </a:r>
             <a:r>
               <a:rPr kumimoji="0" lang="pt-BR" altLang="pt-BR" sz="1800" b="0" i="0" u="none" strike="noStrike" cap="none" normalizeH="0" baseline="0" dirty="0">
@@ -3895,75 +3963,7 @@
                 <a:effectLst/>
                 <a:latin typeface="Arial" panose="020B0604020202020204" pitchFamily="34" charset="0"/>
               </a:rPr>
-              <a:t> solução ficou fácil, pois todos cruzavam o centro da tela.</a:t>
-            </a:r>
-          </a:p>
-          <a:p>
-            <a:pPr marL="0" marR="0" lvl="0" indent="0" algn="l" defTabSz="914400" rtl="0" eaLnBrk="0" fontAlgn="base" latinLnBrk="0" hangingPunct="0">
-              <a:lnSpc>
-                <a:spcPct val="100000"/>
-              </a:lnSpc>
-              <a:spcBef>
-                <a:spcPct val="0"/>
-              </a:spcBef>
-              <a:spcAft>
-                <a:spcPct val="0"/>
-              </a:spcAft>
-              <a:buClrTx/>
-              <a:buSzTx/>
-              <a:tabLst/>
-            </a:pPr>
-            <a:endParaRPr kumimoji="0" lang="pt-BR" altLang="pt-BR" sz="1800" b="0" i="0" u="none" strike="noStrike" cap="none" normalizeH="0" baseline="0" dirty="0">
-              <a:ln>
-                <a:noFill/>
-              </a:ln>
-              <a:solidFill>
-                <a:schemeClr val="tx1"/>
-              </a:solidFill>
-              <a:effectLst/>
-              <a:latin typeface="Arial" panose="020B0604020202020204" pitchFamily="34" charset="0"/>
-            </a:endParaRPr>
-          </a:p>
-          <a:p>
-            <a:pPr marL="0" marR="0" lvl="0" indent="0" algn="l" defTabSz="914400" rtl="0" eaLnBrk="0" fontAlgn="base" latinLnBrk="0" hangingPunct="0">
-              <a:lnSpc>
-                <a:spcPct val="100000"/>
-              </a:lnSpc>
-              <a:spcBef>
-                <a:spcPct val="0"/>
-              </a:spcBef>
-              <a:spcAft>
-                <a:spcPct val="0"/>
-              </a:spcAft>
-              <a:buClrTx/>
-              <a:buSzTx/>
-              <a:tabLst/>
-            </a:pPr>
-            <a:r>
-              <a:rPr kumimoji="0" lang="pt-BR" altLang="pt-BR" sz="1800" b="1" i="0" u="none" strike="noStrike" cap="none" normalizeH="0" baseline="0" dirty="0">
-                <a:ln>
-                  <a:noFill/>
-                </a:ln>
-                <a:solidFill>
-                  <a:schemeClr val="tx1"/>
-                </a:solidFill>
-                <a:effectLst/>
-                <a:latin typeface="Arial" panose="020B0604020202020204" pitchFamily="34" charset="0"/>
-              </a:rPr>
-              <a:t>Inimigos parados:</a:t>
-            </a:r>
-            <a:r>
-              <a:rPr kumimoji="0" lang="pt-BR" altLang="pt-BR" sz="1800" b="0" i="0" u="none" strike="noStrike" cap="none" normalizeH="0" baseline="0" dirty="0">
-                <a:ln>
-                  <a:noFill/>
-                </a:ln>
-                <a:solidFill>
-                  <a:schemeClr val="tx1"/>
-                </a:solidFill>
-                <a:effectLst/>
-                <a:latin typeface="Arial" panose="020B0604020202020204" pitchFamily="34" charset="0"/>
-              </a:rPr>
-              <a:t> o agente ficava preso em máximos locais, parando em um dos lados.</a:t>
+              <a:t>(elitismo) em cada geração foi fundamental.</a:t>
             </a:r>
           </a:p>
           <a:p>
@@ -4001,12 +4001,17 @@
               <a:tabLst/>
             </a:pPr>
             <a:r>
-              <a:rPr lang="pt-BR" b="1" dirty="0"/>
-              <a:t>Inicializar o jogador em posição aleatória: </a:t>
-            </a:r>
-            <a:r>
-              <a:rPr lang="pt-BR" dirty="0"/>
-              <a:t>resolveria o problema de forma trivial, mas não promoveria um aprendizado mais aprofundado sobre a dinâmica do agente e as estratégias evolutivas.</a:t>
+              <a:rPr kumimoji="0" lang="pt-BR" altLang="pt-BR" sz="1800" b="0" i="0" u="none" strike="noStrike" cap="none" normalizeH="0" baseline="0" dirty="0">
+                <a:ln>
+                  <a:noFill/>
+                </a:ln>
+                <a:solidFill>
+                  <a:schemeClr val="tx1"/>
+                </a:solidFill>
+                <a:effectLst/>
+                <a:latin typeface="Arial" panose="020B0604020202020204" pitchFamily="34" charset="0"/>
+              </a:rPr>
+              <a:t>Isso permitiu aumentar a taxa de mutação, acelerando a descoberta de caminhos mais eficientes.</a:t>
             </a:r>
           </a:p>
           <a:p>
@@ -4024,14 +4029,7 @@
               <a:buSzTx/>
               <a:tabLst/>
             </a:pPr>
-            <a:endParaRPr kumimoji="0" lang="pt-BR" altLang="pt-BR" sz="1800" b="1" i="0" u="none" strike="noStrike" cap="none" normalizeH="0" baseline="0" dirty="0">
-              <a:ln>
-                <a:noFill/>
-              </a:ln>
-              <a:solidFill>
-                <a:schemeClr val="tx1"/>
-              </a:solidFill>
-              <a:effectLst/>
+            <a:endParaRPr lang="pt-BR" altLang="pt-BR" dirty="0">
               <a:latin typeface="Arial" panose="020B0604020202020204" pitchFamily="34" charset="0"/>
             </a:endParaRPr>
           </a:p>
@@ -4051,45 +4049,6 @@
               <a:tabLst/>
             </a:pPr>
             <a:r>
-              <a:rPr kumimoji="0" lang="pt-BR" altLang="pt-BR" sz="1800" b="1" i="0" u="none" strike="noStrike" cap="none" normalizeH="0" baseline="0" dirty="0">
-                <a:ln>
-                  <a:noFill/>
-                </a:ln>
-                <a:solidFill>
-                  <a:schemeClr val="tx1"/>
-                </a:solidFill>
-                <a:effectLst/>
-                <a:latin typeface="Arial" panose="020B0604020202020204" pitchFamily="34" charset="0"/>
-              </a:rPr>
-              <a:t>Solução:</a:t>
-            </a:r>
-            <a:endParaRPr kumimoji="0" lang="pt-BR" altLang="pt-BR" sz="1800" b="0" i="0" u="none" strike="noStrike" cap="none" normalizeH="0" baseline="0" dirty="0">
-              <a:ln>
-                <a:noFill/>
-              </a:ln>
-              <a:solidFill>
-                <a:schemeClr val="tx1"/>
-              </a:solidFill>
-              <a:effectLst/>
-              <a:latin typeface="Arial" panose="020B0604020202020204" pitchFamily="34" charset="0"/>
-            </a:endParaRPr>
-          </a:p>
-          <a:p>
-            <a:pPr marL="0" marR="0" lvl="0" indent="0" algn="l" defTabSz="914400" rtl="0" eaLnBrk="0" fontAlgn="base" latinLnBrk="0" hangingPunct="0">
-              <a:lnSpc>
-                <a:spcPct val="100000"/>
-              </a:lnSpc>
-              <a:spcBef>
-                <a:spcPct val="0"/>
-              </a:spcBef>
-              <a:spcAft>
-                <a:spcPct val="0"/>
-              </a:spcAft>
-              <a:buClrTx/>
-              <a:buSzTx/>
-              <a:tabLst/>
-            </a:pPr>
-            <a:r>
               <a:rPr kumimoji="0" lang="pt-BR" altLang="pt-BR" sz="1800" b="0" i="0" u="none" strike="noStrike" cap="none" normalizeH="0" baseline="0" dirty="0">
                 <a:ln>
                   <a:noFill/>
@@ -4100,36 +4059,7 @@
                 <a:effectLst/>
                 <a:latin typeface="Arial" panose="020B0604020202020204" pitchFamily="34" charset="0"/>
               </a:rPr>
-              <a:t>	Utilização de blocos de movimentos laterais repetitivos na população inicial, simulando comportamento mais realista.</a:t>
-            </a:r>
-          </a:p>
-          <a:p>
-            <a:pPr marL="0" marR="0" lvl="0" indent="0" algn="l" defTabSz="914400" rtl="0" eaLnBrk="0" fontAlgn="base" latinLnBrk="0" hangingPunct="0">
-              <a:lnSpc>
-                <a:spcPct val="100000"/>
-              </a:lnSpc>
-              <a:spcBef>
-                <a:spcPct val="0"/>
-              </a:spcBef>
-              <a:spcAft>
-                <a:spcPct val="0"/>
-              </a:spcAft>
-              <a:buClrTx/>
-              <a:buSzTx/>
-              <a:tabLst/>
-            </a:pPr>
-            <a:r>
-              <a:rPr kumimoji="0" lang="pt-BR" altLang="pt-BR" sz="1800" b="0" i="0" u="none" strike="noStrike" cap="none" normalizeH="0" baseline="0" dirty="0">
-                <a:ln>
-                  <a:noFill/>
-                </a:ln>
-                <a:solidFill>
-                  <a:schemeClr val="tx1"/>
-                </a:solidFill>
-                <a:effectLst/>
-                <a:latin typeface="Arial" panose="020B0604020202020204" pitchFamily="34" charset="0"/>
-              </a:rPr>
-              <a:t>	Adoção da mesma lógica na mutação, o que aprimorou ainda mais a performance do agente.</a:t>
+              <a:t>A combinação de elitismo, inicialização aprimorada e mutação em blocos estruturados favoreceu o surgimento de soluções cada vez melhores.</a:t>
             </a:r>
           </a:p>
         </p:txBody>
@@ -4166,6 +4096,386 @@
       </p:grpSpPr>
       <p:sp>
         <p:nvSpPr>
+          <p:cNvPr id="2" name="Título 1">
+            <a:extLst>
+              <a:ext uri="{FF2B5EF4-FFF2-40B4-BE49-F238E27FC236}">
+                <a16:creationId xmlns:a16="http://schemas.microsoft.com/office/drawing/2014/main" id="{1159F4F8-4F57-4E45-95E7-7C5AE43D5587}"/>
+              </a:ext>
+            </a:extLst>
+          </p:cNvPr>
+          <p:cNvSpPr>
+            <a:spLocks noGrp="1"/>
+          </p:cNvSpPr>
+          <p:nvPr>
+            <p:ph type="title"/>
+          </p:nvPr>
+        </p:nvSpPr>
+        <p:spPr/>
+        <p:txBody>
+          <a:bodyPr/>
+          <a:lstStyle/>
+          <a:p>
+            <a:r>
+              <a:rPr lang="pt-BR" dirty="0"/>
+              <a:t>Problemas e soluções</a:t>
+            </a:r>
+          </a:p>
+        </p:txBody>
+      </p:sp>
+      <p:sp>
+        <p:nvSpPr>
+          <p:cNvPr id="6" name="CaixaDeTexto 5">
+            <a:extLst>
+              <a:ext uri="{FF2B5EF4-FFF2-40B4-BE49-F238E27FC236}">
+                <a16:creationId xmlns:a16="http://schemas.microsoft.com/office/drawing/2014/main" id="{E2508650-0878-448B-8385-536518D597EF}"/>
+              </a:ext>
+            </a:extLst>
+          </p:cNvPr>
+          <p:cNvSpPr txBox="1"/>
+          <p:nvPr/>
+        </p:nvSpPr>
+        <p:spPr>
+          <a:xfrm>
+            <a:off x="838199" y="2304994"/>
+            <a:ext cx="10762673" cy="3139321"/>
+          </a:xfrm>
+          <a:prstGeom prst="rect">
+            <a:avLst/>
+          </a:prstGeom>
+          <a:noFill/>
+        </p:spPr>
+        <p:txBody>
+          <a:bodyPr wrap="square">
+            <a:spAutoFit/>
+          </a:bodyPr>
+          <a:lstStyle/>
+          <a:p>
+            <a:pPr marL="0" marR="0" lvl="0" indent="0" algn="l" defTabSz="914400" rtl="0" eaLnBrk="0" fontAlgn="base" latinLnBrk="0" hangingPunct="0">
+              <a:lnSpc>
+                <a:spcPct val="100000"/>
+              </a:lnSpc>
+              <a:spcBef>
+                <a:spcPct val="0"/>
+              </a:spcBef>
+              <a:spcAft>
+                <a:spcPct val="0"/>
+              </a:spcAft>
+              <a:buClrTx/>
+              <a:buSzTx/>
+              <a:tabLst/>
+            </a:pPr>
+            <a:r>
+              <a:rPr kumimoji="0" lang="pt-BR" altLang="pt-BR" sz="1800" b="1" i="0" u="none" strike="noStrike" cap="none" normalizeH="0" baseline="0" dirty="0">
+                <a:ln>
+                  <a:noFill/>
+                </a:ln>
+                <a:solidFill>
+                  <a:schemeClr val="tx1"/>
+                </a:solidFill>
+                <a:effectLst/>
+                <a:latin typeface="Arial" panose="020B0604020202020204" pitchFamily="34" charset="0"/>
+                <a:cs typeface="Arial" panose="020B0604020202020204" pitchFamily="34" charset="0"/>
+              </a:rPr>
+              <a:t>Inimigos em movimento:</a:t>
+            </a:r>
+            <a:r>
+              <a:rPr kumimoji="0" lang="pt-BR" altLang="pt-BR" sz="1800" b="0" i="0" u="none" strike="noStrike" cap="none" normalizeH="0" baseline="0" dirty="0">
+                <a:ln>
+                  <a:noFill/>
+                </a:ln>
+                <a:solidFill>
+                  <a:schemeClr val="tx1"/>
+                </a:solidFill>
+                <a:effectLst/>
+                <a:latin typeface="Arial" panose="020B0604020202020204" pitchFamily="34" charset="0"/>
+                <a:cs typeface="Arial" panose="020B0604020202020204" pitchFamily="34" charset="0"/>
+              </a:rPr>
+              <a:t> solução ficou fácil, pois todos cruzavam o centro da tela.</a:t>
+            </a:r>
+          </a:p>
+          <a:p>
+            <a:pPr marL="0" marR="0" lvl="0" indent="0" algn="l" defTabSz="914400" rtl="0" eaLnBrk="0" fontAlgn="base" latinLnBrk="0" hangingPunct="0">
+              <a:lnSpc>
+                <a:spcPct val="100000"/>
+              </a:lnSpc>
+              <a:spcBef>
+                <a:spcPct val="0"/>
+              </a:spcBef>
+              <a:spcAft>
+                <a:spcPct val="0"/>
+              </a:spcAft>
+              <a:buClrTx/>
+              <a:buSzTx/>
+              <a:tabLst/>
+            </a:pPr>
+            <a:endParaRPr kumimoji="0" lang="pt-BR" altLang="pt-BR" sz="1800" b="0" i="0" u="none" strike="noStrike" cap="none" normalizeH="0" baseline="0" dirty="0">
+              <a:ln>
+                <a:noFill/>
+              </a:ln>
+              <a:solidFill>
+                <a:schemeClr val="tx1"/>
+              </a:solidFill>
+              <a:effectLst/>
+              <a:latin typeface="Arial" panose="020B0604020202020204" pitchFamily="34" charset="0"/>
+              <a:cs typeface="Arial" panose="020B0604020202020204" pitchFamily="34" charset="0"/>
+            </a:endParaRPr>
+          </a:p>
+          <a:p>
+            <a:pPr marL="0" marR="0" lvl="0" indent="0" algn="l" defTabSz="914400" rtl="0" eaLnBrk="0" fontAlgn="base" latinLnBrk="0" hangingPunct="0">
+              <a:lnSpc>
+                <a:spcPct val="100000"/>
+              </a:lnSpc>
+              <a:spcBef>
+                <a:spcPct val="0"/>
+              </a:spcBef>
+              <a:spcAft>
+                <a:spcPct val="0"/>
+              </a:spcAft>
+              <a:buClrTx/>
+              <a:buSzTx/>
+              <a:tabLst/>
+            </a:pPr>
+            <a:r>
+              <a:rPr kumimoji="0" lang="pt-BR" altLang="pt-BR" sz="1800" b="1" i="0" u="none" strike="noStrike" cap="none" normalizeH="0" baseline="0" dirty="0">
+                <a:ln>
+                  <a:noFill/>
+                </a:ln>
+                <a:solidFill>
+                  <a:schemeClr val="tx1"/>
+                </a:solidFill>
+                <a:effectLst/>
+                <a:latin typeface="Arial" panose="020B0604020202020204" pitchFamily="34" charset="0"/>
+                <a:cs typeface="Arial" panose="020B0604020202020204" pitchFamily="34" charset="0"/>
+              </a:rPr>
+              <a:t>Inimigos parados:</a:t>
+            </a:r>
+            <a:r>
+              <a:rPr kumimoji="0" lang="pt-BR" altLang="pt-BR" sz="1800" b="0" i="0" u="none" strike="noStrike" cap="none" normalizeH="0" baseline="0" dirty="0">
+                <a:ln>
+                  <a:noFill/>
+                </a:ln>
+                <a:solidFill>
+                  <a:schemeClr val="tx1"/>
+                </a:solidFill>
+                <a:effectLst/>
+                <a:latin typeface="Arial" panose="020B0604020202020204" pitchFamily="34" charset="0"/>
+                <a:cs typeface="Arial" panose="020B0604020202020204" pitchFamily="34" charset="0"/>
+              </a:rPr>
+              <a:t> o agente ficava preso em máximos locais, parando em um dos lados.</a:t>
+            </a:r>
+          </a:p>
+          <a:p>
+            <a:pPr marL="0" marR="0" lvl="0" indent="0" algn="l" defTabSz="914400" rtl="0" eaLnBrk="0" fontAlgn="base" latinLnBrk="0" hangingPunct="0">
+              <a:lnSpc>
+                <a:spcPct val="100000"/>
+              </a:lnSpc>
+              <a:spcBef>
+                <a:spcPct val="0"/>
+              </a:spcBef>
+              <a:spcAft>
+                <a:spcPct val="0"/>
+              </a:spcAft>
+              <a:buClrTx/>
+              <a:buSzTx/>
+              <a:tabLst/>
+            </a:pPr>
+            <a:endParaRPr lang="pt-BR" altLang="pt-BR" dirty="0">
+              <a:latin typeface="Arial" panose="020B0604020202020204" pitchFamily="34" charset="0"/>
+              <a:cs typeface="Arial" panose="020B0604020202020204" pitchFamily="34" charset="0"/>
+            </a:endParaRPr>
+          </a:p>
+          <a:p>
+            <a:pPr marL="0" marR="0" lvl="0" indent="0" algn="l" defTabSz="914400" rtl="0" eaLnBrk="0" fontAlgn="base" latinLnBrk="0" hangingPunct="0">
+              <a:lnSpc>
+                <a:spcPct val="100000"/>
+              </a:lnSpc>
+              <a:spcBef>
+                <a:spcPct val="0"/>
+              </a:spcBef>
+              <a:spcAft>
+                <a:spcPct val="0"/>
+              </a:spcAft>
+              <a:buClrTx/>
+              <a:buSzTx/>
+              <a:tabLst/>
+            </a:pPr>
+            <a:r>
+              <a:rPr lang="pt-BR" b="1" dirty="0">
+                <a:latin typeface="Arial" panose="020B0604020202020204" pitchFamily="34" charset="0"/>
+                <a:cs typeface="Arial" panose="020B0604020202020204" pitchFamily="34" charset="0"/>
+              </a:rPr>
+              <a:t>Inicializar o jogador em posição aleatória: </a:t>
+            </a:r>
+            <a:r>
+              <a:rPr lang="pt-BR" dirty="0">
+                <a:latin typeface="Arial" panose="020B0604020202020204" pitchFamily="34" charset="0"/>
+                <a:cs typeface="Arial" panose="020B0604020202020204" pitchFamily="34" charset="0"/>
+              </a:rPr>
+              <a:t>resolveria o problema de forma trivial, mas não promoveria um aprendizado mais aprofundado sobre a dinâmica do agente e as estratégias evolutivas.</a:t>
+            </a:r>
+          </a:p>
+          <a:p>
+            <a:pPr marL="0" marR="0" lvl="0" indent="0" algn="l" defTabSz="914400" rtl="0" eaLnBrk="0" fontAlgn="base" latinLnBrk="0" hangingPunct="0">
+              <a:lnSpc>
+                <a:spcPct val="100000"/>
+              </a:lnSpc>
+              <a:spcBef>
+                <a:spcPct val="0"/>
+              </a:spcBef>
+              <a:spcAft>
+                <a:spcPct val="0"/>
+              </a:spcAft>
+              <a:buClrTx/>
+              <a:buSzTx/>
+              <a:tabLst/>
+            </a:pPr>
+            <a:endParaRPr kumimoji="0" lang="pt-BR" altLang="pt-BR" sz="1800" b="1" i="0" u="none" strike="noStrike" cap="none" normalizeH="0" baseline="0" dirty="0">
+              <a:ln>
+                <a:noFill/>
+              </a:ln>
+              <a:solidFill>
+                <a:schemeClr val="tx1"/>
+              </a:solidFill>
+              <a:effectLst/>
+              <a:latin typeface="Arial" panose="020B0604020202020204" pitchFamily="34" charset="0"/>
+              <a:cs typeface="Arial" panose="020B0604020202020204" pitchFamily="34" charset="0"/>
+            </a:endParaRPr>
+          </a:p>
+          <a:p>
+            <a:pPr marL="0" marR="0" lvl="0" indent="0" algn="l" defTabSz="914400" rtl="0" eaLnBrk="0" fontAlgn="base" latinLnBrk="0" hangingPunct="0">
+              <a:lnSpc>
+                <a:spcPct val="100000"/>
+              </a:lnSpc>
+              <a:spcBef>
+                <a:spcPct val="0"/>
+              </a:spcBef>
+              <a:spcAft>
+                <a:spcPct val="0"/>
+              </a:spcAft>
+              <a:buClrTx/>
+              <a:buSzTx/>
+              <a:tabLst/>
+            </a:pPr>
+            <a:r>
+              <a:rPr kumimoji="0" lang="pt-BR" altLang="pt-BR" sz="1800" b="1" i="0" u="none" strike="noStrike" cap="none" normalizeH="0" baseline="0" dirty="0">
+                <a:ln>
+                  <a:noFill/>
+                </a:ln>
+                <a:solidFill>
+                  <a:schemeClr val="tx1"/>
+                </a:solidFill>
+                <a:effectLst/>
+                <a:latin typeface="Arial" panose="020B0604020202020204" pitchFamily="34" charset="0"/>
+                <a:cs typeface="Arial" panose="020B0604020202020204" pitchFamily="34" charset="0"/>
+              </a:rPr>
+              <a:t>Solução:</a:t>
+            </a:r>
+            <a:endParaRPr kumimoji="0" lang="pt-BR" altLang="pt-BR" sz="1800" b="0" i="0" u="none" strike="noStrike" cap="none" normalizeH="0" baseline="0" dirty="0">
+              <a:ln>
+                <a:noFill/>
+              </a:ln>
+              <a:solidFill>
+                <a:schemeClr val="tx1"/>
+              </a:solidFill>
+              <a:effectLst/>
+              <a:latin typeface="Arial" panose="020B0604020202020204" pitchFamily="34" charset="0"/>
+              <a:cs typeface="Arial" panose="020B0604020202020204" pitchFamily="34" charset="0"/>
+            </a:endParaRPr>
+          </a:p>
+          <a:p>
+            <a:pPr marL="0" marR="0" lvl="0" indent="0" algn="l" defTabSz="914400" rtl="0" eaLnBrk="0" fontAlgn="base" latinLnBrk="0" hangingPunct="0">
+              <a:lnSpc>
+                <a:spcPct val="100000"/>
+              </a:lnSpc>
+              <a:spcBef>
+                <a:spcPct val="0"/>
+              </a:spcBef>
+              <a:spcAft>
+                <a:spcPct val="0"/>
+              </a:spcAft>
+              <a:buClrTx/>
+              <a:buSzTx/>
+              <a:tabLst/>
+            </a:pPr>
+            <a:r>
+              <a:rPr kumimoji="0" lang="pt-BR" altLang="pt-BR" sz="1800" b="0" i="0" u="none" strike="noStrike" cap="none" normalizeH="0" baseline="0" dirty="0">
+                <a:ln>
+                  <a:noFill/>
+                </a:ln>
+                <a:solidFill>
+                  <a:schemeClr val="tx1"/>
+                </a:solidFill>
+                <a:effectLst/>
+                <a:latin typeface="Arial" panose="020B0604020202020204" pitchFamily="34" charset="0"/>
+                <a:cs typeface="Arial" panose="020B0604020202020204" pitchFamily="34" charset="0"/>
+              </a:rPr>
+              <a:t>	Utilização de blocos de movimentos laterais repetitivos na população inicial, simulando comportamento mais realista.</a:t>
+            </a:r>
+          </a:p>
+          <a:p>
+            <a:pPr marL="0" marR="0" lvl="0" indent="0" algn="l" defTabSz="914400" rtl="0" eaLnBrk="0" fontAlgn="base" latinLnBrk="0" hangingPunct="0">
+              <a:lnSpc>
+                <a:spcPct val="100000"/>
+              </a:lnSpc>
+              <a:spcBef>
+                <a:spcPct val="0"/>
+              </a:spcBef>
+              <a:spcAft>
+                <a:spcPct val="0"/>
+              </a:spcAft>
+              <a:buClrTx/>
+              <a:buSzTx/>
+              <a:tabLst/>
+            </a:pPr>
+            <a:r>
+              <a:rPr kumimoji="0" lang="pt-BR" altLang="pt-BR" sz="1800" b="0" i="0" u="none" strike="noStrike" cap="none" normalizeH="0" baseline="0" dirty="0">
+                <a:ln>
+                  <a:noFill/>
+                </a:ln>
+                <a:solidFill>
+                  <a:schemeClr val="tx1"/>
+                </a:solidFill>
+                <a:effectLst/>
+                <a:latin typeface="Arial" panose="020B0604020202020204" pitchFamily="34" charset="0"/>
+                <a:cs typeface="Arial" panose="020B0604020202020204" pitchFamily="34" charset="0"/>
+              </a:rPr>
+              <a:t>	Adoção da mesma lógica na mutação, o que aprimorou ainda mais a performance do agente.</a:t>
+            </a:r>
+          </a:p>
+        </p:txBody>
+      </p:sp>
+    </p:spTree>
+    <p:extLst>
+      <p:ext uri="{BB962C8B-B14F-4D97-AF65-F5344CB8AC3E}">
+        <p14:creationId xmlns:p14="http://schemas.microsoft.com/office/powerpoint/2010/main" val="1554671738"/>
+      </p:ext>
+    </p:extLst>
+  </p:cSld>
+  <p:clrMapOvr>
+    <a:masterClrMapping/>
+  </p:clrMapOvr>
+</p:sld>
+</file>
+
+<file path=ppt/slides/slide14.xml><?xml version="1.0" encoding="utf-8"?>
+<p:sld xmlns:a="http://schemas.openxmlformats.org/drawingml/2006/main" xmlns:r="http://schemas.openxmlformats.org/officeDocument/2006/relationships" xmlns:p="http://schemas.openxmlformats.org/presentationml/2006/main">
+  <p:cSld>
+    <p:spTree>
+      <p:nvGrpSpPr>
+        <p:cNvPr id="1" name=""/>
+        <p:cNvGrpSpPr/>
+        <p:nvPr/>
+      </p:nvGrpSpPr>
+      <p:grpSpPr>
+        <a:xfrm>
+          <a:off x="0" y="0"/>
+          <a:ext cx="0" cy="0"/>
+          <a:chOff x="0" y="0"/>
+          <a:chExt cx="0" cy="0"/>
+        </a:xfrm>
+      </p:grpSpPr>
+      <p:sp>
+        <p:nvSpPr>
           <p:cNvPr id="2" name="Title 1"/>
           <p:cNvSpPr>
             <a:spLocks noGrp="1"/>
@@ -4205,227 +4515,282 @@
             <a:endParaRPr dirty="0"/>
           </a:p>
           <a:p>
-            <a:pPr algn="l">
+            <a:pPr marL="0" indent="0" algn="l">
+              <a:buNone/>
               <a:defRPr sz="1800">
                 <a:latin typeface="Calibri"/>
               </a:defRPr>
             </a:pPr>
             <a:r>
-              <a:rPr dirty="0"/>
-              <a:t>• IA </a:t>
-            </a:r>
-            <a:r>
-              <a:rPr dirty="0" err="1"/>
+              <a:rPr sz="1800" dirty="0">
+                <a:latin typeface="Arial" panose="020B0604020202020204" pitchFamily="34" charset="0"/>
+                <a:cs typeface="Arial" panose="020B0604020202020204" pitchFamily="34" charset="0"/>
+              </a:rPr>
+              <a:t>IA </a:t>
+            </a:r>
+            <a:r>
+              <a:rPr sz="1800" dirty="0" err="1">
+                <a:latin typeface="Arial" panose="020B0604020202020204" pitchFamily="34" charset="0"/>
+                <a:cs typeface="Arial" panose="020B0604020202020204" pitchFamily="34" charset="0"/>
+              </a:rPr>
               <a:t>Genética</a:t>
             </a:r>
             <a:r>
-              <a:rPr dirty="0"/>
+              <a:rPr sz="1800" dirty="0">
+                <a:latin typeface="Arial" panose="020B0604020202020204" pitchFamily="34" charset="0"/>
+                <a:cs typeface="Arial" panose="020B0604020202020204" pitchFamily="34" charset="0"/>
+              </a:rPr>
               <a:t> </a:t>
             </a:r>
             <a:r>
-              <a:rPr dirty="0" err="1"/>
+              <a:rPr sz="1800" dirty="0" err="1">
+                <a:latin typeface="Arial" panose="020B0604020202020204" pitchFamily="34" charset="0"/>
+                <a:cs typeface="Arial" panose="020B0604020202020204" pitchFamily="34" charset="0"/>
+              </a:rPr>
               <a:t>mostrou</a:t>
             </a:r>
             <a:r>
-              <a:rPr dirty="0"/>
+              <a:rPr sz="1800" dirty="0">
+                <a:latin typeface="Arial" panose="020B0604020202020204" pitchFamily="34" charset="0"/>
+                <a:cs typeface="Arial" panose="020B0604020202020204" pitchFamily="34" charset="0"/>
+              </a:rPr>
               <a:t>-se </a:t>
             </a:r>
             <a:r>
-              <a:rPr dirty="0" err="1"/>
+              <a:rPr sz="1800" dirty="0" err="1">
+                <a:latin typeface="Arial" panose="020B0604020202020204" pitchFamily="34" charset="0"/>
+                <a:cs typeface="Arial" panose="020B0604020202020204" pitchFamily="34" charset="0"/>
+              </a:rPr>
               <a:t>eficaz</a:t>
             </a:r>
             <a:r>
-              <a:rPr dirty="0"/>
+              <a:rPr sz="1800" dirty="0">
+                <a:latin typeface="Arial" panose="020B0604020202020204" pitchFamily="34" charset="0"/>
+                <a:cs typeface="Arial" panose="020B0604020202020204" pitchFamily="34" charset="0"/>
+              </a:rPr>
               <a:t> para </a:t>
             </a:r>
             <a:r>
-              <a:rPr dirty="0" err="1"/>
+              <a:rPr sz="1800" dirty="0" err="1">
+                <a:latin typeface="Arial" panose="020B0604020202020204" pitchFamily="34" charset="0"/>
+                <a:cs typeface="Arial" panose="020B0604020202020204" pitchFamily="34" charset="0"/>
+              </a:rPr>
               <a:t>treinar</a:t>
             </a:r>
             <a:r>
-              <a:rPr dirty="0"/>
+              <a:rPr sz="1800" dirty="0">
+                <a:latin typeface="Arial" panose="020B0604020202020204" pitchFamily="34" charset="0"/>
+                <a:cs typeface="Arial" panose="020B0604020202020204" pitchFamily="34" charset="0"/>
+              </a:rPr>
               <a:t> </a:t>
             </a:r>
             <a:r>
-              <a:rPr dirty="0" err="1"/>
+              <a:rPr sz="1800" dirty="0" err="1">
+                <a:latin typeface="Arial" panose="020B0604020202020204" pitchFamily="34" charset="0"/>
+                <a:cs typeface="Arial" panose="020B0604020202020204" pitchFamily="34" charset="0"/>
+              </a:rPr>
               <a:t>agente</a:t>
             </a:r>
-            <a:endParaRPr lang="pt-BR" dirty="0"/>
-          </a:p>
-          <a:p>
-            <a:pPr algn="l">
+            <a:endParaRPr lang="pt-BR" sz="1800" dirty="0">
+              <a:latin typeface="Arial" panose="020B0604020202020204" pitchFamily="34" charset="0"/>
+              <a:cs typeface="Arial" panose="020B0604020202020204" pitchFamily="34" charset="0"/>
+            </a:endParaRPr>
+          </a:p>
+          <a:p>
+            <a:pPr marL="0" indent="0" algn="l">
+              <a:buNone/>
               <a:defRPr sz="1800">
                 <a:latin typeface="Calibri"/>
               </a:defRPr>
             </a:pPr>
-            <a:br>
-              <a:rPr dirty="0"/>
-            </a:br>
-            <a:r>
-              <a:rPr dirty="0"/>
-              <a:t>• </a:t>
-            </a:r>
-            <a:r>
-              <a:rPr dirty="0" err="1"/>
-              <a:t>Estratégias</a:t>
-            </a:r>
-            <a:r>
-              <a:rPr dirty="0"/>
-              <a:t> de </a:t>
-            </a:r>
-            <a:r>
-              <a:rPr dirty="0" err="1"/>
-              <a:t>inicialização</a:t>
-            </a:r>
-            <a:r>
-              <a:rPr dirty="0"/>
-              <a:t> e </a:t>
-            </a:r>
-            <a:r>
-              <a:rPr dirty="0" err="1"/>
-              <a:t>mutação</a:t>
-            </a:r>
-            <a:r>
-              <a:rPr dirty="0"/>
-              <a:t> </a:t>
-            </a:r>
-            <a:r>
-              <a:rPr dirty="0" err="1"/>
-              <a:t>melhoraram</a:t>
-            </a:r>
-            <a:r>
-              <a:rPr dirty="0"/>
-              <a:t> </a:t>
-            </a:r>
-            <a:r>
-              <a:rPr dirty="0" err="1"/>
-              <a:t>desempenho</a:t>
-            </a:r>
-            <a:endParaRPr lang="pt-BR" dirty="0"/>
-          </a:p>
-          <a:p>
-            <a:pPr algn="l">
+            <a:endParaRPr lang="pt-BR" sz="1800" dirty="0">
+              <a:latin typeface="Arial" panose="020B0604020202020204" pitchFamily="34" charset="0"/>
+              <a:cs typeface="Arial" panose="020B0604020202020204" pitchFamily="34" charset="0"/>
+            </a:endParaRPr>
+          </a:p>
+          <a:p>
+            <a:pPr marL="0" indent="0" algn="l">
+              <a:buNone/>
               <a:defRPr sz="1800">
                 <a:latin typeface="Calibri"/>
               </a:defRPr>
             </a:pPr>
-            <a:br>
-              <a:rPr dirty="0"/>
-            </a:br>
-            <a:r>
-              <a:rPr dirty="0"/>
-              <a:t>• </a:t>
-            </a:r>
-            <a:r>
-              <a:rPr dirty="0" err="1"/>
+            <a:r>
+              <a:rPr sz="1800" dirty="0" err="1">
+                <a:latin typeface="Arial" panose="020B0604020202020204" pitchFamily="34" charset="0"/>
+                <a:cs typeface="Arial" panose="020B0604020202020204" pitchFamily="34" charset="0"/>
+              </a:rPr>
               <a:t>Problemas</a:t>
             </a:r>
             <a:r>
-              <a:rPr dirty="0"/>
+              <a:rPr sz="1800" dirty="0">
+                <a:latin typeface="Arial" panose="020B0604020202020204" pitchFamily="34" charset="0"/>
+                <a:cs typeface="Arial" panose="020B0604020202020204" pitchFamily="34" charset="0"/>
+              </a:rPr>
               <a:t> de </a:t>
             </a:r>
             <a:r>
-              <a:rPr dirty="0" err="1"/>
+              <a:rPr sz="1800" dirty="0" err="1">
+                <a:latin typeface="Arial" panose="020B0604020202020204" pitchFamily="34" charset="0"/>
+                <a:cs typeface="Arial" panose="020B0604020202020204" pitchFamily="34" charset="0"/>
+              </a:rPr>
               <a:t>máximos</a:t>
             </a:r>
             <a:r>
-              <a:rPr dirty="0"/>
+              <a:rPr sz="1800" dirty="0">
+                <a:latin typeface="Arial" panose="020B0604020202020204" pitchFamily="34" charset="0"/>
+                <a:cs typeface="Arial" panose="020B0604020202020204" pitchFamily="34" charset="0"/>
+              </a:rPr>
               <a:t> </a:t>
             </a:r>
             <a:r>
-              <a:rPr dirty="0" err="1"/>
+              <a:rPr sz="1800" dirty="0" err="1">
+                <a:latin typeface="Arial" panose="020B0604020202020204" pitchFamily="34" charset="0"/>
+                <a:cs typeface="Arial" panose="020B0604020202020204" pitchFamily="34" charset="0"/>
+              </a:rPr>
               <a:t>locais</a:t>
             </a:r>
             <a:r>
-              <a:rPr dirty="0"/>
+              <a:rPr sz="1800" dirty="0">
+                <a:latin typeface="Arial" panose="020B0604020202020204" pitchFamily="34" charset="0"/>
+                <a:cs typeface="Arial" panose="020B0604020202020204" pitchFamily="34" charset="0"/>
+              </a:rPr>
               <a:t> </a:t>
             </a:r>
             <a:r>
-              <a:rPr dirty="0" err="1"/>
+              <a:rPr sz="1800" dirty="0" err="1">
+                <a:latin typeface="Arial" panose="020B0604020202020204" pitchFamily="34" charset="0"/>
+                <a:cs typeface="Arial" panose="020B0604020202020204" pitchFamily="34" charset="0"/>
+              </a:rPr>
               <a:t>requerem</a:t>
             </a:r>
             <a:r>
-              <a:rPr dirty="0"/>
+              <a:rPr sz="1800" dirty="0">
+                <a:latin typeface="Arial" panose="020B0604020202020204" pitchFamily="34" charset="0"/>
+                <a:cs typeface="Arial" panose="020B0604020202020204" pitchFamily="34" charset="0"/>
+              </a:rPr>
               <a:t> </a:t>
             </a:r>
             <a:r>
-              <a:rPr dirty="0" err="1"/>
+              <a:rPr sz="1800" dirty="0" err="1">
+                <a:latin typeface="Arial" panose="020B0604020202020204" pitchFamily="34" charset="0"/>
+                <a:cs typeface="Arial" panose="020B0604020202020204" pitchFamily="34" charset="0"/>
+              </a:rPr>
               <a:t>mutações</a:t>
             </a:r>
             <a:r>
-              <a:rPr dirty="0"/>
+              <a:rPr sz="1800" dirty="0">
+                <a:latin typeface="Arial" panose="020B0604020202020204" pitchFamily="34" charset="0"/>
+                <a:cs typeface="Arial" panose="020B0604020202020204" pitchFamily="34" charset="0"/>
+              </a:rPr>
               <a:t> </a:t>
             </a:r>
             <a:r>
-              <a:rPr dirty="0" err="1"/>
+              <a:rPr sz="1800" dirty="0" err="1">
+                <a:latin typeface="Arial" panose="020B0604020202020204" pitchFamily="34" charset="0"/>
+                <a:cs typeface="Arial" panose="020B0604020202020204" pitchFamily="34" charset="0"/>
+              </a:rPr>
               <a:t>estruturadas</a:t>
             </a:r>
-            <a:endParaRPr lang="pt-BR" dirty="0"/>
-          </a:p>
-          <a:p>
-            <a:pPr algn="l">
+            <a:endParaRPr lang="pt-BR" sz="1800" dirty="0">
+              <a:latin typeface="Arial" panose="020B0604020202020204" pitchFamily="34" charset="0"/>
+              <a:cs typeface="Arial" panose="020B0604020202020204" pitchFamily="34" charset="0"/>
+            </a:endParaRPr>
+          </a:p>
+          <a:p>
+            <a:pPr marL="0" indent="0" algn="l">
+              <a:buNone/>
               <a:defRPr sz="1800">
                 <a:latin typeface="Calibri"/>
               </a:defRPr>
             </a:pPr>
-            <a:br>
-              <a:rPr dirty="0"/>
-            </a:br>
-            <a:r>
-              <a:rPr dirty="0"/>
-              <a:t>• </a:t>
-            </a:r>
-            <a:r>
-              <a:rPr dirty="0" err="1"/>
+            <a:endParaRPr lang="pt-BR" sz="1800" dirty="0">
+              <a:latin typeface="Arial" panose="020B0604020202020204" pitchFamily="34" charset="0"/>
+              <a:cs typeface="Arial" panose="020B0604020202020204" pitchFamily="34" charset="0"/>
+            </a:endParaRPr>
+          </a:p>
+          <a:p>
+            <a:pPr marL="0" indent="0">
+              <a:buNone/>
+              <a:defRPr sz="1800">
+                <a:latin typeface="Calibri"/>
+              </a:defRPr>
+            </a:pPr>
+            <a:r>
+              <a:rPr lang="pt-BR" sz="1800" dirty="0">
+                <a:latin typeface="Arial" panose="020B0604020202020204" pitchFamily="34" charset="0"/>
+                <a:cs typeface="Arial" panose="020B0604020202020204" pitchFamily="34" charset="0"/>
+              </a:rPr>
+              <a:t>Estratégias de inicialização e mutação melhoraram desempenho</a:t>
+            </a:r>
+          </a:p>
+          <a:p>
+            <a:pPr marL="0" indent="0" algn="l">
+              <a:buNone/>
+              <a:defRPr sz="1800">
+                <a:latin typeface="Calibri"/>
+              </a:defRPr>
+            </a:pPr>
+            <a:endParaRPr lang="pt-BR" sz="1800" dirty="0">
+              <a:latin typeface="Arial" panose="020B0604020202020204" pitchFamily="34" charset="0"/>
+              <a:cs typeface="Arial" panose="020B0604020202020204" pitchFamily="34" charset="0"/>
+            </a:endParaRPr>
+          </a:p>
+          <a:p>
+            <a:pPr marL="0" indent="0" algn="l">
+              <a:buNone/>
+              <a:defRPr sz="1800">
+                <a:latin typeface="Calibri"/>
+              </a:defRPr>
+            </a:pPr>
+            <a:r>
+              <a:rPr sz="1800" dirty="0" err="1">
+                <a:latin typeface="Arial" panose="020B0604020202020204" pitchFamily="34" charset="0"/>
+                <a:cs typeface="Arial" panose="020B0604020202020204" pitchFamily="34" charset="0"/>
+              </a:rPr>
               <a:t>Próximos</a:t>
             </a:r>
             <a:r>
-              <a:rPr dirty="0"/>
+              <a:rPr sz="1800" dirty="0">
+                <a:latin typeface="Arial" panose="020B0604020202020204" pitchFamily="34" charset="0"/>
+                <a:cs typeface="Arial" panose="020B0604020202020204" pitchFamily="34" charset="0"/>
+              </a:rPr>
               <a:t> </a:t>
             </a:r>
             <a:r>
-              <a:rPr dirty="0" err="1"/>
+              <a:rPr sz="1800" dirty="0" err="1">
+                <a:latin typeface="Arial" panose="020B0604020202020204" pitchFamily="34" charset="0"/>
+                <a:cs typeface="Arial" panose="020B0604020202020204" pitchFamily="34" charset="0"/>
+              </a:rPr>
               <a:t>passos</a:t>
             </a:r>
             <a:r>
-              <a:rPr dirty="0"/>
+              <a:rPr sz="1800" dirty="0">
+                <a:latin typeface="Arial" panose="020B0604020202020204" pitchFamily="34" charset="0"/>
+                <a:cs typeface="Arial" panose="020B0604020202020204" pitchFamily="34" charset="0"/>
+              </a:rPr>
               <a:t> </a:t>
             </a:r>
             <a:r>
-              <a:rPr dirty="0" err="1"/>
+              <a:rPr sz="1800" dirty="0" err="1">
+                <a:latin typeface="Arial" panose="020B0604020202020204" pitchFamily="34" charset="0"/>
+                <a:cs typeface="Arial" panose="020B0604020202020204" pitchFamily="34" charset="0"/>
+              </a:rPr>
               <a:t>incluem</a:t>
             </a:r>
             <a:r>
-              <a:rPr dirty="0"/>
-              <a:t> testes </a:t>
-            </a:r>
-            <a:r>
-              <a:rPr dirty="0" err="1"/>
-              <a:t>mais</a:t>
-            </a:r>
-            <a:r>
-              <a:rPr dirty="0"/>
+              <a:rPr sz="1800" dirty="0">
+                <a:latin typeface="Arial" panose="020B0604020202020204" pitchFamily="34" charset="0"/>
+                <a:cs typeface="Arial" panose="020B0604020202020204" pitchFamily="34" charset="0"/>
+              </a:rPr>
               <a:t> </a:t>
             </a:r>
             <a:r>
-              <a:rPr dirty="0" err="1"/>
-              <a:t>avançados</a:t>
-            </a:r>
-            <a:r>
-              <a:rPr dirty="0"/>
-              <a:t> e </a:t>
-            </a:r>
-            <a:r>
-              <a:rPr dirty="0" err="1"/>
-              <a:t>ajustes</a:t>
-            </a:r>
-            <a:r>
-              <a:rPr dirty="0"/>
-              <a:t> </a:t>
-            </a:r>
-            <a:r>
-              <a:rPr dirty="0" err="1"/>
-              <a:t>finos</a:t>
+              <a:rPr lang="pt-BR" sz="1800" dirty="0">
+                <a:latin typeface="Arial" panose="020B0604020202020204" pitchFamily="34" charset="0"/>
+                <a:cs typeface="Arial" panose="020B0604020202020204" pitchFamily="34" charset="0"/>
+              </a:rPr>
+              <a:t>a conclusão do jogo</a:t>
             </a:r>
             <a:br>
               <a:rPr dirty="0"/>
@@ -4477,6 +4842,2585 @@
         </p:nvSpPr>
         <p:spPr>
           <a:xfrm>
+            <a:off x="2963333" y="477838"/>
+            <a:ext cx="5960533" cy="1011237"/>
+          </a:xfrm>
+        </p:spPr>
+        <p:txBody>
+          <a:bodyPr/>
+          <a:lstStyle/>
+          <a:p>
+            <a:r>
+              <a:rPr lang="pt-BR" dirty="0"/>
+              <a:t>IA Genética</a:t>
+            </a:r>
+          </a:p>
+        </p:txBody>
+      </p:sp>
+      <p:sp>
+        <p:nvSpPr>
+          <p:cNvPr id="3" name="Subtítulo 2">
+            <a:extLst>
+              <a:ext uri="{FF2B5EF4-FFF2-40B4-BE49-F238E27FC236}">
+                <a16:creationId xmlns:a16="http://schemas.microsoft.com/office/drawing/2014/main" id="{2E36C558-0704-407A-A390-3D9DF24254BB}"/>
+              </a:ext>
+            </a:extLst>
+          </p:cNvPr>
+          <p:cNvSpPr>
+            <a:spLocks noGrp="1"/>
+          </p:cNvSpPr>
+          <p:nvPr>
+            <p:ph type="subTitle" idx="1"/>
+          </p:nvPr>
+        </p:nvSpPr>
+        <p:spPr>
+          <a:xfrm>
+            <a:off x="1524000" y="1884285"/>
+            <a:ext cx="9144000" cy="4072466"/>
+          </a:xfrm>
+        </p:spPr>
+        <p:txBody>
+          <a:bodyPr>
+            <a:normAutofit/>
+          </a:bodyPr>
+          <a:lstStyle/>
+          <a:p>
+            <a:r>
+              <a:rPr lang="pt-BR" sz="2800" dirty="0">
+                <a:latin typeface="Arial" panose="020B0604020202020204" pitchFamily="34" charset="0"/>
+                <a:cs typeface="Arial" panose="020B0604020202020204" pitchFamily="34" charset="0"/>
+              </a:rPr>
+              <a:t>Desenvolver um jogo baseado no Space </a:t>
+            </a:r>
+            <a:r>
+              <a:rPr lang="pt-BR" sz="2800" dirty="0" err="1">
+                <a:latin typeface="Arial" panose="020B0604020202020204" pitchFamily="34" charset="0"/>
+                <a:cs typeface="Arial" panose="020B0604020202020204" pitchFamily="34" charset="0"/>
+              </a:rPr>
+              <a:t>Invaders</a:t>
+            </a:r>
+            <a:r>
+              <a:rPr lang="pt-BR" sz="2800" dirty="0">
+                <a:latin typeface="Arial" panose="020B0604020202020204" pitchFamily="34" charset="0"/>
+                <a:cs typeface="Arial" panose="020B0604020202020204" pitchFamily="34" charset="0"/>
+              </a:rPr>
+              <a:t>.</a:t>
+            </a:r>
+            <a:br>
+              <a:rPr lang="pt-BR" sz="2800" dirty="0">
+                <a:latin typeface="Arial" panose="020B0604020202020204" pitchFamily="34" charset="0"/>
+                <a:cs typeface="Arial" panose="020B0604020202020204" pitchFamily="34" charset="0"/>
+              </a:rPr>
+            </a:br>
+            <a:endParaRPr lang="pt-BR" sz="2800" dirty="0">
+              <a:latin typeface="Arial" panose="020B0604020202020204" pitchFamily="34" charset="0"/>
+              <a:cs typeface="Arial" panose="020B0604020202020204" pitchFamily="34" charset="0"/>
+            </a:endParaRPr>
+          </a:p>
+          <a:p>
+            <a:br>
+              <a:rPr lang="pt-BR" sz="2800" dirty="0">
+                <a:latin typeface="Arial" panose="020B0604020202020204" pitchFamily="34" charset="0"/>
+                <a:cs typeface="Arial" panose="020B0604020202020204" pitchFamily="34" charset="0"/>
+              </a:rPr>
+            </a:br>
+            <a:r>
+              <a:rPr lang="pt-BR" sz="2800" dirty="0">
+                <a:latin typeface="Arial" panose="020B0604020202020204" pitchFamily="34" charset="0"/>
+                <a:cs typeface="Arial" panose="020B0604020202020204" pitchFamily="34" charset="0"/>
+              </a:rPr>
+              <a:t>Cenários:</a:t>
+            </a:r>
+          </a:p>
+        </p:txBody>
+      </p:sp>
+      <p:graphicFrame>
+        <p:nvGraphicFramePr>
+          <p:cNvPr id="4" name="Tabela 4">
+            <a:extLst>
+              <a:ext uri="{FF2B5EF4-FFF2-40B4-BE49-F238E27FC236}">
+                <a16:creationId xmlns:a16="http://schemas.microsoft.com/office/drawing/2014/main" id="{879DE0A8-A845-4471-A54D-65D245C62C9B}"/>
+              </a:ext>
+            </a:extLst>
+          </p:cNvPr>
+          <p:cNvGraphicFramePr>
+            <a:graphicFrameLocks noGrp="1"/>
+          </p:cNvGraphicFramePr>
+          <p:nvPr>
+            <p:extLst>
+              <p:ext uri="{D42A27DB-BD31-4B8C-83A1-F6EECF244321}">
+                <p14:modId xmlns:p14="http://schemas.microsoft.com/office/powerpoint/2010/main" val="670560946"/>
+              </p:ext>
+            </p:extLst>
+          </p:nvPr>
+        </p:nvGraphicFramePr>
+        <p:xfrm>
+          <a:off x="2253674" y="3920518"/>
+          <a:ext cx="7472217" cy="1828800"/>
+        </p:xfrm>
+        <a:graphic>
+          <a:graphicData uri="http://schemas.openxmlformats.org/drawingml/2006/table">
+            <a:tbl>
+              <a:tblPr firstRow="1" bandRow="1">
+                <a:tableStyleId>{5C22544A-7EE6-4342-B048-85BDC9FD1C3A}</a:tableStyleId>
+              </a:tblPr>
+              <a:tblGrid>
+                <a:gridCol w="2490739">
+                  <a:extLst>
+                    <a:ext uri="{9D8B030D-6E8A-4147-A177-3AD203B41FA5}">
+                      <a16:colId xmlns:a16="http://schemas.microsoft.com/office/drawing/2014/main" val="4108441670"/>
+                    </a:ext>
+                  </a:extLst>
+                </a:gridCol>
+                <a:gridCol w="2490739">
+                  <a:extLst>
+                    <a:ext uri="{9D8B030D-6E8A-4147-A177-3AD203B41FA5}">
+                      <a16:colId xmlns:a16="http://schemas.microsoft.com/office/drawing/2014/main" val="2806447584"/>
+                    </a:ext>
+                  </a:extLst>
+                </a:gridCol>
+                <a:gridCol w="2490739">
+                  <a:extLst>
+                    <a:ext uri="{9D8B030D-6E8A-4147-A177-3AD203B41FA5}">
+                      <a16:colId xmlns:a16="http://schemas.microsoft.com/office/drawing/2014/main" val="853400757"/>
+                    </a:ext>
+                  </a:extLst>
+                </a:gridCol>
+              </a:tblGrid>
+              <a:tr h="309598">
+                <a:tc>
+                  <a:txBody>
+                    <a:bodyPr/>
+                    <a:lstStyle/>
+                    <a:p>
+                      <a:r>
+                        <a:rPr lang="pt-BR" dirty="0"/>
+                        <a:t>Invasores</a:t>
+                      </a:r>
+                    </a:p>
+                  </a:txBody>
+                  <a:tcPr/>
+                </a:tc>
+                <a:tc>
+                  <a:txBody>
+                    <a:bodyPr/>
+                    <a:lstStyle/>
+                    <a:p>
+                      <a:endParaRPr lang="pt-BR" dirty="0"/>
+                    </a:p>
+                  </a:txBody>
+                  <a:tcPr>
+                    <a:noFill/>
+                  </a:tcPr>
+                </a:tc>
+                <a:tc>
+                  <a:txBody>
+                    <a:bodyPr/>
+                    <a:lstStyle/>
+                    <a:p>
+                      <a:r>
+                        <a:rPr lang="pt-BR" dirty="0"/>
+                        <a:t>Jogador</a:t>
+                      </a:r>
+                    </a:p>
+                  </a:txBody>
+                  <a:tcPr/>
+                </a:tc>
+                <a:extLst>
+                  <a:ext uri="{0D108BD9-81ED-4DB2-BD59-A6C34878D82A}">
+                    <a16:rowId xmlns:a16="http://schemas.microsoft.com/office/drawing/2014/main" val="3959859058"/>
+                  </a:ext>
+                </a:extLst>
+              </a:tr>
+              <a:tr h="309598">
+                <a:tc>
+                  <a:txBody>
+                    <a:bodyPr/>
+                    <a:lstStyle/>
+                    <a:p>
+                      <a:r>
+                        <a:rPr lang="pt-BR" dirty="0"/>
+                        <a:t>Lineares</a:t>
+                      </a:r>
+                    </a:p>
+                  </a:txBody>
+                  <a:tcPr/>
+                </a:tc>
+                <a:tc>
+                  <a:txBody>
+                    <a:bodyPr/>
+                    <a:lstStyle/>
+                    <a:p>
+                      <a:endParaRPr lang="pt-BR" dirty="0"/>
+                    </a:p>
+                  </a:txBody>
+                  <a:tcPr>
+                    <a:noFill/>
+                  </a:tcPr>
+                </a:tc>
+                <a:tc>
+                  <a:txBody>
+                    <a:bodyPr/>
+                    <a:lstStyle/>
+                    <a:p>
+                      <a:r>
+                        <a:rPr lang="pt-BR" dirty="0"/>
+                        <a:t>Linear</a:t>
+                      </a:r>
+                    </a:p>
+                  </a:txBody>
+                  <a:tcPr/>
+                </a:tc>
+                <a:extLst>
+                  <a:ext uri="{0D108BD9-81ED-4DB2-BD59-A6C34878D82A}">
+                    <a16:rowId xmlns:a16="http://schemas.microsoft.com/office/drawing/2014/main" val="1900998668"/>
+                  </a:ext>
+                </a:extLst>
+              </a:tr>
+              <a:tr h="309598">
+                <a:tc>
+                  <a:txBody>
+                    <a:bodyPr/>
+                    <a:lstStyle/>
+                    <a:p>
+                      <a:r>
+                        <a:rPr lang="pt-BR" dirty="0"/>
+                        <a:t>Aleatórios</a:t>
+                      </a:r>
+                    </a:p>
+                  </a:txBody>
+                  <a:tcPr/>
+                </a:tc>
+                <a:tc>
+                  <a:txBody>
+                    <a:bodyPr/>
+                    <a:lstStyle/>
+                    <a:p>
+                      <a:endParaRPr lang="pt-BR" dirty="0"/>
+                    </a:p>
+                  </a:txBody>
+                  <a:tcPr>
+                    <a:noFill/>
+                  </a:tcPr>
+                </a:tc>
+                <a:tc>
+                  <a:txBody>
+                    <a:bodyPr/>
+                    <a:lstStyle/>
+                    <a:p>
+                      <a:r>
+                        <a:rPr lang="pt-BR" dirty="0"/>
+                        <a:t>Aleatório</a:t>
+                      </a:r>
+                    </a:p>
+                  </a:txBody>
+                  <a:tcPr/>
+                </a:tc>
+                <a:extLst>
+                  <a:ext uri="{0D108BD9-81ED-4DB2-BD59-A6C34878D82A}">
+                    <a16:rowId xmlns:a16="http://schemas.microsoft.com/office/drawing/2014/main" val="1428515580"/>
+                  </a:ext>
+                </a:extLst>
+              </a:tr>
+              <a:tr h="309598">
+                <a:tc>
+                  <a:txBody>
+                    <a:bodyPr/>
+                    <a:lstStyle/>
+                    <a:p>
+                      <a:r>
+                        <a:rPr lang="pt-BR" dirty="0"/>
+                        <a:t>Com Logica de Desvio</a:t>
+                      </a:r>
+                    </a:p>
+                  </a:txBody>
+                  <a:tcPr/>
+                </a:tc>
+                <a:tc>
+                  <a:txBody>
+                    <a:bodyPr/>
+                    <a:lstStyle/>
+                    <a:p>
+                      <a:endParaRPr lang="pt-BR" dirty="0"/>
+                    </a:p>
+                  </a:txBody>
+                  <a:tcPr>
+                    <a:noFill/>
+                  </a:tcPr>
+                </a:tc>
+                <a:tc>
+                  <a:txBody>
+                    <a:bodyPr/>
+                    <a:lstStyle/>
+                    <a:p>
+                      <a:r>
+                        <a:rPr lang="pt-BR" dirty="0"/>
+                        <a:t>Manual</a:t>
+                      </a:r>
+                    </a:p>
+                  </a:txBody>
+                  <a:tcPr/>
+                </a:tc>
+                <a:extLst>
+                  <a:ext uri="{0D108BD9-81ED-4DB2-BD59-A6C34878D82A}">
+                    <a16:rowId xmlns:a16="http://schemas.microsoft.com/office/drawing/2014/main" val="3840388240"/>
+                  </a:ext>
+                </a:extLst>
+              </a:tr>
+              <a:tr h="309598">
+                <a:tc>
+                  <a:txBody>
+                    <a:bodyPr/>
+                    <a:lstStyle/>
+                    <a:p>
+                      <a:r>
+                        <a:rPr lang="pt-BR" dirty="0"/>
+                        <a:t>Genéticos</a:t>
+                      </a:r>
+                    </a:p>
+                  </a:txBody>
+                  <a:tcPr/>
+                </a:tc>
+                <a:tc>
+                  <a:txBody>
+                    <a:bodyPr/>
+                    <a:lstStyle/>
+                    <a:p>
+                      <a:endParaRPr lang="pt-BR" dirty="0"/>
+                    </a:p>
+                  </a:txBody>
+                  <a:tcPr>
+                    <a:noFill/>
+                  </a:tcPr>
+                </a:tc>
+                <a:tc>
+                  <a:txBody>
+                    <a:bodyPr/>
+                    <a:lstStyle/>
+                    <a:p>
+                      <a:r>
+                        <a:rPr lang="pt-BR" dirty="0"/>
+                        <a:t>Genético</a:t>
+                      </a:r>
+                    </a:p>
+                  </a:txBody>
+                  <a:tcPr/>
+                </a:tc>
+                <a:extLst>
+                  <a:ext uri="{0D108BD9-81ED-4DB2-BD59-A6C34878D82A}">
+                    <a16:rowId xmlns:a16="http://schemas.microsoft.com/office/drawing/2014/main" val="1510973474"/>
+                  </a:ext>
+                </a:extLst>
+              </a:tr>
+            </a:tbl>
+          </a:graphicData>
+        </a:graphic>
+      </p:graphicFrame>
+      <p:sp>
+        <p:nvSpPr>
+          <p:cNvPr id="13" name="Retângulo 12">
+            <a:extLst>
+              <a:ext uri="{FF2B5EF4-FFF2-40B4-BE49-F238E27FC236}">
+                <a16:creationId xmlns:a16="http://schemas.microsoft.com/office/drawing/2014/main" id="{9D6DE1CB-751E-4740-8BFE-97C532383912}"/>
+              </a:ext>
+            </a:extLst>
+          </p:cNvPr>
+          <p:cNvSpPr/>
+          <p:nvPr/>
+        </p:nvSpPr>
+        <p:spPr>
+          <a:xfrm>
+            <a:off x="5420245" y="4050088"/>
+            <a:ext cx="1351509" cy="1569660"/>
+          </a:xfrm>
+          <a:prstGeom prst="rect">
+            <a:avLst/>
+          </a:prstGeom>
+          <a:noFill/>
+        </p:spPr>
+        <p:txBody>
+          <a:bodyPr wrap="square" lIns="91440" tIns="45720" rIns="91440" bIns="45720">
+            <a:spAutoFit/>
+          </a:bodyPr>
+          <a:lstStyle/>
+          <a:p>
+            <a:pPr algn="ctr"/>
+            <a:r>
+              <a:rPr lang="pt-BR" sz="9600" b="1" cap="none" spc="0" dirty="0">
+                <a:ln w="12700">
+                  <a:solidFill>
+                    <a:schemeClr val="accent1"/>
+                  </a:solidFill>
+                  <a:prstDash val="solid"/>
+                </a:ln>
+                <a:pattFill prst="pct50">
+                  <a:fgClr>
+                    <a:schemeClr val="accent1"/>
+                  </a:fgClr>
+                  <a:bgClr>
+                    <a:schemeClr val="accent1">
+                      <a:lumMod val="20000"/>
+                      <a:lumOff val="80000"/>
+                    </a:schemeClr>
+                  </a:bgClr>
+                </a:pattFill>
+                <a:effectLst>
+                  <a:outerShdw dist="38100" dir="2640000" algn="bl" rotWithShape="0">
+                    <a:schemeClr val="accent1"/>
+                  </a:outerShdw>
+                </a:effectLst>
+              </a:rPr>
+              <a:t>X</a:t>
+            </a:r>
+          </a:p>
+        </p:txBody>
+      </p:sp>
+    </p:spTree>
+    <p:extLst>
+      <p:ext uri="{BB962C8B-B14F-4D97-AF65-F5344CB8AC3E}">
+        <p14:creationId xmlns:p14="http://schemas.microsoft.com/office/powerpoint/2010/main" val="2599106589"/>
+      </p:ext>
+    </p:extLst>
+  </p:cSld>
+  <p:clrMapOvr>
+    <a:masterClrMapping/>
+  </p:clrMapOvr>
+</p:sld>
+</file>
+
+<file path=ppt/slides/slide3.xml><?xml version="1.0" encoding="utf-8"?>
+<p:sld xmlns:a="http://schemas.openxmlformats.org/drawingml/2006/main" xmlns:r="http://schemas.openxmlformats.org/officeDocument/2006/relationships" xmlns:p="http://schemas.openxmlformats.org/presentationml/2006/main">
+  <p:cSld>
+    <p:spTree>
+      <p:nvGrpSpPr>
+        <p:cNvPr id="1" name=""/>
+        <p:cNvGrpSpPr/>
+        <p:nvPr/>
+      </p:nvGrpSpPr>
+      <p:grpSpPr>
+        <a:xfrm>
+          <a:off x="0" y="0"/>
+          <a:ext cx="0" cy="0"/>
+          <a:chOff x="0" y="0"/>
+          <a:chExt cx="0" cy="0"/>
+        </a:xfrm>
+      </p:grpSpPr>
+      <p:sp>
+        <p:nvSpPr>
+          <p:cNvPr id="2" name="Título 1">
+            <a:extLst>
+              <a:ext uri="{FF2B5EF4-FFF2-40B4-BE49-F238E27FC236}">
+                <a16:creationId xmlns:a16="http://schemas.microsoft.com/office/drawing/2014/main" id="{1159F4F8-4F57-4E45-95E7-7C5AE43D5587}"/>
+              </a:ext>
+            </a:extLst>
+          </p:cNvPr>
+          <p:cNvSpPr>
+            <a:spLocks noGrp="1"/>
+          </p:cNvSpPr>
+          <p:nvPr>
+            <p:ph type="title"/>
+          </p:nvPr>
+        </p:nvSpPr>
+        <p:spPr/>
+        <p:txBody>
+          <a:bodyPr/>
+          <a:lstStyle/>
+          <a:p>
+            <a:r>
+              <a:rPr lang="pt-BR" dirty="0"/>
+              <a:t>O Jogo</a:t>
+            </a:r>
+          </a:p>
+        </p:txBody>
+      </p:sp>
+      <p:pic>
+        <p:nvPicPr>
+          <p:cNvPr id="7" name="Imagem 6">
+            <a:extLst>
+              <a:ext uri="{FF2B5EF4-FFF2-40B4-BE49-F238E27FC236}">
+                <a16:creationId xmlns:a16="http://schemas.microsoft.com/office/drawing/2014/main" id="{ECEDF04A-74F4-4CA6-9BD8-1D7638F13942}"/>
+              </a:ext>
+            </a:extLst>
+          </p:cNvPr>
+          <p:cNvPicPr>
+            <a:picLocks noChangeAspect="1"/>
+          </p:cNvPicPr>
+          <p:nvPr/>
+        </p:nvPicPr>
+        <p:blipFill>
+          <a:blip r:embed="rId2"/>
+          <a:stretch>
+            <a:fillRect/>
+          </a:stretch>
+        </p:blipFill>
+        <p:spPr>
+          <a:xfrm>
+            <a:off x="443856" y="1788935"/>
+            <a:ext cx="5915556" cy="4094628"/>
+          </a:xfrm>
+          <a:prstGeom prst="rect">
+            <a:avLst/>
+          </a:prstGeom>
+        </p:spPr>
+      </p:pic>
+      <p:pic>
+        <p:nvPicPr>
+          <p:cNvPr id="9" name="Imagem 8">
+            <a:extLst>
+              <a:ext uri="{FF2B5EF4-FFF2-40B4-BE49-F238E27FC236}">
+                <a16:creationId xmlns:a16="http://schemas.microsoft.com/office/drawing/2014/main" id="{30003B7E-5F5B-432A-A74D-8D2D24307E00}"/>
+              </a:ext>
+            </a:extLst>
+          </p:cNvPr>
+          <p:cNvPicPr>
+            <a:picLocks noChangeAspect="1"/>
+          </p:cNvPicPr>
+          <p:nvPr/>
+        </p:nvPicPr>
+        <p:blipFill>
+          <a:blip r:embed="rId3"/>
+          <a:stretch>
+            <a:fillRect/>
+          </a:stretch>
+        </p:blipFill>
+        <p:spPr>
+          <a:xfrm>
+            <a:off x="6993167" y="744167"/>
+            <a:ext cx="952633" cy="752580"/>
+          </a:xfrm>
+          <a:prstGeom prst="rect">
+            <a:avLst/>
+          </a:prstGeom>
+        </p:spPr>
+      </p:pic>
+      <p:pic>
+        <p:nvPicPr>
+          <p:cNvPr id="11" name="Imagem 10">
+            <a:extLst>
+              <a:ext uri="{FF2B5EF4-FFF2-40B4-BE49-F238E27FC236}">
+                <a16:creationId xmlns:a16="http://schemas.microsoft.com/office/drawing/2014/main" id="{BDE71DA4-24E1-4E6A-BF3A-DA3C3C393F95}"/>
+              </a:ext>
+            </a:extLst>
+          </p:cNvPr>
+          <p:cNvPicPr>
+            <a:picLocks noChangeAspect="1"/>
+          </p:cNvPicPr>
+          <p:nvPr/>
+        </p:nvPicPr>
+        <p:blipFill>
+          <a:blip r:embed="rId4"/>
+          <a:stretch>
+            <a:fillRect/>
+          </a:stretch>
+        </p:blipFill>
+        <p:spPr>
+          <a:xfrm>
+            <a:off x="6931245" y="3493950"/>
+            <a:ext cx="1076475" cy="943107"/>
+          </a:xfrm>
+          <a:prstGeom prst="rect">
+            <a:avLst/>
+          </a:prstGeom>
+        </p:spPr>
+      </p:pic>
+      <p:sp>
+        <p:nvSpPr>
+          <p:cNvPr id="12" name="CaixaDeTexto 11">
+            <a:extLst>
+              <a:ext uri="{FF2B5EF4-FFF2-40B4-BE49-F238E27FC236}">
+                <a16:creationId xmlns:a16="http://schemas.microsoft.com/office/drawing/2014/main" id="{10CDAC1E-F6C4-45CC-B91B-FD54F5294CCA}"/>
+              </a:ext>
+            </a:extLst>
+          </p:cNvPr>
+          <p:cNvSpPr txBox="1"/>
+          <p:nvPr/>
+        </p:nvSpPr>
+        <p:spPr>
+          <a:xfrm>
+            <a:off x="8285018" y="889624"/>
+            <a:ext cx="1113895" cy="461665"/>
+          </a:xfrm>
+          <a:prstGeom prst="rect">
+            <a:avLst/>
+          </a:prstGeom>
+          <a:noFill/>
+        </p:spPr>
+        <p:txBody>
+          <a:bodyPr wrap="none" rtlCol="0">
+            <a:spAutoFit/>
+          </a:bodyPr>
+          <a:lstStyle/>
+          <a:p>
+            <a:r>
+              <a:rPr lang="pt-BR" sz="2400" dirty="0"/>
+              <a:t>Inimigo</a:t>
+            </a:r>
+            <a:endParaRPr lang="pt-BR" dirty="0"/>
+          </a:p>
+        </p:txBody>
+      </p:sp>
+      <p:sp>
+        <p:nvSpPr>
+          <p:cNvPr id="13" name="CaixaDeTexto 12">
+            <a:extLst>
+              <a:ext uri="{FF2B5EF4-FFF2-40B4-BE49-F238E27FC236}">
+                <a16:creationId xmlns:a16="http://schemas.microsoft.com/office/drawing/2014/main" id="{92DA30A4-9385-456C-B974-4534681B1783}"/>
+              </a:ext>
+            </a:extLst>
+          </p:cNvPr>
+          <p:cNvSpPr txBox="1"/>
+          <p:nvPr/>
+        </p:nvSpPr>
+        <p:spPr>
+          <a:xfrm>
+            <a:off x="8354292" y="3734670"/>
+            <a:ext cx="1161600" cy="461665"/>
+          </a:xfrm>
+          <a:prstGeom prst="rect">
+            <a:avLst/>
+          </a:prstGeom>
+          <a:noFill/>
+        </p:spPr>
+        <p:txBody>
+          <a:bodyPr wrap="none" rtlCol="0">
+            <a:spAutoFit/>
+          </a:bodyPr>
+          <a:lstStyle/>
+          <a:p>
+            <a:r>
+              <a:rPr lang="pt-BR" sz="2400" dirty="0"/>
+              <a:t>Jogador</a:t>
+            </a:r>
+            <a:endParaRPr lang="pt-BR" dirty="0"/>
+          </a:p>
+        </p:txBody>
+      </p:sp>
+      <p:sp>
+        <p:nvSpPr>
+          <p:cNvPr id="14" name="CaixaDeTexto 13">
+            <a:extLst>
+              <a:ext uri="{FF2B5EF4-FFF2-40B4-BE49-F238E27FC236}">
+                <a16:creationId xmlns:a16="http://schemas.microsoft.com/office/drawing/2014/main" id="{1406019F-B32F-47E1-BAF5-8DAAEEE26D24}"/>
+              </a:ext>
+            </a:extLst>
+          </p:cNvPr>
+          <p:cNvSpPr txBox="1"/>
+          <p:nvPr/>
+        </p:nvSpPr>
+        <p:spPr>
+          <a:xfrm>
+            <a:off x="8285018" y="1465866"/>
+            <a:ext cx="3223490" cy="646331"/>
+          </a:xfrm>
+          <a:prstGeom prst="rect">
+            <a:avLst/>
+          </a:prstGeom>
+          <a:noFill/>
+        </p:spPr>
+        <p:txBody>
+          <a:bodyPr wrap="square" rtlCol="0">
+            <a:spAutoFit/>
+          </a:bodyPr>
+          <a:lstStyle/>
+          <a:p>
+            <a:r>
+              <a:rPr lang="pt-BR" dirty="0"/>
+              <a:t>Objetivo: </a:t>
+            </a:r>
+          </a:p>
+          <a:p>
+            <a:r>
+              <a:rPr lang="pt-BR" dirty="0"/>
+              <a:t>Descer até o nível do jogador</a:t>
+            </a:r>
+          </a:p>
+        </p:txBody>
+      </p:sp>
+      <p:sp>
+        <p:nvSpPr>
+          <p:cNvPr id="15" name="CaixaDeTexto 14">
+            <a:extLst>
+              <a:ext uri="{FF2B5EF4-FFF2-40B4-BE49-F238E27FC236}">
+                <a16:creationId xmlns:a16="http://schemas.microsoft.com/office/drawing/2014/main" id="{1F1BF7F6-EBBA-4AB5-A1C1-A8E0FEE0A842}"/>
+              </a:ext>
+            </a:extLst>
+          </p:cNvPr>
+          <p:cNvSpPr txBox="1"/>
+          <p:nvPr/>
+        </p:nvSpPr>
+        <p:spPr>
+          <a:xfrm>
+            <a:off x="8354292" y="4351773"/>
+            <a:ext cx="3646054" cy="923330"/>
+          </a:xfrm>
+          <a:prstGeom prst="rect">
+            <a:avLst/>
+          </a:prstGeom>
+          <a:noFill/>
+        </p:spPr>
+        <p:txBody>
+          <a:bodyPr wrap="square" rtlCol="0">
+            <a:spAutoFit/>
+          </a:bodyPr>
+          <a:lstStyle/>
+          <a:p>
+            <a:r>
+              <a:rPr lang="pt-BR" dirty="0"/>
+              <a:t>Objetivo: </a:t>
+            </a:r>
+          </a:p>
+          <a:p>
+            <a:r>
+              <a:rPr lang="pt-BR" dirty="0"/>
+              <a:t>Matar o maior número de inimigos, mais rápido</a:t>
+            </a:r>
+          </a:p>
+        </p:txBody>
+      </p:sp>
+    </p:spTree>
+    <p:extLst>
+      <p:ext uri="{BB962C8B-B14F-4D97-AF65-F5344CB8AC3E}">
+        <p14:creationId xmlns:p14="http://schemas.microsoft.com/office/powerpoint/2010/main" val="3907219798"/>
+      </p:ext>
+    </p:extLst>
+  </p:cSld>
+  <p:clrMapOvr>
+    <a:masterClrMapping/>
+  </p:clrMapOvr>
+</p:sld>
+</file>
+
+<file path=ppt/slides/slide4.xml><?xml version="1.0" encoding="utf-8"?>
+<p:sld xmlns:a="http://schemas.openxmlformats.org/drawingml/2006/main" xmlns:r="http://schemas.openxmlformats.org/officeDocument/2006/relationships" xmlns:p="http://schemas.openxmlformats.org/presentationml/2006/main">
+  <p:cSld>
+    <p:spTree>
+      <p:nvGrpSpPr>
+        <p:cNvPr id="1" name=""/>
+        <p:cNvGrpSpPr/>
+        <p:nvPr/>
+      </p:nvGrpSpPr>
+      <p:grpSpPr>
+        <a:xfrm>
+          <a:off x="0" y="0"/>
+          <a:ext cx="0" cy="0"/>
+          <a:chOff x="0" y="0"/>
+          <a:chExt cx="0" cy="0"/>
+        </a:xfrm>
+      </p:grpSpPr>
+      <p:sp>
+        <p:nvSpPr>
+          <p:cNvPr id="2" name="Título 1">
+            <a:extLst>
+              <a:ext uri="{FF2B5EF4-FFF2-40B4-BE49-F238E27FC236}">
+                <a16:creationId xmlns:a16="http://schemas.microsoft.com/office/drawing/2014/main" id="{1159F4F8-4F57-4E45-95E7-7C5AE43D5587}"/>
+              </a:ext>
+            </a:extLst>
+          </p:cNvPr>
+          <p:cNvSpPr>
+            <a:spLocks noGrp="1"/>
+          </p:cNvSpPr>
+          <p:nvPr>
+            <p:ph type="title"/>
+          </p:nvPr>
+        </p:nvSpPr>
+        <p:spPr/>
+        <p:txBody>
+          <a:bodyPr/>
+          <a:lstStyle/>
+          <a:p>
+            <a:r>
+              <a:rPr lang="pt-BR" dirty="0"/>
+              <a:t>Regras</a:t>
+            </a:r>
+          </a:p>
+        </p:txBody>
+      </p:sp>
+      <p:sp>
+        <p:nvSpPr>
+          <p:cNvPr id="12" name="CaixaDeTexto 11">
+            <a:extLst>
+              <a:ext uri="{FF2B5EF4-FFF2-40B4-BE49-F238E27FC236}">
+                <a16:creationId xmlns:a16="http://schemas.microsoft.com/office/drawing/2014/main" id="{10CDAC1E-F6C4-45CC-B91B-FD54F5294CCA}"/>
+              </a:ext>
+            </a:extLst>
+          </p:cNvPr>
+          <p:cNvSpPr txBox="1"/>
+          <p:nvPr/>
+        </p:nvSpPr>
+        <p:spPr>
+          <a:xfrm>
+            <a:off x="7941265" y="452789"/>
+            <a:ext cx="1113895" cy="461665"/>
+          </a:xfrm>
+          <a:prstGeom prst="rect">
+            <a:avLst/>
+          </a:prstGeom>
+          <a:noFill/>
+        </p:spPr>
+        <p:txBody>
+          <a:bodyPr wrap="none" rtlCol="0">
+            <a:spAutoFit/>
+          </a:bodyPr>
+          <a:lstStyle/>
+          <a:p>
+            <a:r>
+              <a:rPr lang="pt-BR" sz="2400" dirty="0"/>
+              <a:t>Inimigo</a:t>
+            </a:r>
+            <a:endParaRPr lang="pt-BR" dirty="0"/>
+          </a:p>
+        </p:txBody>
+      </p:sp>
+      <p:sp>
+        <p:nvSpPr>
+          <p:cNvPr id="13" name="CaixaDeTexto 12">
+            <a:extLst>
+              <a:ext uri="{FF2B5EF4-FFF2-40B4-BE49-F238E27FC236}">
+                <a16:creationId xmlns:a16="http://schemas.microsoft.com/office/drawing/2014/main" id="{92DA30A4-9385-456C-B974-4534681B1783}"/>
+              </a:ext>
+            </a:extLst>
+          </p:cNvPr>
+          <p:cNvSpPr txBox="1"/>
+          <p:nvPr/>
+        </p:nvSpPr>
+        <p:spPr>
+          <a:xfrm>
+            <a:off x="5488892" y="3772922"/>
+            <a:ext cx="1161600" cy="461665"/>
+          </a:xfrm>
+          <a:prstGeom prst="rect">
+            <a:avLst/>
+          </a:prstGeom>
+          <a:noFill/>
+        </p:spPr>
+        <p:txBody>
+          <a:bodyPr wrap="none" rtlCol="0">
+            <a:spAutoFit/>
+          </a:bodyPr>
+          <a:lstStyle/>
+          <a:p>
+            <a:r>
+              <a:rPr lang="pt-BR" sz="2400" dirty="0"/>
+              <a:t>Jogador</a:t>
+            </a:r>
+            <a:endParaRPr lang="pt-BR" dirty="0"/>
+          </a:p>
+        </p:txBody>
+      </p:sp>
+      <p:sp>
+        <p:nvSpPr>
+          <p:cNvPr id="16" name="CaixaDeTexto 15">
+            <a:extLst>
+              <a:ext uri="{FF2B5EF4-FFF2-40B4-BE49-F238E27FC236}">
+                <a16:creationId xmlns:a16="http://schemas.microsoft.com/office/drawing/2014/main" id="{6C517516-FA90-485F-93D6-BF1DAD3CA854}"/>
+              </a:ext>
+            </a:extLst>
+          </p:cNvPr>
+          <p:cNvSpPr txBox="1"/>
+          <p:nvPr/>
+        </p:nvSpPr>
+        <p:spPr>
+          <a:xfrm>
+            <a:off x="5488892" y="4409209"/>
+            <a:ext cx="4504848" cy="923330"/>
+          </a:xfrm>
+          <a:prstGeom prst="rect">
+            <a:avLst/>
+          </a:prstGeom>
+          <a:noFill/>
+        </p:spPr>
+        <p:txBody>
+          <a:bodyPr wrap="square" rtlCol="0">
+            <a:spAutoFit/>
+          </a:bodyPr>
+          <a:lstStyle/>
+          <a:p>
+            <a:pPr marL="285750" indent="-285750">
+              <a:buFont typeface="Arial" panose="020B0604020202020204" pitchFamily="34" charset="0"/>
+              <a:buChar char="•"/>
+            </a:pPr>
+            <a:r>
+              <a:rPr lang="pt-BR" dirty="0"/>
+              <a:t>Movimentos Laterais</a:t>
+            </a:r>
+          </a:p>
+          <a:p>
+            <a:pPr marL="285750" indent="-285750">
+              <a:buFont typeface="Arial" panose="020B0604020202020204" pitchFamily="34" charset="0"/>
+              <a:buChar char="•"/>
+            </a:pPr>
+            <a:r>
+              <a:rPr lang="pt-BR" dirty="0"/>
+              <a:t>1 Tiro por vez</a:t>
+            </a:r>
+          </a:p>
+          <a:p>
+            <a:pPr marL="285750" indent="-285750">
+              <a:buFont typeface="Arial" panose="020B0604020202020204" pitchFamily="34" charset="0"/>
+              <a:buChar char="•"/>
+            </a:pPr>
+            <a:r>
+              <a:rPr lang="pt-BR" dirty="0"/>
+              <a:t>Controle do Tiro com movimentos laterais</a:t>
+            </a:r>
+          </a:p>
+        </p:txBody>
+      </p:sp>
+      <p:sp>
+        <p:nvSpPr>
+          <p:cNvPr id="17" name="CaixaDeTexto 16">
+            <a:extLst>
+              <a:ext uri="{FF2B5EF4-FFF2-40B4-BE49-F238E27FC236}">
+                <a16:creationId xmlns:a16="http://schemas.microsoft.com/office/drawing/2014/main" id="{F861585B-8493-4B0C-8689-05E929684D98}"/>
+              </a:ext>
+            </a:extLst>
+          </p:cNvPr>
+          <p:cNvSpPr txBox="1"/>
+          <p:nvPr/>
+        </p:nvSpPr>
+        <p:spPr>
+          <a:xfrm>
+            <a:off x="7941265" y="1215603"/>
+            <a:ext cx="4504848" cy="1754326"/>
+          </a:xfrm>
+          <a:prstGeom prst="rect">
+            <a:avLst/>
+          </a:prstGeom>
+          <a:noFill/>
+        </p:spPr>
+        <p:txBody>
+          <a:bodyPr wrap="square" rtlCol="0">
+            <a:spAutoFit/>
+          </a:bodyPr>
+          <a:lstStyle/>
+          <a:p>
+            <a:pPr marL="285750" indent="-285750">
+              <a:buFont typeface="Arial" panose="020B0604020202020204" pitchFamily="34" charset="0"/>
+              <a:buChar char="•"/>
+            </a:pPr>
+            <a:r>
+              <a:rPr lang="pt-BR" dirty="0"/>
+              <a:t>5 opções de movimento</a:t>
+            </a:r>
+          </a:p>
+          <a:p>
+            <a:pPr marL="742950" lvl="1" indent="-285750">
+              <a:buFont typeface="Arial" panose="020B0604020202020204" pitchFamily="34" charset="0"/>
+              <a:buChar char="•"/>
+            </a:pPr>
+            <a:r>
+              <a:rPr lang="pt-BR" dirty="0"/>
+              <a:t>Esquerda</a:t>
+            </a:r>
+          </a:p>
+          <a:p>
+            <a:pPr marL="742950" lvl="1" indent="-285750">
+              <a:buFont typeface="Arial" panose="020B0604020202020204" pitchFamily="34" charset="0"/>
+              <a:buChar char="•"/>
+            </a:pPr>
+            <a:r>
+              <a:rPr lang="pt-BR" dirty="0"/>
+              <a:t>Esquerda + Descida</a:t>
+            </a:r>
+          </a:p>
+          <a:p>
+            <a:pPr marL="742950" lvl="1" indent="-285750">
+              <a:buFont typeface="Arial" panose="020B0604020202020204" pitchFamily="34" charset="0"/>
+              <a:buChar char="•"/>
+            </a:pPr>
+            <a:r>
+              <a:rPr lang="pt-BR" dirty="0"/>
+              <a:t>Descida</a:t>
+            </a:r>
+          </a:p>
+          <a:p>
+            <a:pPr marL="742950" lvl="1" indent="-285750">
+              <a:buFont typeface="Arial" panose="020B0604020202020204" pitchFamily="34" charset="0"/>
+              <a:buChar char="•"/>
+            </a:pPr>
+            <a:r>
+              <a:rPr lang="pt-BR" dirty="0"/>
+              <a:t>Direita + Descida</a:t>
+            </a:r>
+          </a:p>
+          <a:p>
+            <a:pPr marL="742950" lvl="1" indent="-285750">
+              <a:buFont typeface="Arial" panose="020B0604020202020204" pitchFamily="34" charset="0"/>
+              <a:buChar char="•"/>
+            </a:pPr>
+            <a:r>
+              <a:rPr lang="pt-BR" dirty="0"/>
+              <a:t>Direita</a:t>
+            </a:r>
+          </a:p>
+        </p:txBody>
+      </p:sp>
+      <p:grpSp>
+        <p:nvGrpSpPr>
+          <p:cNvPr id="28" name="Agrupar 27">
+            <a:extLst>
+              <a:ext uri="{FF2B5EF4-FFF2-40B4-BE49-F238E27FC236}">
+                <a16:creationId xmlns:a16="http://schemas.microsoft.com/office/drawing/2014/main" id="{8BC02F46-02B7-4CE5-BA70-6DA8D4C572EE}"/>
+              </a:ext>
+            </a:extLst>
+          </p:cNvPr>
+          <p:cNvGrpSpPr/>
+          <p:nvPr/>
+        </p:nvGrpSpPr>
+        <p:grpSpPr>
+          <a:xfrm>
+            <a:off x="599486" y="3505077"/>
+            <a:ext cx="4305901" cy="2953162"/>
+            <a:chOff x="599486" y="3505077"/>
+            <a:chExt cx="4305901" cy="2953162"/>
+          </a:xfrm>
+        </p:grpSpPr>
+        <p:pic>
+          <p:nvPicPr>
+            <p:cNvPr id="6" name="Imagem 5">
+              <a:extLst>
+                <a:ext uri="{FF2B5EF4-FFF2-40B4-BE49-F238E27FC236}">
+                  <a16:creationId xmlns:a16="http://schemas.microsoft.com/office/drawing/2014/main" id="{B18B85E8-75CB-4972-854C-8661D757AFCF}"/>
+                </a:ext>
+              </a:extLst>
+            </p:cNvPr>
+            <p:cNvPicPr>
+              <a:picLocks noChangeAspect="1"/>
+            </p:cNvPicPr>
+            <p:nvPr/>
+          </p:nvPicPr>
+          <p:blipFill>
+            <a:blip r:embed="rId2"/>
+            <a:stretch>
+              <a:fillRect/>
+            </a:stretch>
+          </p:blipFill>
+          <p:spPr>
+            <a:xfrm>
+              <a:off x="599486" y="3505077"/>
+              <a:ext cx="4305901" cy="2953162"/>
+            </a:xfrm>
+            <a:prstGeom prst="rect">
+              <a:avLst/>
+            </a:prstGeom>
+          </p:spPr>
+        </p:pic>
+        <p:sp>
+          <p:nvSpPr>
+            <p:cNvPr id="8" name="Seta: para a Direita 7">
+              <a:extLst>
+                <a:ext uri="{FF2B5EF4-FFF2-40B4-BE49-F238E27FC236}">
+                  <a16:creationId xmlns:a16="http://schemas.microsoft.com/office/drawing/2014/main" id="{988EBD86-7F5F-4A31-A256-F807D58A5FC1}"/>
+                </a:ext>
+              </a:extLst>
+            </p:cNvPr>
+            <p:cNvSpPr/>
+            <p:nvPr/>
+          </p:nvSpPr>
+          <p:spPr>
+            <a:xfrm>
+              <a:off x="3509818" y="6085427"/>
+              <a:ext cx="618837" cy="84464"/>
+            </a:xfrm>
+            <a:prstGeom prst="rightArrow">
+              <a:avLst/>
+            </a:prstGeom>
+          </p:spPr>
+          <p:style>
+            <a:lnRef idx="2">
+              <a:schemeClr val="accent1">
+                <a:shade val="50000"/>
+              </a:schemeClr>
+            </a:lnRef>
+            <a:fillRef idx="1">
+              <a:schemeClr val="accent1"/>
+            </a:fillRef>
+            <a:effectRef idx="0">
+              <a:schemeClr val="accent1"/>
+            </a:effectRef>
+            <a:fontRef idx="minor">
+              <a:schemeClr val="lt1"/>
+            </a:fontRef>
+          </p:style>
+          <p:txBody>
+            <a:bodyPr rtlCol="0" anchor="ctr"/>
+            <a:lstStyle/>
+            <a:p>
+              <a:pPr algn="ctr"/>
+              <a:endParaRPr lang="pt-BR"/>
+            </a:p>
+          </p:txBody>
+        </p:sp>
+        <p:sp>
+          <p:nvSpPr>
+            <p:cNvPr id="18" name="Seta: para a Direita 17">
+              <a:extLst>
+                <a:ext uri="{FF2B5EF4-FFF2-40B4-BE49-F238E27FC236}">
+                  <a16:creationId xmlns:a16="http://schemas.microsoft.com/office/drawing/2014/main" id="{73482D80-6A2D-49D4-830D-B90737C55034}"/>
+                </a:ext>
+              </a:extLst>
+            </p:cNvPr>
+            <p:cNvSpPr/>
+            <p:nvPr/>
+          </p:nvSpPr>
+          <p:spPr>
+            <a:xfrm>
+              <a:off x="3431311" y="4141179"/>
+              <a:ext cx="618837" cy="84464"/>
+            </a:xfrm>
+            <a:prstGeom prst="rightArrow">
+              <a:avLst/>
+            </a:prstGeom>
+          </p:spPr>
+          <p:style>
+            <a:lnRef idx="2">
+              <a:schemeClr val="accent1">
+                <a:shade val="50000"/>
+              </a:schemeClr>
+            </a:lnRef>
+            <a:fillRef idx="1">
+              <a:schemeClr val="accent1"/>
+            </a:fillRef>
+            <a:effectRef idx="0">
+              <a:schemeClr val="accent1"/>
+            </a:effectRef>
+            <a:fontRef idx="minor">
+              <a:schemeClr val="lt1"/>
+            </a:fontRef>
+          </p:style>
+          <p:txBody>
+            <a:bodyPr rtlCol="0" anchor="ctr"/>
+            <a:lstStyle/>
+            <a:p>
+              <a:pPr algn="ctr"/>
+              <a:endParaRPr lang="pt-BR"/>
+            </a:p>
+          </p:txBody>
+        </p:sp>
+        <p:sp>
+          <p:nvSpPr>
+            <p:cNvPr id="19" name="Seta: para a Direita 18">
+              <a:extLst>
+                <a:ext uri="{FF2B5EF4-FFF2-40B4-BE49-F238E27FC236}">
+                  <a16:creationId xmlns:a16="http://schemas.microsoft.com/office/drawing/2014/main" id="{D4ED41B4-869E-4E9B-BF17-5862F34F29FB}"/>
+                </a:ext>
+              </a:extLst>
+            </p:cNvPr>
+            <p:cNvSpPr/>
+            <p:nvPr/>
+          </p:nvSpPr>
+          <p:spPr>
+            <a:xfrm rot="10800000">
+              <a:off x="1593256" y="6099286"/>
+              <a:ext cx="618837" cy="84464"/>
+            </a:xfrm>
+            <a:prstGeom prst="rightArrow">
+              <a:avLst/>
+            </a:prstGeom>
+          </p:spPr>
+          <p:style>
+            <a:lnRef idx="2">
+              <a:schemeClr val="accent1">
+                <a:shade val="50000"/>
+              </a:schemeClr>
+            </a:lnRef>
+            <a:fillRef idx="1">
+              <a:schemeClr val="accent1"/>
+            </a:fillRef>
+            <a:effectRef idx="0">
+              <a:schemeClr val="accent1"/>
+            </a:effectRef>
+            <a:fontRef idx="minor">
+              <a:schemeClr val="lt1"/>
+            </a:fontRef>
+          </p:style>
+          <p:txBody>
+            <a:bodyPr rtlCol="0" anchor="ctr"/>
+            <a:lstStyle/>
+            <a:p>
+              <a:pPr algn="ctr"/>
+              <a:endParaRPr lang="pt-BR"/>
+            </a:p>
+          </p:txBody>
+        </p:sp>
+        <p:sp>
+          <p:nvSpPr>
+            <p:cNvPr id="20" name="Seta: para a Direita 19">
+              <a:extLst>
+                <a:ext uri="{FF2B5EF4-FFF2-40B4-BE49-F238E27FC236}">
+                  <a16:creationId xmlns:a16="http://schemas.microsoft.com/office/drawing/2014/main" id="{E336AD46-147F-4385-96D1-0E74C0347F5F}"/>
+                </a:ext>
+              </a:extLst>
+            </p:cNvPr>
+            <p:cNvSpPr/>
+            <p:nvPr/>
+          </p:nvSpPr>
+          <p:spPr>
+            <a:xfrm rot="10800000">
+              <a:off x="1671768" y="4145805"/>
+              <a:ext cx="618837" cy="84464"/>
+            </a:xfrm>
+            <a:prstGeom prst="rightArrow">
+              <a:avLst/>
+            </a:prstGeom>
+          </p:spPr>
+          <p:style>
+            <a:lnRef idx="2">
+              <a:schemeClr val="accent1">
+                <a:shade val="50000"/>
+              </a:schemeClr>
+            </a:lnRef>
+            <a:fillRef idx="1">
+              <a:schemeClr val="accent1"/>
+            </a:fillRef>
+            <a:effectRef idx="0">
+              <a:schemeClr val="accent1"/>
+            </a:effectRef>
+            <a:fontRef idx="minor">
+              <a:schemeClr val="lt1"/>
+            </a:fontRef>
+          </p:style>
+          <p:txBody>
+            <a:bodyPr rtlCol="0" anchor="ctr"/>
+            <a:lstStyle/>
+            <a:p>
+              <a:pPr algn="ctr"/>
+              <a:endParaRPr lang="pt-BR"/>
+            </a:p>
+          </p:txBody>
+        </p:sp>
+      </p:grpSp>
+      <p:grpSp>
+        <p:nvGrpSpPr>
+          <p:cNvPr id="27" name="Agrupar 26">
+            <a:extLst>
+              <a:ext uri="{FF2B5EF4-FFF2-40B4-BE49-F238E27FC236}">
+                <a16:creationId xmlns:a16="http://schemas.microsoft.com/office/drawing/2014/main" id="{519C986D-2ABA-44B1-A97B-9E724E28C836}"/>
+              </a:ext>
+            </a:extLst>
+          </p:cNvPr>
+          <p:cNvGrpSpPr/>
+          <p:nvPr/>
+        </p:nvGrpSpPr>
+        <p:grpSpPr>
+          <a:xfrm>
+            <a:off x="4107246" y="481463"/>
+            <a:ext cx="3181794" cy="1743318"/>
+            <a:chOff x="3574728" y="906340"/>
+            <a:chExt cx="3181794" cy="1743318"/>
+          </a:xfrm>
+        </p:grpSpPr>
+        <p:pic>
+          <p:nvPicPr>
+            <p:cNvPr id="21" name="Imagem 20">
+              <a:extLst>
+                <a:ext uri="{FF2B5EF4-FFF2-40B4-BE49-F238E27FC236}">
+                  <a16:creationId xmlns:a16="http://schemas.microsoft.com/office/drawing/2014/main" id="{DDC0507C-AC88-49F5-BF27-9B6771E0F0F5}"/>
+                </a:ext>
+              </a:extLst>
+            </p:cNvPr>
+            <p:cNvPicPr>
+              <a:picLocks noChangeAspect="1"/>
+            </p:cNvPicPr>
+            <p:nvPr/>
+          </p:nvPicPr>
+          <p:blipFill>
+            <a:blip r:embed="rId3"/>
+            <a:stretch>
+              <a:fillRect/>
+            </a:stretch>
+          </p:blipFill>
+          <p:spPr>
+            <a:xfrm>
+              <a:off x="3574728" y="906340"/>
+              <a:ext cx="3181794" cy="1743318"/>
+            </a:xfrm>
+            <a:prstGeom prst="rect">
+              <a:avLst/>
+            </a:prstGeom>
+          </p:spPr>
+        </p:pic>
+        <p:sp>
+          <p:nvSpPr>
+            <p:cNvPr id="22" name="Seta: para a Direita 21">
+              <a:extLst>
+                <a:ext uri="{FF2B5EF4-FFF2-40B4-BE49-F238E27FC236}">
+                  <a16:creationId xmlns:a16="http://schemas.microsoft.com/office/drawing/2014/main" id="{4B478C96-1075-4E15-A7CB-D2B456F2A2D5}"/>
+                </a:ext>
+              </a:extLst>
+            </p:cNvPr>
+            <p:cNvSpPr/>
+            <p:nvPr/>
+          </p:nvSpPr>
+          <p:spPr>
+            <a:xfrm>
+              <a:off x="5708388" y="1337463"/>
+              <a:ext cx="618837" cy="84464"/>
+            </a:xfrm>
+            <a:prstGeom prst="rightArrow">
+              <a:avLst/>
+            </a:prstGeom>
+          </p:spPr>
+          <p:style>
+            <a:lnRef idx="2">
+              <a:schemeClr val="accent1">
+                <a:shade val="50000"/>
+              </a:schemeClr>
+            </a:lnRef>
+            <a:fillRef idx="1">
+              <a:schemeClr val="accent1"/>
+            </a:fillRef>
+            <a:effectRef idx="0">
+              <a:schemeClr val="accent1"/>
+            </a:effectRef>
+            <a:fontRef idx="minor">
+              <a:schemeClr val="lt1"/>
+            </a:fontRef>
+          </p:style>
+          <p:txBody>
+            <a:bodyPr rtlCol="0" anchor="ctr"/>
+            <a:lstStyle/>
+            <a:p>
+              <a:pPr algn="ctr"/>
+              <a:endParaRPr lang="pt-BR"/>
+            </a:p>
+          </p:txBody>
+        </p:sp>
+        <p:sp>
+          <p:nvSpPr>
+            <p:cNvPr id="23" name="Seta: para a Direita 22">
+              <a:extLst>
+                <a:ext uri="{FF2B5EF4-FFF2-40B4-BE49-F238E27FC236}">
+                  <a16:creationId xmlns:a16="http://schemas.microsoft.com/office/drawing/2014/main" id="{A39360C9-84BC-4BF8-89CC-438FC2497095}"/>
+                </a:ext>
+              </a:extLst>
+            </p:cNvPr>
+            <p:cNvSpPr/>
+            <p:nvPr/>
+          </p:nvSpPr>
+          <p:spPr>
+            <a:xfrm rot="10800000">
+              <a:off x="3984511" y="1369683"/>
+              <a:ext cx="618837" cy="84464"/>
+            </a:xfrm>
+            <a:prstGeom prst="rightArrow">
+              <a:avLst/>
+            </a:prstGeom>
+          </p:spPr>
+          <p:style>
+            <a:lnRef idx="2">
+              <a:schemeClr val="accent1">
+                <a:shade val="50000"/>
+              </a:schemeClr>
+            </a:lnRef>
+            <a:fillRef idx="1">
+              <a:schemeClr val="accent1"/>
+            </a:fillRef>
+            <a:effectRef idx="0">
+              <a:schemeClr val="accent1"/>
+            </a:effectRef>
+            <a:fontRef idx="minor">
+              <a:schemeClr val="lt1"/>
+            </a:fontRef>
+          </p:style>
+          <p:txBody>
+            <a:bodyPr rtlCol="0" anchor="ctr"/>
+            <a:lstStyle/>
+            <a:p>
+              <a:pPr algn="ctr"/>
+              <a:endParaRPr lang="pt-BR"/>
+            </a:p>
+          </p:txBody>
+        </p:sp>
+        <p:sp>
+          <p:nvSpPr>
+            <p:cNvPr id="24" name="Seta: para a Direita 23">
+              <a:extLst>
+                <a:ext uri="{FF2B5EF4-FFF2-40B4-BE49-F238E27FC236}">
+                  <a16:creationId xmlns:a16="http://schemas.microsoft.com/office/drawing/2014/main" id="{A2879C1E-B8EC-4296-8347-BABED9DE3CB9}"/>
+                </a:ext>
+              </a:extLst>
+            </p:cNvPr>
+            <p:cNvSpPr/>
+            <p:nvPr/>
+          </p:nvSpPr>
+          <p:spPr>
+            <a:xfrm rot="5400000">
+              <a:off x="4837734" y="1865310"/>
+              <a:ext cx="618837" cy="84464"/>
+            </a:xfrm>
+            <a:prstGeom prst="rightArrow">
+              <a:avLst/>
+            </a:prstGeom>
+          </p:spPr>
+          <p:style>
+            <a:lnRef idx="2">
+              <a:schemeClr val="accent1">
+                <a:shade val="50000"/>
+              </a:schemeClr>
+            </a:lnRef>
+            <a:fillRef idx="1">
+              <a:schemeClr val="accent1"/>
+            </a:fillRef>
+            <a:effectRef idx="0">
+              <a:schemeClr val="accent1"/>
+            </a:effectRef>
+            <a:fontRef idx="minor">
+              <a:schemeClr val="lt1"/>
+            </a:fontRef>
+          </p:style>
+          <p:txBody>
+            <a:bodyPr rtlCol="0" anchor="ctr"/>
+            <a:lstStyle/>
+            <a:p>
+              <a:pPr algn="ctr"/>
+              <a:endParaRPr lang="pt-BR"/>
+            </a:p>
+          </p:txBody>
+        </p:sp>
+        <p:sp>
+          <p:nvSpPr>
+            <p:cNvPr id="25" name="Seta: para a Direita 24">
+              <a:extLst>
+                <a:ext uri="{FF2B5EF4-FFF2-40B4-BE49-F238E27FC236}">
+                  <a16:creationId xmlns:a16="http://schemas.microsoft.com/office/drawing/2014/main" id="{10A56F58-8EA6-4083-B31D-C844B3D613DD}"/>
+                </a:ext>
+              </a:extLst>
+            </p:cNvPr>
+            <p:cNvSpPr/>
+            <p:nvPr/>
+          </p:nvSpPr>
+          <p:spPr>
+            <a:xfrm rot="2721028">
+              <a:off x="5350355" y="1832990"/>
+              <a:ext cx="618837" cy="84464"/>
+            </a:xfrm>
+            <a:prstGeom prst="rightArrow">
+              <a:avLst/>
+            </a:prstGeom>
+          </p:spPr>
+          <p:style>
+            <a:lnRef idx="2">
+              <a:schemeClr val="accent1">
+                <a:shade val="50000"/>
+              </a:schemeClr>
+            </a:lnRef>
+            <a:fillRef idx="1">
+              <a:schemeClr val="accent1"/>
+            </a:fillRef>
+            <a:effectRef idx="0">
+              <a:schemeClr val="accent1"/>
+            </a:effectRef>
+            <a:fontRef idx="minor">
+              <a:schemeClr val="lt1"/>
+            </a:fontRef>
+          </p:style>
+          <p:txBody>
+            <a:bodyPr rtlCol="0" anchor="ctr"/>
+            <a:lstStyle/>
+            <a:p>
+              <a:pPr algn="ctr"/>
+              <a:endParaRPr lang="pt-BR"/>
+            </a:p>
+          </p:txBody>
+        </p:sp>
+        <p:sp>
+          <p:nvSpPr>
+            <p:cNvPr id="26" name="Seta: para a Direita 25">
+              <a:extLst>
+                <a:ext uri="{FF2B5EF4-FFF2-40B4-BE49-F238E27FC236}">
+                  <a16:creationId xmlns:a16="http://schemas.microsoft.com/office/drawing/2014/main" id="{0787904D-CB80-4B9E-A44D-1ADA8E8E80AE}"/>
+                </a:ext>
+              </a:extLst>
+            </p:cNvPr>
+            <p:cNvSpPr/>
+            <p:nvPr/>
+          </p:nvSpPr>
+          <p:spPr>
+            <a:xfrm rot="7915562">
+              <a:off x="4323864" y="1856677"/>
+              <a:ext cx="618837" cy="84464"/>
+            </a:xfrm>
+            <a:prstGeom prst="rightArrow">
+              <a:avLst/>
+            </a:prstGeom>
+          </p:spPr>
+          <p:style>
+            <a:lnRef idx="2">
+              <a:schemeClr val="accent1">
+                <a:shade val="50000"/>
+              </a:schemeClr>
+            </a:lnRef>
+            <a:fillRef idx="1">
+              <a:schemeClr val="accent1"/>
+            </a:fillRef>
+            <a:effectRef idx="0">
+              <a:schemeClr val="accent1"/>
+            </a:effectRef>
+            <a:fontRef idx="minor">
+              <a:schemeClr val="lt1"/>
+            </a:fontRef>
+          </p:style>
+          <p:txBody>
+            <a:bodyPr rtlCol="0" anchor="ctr"/>
+            <a:lstStyle/>
+            <a:p>
+              <a:pPr algn="ctr"/>
+              <a:endParaRPr lang="pt-BR"/>
+            </a:p>
+          </p:txBody>
+        </p:sp>
+      </p:grpSp>
+    </p:spTree>
+    <p:extLst>
+      <p:ext uri="{BB962C8B-B14F-4D97-AF65-F5344CB8AC3E}">
+        <p14:creationId xmlns:p14="http://schemas.microsoft.com/office/powerpoint/2010/main" val="3342166559"/>
+      </p:ext>
+    </p:extLst>
+  </p:cSld>
+  <p:clrMapOvr>
+    <a:masterClrMapping/>
+  </p:clrMapOvr>
+</p:sld>
+</file>
+
+<file path=ppt/slides/slide5.xml><?xml version="1.0" encoding="utf-8"?>
+<p:sld xmlns:a="http://schemas.openxmlformats.org/drawingml/2006/main" xmlns:r="http://schemas.openxmlformats.org/officeDocument/2006/relationships" xmlns:p="http://schemas.openxmlformats.org/presentationml/2006/main">
+  <p:cSld>
+    <p:spTree>
+      <p:nvGrpSpPr>
+        <p:cNvPr id="1" name=""/>
+        <p:cNvGrpSpPr/>
+        <p:nvPr/>
+      </p:nvGrpSpPr>
+      <p:grpSpPr>
+        <a:xfrm>
+          <a:off x="0" y="0"/>
+          <a:ext cx="0" cy="0"/>
+          <a:chOff x="0" y="0"/>
+          <a:chExt cx="0" cy="0"/>
+        </a:xfrm>
+      </p:grpSpPr>
+      <p:sp>
+        <p:nvSpPr>
+          <p:cNvPr id="2" name="Título 1">
+            <a:extLst>
+              <a:ext uri="{FF2B5EF4-FFF2-40B4-BE49-F238E27FC236}">
+                <a16:creationId xmlns:a16="http://schemas.microsoft.com/office/drawing/2014/main" id="{1159F4F8-4F57-4E45-95E7-7C5AE43D5587}"/>
+              </a:ext>
+            </a:extLst>
+          </p:cNvPr>
+          <p:cNvSpPr>
+            <a:spLocks noGrp="1"/>
+          </p:cNvSpPr>
+          <p:nvPr>
+            <p:ph type="title"/>
+          </p:nvPr>
+        </p:nvSpPr>
+        <p:spPr/>
+        <p:txBody>
+          <a:bodyPr/>
+          <a:lstStyle/>
+          <a:p>
+            <a:r>
+              <a:rPr lang="pt-BR" dirty="0"/>
+              <a:t>Inimigo</a:t>
+            </a:r>
+          </a:p>
+        </p:txBody>
+      </p:sp>
+      <p:sp>
+        <p:nvSpPr>
+          <p:cNvPr id="12" name="CaixaDeTexto 11">
+            <a:extLst>
+              <a:ext uri="{FF2B5EF4-FFF2-40B4-BE49-F238E27FC236}">
+                <a16:creationId xmlns:a16="http://schemas.microsoft.com/office/drawing/2014/main" id="{10CDAC1E-F6C4-45CC-B91B-FD54F5294CCA}"/>
+              </a:ext>
+            </a:extLst>
+          </p:cNvPr>
+          <p:cNvSpPr txBox="1"/>
+          <p:nvPr/>
+        </p:nvSpPr>
+        <p:spPr>
+          <a:xfrm>
+            <a:off x="3684552" y="427741"/>
+            <a:ext cx="3497881" cy="1015663"/>
+          </a:xfrm>
+          <a:prstGeom prst="rect">
+            <a:avLst/>
+          </a:prstGeom>
+          <a:noFill/>
+        </p:spPr>
+        <p:txBody>
+          <a:bodyPr wrap="none" rtlCol="0">
+            <a:spAutoFit/>
+          </a:bodyPr>
+          <a:lstStyle/>
+          <a:p>
+            <a:r>
+              <a:rPr lang="pt-BR" sz="2400" b="1" dirty="0"/>
+              <a:t>Lineares</a:t>
+            </a:r>
+          </a:p>
+          <a:p>
+            <a:r>
+              <a:rPr lang="pt-BR" dirty="0"/>
+              <a:t>Direita + descida até a extremidade</a:t>
+            </a:r>
+          </a:p>
+          <a:p>
+            <a:r>
+              <a:rPr lang="pt-BR" dirty="0"/>
+              <a:t>Inverte o lado à cada extremidade </a:t>
+            </a:r>
+          </a:p>
+        </p:txBody>
+      </p:sp>
+      <p:grpSp>
+        <p:nvGrpSpPr>
+          <p:cNvPr id="27" name="Agrupar 26">
+            <a:extLst>
+              <a:ext uri="{FF2B5EF4-FFF2-40B4-BE49-F238E27FC236}">
+                <a16:creationId xmlns:a16="http://schemas.microsoft.com/office/drawing/2014/main" id="{519C986D-2ABA-44B1-A97B-9E724E28C836}"/>
+              </a:ext>
+            </a:extLst>
+          </p:cNvPr>
+          <p:cNvGrpSpPr/>
+          <p:nvPr/>
+        </p:nvGrpSpPr>
+        <p:grpSpPr>
+          <a:xfrm>
+            <a:off x="717501" y="3187718"/>
+            <a:ext cx="3181794" cy="1743318"/>
+            <a:chOff x="3574728" y="906340"/>
+            <a:chExt cx="3181794" cy="1743318"/>
+          </a:xfrm>
+        </p:grpSpPr>
+        <p:pic>
+          <p:nvPicPr>
+            <p:cNvPr id="21" name="Imagem 20">
+              <a:extLst>
+                <a:ext uri="{FF2B5EF4-FFF2-40B4-BE49-F238E27FC236}">
+                  <a16:creationId xmlns:a16="http://schemas.microsoft.com/office/drawing/2014/main" id="{DDC0507C-AC88-49F5-BF27-9B6771E0F0F5}"/>
+                </a:ext>
+              </a:extLst>
+            </p:cNvPr>
+            <p:cNvPicPr>
+              <a:picLocks noChangeAspect="1"/>
+            </p:cNvPicPr>
+            <p:nvPr/>
+          </p:nvPicPr>
+          <p:blipFill>
+            <a:blip r:embed="rId2"/>
+            <a:stretch>
+              <a:fillRect/>
+            </a:stretch>
+          </p:blipFill>
+          <p:spPr>
+            <a:xfrm>
+              <a:off x="3574728" y="906340"/>
+              <a:ext cx="3181794" cy="1743318"/>
+            </a:xfrm>
+            <a:prstGeom prst="rect">
+              <a:avLst/>
+            </a:prstGeom>
+          </p:spPr>
+        </p:pic>
+        <p:sp>
+          <p:nvSpPr>
+            <p:cNvPr id="22" name="Seta: para a Direita 21">
+              <a:extLst>
+                <a:ext uri="{FF2B5EF4-FFF2-40B4-BE49-F238E27FC236}">
+                  <a16:creationId xmlns:a16="http://schemas.microsoft.com/office/drawing/2014/main" id="{4B478C96-1075-4E15-A7CB-D2B456F2A2D5}"/>
+                </a:ext>
+              </a:extLst>
+            </p:cNvPr>
+            <p:cNvSpPr/>
+            <p:nvPr/>
+          </p:nvSpPr>
+          <p:spPr>
+            <a:xfrm>
+              <a:off x="5708388" y="1337463"/>
+              <a:ext cx="618837" cy="84464"/>
+            </a:xfrm>
+            <a:prstGeom prst="rightArrow">
+              <a:avLst/>
+            </a:prstGeom>
+          </p:spPr>
+          <p:style>
+            <a:lnRef idx="2">
+              <a:schemeClr val="accent1">
+                <a:shade val="50000"/>
+              </a:schemeClr>
+            </a:lnRef>
+            <a:fillRef idx="1">
+              <a:schemeClr val="accent1"/>
+            </a:fillRef>
+            <a:effectRef idx="0">
+              <a:schemeClr val="accent1"/>
+            </a:effectRef>
+            <a:fontRef idx="minor">
+              <a:schemeClr val="lt1"/>
+            </a:fontRef>
+          </p:style>
+          <p:txBody>
+            <a:bodyPr rtlCol="0" anchor="ctr"/>
+            <a:lstStyle/>
+            <a:p>
+              <a:pPr algn="ctr"/>
+              <a:endParaRPr lang="pt-BR"/>
+            </a:p>
+          </p:txBody>
+        </p:sp>
+        <p:sp>
+          <p:nvSpPr>
+            <p:cNvPr id="23" name="Seta: para a Direita 22">
+              <a:extLst>
+                <a:ext uri="{FF2B5EF4-FFF2-40B4-BE49-F238E27FC236}">
+                  <a16:creationId xmlns:a16="http://schemas.microsoft.com/office/drawing/2014/main" id="{A39360C9-84BC-4BF8-89CC-438FC2497095}"/>
+                </a:ext>
+              </a:extLst>
+            </p:cNvPr>
+            <p:cNvSpPr/>
+            <p:nvPr/>
+          </p:nvSpPr>
+          <p:spPr>
+            <a:xfrm rot="10800000">
+              <a:off x="3984511" y="1369683"/>
+              <a:ext cx="618837" cy="84464"/>
+            </a:xfrm>
+            <a:prstGeom prst="rightArrow">
+              <a:avLst/>
+            </a:prstGeom>
+          </p:spPr>
+          <p:style>
+            <a:lnRef idx="2">
+              <a:schemeClr val="accent1">
+                <a:shade val="50000"/>
+              </a:schemeClr>
+            </a:lnRef>
+            <a:fillRef idx="1">
+              <a:schemeClr val="accent1"/>
+            </a:fillRef>
+            <a:effectRef idx="0">
+              <a:schemeClr val="accent1"/>
+            </a:effectRef>
+            <a:fontRef idx="minor">
+              <a:schemeClr val="lt1"/>
+            </a:fontRef>
+          </p:style>
+          <p:txBody>
+            <a:bodyPr rtlCol="0" anchor="ctr"/>
+            <a:lstStyle/>
+            <a:p>
+              <a:pPr algn="ctr"/>
+              <a:endParaRPr lang="pt-BR"/>
+            </a:p>
+          </p:txBody>
+        </p:sp>
+        <p:sp>
+          <p:nvSpPr>
+            <p:cNvPr id="24" name="Seta: para a Direita 23">
+              <a:extLst>
+                <a:ext uri="{FF2B5EF4-FFF2-40B4-BE49-F238E27FC236}">
+                  <a16:creationId xmlns:a16="http://schemas.microsoft.com/office/drawing/2014/main" id="{A2879C1E-B8EC-4296-8347-BABED9DE3CB9}"/>
+                </a:ext>
+              </a:extLst>
+            </p:cNvPr>
+            <p:cNvSpPr/>
+            <p:nvPr/>
+          </p:nvSpPr>
+          <p:spPr>
+            <a:xfrm rot="5400000">
+              <a:off x="4837734" y="1865310"/>
+              <a:ext cx="618837" cy="84464"/>
+            </a:xfrm>
+            <a:prstGeom prst="rightArrow">
+              <a:avLst/>
+            </a:prstGeom>
+          </p:spPr>
+          <p:style>
+            <a:lnRef idx="2">
+              <a:schemeClr val="accent1">
+                <a:shade val="50000"/>
+              </a:schemeClr>
+            </a:lnRef>
+            <a:fillRef idx="1">
+              <a:schemeClr val="accent1"/>
+            </a:fillRef>
+            <a:effectRef idx="0">
+              <a:schemeClr val="accent1"/>
+            </a:effectRef>
+            <a:fontRef idx="minor">
+              <a:schemeClr val="lt1"/>
+            </a:fontRef>
+          </p:style>
+          <p:txBody>
+            <a:bodyPr rtlCol="0" anchor="ctr"/>
+            <a:lstStyle/>
+            <a:p>
+              <a:pPr algn="ctr"/>
+              <a:endParaRPr lang="pt-BR"/>
+            </a:p>
+          </p:txBody>
+        </p:sp>
+        <p:sp>
+          <p:nvSpPr>
+            <p:cNvPr id="25" name="Seta: para a Direita 24">
+              <a:extLst>
+                <a:ext uri="{FF2B5EF4-FFF2-40B4-BE49-F238E27FC236}">
+                  <a16:creationId xmlns:a16="http://schemas.microsoft.com/office/drawing/2014/main" id="{10A56F58-8EA6-4083-B31D-C844B3D613DD}"/>
+                </a:ext>
+              </a:extLst>
+            </p:cNvPr>
+            <p:cNvSpPr/>
+            <p:nvPr/>
+          </p:nvSpPr>
+          <p:spPr>
+            <a:xfrm rot="2721028">
+              <a:off x="5350355" y="1832990"/>
+              <a:ext cx="618837" cy="84464"/>
+            </a:xfrm>
+            <a:prstGeom prst="rightArrow">
+              <a:avLst/>
+            </a:prstGeom>
+          </p:spPr>
+          <p:style>
+            <a:lnRef idx="2">
+              <a:schemeClr val="accent1">
+                <a:shade val="50000"/>
+              </a:schemeClr>
+            </a:lnRef>
+            <a:fillRef idx="1">
+              <a:schemeClr val="accent1"/>
+            </a:fillRef>
+            <a:effectRef idx="0">
+              <a:schemeClr val="accent1"/>
+            </a:effectRef>
+            <a:fontRef idx="minor">
+              <a:schemeClr val="lt1"/>
+            </a:fontRef>
+          </p:style>
+          <p:txBody>
+            <a:bodyPr rtlCol="0" anchor="ctr"/>
+            <a:lstStyle/>
+            <a:p>
+              <a:pPr algn="ctr"/>
+              <a:endParaRPr lang="pt-BR"/>
+            </a:p>
+          </p:txBody>
+        </p:sp>
+        <p:sp>
+          <p:nvSpPr>
+            <p:cNvPr id="26" name="Seta: para a Direita 25">
+              <a:extLst>
+                <a:ext uri="{FF2B5EF4-FFF2-40B4-BE49-F238E27FC236}">
+                  <a16:creationId xmlns:a16="http://schemas.microsoft.com/office/drawing/2014/main" id="{0787904D-CB80-4B9E-A44D-1ADA8E8E80AE}"/>
+                </a:ext>
+              </a:extLst>
+            </p:cNvPr>
+            <p:cNvSpPr/>
+            <p:nvPr/>
+          </p:nvSpPr>
+          <p:spPr>
+            <a:xfrm rot="7915562">
+              <a:off x="4323864" y="1856677"/>
+              <a:ext cx="618837" cy="84464"/>
+            </a:xfrm>
+            <a:prstGeom prst="rightArrow">
+              <a:avLst/>
+            </a:prstGeom>
+          </p:spPr>
+          <p:style>
+            <a:lnRef idx="2">
+              <a:schemeClr val="accent1">
+                <a:shade val="50000"/>
+              </a:schemeClr>
+            </a:lnRef>
+            <a:fillRef idx="1">
+              <a:schemeClr val="accent1"/>
+            </a:fillRef>
+            <a:effectRef idx="0">
+              <a:schemeClr val="accent1"/>
+            </a:effectRef>
+            <a:fontRef idx="minor">
+              <a:schemeClr val="lt1"/>
+            </a:fontRef>
+          </p:style>
+          <p:txBody>
+            <a:bodyPr rtlCol="0" anchor="ctr"/>
+            <a:lstStyle/>
+            <a:p>
+              <a:pPr algn="ctr"/>
+              <a:endParaRPr lang="pt-BR"/>
+            </a:p>
+          </p:txBody>
+        </p:sp>
+      </p:grpSp>
+      <p:sp>
+        <p:nvSpPr>
+          <p:cNvPr id="28" name="CaixaDeTexto 27">
+            <a:extLst>
+              <a:ext uri="{FF2B5EF4-FFF2-40B4-BE49-F238E27FC236}">
+                <a16:creationId xmlns:a16="http://schemas.microsoft.com/office/drawing/2014/main" id="{1C793452-DB08-4F2A-9216-D532697C3B74}"/>
+              </a:ext>
+            </a:extLst>
+          </p:cNvPr>
+          <p:cNvSpPr txBox="1"/>
+          <p:nvPr/>
+        </p:nvSpPr>
+        <p:spPr>
+          <a:xfrm>
+            <a:off x="5194211" y="5115143"/>
+            <a:ext cx="3013454" cy="738664"/>
+          </a:xfrm>
+          <a:prstGeom prst="rect">
+            <a:avLst/>
+          </a:prstGeom>
+          <a:noFill/>
+        </p:spPr>
+        <p:txBody>
+          <a:bodyPr wrap="none" rtlCol="0">
+            <a:spAutoFit/>
+          </a:bodyPr>
+          <a:lstStyle/>
+          <a:p>
+            <a:r>
+              <a:rPr lang="pt-BR" sz="2400" b="1" dirty="0"/>
+              <a:t>Genéticos</a:t>
+            </a:r>
+          </a:p>
+          <a:p>
+            <a:r>
+              <a:rPr lang="pt-BR" dirty="0"/>
+              <a:t>Transmitem os melhores Gens</a:t>
+            </a:r>
+          </a:p>
+        </p:txBody>
+      </p:sp>
+      <p:sp>
+        <p:nvSpPr>
+          <p:cNvPr id="29" name="CaixaDeTexto 28">
+            <a:extLst>
+              <a:ext uri="{FF2B5EF4-FFF2-40B4-BE49-F238E27FC236}">
+                <a16:creationId xmlns:a16="http://schemas.microsoft.com/office/drawing/2014/main" id="{CD929D14-5258-4CFB-B092-E084B26CC5AF}"/>
+              </a:ext>
+            </a:extLst>
+          </p:cNvPr>
+          <p:cNvSpPr txBox="1"/>
+          <p:nvPr/>
+        </p:nvSpPr>
+        <p:spPr>
+          <a:xfrm>
+            <a:off x="6114254" y="3735525"/>
+            <a:ext cx="3830053" cy="1015663"/>
+          </a:xfrm>
+          <a:prstGeom prst="rect">
+            <a:avLst/>
+          </a:prstGeom>
+          <a:noFill/>
+        </p:spPr>
+        <p:txBody>
+          <a:bodyPr wrap="square" rtlCol="0">
+            <a:spAutoFit/>
+          </a:bodyPr>
+          <a:lstStyle/>
+          <a:p>
+            <a:r>
+              <a:rPr lang="pt-BR" sz="2400" b="1" dirty="0"/>
+              <a:t>Com Logica de Desvio</a:t>
+            </a:r>
+          </a:p>
+          <a:p>
+            <a:r>
+              <a:rPr lang="pt-BR" dirty="0"/>
+              <a:t>Vai descendo</a:t>
+            </a:r>
+          </a:p>
+          <a:p>
+            <a:r>
+              <a:rPr lang="pt-BR" dirty="0"/>
+              <a:t>Tenta desviar quando tiro aproxima</a:t>
+            </a:r>
+          </a:p>
+        </p:txBody>
+      </p:sp>
+      <p:sp>
+        <p:nvSpPr>
+          <p:cNvPr id="30" name="CaixaDeTexto 29">
+            <a:extLst>
+              <a:ext uri="{FF2B5EF4-FFF2-40B4-BE49-F238E27FC236}">
+                <a16:creationId xmlns:a16="http://schemas.microsoft.com/office/drawing/2014/main" id="{669EA15F-551E-4B10-86B2-3B8C4FC9BD02}"/>
+              </a:ext>
+            </a:extLst>
+          </p:cNvPr>
+          <p:cNvSpPr txBox="1"/>
+          <p:nvPr/>
+        </p:nvSpPr>
+        <p:spPr>
+          <a:xfrm>
+            <a:off x="5072293" y="1792872"/>
+            <a:ext cx="6048290" cy="1292662"/>
+          </a:xfrm>
+          <a:prstGeom prst="rect">
+            <a:avLst/>
+          </a:prstGeom>
+          <a:noFill/>
+        </p:spPr>
+        <p:txBody>
+          <a:bodyPr wrap="square" rtlCol="0">
+            <a:spAutoFit/>
+          </a:bodyPr>
+          <a:lstStyle/>
+          <a:p>
+            <a:r>
+              <a:rPr lang="pt-BR" sz="2400" b="1" dirty="0"/>
+              <a:t>Aleatórios</a:t>
+            </a:r>
+          </a:p>
+          <a:p>
+            <a:r>
+              <a:rPr lang="pt-BR" dirty="0"/>
+              <a:t>Sorteia a quantidade de movimentos</a:t>
+            </a:r>
+          </a:p>
+          <a:p>
+            <a:r>
+              <a:rPr lang="pt-BR" dirty="0"/>
+              <a:t>Sorteia os lados</a:t>
+            </a:r>
+          </a:p>
+          <a:p>
+            <a:r>
+              <a:rPr lang="pt-BR" dirty="0"/>
+              <a:t>Novo sorteio ao término dos movimentos</a:t>
+            </a:r>
+          </a:p>
+        </p:txBody>
+      </p:sp>
+    </p:spTree>
+    <p:extLst>
+      <p:ext uri="{BB962C8B-B14F-4D97-AF65-F5344CB8AC3E}">
+        <p14:creationId xmlns:p14="http://schemas.microsoft.com/office/powerpoint/2010/main" val="4055844690"/>
+      </p:ext>
+    </p:extLst>
+  </p:cSld>
+  <p:clrMapOvr>
+    <a:masterClrMapping/>
+  </p:clrMapOvr>
+</p:sld>
+</file>
+
+<file path=ppt/slides/slide6.xml><?xml version="1.0" encoding="utf-8"?>
+<p:sld xmlns:a="http://schemas.openxmlformats.org/drawingml/2006/main" xmlns:r="http://schemas.openxmlformats.org/officeDocument/2006/relationships" xmlns:p="http://schemas.openxmlformats.org/presentationml/2006/main">
+  <p:cSld>
+    <p:spTree>
+      <p:nvGrpSpPr>
+        <p:cNvPr id="1" name=""/>
+        <p:cNvGrpSpPr/>
+        <p:nvPr/>
+      </p:nvGrpSpPr>
+      <p:grpSpPr>
+        <a:xfrm>
+          <a:off x="0" y="0"/>
+          <a:ext cx="0" cy="0"/>
+          <a:chOff x="0" y="0"/>
+          <a:chExt cx="0" cy="0"/>
+        </a:xfrm>
+      </p:grpSpPr>
+      <p:sp>
+        <p:nvSpPr>
+          <p:cNvPr id="2" name="Título 1">
+            <a:extLst>
+              <a:ext uri="{FF2B5EF4-FFF2-40B4-BE49-F238E27FC236}">
+                <a16:creationId xmlns:a16="http://schemas.microsoft.com/office/drawing/2014/main" id="{1159F4F8-4F57-4E45-95E7-7C5AE43D5587}"/>
+              </a:ext>
+            </a:extLst>
+          </p:cNvPr>
+          <p:cNvSpPr>
+            <a:spLocks noGrp="1"/>
+          </p:cNvSpPr>
+          <p:nvPr>
+            <p:ph type="title"/>
+          </p:nvPr>
+        </p:nvSpPr>
+        <p:spPr/>
+        <p:txBody>
+          <a:bodyPr/>
+          <a:lstStyle/>
+          <a:p>
+            <a:r>
+              <a:rPr lang="pt-BR" dirty="0"/>
+              <a:t>Jogador</a:t>
+            </a:r>
+          </a:p>
+        </p:txBody>
+      </p:sp>
+      <p:sp>
+        <p:nvSpPr>
+          <p:cNvPr id="12" name="CaixaDeTexto 11">
+            <a:extLst>
+              <a:ext uri="{FF2B5EF4-FFF2-40B4-BE49-F238E27FC236}">
+                <a16:creationId xmlns:a16="http://schemas.microsoft.com/office/drawing/2014/main" id="{10CDAC1E-F6C4-45CC-B91B-FD54F5294CCA}"/>
+              </a:ext>
+            </a:extLst>
+          </p:cNvPr>
+          <p:cNvSpPr txBox="1"/>
+          <p:nvPr/>
+        </p:nvSpPr>
+        <p:spPr>
+          <a:xfrm>
+            <a:off x="3684552" y="427741"/>
+            <a:ext cx="3379195" cy="1015663"/>
+          </a:xfrm>
+          <a:prstGeom prst="rect">
+            <a:avLst/>
+          </a:prstGeom>
+          <a:noFill/>
+        </p:spPr>
+        <p:txBody>
+          <a:bodyPr wrap="none" rtlCol="0">
+            <a:spAutoFit/>
+          </a:bodyPr>
+          <a:lstStyle/>
+          <a:p>
+            <a:r>
+              <a:rPr lang="pt-BR" sz="2400" b="1" dirty="0"/>
+              <a:t>Linear</a:t>
+            </a:r>
+          </a:p>
+          <a:p>
+            <a:r>
+              <a:rPr lang="pt-BR" dirty="0"/>
+              <a:t>Inverte o lado à cada extremidade</a:t>
+            </a:r>
+          </a:p>
+          <a:p>
+            <a:r>
+              <a:rPr lang="pt-BR" dirty="0"/>
+              <a:t>Atira sempre que disponível </a:t>
+            </a:r>
+          </a:p>
+        </p:txBody>
+      </p:sp>
+      <p:sp>
+        <p:nvSpPr>
+          <p:cNvPr id="28" name="CaixaDeTexto 27">
+            <a:extLst>
+              <a:ext uri="{FF2B5EF4-FFF2-40B4-BE49-F238E27FC236}">
+                <a16:creationId xmlns:a16="http://schemas.microsoft.com/office/drawing/2014/main" id="{1C793452-DB08-4F2A-9216-D532697C3B74}"/>
+              </a:ext>
+            </a:extLst>
+          </p:cNvPr>
+          <p:cNvSpPr txBox="1"/>
+          <p:nvPr/>
+        </p:nvSpPr>
+        <p:spPr>
+          <a:xfrm>
+            <a:off x="5637556" y="5115143"/>
+            <a:ext cx="3013454" cy="738664"/>
+          </a:xfrm>
+          <a:prstGeom prst="rect">
+            <a:avLst/>
+          </a:prstGeom>
+          <a:noFill/>
+        </p:spPr>
+        <p:txBody>
+          <a:bodyPr wrap="none" rtlCol="0">
+            <a:spAutoFit/>
+          </a:bodyPr>
+          <a:lstStyle/>
+          <a:p>
+            <a:r>
+              <a:rPr lang="pt-BR" sz="2400" b="1" dirty="0"/>
+              <a:t>Genético</a:t>
+            </a:r>
+          </a:p>
+          <a:p>
+            <a:r>
+              <a:rPr lang="pt-BR" dirty="0"/>
+              <a:t>Transmitem os melhores Gens</a:t>
+            </a:r>
+          </a:p>
+        </p:txBody>
+      </p:sp>
+      <p:sp>
+        <p:nvSpPr>
+          <p:cNvPr id="29" name="CaixaDeTexto 28">
+            <a:extLst>
+              <a:ext uri="{FF2B5EF4-FFF2-40B4-BE49-F238E27FC236}">
+                <a16:creationId xmlns:a16="http://schemas.microsoft.com/office/drawing/2014/main" id="{CD929D14-5258-4CFB-B092-E084B26CC5AF}"/>
+              </a:ext>
+            </a:extLst>
+          </p:cNvPr>
+          <p:cNvSpPr txBox="1"/>
+          <p:nvPr/>
+        </p:nvSpPr>
+        <p:spPr>
+          <a:xfrm>
+            <a:off x="6114254" y="3735525"/>
+            <a:ext cx="3830053" cy="738664"/>
+          </a:xfrm>
+          <a:prstGeom prst="rect">
+            <a:avLst/>
+          </a:prstGeom>
+          <a:noFill/>
+        </p:spPr>
+        <p:txBody>
+          <a:bodyPr wrap="square" rtlCol="0">
+            <a:spAutoFit/>
+          </a:bodyPr>
+          <a:lstStyle/>
+          <a:p>
+            <a:r>
+              <a:rPr lang="pt-BR" sz="2400" b="1" dirty="0"/>
+              <a:t>Manual</a:t>
+            </a:r>
+          </a:p>
+          <a:p>
+            <a:r>
+              <a:rPr lang="pt-BR" dirty="0"/>
+              <a:t>Controlado por Humano</a:t>
+            </a:r>
+          </a:p>
+        </p:txBody>
+      </p:sp>
+      <p:sp>
+        <p:nvSpPr>
+          <p:cNvPr id="30" name="CaixaDeTexto 29">
+            <a:extLst>
+              <a:ext uri="{FF2B5EF4-FFF2-40B4-BE49-F238E27FC236}">
+                <a16:creationId xmlns:a16="http://schemas.microsoft.com/office/drawing/2014/main" id="{669EA15F-551E-4B10-86B2-3B8C4FC9BD02}"/>
+              </a:ext>
+            </a:extLst>
+          </p:cNvPr>
+          <p:cNvSpPr txBox="1"/>
+          <p:nvPr/>
+        </p:nvSpPr>
+        <p:spPr>
+          <a:xfrm>
+            <a:off x="5072293" y="1792872"/>
+            <a:ext cx="6048290" cy="1292662"/>
+          </a:xfrm>
+          <a:prstGeom prst="rect">
+            <a:avLst/>
+          </a:prstGeom>
+          <a:noFill/>
+        </p:spPr>
+        <p:txBody>
+          <a:bodyPr wrap="square" rtlCol="0">
+            <a:spAutoFit/>
+          </a:bodyPr>
+          <a:lstStyle/>
+          <a:p>
+            <a:r>
+              <a:rPr lang="pt-BR" sz="2400" b="1" dirty="0"/>
+              <a:t>Aleatório</a:t>
+            </a:r>
+          </a:p>
+          <a:p>
+            <a:r>
+              <a:rPr lang="pt-BR" dirty="0"/>
+              <a:t>Sorteia a quantidade de movimentos</a:t>
+            </a:r>
+          </a:p>
+          <a:p>
+            <a:r>
+              <a:rPr lang="pt-BR" dirty="0"/>
+              <a:t>Sorteia os lados</a:t>
+            </a:r>
+          </a:p>
+          <a:p>
+            <a:r>
+              <a:rPr lang="pt-BR" dirty="0"/>
+              <a:t>Novo sorteio ao término dos movimentos</a:t>
+            </a:r>
+          </a:p>
+        </p:txBody>
+      </p:sp>
+      <p:grpSp>
+        <p:nvGrpSpPr>
+          <p:cNvPr id="14" name="Agrupar 13">
+            <a:extLst>
+              <a:ext uri="{FF2B5EF4-FFF2-40B4-BE49-F238E27FC236}">
+                <a16:creationId xmlns:a16="http://schemas.microsoft.com/office/drawing/2014/main" id="{4A91037F-49CE-4005-8558-13D2BF53372A}"/>
+              </a:ext>
+            </a:extLst>
+          </p:cNvPr>
+          <p:cNvGrpSpPr/>
+          <p:nvPr/>
+        </p:nvGrpSpPr>
+        <p:grpSpPr>
+          <a:xfrm>
+            <a:off x="525595" y="2900645"/>
+            <a:ext cx="4305901" cy="2953162"/>
+            <a:chOff x="599486" y="3505077"/>
+            <a:chExt cx="4305901" cy="2953162"/>
+          </a:xfrm>
+        </p:grpSpPr>
+        <p:pic>
+          <p:nvPicPr>
+            <p:cNvPr id="15" name="Imagem 14">
+              <a:extLst>
+                <a:ext uri="{FF2B5EF4-FFF2-40B4-BE49-F238E27FC236}">
+                  <a16:creationId xmlns:a16="http://schemas.microsoft.com/office/drawing/2014/main" id="{AA169D88-FACB-40AA-9129-7BE654A498B6}"/>
+                </a:ext>
+              </a:extLst>
+            </p:cNvPr>
+            <p:cNvPicPr>
+              <a:picLocks noChangeAspect="1"/>
+            </p:cNvPicPr>
+            <p:nvPr/>
+          </p:nvPicPr>
+          <p:blipFill>
+            <a:blip r:embed="rId2"/>
+            <a:stretch>
+              <a:fillRect/>
+            </a:stretch>
+          </p:blipFill>
+          <p:spPr>
+            <a:xfrm>
+              <a:off x="599486" y="3505077"/>
+              <a:ext cx="4305901" cy="2953162"/>
+            </a:xfrm>
+            <a:prstGeom prst="rect">
+              <a:avLst/>
+            </a:prstGeom>
+          </p:spPr>
+        </p:pic>
+        <p:sp>
+          <p:nvSpPr>
+            <p:cNvPr id="16" name="Seta: para a Direita 15">
+              <a:extLst>
+                <a:ext uri="{FF2B5EF4-FFF2-40B4-BE49-F238E27FC236}">
+                  <a16:creationId xmlns:a16="http://schemas.microsoft.com/office/drawing/2014/main" id="{8717D373-13CA-44D0-BA7D-2835FF929F4D}"/>
+                </a:ext>
+              </a:extLst>
+            </p:cNvPr>
+            <p:cNvSpPr/>
+            <p:nvPr/>
+          </p:nvSpPr>
+          <p:spPr>
+            <a:xfrm>
+              <a:off x="3509818" y="6085427"/>
+              <a:ext cx="618837" cy="84464"/>
+            </a:xfrm>
+            <a:prstGeom prst="rightArrow">
+              <a:avLst/>
+            </a:prstGeom>
+          </p:spPr>
+          <p:style>
+            <a:lnRef idx="2">
+              <a:schemeClr val="accent1">
+                <a:shade val="50000"/>
+              </a:schemeClr>
+            </a:lnRef>
+            <a:fillRef idx="1">
+              <a:schemeClr val="accent1"/>
+            </a:fillRef>
+            <a:effectRef idx="0">
+              <a:schemeClr val="accent1"/>
+            </a:effectRef>
+            <a:fontRef idx="minor">
+              <a:schemeClr val="lt1"/>
+            </a:fontRef>
+          </p:style>
+          <p:txBody>
+            <a:bodyPr rtlCol="0" anchor="ctr"/>
+            <a:lstStyle/>
+            <a:p>
+              <a:pPr algn="ctr"/>
+              <a:endParaRPr lang="pt-BR"/>
+            </a:p>
+          </p:txBody>
+        </p:sp>
+        <p:sp>
+          <p:nvSpPr>
+            <p:cNvPr id="17" name="Seta: para a Direita 16">
+              <a:extLst>
+                <a:ext uri="{FF2B5EF4-FFF2-40B4-BE49-F238E27FC236}">
+                  <a16:creationId xmlns:a16="http://schemas.microsoft.com/office/drawing/2014/main" id="{3E6C4EE9-3D28-4A64-BD11-A4565B39A452}"/>
+                </a:ext>
+              </a:extLst>
+            </p:cNvPr>
+            <p:cNvSpPr/>
+            <p:nvPr/>
+          </p:nvSpPr>
+          <p:spPr>
+            <a:xfrm>
+              <a:off x="3431311" y="4141179"/>
+              <a:ext cx="618837" cy="84464"/>
+            </a:xfrm>
+            <a:prstGeom prst="rightArrow">
+              <a:avLst/>
+            </a:prstGeom>
+          </p:spPr>
+          <p:style>
+            <a:lnRef idx="2">
+              <a:schemeClr val="accent1">
+                <a:shade val="50000"/>
+              </a:schemeClr>
+            </a:lnRef>
+            <a:fillRef idx="1">
+              <a:schemeClr val="accent1"/>
+            </a:fillRef>
+            <a:effectRef idx="0">
+              <a:schemeClr val="accent1"/>
+            </a:effectRef>
+            <a:fontRef idx="minor">
+              <a:schemeClr val="lt1"/>
+            </a:fontRef>
+          </p:style>
+          <p:txBody>
+            <a:bodyPr rtlCol="0" anchor="ctr"/>
+            <a:lstStyle/>
+            <a:p>
+              <a:pPr algn="ctr"/>
+              <a:endParaRPr lang="pt-BR"/>
+            </a:p>
+          </p:txBody>
+        </p:sp>
+        <p:sp>
+          <p:nvSpPr>
+            <p:cNvPr id="18" name="Seta: para a Direita 17">
+              <a:extLst>
+                <a:ext uri="{FF2B5EF4-FFF2-40B4-BE49-F238E27FC236}">
+                  <a16:creationId xmlns:a16="http://schemas.microsoft.com/office/drawing/2014/main" id="{50905A4F-E05F-47D2-9144-A64D8DFAA68D}"/>
+                </a:ext>
+              </a:extLst>
+            </p:cNvPr>
+            <p:cNvSpPr/>
+            <p:nvPr/>
+          </p:nvSpPr>
+          <p:spPr>
+            <a:xfrm rot="10800000">
+              <a:off x="1593256" y="6099286"/>
+              <a:ext cx="618837" cy="84464"/>
+            </a:xfrm>
+            <a:prstGeom prst="rightArrow">
+              <a:avLst/>
+            </a:prstGeom>
+          </p:spPr>
+          <p:style>
+            <a:lnRef idx="2">
+              <a:schemeClr val="accent1">
+                <a:shade val="50000"/>
+              </a:schemeClr>
+            </a:lnRef>
+            <a:fillRef idx="1">
+              <a:schemeClr val="accent1"/>
+            </a:fillRef>
+            <a:effectRef idx="0">
+              <a:schemeClr val="accent1"/>
+            </a:effectRef>
+            <a:fontRef idx="minor">
+              <a:schemeClr val="lt1"/>
+            </a:fontRef>
+          </p:style>
+          <p:txBody>
+            <a:bodyPr rtlCol="0" anchor="ctr"/>
+            <a:lstStyle/>
+            <a:p>
+              <a:pPr algn="ctr"/>
+              <a:endParaRPr lang="pt-BR"/>
+            </a:p>
+          </p:txBody>
+        </p:sp>
+        <p:sp>
+          <p:nvSpPr>
+            <p:cNvPr id="19" name="Seta: para a Direita 18">
+              <a:extLst>
+                <a:ext uri="{FF2B5EF4-FFF2-40B4-BE49-F238E27FC236}">
+                  <a16:creationId xmlns:a16="http://schemas.microsoft.com/office/drawing/2014/main" id="{6ADB5983-E948-49B1-BC10-5C2E6952B307}"/>
+                </a:ext>
+              </a:extLst>
+            </p:cNvPr>
+            <p:cNvSpPr/>
+            <p:nvPr/>
+          </p:nvSpPr>
+          <p:spPr>
+            <a:xfrm rot="10800000">
+              <a:off x="1671768" y="4145805"/>
+              <a:ext cx="618837" cy="84464"/>
+            </a:xfrm>
+            <a:prstGeom prst="rightArrow">
+              <a:avLst/>
+            </a:prstGeom>
+          </p:spPr>
+          <p:style>
+            <a:lnRef idx="2">
+              <a:schemeClr val="accent1">
+                <a:shade val="50000"/>
+              </a:schemeClr>
+            </a:lnRef>
+            <a:fillRef idx="1">
+              <a:schemeClr val="accent1"/>
+            </a:fillRef>
+            <a:effectRef idx="0">
+              <a:schemeClr val="accent1"/>
+            </a:effectRef>
+            <a:fontRef idx="minor">
+              <a:schemeClr val="lt1"/>
+            </a:fontRef>
+          </p:style>
+          <p:txBody>
+            <a:bodyPr rtlCol="0" anchor="ctr"/>
+            <a:lstStyle/>
+            <a:p>
+              <a:pPr algn="ctr"/>
+              <a:endParaRPr lang="pt-BR"/>
+            </a:p>
+          </p:txBody>
+        </p:sp>
+      </p:grpSp>
+    </p:spTree>
+    <p:extLst>
+      <p:ext uri="{BB962C8B-B14F-4D97-AF65-F5344CB8AC3E}">
+        <p14:creationId xmlns:p14="http://schemas.microsoft.com/office/powerpoint/2010/main" val="2531453488"/>
+      </p:ext>
+    </p:extLst>
+  </p:cSld>
+  <p:clrMapOvr>
+    <a:masterClrMapping/>
+  </p:clrMapOvr>
+</p:sld>
+</file>
+
+<file path=ppt/slides/slide7.xml><?xml version="1.0" encoding="utf-8"?>
+<p:sld xmlns:a="http://schemas.openxmlformats.org/drawingml/2006/main" xmlns:r="http://schemas.openxmlformats.org/officeDocument/2006/relationships" xmlns:p="http://schemas.openxmlformats.org/presentationml/2006/main">
+  <p:cSld>
+    <p:spTree>
+      <p:nvGrpSpPr>
+        <p:cNvPr id="1" name=""/>
+        <p:cNvGrpSpPr/>
+        <p:nvPr/>
+      </p:nvGrpSpPr>
+      <p:grpSpPr>
+        <a:xfrm>
+          <a:off x="0" y="0"/>
+          <a:ext cx="0" cy="0"/>
+          <a:chOff x="0" y="0"/>
+          <a:chExt cx="0" cy="0"/>
+        </a:xfrm>
+      </p:grpSpPr>
+      <p:sp>
+        <p:nvSpPr>
+          <p:cNvPr id="2" name="Título 1">
+            <a:extLst>
+              <a:ext uri="{FF2B5EF4-FFF2-40B4-BE49-F238E27FC236}">
+                <a16:creationId xmlns:a16="http://schemas.microsoft.com/office/drawing/2014/main" id="{9CC51775-3374-41BE-BFA9-7B34D25C1200}"/>
+              </a:ext>
+            </a:extLst>
+          </p:cNvPr>
+          <p:cNvSpPr>
+            <a:spLocks noGrp="1"/>
+          </p:cNvSpPr>
+          <p:nvPr>
+            <p:ph type="ctrTitle"/>
+          </p:nvPr>
+        </p:nvSpPr>
+        <p:spPr>
+          <a:xfrm>
             <a:off x="701965" y="477838"/>
             <a:ext cx="11286836" cy="1011237"/>
           </a:xfrm>
@@ -4509,7 +7453,7 @@
         </p:nvSpPr>
         <p:spPr>
           <a:xfrm>
-            <a:off x="2447635" y="2037277"/>
+            <a:off x="1838035" y="2020344"/>
             <a:ext cx="7629238" cy="4278094"/>
           </a:xfrm>
           <a:prstGeom prst="rect">
@@ -4523,229 +7467,349 @@
           </a:bodyPr>
           <a:lstStyle/>
           <a:p>
+            <a:r>
+              <a:rPr lang="pt-BR" sz="1600" b="1" dirty="0">
+                <a:latin typeface="Arial" panose="020B0604020202020204" pitchFamily="34" charset="0"/>
+                <a:cs typeface="Arial" panose="020B0604020202020204" pitchFamily="34" charset="0"/>
+              </a:rPr>
+              <a:t>Classificação:</a:t>
+            </a:r>
+            <a:r>
+              <a:rPr lang="pt-BR" sz="1600" dirty="0">
+                <a:latin typeface="Arial" panose="020B0604020202020204" pitchFamily="34" charset="0"/>
+                <a:cs typeface="Arial" panose="020B0604020202020204" pitchFamily="34" charset="0"/>
+              </a:rPr>
+              <a:t> diagnóstico, imagens, spam</a:t>
+            </a:r>
+            <a:br>
+              <a:rPr lang="pt-BR" sz="1600" dirty="0">
+                <a:latin typeface="Arial" panose="020B0604020202020204" pitchFamily="34" charset="0"/>
+                <a:cs typeface="Arial" panose="020B0604020202020204" pitchFamily="34" charset="0"/>
+              </a:rPr>
+            </a:br>
+            <a:r>
+              <a:rPr lang="pt-BR" sz="1600" dirty="0">
+                <a:latin typeface="Arial" panose="020B0604020202020204" pitchFamily="34" charset="0"/>
+                <a:cs typeface="Arial" panose="020B0604020202020204" pitchFamily="34" charset="0"/>
+              </a:rPr>
+              <a:t>	</a:t>
+            </a:r>
+            <a:r>
+              <a:rPr lang="pt-BR" sz="1600" i="1" dirty="0">
+                <a:latin typeface="Arial" panose="020B0604020202020204" pitchFamily="34" charset="0"/>
+                <a:cs typeface="Arial" panose="020B0604020202020204" pitchFamily="34" charset="0"/>
+              </a:rPr>
+              <a:t>Soluções:</a:t>
+            </a:r>
+            <a:r>
+              <a:rPr lang="pt-BR" sz="1600" dirty="0">
+                <a:latin typeface="Arial" panose="020B0604020202020204" pitchFamily="34" charset="0"/>
+                <a:cs typeface="Arial" panose="020B0604020202020204" pitchFamily="34" charset="0"/>
+              </a:rPr>
+              <a:t> Redes neurais, árvores de decisão, SVM</a:t>
+            </a:r>
+          </a:p>
+          <a:p>
+            <a:endParaRPr lang="pt-BR" sz="1600" dirty="0">
+              <a:latin typeface="Arial" panose="020B0604020202020204" pitchFamily="34" charset="0"/>
+              <a:cs typeface="Arial" panose="020B0604020202020204" pitchFamily="34" charset="0"/>
+            </a:endParaRPr>
+          </a:p>
+          <a:p>
+            <a:r>
+              <a:rPr lang="pt-BR" sz="1600" b="1" dirty="0">
+                <a:latin typeface="Arial" panose="020B0604020202020204" pitchFamily="34" charset="0"/>
+                <a:cs typeface="Arial" panose="020B0604020202020204" pitchFamily="34" charset="0"/>
+              </a:rPr>
+              <a:t>Regressão:</a:t>
+            </a:r>
+            <a:r>
+              <a:rPr lang="pt-BR" sz="1600" dirty="0">
+                <a:latin typeface="Arial" panose="020B0604020202020204" pitchFamily="34" charset="0"/>
+                <a:cs typeface="Arial" panose="020B0604020202020204" pitchFamily="34" charset="0"/>
+              </a:rPr>
+              <a:t> previsão de preços, demanda</a:t>
+            </a:r>
+            <a:br>
+              <a:rPr lang="pt-BR" sz="1600" dirty="0">
+                <a:latin typeface="Arial" panose="020B0604020202020204" pitchFamily="34" charset="0"/>
+                <a:cs typeface="Arial" panose="020B0604020202020204" pitchFamily="34" charset="0"/>
+              </a:rPr>
+            </a:br>
+            <a:r>
+              <a:rPr lang="pt-BR" sz="1600" dirty="0">
+                <a:latin typeface="Arial" panose="020B0604020202020204" pitchFamily="34" charset="0"/>
+                <a:cs typeface="Arial" panose="020B0604020202020204" pitchFamily="34" charset="0"/>
+              </a:rPr>
+              <a:t>	</a:t>
+            </a:r>
+            <a:r>
+              <a:rPr lang="pt-BR" sz="1600" i="1" dirty="0">
+                <a:latin typeface="Arial" panose="020B0604020202020204" pitchFamily="34" charset="0"/>
+                <a:cs typeface="Arial" panose="020B0604020202020204" pitchFamily="34" charset="0"/>
+              </a:rPr>
+              <a:t>Soluções:</a:t>
+            </a:r>
+            <a:r>
+              <a:rPr lang="pt-BR" sz="1600" dirty="0">
+                <a:latin typeface="Arial" panose="020B0604020202020204" pitchFamily="34" charset="0"/>
+                <a:cs typeface="Arial" panose="020B0604020202020204" pitchFamily="34" charset="0"/>
+              </a:rPr>
+              <a:t> Regressão, redes neurais, métodos bayesianos</a:t>
+            </a:r>
+          </a:p>
+          <a:p>
+            <a:endParaRPr lang="pt-BR" sz="1600" dirty="0">
+              <a:latin typeface="Arial" panose="020B0604020202020204" pitchFamily="34" charset="0"/>
+              <a:cs typeface="Arial" panose="020B0604020202020204" pitchFamily="34" charset="0"/>
+            </a:endParaRPr>
+          </a:p>
+          <a:p>
+            <a:r>
+              <a:rPr lang="pt-BR" sz="1600" b="1" dirty="0">
+                <a:latin typeface="Arial" panose="020B0604020202020204" pitchFamily="34" charset="0"/>
+                <a:cs typeface="Arial" panose="020B0604020202020204" pitchFamily="34" charset="0"/>
+              </a:rPr>
+              <a:t>Agrupamento:</a:t>
+            </a:r>
+            <a:r>
+              <a:rPr lang="pt-BR" sz="1600" dirty="0">
+                <a:latin typeface="Arial" panose="020B0604020202020204" pitchFamily="34" charset="0"/>
+                <a:cs typeface="Arial" panose="020B0604020202020204" pitchFamily="34" charset="0"/>
+              </a:rPr>
+              <a:t> segmentação, padrões</a:t>
+            </a:r>
+            <a:br>
+              <a:rPr lang="pt-BR" sz="1600" dirty="0">
+                <a:latin typeface="Arial" panose="020B0604020202020204" pitchFamily="34" charset="0"/>
+                <a:cs typeface="Arial" panose="020B0604020202020204" pitchFamily="34" charset="0"/>
+              </a:rPr>
+            </a:br>
+            <a:r>
+              <a:rPr lang="pt-BR" sz="1600" dirty="0">
+                <a:latin typeface="Arial" panose="020B0604020202020204" pitchFamily="34" charset="0"/>
+                <a:cs typeface="Arial" panose="020B0604020202020204" pitchFamily="34" charset="0"/>
+              </a:rPr>
+              <a:t>	</a:t>
+            </a:r>
+            <a:r>
+              <a:rPr lang="pt-BR" sz="1600" i="1" dirty="0">
+                <a:latin typeface="Arial" panose="020B0604020202020204" pitchFamily="34" charset="0"/>
+                <a:cs typeface="Arial" panose="020B0604020202020204" pitchFamily="34" charset="0"/>
+              </a:rPr>
+              <a:t>Soluções:</a:t>
+            </a:r>
+            <a:r>
+              <a:rPr lang="pt-BR" sz="1600" dirty="0">
+                <a:latin typeface="Arial" panose="020B0604020202020204" pitchFamily="34" charset="0"/>
+                <a:cs typeface="Arial" panose="020B0604020202020204" pitchFamily="34" charset="0"/>
+              </a:rPr>
+              <a:t> K-</a:t>
+            </a:r>
+            <a:r>
+              <a:rPr lang="pt-BR" sz="1600" dirty="0" err="1">
+                <a:latin typeface="Arial" panose="020B0604020202020204" pitchFamily="34" charset="0"/>
+                <a:cs typeface="Arial" panose="020B0604020202020204" pitchFamily="34" charset="0"/>
+              </a:rPr>
+              <a:t>means</a:t>
+            </a:r>
+            <a:r>
+              <a:rPr lang="pt-BR" sz="1600" dirty="0">
+                <a:latin typeface="Arial" panose="020B0604020202020204" pitchFamily="34" charset="0"/>
+                <a:cs typeface="Arial" panose="020B0604020202020204" pitchFamily="34" charset="0"/>
+              </a:rPr>
+              <a:t>, DBSCAN, </a:t>
+            </a:r>
+            <a:r>
+              <a:rPr lang="pt-BR" sz="1600" dirty="0" err="1">
+                <a:latin typeface="Arial" panose="020B0604020202020204" pitchFamily="34" charset="0"/>
+                <a:cs typeface="Arial" panose="020B0604020202020204" pitchFamily="34" charset="0"/>
+              </a:rPr>
+              <a:t>clustering</a:t>
+            </a:r>
+            <a:r>
+              <a:rPr lang="pt-BR" sz="1600" dirty="0">
+                <a:latin typeface="Arial" panose="020B0604020202020204" pitchFamily="34" charset="0"/>
+                <a:cs typeface="Arial" panose="020B0604020202020204" pitchFamily="34" charset="0"/>
+              </a:rPr>
+              <a:t> hierárquico</a:t>
+            </a:r>
+          </a:p>
+          <a:p>
             <a:pPr>
               <a:buFont typeface="Arial" panose="020B0604020202020204" pitchFamily="34" charset="0"/>
               <a:buChar char="•"/>
             </a:pPr>
-            <a:r>
-              <a:rPr lang="pt-BR" sz="1600" b="1" dirty="0"/>
-              <a:t>Classificação:</a:t>
-            </a:r>
-            <a:r>
-              <a:rPr lang="pt-BR" sz="1600" dirty="0"/>
-              <a:t> diagnóstico, imagens, spam</a:t>
+            <a:endParaRPr lang="pt-BR" sz="1600" dirty="0">
+              <a:latin typeface="Arial" panose="020B0604020202020204" pitchFamily="34" charset="0"/>
+              <a:cs typeface="Arial" panose="020B0604020202020204" pitchFamily="34" charset="0"/>
+            </a:endParaRPr>
+          </a:p>
+          <a:p>
+            <a:r>
+              <a:rPr lang="pt-BR" sz="1600" b="1" dirty="0">
+                <a:latin typeface="Arial" panose="020B0604020202020204" pitchFamily="34" charset="0"/>
+                <a:cs typeface="Arial" panose="020B0604020202020204" pitchFamily="34" charset="0"/>
+              </a:rPr>
+              <a:t>Busca/Otimização:</a:t>
+            </a:r>
+            <a:r>
+              <a:rPr lang="pt-BR" sz="1600" dirty="0">
+                <a:latin typeface="Arial" panose="020B0604020202020204" pitchFamily="34" charset="0"/>
+                <a:cs typeface="Arial" panose="020B0604020202020204" pitchFamily="34" charset="0"/>
+              </a:rPr>
+              <a:t> roteamento, recursos</a:t>
+            </a:r>
+          </a:p>
+          <a:p>
+            <a:pPr lvl="1"/>
+            <a:r>
+              <a:rPr lang="pt-BR" sz="1600" i="1" dirty="0">
+                <a:latin typeface="Arial" panose="020B0604020202020204" pitchFamily="34" charset="0"/>
+                <a:cs typeface="Arial" panose="020B0604020202020204" pitchFamily="34" charset="0"/>
+              </a:rPr>
+              <a:t>	Soluções:</a:t>
+            </a:r>
+            <a:r>
+              <a:rPr lang="pt-BR" sz="1600" dirty="0">
+                <a:latin typeface="Arial" panose="020B0604020202020204" pitchFamily="34" charset="0"/>
+                <a:cs typeface="Arial" panose="020B0604020202020204" pitchFamily="34" charset="0"/>
+              </a:rPr>
+              <a:t> </a:t>
+            </a:r>
+            <a:r>
+              <a:rPr lang="pt-BR" sz="1600" b="1" dirty="0">
+                <a:latin typeface="Arial" panose="020B0604020202020204" pitchFamily="34" charset="0"/>
+                <a:cs typeface="Arial" panose="020B0604020202020204" pitchFamily="34" charset="0"/>
+              </a:rPr>
+              <a:t>Algoritmos Genéticos (IA Genética)</a:t>
+            </a:r>
+            <a:endParaRPr lang="pt-BR" sz="1600" dirty="0">
+              <a:latin typeface="Arial" panose="020B0604020202020204" pitchFamily="34" charset="0"/>
+              <a:cs typeface="Arial" panose="020B0604020202020204" pitchFamily="34" charset="0"/>
+            </a:endParaRPr>
+          </a:p>
+          <a:p>
+            <a:pPr lvl="1"/>
+            <a:endParaRPr lang="pt-BR" sz="1600" dirty="0">
+              <a:latin typeface="Arial" panose="020B0604020202020204" pitchFamily="34" charset="0"/>
+              <a:cs typeface="Arial" panose="020B0604020202020204" pitchFamily="34" charset="0"/>
+            </a:endParaRPr>
+          </a:p>
+          <a:p>
+            <a:r>
+              <a:rPr lang="pt-BR" sz="1600" b="1" dirty="0">
+                <a:latin typeface="Arial" panose="020B0604020202020204" pitchFamily="34" charset="0"/>
+                <a:cs typeface="Arial" panose="020B0604020202020204" pitchFamily="34" charset="0"/>
+              </a:rPr>
+              <a:t>Planejamento/Controle:</a:t>
+            </a:r>
+            <a:r>
+              <a:rPr lang="pt-BR" sz="1600" dirty="0">
+                <a:latin typeface="Arial" panose="020B0604020202020204" pitchFamily="34" charset="0"/>
+                <a:cs typeface="Arial" panose="020B0604020202020204" pitchFamily="34" charset="0"/>
+              </a:rPr>
+              <a:t> robótica, jogos</a:t>
             </a:r>
             <a:br>
-              <a:rPr lang="pt-BR" sz="1600" dirty="0"/>
+              <a:rPr lang="pt-BR" sz="1600" dirty="0">
+                <a:latin typeface="Arial" panose="020B0604020202020204" pitchFamily="34" charset="0"/>
+                <a:cs typeface="Arial" panose="020B0604020202020204" pitchFamily="34" charset="0"/>
+              </a:rPr>
             </a:br>
             <a:r>
-              <a:rPr lang="pt-BR" sz="1600" dirty="0"/>
+              <a:rPr lang="pt-BR" sz="1600" dirty="0">
+                <a:latin typeface="Arial" panose="020B0604020202020204" pitchFamily="34" charset="0"/>
+                <a:cs typeface="Arial" panose="020B0604020202020204" pitchFamily="34" charset="0"/>
+              </a:rPr>
               <a:t>	</a:t>
             </a:r>
             <a:r>
-              <a:rPr lang="pt-BR" sz="1600" i="1" dirty="0"/>
+              <a:rPr lang="pt-BR" sz="1600" i="1" dirty="0">
+                <a:latin typeface="Arial" panose="020B0604020202020204" pitchFamily="34" charset="0"/>
+                <a:cs typeface="Arial" panose="020B0604020202020204" pitchFamily="34" charset="0"/>
+              </a:rPr>
               <a:t>Soluções:</a:t>
             </a:r>
             <a:r>
-              <a:rPr lang="pt-BR" sz="1600" dirty="0"/>
-              <a:t> Redes neurais, árvores de decisão, SVM</a:t>
-            </a:r>
-          </a:p>
-          <a:p>
-            <a:endParaRPr lang="pt-BR" sz="1600" dirty="0"/>
+              <a:rPr lang="pt-BR" sz="1600" dirty="0">
+                <a:latin typeface="Arial" panose="020B0604020202020204" pitchFamily="34" charset="0"/>
+                <a:cs typeface="Arial" panose="020B0604020202020204" pitchFamily="34" charset="0"/>
+              </a:rPr>
+              <a:t> </a:t>
+            </a:r>
+            <a:r>
+              <a:rPr lang="pt-BR" sz="1600" b="1" dirty="0">
+                <a:latin typeface="Arial" panose="020B0604020202020204" pitchFamily="34" charset="0"/>
+                <a:cs typeface="Arial" panose="020B0604020202020204" pitchFamily="34" charset="0"/>
+              </a:rPr>
+              <a:t>Algoritmos Genéticos (IA Genética)</a:t>
+            </a:r>
+            <a:r>
+              <a:rPr lang="pt-BR" sz="1600" dirty="0">
+                <a:latin typeface="Arial" panose="020B0604020202020204" pitchFamily="34" charset="0"/>
+                <a:cs typeface="Arial" panose="020B0604020202020204" pitchFamily="34" charset="0"/>
+              </a:rPr>
+              <a:t>, reforço, especialistas</a:t>
+            </a:r>
           </a:p>
           <a:p>
             <a:pPr>
               <a:buFont typeface="Arial" panose="020B0604020202020204" pitchFamily="34" charset="0"/>
               <a:buChar char="•"/>
             </a:pPr>
-            <a:r>
-              <a:rPr lang="pt-BR" sz="1600" b="1" dirty="0"/>
-              <a:t>Regressão:</a:t>
-            </a:r>
-            <a:r>
-              <a:rPr lang="pt-BR" sz="1600" dirty="0"/>
-              <a:t> previsão de preços, demanda</a:t>
+            <a:endParaRPr lang="pt-BR" sz="1600" dirty="0">
+              <a:latin typeface="Arial" panose="020B0604020202020204" pitchFamily="34" charset="0"/>
+              <a:cs typeface="Arial" panose="020B0604020202020204" pitchFamily="34" charset="0"/>
+            </a:endParaRPr>
+          </a:p>
+          <a:p>
+            <a:r>
+              <a:rPr lang="pt-BR" sz="1600" b="1" dirty="0">
+                <a:latin typeface="Arial" panose="020B0604020202020204" pitchFamily="34" charset="0"/>
+                <a:cs typeface="Arial" panose="020B0604020202020204" pitchFamily="34" charset="0"/>
+              </a:rPr>
+              <a:t>NLP:</a:t>
+            </a:r>
+            <a:r>
+              <a:rPr lang="pt-BR" sz="1600" dirty="0">
+                <a:latin typeface="Arial" panose="020B0604020202020204" pitchFamily="34" charset="0"/>
+                <a:cs typeface="Arial" panose="020B0604020202020204" pitchFamily="34" charset="0"/>
+              </a:rPr>
+              <a:t> tradução, sentimentos, </a:t>
+            </a:r>
+            <a:r>
+              <a:rPr lang="pt-BR" sz="1600" dirty="0" err="1">
+                <a:latin typeface="Arial" panose="020B0604020202020204" pitchFamily="34" charset="0"/>
+                <a:cs typeface="Arial" panose="020B0604020202020204" pitchFamily="34" charset="0"/>
+              </a:rPr>
+              <a:t>chatbots</a:t>
             </a:r>
             <a:br>
-              <a:rPr lang="pt-BR" sz="1600" dirty="0"/>
+              <a:rPr lang="pt-BR" sz="1600" dirty="0">
+                <a:latin typeface="Arial" panose="020B0604020202020204" pitchFamily="34" charset="0"/>
+                <a:cs typeface="Arial" panose="020B0604020202020204" pitchFamily="34" charset="0"/>
+              </a:rPr>
             </a:br>
             <a:r>
-              <a:rPr lang="pt-BR" sz="1600" dirty="0"/>
+              <a:rPr lang="pt-BR" sz="1600" dirty="0">
+                <a:latin typeface="Arial" panose="020B0604020202020204" pitchFamily="34" charset="0"/>
+                <a:cs typeface="Arial" panose="020B0604020202020204" pitchFamily="34" charset="0"/>
+              </a:rPr>
               <a:t>	</a:t>
             </a:r>
             <a:r>
-              <a:rPr lang="pt-BR" sz="1600" i="1" dirty="0"/>
+              <a:rPr lang="pt-BR" sz="1600" i="1" dirty="0">
+                <a:latin typeface="Arial" panose="020B0604020202020204" pitchFamily="34" charset="0"/>
+                <a:cs typeface="Arial" panose="020B0604020202020204" pitchFamily="34" charset="0"/>
+              </a:rPr>
               <a:t>Soluções:</a:t>
             </a:r>
             <a:r>
-              <a:rPr lang="pt-BR" sz="1600" dirty="0"/>
-              <a:t> Regressão, redes neurais, métodos bayesianos</a:t>
-            </a:r>
-          </a:p>
-          <a:p>
-            <a:endParaRPr lang="pt-BR" sz="1600" dirty="0"/>
-          </a:p>
-          <a:p>
-            <a:pPr>
-              <a:buFont typeface="Arial" panose="020B0604020202020204" pitchFamily="34" charset="0"/>
-              <a:buChar char="•"/>
-            </a:pPr>
-            <a:r>
-              <a:rPr lang="pt-BR" sz="1600" b="1" dirty="0"/>
-              <a:t>Agrupamento:</a:t>
-            </a:r>
-            <a:r>
-              <a:rPr lang="pt-BR" sz="1600" dirty="0"/>
-              <a:t> segmentação, padrões</a:t>
-            </a:r>
-            <a:br>
-              <a:rPr lang="pt-BR" sz="1600" dirty="0"/>
-            </a:br>
-            <a:r>
-              <a:rPr lang="pt-BR" sz="1600" dirty="0"/>
-              <a:t>	</a:t>
-            </a:r>
-            <a:r>
-              <a:rPr lang="pt-BR" sz="1600" i="1" dirty="0"/>
-              <a:t>Soluções:</a:t>
-            </a:r>
-            <a:r>
-              <a:rPr lang="pt-BR" sz="1600" dirty="0"/>
-              <a:t> K-</a:t>
-            </a:r>
-            <a:r>
-              <a:rPr lang="pt-BR" sz="1600" dirty="0" err="1"/>
-              <a:t>means</a:t>
-            </a:r>
-            <a:r>
-              <a:rPr lang="pt-BR" sz="1600" dirty="0"/>
-              <a:t>, DBSCAN, </a:t>
-            </a:r>
-            <a:r>
-              <a:rPr lang="pt-BR" sz="1600" dirty="0" err="1"/>
-              <a:t>clustering</a:t>
-            </a:r>
-            <a:r>
-              <a:rPr lang="pt-BR" sz="1600" dirty="0"/>
-              <a:t> hierárquico</a:t>
-            </a:r>
-          </a:p>
-          <a:p>
-            <a:pPr>
-              <a:buFont typeface="Arial" panose="020B0604020202020204" pitchFamily="34" charset="0"/>
-              <a:buChar char="•"/>
-            </a:pPr>
-            <a:endParaRPr lang="pt-BR" sz="1600" dirty="0"/>
-          </a:p>
-          <a:p>
-            <a:pPr>
-              <a:buFont typeface="Arial" panose="020B0604020202020204" pitchFamily="34" charset="0"/>
-              <a:buChar char="•"/>
-            </a:pPr>
-            <a:r>
-              <a:rPr lang="pt-BR" sz="1600" b="1" dirty="0"/>
-              <a:t>Busca/Otimização:</a:t>
-            </a:r>
-            <a:r>
-              <a:rPr lang="pt-BR" sz="1600" dirty="0"/>
-              <a:t> roteamento, recursos</a:t>
-            </a:r>
-          </a:p>
-          <a:p>
-            <a:pPr lvl="1"/>
-            <a:r>
-              <a:rPr lang="pt-BR" sz="1600" i="1" dirty="0"/>
-              <a:t>	Soluções:</a:t>
-            </a:r>
-            <a:r>
-              <a:rPr lang="pt-BR" sz="1600" dirty="0"/>
-              <a:t> </a:t>
-            </a:r>
-            <a:r>
-              <a:rPr lang="pt-BR" sz="1600" b="1" dirty="0"/>
-              <a:t>Algoritmos Genéticos (IA Genética)</a:t>
-            </a:r>
-            <a:endParaRPr lang="pt-BR" sz="1600" dirty="0"/>
-          </a:p>
-          <a:p>
-            <a:pPr lvl="1"/>
-            <a:endParaRPr lang="pt-BR" sz="1600" dirty="0"/>
-          </a:p>
-          <a:p>
-            <a:pPr>
-              <a:buFont typeface="Arial" panose="020B0604020202020204" pitchFamily="34" charset="0"/>
-              <a:buChar char="•"/>
-            </a:pPr>
-            <a:r>
-              <a:rPr lang="pt-BR" sz="1600" b="1" dirty="0"/>
-              <a:t>Planejamento/Controle:</a:t>
-            </a:r>
-            <a:r>
-              <a:rPr lang="pt-BR" sz="1600" dirty="0"/>
-              <a:t> robótica, jogos</a:t>
-            </a:r>
-            <a:br>
-              <a:rPr lang="pt-BR" sz="1600" dirty="0"/>
-            </a:br>
-            <a:r>
-              <a:rPr lang="pt-BR" sz="1600" dirty="0"/>
-              <a:t>	</a:t>
-            </a:r>
-            <a:r>
-              <a:rPr lang="pt-BR" sz="1600" i="1" dirty="0"/>
-              <a:t>Soluções:</a:t>
-            </a:r>
-            <a:r>
-              <a:rPr lang="pt-BR" sz="1600" dirty="0"/>
-              <a:t> </a:t>
-            </a:r>
-            <a:r>
-              <a:rPr lang="pt-BR" sz="1600" b="1" dirty="0"/>
-              <a:t>Algoritmos Genéticos (IA Genética)</a:t>
-            </a:r>
-            <a:r>
-              <a:rPr lang="pt-BR" sz="1600" dirty="0"/>
-              <a:t>, reforço, especialistas</a:t>
-            </a:r>
-          </a:p>
-          <a:p>
-            <a:pPr>
-              <a:buFont typeface="Arial" panose="020B0604020202020204" pitchFamily="34" charset="0"/>
-              <a:buChar char="•"/>
-            </a:pPr>
-            <a:endParaRPr lang="pt-BR" sz="1600" dirty="0"/>
-          </a:p>
-          <a:p>
-            <a:pPr>
-              <a:buFont typeface="Arial" panose="020B0604020202020204" pitchFamily="34" charset="0"/>
-              <a:buChar char="•"/>
-            </a:pPr>
-            <a:r>
-              <a:rPr lang="pt-BR" sz="1600" b="1" dirty="0"/>
-              <a:t>NLP:</a:t>
-            </a:r>
-            <a:r>
-              <a:rPr lang="pt-BR" sz="1600" dirty="0"/>
-              <a:t> tradução, sentimentos, </a:t>
-            </a:r>
-            <a:r>
-              <a:rPr lang="pt-BR" sz="1600" dirty="0" err="1"/>
-              <a:t>chatbots</a:t>
-            </a:r>
-            <a:br>
-              <a:rPr lang="pt-BR" sz="1600" dirty="0"/>
-            </a:br>
-            <a:r>
-              <a:rPr lang="pt-BR" sz="1600" dirty="0"/>
-              <a:t>	</a:t>
-            </a:r>
-            <a:r>
-              <a:rPr lang="pt-BR" sz="1600" i="1" dirty="0"/>
-              <a:t>Soluções:</a:t>
-            </a:r>
-            <a:r>
-              <a:rPr lang="pt-BR" sz="1600" dirty="0"/>
+              <a:rPr lang="pt-BR" sz="1600" dirty="0">
+                <a:latin typeface="Arial" panose="020B0604020202020204" pitchFamily="34" charset="0"/>
+                <a:cs typeface="Arial" panose="020B0604020202020204" pitchFamily="34" charset="0"/>
+              </a:rPr>
               <a:t> RNN, transformers, análise semântica</a:t>
             </a:r>
           </a:p>
@@ -4764,7 +7828,7 @@
 </p:sld>
 </file>
 
-<file path=ppt/slides/slide3.xml><?xml version="1.0" encoding="utf-8"?>
+<file path=ppt/slides/slide8.xml><?xml version="1.0" encoding="utf-8"?>
 <p:sld xmlns:a="http://schemas.openxmlformats.org/drawingml/2006/main" xmlns:r="http://schemas.openxmlformats.org/officeDocument/2006/relationships" xmlns:p="http://schemas.openxmlformats.org/presentationml/2006/main">
   <p:cSld>
     <p:spTree>
@@ -7249,2562 +10313,6 @@
 </p:sld>
 </file>
 
-<file path=ppt/slides/slide4.xml><?xml version="1.0" encoding="utf-8"?>
-<p:sld xmlns:a="http://schemas.openxmlformats.org/drawingml/2006/main" xmlns:r="http://schemas.openxmlformats.org/officeDocument/2006/relationships" xmlns:p="http://schemas.openxmlformats.org/presentationml/2006/main">
-  <p:cSld>
-    <p:spTree>
-      <p:nvGrpSpPr>
-        <p:cNvPr id="1" name=""/>
-        <p:cNvGrpSpPr/>
-        <p:nvPr/>
-      </p:nvGrpSpPr>
-      <p:grpSpPr>
-        <a:xfrm>
-          <a:off x="0" y="0"/>
-          <a:ext cx="0" cy="0"/>
-          <a:chOff x="0" y="0"/>
-          <a:chExt cx="0" cy="0"/>
-        </a:xfrm>
-      </p:grpSpPr>
-      <p:sp>
-        <p:nvSpPr>
-          <p:cNvPr id="2" name="Título 1">
-            <a:extLst>
-              <a:ext uri="{FF2B5EF4-FFF2-40B4-BE49-F238E27FC236}">
-                <a16:creationId xmlns:a16="http://schemas.microsoft.com/office/drawing/2014/main" id="{9CC51775-3374-41BE-BFA9-7B34D25C1200}"/>
-              </a:ext>
-            </a:extLst>
-          </p:cNvPr>
-          <p:cNvSpPr>
-            <a:spLocks noGrp="1"/>
-          </p:cNvSpPr>
-          <p:nvPr>
-            <p:ph type="ctrTitle"/>
-          </p:nvPr>
-        </p:nvSpPr>
-        <p:spPr>
-          <a:xfrm>
-            <a:off x="2963333" y="477838"/>
-            <a:ext cx="5960533" cy="1011237"/>
-          </a:xfrm>
-        </p:spPr>
-        <p:txBody>
-          <a:bodyPr/>
-          <a:lstStyle/>
-          <a:p>
-            <a:r>
-              <a:rPr lang="pt-BR" dirty="0"/>
-              <a:t>IA Genética</a:t>
-            </a:r>
-          </a:p>
-        </p:txBody>
-      </p:sp>
-      <p:sp>
-        <p:nvSpPr>
-          <p:cNvPr id="3" name="Subtítulo 2">
-            <a:extLst>
-              <a:ext uri="{FF2B5EF4-FFF2-40B4-BE49-F238E27FC236}">
-                <a16:creationId xmlns:a16="http://schemas.microsoft.com/office/drawing/2014/main" id="{2E36C558-0704-407A-A390-3D9DF24254BB}"/>
-              </a:ext>
-            </a:extLst>
-          </p:cNvPr>
-          <p:cNvSpPr>
-            <a:spLocks noGrp="1"/>
-          </p:cNvSpPr>
-          <p:nvPr>
-            <p:ph type="subTitle" idx="1"/>
-          </p:nvPr>
-        </p:nvSpPr>
-        <p:spPr>
-          <a:xfrm>
-            <a:off x="1524000" y="1884285"/>
-            <a:ext cx="9144000" cy="4072466"/>
-          </a:xfrm>
-        </p:spPr>
-        <p:txBody>
-          <a:bodyPr>
-            <a:normAutofit/>
-          </a:bodyPr>
-          <a:lstStyle/>
-          <a:p>
-            <a:r>
-              <a:rPr lang="pt-BR" sz="3500" dirty="0"/>
-              <a:t>Desenvolver um jogo baseado no Space </a:t>
-            </a:r>
-            <a:r>
-              <a:rPr lang="pt-BR" sz="3500" dirty="0" err="1"/>
-              <a:t>Invaders</a:t>
-            </a:r>
-            <a:r>
-              <a:rPr lang="pt-BR" sz="3500" dirty="0"/>
-              <a:t>.</a:t>
-            </a:r>
-            <a:br>
-              <a:rPr lang="pt-BR" sz="3500" dirty="0"/>
-            </a:br>
-            <a:br>
-              <a:rPr lang="pt-BR" sz="3500" dirty="0"/>
-            </a:br>
-            <a:r>
-              <a:rPr lang="pt-BR" sz="3500" dirty="0"/>
-              <a:t>Comparação entre cenários: </a:t>
-            </a:r>
-            <a:endParaRPr lang="pt-BR" dirty="0"/>
-          </a:p>
-        </p:txBody>
-      </p:sp>
-      <p:graphicFrame>
-        <p:nvGraphicFramePr>
-          <p:cNvPr id="4" name="Tabela 4">
-            <a:extLst>
-              <a:ext uri="{FF2B5EF4-FFF2-40B4-BE49-F238E27FC236}">
-                <a16:creationId xmlns:a16="http://schemas.microsoft.com/office/drawing/2014/main" id="{879DE0A8-A845-4471-A54D-65D245C62C9B}"/>
-              </a:ext>
-            </a:extLst>
-          </p:cNvPr>
-          <p:cNvGraphicFramePr>
-            <a:graphicFrameLocks noGrp="1"/>
-          </p:cNvGraphicFramePr>
-          <p:nvPr>
-            <p:extLst>
-              <p:ext uri="{D42A27DB-BD31-4B8C-83A1-F6EECF244321}">
-                <p14:modId xmlns:p14="http://schemas.microsoft.com/office/powerpoint/2010/main" val="670560946"/>
-              </p:ext>
-            </p:extLst>
-          </p:nvPr>
-        </p:nvGraphicFramePr>
-        <p:xfrm>
-          <a:off x="2253674" y="3920518"/>
-          <a:ext cx="7472217" cy="1828800"/>
-        </p:xfrm>
-        <a:graphic>
-          <a:graphicData uri="http://schemas.openxmlformats.org/drawingml/2006/table">
-            <a:tbl>
-              <a:tblPr firstRow="1" bandRow="1">
-                <a:tableStyleId>{5C22544A-7EE6-4342-B048-85BDC9FD1C3A}</a:tableStyleId>
-              </a:tblPr>
-              <a:tblGrid>
-                <a:gridCol w="2490739">
-                  <a:extLst>
-                    <a:ext uri="{9D8B030D-6E8A-4147-A177-3AD203B41FA5}">
-                      <a16:colId xmlns:a16="http://schemas.microsoft.com/office/drawing/2014/main" val="4108441670"/>
-                    </a:ext>
-                  </a:extLst>
-                </a:gridCol>
-                <a:gridCol w="2490739">
-                  <a:extLst>
-                    <a:ext uri="{9D8B030D-6E8A-4147-A177-3AD203B41FA5}">
-                      <a16:colId xmlns:a16="http://schemas.microsoft.com/office/drawing/2014/main" val="2806447584"/>
-                    </a:ext>
-                  </a:extLst>
-                </a:gridCol>
-                <a:gridCol w="2490739">
-                  <a:extLst>
-                    <a:ext uri="{9D8B030D-6E8A-4147-A177-3AD203B41FA5}">
-                      <a16:colId xmlns:a16="http://schemas.microsoft.com/office/drawing/2014/main" val="853400757"/>
-                    </a:ext>
-                  </a:extLst>
-                </a:gridCol>
-              </a:tblGrid>
-              <a:tr h="309598">
-                <a:tc>
-                  <a:txBody>
-                    <a:bodyPr/>
-                    <a:lstStyle/>
-                    <a:p>
-                      <a:r>
-                        <a:rPr lang="pt-BR" dirty="0"/>
-                        <a:t>Invasores</a:t>
-                      </a:r>
-                    </a:p>
-                  </a:txBody>
-                  <a:tcPr/>
-                </a:tc>
-                <a:tc>
-                  <a:txBody>
-                    <a:bodyPr/>
-                    <a:lstStyle/>
-                    <a:p>
-                      <a:endParaRPr lang="pt-BR" dirty="0"/>
-                    </a:p>
-                  </a:txBody>
-                  <a:tcPr>
-                    <a:noFill/>
-                  </a:tcPr>
-                </a:tc>
-                <a:tc>
-                  <a:txBody>
-                    <a:bodyPr/>
-                    <a:lstStyle/>
-                    <a:p>
-                      <a:r>
-                        <a:rPr lang="pt-BR" dirty="0"/>
-                        <a:t>Jogador</a:t>
-                      </a:r>
-                    </a:p>
-                  </a:txBody>
-                  <a:tcPr/>
-                </a:tc>
-                <a:extLst>
-                  <a:ext uri="{0D108BD9-81ED-4DB2-BD59-A6C34878D82A}">
-                    <a16:rowId xmlns:a16="http://schemas.microsoft.com/office/drawing/2014/main" val="3959859058"/>
-                  </a:ext>
-                </a:extLst>
-              </a:tr>
-              <a:tr h="309598">
-                <a:tc>
-                  <a:txBody>
-                    <a:bodyPr/>
-                    <a:lstStyle/>
-                    <a:p>
-                      <a:r>
-                        <a:rPr lang="pt-BR" dirty="0"/>
-                        <a:t>Lineares</a:t>
-                      </a:r>
-                    </a:p>
-                  </a:txBody>
-                  <a:tcPr/>
-                </a:tc>
-                <a:tc>
-                  <a:txBody>
-                    <a:bodyPr/>
-                    <a:lstStyle/>
-                    <a:p>
-                      <a:endParaRPr lang="pt-BR" dirty="0"/>
-                    </a:p>
-                  </a:txBody>
-                  <a:tcPr>
-                    <a:noFill/>
-                  </a:tcPr>
-                </a:tc>
-                <a:tc>
-                  <a:txBody>
-                    <a:bodyPr/>
-                    <a:lstStyle/>
-                    <a:p>
-                      <a:r>
-                        <a:rPr lang="pt-BR" dirty="0"/>
-                        <a:t>Linear</a:t>
-                      </a:r>
-                    </a:p>
-                  </a:txBody>
-                  <a:tcPr/>
-                </a:tc>
-                <a:extLst>
-                  <a:ext uri="{0D108BD9-81ED-4DB2-BD59-A6C34878D82A}">
-                    <a16:rowId xmlns:a16="http://schemas.microsoft.com/office/drawing/2014/main" val="1900998668"/>
-                  </a:ext>
-                </a:extLst>
-              </a:tr>
-              <a:tr h="309598">
-                <a:tc>
-                  <a:txBody>
-                    <a:bodyPr/>
-                    <a:lstStyle/>
-                    <a:p>
-                      <a:r>
-                        <a:rPr lang="pt-BR" dirty="0"/>
-                        <a:t>Aleatórios</a:t>
-                      </a:r>
-                    </a:p>
-                  </a:txBody>
-                  <a:tcPr/>
-                </a:tc>
-                <a:tc>
-                  <a:txBody>
-                    <a:bodyPr/>
-                    <a:lstStyle/>
-                    <a:p>
-                      <a:endParaRPr lang="pt-BR" dirty="0"/>
-                    </a:p>
-                  </a:txBody>
-                  <a:tcPr>
-                    <a:noFill/>
-                  </a:tcPr>
-                </a:tc>
-                <a:tc>
-                  <a:txBody>
-                    <a:bodyPr/>
-                    <a:lstStyle/>
-                    <a:p>
-                      <a:r>
-                        <a:rPr lang="pt-BR" dirty="0"/>
-                        <a:t>Aleatório</a:t>
-                      </a:r>
-                    </a:p>
-                  </a:txBody>
-                  <a:tcPr/>
-                </a:tc>
-                <a:extLst>
-                  <a:ext uri="{0D108BD9-81ED-4DB2-BD59-A6C34878D82A}">
-                    <a16:rowId xmlns:a16="http://schemas.microsoft.com/office/drawing/2014/main" val="1428515580"/>
-                  </a:ext>
-                </a:extLst>
-              </a:tr>
-              <a:tr h="309598">
-                <a:tc>
-                  <a:txBody>
-                    <a:bodyPr/>
-                    <a:lstStyle/>
-                    <a:p>
-                      <a:r>
-                        <a:rPr lang="pt-BR" dirty="0"/>
-                        <a:t>Com Logica de Desvio</a:t>
-                      </a:r>
-                    </a:p>
-                  </a:txBody>
-                  <a:tcPr/>
-                </a:tc>
-                <a:tc>
-                  <a:txBody>
-                    <a:bodyPr/>
-                    <a:lstStyle/>
-                    <a:p>
-                      <a:endParaRPr lang="pt-BR" dirty="0"/>
-                    </a:p>
-                  </a:txBody>
-                  <a:tcPr>
-                    <a:noFill/>
-                  </a:tcPr>
-                </a:tc>
-                <a:tc>
-                  <a:txBody>
-                    <a:bodyPr/>
-                    <a:lstStyle/>
-                    <a:p>
-                      <a:r>
-                        <a:rPr lang="pt-BR" dirty="0"/>
-                        <a:t>Manual</a:t>
-                      </a:r>
-                    </a:p>
-                  </a:txBody>
-                  <a:tcPr/>
-                </a:tc>
-                <a:extLst>
-                  <a:ext uri="{0D108BD9-81ED-4DB2-BD59-A6C34878D82A}">
-                    <a16:rowId xmlns:a16="http://schemas.microsoft.com/office/drawing/2014/main" val="3840388240"/>
-                  </a:ext>
-                </a:extLst>
-              </a:tr>
-              <a:tr h="309598">
-                <a:tc>
-                  <a:txBody>
-                    <a:bodyPr/>
-                    <a:lstStyle/>
-                    <a:p>
-                      <a:r>
-                        <a:rPr lang="pt-BR" dirty="0"/>
-                        <a:t>Genéticos</a:t>
-                      </a:r>
-                    </a:p>
-                  </a:txBody>
-                  <a:tcPr/>
-                </a:tc>
-                <a:tc>
-                  <a:txBody>
-                    <a:bodyPr/>
-                    <a:lstStyle/>
-                    <a:p>
-                      <a:endParaRPr lang="pt-BR" dirty="0"/>
-                    </a:p>
-                  </a:txBody>
-                  <a:tcPr>
-                    <a:noFill/>
-                  </a:tcPr>
-                </a:tc>
-                <a:tc>
-                  <a:txBody>
-                    <a:bodyPr/>
-                    <a:lstStyle/>
-                    <a:p>
-                      <a:r>
-                        <a:rPr lang="pt-BR" dirty="0"/>
-                        <a:t>Genético</a:t>
-                      </a:r>
-                    </a:p>
-                  </a:txBody>
-                  <a:tcPr/>
-                </a:tc>
-                <a:extLst>
-                  <a:ext uri="{0D108BD9-81ED-4DB2-BD59-A6C34878D82A}">
-                    <a16:rowId xmlns:a16="http://schemas.microsoft.com/office/drawing/2014/main" val="1510973474"/>
-                  </a:ext>
-                </a:extLst>
-              </a:tr>
-            </a:tbl>
-          </a:graphicData>
-        </a:graphic>
-      </p:graphicFrame>
-      <p:sp>
-        <p:nvSpPr>
-          <p:cNvPr id="13" name="Retângulo 12">
-            <a:extLst>
-              <a:ext uri="{FF2B5EF4-FFF2-40B4-BE49-F238E27FC236}">
-                <a16:creationId xmlns:a16="http://schemas.microsoft.com/office/drawing/2014/main" id="{9D6DE1CB-751E-4740-8BFE-97C532383912}"/>
-              </a:ext>
-            </a:extLst>
-          </p:cNvPr>
-          <p:cNvSpPr/>
-          <p:nvPr/>
-        </p:nvSpPr>
-        <p:spPr>
-          <a:xfrm>
-            <a:off x="5420245" y="4050088"/>
-            <a:ext cx="1351509" cy="1569660"/>
-          </a:xfrm>
-          <a:prstGeom prst="rect">
-            <a:avLst/>
-          </a:prstGeom>
-          <a:noFill/>
-        </p:spPr>
-        <p:txBody>
-          <a:bodyPr wrap="square" lIns="91440" tIns="45720" rIns="91440" bIns="45720">
-            <a:spAutoFit/>
-          </a:bodyPr>
-          <a:lstStyle/>
-          <a:p>
-            <a:pPr algn="ctr"/>
-            <a:r>
-              <a:rPr lang="pt-BR" sz="9600" b="1" cap="none" spc="0" dirty="0">
-                <a:ln w="12700">
-                  <a:solidFill>
-                    <a:schemeClr val="accent1"/>
-                  </a:solidFill>
-                  <a:prstDash val="solid"/>
-                </a:ln>
-                <a:pattFill prst="pct50">
-                  <a:fgClr>
-                    <a:schemeClr val="accent1"/>
-                  </a:fgClr>
-                  <a:bgClr>
-                    <a:schemeClr val="accent1">
-                      <a:lumMod val="20000"/>
-                      <a:lumOff val="80000"/>
-                    </a:schemeClr>
-                  </a:bgClr>
-                </a:pattFill>
-                <a:effectLst>
-                  <a:outerShdw dist="38100" dir="2640000" algn="bl" rotWithShape="0">
-                    <a:schemeClr val="accent1"/>
-                  </a:outerShdw>
-                </a:effectLst>
-              </a:rPr>
-              <a:t>X</a:t>
-            </a:r>
-          </a:p>
-        </p:txBody>
-      </p:sp>
-    </p:spTree>
-    <p:extLst>
-      <p:ext uri="{BB962C8B-B14F-4D97-AF65-F5344CB8AC3E}">
-        <p14:creationId xmlns:p14="http://schemas.microsoft.com/office/powerpoint/2010/main" val="2599106589"/>
-      </p:ext>
-    </p:extLst>
-  </p:cSld>
-  <p:clrMapOvr>
-    <a:masterClrMapping/>
-  </p:clrMapOvr>
-</p:sld>
-</file>
-
-<file path=ppt/slides/slide5.xml><?xml version="1.0" encoding="utf-8"?>
-<p:sld xmlns:a="http://schemas.openxmlformats.org/drawingml/2006/main" xmlns:r="http://schemas.openxmlformats.org/officeDocument/2006/relationships" xmlns:p="http://schemas.openxmlformats.org/presentationml/2006/main">
-  <p:cSld>
-    <p:spTree>
-      <p:nvGrpSpPr>
-        <p:cNvPr id="1" name=""/>
-        <p:cNvGrpSpPr/>
-        <p:nvPr/>
-      </p:nvGrpSpPr>
-      <p:grpSpPr>
-        <a:xfrm>
-          <a:off x="0" y="0"/>
-          <a:ext cx="0" cy="0"/>
-          <a:chOff x="0" y="0"/>
-          <a:chExt cx="0" cy="0"/>
-        </a:xfrm>
-      </p:grpSpPr>
-      <p:sp>
-        <p:nvSpPr>
-          <p:cNvPr id="2" name="Título 1">
-            <a:extLst>
-              <a:ext uri="{FF2B5EF4-FFF2-40B4-BE49-F238E27FC236}">
-                <a16:creationId xmlns:a16="http://schemas.microsoft.com/office/drawing/2014/main" id="{1159F4F8-4F57-4E45-95E7-7C5AE43D5587}"/>
-              </a:ext>
-            </a:extLst>
-          </p:cNvPr>
-          <p:cNvSpPr>
-            <a:spLocks noGrp="1"/>
-          </p:cNvSpPr>
-          <p:nvPr>
-            <p:ph type="title"/>
-          </p:nvPr>
-        </p:nvSpPr>
-        <p:spPr/>
-        <p:txBody>
-          <a:bodyPr/>
-          <a:lstStyle/>
-          <a:p>
-            <a:r>
-              <a:rPr lang="pt-BR" dirty="0"/>
-              <a:t>O Jogo</a:t>
-            </a:r>
-          </a:p>
-        </p:txBody>
-      </p:sp>
-      <p:pic>
-        <p:nvPicPr>
-          <p:cNvPr id="7" name="Imagem 6">
-            <a:extLst>
-              <a:ext uri="{FF2B5EF4-FFF2-40B4-BE49-F238E27FC236}">
-                <a16:creationId xmlns:a16="http://schemas.microsoft.com/office/drawing/2014/main" id="{ECEDF04A-74F4-4CA6-9BD8-1D7638F13942}"/>
-              </a:ext>
-            </a:extLst>
-          </p:cNvPr>
-          <p:cNvPicPr>
-            <a:picLocks noChangeAspect="1"/>
-          </p:cNvPicPr>
-          <p:nvPr/>
-        </p:nvPicPr>
-        <p:blipFill>
-          <a:blip r:embed="rId2"/>
-          <a:stretch>
-            <a:fillRect/>
-          </a:stretch>
-        </p:blipFill>
-        <p:spPr>
-          <a:xfrm>
-            <a:off x="443856" y="1788935"/>
-            <a:ext cx="5915556" cy="4094628"/>
-          </a:xfrm>
-          <a:prstGeom prst="rect">
-            <a:avLst/>
-          </a:prstGeom>
-        </p:spPr>
-      </p:pic>
-      <p:pic>
-        <p:nvPicPr>
-          <p:cNvPr id="9" name="Imagem 8">
-            <a:extLst>
-              <a:ext uri="{FF2B5EF4-FFF2-40B4-BE49-F238E27FC236}">
-                <a16:creationId xmlns:a16="http://schemas.microsoft.com/office/drawing/2014/main" id="{30003B7E-5F5B-432A-A74D-8D2D24307E00}"/>
-              </a:ext>
-            </a:extLst>
-          </p:cNvPr>
-          <p:cNvPicPr>
-            <a:picLocks noChangeAspect="1"/>
-          </p:cNvPicPr>
-          <p:nvPr/>
-        </p:nvPicPr>
-        <p:blipFill>
-          <a:blip r:embed="rId3"/>
-          <a:stretch>
-            <a:fillRect/>
-          </a:stretch>
-        </p:blipFill>
-        <p:spPr>
-          <a:xfrm>
-            <a:off x="6993167" y="744167"/>
-            <a:ext cx="952633" cy="752580"/>
-          </a:xfrm>
-          <a:prstGeom prst="rect">
-            <a:avLst/>
-          </a:prstGeom>
-        </p:spPr>
-      </p:pic>
-      <p:pic>
-        <p:nvPicPr>
-          <p:cNvPr id="11" name="Imagem 10">
-            <a:extLst>
-              <a:ext uri="{FF2B5EF4-FFF2-40B4-BE49-F238E27FC236}">
-                <a16:creationId xmlns:a16="http://schemas.microsoft.com/office/drawing/2014/main" id="{BDE71DA4-24E1-4E6A-BF3A-DA3C3C393F95}"/>
-              </a:ext>
-            </a:extLst>
-          </p:cNvPr>
-          <p:cNvPicPr>
-            <a:picLocks noChangeAspect="1"/>
-          </p:cNvPicPr>
-          <p:nvPr/>
-        </p:nvPicPr>
-        <p:blipFill>
-          <a:blip r:embed="rId4"/>
-          <a:stretch>
-            <a:fillRect/>
-          </a:stretch>
-        </p:blipFill>
-        <p:spPr>
-          <a:xfrm>
-            <a:off x="6931245" y="3493950"/>
-            <a:ext cx="1076475" cy="943107"/>
-          </a:xfrm>
-          <a:prstGeom prst="rect">
-            <a:avLst/>
-          </a:prstGeom>
-        </p:spPr>
-      </p:pic>
-      <p:sp>
-        <p:nvSpPr>
-          <p:cNvPr id="12" name="CaixaDeTexto 11">
-            <a:extLst>
-              <a:ext uri="{FF2B5EF4-FFF2-40B4-BE49-F238E27FC236}">
-                <a16:creationId xmlns:a16="http://schemas.microsoft.com/office/drawing/2014/main" id="{10CDAC1E-F6C4-45CC-B91B-FD54F5294CCA}"/>
-              </a:ext>
-            </a:extLst>
-          </p:cNvPr>
-          <p:cNvSpPr txBox="1"/>
-          <p:nvPr/>
-        </p:nvSpPr>
-        <p:spPr>
-          <a:xfrm>
-            <a:off x="8285018" y="889624"/>
-            <a:ext cx="1113895" cy="461665"/>
-          </a:xfrm>
-          <a:prstGeom prst="rect">
-            <a:avLst/>
-          </a:prstGeom>
-          <a:noFill/>
-        </p:spPr>
-        <p:txBody>
-          <a:bodyPr wrap="none" rtlCol="0">
-            <a:spAutoFit/>
-          </a:bodyPr>
-          <a:lstStyle/>
-          <a:p>
-            <a:r>
-              <a:rPr lang="pt-BR" sz="2400" dirty="0"/>
-              <a:t>Inimigo</a:t>
-            </a:r>
-            <a:endParaRPr lang="pt-BR" dirty="0"/>
-          </a:p>
-        </p:txBody>
-      </p:sp>
-      <p:sp>
-        <p:nvSpPr>
-          <p:cNvPr id="13" name="CaixaDeTexto 12">
-            <a:extLst>
-              <a:ext uri="{FF2B5EF4-FFF2-40B4-BE49-F238E27FC236}">
-                <a16:creationId xmlns:a16="http://schemas.microsoft.com/office/drawing/2014/main" id="{92DA30A4-9385-456C-B974-4534681B1783}"/>
-              </a:ext>
-            </a:extLst>
-          </p:cNvPr>
-          <p:cNvSpPr txBox="1"/>
-          <p:nvPr/>
-        </p:nvSpPr>
-        <p:spPr>
-          <a:xfrm>
-            <a:off x="8354292" y="3734670"/>
-            <a:ext cx="1161600" cy="461665"/>
-          </a:xfrm>
-          <a:prstGeom prst="rect">
-            <a:avLst/>
-          </a:prstGeom>
-          <a:noFill/>
-        </p:spPr>
-        <p:txBody>
-          <a:bodyPr wrap="none" rtlCol="0">
-            <a:spAutoFit/>
-          </a:bodyPr>
-          <a:lstStyle/>
-          <a:p>
-            <a:r>
-              <a:rPr lang="pt-BR" sz="2400" dirty="0"/>
-              <a:t>Jogador</a:t>
-            </a:r>
-            <a:endParaRPr lang="pt-BR" dirty="0"/>
-          </a:p>
-        </p:txBody>
-      </p:sp>
-      <p:sp>
-        <p:nvSpPr>
-          <p:cNvPr id="14" name="CaixaDeTexto 13">
-            <a:extLst>
-              <a:ext uri="{FF2B5EF4-FFF2-40B4-BE49-F238E27FC236}">
-                <a16:creationId xmlns:a16="http://schemas.microsoft.com/office/drawing/2014/main" id="{1406019F-B32F-47E1-BAF5-8DAAEEE26D24}"/>
-              </a:ext>
-            </a:extLst>
-          </p:cNvPr>
-          <p:cNvSpPr txBox="1"/>
-          <p:nvPr/>
-        </p:nvSpPr>
-        <p:spPr>
-          <a:xfrm>
-            <a:off x="8285018" y="1465866"/>
-            <a:ext cx="3223490" cy="646331"/>
-          </a:xfrm>
-          <a:prstGeom prst="rect">
-            <a:avLst/>
-          </a:prstGeom>
-          <a:noFill/>
-        </p:spPr>
-        <p:txBody>
-          <a:bodyPr wrap="square" rtlCol="0">
-            <a:spAutoFit/>
-          </a:bodyPr>
-          <a:lstStyle/>
-          <a:p>
-            <a:r>
-              <a:rPr lang="pt-BR" dirty="0"/>
-              <a:t>Objetivo: </a:t>
-            </a:r>
-          </a:p>
-          <a:p>
-            <a:r>
-              <a:rPr lang="pt-BR" dirty="0"/>
-              <a:t>Descer até o nível do jogador</a:t>
-            </a:r>
-          </a:p>
-        </p:txBody>
-      </p:sp>
-      <p:sp>
-        <p:nvSpPr>
-          <p:cNvPr id="15" name="CaixaDeTexto 14">
-            <a:extLst>
-              <a:ext uri="{FF2B5EF4-FFF2-40B4-BE49-F238E27FC236}">
-                <a16:creationId xmlns:a16="http://schemas.microsoft.com/office/drawing/2014/main" id="{1F1BF7F6-EBBA-4AB5-A1C1-A8E0FEE0A842}"/>
-              </a:ext>
-            </a:extLst>
-          </p:cNvPr>
-          <p:cNvSpPr txBox="1"/>
-          <p:nvPr/>
-        </p:nvSpPr>
-        <p:spPr>
-          <a:xfrm>
-            <a:off x="8354292" y="4351773"/>
-            <a:ext cx="3646054" cy="646331"/>
-          </a:xfrm>
-          <a:prstGeom prst="rect">
-            <a:avLst/>
-          </a:prstGeom>
-          <a:noFill/>
-        </p:spPr>
-        <p:txBody>
-          <a:bodyPr wrap="square" rtlCol="0">
-            <a:spAutoFit/>
-          </a:bodyPr>
-          <a:lstStyle/>
-          <a:p>
-            <a:r>
-              <a:rPr lang="pt-BR" dirty="0"/>
-              <a:t>Objetivo: </a:t>
-            </a:r>
-          </a:p>
-          <a:p>
-            <a:r>
-              <a:rPr lang="pt-BR" dirty="0"/>
-              <a:t>Matar o maior número de inimigos</a:t>
-            </a:r>
-          </a:p>
-        </p:txBody>
-      </p:sp>
-    </p:spTree>
-    <p:extLst>
-      <p:ext uri="{BB962C8B-B14F-4D97-AF65-F5344CB8AC3E}">
-        <p14:creationId xmlns:p14="http://schemas.microsoft.com/office/powerpoint/2010/main" val="3907219798"/>
-      </p:ext>
-    </p:extLst>
-  </p:cSld>
-  <p:clrMapOvr>
-    <a:masterClrMapping/>
-  </p:clrMapOvr>
-</p:sld>
-</file>
-
-<file path=ppt/slides/slide6.xml><?xml version="1.0" encoding="utf-8"?>
-<p:sld xmlns:a="http://schemas.openxmlformats.org/drawingml/2006/main" xmlns:r="http://schemas.openxmlformats.org/officeDocument/2006/relationships" xmlns:p="http://schemas.openxmlformats.org/presentationml/2006/main">
-  <p:cSld>
-    <p:spTree>
-      <p:nvGrpSpPr>
-        <p:cNvPr id="1" name=""/>
-        <p:cNvGrpSpPr/>
-        <p:nvPr/>
-      </p:nvGrpSpPr>
-      <p:grpSpPr>
-        <a:xfrm>
-          <a:off x="0" y="0"/>
-          <a:ext cx="0" cy="0"/>
-          <a:chOff x="0" y="0"/>
-          <a:chExt cx="0" cy="0"/>
-        </a:xfrm>
-      </p:grpSpPr>
-      <p:sp>
-        <p:nvSpPr>
-          <p:cNvPr id="2" name="Título 1">
-            <a:extLst>
-              <a:ext uri="{FF2B5EF4-FFF2-40B4-BE49-F238E27FC236}">
-                <a16:creationId xmlns:a16="http://schemas.microsoft.com/office/drawing/2014/main" id="{1159F4F8-4F57-4E45-95E7-7C5AE43D5587}"/>
-              </a:ext>
-            </a:extLst>
-          </p:cNvPr>
-          <p:cNvSpPr>
-            <a:spLocks noGrp="1"/>
-          </p:cNvSpPr>
-          <p:nvPr>
-            <p:ph type="title"/>
-          </p:nvPr>
-        </p:nvSpPr>
-        <p:spPr/>
-        <p:txBody>
-          <a:bodyPr/>
-          <a:lstStyle/>
-          <a:p>
-            <a:r>
-              <a:rPr lang="pt-BR" dirty="0"/>
-              <a:t>Regras</a:t>
-            </a:r>
-          </a:p>
-        </p:txBody>
-      </p:sp>
-      <p:sp>
-        <p:nvSpPr>
-          <p:cNvPr id="12" name="CaixaDeTexto 11">
-            <a:extLst>
-              <a:ext uri="{FF2B5EF4-FFF2-40B4-BE49-F238E27FC236}">
-                <a16:creationId xmlns:a16="http://schemas.microsoft.com/office/drawing/2014/main" id="{10CDAC1E-F6C4-45CC-B91B-FD54F5294CCA}"/>
-              </a:ext>
-            </a:extLst>
-          </p:cNvPr>
-          <p:cNvSpPr txBox="1"/>
-          <p:nvPr/>
-        </p:nvSpPr>
-        <p:spPr>
-          <a:xfrm>
-            <a:off x="7941265" y="452789"/>
-            <a:ext cx="1113895" cy="461665"/>
-          </a:xfrm>
-          <a:prstGeom prst="rect">
-            <a:avLst/>
-          </a:prstGeom>
-          <a:noFill/>
-        </p:spPr>
-        <p:txBody>
-          <a:bodyPr wrap="none" rtlCol="0">
-            <a:spAutoFit/>
-          </a:bodyPr>
-          <a:lstStyle/>
-          <a:p>
-            <a:r>
-              <a:rPr lang="pt-BR" sz="2400" dirty="0"/>
-              <a:t>Inimigo</a:t>
-            </a:r>
-            <a:endParaRPr lang="pt-BR" dirty="0"/>
-          </a:p>
-        </p:txBody>
-      </p:sp>
-      <p:sp>
-        <p:nvSpPr>
-          <p:cNvPr id="13" name="CaixaDeTexto 12">
-            <a:extLst>
-              <a:ext uri="{FF2B5EF4-FFF2-40B4-BE49-F238E27FC236}">
-                <a16:creationId xmlns:a16="http://schemas.microsoft.com/office/drawing/2014/main" id="{92DA30A4-9385-456C-B974-4534681B1783}"/>
-              </a:ext>
-            </a:extLst>
-          </p:cNvPr>
-          <p:cNvSpPr txBox="1"/>
-          <p:nvPr/>
-        </p:nvSpPr>
-        <p:spPr>
-          <a:xfrm>
-            <a:off x="5488892" y="3772922"/>
-            <a:ext cx="1161600" cy="461665"/>
-          </a:xfrm>
-          <a:prstGeom prst="rect">
-            <a:avLst/>
-          </a:prstGeom>
-          <a:noFill/>
-        </p:spPr>
-        <p:txBody>
-          <a:bodyPr wrap="none" rtlCol="0">
-            <a:spAutoFit/>
-          </a:bodyPr>
-          <a:lstStyle/>
-          <a:p>
-            <a:r>
-              <a:rPr lang="pt-BR" sz="2400" dirty="0"/>
-              <a:t>Jogador</a:t>
-            </a:r>
-            <a:endParaRPr lang="pt-BR" dirty="0"/>
-          </a:p>
-        </p:txBody>
-      </p:sp>
-      <p:sp>
-        <p:nvSpPr>
-          <p:cNvPr id="16" name="CaixaDeTexto 15">
-            <a:extLst>
-              <a:ext uri="{FF2B5EF4-FFF2-40B4-BE49-F238E27FC236}">
-                <a16:creationId xmlns:a16="http://schemas.microsoft.com/office/drawing/2014/main" id="{6C517516-FA90-485F-93D6-BF1DAD3CA854}"/>
-              </a:ext>
-            </a:extLst>
-          </p:cNvPr>
-          <p:cNvSpPr txBox="1"/>
-          <p:nvPr/>
-        </p:nvSpPr>
-        <p:spPr>
-          <a:xfrm>
-            <a:off x="5488892" y="4409209"/>
-            <a:ext cx="4504848" cy="923330"/>
-          </a:xfrm>
-          <a:prstGeom prst="rect">
-            <a:avLst/>
-          </a:prstGeom>
-          <a:noFill/>
-        </p:spPr>
-        <p:txBody>
-          <a:bodyPr wrap="square" rtlCol="0">
-            <a:spAutoFit/>
-          </a:bodyPr>
-          <a:lstStyle/>
-          <a:p>
-            <a:pPr marL="285750" indent="-285750">
-              <a:buFont typeface="Arial" panose="020B0604020202020204" pitchFamily="34" charset="0"/>
-              <a:buChar char="•"/>
-            </a:pPr>
-            <a:r>
-              <a:rPr lang="pt-BR" dirty="0"/>
-              <a:t>Movimentos Laterais</a:t>
-            </a:r>
-          </a:p>
-          <a:p>
-            <a:pPr marL="285750" indent="-285750">
-              <a:buFont typeface="Arial" panose="020B0604020202020204" pitchFamily="34" charset="0"/>
-              <a:buChar char="•"/>
-            </a:pPr>
-            <a:r>
-              <a:rPr lang="pt-BR" dirty="0"/>
-              <a:t>1 Tiro por vez</a:t>
-            </a:r>
-          </a:p>
-          <a:p>
-            <a:pPr marL="285750" indent="-285750">
-              <a:buFont typeface="Arial" panose="020B0604020202020204" pitchFamily="34" charset="0"/>
-              <a:buChar char="•"/>
-            </a:pPr>
-            <a:r>
-              <a:rPr lang="pt-BR" dirty="0"/>
-              <a:t>Controle do Tiro com movimentos laterais</a:t>
-            </a:r>
-          </a:p>
-        </p:txBody>
-      </p:sp>
-      <p:sp>
-        <p:nvSpPr>
-          <p:cNvPr id="17" name="CaixaDeTexto 16">
-            <a:extLst>
-              <a:ext uri="{FF2B5EF4-FFF2-40B4-BE49-F238E27FC236}">
-                <a16:creationId xmlns:a16="http://schemas.microsoft.com/office/drawing/2014/main" id="{F861585B-8493-4B0C-8689-05E929684D98}"/>
-              </a:ext>
-            </a:extLst>
-          </p:cNvPr>
-          <p:cNvSpPr txBox="1"/>
-          <p:nvPr/>
-        </p:nvSpPr>
-        <p:spPr>
-          <a:xfrm>
-            <a:off x="7941265" y="1215603"/>
-            <a:ext cx="4504848" cy="1754326"/>
-          </a:xfrm>
-          <a:prstGeom prst="rect">
-            <a:avLst/>
-          </a:prstGeom>
-          <a:noFill/>
-        </p:spPr>
-        <p:txBody>
-          <a:bodyPr wrap="square" rtlCol="0">
-            <a:spAutoFit/>
-          </a:bodyPr>
-          <a:lstStyle/>
-          <a:p>
-            <a:pPr marL="285750" indent="-285750">
-              <a:buFont typeface="Arial" panose="020B0604020202020204" pitchFamily="34" charset="0"/>
-              <a:buChar char="•"/>
-            </a:pPr>
-            <a:r>
-              <a:rPr lang="pt-BR" dirty="0"/>
-              <a:t>5 opções de movimento</a:t>
-            </a:r>
-          </a:p>
-          <a:p>
-            <a:pPr marL="742950" lvl="1" indent="-285750">
-              <a:buFont typeface="Arial" panose="020B0604020202020204" pitchFamily="34" charset="0"/>
-              <a:buChar char="•"/>
-            </a:pPr>
-            <a:r>
-              <a:rPr lang="pt-BR" dirty="0"/>
-              <a:t>Esquerda</a:t>
-            </a:r>
-          </a:p>
-          <a:p>
-            <a:pPr marL="742950" lvl="1" indent="-285750">
-              <a:buFont typeface="Arial" panose="020B0604020202020204" pitchFamily="34" charset="0"/>
-              <a:buChar char="•"/>
-            </a:pPr>
-            <a:r>
-              <a:rPr lang="pt-BR" dirty="0"/>
-              <a:t>Esquerda + Descida</a:t>
-            </a:r>
-          </a:p>
-          <a:p>
-            <a:pPr marL="742950" lvl="1" indent="-285750">
-              <a:buFont typeface="Arial" panose="020B0604020202020204" pitchFamily="34" charset="0"/>
-              <a:buChar char="•"/>
-            </a:pPr>
-            <a:r>
-              <a:rPr lang="pt-BR" dirty="0"/>
-              <a:t>Descida</a:t>
-            </a:r>
-          </a:p>
-          <a:p>
-            <a:pPr marL="742950" lvl="1" indent="-285750">
-              <a:buFont typeface="Arial" panose="020B0604020202020204" pitchFamily="34" charset="0"/>
-              <a:buChar char="•"/>
-            </a:pPr>
-            <a:r>
-              <a:rPr lang="pt-BR" dirty="0"/>
-              <a:t>Direita + Descida</a:t>
-            </a:r>
-          </a:p>
-          <a:p>
-            <a:pPr marL="742950" lvl="1" indent="-285750">
-              <a:buFont typeface="Arial" panose="020B0604020202020204" pitchFamily="34" charset="0"/>
-              <a:buChar char="•"/>
-            </a:pPr>
-            <a:r>
-              <a:rPr lang="pt-BR" dirty="0"/>
-              <a:t>Direita</a:t>
-            </a:r>
-          </a:p>
-        </p:txBody>
-      </p:sp>
-      <p:grpSp>
-        <p:nvGrpSpPr>
-          <p:cNvPr id="28" name="Agrupar 27">
-            <a:extLst>
-              <a:ext uri="{FF2B5EF4-FFF2-40B4-BE49-F238E27FC236}">
-                <a16:creationId xmlns:a16="http://schemas.microsoft.com/office/drawing/2014/main" id="{8BC02F46-02B7-4CE5-BA70-6DA8D4C572EE}"/>
-              </a:ext>
-            </a:extLst>
-          </p:cNvPr>
-          <p:cNvGrpSpPr/>
-          <p:nvPr/>
-        </p:nvGrpSpPr>
-        <p:grpSpPr>
-          <a:xfrm>
-            <a:off x="599486" y="3505077"/>
-            <a:ext cx="4305901" cy="2953162"/>
-            <a:chOff x="599486" y="3505077"/>
-            <a:chExt cx="4305901" cy="2953162"/>
-          </a:xfrm>
-        </p:grpSpPr>
-        <p:pic>
-          <p:nvPicPr>
-            <p:cNvPr id="6" name="Imagem 5">
-              <a:extLst>
-                <a:ext uri="{FF2B5EF4-FFF2-40B4-BE49-F238E27FC236}">
-                  <a16:creationId xmlns:a16="http://schemas.microsoft.com/office/drawing/2014/main" id="{B18B85E8-75CB-4972-854C-8661D757AFCF}"/>
-                </a:ext>
-              </a:extLst>
-            </p:cNvPr>
-            <p:cNvPicPr>
-              <a:picLocks noChangeAspect="1"/>
-            </p:cNvPicPr>
-            <p:nvPr/>
-          </p:nvPicPr>
-          <p:blipFill>
-            <a:blip r:embed="rId2"/>
-            <a:stretch>
-              <a:fillRect/>
-            </a:stretch>
-          </p:blipFill>
-          <p:spPr>
-            <a:xfrm>
-              <a:off x="599486" y="3505077"/>
-              <a:ext cx="4305901" cy="2953162"/>
-            </a:xfrm>
-            <a:prstGeom prst="rect">
-              <a:avLst/>
-            </a:prstGeom>
-          </p:spPr>
-        </p:pic>
-        <p:sp>
-          <p:nvSpPr>
-            <p:cNvPr id="8" name="Seta: para a Direita 7">
-              <a:extLst>
-                <a:ext uri="{FF2B5EF4-FFF2-40B4-BE49-F238E27FC236}">
-                  <a16:creationId xmlns:a16="http://schemas.microsoft.com/office/drawing/2014/main" id="{988EBD86-7F5F-4A31-A256-F807D58A5FC1}"/>
-                </a:ext>
-              </a:extLst>
-            </p:cNvPr>
-            <p:cNvSpPr/>
-            <p:nvPr/>
-          </p:nvSpPr>
-          <p:spPr>
-            <a:xfrm>
-              <a:off x="3509818" y="6085427"/>
-              <a:ext cx="618837" cy="84464"/>
-            </a:xfrm>
-            <a:prstGeom prst="rightArrow">
-              <a:avLst/>
-            </a:prstGeom>
-          </p:spPr>
-          <p:style>
-            <a:lnRef idx="2">
-              <a:schemeClr val="accent1">
-                <a:shade val="50000"/>
-              </a:schemeClr>
-            </a:lnRef>
-            <a:fillRef idx="1">
-              <a:schemeClr val="accent1"/>
-            </a:fillRef>
-            <a:effectRef idx="0">
-              <a:schemeClr val="accent1"/>
-            </a:effectRef>
-            <a:fontRef idx="minor">
-              <a:schemeClr val="lt1"/>
-            </a:fontRef>
-          </p:style>
-          <p:txBody>
-            <a:bodyPr rtlCol="0" anchor="ctr"/>
-            <a:lstStyle/>
-            <a:p>
-              <a:pPr algn="ctr"/>
-              <a:endParaRPr lang="pt-BR"/>
-            </a:p>
-          </p:txBody>
-        </p:sp>
-        <p:sp>
-          <p:nvSpPr>
-            <p:cNvPr id="18" name="Seta: para a Direita 17">
-              <a:extLst>
-                <a:ext uri="{FF2B5EF4-FFF2-40B4-BE49-F238E27FC236}">
-                  <a16:creationId xmlns:a16="http://schemas.microsoft.com/office/drawing/2014/main" id="{73482D80-6A2D-49D4-830D-B90737C55034}"/>
-                </a:ext>
-              </a:extLst>
-            </p:cNvPr>
-            <p:cNvSpPr/>
-            <p:nvPr/>
-          </p:nvSpPr>
-          <p:spPr>
-            <a:xfrm>
-              <a:off x="3431311" y="4141179"/>
-              <a:ext cx="618837" cy="84464"/>
-            </a:xfrm>
-            <a:prstGeom prst="rightArrow">
-              <a:avLst/>
-            </a:prstGeom>
-          </p:spPr>
-          <p:style>
-            <a:lnRef idx="2">
-              <a:schemeClr val="accent1">
-                <a:shade val="50000"/>
-              </a:schemeClr>
-            </a:lnRef>
-            <a:fillRef idx="1">
-              <a:schemeClr val="accent1"/>
-            </a:fillRef>
-            <a:effectRef idx="0">
-              <a:schemeClr val="accent1"/>
-            </a:effectRef>
-            <a:fontRef idx="minor">
-              <a:schemeClr val="lt1"/>
-            </a:fontRef>
-          </p:style>
-          <p:txBody>
-            <a:bodyPr rtlCol="0" anchor="ctr"/>
-            <a:lstStyle/>
-            <a:p>
-              <a:pPr algn="ctr"/>
-              <a:endParaRPr lang="pt-BR"/>
-            </a:p>
-          </p:txBody>
-        </p:sp>
-        <p:sp>
-          <p:nvSpPr>
-            <p:cNvPr id="19" name="Seta: para a Direita 18">
-              <a:extLst>
-                <a:ext uri="{FF2B5EF4-FFF2-40B4-BE49-F238E27FC236}">
-                  <a16:creationId xmlns:a16="http://schemas.microsoft.com/office/drawing/2014/main" id="{D4ED41B4-869E-4E9B-BF17-5862F34F29FB}"/>
-                </a:ext>
-              </a:extLst>
-            </p:cNvPr>
-            <p:cNvSpPr/>
-            <p:nvPr/>
-          </p:nvSpPr>
-          <p:spPr>
-            <a:xfrm rot="10800000">
-              <a:off x="1593256" y="6099286"/>
-              <a:ext cx="618837" cy="84464"/>
-            </a:xfrm>
-            <a:prstGeom prst="rightArrow">
-              <a:avLst/>
-            </a:prstGeom>
-          </p:spPr>
-          <p:style>
-            <a:lnRef idx="2">
-              <a:schemeClr val="accent1">
-                <a:shade val="50000"/>
-              </a:schemeClr>
-            </a:lnRef>
-            <a:fillRef idx="1">
-              <a:schemeClr val="accent1"/>
-            </a:fillRef>
-            <a:effectRef idx="0">
-              <a:schemeClr val="accent1"/>
-            </a:effectRef>
-            <a:fontRef idx="minor">
-              <a:schemeClr val="lt1"/>
-            </a:fontRef>
-          </p:style>
-          <p:txBody>
-            <a:bodyPr rtlCol="0" anchor="ctr"/>
-            <a:lstStyle/>
-            <a:p>
-              <a:pPr algn="ctr"/>
-              <a:endParaRPr lang="pt-BR"/>
-            </a:p>
-          </p:txBody>
-        </p:sp>
-        <p:sp>
-          <p:nvSpPr>
-            <p:cNvPr id="20" name="Seta: para a Direita 19">
-              <a:extLst>
-                <a:ext uri="{FF2B5EF4-FFF2-40B4-BE49-F238E27FC236}">
-                  <a16:creationId xmlns:a16="http://schemas.microsoft.com/office/drawing/2014/main" id="{E336AD46-147F-4385-96D1-0E74C0347F5F}"/>
-                </a:ext>
-              </a:extLst>
-            </p:cNvPr>
-            <p:cNvSpPr/>
-            <p:nvPr/>
-          </p:nvSpPr>
-          <p:spPr>
-            <a:xfrm rot="10800000">
-              <a:off x="1671768" y="4145805"/>
-              <a:ext cx="618837" cy="84464"/>
-            </a:xfrm>
-            <a:prstGeom prst="rightArrow">
-              <a:avLst/>
-            </a:prstGeom>
-          </p:spPr>
-          <p:style>
-            <a:lnRef idx="2">
-              <a:schemeClr val="accent1">
-                <a:shade val="50000"/>
-              </a:schemeClr>
-            </a:lnRef>
-            <a:fillRef idx="1">
-              <a:schemeClr val="accent1"/>
-            </a:fillRef>
-            <a:effectRef idx="0">
-              <a:schemeClr val="accent1"/>
-            </a:effectRef>
-            <a:fontRef idx="minor">
-              <a:schemeClr val="lt1"/>
-            </a:fontRef>
-          </p:style>
-          <p:txBody>
-            <a:bodyPr rtlCol="0" anchor="ctr"/>
-            <a:lstStyle/>
-            <a:p>
-              <a:pPr algn="ctr"/>
-              <a:endParaRPr lang="pt-BR"/>
-            </a:p>
-          </p:txBody>
-        </p:sp>
-      </p:grpSp>
-      <p:grpSp>
-        <p:nvGrpSpPr>
-          <p:cNvPr id="27" name="Agrupar 26">
-            <a:extLst>
-              <a:ext uri="{FF2B5EF4-FFF2-40B4-BE49-F238E27FC236}">
-                <a16:creationId xmlns:a16="http://schemas.microsoft.com/office/drawing/2014/main" id="{519C986D-2ABA-44B1-A97B-9E724E28C836}"/>
-              </a:ext>
-            </a:extLst>
-          </p:cNvPr>
-          <p:cNvGrpSpPr/>
-          <p:nvPr/>
-        </p:nvGrpSpPr>
-        <p:grpSpPr>
-          <a:xfrm>
-            <a:off x="4107246" y="481463"/>
-            <a:ext cx="3181794" cy="1743318"/>
-            <a:chOff x="3574728" y="906340"/>
-            <a:chExt cx="3181794" cy="1743318"/>
-          </a:xfrm>
-        </p:grpSpPr>
-        <p:pic>
-          <p:nvPicPr>
-            <p:cNvPr id="21" name="Imagem 20">
-              <a:extLst>
-                <a:ext uri="{FF2B5EF4-FFF2-40B4-BE49-F238E27FC236}">
-                  <a16:creationId xmlns:a16="http://schemas.microsoft.com/office/drawing/2014/main" id="{DDC0507C-AC88-49F5-BF27-9B6771E0F0F5}"/>
-                </a:ext>
-              </a:extLst>
-            </p:cNvPr>
-            <p:cNvPicPr>
-              <a:picLocks noChangeAspect="1"/>
-            </p:cNvPicPr>
-            <p:nvPr/>
-          </p:nvPicPr>
-          <p:blipFill>
-            <a:blip r:embed="rId3"/>
-            <a:stretch>
-              <a:fillRect/>
-            </a:stretch>
-          </p:blipFill>
-          <p:spPr>
-            <a:xfrm>
-              <a:off x="3574728" y="906340"/>
-              <a:ext cx="3181794" cy="1743318"/>
-            </a:xfrm>
-            <a:prstGeom prst="rect">
-              <a:avLst/>
-            </a:prstGeom>
-          </p:spPr>
-        </p:pic>
-        <p:sp>
-          <p:nvSpPr>
-            <p:cNvPr id="22" name="Seta: para a Direita 21">
-              <a:extLst>
-                <a:ext uri="{FF2B5EF4-FFF2-40B4-BE49-F238E27FC236}">
-                  <a16:creationId xmlns:a16="http://schemas.microsoft.com/office/drawing/2014/main" id="{4B478C96-1075-4E15-A7CB-D2B456F2A2D5}"/>
-                </a:ext>
-              </a:extLst>
-            </p:cNvPr>
-            <p:cNvSpPr/>
-            <p:nvPr/>
-          </p:nvSpPr>
-          <p:spPr>
-            <a:xfrm>
-              <a:off x="5708388" y="1337463"/>
-              <a:ext cx="618837" cy="84464"/>
-            </a:xfrm>
-            <a:prstGeom prst="rightArrow">
-              <a:avLst/>
-            </a:prstGeom>
-          </p:spPr>
-          <p:style>
-            <a:lnRef idx="2">
-              <a:schemeClr val="accent1">
-                <a:shade val="50000"/>
-              </a:schemeClr>
-            </a:lnRef>
-            <a:fillRef idx="1">
-              <a:schemeClr val="accent1"/>
-            </a:fillRef>
-            <a:effectRef idx="0">
-              <a:schemeClr val="accent1"/>
-            </a:effectRef>
-            <a:fontRef idx="minor">
-              <a:schemeClr val="lt1"/>
-            </a:fontRef>
-          </p:style>
-          <p:txBody>
-            <a:bodyPr rtlCol="0" anchor="ctr"/>
-            <a:lstStyle/>
-            <a:p>
-              <a:pPr algn="ctr"/>
-              <a:endParaRPr lang="pt-BR"/>
-            </a:p>
-          </p:txBody>
-        </p:sp>
-        <p:sp>
-          <p:nvSpPr>
-            <p:cNvPr id="23" name="Seta: para a Direita 22">
-              <a:extLst>
-                <a:ext uri="{FF2B5EF4-FFF2-40B4-BE49-F238E27FC236}">
-                  <a16:creationId xmlns:a16="http://schemas.microsoft.com/office/drawing/2014/main" id="{A39360C9-84BC-4BF8-89CC-438FC2497095}"/>
-                </a:ext>
-              </a:extLst>
-            </p:cNvPr>
-            <p:cNvSpPr/>
-            <p:nvPr/>
-          </p:nvSpPr>
-          <p:spPr>
-            <a:xfrm rot="10800000">
-              <a:off x="3984511" y="1369683"/>
-              <a:ext cx="618837" cy="84464"/>
-            </a:xfrm>
-            <a:prstGeom prst="rightArrow">
-              <a:avLst/>
-            </a:prstGeom>
-          </p:spPr>
-          <p:style>
-            <a:lnRef idx="2">
-              <a:schemeClr val="accent1">
-                <a:shade val="50000"/>
-              </a:schemeClr>
-            </a:lnRef>
-            <a:fillRef idx="1">
-              <a:schemeClr val="accent1"/>
-            </a:fillRef>
-            <a:effectRef idx="0">
-              <a:schemeClr val="accent1"/>
-            </a:effectRef>
-            <a:fontRef idx="minor">
-              <a:schemeClr val="lt1"/>
-            </a:fontRef>
-          </p:style>
-          <p:txBody>
-            <a:bodyPr rtlCol="0" anchor="ctr"/>
-            <a:lstStyle/>
-            <a:p>
-              <a:pPr algn="ctr"/>
-              <a:endParaRPr lang="pt-BR"/>
-            </a:p>
-          </p:txBody>
-        </p:sp>
-        <p:sp>
-          <p:nvSpPr>
-            <p:cNvPr id="24" name="Seta: para a Direita 23">
-              <a:extLst>
-                <a:ext uri="{FF2B5EF4-FFF2-40B4-BE49-F238E27FC236}">
-                  <a16:creationId xmlns:a16="http://schemas.microsoft.com/office/drawing/2014/main" id="{A2879C1E-B8EC-4296-8347-BABED9DE3CB9}"/>
-                </a:ext>
-              </a:extLst>
-            </p:cNvPr>
-            <p:cNvSpPr/>
-            <p:nvPr/>
-          </p:nvSpPr>
-          <p:spPr>
-            <a:xfrm rot="5400000">
-              <a:off x="4837734" y="1865310"/>
-              <a:ext cx="618837" cy="84464"/>
-            </a:xfrm>
-            <a:prstGeom prst="rightArrow">
-              <a:avLst/>
-            </a:prstGeom>
-          </p:spPr>
-          <p:style>
-            <a:lnRef idx="2">
-              <a:schemeClr val="accent1">
-                <a:shade val="50000"/>
-              </a:schemeClr>
-            </a:lnRef>
-            <a:fillRef idx="1">
-              <a:schemeClr val="accent1"/>
-            </a:fillRef>
-            <a:effectRef idx="0">
-              <a:schemeClr val="accent1"/>
-            </a:effectRef>
-            <a:fontRef idx="minor">
-              <a:schemeClr val="lt1"/>
-            </a:fontRef>
-          </p:style>
-          <p:txBody>
-            <a:bodyPr rtlCol="0" anchor="ctr"/>
-            <a:lstStyle/>
-            <a:p>
-              <a:pPr algn="ctr"/>
-              <a:endParaRPr lang="pt-BR"/>
-            </a:p>
-          </p:txBody>
-        </p:sp>
-        <p:sp>
-          <p:nvSpPr>
-            <p:cNvPr id="25" name="Seta: para a Direita 24">
-              <a:extLst>
-                <a:ext uri="{FF2B5EF4-FFF2-40B4-BE49-F238E27FC236}">
-                  <a16:creationId xmlns:a16="http://schemas.microsoft.com/office/drawing/2014/main" id="{10A56F58-8EA6-4083-B31D-C844B3D613DD}"/>
-                </a:ext>
-              </a:extLst>
-            </p:cNvPr>
-            <p:cNvSpPr/>
-            <p:nvPr/>
-          </p:nvSpPr>
-          <p:spPr>
-            <a:xfrm rot="2721028">
-              <a:off x="5350355" y="1832990"/>
-              <a:ext cx="618837" cy="84464"/>
-            </a:xfrm>
-            <a:prstGeom prst="rightArrow">
-              <a:avLst/>
-            </a:prstGeom>
-          </p:spPr>
-          <p:style>
-            <a:lnRef idx="2">
-              <a:schemeClr val="accent1">
-                <a:shade val="50000"/>
-              </a:schemeClr>
-            </a:lnRef>
-            <a:fillRef idx="1">
-              <a:schemeClr val="accent1"/>
-            </a:fillRef>
-            <a:effectRef idx="0">
-              <a:schemeClr val="accent1"/>
-            </a:effectRef>
-            <a:fontRef idx="minor">
-              <a:schemeClr val="lt1"/>
-            </a:fontRef>
-          </p:style>
-          <p:txBody>
-            <a:bodyPr rtlCol="0" anchor="ctr"/>
-            <a:lstStyle/>
-            <a:p>
-              <a:pPr algn="ctr"/>
-              <a:endParaRPr lang="pt-BR"/>
-            </a:p>
-          </p:txBody>
-        </p:sp>
-        <p:sp>
-          <p:nvSpPr>
-            <p:cNvPr id="26" name="Seta: para a Direita 25">
-              <a:extLst>
-                <a:ext uri="{FF2B5EF4-FFF2-40B4-BE49-F238E27FC236}">
-                  <a16:creationId xmlns:a16="http://schemas.microsoft.com/office/drawing/2014/main" id="{0787904D-CB80-4B9E-A44D-1ADA8E8E80AE}"/>
-                </a:ext>
-              </a:extLst>
-            </p:cNvPr>
-            <p:cNvSpPr/>
-            <p:nvPr/>
-          </p:nvSpPr>
-          <p:spPr>
-            <a:xfrm rot="7915562">
-              <a:off x="4323864" y="1856677"/>
-              <a:ext cx="618837" cy="84464"/>
-            </a:xfrm>
-            <a:prstGeom prst="rightArrow">
-              <a:avLst/>
-            </a:prstGeom>
-          </p:spPr>
-          <p:style>
-            <a:lnRef idx="2">
-              <a:schemeClr val="accent1">
-                <a:shade val="50000"/>
-              </a:schemeClr>
-            </a:lnRef>
-            <a:fillRef idx="1">
-              <a:schemeClr val="accent1"/>
-            </a:fillRef>
-            <a:effectRef idx="0">
-              <a:schemeClr val="accent1"/>
-            </a:effectRef>
-            <a:fontRef idx="minor">
-              <a:schemeClr val="lt1"/>
-            </a:fontRef>
-          </p:style>
-          <p:txBody>
-            <a:bodyPr rtlCol="0" anchor="ctr"/>
-            <a:lstStyle/>
-            <a:p>
-              <a:pPr algn="ctr"/>
-              <a:endParaRPr lang="pt-BR"/>
-            </a:p>
-          </p:txBody>
-        </p:sp>
-      </p:grpSp>
-    </p:spTree>
-    <p:extLst>
-      <p:ext uri="{BB962C8B-B14F-4D97-AF65-F5344CB8AC3E}">
-        <p14:creationId xmlns:p14="http://schemas.microsoft.com/office/powerpoint/2010/main" val="3342166559"/>
-      </p:ext>
-    </p:extLst>
-  </p:cSld>
-  <p:clrMapOvr>
-    <a:masterClrMapping/>
-  </p:clrMapOvr>
-</p:sld>
-</file>
-
-<file path=ppt/slides/slide7.xml><?xml version="1.0" encoding="utf-8"?>
-<p:sld xmlns:a="http://schemas.openxmlformats.org/drawingml/2006/main" xmlns:r="http://schemas.openxmlformats.org/officeDocument/2006/relationships" xmlns:p="http://schemas.openxmlformats.org/presentationml/2006/main">
-  <p:cSld>
-    <p:spTree>
-      <p:nvGrpSpPr>
-        <p:cNvPr id="1" name=""/>
-        <p:cNvGrpSpPr/>
-        <p:nvPr/>
-      </p:nvGrpSpPr>
-      <p:grpSpPr>
-        <a:xfrm>
-          <a:off x="0" y="0"/>
-          <a:ext cx="0" cy="0"/>
-          <a:chOff x="0" y="0"/>
-          <a:chExt cx="0" cy="0"/>
-        </a:xfrm>
-      </p:grpSpPr>
-      <p:sp>
-        <p:nvSpPr>
-          <p:cNvPr id="2" name="Título 1">
-            <a:extLst>
-              <a:ext uri="{FF2B5EF4-FFF2-40B4-BE49-F238E27FC236}">
-                <a16:creationId xmlns:a16="http://schemas.microsoft.com/office/drawing/2014/main" id="{1159F4F8-4F57-4E45-95E7-7C5AE43D5587}"/>
-              </a:ext>
-            </a:extLst>
-          </p:cNvPr>
-          <p:cNvSpPr>
-            <a:spLocks noGrp="1"/>
-          </p:cNvSpPr>
-          <p:nvPr>
-            <p:ph type="title"/>
-          </p:nvPr>
-        </p:nvSpPr>
-        <p:spPr/>
-        <p:txBody>
-          <a:bodyPr/>
-          <a:lstStyle/>
-          <a:p>
-            <a:r>
-              <a:rPr lang="pt-BR" dirty="0"/>
-              <a:t>Inimigo</a:t>
-            </a:r>
-          </a:p>
-        </p:txBody>
-      </p:sp>
-      <p:sp>
-        <p:nvSpPr>
-          <p:cNvPr id="12" name="CaixaDeTexto 11">
-            <a:extLst>
-              <a:ext uri="{FF2B5EF4-FFF2-40B4-BE49-F238E27FC236}">
-                <a16:creationId xmlns:a16="http://schemas.microsoft.com/office/drawing/2014/main" id="{10CDAC1E-F6C4-45CC-B91B-FD54F5294CCA}"/>
-              </a:ext>
-            </a:extLst>
-          </p:cNvPr>
-          <p:cNvSpPr txBox="1"/>
-          <p:nvPr/>
-        </p:nvSpPr>
-        <p:spPr>
-          <a:xfrm>
-            <a:off x="3684552" y="427741"/>
-            <a:ext cx="3497881" cy="1015663"/>
-          </a:xfrm>
-          <a:prstGeom prst="rect">
-            <a:avLst/>
-          </a:prstGeom>
-          <a:noFill/>
-        </p:spPr>
-        <p:txBody>
-          <a:bodyPr wrap="none" rtlCol="0">
-            <a:spAutoFit/>
-          </a:bodyPr>
-          <a:lstStyle/>
-          <a:p>
-            <a:r>
-              <a:rPr lang="pt-BR" sz="2400" b="1" dirty="0"/>
-              <a:t>Lineares</a:t>
-            </a:r>
-          </a:p>
-          <a:p>
-            <a:r>
-              <a:rPr lang="pt-BR" dirty="0"/>
-              <a:t>Direita + descida até a extremidade</a:t>
-            </a:r>
-          </a:p>
-          <a:p>
-            <a:r>
-              <a:rPr lang="pt-BR" dirty="0"/>
-              <a:t>Inverte o lado à cada extremidade </a:t>
-            </a:r>
-          </a:p>
-        </p:txBody>
-      </p:sp>
-      <p:grpSp>
-        <p:nvGrpSpPr>
-          <p:cNvPr id="27" name="Agrupar 26">
-            <a:extLst>
-              <a:ext uri="{FF2B5EF4-FFF2-40B4-BE49-F238E27FC236}">
-                <a16:creationId xmlns:a16="http://schemas.microsoft.com/office/drawing/2014/main" id="{519C986D-2ABA-44B1-A97B-9E724E28C836}"/>
-              </a:ext>
-            </a:extLst>
-          </p:cNvPr>
-          <p:cNvGrpSpPr/>
-          <p:nvPr/>
-        </p:nvGrpSpPr>
-        <p:grpSpPr>
-          <a:xfrm>
-            <a:off x="717501" y="3187718"/>
-            <a:ext cx="3181794" cy="1743318"/>
-            <a:chOff x="3574728" y="906340"/>
-            <a:chExt cx="3181794" cy="1743318"/>
-          </a:xfrm>
-        </p:grpSpPr>
-        <p:pic>
-          <p:nvPicPr>
-            <p:cNvPr id="21" name="Imagem 20">
-              <a:extLst>
-                <a:ext uri="{FF2B5EF4-FFF2-40B4-BE49-F238E27FC236}">
-                  <a16:creationId xmlns:a16="http://schemas.microsoft.com/office/drawing/2014/main" id="{DDC0507C-AC88-49F5-BF27-9B6771E0F0F5}"/>
-                </a:ext>
-              </a:extLst>
-            </p:cNvPr>
-            <p:cNvPicPr>
-              <a:picLocks noChangeAspect="1"/>
-            </p:cNvPicPr>
-            <p:nvPr/>
-          </p:nvPicPr>
-          <p:blipFill>
-            <a:blip r:embed="rId2"/>
-            <a:stretch>
-              <a:fillRect/>
-            </a:stretch>
-          </p:blipFill>
-          <p:spPr>
-            <a:xfrm>
-              <a:off x="3574728" y="906340"/>
-              <a:ext cx="3181794" cy="1743318"/>
-            </a:xfrm>
-            <a:prstGeom prst="rect">
-              <a:avLst/>
-            </a:prstGeom>
-          </p:spPr>
-        </p:pic>
-        <p:sp>
-          <p:nvSpPr>
-            <p:cNvPr id="22" name="Seta: para a Direita 21">
-              <a:extLst>
-                <a:ext uri="{FF2B5EF4-FFF2-40B4-BE49-F238E27FC236}">
-                  <a16:creationId xmlns:a16="http://schemas.microsoft.com/office/drawing/2014/main" id="{4B478C96-1075-4E15-A7CB-D2B456F2A2D5}"/>
-                </a:ext>
-              </a:extLst>
-            </p:cNvPr>
-            <p:cNvSpPr/>
-            <p:nvPr/>
-          </p:nvSpPr>
-          <p:spPr>
-            <a:xfrm>
-              <a:off x="5708388" y="1337463"/>
-              <a:ext cx="618837" cy="84464"/>
-            </a:xfrm>
-            <a:prstGeom prst="rightArrow">
-              <a:avLst/>
-            </a:prstGeom>
-          </p:spPr>
-          <p:style>
-            <a:lnRef idx="2">
-              <a:schemeClr val="accent1">
-                <a:shade val="50000"/>
-              </a:schemeClr>
-            </a:lnRef>
-            <a:fillRef idx="1">
-              <a:schemeClr val="accent1"/>
-            </a:fillRef>
-            <a:effectRef idx="0">
-              <a:schemeClr val="accent1"/>
-            </a:effectRef>
-            <a:fontRef idx="minor">
-              <a:schemeClr val="lt1"/>
-            </a:fontRef>
-          </p:style>
-          <p:txBody>
-            <a:bodyPr rtlCol="0" anchor="ctr"/>
-            <a:lstStyle/>
-            <a:p>
-              <a:pPr algn="ctr"/>
-              <a:endParaRPr lang="pt-BR"/>
-            </a:p>
-          </p:txBody>
-        </p:sp>
-        <p:sp>
-          <p:nvSpPr>
-            <p:cNvPr id="23" name="Seta: para a Direita 22">
-              <a:extLst>
-                <a:ext uri="{FF2B5EF4-FFF2-40B4-BE49-F238E27FC236}">
-                  <a16:creationId xmlns:a16="http://schemas.microsoft.com/office/drawing/2014/main" id="{A39360C9-84BC-4BF8-89CC-438FC2497095}"/>
-                </a:ext>
-              </a:extLst>
-            </p:cNvPr>
-            <p:cNvSpPr/>
-            <p:nvPr/>
-          </p:nvSpPr>
-          <p:spPr>
-            <a:xfrm rot="10800000">
-              <a:off x="3984511" y="1369683"/>
-              <a:ext cx="618837" cy="84464"/>
-            </a:xfrm>
-            <a:prstGeom prst="rightArrow">
-              <a:avLst/>
-            </a:prstGeom>
-          </p:spPr>
-          <p:style>
-            <a:lnRef idx="2">
-              <a:schemeClr val="accent1">
-                <a:shade val="50000"/>
-              </a:schemeClr>
-            </a:lnRef>
-            <a:fillRef idx="1">
-              <a:schemeClr val="accent1"/>
-            </a:fillRef>
-            <a:effectRef idx="0">
-              <a:schemeClr val="accent1"/>
-            </a:effectRef>
-            <a:fontRef idx="minor">
-              <a:schemeClr val="lt1"/>
-            </a:fontRef>
-          </p:style>
-          <p:txBody>
-            <a:bodyPr rtlCol="0" anchor="ctr"/>
-            <a:lstStyle/>
-            <a:p>
-              <a:pPr algn="ctr"/>
-              <a:endParaRPr lang="pt-BR"/>
-            </a:p>
-          </p:txBody>
-        </p:sp>
-        <p:sp>
-          <p:nvSpPr>
-            <p:cNvPr id="24" name="Seta: para a Direita 23">
-              <a:extLst>
-                <a:ext uri="{FF2B5EF4-FFF2-40B4-BE49-F238E27FC236}">
-                  <a16:creationId xmlns:a16="http://schemas.microsoft.com/office/drawing/2014/main" id="{A2879C1E-B8EC-4296-8347-BABED9DE3CB9}"/>
-                </a:ext>
-              </a:extLst>
-            </p:cNvPr>
-            <p:cNvSpPr/>
-            <p:nvPr/>
-          </p:nvSpPr>
-          <p:spPr>
-            <a:xfrm rot="5400000">
-              <a:off x="4837734" y="1865310"/>
-              <a:ext cx="618837" cy="84464"/>
-            </a:xfrm>
-            <a:prstGeom prst="rightArrow">
-              <a:avLst/>
-            </a:prstGeom>
-          </p:spPr>
-          <p:style>
-            <a:lnRef idx="2">
-              <a:schemeClr val="accent1">
-                <a:shade val="50000"/>
-              </a:schemeClr>
-            </a:lnRef>
-            <a:fillRef idx="1">
-              <a:schemeClr val="accent1"/>
-            </a:fillRef>
-            <a:effectRef idx="0">
-              <a:schemeClr val="accent1"/>
-            </a:effectRef>
-            <a:fontRef idx="minor">
-              <a:schemeClr val="lt1"/>
-            </a:fontRef>
-          </p:style>
-          <p:txBody>
-            <a:bodyPr rtlCol="0" anchor="ctr"/>
-            <a:lstStyle/>
-            <a:p>
-              <a:pPr algn="ctr"/>
-              <a:endParaRPr lang="pt-BR"/>
-            </a:p>
-          </p:txBody>
-        </p:sp>
-        <p:sp>
-          <p:nvSpPr>
-            <p:cNvPr id="25" name="Seta: para a Direita 24">
-              <a:extLst>
-                <a:ext uri="{FF2B5EF4-FFF2-40B4-BE49-F238E27FC236}">
-                  <a16:creationId xmlns:a16="http://schemas.microsoft.com/office/drawing/2014/main" id="{10A56F58-8EA6-4083-B31D-C844B3D613DD}"/>
-                </a:ext>
-              </a:extLst>
-            </p:cNvPr>
-            <p:cNvSpPr/>
-            <p:nvPr/>
-          </p:nvSpPr>
-          <p:spPr>
-            <a:xfrm rot="2721028">
-              <a:off x="5350355" y="1832990"/>
-              <a:ext cx="618837" cy="84464"/>
-            </a:xfrm>
-            <a:prstGeom prst="rightArrow">
-              <a:avLst/>
-            </a:prstGeom>
-          </p:spPr>
-          <p:style>
-            <a:lnRef idx="2">
-              <a:schemeClr val="accent1">
-                <a:shade val="50000"/>
-              </a:schemeClr>
-            </a:lnRef>
-            <a:fillRef idx="1">
-              <a:schemeClr val="accent1"/>
-            </a:fillRef>
-            <a:effectRef idx="0">
-              <a:schemeClr val="accent1"/>
-            </a:effectRef>
-            <a:fontRef idx="minor">
-              <a:schemeClr val="lt1"/>
-            </a:fontRef>
-          </p:style>
-          <p:txBody>
-            <a:bodyPr rtlCol="0" anchor="ctr"/>
-            <a:lstStyle/>
-            <a:p>
-              <a:pPr algn="ctr"/>
-              <a:endParaRPr lang="pt-BR"/>
-            </a:p>
-          </p:txBody>
-        </p:sp>
-        <p:sp>
-          <p:nvSpPr>
-            <p:cNvPr id="26" name="Seta: para a Direita 25">
-              <a:extLst>
-                <a:ext uri="{FF2B5EF4-FFF2-40B4-BE49-F238E27FC236}">
-                  <a16:creationId xmlns:a16="http://schemas.microsoft.com/office/drawing/2014/main" id="{0787904D-CB80-4B9E-A44D-1ADA8E8E80AE}"/>
-                </a:ext>
-              </a:extLst>
-            </p:cNvPr>
-            <p:cNvSpPr/>
-            <p:nvPr/>
-          </p:nvSpPr>
-          <p:spPr>
-            <a:xfrm rot="7915562">
-              <a:off x="4323864" y="1856677"/>
-              <a:ext cx="618837" cy="84464"/>
-            </a:xfrm>
-            <a:prstGeom prst="rightArrow">
-              <a:avLst/>
-            </a:prstGeom>
-          </p:spPr>
-          <p:style>
-            <a:lnRef idx="2">
-              <a:schemeClr val="accent1">
-                <a:shade val="50000"/>
-              </a:schemeClr>
-            </a:lnRef>
-            <a:fillRef idx="1">
-              <a:schemeClr val="accent1"/>
-            </a:fillRef>
-            <a:effectRef idx="0">
-              <a:schemeClr val="accent1"/>
-            </a:effectRef>
-            <a:fontRef idx="minor">
-              <a:schemeClr val="lt1"/>
-            </a:fontRef>
-          </p:style>
-          <p:txBody>
-            <a:bodyPr rtlCol="0" anchor="ctr"/>
-            <a:lstStyle/>
-            <a:p>
-              <a:pPr algn="ctr"/>
-              <a:endParaRPr lang="pt-BR"/>
-            </a:p>
-          </p:txBody>
-        </p:sp>
-      </p:grpSp>
-      <p:sp>
-        <p:nvSpPr>
-          <p:cNvPr id="28" name="CaixaDeTexto 27">
-            <a:extLst>
-              <a:ext uri="{FF2B5EF4-FFF2-40B4-BE49-F238E27FC236}">
-                <a16:creationId xmlns:a16="http://schemas.microsoft.com/office/drawing/2014/main" id="{1C793452-DB08-4F2A-9216-D532697C3B74}"/>
-              </a:ext>
-            </a:extLst>
-          </p:cNvPr>
-          <p:cNvSpPr txBox="1"/>
-          <p:nvPr/>
-        </p:nvSpPr>
-        <p:spPr>
-          <a:xfrm>
-            <a:off x="5194211" y="5115143"/>
-            <a:ext cx="3013454" cy="738664"/>
-          </a:xfrm>
-          <a:prstGeom prst="rect">
-            <a:avLst/>
-          </a:prstGeom>
-          <a:noFill/>
-        </p:spPr>
-        <p:txBody>
-          <a:bodyPr wrap="none" rtlCol="0">
-            <a:spAutoFit/>
-          </a:bodyPr>
-          <a:lstStyle/>
-          <a:p>
-            <a:r>
-              <a:rPr lang="pt-BR" sz="2400" b="1" dirty="0"/>
-              <a:t>Genéticos</a:t>
-            </a:r>
-          </a:p>
-          <a:p>
-            <a:r>
-              <a:rPr lang="pt-BR" dirty="0"/>
-              <a:t>Transmitem os melhores Gens</a:t>
-            </a:r>
-          </a:p>
-        </p:txBody>
-      </p:sp>
-      <p:sp>
-        <p:nvSpPr>
-          <p:cNvPr id="29" name="CaixaDeTexto 28">
-            <a:extLst>
-              <a:ext uri="{FF2B5EF4-FFF2-40B4-BE49-F238E27FC236}">
-                <a16:creationId xmlns:a16="http://schemas.microsoft.com/office/drawing/2014/main" id="{CD929D14-5258-4CFB-B092-E084B26CC5AF}"/>
-              </a:ext>
-            </a:extLst>
-          </p:cNvPr>
-          <p:cNvSpPr txBox="1"/>
-          <p:nvPr/>
-        </p:nvSpPr>
-        <p:spPr>
-          <a:xfrm>
-            <a:off x="6114254" y="3735525"/>
-            <a:ext cx="3830053" cy="1015663"/>
-          </a:xfrm>
-          <a:prstGeom prst="rect">
-            <a:avLst/>
-          </a:prstGeom>
-          <a:noFill/>
-        </p:spPr>
-        <p:txBody>
-          <a:bodyPr wrap="square" rtlCol="0">
-            <a:spAutoFit/>
-          </a:bodyPr>
-          <a:lstStyle/>
-          <a:p>
-            <a:r>
-              <a:rPr lang="pt-BR" sz="2400" b="1" dirty="0"/>
-              <a:t>Com Logica de Desvio</a:t>
-            </a:r>
-          </a:p>
-          <a:p>
-            <a:r>
-              <a:rPr lang="pt-BR" dirty="0"/>
-              <a:t>Vai descendo</a:t>
-            </a:r>
-          </a:p>
-          <a:p>
-            <a:r>
-              <a:rPr lang="pt-BR" dirty="0"/>
-              <a:t>Tenta desviar quando tiro aproxima</a:t>
-            </a:r>
-          </a:p>
-        </p:txBody>
-      </p:sp>
-      <p:sp>
-        <p:nvSpPr>
-          <p:cNvPr id="30" name="CaixaDeTexto 29">
-            <a:extLst>
-              <a:ext uri="{FF2B5EF4-FFF2-40B4-BE49-F238E27FC236}">
-                <a16:creationId xmlns:a16="http://schemas.microsoft.com/office/drawing/2014/main" id="{669EA15F-551E-4B10-86B2-3B8C4FC9BD02}"/>
-              </a:ext>
-            </a:extLst>
-          </p:cNvPr>
-          <p:cNvSpPr txBox="1"/>
-          <p:nvPr/>
-        </p:nvSpPr>
-        <p:spPr>
-          <a:xfrm>
-            <a:off x="5072293" y="1792872"/>
-            <a:ext cx="6048290" cy="1292662"/>
-          </a:xfrm>
-          <a:prstGeom prst="rect">
-            <a:avLst/>
-          </a:prstGeom>
-          <a:noFill/>
-        </p:spPr>
-        <p:txBody>
-          <a:bodyPr wrap="square" rtlCol="0">
-            <a:spAutoFit/>
-          </a:bodyPr>
-          <a:lstStyle/>
-          <a:p>
-            <a:r>
-              <a:rPr lang="pt-BR" sz="2400" b="1" dirty="0"/>
-              <a:t>Aleatórios</a:t>
-            </a:r>
-          </a:p>
-          <a:p>
-            <a:r>
-              <a:rPr lang="pt-BR" dirty="0"/>
-              <a:t>Sorteia a quantidade de movimentos</a:t>
-            </a:r>
-          </a:p>
-          <a:p>
-            <a:r>
-              <a:rPr lang="pt-BR" dirty="0"/>
-              <a:t>Sorteia os lados</a:t>
-            </a:r>
-          </a:p>
-          <a:p>
-            <a:r>
-              <a:rPr lang="pt-BR" dirty="0"/>
-              <a:t>Novo sorteio ao término dos movimentos</a:t>
-            </a:r>
-          </a:p>
-        </p:txBody>
-      </p:sp>
-    </p:spTree>
-    <p:extLst>
-      <p:ext uri="{BB962C8B-B14F-4D97-AF65-F5344CB8AC3E}">
-        <p14:creationId xmlns:p14="http://schemas.microsoft.com/office/powerpoint/2010/main" val="4055844690"/>
-      </p:ext>
-    </p:extLst>
-  </p:cSld>
-  <p:clrMapOvr>
-    <a:masterClrMapping/>
-  </p:clrMapOvr>
-</p:sld>
-</file>
-
-<file path=ppt/slides/slide8.xml><?xml version="1.0" encoding="utf-8"?>
-<p:sld xmlns:a="http://schemas.openxmlformats.org/drawingml/2006/main" xmlns:r="http://schemas.openxmlformats.org/officeDocument/2006/relationships" xmlns:p="http://schemas.openxmlformats.org/presentationml/2006/main">
-  <p:cSld>
-    <p:spTree>
-      <p:nvGrpSpPr>
-        <p:cNvPr id="1" name=""/>
-        <p:cNvGrpSpPr/>
-        <p:nvPr/>
-      </p:nvGrpSpPr>
-      <p:grpSpPr>
-        <a:xfrm>
-          <a:off x="0" y="0"/>
-          <a:ext cx="0" cy="0"/>
-          <a:chOff x="0" y="0"/>
-          <a:chExt cx="0" cy="0"/>
-        </a:xfrm>
-      </p:grpSpPr>
-      <p:sp>
-        <p:nvSpPr>
-          <p:cNvPr id="2" name="Título 1">
-            <a:extLst>
-              <a:ext uri="{FF2B5EF4-FFF2-40B4-BE49-F238E27FC236}">
-                <a16:creationId xmlns:a16="http://schemas.microsoft.com/office/drawing/2014/main" id="{1159F4F8-4F57-4E45-95E7-7C5AE43D5587}"/>
-              </a:ext>
-            </a:extLst>
-          </p:cNvPr>
-          <p:cNvSpPr>
-            <a:spLocks noGrp="1"/>
-          </p:cNvSpPr>
-          <p:nvPr>
-            <p:ph type="title"/>
-          </p:nvPr>
-        </p:nvSpPr>
-        <p:spPr/>
-        <p:txBody>
-          <a:bodyPr/>
-          <a:lstStyle/>
-          <a:p>
-            <a:r>
-              <a:rPr lang="pt-BR" dirty="0"/>
-              <a:t>Jogador</a:t>
-            </a:r>
-          </a:p>
-        </p:txBody>
-      </p:sp>
-      <p:sp>
-        <p:nvSpPr>
-          <p:cNvPr id="12" name="CaixaDeTexto 11">
-            <a:extLst>
-              <a:ext uri="{FF2B5EF4-FFF2-40B4-BE49-F238E27FC236}">
-                <a16:creationId xmlns:a16="http://schemas.microsoft.com/office/drawing/2014/main" id="{10CDAC1E-F6C4-45CC-B91B-FD54F5294CCA}"/>
-              </a:ext>
-            </a:extLst>
-          </p:cNvPr>
-          <p:cNvSpPr txBox="1"/>
-          <p:nvPr/>
-        </p:nvSpPr>
-        <p:spPr>
-          <a:xfrm>
-            <a:off x="3684552" y="427741"/>
-            <a:ext cx="3379195" cy="1015663"/>
-          </a:xfrm>
-          <a:prstGeom prst="rect">
-            <a:avLst/>
-          </a:prstGeom>
-          <a:noFill/>
-        </p:spPr>
-        <p:txBody>
-          <a:bodyPr wrap="none" rtlCol="0">
-            <a:spAutoFit/>
-          </a:bodyPr>
-          <a:lstStyle/>
-          <a:p>
-            <a:r>
-              <a:rPr lang="pt-BR" sz="2400" b="1" dirty="0"/>
-              <a:t>Linear</a:t>
-            </a:r>
-          </a:p>
-          <a:p>
-            <a:r>
-              <a:rPr lang="pt-BR" dirty="0"/>
-              <a:t>Inverte o lado à cada extremidade</a:t>
-            </a:r>
-          </a:p>
-          <a:p>
-            <a:r>
-              <a:rPr lang="pt-BR" dirty="0"/>
-              <a:t>Atira sempre que disponível </a:t>
-            </a:r>
-          </a:p>
-        </p:txBody>
-      </p:sp>
-      <p:sp>
-        <p:nvSpPr>
-          <p:cNvPr id="28" name="CaixaDeTexto 27">
-            <a:extLst>
-              <a:ext uri="{FF2B5EF4-FFF2-40B4-BE49-F238E27FC236}">
-                <a16:creationId xmlns:a16="http://schemas.microsoft.com/office/drawing/2014/main" id="{1C793452-DB08-4F2A-9216-D532697C3B74}"/>
-              </a:ext>
-            </a:extLst>
-          </p:cNvPr>
-          <p:cNvSpPr txBox="1"/>
-          <p:nvPr/>
-        </p:nvSpPr>
-        <p:spPr>
-          <a:xfrm>
-            <a:off x="5637556" y="5115143"/>
-            <a:ext cx="3013454" cy="738664"/>
-          </a:xfrm>
-          <a:prstGeom prst="rect">
-            <a:avLst/>
-          </a:prstGeom>
-          <a:noFill/>
-        </p:spPr>
-        <p:txBody>
-          <a:bodyPr wrap="none" rtlCol="0">
-            <a:spAutoFit/>
-          </a:bodyPr>
-          <a:lstStyle/>
-          <a:p>
-            <a:r>
-              <a:rPr lang="pt-BR" sz="2400" b="1" dirty="0"/>
-              <a:t>Genético</a:t>
-            </a:r>
-          </a:p>
-          <a:p>
-            <a:r>
-              <a:rPr lang="pt-BR" dirty="0"/>
-              <a:t>Transmitem os melhores Gens</a:t>
-            </a:r>
-          </a:p>
-        </p:txBody>
-      </p:sp>
-      <p:sp>
-        <p:nvSpPr>
-          <p:cNvPr id="29" name="CaixaDeTexto 28">
-            <a:extLst>
-              <a:ext uri="{FF2B5EF4-FFF2-40B4-BE49-F238E27FC236}">
-                <a16:creationId xmlns:a16="http://schemas.microsoft.com/office/drawing/2014/main" id="{CD929D14-5258-4CFB-B092-E084B26CC5AF}"/>
-              </a:ext>
-            </a:extLst>
-          </p:cNvPr>
-          <p:cNvSpPr txBox="1"/>
-          <p:nvPr/>
-        </p:nvSpPr>
-        <p:spPr>
-          <a:xfrm>
-            <a:off x="6114254" y="3735525"/>
-            <a:ext cx="3830053" cy="738664"/>
-          </a:xfrm>
-          <a:prstGeom prst="rect">
-            <a:avLst/>
-          </a:prstGeom>
-          <a:noFill/>
-        </p:spPr>
-        <p:txBody>
-          <a:bodyPr wrap="square" rtlCol="0">
-            <a:spAutoFit/>
-          </a:bodyPr>
-          <a:lstStyle/>
-          <a:p>
-            <a:r>
-              <a:rPr lang="pt-BR" sz="2400" b="1" dirty="0"/>
-              <a:t>Manual</a:t>
-            </a:r>
-          </a:p>
-          <a:p>
-            <a:r>
-              <a:rPr lang="pt-BR" dirty="0"/>
-              <a:t>Controlado por Humano</a:t>
-            </a:r>
-          </a:p>
-        </p:txBody>
-      </p:sp>
-      <p:sp>
-        <p:nvSpPr>
-          <p:cNvPr id="30" name="CaixaDeTexto 29">
-            <a:extLst>
-              <a:ext uri="{FF2B5EF4-FFF2-40B4-BE49-F238E27FC236}">
-                <a16:creationId xmlns:a16="http://schemas.microsoft.com/office/drawing/2014/main" id="{669EA15F-551E-4B10-86B2-3B8C4FC9BD02}"/>
-              </a:ext>
-            </a:extLst>
-          </p:cNvPr>
-          <p:cNvSpPr txBox="1"/>
-          <p:nvPr/>
-        </p:nvSpPr>
-        <p:spPr>
-          <a:xfrm>
-            <a:off x="5072293" y="1792872"/>
-            <a:ext cx="6048290" cy="1292662"/>
-          </a:xfrm>
-          <a:prstGeom prst="rect">
-            <a:avLst/>
-          </a:prstGeom>
-          <a:noFill/>
-        </p:spPr>
-        <p:txBody>
-          <a:bodyPr wrap="square" rtlCol="0">
-            <a:spAutoFit/>
-          </a:bodyPr>
-          <a:lstStyle/>
-          <a:p>
-            <a:r>
-              <a:rPr lang="pt-BR" sz="2400" b="1" dirty="0"/>
-              <a:t>Aleatório</a:t>
-            </a:r>
-          </a:p>
-          <a:p>
-            <a:r>
-              <a:rPr lang="pt-BR" dirty="0"/>
-              <a:t>Sorteia a quantidade de movimentos</a:t>
-            </a:r>
-          </a:p>
-          <a:p>
-            <a:r>
-              <a:rPr lang="pt-BR" dirty="0"/>
-              <a:t>Sorteia os lados</a:t>
-            </a:r>
-          </a:p>
-          <a:p>
-            <a:r>
-              <a:rPr lang="pt-BR" dirty="0"/>
-              <a:t>Novo sorteio ao término dos movimentos</a:t>
-            </a:r>
-          </a:p>
-        </p:txBody>
-      </p:sp>
-      <p:grpSp>
-        <p:nvGrpSpPr>
-          <p:cNvPr id="14" name="Agrupar 13">
-            <a:extLst>
-              <a:ext uri="{FF2B5EF4-FFF2-40B4-BE49-F238E27FC236}">
-                <a16:creationId xmlns:a16="http://schemas.microsoft.com/office/drawing/2014/main" id="{4A91037F-49CE-4005-8558-13D2BF53372A}"/>
-              </a:ext>
-            </a:extLst>
-          </p:cNvPr>
-          <p:cNvGrpSpPr/>
-          <p:nvPr/>
-        </p:nvGrpSpPr>
-        <p:grpSpPr>
-          <a:xfrm>
-            <a:off x="525595" y="2900645"/>
-            <a:ext cx="4305901" cy="2953162"/>
-            <a:chOff x="599486" y="3505077"/>
-            <a:chExt cx="4305901" cy="2953162"/>
-          </a:xfrm>
-        </p:grpSpPr>
-        <p:pic>
-          <p:nvPicPr>
-            <p:cNvPr id="15" name="Imagem 14">
-              <a:extLst>
-                <a:ext uri="{FF2B5EF4-FFF2-40B4-BE49-F238E27FC236}">
-                  <a16:creationId xmlns:a16="http://schemas.microsoft.com/office/drawing/2014/main" id="{AA169D88-FACB-40AA-9129-7BE654A498B6}"/>
-                </a:ext>
-              </a:extLst>
-            </p:cNvPr>
-            <p:cNvPicPr>
-              <a:picLocks noChangeAspect="1"/>
-            </p:cNvPicPr>
-            <p:nvPr/>
-          </p:nvPicPr>
-          <p:blipFill>
-            <a:blip r:embed="rId2"/>
-            <a:stretch>
-              <a:fillRect/>
-            </a:stretch>
-          </p:blipFill>
-          <p:spPr>
-            <a:xfrm>
-              <a:off x="599486" y="3505077"/>
-              <a:ext cx="4305901" cy="2953162"/>
-            </a:xfrm>
-            <a:prstGeom prst="rect">
-              <a:avLst/>
-            </a:prstGeom>
-          </p:spPr>
-        </p:pic>
-        <p:sp>
-          <p:nvSpPr>
-            <p:cNvPr id="16" name="Seta: para a Direita 15">
-              <a:extLst>
-                <a:ext uri="{FF2B5EF4-FFF2-40B4-BE49-F238E27FC236}">
-                  <a16:creationId xmlns:a16="http://schemas.microsoft.com/office/drawing/2014/main" id="{8717D373-13CA-44D0-BA7D-2835FF929F4D}"/>
-                </a:ext>
-              </a:extLst>
-            </p:cNvPr>
-            <p:cNvSpPr/>
-            <p:nvPr/>
-          </p:nvSpPr>
-          <p:spPr>
-            <a:xfrm>
-              <a:off x="3509818" y="6085427"/>
-              <a:ext cx="618837" cy="84464"/>
-            </a:xfrm>
-            <a:prstGeom prst="rightArrow">
-              <a:avLst/>
-            </a:prstGeom>
-          </p:spPr>
-          <p:style>
-            <a:lnRef idx="2">
-              <a:schemeClr val="accent1">
-                <a:shade val="50000"/>
-              </a:schemeClr>
-            </a:lnRef>
-            <a:fillRef idx="1">
-              <a:schemeClr val="accent1"/>
-            </a:fillRef>
-            <a:effectRef idx="0">
-              <a:schemeClr val="accent1"/>
-            </a:effectRef>
-            <a:fontRef idx="minor">
-              <a:schemeClr val="lt1"/>
-            </a:fontRef>
-          </p:style>
-          <p:txBody>
-            <a:bodyPr rtlCol="0" anchor="ctr"/>
-            <a:lstStyle/>
-            <a:p>
-              <a:pPr algn="ctr"/>
-              <a:endParaRPr lang="pt-BR"/>
-            </a:p>
-          </p:txBody>
-        </p:sp>
-        <p:sp>
-          <p:nvSpPr>
-            <p:cNvPr id="17" name="Seta: para a Direita 16">
-              <a:extLst>
-                <a:ext uri="{FF2B5EF4-FFF2-40B4-BE49-F238E27FC236}">
-                  <a16:creationId xmlns:a16="http://schemas.microsoft.com/office/drawing/2014/main" id="{3E6C4EE9-3D28-4A64-BD11-A4565B39A452}"/>
-                </a:ext>
-              </a:extLst>
-            </p:cNvPr>
-            <p:cNvSpPr/>
-            <p:nvPr/>
-          </p:nvSpPr>
-          <p:spPr>
-            <a:xfrm>
-              <a:off x="3431311" y="4141179"/>
-              <a:ext cx="618837" cy="84464"/>
-            </a:xfrm>
-            <a:prstGeom prst="rightArrow">
-              <a:avLst/>
-            </a:prstGeom>
-          </p:spPr>
-          <p:style>
-            <a:lnRef idx="2">
-              <a:schemeClr val="accent1">
-                <a:shade val="50000"/>
-              </a:schemeClr>
-            </a:lnRef>
-            <a:fillRef idx="1">
-              <a:schemeClr val="accent1"/>
-            </a:fillRef>
-            <a:effectRef idx="0">
-              <a:schemeClr val="accent1"/>
-            </a:effectRef>
-            <a:fontRef idx="minor">
-              <a:schemeClr val="lt1"/>
-            </a:fontRef>
-          </p:style>
-          <p:txBody>
-            <a:bodyPr rtlCol="0" anchor="ctr"/>
-            <a:lstStyle/>
-            <a:p>
-              <a:pPr algn="ctr"/>
-              <a:endParaRPr lang="pt-BR"/>
-            </a:p>
-          </p:txBody>
-        </p:sp>
-        <p:sp>
-          <p:nvSpPr>
-            <p:cNvPr id="18" name="Seta: para a Direita 17">
-              <a:extLst>
-                <a:ext uri="{FF2B5EF4-FFF2-40B4-BE49-F238E27FC236}">
-                  <a16:creationId xmlns:a16="http://schemas.microsoft.com/office/drawing/2014/main" id="{50905A4F-E05F-47D2-9144-A64D8DFAA68D}"/>
-                </a:ext>
-              </a:extLst>
-            </p:cNvPr>
-            <p:cNvSpPr/>
-            <p:nvPr/>
-          </p:nvSpPr>
-          <p:spPr>
-            <a:xfrm rot="10800000">
-              <a:off x="1593256" y="6099286"/>
-              <a:ext cx="618837" cy="84464"/>
-            </a:xfrm>
-            <a:prstGeom prst="rightArrow">
-              <a:avLst/>
-            </a:prstGeom>
-          </p:spPr>
-          <p:style>
-            <a:lnRef idx="2">
-              <a:schemeClr val="accent1">
-                <a:shade val="50000"/>
-              </a:schemeClr>
-            </a:lnRef>
-            <a:fillRef idx="1">
-              <a:schemeClr val="accent1"/>
-            </a:fillRef>
-            <a:effectRef idx="0">
-              <a:schemeClr val="accent1"/>
-            </a:effectRef>
-            <a:fontRef idx="minor">
-              <a:schemeClr val="lt1"/>
-            </a:fontRef>
-          </p:style>
-          <p:txBody>
-            <a:bodyPr rtlCol="0" anchor="ctr"/>
-            <a:lstStyle/>
-            <a:p>
-              <a:pPr algn="ctr"/>
-              <a:endParaRPr lang="pt-BR"/>
-            </a:p>
-          </p:txBody>
-        </p:sp>
-        <p:sp>
-          <p:nvSpPr>
-            <p:cNvPr id="19" name="Seta: para a Direita 18">
-              <a:extLst>
-                <a:ext uri="{FF2B5EF4-FFF2-40B4-BE49-F238E27FC236}">
-                  <a16:creationId xmlns:a16="http://schemas.microsoft.com/office/drawing/2014/main" id="{6ADB5983-E948-49B1-BC10-5C2E6952B307}"/>
-                </a:ext>
-              </a:extLst>
-            </p:cNvPr>
-            <p:cNvSpPr/>
-            <p:nvPr/>
-          </p:nvSpPr>
-          <p:spPr>
-            <a:xfrm rot="10800000">
-              <a:off x="1671768" y="4145805"/>
-              <a:ext cx="618837" cy="84464"/>
-            </a:xfrm>
-            <a:prstGeom prst="rightArrow">
-              <a:avLst/>
-            </a:prstGeom>
-          </p:spPr>
-          <p:style>
-            <a:lnRef idx="2">
-              <a:schemeClr val="accent1">
-                <a:shade val="50000"/>
-              </a:schemeClr>
-            </a:lnRef>
-            <a:fillRef idx="1">
-              <a:schemeClr val="accent1"/>
-            </a:fillRef>
-            <a:effectRef idx="0">
-              <a:schemeClr val="accent1"/>
-            </a:effectRef>
-            <a:fontRef idx="minor">
-              <a:schemeClr val="lt1"/>
-            </a:fontRef>
-          </p:style>
-          <p:txBody>
-            <a:bodyPr rtlCol="0" anchor="ctr"/>
-            <a:lstStyle/>
-            <a:p>
-              <a:pPr algn="ctr"/>
-              <a:endParaRPr lang="pt-BR"/>
-            </a:p>
-          </p:txBody>
-        </p:sp>
-      </p:grpSp>
-    </p:spTree>
-    <p:extLst>
-      <p:ext uri="{BB962C8B-B14F-4D97-AF65-F5344CB8AC3E}">
-        <p14:creationId xmlns:p14="http://schemas.microsoft.com/office/powerpoint/2010/main" val="2531453488"/>
-      </p:ext>
-    </p:extLst>
-  </p:cSld>
-  <p:clrMapOvr>
-    <a:masterClrMapping/>
-  </p:clrMapOvr>
-</p:sld>
-</file>
-
 <file path=ppt/slides/slide9.xml><?xml version="1.0" encoding="utf-8"?>
 <p:sld xmlns:a="http://schemas.openxmlformats.org/drawingml/2006/main" xmlns:r="http://schemas.openxmlformats.org/officeDocument/2006/relationships" xmlns:p="http://schemas.openxmlformats.org/presentationml/2006/main">
   <p:cSld>
@@ -9845,7 +10353,7 @@
           <a:p>
             <a:r>
               <a:rPr lang="pt-BR" dirty="0"/>
-              <a:t>Escopo</a:t>
+              <a:t>IA Genética é uma Solução Viável?</a:t>
             </a:r>
           </a:p>
         </p:txBody>
@@ -9864,8 +10372,8 @@
         </p:nvSpPr>
         <p:spPr>
           <a:xfrm>
-            <a:off x="838200" y="2048932"/>
-            <a:ext cx="10405533" cy="3139321"/>
+            <a:off x="838200" y="1773488"/>
+            <a:ext cx="10405533" cy="4955203"/>
           </a:xfrm>
           <a:prstGeom prst="rect">
             <a:avLst/>
@@ -9879,42 +10387,192 @@
           <a:lstStyle/>
           <a:p>
             <a:r>
-              <a:rPr lang="pt-BR" dirty="0"/>
-              <a:t>O objetivo deste trabalho é desenvolver uma primeira versão de um agente jogador utilizando </a:t>
-            </a:r>
-            <a:r>
-              <a:rPr lang="pt-BR" b="1" dirty="0"/>
-              <a:t>Inteligência Artificial Genética</a:t>
-            </a:r>
-            <a:r>
-              <a:rPr lang="pt-BR" dirty="0"/>
-              <a:t> em um ambiente de Space </a:t>
-            </a:r>
-            <a:r>
-              <a:rPr lang="pt-BR" dirty="0" err="1"/>
-              <a:t>Invaders</a:t>
-            </a:r>
-            <a:r>
-              <a:rPr lang="pt-BR" dirty="0"/>
-              <a:t> simplificado.</a:t>
-            </a:r>
-          </a:p>
-          <a:p>
-            <a:endParaRPr lang="pt-BR" dirty="0"/>
-          </a:p>
-          <a:p>
-            <a:r>
-              <a:rPr lang="pt-BR" dirty="0"/>
-              <a:t>Neste contexto, os inimigos serão configurados para apresentar movimentação linear e repetitiva ou permanecerão estáticos ao longo da partida.</a:t>
-            </a:r>
-          </a:p>
-          <a:p>
-            <a:endParaRPr lang="pt-BR" dirty="0"/>
-          </a:p>
-          <a:p>
-            <a:r>
-              <a:rPr lang="pt-BR" dirty="0"/>
-              <a:t>O agente jogador, controlado por IA Genética, terá como principal objetivo eliminar todos os inimigos no menor tempo possível, buscando assim percorrer o caminho mais eficiente e otimizado para maximizar o desempenho no jogo.</a:t>
+              <a:rPr lang="pt-BR" sz="1400" b="1" dirty="0">
+                <a:latin typeface="Arial" panose="020B0604020202020204" pitchFamily="34" charset="0"/>
+                <a:cs typeface="Arial" panose="020B0604020202020204" pitchFamily="34" charset="0"/>
+              </a:rPr>
+              <a:t>O que otimizar?</a:t>
+            </a:r>
+            <a:br>
+              <a:rPr lang="pt-BR" sz="1400" dirty="0">
+                <a:latin typeface="Arial" panose="020B0604020202020204" pitchFamily="34" charset="0"/>
+                <a:cs typeface="Arial" panose="020B0604020202020204" pitchFamily="34" charset="0"/>
+              </a:rPr>
+            </a:br>
+            <a:r>
+              <a:rPr lang="pt-BR" sz="1400" dirty="0">
+                <a:latin typeface="Arial" panose="020B0604020202020204" pitchFamily="34" charset="0"/>
+                <a:cs typeface="Arial" panose="020B0604020202020204" pitchFamily="34" charset="0"/>
+              </a:rPr>
+              <a:t>	Maximizar inimigos abatidos e rapidez (mínimo de jogadas).</a:t>
+            </a:r>
+          </a:p>
+          <a:p>
+            <a:endParaRPr lang="pt-BR" sz="1400" dirty="0">
+              <a:latin typeface="Arial" panose="020B0604020202020204" pitchFamily="34" charset="0"/>
+              <a:cs typeface="Arial" panose="020B0604020202020204" pitchFamily="34" charset="0"/>
+            </a:endParaRPr>
+          </a:p>
+          <a:p>
+            <a:r>
+              <a:rPr lang="pt-BR" sz="1400" b="1" dirty="0">
+                <a:latin typeface="Arial" panose="020B0604020202020204" pitchFamily="34" charset="0"/>
+                <a:cs typeface="Arial" panose="020B0604020202020204" pitchFamily="34" charset="0"/>
+              </a:rPr>
+              <a:t>Representação (genoma):</a:t>
+            </a:r>
+            <a:br>
+              <a:rPr lang="pt-BR" sz="1400" dirty="0">
+                <a:latin typeface="Arial" panose="020B0604020202020204" pitchFamily="34" charset="0"/>
+                <a:cs typeface="Arial" panose="020B0604020202020204" pitchFamily="34" charset="0"/>
+              </a:rPr>
+            </a:br>
+            <a:r>
+              <a:rPr lang="pt-BR" sz="1400" dirty="0">
+                <a:latin typeface="Arial" panose="020B0604020202020204" pitchFamily="34" charset="0"/>
+                <a:cs typeface="Arial" panose="020B0604020202020204" pitchFamily="34" charset="0"/>
+              </a:rPr>
+              <a:t>	Sequência de 700 genes (0=parar, 1=esq., 2=dir., 3=atirar).</a:t>
+            </a:r>
+          </a:p>
+          <a:p>
+            <a:endParaRPr lang="pt-BR" sz="1400" dirty="0">
+              <a:latin typeface="Arial" panose="020B0604020202020204" pitchFamily="34" charset="0"/>
+              <a:cs typeface="Arial" panose="020B0604020202020204" pitchFamily="34" charset="0"/>
+            </a:endParaRPr>
+          </a:p>
+          <a:p>
+            <a:r>
+              <a:rPr lang="pt-BR" sz="1400" b="1" dirty="0">
+                <a:latin typeface="Arial" panose="020B0604020202020204" pitchFamily="34" charset="0"/>
+                <a:cs typeface="Arial" panose="020B0604020202020204" pitchFamily="34" charset="0"/>
+              </a:rPr>
+              <a:t>Função de fitness:</a:t>
+            </a:r>
+            <a:br>
+              <a:rPr lang="pt-BR" sz="1400" dirty="0">
+                <a:latin typeface="Arial" panose="020B0604020202020204" pitchFamily="34" charset="0"/>
+                <a:cs typeface="Arial" panose="020B0604020202020204" pitchFamily="34" charset="0"/>
+              </a:rPr>
+            </a:br>
+            <a:r>
+              <a:rPr lang="pt-BR" sz="1400" dirty="0">
+                <a:latin typeface="Arial" panose="020B0604020202020204" pitchFamily="34" charset="0"/>
+                <a:cs typeface="Arial" panose="020B0604020202020204" pitchFamily="34" charset="0"/>
+              </a:rPr>
+              <a:t>	Soma ponderada: abates, rapidez dos acertos e bônus por eficiência.</a:t>
+            </a:r>
+          </a:p>
+          <a:p>
+            <a:endParaRPr lang="pt-BR" sz="1400" dirty="0">
+              <a:latin typeface="Arial" panose="020B0604020202020204" pitchFamily="34" charset="0"/>
+              <a:cs typeface="Arial" panose="020B0604020202020204" pitchFamily="34" charset="0"/>
+            </a:endParaRPr>
+          </a:p>
+          <a:p>
+            <a:r>
+              <a:rPr lang="pt-BR" sz="1400" b="1" dirty="0">
+                <a:latin typeface="Arial" panose="020B0604020202020204" pitchFamily="34" charset="0"/>
+                <a:cs typeface="Arial" panose="020B0604020202020204" pitchFamily="34" charset="0"/>
+              </a:rPr>
+              <a:t>Seleção:</a:t>
+            </a:r>
+            <a:br>
+              <a:rPr lang="pt-BR" sz="1400" dirty="0">
+                <a:latin typeface="Arial" panose="020B0604020202020204" pitchFamily="34" charset="0"/>
+                <a:cs typeface="Arial" panose="020B0604020202020204" pitchFamily="34" charset="0"/>
+              </a:rPr>
+            </a:br>
+            <a:r>
+              <a:rPr lang="pt-BR" sz="1400" dirty="0">
+                <a:latin typeface="Arial" panose="020B0604020202020204" pitchFamily="34" charset="0"/>
+                <a:cs typeface="Arial" panose="020B0604020202020204" pitchFamily="34" charset="0"/>
+              </a:rPr>
+              <a:t>	Torneio.</a:t>
+            </a:r>
+          </a:p>
+          <a:p>
+            <a:endParaRPr lang="pt-BR" sz="1400" dirty="0">
+              <a:latin typeface="Arial" panose="020B0604020202020204" pitchFamily="34" charset="0"/>
+              <a:cs typeface="Arial" panose="020B0604020202020204" pitchFamily="34" charset="0"/>
+            </a:endParaRPr>
+          </a:p>
+          <a:p>
+            <a:r>
+              <a:rPr lang="pt-BR" sz="1400" b="1" dirty="0">
+                <a:latin typeface="Arial" panose="020B0604020202020204" pitchFamily="34" charset="0"/>
+                <a:cs typeface="Arial" panose="020B0604020202020204" pitchFamily="34" charset="0"/>
+              </a:rPr>
+              <a:t>Crossover:</a:t>
+            </a:r>
+            <a:br>
+              <a:rPr lang="pt-BR" sz="1400" dirty="0">
+                <a:latin typeface="Arial" panose="020B0604020202020204" pitchFamily="34" charset="0"/>
+                <a:cs typeface="Arial" panose="020B0604020202020204" pitchFamily="34" charset="0"/>
+              </a:rPr>
+            </a:br>
+            <a:r>
+              <a:rPr lang="pt-BR" sz="1400" dirty="0">
+                <a:latin typeface="Arial" panose="020B0604020202020204" pitchFamily="34" charset="0"/>
+                <a:cs typeface="Arial" panose="020B0604020202020204" pitchFamily="34" charset="0"/>
+              </a:rPr>
+              <a:t>	Ponto fixo, 350 genes de cada pai.</a:t>
+            </a:r>
+          </a:p>
+          <a:p>
+            <a:endParaRPr lang="pt-BR" sz="1400" dirty="0">
+              <a:latin typeface="Arial" panose="020B0604020202020204" pitchFamily="34" charset="0"/>
+              <a:cs typeface="Arial" panose="020B0604020202020204" pitchFamily="34" charset="0"/>
+            </a:endParaRPr>
+          </a:p>
+          <a:p>
+            <a:r>
+              <a:rPr lang="pt-BR" sz="1400" b="1" dirty="0">
+                <a:latin typeface="Arial" panose="020B0604020202020204" pitchFamily="34" charset="0"/>
+                <a:cs typeface="Arial" panose="020B0604020202020204" pitchFamily="34" charset="0"/>
+              </a:rPr>
+              <a:t>Inicialização:</a:t>
+            </a:r>
+            <a:br>
+              <a:rPr lang="pt-BR" sz="1400" dirty="0">
+                <a:latin typeface="Arial" panose="020B0604020202020204" pitchFamily="34" charset="0"/>
+                <a:cs typeface="Arial" panose="020B0604020202020204" pitchFamily="34" charset="0"/>
+              </a:rPr>
+            </a:br>
+            <a:r>
+              <a:rPr lang="pt-BR" sz="1400" dirty="0">
+                <a:latin typeface="Arial" panose="020B0604020202020204" pitchFamily="34" charset="0"/>
+                <a:cs typeface="Arial" panose="020B0604020202020204" pitchFamily="34" charset="0"/>
+              </a:rPr>
+              <a:t>	Blocos de movimentos repetidos lateralmente, porém aleatórios + totalmente aleatórios.</a:t>
+            </a:r>
+          </a:p>
+          <a:p>
+            <a:endParaRPr lang="pt-BR" sz="1400" dirty="0">
+              <a:latin typeface="Arial" panose="020B0604020202020204" pitchFamily="34" charset="0"/>
+              <a:cs typeface="Arial" panose="020B0604020202020204" pitchFamily="34" charset="0"/>
+            </a:endParaRPr>
+          </a:p>
+          <a:p>
+            <a:r>
+              <a:rPr lang="pt-BR" sz="1400" b="1" dirty="0">
+                <a:latin typeface="Arial" panose="020B0604020202020204" pitchFamily="34" charset="0"/>
+                <a:cs typeface="Arial" panose="020B0604020202020204" pitchFamily="34" charset="0"/>
+              </a:rPr>
+              <a:t>Critério de parada:</a:t>
+            </a:r>
+            <a:br>
+              <a:rPr lang="pt-BR" sz="1400" dirty="0">
+                <a:latin typeface="Arial" panose="020B0604020202020204" pitchFamily="34" charset="0"/>
+                <a:cs typeface="Arial" panose="020B0604020202020204" pitchFamily="34" charset="0"/>
+              </a:rPr>
+            </a:br>
+            <a:r>
+              <a:rPr lang="pt-BR" sz="1400" dirty="0">
+                <a:latin typeface="Arial" panose="020B0604020202020204" pitchFamily="34" charset="0"/>
+                <a:cs typeface="Arial" panose="020B0604020202020204" pitchFamily="34" charset="0"/>
+              </a:rPr>
+              <a:t>	Eliminar todos os inimigos.</a:t>
             </a:r>
           </a:p>
           <a:p>
@@ -9928,7 +10586,7 @@
     </p:spTree>
     <p:extLst>
       <p:ext uri="{BB962C8B-B14F-4D97-AF65-F5344CB8AC3E}">
-        <p14:creationId xmlns:p14="http://schemas.microsoft.com/office/powerpoint/2010/main" val="2773783"/>
+        <p14:creationId xmlns:p14="http://schemas.microsoft.com/office/powerpoint/2010/main" val="1324432143"/>
       </p:ext>
     </p:extLst>
   </p:cSld>

--- a/IA Genetica.pptx
+++ b/IA Genetica.pptx
@@ -2,16 +2,16 @@
 <file path=ppt/presentation.xml><?xml version="1.0" encoding="utf-8"?>
 <p:presentation xmlns:a="http://schemas.openxmlformats.org/drawingml/2006/main" xmlns:r="http://schemas.openxmlformats.org/officeDocument/2006/relationships" xmlns:p="http://schemas.openxmlformats.org/presentationml/2006/main" saveSubsetFonts="1">
   <p:sldMasterIdLst>
-    <p:sldMasterId id="2147483648" r:id="rId1"/>
+    <p:sldMasterId id="2147483732" r:id="rId1"/>
   </p:sldMasterIdLst>
   <p:sldIdLst>
     <p:sldId id="268" r:id="rId2"/>
-    <p:sldId id="256" r:id="rId3"/>
-    <p:sldId id="257" r:id="rId4"/>
-    <p:sldId id="258" r:id="rId5"/>
-    <p:sldId id="259" r:id="rId6"/>
-    <p:sldId id="260" r:id="rId7"/>
-    <p:sldId id="265" r:id="rId8"/>
+    <p:sldId id="265" r:id="rId3"/>
+    <p:sldId id="256" r:id="rId4"/>
+    <p:sldId id="257" r:id="rId5"/>
+    <p:sldId id="258" r:id="rId6"/>
+    <p:sldId id="259" r:id="rId7"/>
+    <p:sldId id="260" r:id="rId8"/>
     <p:sldId id="264" r:id="rId9"/>
     <p:sldId id="263" r:id="rId10"/>
     <p:sldId id="261" r:id="rId11"/>
@@ -24,9 +24,9 @@
   <p:notesSz cx="6858000" cy="9144000"/>
   <p:defaultTextStyle>
     <a:defPPr>
-      <a:defRPr lang="pt-BR"/>
+      <a:defRPr lang="en-US"/>
     </a:defPPr>
-    <a:lvl1pPr marL="0" algn="l" defTabSz="914400" rtl="0" eaLnBrk="1" latinLnBrk="0" hangingPunct="1">
+    <a:lvl1pPr marL="0" algn="l" defTabSz="457200" rtl="0" eaLnBrk="1" latinLnBrk="0" hangingPunct="1">
       <a:defRPr sz="1800" kern="1200">
         <a:solidFill>
           <a:schemeClr val="tx1"/>
@@ -36,7 +36,7 @@
         <a:cs typeface="+mn-cs"/>
       </a:defRPr>
     </a:lvl1pPr>
-    <a:lvl2pPr marL="457200" algn="l" defTabSz="914400" rtl="0" eaLnBrk="1" latinLnBrk="0" hangingPunct="1">
+    <a:lvl2pPr marL="457200" algn="l" defTabSz="457200" rtl="0" eaLnBrk="1" latinLnBrk="0" hangingPunct="1">
       <a:defRPr sz="1800" kern="1200">
         <a:solidFill>
           <a:schemeClr val="tx1"/>
@@ -46,7 +46,7 @@
         <a:cs typeface="+mn-cs"/>
       </a:defRPr>
     </a:lvl2pPr>
-    <a:lvl3pPr marL="914400" algn="l" defTabSz="914400" rtl="0" eaLnBrk="1" latinLnBrk="0" hangingPunct="1">
+    <a:lvl3pPr marL="914400" algn="l" defTabSz="457200" rtl="0" eaLnBrk="1" latinLnBrk="0" hangingPunct="1">
       <a:defRPr sz="1800" kern="1200">
         <a:solidFill>
           <a:schemeClr val="tx1"/>
@@ -56,7 +56,7 @@
         <a:cs typeface="+mn-cs"/>
       </a:defRPr>
     </a:lvl3pPr>
-    <a:lvl4pPr marL="1371600" algn="l" defTabSz="914400" rtl="0" eaLnBrk="1" latinLnBrk="0" hangingPunct="1">
+    <a:lvl4pPr marL="1371600" algn="l" defTabSz="457200" rtl="0" eaLnBrk="1" latinLnBrk="0" hangingPunct="1">
       <a:defRPr sz="1800" kern="1200">
         <a:solidFill>
           <a:schemeClr val="tx1"/>
@@ -66,7 +66,7 @@
         <a:cs typeface="+mn-cs"/>
       </a:defRPr>
     </a:lvl4pPr>
-    <a:lvl5pPr marL="1828800" algn="l" defTabSz="914400" rtl="0" eaLnBrk="1" latinLnBrk="0" hangingPunct="1">
+    <a:lvl5pPr marL="1828800" algn="l" defTabSz="457200" rtl="0" eaLnBrk="1" latinLnBrk="0" hangingPunct="1">
       <a:defRPr sz="1800" kern="1200">
         <a:solidFill>
           <a:schemeClr val="tx1"/>
@@ -76,7 +76,7 @@
         <a:cs typeface="+mn-cs"/>
       </a:defRPr>
     </a:lvl5pPr>
-    <a:lvl6pPr marL="2286000" algn="l" defTabSz="914400" rtl="0" eaLnBrk="1" latinLnBrk="0" hangingPunct="1">
+    <a:lvl6pPr marL="2286000" algn="l" defTabSz="457200" rtl="0" eaLnBrk="1" latinLnBrk="0" hangingPunct="1">
       <a:defRPr sz="1800" kern="1200">
         <a:solidFill>
           <a:schemeClr val="tx1"/>
@@ -86,7 +86,7 @@
         <a:cs typeface="+mn-cs"/>
       </a:defRPr>
     </a:lvl6pPr>
-    <a:lvl7pPr marL="2743200" algn="l" defTabSz="914400" rtl="0" eaLnBrk="1" latinLnBrk="0" hangingPunct="1">
+    <a:lvl7pPr marL="2743200" algn="l" defTabSz="457200" rtl="0" eaLnBrk="1" latinLnBrk="0" hangingPunct="1">
       <a:defRPr sz="1800" kern="1200">
         <a:solidFill>
           <a:schemeClr val="tx1"/>
@@ -96,7 +96,7 @@
         <a:cs typeface="+mn-cs"/>
       </a:defRPr>
     </a:lvl7pPr>
-    <a:lvl8pPr marL="3200400" algn="l" defTabSz="914400" rtl="0" eaLnBrk="1" latinLnBrk="0" hangingPunct="1">
+    <a:lvl8pPr marL="3200400" algn="l" defTabSz="457200" rtl="0" eaLnBrk="1" latinLnBrk="0" hangingPunct="1">
       <a:defRPr sz="1800" kern="1200">
         <a:solidFill>
           <a:schemeClr val="tx1"/>
@@ -106,7 +106,7 @@
         <a:cs typeface="+mn-cs"/>
       </a:defRPr>
     </a:lvl8pPr>
-    <a:lvl9pPr marL="3657600" algn="l" defTabSz="914400" rtl="0" eaLnBrk="1" latinLnBrk="0" hangingPunct="1">
+    <a:lvl9pPr marL="3657600" algn="l" defTabSz="457200" rtl="0" eaLnBrk="1" latinLnBrk="0" hangingPunct="1">
       <a:defRPr sz="1800" kern="1200">
         <a:solidFill>
           <a:schemeClr val="tx1"/>
@@ -144,13 +144,7 @@
       </p:grpSpPr>
       <p:sp>
         <p:nvSpPr>
-          <p:cNvPr id="2" name="Título 1">
-            <a:extLst>
-              <a:ext uri="{FF2B5EF4-FFF2-40B4-BE49-F238E27FC236}">
-                <a16:creationId xmlns:a16="http://schemas.microsoft.com/office/drawing/2014/main" id="{4142D65A-6AD8-422B-A2F1-DD9878ACFDD4}"/>
-              </a:ext>
-            </a:extLst>
-          </p:cNvPr>
+          <p:cNvPr id="2" name="Title 1"/>
           <p:cNvSpPr>
             <a:spLocks noGrp="1"/>
           </p:cNvSpPr>
@@ -176,18 +170,13 @@
               <a:rPr lang="pt-BR"/>
               <a:t>Clique para editar o título Mestre</a:t>
             </a:r>
-          </a:p>
-        </p:txBody>
-      </p:sp>
-      <p:sp>
-        <p:nvSpPr>
-          <p:cNvPr id="3" name="Subtítulo 2">
-            <a:extLst>
-              <a:ext uri="{FF2B5EF4-FFF2-40B4-BE49-F238E27FC236}">
-                <a16:creationId xmlns:a16="http://schemas.microsoft.com/office/drawing/2014/main" id="{84711A2A-CE4D-4E5E-8BD8-17A8F123D56D}"/>
-              </a:ext>
-            </a:extLst>
-          </p:cNvPr>
+            <a:endParaRPr lang="en-US" dirty="0"/>
+          </a:p>
+        </p:txBody>
+      </p:sp>
+      <p:sp>
+        <p:nvSpPr>
+          <p:cNvPr id="3" name="Subtitle 2"/>
           <p:cNvSpPr>
             <a:spLocks noGrp="1"/>
           </p:cNvSpPr>
@@ -246,18 +235,13 @@
               <a:rPr lang="pt-BR"/>
               <a:t>Clique para editar o estilo do subtítulo Mestre</a:t>
             </a:r>
-          </a:p>
-        </p:txBody>
-      </p:sp>
-      <p:sp>
-        <p:nvSpPr>
-          <p:cNvPr id="4" name="Espaço Reservado para Data 3">
-            <a:extLst>
-              <a:ext uri="{FF2B5EF4-FFF2-40B4-BE49-F238E27FC236}">
-                <a16:creationId xmlns:a16="http://schemas.microsoft.com/office/drawing/2014/main" id="{7BDCC529-1DB0-4120-AA05-E3A9A9EDA582}"/>
-              </a:ext>
-            </a:extLst>
-          </p:cNvPr>
+            <a:endParaRPr lang="en-US" dirty="0"/>
+          </a:p>
+        </p:txBody>
+      </p:sp>
+      <p:sp>
+        <p:nvSpPr>
+          <p:cNvPr id="4" name="Date Placeholder 3"/>
           <p:cNvSpPr>
             <a:spLocks noGrp="1"/>
           </p:cNvSpPr>
@@ -272,7 +256,7 @@
           <a:p>
             <a:fld id="{A96067C6-1D97-4125-BDF0-B33C18AFF0C3}" type="datetimeFigureOut">
               <a:rPr lang="pt-BR" smtClean="0"/>
-              <a:t>15/07/2025</a:t>
+              <a:t>18/07/2025</a:t>
             </a:fld>
             <a:endParaRPr lang="pt-BR"/>
           </a:p>
@@ -280,13 +264,7 @@
       </p:sp>
       <p:sp>
         <p:nvSpPr>
-          <p:cNvPr id="5" name="Espaço Reservado para Rodapé 4">
-            <a:extLst>
-              <a:ext uri="{FF2B5EF4-FFF2-40B4-BE49-F238E27FC236}">
-                <a16:creationId xmlns:a16="http://schemas.microsoft.com/office/drawing/2014/main" id="{192FF79C-4A8C-4C3F-B606-712806EC93D8}"/>
-              </a:ext>
-            </a:extLst>
-          </p:cNvPr>
+          <p:cNvPr id="5" name="Footer Placeholder 4"/>
           <p:cNvSpPr>
             <a:spLocks noGrp="1"/>
           </p:cNvSpPr>
@@ -305,13 +283,7 @@
       </p:sp>
       <p:sp>
         <p:nvSpPr>
-          <p:cNvPr id="6" name="Espaço Reservado para Número de Slide 5">
-            <a:extLst>
-              <a:ext uri="{FF2B5EF4-FFF2-40B4-BE49-F238E27FC236}">
-                <a16:creationId xmlns:a16="http://schemas.microsoft.com/office/drawing/2014/main" id="{D0C9CCDD-64EE-4D99-9631-FC8F107B30D5}"/>
-              </a:ext>
-            </a:extLst>
-          </p:cNvPr>
+          <p:cNvPr id="6" name="Slide Number Placeholder 5"/>
           <p:cNvSpPr>
             <a:spLocks noGrp="1"/>
           </p:cNvSpPr>
@@ -335,7 +307,7 @@
     </p:spTree>
     <p:extLst>
       <p:ext uri="{BB962C8B-B14F-4D97-AF65-F5344CB8AC3E}">
-        <p14:creationId xmlns:p14="http://schemas.microsoft.com/office/powerpoint/2010/main" val="3103741551"/>
+        <p14:creationId xmlns:p14="http://schemas.microsoft.com/office/powerpoint/2010/main" val="1779687062"/>
       </p:ext>
     </p:extLst>
   </p:cSld>
@@ -364,13 +336,7 @@
       </p:grpSpPr>
       <p:sp>
         <p:nvSpPr>
-          <p:cNvPr id="2" name="Título 1">
-            <a:extLst>
-              <a:ext uri="{FF2B5EF4-FFF2-40B4-BE49-F238E27FC236}">
-                <a16:creationId xmlns:a16="http://schemas.microsoft.com/office/drawing/2014/main" id="{C0D1D05A-8DB6-4E0A-8798-E69CF264015B}"/>
-              </a:ext>
-            </a:extLst>
-          </p:cNvPr>
+          <p:cNvPr id="2" name="Title 1"/>
           <p:cNvSpPr>
             <a:spLocks noGrp="1"/>
           </p:cNvSpPr>
@@ -387,18 +353,13 @@
               <a:rPr lang="pt-BR"/>
               <a:t>Clique para editar o título Mestre</a:t>
             </a:r>
-          </a:p>
-        </p:txBody>
-      </p:sp>
-      <p:sp>
-        <p:nvSpPr>
-          <p:cNvPr id="3" name="Espaço Reservado para Texto Vertical 2">
-            <a:extLst>
-              <a:ext uri="{FF2B5EF4-FFF2-40B4-BE49-F238E27FC236}">
-                <a16:creationId xmlns:a16="http://schemas.microsoft.com/office/drawing/2014/main" id="{ED7B46AC-0860-4B7D-A90D-A43FF1149E84}"/>
-              </a:ext>
-            </a:extLst>
-          </p:cNvPr>
+            <a:endParaRPr lang="en-US" dirty="0"/>
+          </a:p>
+        </p:txBody>
+      </p:sp>
+      <p:sp>
+        <p:nvSpPr>
+          <p:cNvPr id="3" name="Vertical Text Placeholder 2"/>
           <p:cNvSpPr>
             <a:spLocks noGrp="1"/>
           </p:cNvSpPr>
@@ -444,18 +405,13 @@
               <a:rPr lang="pt-BR"/>
               <a:t>Quinto nível</a:t>
             </a:r>
-          </a:p>
-        </p:txBody>
-      </p:sp>
-      <p:sp>
-        <p:nvSpPr>
-          <p:cNvPr id="4" name="Espaço Reservado para Data 3">
-            <a:extLst>
-              <a:ext uri="{FF2B5EF4-FFF2-40B4-BE49-F238E27FC236}">
-                <a16:creationId xmlns:a16="http://schemas.microsoft.com/office/drawing/2014/main" id="{BFA86D14-BCBD-40AC-8CB8-E4E3E26220CF}"/>
-              </a:ext>
-            </a:extLst>
-          </p:cNvPr>
+            <a:endParaRPr lang="en-US" dirty="0"/>
+          </a:p>
+        </p:txBody>
+      </p:sp>
+      <p:sp>
+        <p:nvSpPr>
+          <p:cNvPr id="4" name="Date Placeholder 3"/>
           <p:cNvSpPr>
             <a:spLocks noGrp="1"/>
           </p:cNvSpPr>
@@ -470,7 +426,7 @@
           <a:p>
             <a:fld id="{A96067C6-1D97-4125-BDF0-B33C18AFF0C3}" type="datetimeFigureOut">
               <a:rPr lang="pt-BR" smtClean="0"/>
-              <a:t>15/07/2025</a:t>
+              <a:t>18/07/2025</a:t>
             </a:fld>
             <a:endParaRPr lang="pt-BR"/>
           </a:p>
@@ -478,13 +434,7 @@
       </p:sp>
       <p:sp>
         <p:nvSpPr>
-          <p:cNvPr id="5" name="Espaço Reservado para Rodapé 4">
-            <a:extLst>
-              <a:ext uri="{FF2B5EF4-FFF2-40B4-BE49-F238E27FC236}">
-                <a16:creationId xmlns:a16="http://schemas.microsoft.com/office/drawing/2014/main" id="{3A21653E-9E08-4FA8-AB2E-BEF6941606AE}"/>
-              </a:ext>
-            </a:extLst>
-          </p:cNvPr>
+          <p:cNvPr id="5" name="Footer Placeholder 4"/>
           <p:cNvSpPr>
             <a:spLocks noGrp="1"/>
           </p:cNvSpPr>
@@ -503,13 +453,7 @@
       </p:sp>
       <p:sp>
         <p:nvSpPr>
-          <p:cNvPr id="6" name="Espaço Reservado para Número de Slide 5">
-            <a:extLst>
-              <a:ext uri="{FF2B5EF4-FFF2-40B4-BE49-F238E27FC236}">
-                <a16:creationId xmlns:a16="http://schemas.microsoft.com/office/drawing/2014/main" id="{DB5977B0-35F8-4B8E-B43E-3F45D7A8C794}"/>
-              </a:ext>
-            </a:extLst>
-          </p:cNvPr>
+          <p:cNvPr id="6" name="Slide Number Placeholder 5"/>
           <p:cNvSpPr>
             <a:spLocks noGrp="1"/>
           </p:cNvSpPr>
@@ -533,7 +477,7 @@
     </p:spTree>
     <p:extLst>
       <p:ext uri="{BB962C8B-B14F-4D97-AF65-F5344CB8AC3E}">
-        <p14:creationId xmlns:p14="http://schemas.microsoft.com/office/powerpoint/2010/main" val="4058395842"/>
+        <p14:creationId xmlns:p14="http://schemas.microsoft.com/office/powerpoint/2010/main" val="489664933"/>
       </p:ext>
     </p:extLst>
   </p:cSld>
@@ -562,13 +506,7 @@
       </p:grpSpPr>
       <p:sp>
         <p:nvSpPr>
-          <p:cNvPr id="2" name="Título Vertical 1">
-            <a:extLst>
-              <a:ext uri="{FF2B5EF4-FFF2-40B4-BE49-F238E27FC236}">
-                <a16:creationId xmlns:a16="http://schemas.microsoft.com/office/drawing/2014/main" id="{A603050E-4C87-47C2-92AD-B18F6E828385}"/>
-              </a:ext>
-            </a:extLst>
-          </p:cNvPr>
+          <p:cNvPr id="2" name="Vertical Title 1"/>
           <p:cNvSpPr>
             <a:spLocks noGrp="1"/>
           </p:cNvSpPr>
@@ -590,18 +528,13 @@
               <a:rPr lang="pt-BR"/>
               <a:t>Clique para editar o título Mestre</a:t>
             </a:r>
-          </a:p>
-        </p:txBody>
-      </p:sp>
-      <p:sp>
-        <p:nvSpPr>
-          <p:cNvPr id="3" name="Espaço Reservado para Texto Vertical 2">
-            <a:extLst>
-              <a:ext uri="{FF2B5EF4-FFF2-40B4-BE49-F238E27FC236}">
-                <a16:creationId xmlns:a16="http://schemas.microsoft.com/office/drawing/2014/main" id="{23CA24E1-01A8-4253-808D-B6D4B437215D}"/>
-              </a:ext>
-            </a:extLst>
-          </p:cNvPr>
+            <a:endParaRPr lang="en-US" dirty="0"/>
+          </a:p>
+        </p:txBody>
+      </p:sp>
+      <p:sp>
+        <p:nvSpPr>
+          <p:cNvPr id="3" name="Vertical Text Placeholder 2"/>
           <p:cNvSpPr>
             <a:spLocks noGrp="1"/>
           </p:cNvSpPr>
@@ -652,18 +585,13 @@
               <a:rPr lang="pt-BR"/>
               <a:t>Quinto nível</a:t>
             </a:r>
-          </a:p>
-        </p:txBody>
-      </p:sp>
-      <p:sp>
-        <p:nvSpPr>
-          <p:cNvPr id="4" name="Espaço Reservado para Data 3">
-            <a:extLst>
-              <a:ext uri="{FF2B5EF4-FFF2-40B4-BE49-F238E27FC236}">
-                <a16:creationId xmlns:a16="http://schemas.microsoft.com/office/drawing/2014/main" id="{AAF5DCB6-5412-4ECD-AC3D-CEC7D4F3BA46}"/>
-              </a:ext>
-            </a:extLst>
-          </p:cNvPr>
+            <a:endParaRPr lang="en-US" dirty="0"/>
+          </a:p>
+        </p:txBody>
+      </p:sp>
+      <p:sp>
+        <p:nvSpPr>
+          <p:cNvPr id="4" name="Date Placeholder 3"/>
           <p:cNvSpPr>
             <a:spLocks noGrp="1"/>
           </p:cNvSpPr>
@@ -678,7 +606,7 @@
           <a:p>
             <a:fld id="{A96067C6-1D97-4125-BDF0-B33C18AFF0C3}" type="datetimeFigureOut">
               <a:rPr lang="pt-BR" smtClean="0"/>
-              <a:t>15/07/2025</a:t>
+              <a:t>18/07/2025</a:t>
             </a:fld>
             <a:endParaRPr lang="pt-BR"/>
           </a:p>
@@ -686,13 +614,7 @@
       </p:sp>
       <p:sp>
         <p:nvSpPr>
-          <p:cNvPr id="5" name="Espaço Reservado para Rodapé 4">
-            <a:extLst>
-              <a:ext uri="{FF2B5EF4-FFF2-40B4-BE49-F238E27FC236}">
-                <a16:creationId xmlns:a16="http://schemas.microsoft.com/office/drawing/2014/main" id="{088B134B-4D16-488B-A376-AA8B10FFB4ED}"/>
-              </a:ext>
-            </a:extLst>
-          </p:cNvPr>
+          <p:cNvPr id="5" name="Footer Placeholder 4"/>
           <p:cNvSpPr>
             <a:spLocks noGrp="1"/>
           </p:cNvSpPr>
@@ -711,13 +633,7 @@
       </p:sp>
       <p:sp>
         <p:nvSpPr>
-          <p:cNvPr id="6" name="Espaço Reservado para Número de Slide 5">
-            <a:extLst>
-              <a:ext uri="{FF2B5EF4-FFF2-40B4-BE49-F238E27FC236}">
-                <a16:creationId xmlns:a16="http://schemas.microsoft.com/office/drawing/2014/main" id="{BDF6E693-231F-4D18-99C8-199B4BF1583C}"/>
-              </a:ext>
-            </a:extLst>
-          </p:cNvPr>
+          <p:cNvPr id="6" name="Slide Number Placeholder 5"/>
           <p:cNvSpPr>
             <a:spLocks noGrp="1"/>
           </p:cNvSpPr>
@@ -741,7 +657,7 @@
     </p:spTree>
     <p:extLst>
       <p:ext uri="{BB962C8B-B14F-4D97-AF65-F5344CB8AC3E}">
-        <p14:creationId xmlns:p14="http://schemas.microsoft.com/office/powerpoint/2010/main" val="2410458255"/>
+        <p14:creationId xmlns:p14="http://schemas.microsoft.com/office/powerpoint/2010/main" val="8032374"/>
       </p:ext>
     </p:extLst>
   </p:cSld>
@@ -770,13 +686,7 @@
       </p:grpSpPr>
       <p:sp>
         <p:nvSpPr>
-          <p:cNvPr id="2" name="Título 1">
-            <a:extLst>
-              <a:ext uri="{FF2B5EF4-FFF2-40B4-BE49-F238E27FC236}">
-                <a16:creationId xmlns:a16="http://schemas.microsoft.com/office/drawing/2014/main" id="{A4D6C0E2-75AC-4F19-A594-6EBEB0CC8997}"/>
-              </a:ext>
-            </a:extLst>
-          </p:cNvPr>
+          <p:cNvPr id="2" name="Title 1"/>
           <p:cNvSpPr>
             <a:spLocks noGrp="1"/>
           </p:cNvSpPr>
@@ -793,18 +703,13 @@
               <a:rPr lang="pt-BR"/>
               <a:t>Clique para editar o título Mestre</a:t>
             </a:r>
-          </a:p>
-        </p:txBody>
-      </p:sp>
-      <p:sp>
-        <p:nvSpPr>
-          <p:cNvPr id="3" name="Espaço Reservado para Conteúdo 2">
-            <a:extLst>
-              <a:ext uri="{FF2B5EF4-FFF2-40B4-BE49-F238E27FC236}">
-                <a16:creationId xmlns:a16="http://schemas.microsoft.com/office/drawing/2014/main" id="{28E8E2AA-FF4A-45C0-BA63-20B2A7E5A8E5}"/>
-              </a:ext>
-            </a:extLst>
-          </p:cNvPr>
+            <a:endParaRPr lang="en-US" dirty="0"/>
+          </a:p>
+        </p:txBody>
+      </p:sp>
+      <p:sp>
+        <p:nvSpPr>
+          <p:cNvPr id="3" name="Content Placeholder 2"/>
           <p:cNvSpPr>
             <a:spLocks noGrp="1"/>
           </p:cNvSpPr>
@@ -850,18 +755,13 @@
               <a:rPr lang="pt-BR"/>
               <a:t>Quinto nível</a:t>
             </a:r>
-          </a:p>
-        </p:txBody>
-      </p:sp>
-      <p:sp>
-        <p:nvSpPr>
-          <p:cNvPr id="4" name="Espaço Reservado para Data 3">
-            <a:extLst>
-              <a:ext uri="{FF2B5EF4-FFF2-40B4-BE49-F238E27FC236}">
-                <a16:creationId xmlns:a16="http://schemas.microsoft.com/office/drawing/2014/main" id="{96C12209-82A8-4413-B940-9C535CE1DDE7}"/>
-              </a:ext>
-            </a:extLst>
-          </p:cNvPr>
+            <a:endParaRPr lang="en-US" dirty="0"/>
+          </a:p>
+        </p:txBody>
+      </p:sp>
+      <p:sp>
+        <p:nvSpPr>
+          <p:cNvPr id="4" name="Date Placeholder 3"/>
           <p:cNvSpPr>
             <a:spLocks noGrp="1"/>
           </p:cNvSpPr>
@@ -876,7 +776,7 @@
           <a:p>
             <a:fld id="{A96067C6-1D97-4125-BDF0-B33C18AFF0C3}" type="datetimeFigureOut">
               <a:rPr lang="pt-BR" smtClean="0"/>
-              <a:t>15/07/2025</a:t>
+              <a:t>18/07/2025</a:t>
             </a:fld>
             <a:endParaRPr lang="pt-BR"/>
           </a:p>
@@ -884,13 +784,7 @@
       </p:sp>
       <p:sp>
         <p:nvSpPr>
-          <p:cNvPr id="5" name="Espaço Reservado para Rodapé 4">
-            <a:extLst>
-              <a:ext uri="{FF2B5EF4-FFF2-40B4-BE49-F238E27FC236}">
-                <a16:creationId xmlns:a16="http://schemas.microsoft.com/office/drawing/2014/main" id="{F1DC647B-3FE1-44E9-8177-BA74D278D516}"/>
-              </a:ext>
-            </a:extLst>
-          </p:cNvPr>
+          <p:cNvPr id="5" name="Footer Placeholder 4"/>
           <p:cNvSpPr>
             <a:spLocks noGrp="1"/>
           </p:cNvSpPr>
@@ -909,13 +803,7 @@
       </p:sp>
       <p:sp>
         <p:nvSpPr>
-          <p:cNvPr id="6" name="Espaço Reservado para Número de Slide 5">
-            <a:extLst>
-              <a:ext uri="{FF2B5EF4-FFF2-40B4-BE49-F238E27FC236}">
-                <a16:creationId xmlns:a16="http://schemas.microsoft.com/office/drawing/2014/main" id="{0F1B911B-992A-4EAE-901A-B372E4E5751E}"/>
-              </a:ext>
-            </a:extLst>
-          </p:cNvPr>
+          <p:cNvPr id="6" name="Slide Number Placeholder 5"/>
           <p:cNvSpPr>
             <a:spLocks noGrp="1"/>
           </p:cNvSpPr>
@@ -939,7 +827,7 @@
     </p:spTree>
     <p:extLst>
       <p:ext uri="{BB962C8B-B14F-4D97-AF65-F5344CB8AC3E}">
-        <p14:creationId xmlns:p14="http://schemas.microsoft.com/office/powerpoint/2010/main" val="3907461943"/>
+        <p14:creationId xmlns:p14="http://schemas.microsoft.com/office/powerpoint/2010/main" val="605186922"/>
       </p:ext>
     </p:extLst>
   </p:cSld>
@@ -968,13 +856,7 @@
       </p:grpSpPr>
       <p:sp>
         <p:nvSpPr>
-          <p:cNvPr id="2" name="Título 1">
-            <a:extLst>
-              <a:ext uri="{FF2B5EF4-FFF2-40B4-BE49-F238E27FC236}">
-                <a16:creationId xmlns:a16="http://schemas.microsoft.com/office/drawing/2014/main" id="{157DE948-6541-4B02-A3EE-B96BE796B430}"/>
-              </a:ext>
-            </a:extLst>
-          </p:cNvPr>
+          <p:cNvPr id="2" name="Title 1"/>
           <p:cNvSpPr>
             <a:spLocks noGrp="1"/>
           </p:cNvSpPr>
@@ -1000,18 +882,13 @@
               <a:rPr lang="pt-BR"/>
               <a:t>Clique para editar o título Mestre</a:t>
             </a:r>
-          </a:p>
-        </p:txBody>
-      </p:sp>
-      <p:sp>
-        <p:nvSpPr>
-          <p:cNvPr id="3" name="Espaço Reservado para Texto 2">
-            <a:extLst>
-              <a:ext uri="{FF2B5EF4-FFF2-40B4-BE49-F238E27FC236}">
-                <a16:creationId xmlns:a16="http://schemas.microsoft.com/office/drawing/2014/main" id="{D6A81930-FC3B-4FE3-B72E-4F3711637B3D}"/>
-              </a:ext>
-            </a:extLst>
-          </p:cNvPr>
+            <a:endParaRPr lang="en-US" dirty="0"/>
+          </a:p>
+        </p:txBody>
+      </p:sp>
+      <p:sp>
+        <p:nvSpPr>
+          <p:cNvPr id="3" name="Text Placeholder 2"/>
           <p:cNvSpPr>
             <a:spLocks noGrp="1"/>
           </p:cNvSpPr>
@@ -1130,13 +1007,7 @@
       </p:sp>
       <p:sp>
         <p:nvSpPr>
-          <p:cNvPr id="4" name="Espaço Reservado para Data 3">
-            <a:extLst>
-              <a:ext uri="{FF2B5EF4-FFF2-40B4-BE49-F238E27FC236}">
-                <a16:creationId xmlns:a16="http://schemas.microsoft.com/office/drawing/2014/main" id="{4C3990B7-D66F-4668-B05C-AAD9DEF6A736}"/>
-              </a:ext>
-            </a:extLst>
-          </p:cNvPr>
+          <p:cNvPr id="4" name="Date Placeholder 3"/>
           <p:cNvSpPr>
             <a:spLocks noGrp="1"/>
           </p:cNvSpPr>
@@ -1151,7 +1022,7 @@
           <a:p>
             <a:fld id="{A96067C6-1D97-4125-BDF0-B33C18AFF0C3}" type="datetimeFigureOut">
               <a:rPr lang="pt-BR" smtClean="0"/>
-              <a:t>15/07/2025</a:t>
+              <a:t>18/07/2025</a:t>
             </a:fld>
             <a:endParaRPr lang="pt-BR"/>
           </a:p>
@@ -1159,13 +1030,7 @@
       </p:sp>
       <p:sp>
         <p:nvSpPr>
-          <p:cNvPr id="5" name="Espaço Reservado para Rodapé 4">
-            <a:extLst>
-              <a:ext uri="{FF2B5EF4-FFF2-40B4-BE49-F238E27FC236}">
-                <a16:creationId xmlns:a16="http://schemas.microsoft.com/office/drawing/2014/main" id="{2F70F372-1F0C-4694-80F8-986FF33DBCA9}"/>
-              </a:ext>
-            </a:extLst>
-          </p:cNvPr>
+          <p:cNvPr id="5" name="Footer Placeholder 4"/>
           <p:cNvSpPr>
             <a:spLocks noGrp="1"/>
           </p:cNvSpPr>
@@ -1184,13 +1049,7 @@
       </p:sp>
       <p:sp>
         <p:nvSpPr>
-          <p:cNvPr id="6" name="Espaço Reservado para Número de Slide 5">
-            <a:extLst>
-              <a:ext uri="{FF2B5EF4-FFF2-40B4-BE49-F238E27FC236}">
-                <a16:creationId xmlns:a16="http://schemas.microsoft.com/office/drawing/2014/main" id="{274AD802-A880-443A-938F-A299BE116DE2}"/>
-              </a:ext>
-            </a:extLst>
-          </p:cNvPr>
+          <p:cNvPr id="6" name="Slide Number Placeholder 5"/>
           <p:cNvSpPr>
             <a:spLocks noGrp="1"/>
           </p:cNvSpPr>
@@ -1214,7 +1073,7 @@
     </p:spTree>
     <p:extLst>
       <p:ext uri="{BB962C8B-B14F-4D97-AF65-F5344CB8AC3E}">
-        <p14:creationId xmlns:p14="http://schemas.microsoft.com/office/powerpoint/2010/main" val="4236743332"/>
+        <p14:creationId xmlns:p14="http://schemas.microsoft.com/office/powerpoint/2010/main" val="4187140997"/>
       </p:ext>
     </p:extLst>
   </p:cSld>
@@ -1243,13 +1102,7 @@
       </p:grpSpPr>
       <p:sp>
         <p:nvSpPr>
-          <p:cNvPr id="2" name="Título 1">
-            <a:extLst>
-              <a:ext uri="{FF2B5EF4-FFF2-40B4-BE49-F238E27FC236}">
-                <a16:creationId xmlns:a16="http://schemas.microsoft.com/office/drawing/2014/main" id="{4B7F0A13-C6DD-4C18-B387-C76DFDD51C91}"/>
-              </a:ext>
-            </a:extLst>
-          </p:cNvPr>
+          <p:cNvPr id="2" name="Title 1"/>
           <p:cNvSpPr>
             <a:spLocks noGrp="1"/>
           </p:cNvSpPr>
@@ -1266,18 +1119,13 @@
               <a:rPr lang="pt-BR"/>
               <a:t>Clique para editar o título Mestre</a:t>
             </a:r>
-          </a:p>
-        </p:txBody>
-      </p:sp>
-      <p:sp>
-        <p:nvSpPr>
-          <p:cNvPr id="3" name="Espaço Reservado para Conteúdo 2">
-            <a:extLst>
-              <a:ext uri="{FF2B5EF4-FFF2-40B4-BE49-F238E27FC236}">
-                <a16:creationId xmlns:a16="http://schemas.microsoft.com/office/drawing/2014/main" id="{C7FE7139-6417-4B3A-826E-844A977C6872}"/>
-              </a:ext>
-            </a:extLst>
-          </p:cNvPr>
+            <a:endParaRPr lang="en-US" dirty="0"/>
+          </a:p>
+        </p:txBody>
+      </p:sp>
+      <p:sp>
+        <p:nvSpPr>
+          <p:cNvPr id="3" name="Content Placeholder 2"/>
           <p:cNvSpPr>
             <a:spLocks noGrp="1"/>
           </p:cNvSpPr>
@@ -1328,18 +1176,13 @@
               <a:rPr lang="pt-BR"/>
               <a:t>Quinto nível</a:t>
             </a:r>
-          </a:p>
-        </p:txBody>
-      </p:sp>
-      <p:sp>
-        <p:nvSpPr>
-          <p:cNvPr id="4" name="Espaço Reservado para Conteúdo 3">
-            <a:extLst>
-              <a:ext uri="{FF2B5EF4-FFF2-40B4-BE49-F238E27FC236}">
-                <a16:creationId xmlns:a16="http://schemas.microsoft.com/office/drawing/2014/main" id="{FE54E6C5-D968-43C7-8C8D-8FDDCC79D839}"/>
-              </a:ext>
-            </a:extLst>
-          </p:cNvPr>
+            <a:endParaRPr lang="en-US" dirty="0"/>
+          </a:p>
+        </p:txBody>
+      </p:sp>
+      <p:sp>
+        <p:nvSpPr>
+          <p:cNvPr id="4" name="Content Placeholder 3"/>
           <p:cNvSpPr>
             <a:spLocks noGrp="1"/>
           </p:cNvSpPr>
@@ -1390,18 +1233,13 @@
               <a:rPr lang="pt-BR"/>
               <a:t>Quinto nível</a:t>
             </a:r>
-          </a:p>
-        </p:txBody>
-      </p:sp>
-      <p:sp>
-        <p:nvSpPr>
-          <p:cNvPr id="5" name="Espaço Reservado para Data 4">
-            <a:extLst>
-              <a:ext uri="{FF2B5EF4-FFF2-40B4-BE49-F238E27FC236}">
-                <a16:creationId xmlns:a16="http://schemas.microsoft.com/office/drawing/2014/main" id="{50A552BD-1782-4D32-BE8F-90C44DBF9EFF}"/>
-              </a:ext>
-            </a:extLst>
-          </p:cNvPr>
+            <a:endParaRPr lang="en-US" dirty="0"/>
+          </a:p>
+        </p:txBody>
+      </p:sp>
+      <p:sp>
+        <p:nvSpPr>
+          <p:cNvPr id="5" name="Date Placeholder 4"/>
           <p:cNvSpPr>
             <a:spLocks noGrp="1"/>
           </p:cNvSpPr>
@@ -1416,7 +1254,7 @@
           <a:p>
             <a:fld id="{A96067C6-1D97-4125-BDF0-B33C18AFF0C3}" type="datetimeFigureOut">
               <a:rPr lang="pt-BR" smtClean="0"/>
-              <a:t>15/07/2025</a:t>
+              <a:t>18/07/2025</a:t>
             </a:fld>
             <a:endParaRPr lang="pt-BR"/>
           </a:p>
@@ -1424,13 +1262,7 @@
       </p:sp>
       <p:sp>
         <p:nvSpPr>
-          <p:cNvPr id="6" name="Espaço Reservado para Rodapé 5">
-            <a:extLst>
-              <a:ext uri="{FF2B5EF4-FFF2-40B4-BE49-F238E27FC236}">
-                <a16:creationId xmlns:a16="http://schemas.microsoft.com/office/drawing/2014/main" id="{6F70AFB4-BB78-4EF8-9FDF-DFE517482D21}"/>
-              </a:ext>
-            </a:extLst>
-          </p:cNvPr>
+          <p:cNvPr id="6" name="Footer Placeholder 5"/>
           <p:cNvSpPr>
             <a:spLocks noGrp="1"/>
           </p:cNvSpPr>
@@ -1449,13 +1281,7 @@
       </p:sp>
       <p:sp>
         <p:nvSpPr>
-          <p:cNvPr id="7" name="Espaço Reservado para Número de Slide 6">
-            <a:extLst>
-              <a:ext uri="{FF2B5EF4-FFF2-40B4-BE49-F238E27FC236}">
-                <a16:creationId xmlns:a16="http://schemas.microsoft.com/office/drawing/2014/main" id="{930F9B65-71B4-43F0-8841-E26BEFB698A3}"/>
-              </a:ext>
-            </a:extLst>
-          </p:cNvPr>
+          <p:cNvPr id="7" name="Slide Number Placeholder 6"/>
           <p:cNvSpPr>
             <a:spLocks noGrp="1"/>
           </p:cNvSpPr>
@@ -1479,7 +1305,7 @@
     </p:spTree>
     <p:extLst>
       <p:ext uri="{BB962C8B-B14F-4D97-AF65-F5344CB8AC3E}">
-        <p14:creationId xmlns:p14="http://schemas.microsoft.com/office/powerpoint/2010/main" val="3179127625"/>
+        <p14:creationId xmlns:p14="http://schemas.microsoft.com/office/powerpoint/2010/main" val="1598459476"/>
       </p:ext>
     </p:extLst>
   </p:cSld>
@@ -1508,13 +1334,7 @@
       </p:grpSpPr>
       <p:sp>
         <p:nvSpPr>
-          <p:cNvPr id="2" name="Título 1">
-            <a:extLst>
-              <a:ext uri="{FF2B5EF4-FFF2-40B4-BE49-F238E27FC236}">
-                <a16:creationId xmlns:a16="http://schemas.microsoft.com/office/drawing/2014/main" id="{C14BBB7E-063C-4B3B-8F1F-85C12925935F}"/>
-              </a:ext>
-            </a:extLst>
-          </p:cNvPr>
+          <p:cNvPr id="2" name="Title 1"/>
           <p:cNvSpPr>
             <a:spLocks noGrp="1"/>
           </p:cNvSpPr>
@@ -1536,18 +1356,13 @@
               <a:rPr lang="pt-BR"/>
               <a:t>Clique para editar o título Mestre</a:t>
             </a:r>
-          </a:p>
-        </p:txBody>
-      </p:sp>
-      <p:sp>
-        <p:nvSpPr>
-          <p:cNvPr id="3" name="Espaço Reservado para Texto 2">
-            <a:extLst>
-              <a:ext uri="{FF2B5EF4-FFF2-40B4-BE49-F238E27FC236}">
-                <a16:creationId xmlns:a16="http://schemas.microsoft.com/office/drawing/2014/main" id="{930B0F60-BDCF-4388-AF70-07668C5312A7}"/>
-              </a:ext>
-            </a:extLst>
-          </p:cNvPr>
+            <a:endParaRPr lang="en-US" dirty="0"/>
+          </a:p>
+        </p:txBody>
+      </p:sp>
+      <p:sp>
+        <p:nvSpPr>
+          <p:cNvPr id="3" name="Text Placeholder 2"/>
           <p:cNvSpPr>
             <a:spLocks noGrp="1"/>
           </p:cNvSpPr>
@@ -1612,13 +1427,7 @@
       </p:sp>
       <p:sp>
         <p:nvSpPr>
-          <p:cNvPr id="4" name="Espaço Reservado para Conteúdo 3">
-            <a:extLst>
-              <a:ext uri="{FF2B5EF4-FFF2-40B4-BE49-F238E27FC236}">
-                <a16:creationId xmlns:a16="http://schemas.microsoft.com/office/drawing/2014/main" id="{B29B005A-7B5A-426F-8830-FD8153796525}"/>
-              </a:ext>
-            </a:extLst>
-          </p:cNvPr>
+          <p:cNvPr id="4" name="Content Placeholder 3"/>
           <p:cNvSpPr>
             <a:spLocks noGrp="1"/>
           </p:cNvSpPr>
@@ -1669,18 +1478,13 @@
               <a:rPr lang="pt-BR"/>
               <a:t>Quinto nível</a:t>
             </a:r>
-          </a:p>
-        </p:txBody>
-      </p:sp>
-      <p:sp>
-        <p:nvSpPr>
-          <p:cNvPr id="5" name="Espaço Reservado para Texto 4">
-            <a:extLst>
-              <a:ext uri="{FF2B5EF4-FFF2-40B4-BE49-F238E27FC236}">
-                <a16:creationId xmlns:a16="http://schemas.microsoft.com/office/drawing/2014/main" id="{412BF2CB-38D4-44D7-A556-9379623228A7}"/>
-              </a:ext>
-            </a:extLst>
-          </p:cNvPr>
+            <a:endParaRPr lang="en-US" dirty="0"/>
+          </a:p>
+        </p:txBody>
+      </p:sp>
+      <p:sp>
+        <p:nvSpPr>
+          <p:cNvPr id="5" name="Text Placeholder 4"/>
           <p:cNvSpPr>
             <a:spLocks noGrp="1"/>
           </p:cNvSpPr>
@@ -1745,13 +1549,7 @@
       </p:sp>
       <p:sp>
         <p:nvSpPr>
-          <p:cNvPr id="6" name="Espaço Reservado para Conteúdo 5">
-            <a:extLst>
-              <a:ext uri="{FF2B5EF4-FFF2-40B4-BE49-F238E27FC236}">
-                <a16:creationId xmlns:a16="http://schemas.microsoft.com/office/drawing/2014/main" id="{7CEC1CAD-0A70-4F67-89C6-6F02491F70BA}"/>
-              </a:ext>
-            </a:extLst>
-          </p:cNvPr>
+          <p:cNvPr id="6" name="Content Placeholder 5"/>
           <p:cNvSpPr>
             <a:spLocks noGrp="1"/>
           </p:cNvSpPr>
@@ -1802,18 +1600,13 @@
               <a:rPr lang="pt-BR"/>
               <a:t>Quinto nível</a:t>
             </a:r>
-          </a:p>
-        </p:txBody>
-      </p:sp>
-      <p:sp>
-        <p:nvSpPr>
-          <p:cNvPr id="7" name="Espaço Reservado para Data 6">
-            <a:extLst>
-              <a:ext uri="{FF2B5EF4-FFF2-40B4-BE49-F238E27FC236}">
-                <a16:creationId xmlns:a16="http://schemas.microsoft.com/office/drawing/2014/main" id="{B51DE32B-1AE7-4B1B-BABC-D94096B46DEA}"/>
-              </a:ext>
-            </a:extLst>
-          </p:cNvPr>
+            <a:endParaRPr lang="en-US" dirty="0"/>
+          </a:p>
+        </p:txBody>
+      </p:sp>
+      <p:sp>
+        <p:nvSpPr>
+          <p:cNvPr id="7" name="Date Placeholder 6"/>
           <p:cNvSpPr>
             <a:spLocks noGrp="1"/>
           </p:cNvSpPr>
@@ -1828,7 +1621,7 @@
           <a:p>
             <a:fld id="{A96067C6-1D97-4125-BDF0-B33C18AFF0C3}" type="datetimeFigureOut">
               <a:rPr lang="pt-BR" smtClean="0"/>
-              <a:t>15/07/2025</a:t>
+              <a:t>18/07/2025</a:t>
             </a:fld>
             <a:endParaRPr lang="pt-BR"/>
           </a:p>
@@ -1836,13 +1629,7 @@
       </p:sp>
       <p:sp>
         <p:nvSpPr>
-          <p:cNvPr id="8" name="Espaço Reservado para Rodapé 7">
-            <a:extLst>
-              <a:ext uri="{FF2B5EF4-FFF2-40B4-BE49-F238E27FC236}">
-                <a16:creationId xmlns:a16="http://schemas.microsoft.com/office/drawing/2014/main" id="{112E67D2-9312-4511-B70D-1CC6CD671F7C}"/>
-              </a:ext>
-            </a:extLst>
-          </p:cNvPr>
+          <p:cNvPr id="8" name="Footer Placeholder 7"/>
           <p:cNvSpPr>
             <a:spLocks noGrp="1"/>
           </p:cNvSpPr>
@@ -1861,13 +1648,7 @@
       </p:sp>
       <p:sp>
         <p:nvSpPr>
-          <p:cNvPr id="9" name="Espaço Reservado para Número de Slide 8">
-            <a:extLst>
-              <a:ext uri="{FF2B5EF4-FFF2-40B4-BE49-F238E27FC236}">
-                <a16:creationId xmlns:a16="http://schemas.microsoft.com/office/drawing/2014/main" id="{78486710-404D-4B65-8861-81021E61C1B5}"/>
-              </a:ext>
-            </a:extLst>
-          </p:cNvPr>
+          <p:cNvPr id="9" name="Slide Number Placeholder 8"/>
           <p:cNvSpPr>
             <a:spLocks noGrp="1"/>
           </p:cNvSpPr>
@@ -1891,7 +1672,7 @@
     </p:spTree>
     <p:extLst>
       <p:ext uri="{BB962C8B-B14F-4D97-AF65-F5344CB8AC3E}">
-        <p14:creationId xmlns:p14="http://schemas.microsoft.com/office/powerpoint/2010/main" val="324714122"/>
+        <p14:creationId xmlns:p14="http://schemas.microsoft.com/office/powerpoint/2010/main" val="595748212"/>
       </p:ext>
     </p:extLst>
   </p:cSld>
@@ -1920,13 +1701,7 @@
       </p:grpSpPr>
       <p:sp>
         <p:nvSpPr>
-          <p:cNvPr id="2" name="Título 1">
-            <a:extLst>
-              <a:ext uri="{FF2B5EF4-FFF2-40B4-BE49-F238E27FC236}">
-                <a16:creationId xmlns:a16="http://schemas.microsoft.com/office/drawing/2014/main" id="{B844372A-6743-4132-9D64-1AD3C2FEE53D}"/>
-              </a:ext>
-            </a:extLst>
-          </p:cNvPr>
+          <p:cNvPr id="2" name="Title 1"/>
           <p:cNvSpPr>
             <a:spLocks noGrp="1"/>
           </p:cNvSpPr>
@@ -1943,18 +1718,13 @@
               <a:rPr lang="pt-BR"/>
               <a:t>Clique para editar o título Mestre</a:t>
             </a:r>
-          </a:p>
-        </p:txBody>
-      </p:sp>
-      <p:sp>
-        <p:nvSpPr>
-          <p:cNvPr id="3" name="Espaço Reservado para Data 2">
-            <a:extLst>
-              <a:ext uri="{FF2B5EF4-FFF2-40B4-BE49-F238E27FC236}">
-                <a16:creationId xmlns:a16="http://schemas.microsoft.com/office/drawing/2014/main" id="{45873AEC-1736-4C56-BAF0-5307E854E337}"/>
-              </a:ext>
-            </a:extLst>
-          </p:cNvPr>
+            <a:endParaRPr lang="en-US" dirty="0"/>
+          </a:p>
+        </p:txBody>
+      </p:sp>
+      <p:sp>
+        <p:nvSpPr>
+          <p:cNvPr id="3" name="Date Placeholder 2"/>
           <p:cNvSpPr>
             <a:spLocks noGrp="1"/>
           </p:cNvSpPr>
@@ -1969,7 +1739,7 @@
           <a:p>
             <a:fld id="{A96067C6-1D97-4125-BDF0-B33C18AFF0C3}" type="datetimeFigureOut">
               <a:rPr lang="pt-BR" smtClean="0"/>
-              <a:t>15/07/2025</a:t>
+              <a:t>18/07/2025</a:t>
             </a:fld>
             <a:endParaRPr lang="pt-BR"/>
           </a:p>
@@ -1977,13 +1747,7 @@
       </p:sp>
       <p:sp>
         <p:nvSpPr>
-          <p:cNvPr id="4" name="Espaço Reservado para Rodapé 3">
-            <a:extLst>
-              <a:ext uri="{FF2B5EF4-FFF2-40B4-BE49-F238E27FC236}">
-                <a16:creationId xmlns:a16="http://schemas.microsoft.com/office/drawing/2014/main" id="{A4DE6C53-0C66-4FA2-941C-A97F354165C1}"/>
-              </a:ext>
-            </a:extLst>
-          </p:cNvPr>
+          <p:cNvPr id="4" name="Footer Placeholder 3"/>
           <p:cNvSpPr>
             <a:spLocks noGrp="1"/>
           </p:cNvSpPr>
@@ -2002,13 +1766,7 @@
       </p:sp>
       <p:sp>
         <p:nvSpPr>
-          <p:cNvPr id="5" name="Espaço Reservado para Número de Slide 4">
-            <a:extLst>
-              <a:ext uri="{FF2B5EF4-FFF2-40B4-BE49-F238E27FC236}">
-                <a16:creationId xmlns:a16="http://schemas.microsoft.com/office/drawing/2014/main" id="{7B220CB1-B131-478A-A178-DB63946E1A47}"/>
-              </a:ext>
-            </a:extLst>
-          </p:cNvPr>
+          <p:cNvPr id="5" name="Slide Number Placeholder 4"/>
           <p:cNvSpPr>
             <a:spLocks noGrp="1"/>
           </p:cNvSpPr>
@@ -2032,7 +1790,7 @@
     </p:spTree>
     <p:extLst>
       <p:ext uri="{BB962C8B-B14F-4D97-AF65-F5344CB8AC3E}">
-        <p14:creationId xmlns:p14="http://schemas.microsoft.com/office/powerpoint/2010/main" val="2177268730"/>
+        <p14:creationId xmlns:p14="http://schemas.microsoft.com/office/powerpoint/2010/main" val="2996693729"/>
       </p:ext>
     </p:extLst>
   </p:cSld>
@@ -2061,13 +1819,7 @@
       </p:grpSpPr>
       <p:sp>
         <p:nvSpPr>
-          <p:cNvPr id="2" name="Espaço Reservado para Data 1">
-            <a:extLst>
-              <a:ext uri="{FF2B5EF4-FFF2-40B4-BE49-F238E27FC236}">
-                <a16:creationId xmlns:a16="http://schemas.microsoft.com/office/drawing/2014/main" id="{4B724647-CC48-4075-AF98-7D43CD117A15}"/>
-              </a:ext>
-            </a:extLst>
-          </p:cNvPr>
+          <p:cNvPr id="2" name="Date Placeholder 1"/>
           <p:cNvSpPr>
             <a:spLocks noGrp="1"/>
           </p:cNvSpPr>
@@ -2082,7 +1834,7 @@
           <a:p>
             <a:fld id="{A96067C6-1D97-4125-BDF0-B33C18AFF0C3}" type="datetimeFigureOut">
               <a:rPr lang="pt-BR" smtClean="0"/>
-              <a:t>15/07/2025</a:t>
+              <a:t>18/07/2025</a:t>
             </a:fld>
             <a:endParaRPr lang="pt-BR"/>
           </a:p>
@@ -2090,13 +1842,7 @@
       </p:sp>
       <p:sp>
         <p:nvSpPr>
-          <p:cNvPr id="3" name="Espaço Reservado para Rodapé 2">
-            <a:extLst>
-              <a:ext uri="{FF2B5EF4-FFF2-40B4-BE49-F238E27FC236}">
-                <a16:creationId xmlns:a16="http://schemas.microsoft.com/office/drawing/2014/main" id="{55DDA75D-F792-4BD4-B7C3-A96D273728BA}"/>
-              </a:ext>
-            </a:extLst>
-          </p:cNvPr>
+          <p:cNvPr id="3" name="Footer Placeholder 2"/>
           <p:cNvSpPr>
             <a:spLocks noGrp="1"/>
           </p:cNvSpPr>
@@ -2115,13 +1861,7 @@
       </p:sp>
       <p:sp>
         <p:nvSpPr>
-          <p:cNvPr id="4" name="Espaço Reservado para Número de Slide 3">
-            <a:extLst>
-              <a:ext uri="{FF2B5EF4-FFF2-40B4-BE49-F238E27FC236}">
-                <a16:creationId xmlns:a16="http://schemas.microsoft.com/office/drawing/2014/main" id="{73480BC6-CF0B-4E89-9619-1BCA36DEDD38}"/>
-              </a:ext>
-            </a:extLst>
-          </p:cNvPr>
+          <p:cNvPr id="4" name="Slide Number Placeholder 3"/>
           <p:cNvSpPr>
             <a:spLocks noGrp="1"/>
           </p:cNvSpPr>
@@ -2145,7 +1885,7 @@
     </p:spTree>
     <p:extLst>
       <p:ext uri="{BB962C8B-B14F-4D97-AF65-F5344CB8AC3E}">
-        <p14:creationId xmlns:p14="http://schemas.microsoft.com/office/powerpoint/2010/main" val="3808662141"/>
+        <p14:creationId xmlns:p14="http://schemas.microsoft.com/office/powerpoint/2010/main" val="3187070221"/>
       </p:ext>
     </p:extLst>
   </p:cSld>
@@ -2174,13 +1914,7 @@
       </p:grpSpPr>
       <p:sp>
         <p:nvSpPr>
-          <p:cNvPr id="2" name="Título 1">
-            <a:extLst>
-              <a:ext uri="{FF2B5EF4-FFF2-40B4-BE49-F238E27FC236}">
-                <a16:creationId xmlns:a16="http://schemas.microsoft.com/office/drawing/2014/main" id="{08F9CDD1-F528-4CAC-9624-E018FA62470D}"/>
-              </a:ext>
-            </a:extLst>
-          </p:cNvPr>
+          <p:cNvPr id="2" name="Title 1"/>
           <p:cNvSpPr>
             <a:spLocks noGrp="1"/>
           </p:cNvSpPr>
@@ -2206,18 +1940,13 @@
               <a:rPr lang="pt-BR"/>
               <a:t>Clique para editar o título Mestre</a:t>
             </a:r>
-          </a:p>
-        </p:txBody>
-      </p:sp>
-      <p:sp>
-        <p:nvSpPr>
-          <p:cNvPr id="3" name="Espaço Reservado para Conteúdo 2">
-            <a:extLst>
-              <a:ext uri="{FF2B5EF4-FFF2-40B4-BE49-F238E27FC236}">
-                <a16:creationId xmlns:a16="http://schemas.microsoft.com/office/drawing/2014/main" id="{7033EB8B-EE2D-49F5-8571-8AECE4059D5D}"/>
-              </a:ext>
-            </a:extLst>
-          </p:cNvPr>
+            <a:endParaRPr lang="en-US" dirty="0"/>
+          </a:p>
+        </p:txBody>
+      </p:sp>
+      <p:sp>
+        <p:nvSpPr>
+          <p:cNvPr id="3" name="Content Placeholder 2"/>
           <p:cNvSpPr>
             <a:spLocks noGrp="1"/>
           </p:cNvSpPr>
@@ -2296,18 +2025,13 @@
               <a:rPr lang="pt-BR"/>
               <a:t>Quinto nível</a:t>
             </a:r>
-          </a:p>
-        </p:txBody>
-      </p:sp>
-      <p:sp>
-        <p:nvSpPr>
-          <p:cNvPr id="4" name="Espaço Reservado para Texto 3">
-            <a:extLst>
-              <a:ext uri="{FF2B5EF4-FFF2-40B4-BE49-F238E27FC236}">
-                <a16:creationId xmlns:a16="http://schemas.microsoft.com/office/drawing/2014/main" id="{B5235A61-4367-4591-B932-7AE4801C47B3}"/>
-              </a:ext>
-            </a:extLst>
-          </p:cNvPr>
+            <a:endParaRPr lang="en-US" dirty="0"/>
+          </a:p>
+        </p:txBody>
+      </p:sp>
+      <p:sp>
+        <p:nvSpPr>
+          <p:cNvPr id="4" name="Text Placeholder 3"/>
           <p:cNvSpPr>
             <a:spLocks noGrp="1"/>
           </p:cNvSpPr>
@@ -2372,13 +2096,7 @@
       </p:sp>
       <p:sp>
         <p:nvSpPr>
-          <p:cNvPr id="5" name="Espaço Reservado para Data 4">
-            <a:extLst>
-              <a:ext uri="{FF2B5EF4-FFF2-40B4-BE49-F238E27FC236}">
-                <a16:creationId xmlns:a16="http://schemas.microsoft.com/office/drawing/2014/main" id="{774A4DCB-172D-4B0A-B159-0F79B65AA1C5}"/>
-              </a:ext>
-            </a:extLst>
-          </p:cNvPr>
+          <p:cNvPr id="5" name="Date Placeholder 4"/>
           <p:cNvSpPr>
             <a:spLocks noGrp="1"/>
           </p:cNvSpPr>
@@ -2393,7 +2111,7 @@
           <a:p>
             <a:fld id="{A96067C6-1D97-4125-BDF0-B33C18AFF0C3}" type="datetimeFigureOut">
               <a:rPr lang="pt-BR" smtClean="0"/>
-              <a:t>15/07/2025</a:t>
+              <a:t>18/07/2025</a:t>
             </a:fld>
             <a:endParaRPr lang="pt-BR"/>
           </a:p>
@@ -2401,13 +2119,7 @@
       </p:sp>
       <p:sp>
         <p:nvSpPr>
-          <p:cNvPr id="6" name="Espaço Reservado para Rodapé 5">
-            <a:extLst>
-              <a:ext uri="{FF2B5EF4-FFF2-40B4-BE49-F238E27FC236}">
-                <a16:creationId xmlns:a16="http://schemas.microsoft.com/office/drawing/2014/main" id="{2AE9131B-6B54-4250-A93B-CCA876A00C90}"/>
-              </a:ext>
-            </a:extLst>
-          </p:cNvPr>
+          <p:cNvPr id="6" name="Footer Placeholder 5"/>
           <p:cNvSpPr>
             <a:spLocks noGrp="1"/>
           </p:cNvSpPr>
@@ -2426,13 +2138,7 @@
       </p:sp>
       <p:sp>
         <p:nvSpPr>
-          <p:cNvPr id="7" name="Espaço Reservado para Número de Slide 6">
-            <a:extLst>
-              <a:ext uri="{FF2B5EF4-FFF2-40B4-BE49-F238E27FC236}">
-                <a16:creationId xmlns:a16="http://schemas.microsoft.com/office/drawing/2014/main" id="{4825EBC3-6A6B-43AC-A18E-AF072B82E0AD}"/>
-              </a:ext>
-            </a:extLst>
-          </p:cNvPr>
+          <p:cNvPr id="7" name="Slide Number Placeholder 6"/>
           <p:cNvSpPr>
             <a:spLocks noGrp="1"/>
           </p:cNvSpPr>
@@ -2456,7 +2162,7 @@
     </p:spTree>
     <p:extLst>
       <p:ext uri="{BB962C8B-B14F-4D97-AF65-F5344CB8AC3E}">
-        <p14:creationId xmlns:p14="http://schemas.microsoft.com/office/powerpoint/2010/main" val="2313011465"/>
+        <p14:creationId xmlns:p14="http://schemas.microsoft.com/office/powerpoint/2010/main" val="1218769465"/>
       </p:ext>
     </p:extLst>
   </p:cSld>
@@ -2485,13 +2191,7 @@
       </p:grpSpPr>
       <p:sp>
         <p:nvSpPr>
-          <p:cNvPr id="2" name="Título 1">
-            <a:extLst>
-              <a:ext uri="{FF2B5EF4-FFF2-40B4-BE49-F238E27FC236}">
-                <a16:creationId xmlns:a16="http://schemas.microsoft.com/office/drawing/2014/main" id="{B6138F36-9824-46FC-B3AB-C96F91A319D3}"/>
-              </a:ext>
-            </a:extLst>
-          </p:cNvPr>
+          <p:cNvPr id="2" name="Title 1"/>
           <p:cNvSpPr>
             <a:spLocks noGrp="1"/>
           </p:cNvSpPr>
@@ -2517,20 +2217,15 @@
               <a:rPr lang="pt-BR"/>
               <a:t>Clique para editar o título Mestre</a:t>
             </a:r>
-          </a:p>
-        </p:txBody>
-      </p:sp>
-      <p:sp>
-        <p:nvSpPr>
-          <p:cNvPr id="3" name="Espaço Reservado para Imagem 2">
-            <a:extLst>
-              <a:ext uri="{FF2B5EF4-FFF2-40B4-BE49-F238E27FC236}">
-                <a16:creationId xmlns:a16="http://schemas.microsoft.com/office/drawing/2014/main" id="{270DE77A-C8F4-4647-A68C-12BB8F3698CF}"/>
-              </a:ext>
-            </a:extLst>
-          </p:cNvPr>
+            <a:endParaRPr lang="en-US" dirty="0"/>
+          </a:p>
+        </p:txBody>
+      </p:sp>
+      <p:sp>
+        <p:nvSpPr>
+          <p:cNvPr id="3" name="Picture Placeholder 2"/>
           <p:cNvSpPr>
-            <a:spLocks noGrp="1"/>
+            <a:spLocks noGrp="1" noChangeAspect="1"/>
           </p:cNvSpPr>
           <p:nvPr>
             <p:ph type="pic" idx="1"/>
@@ -2543,7 +2238,7 @@
           </a:xfrm>
         </p:spPr>
         <p:txBody>
-          <a:bodyPr/>
+          <a:bodyPr anchor="t"/>
           <a:lstStyle>
             <a:lvl1pPr marL="0" indent="0">
               <a:buNone/>
@@ -2583,19 +2278,17 @@
             </a:lvl9pPr>
           </a:lstStyle>
           <a:p>
-            <a:endParaRPr lang="pt-BR"/>
-          </a:p>
-        </p:txBody>
-      </p:sp>
-      <p:sp>
-        <p:nvSpPr>
-          <p:cNvPr id="4" name="Espaço Reservado para Texto 3">
-            <a:extLst>
-              <a:ext uri="{FF2B5EF4-FFF2-40B4-BE49-F238E27FC236}">
-                <a16:creationId xmlns:a16="http://schemas.microsoft.com/office/drawing/2014/main" id="{7E10A3A6-74F5-4E5D-B05E-C89344893A14}"/>
-              </a:ext>
-            </a:extLst>
-          </p:cNvPr>
+            <a:r>
+              <a:rPr lang="pt-BR"/>
+              <a:t>Clique no ícone para adicionar uma imagem</a:t>
+            </a:r>
+            <a:endParaRPr lang="en-US" dirty="0"/>
+          </a:p>
+        </p:txBody>
+      </p:sp>
+      <p:sp>
+        <p:nvSpPr>
+          <p:cNvPr id="4" name="Text Placeholder 3"/>
           <p:cNvSpPr>
             <a:spLocks noGrp="1"/>
           </p:cNvSpPr>
@@ -2660,13 +2353,7 @@
       </p:sp>
       <p:sp>
         <p:nvSpPr>
-          <p:cNvPr id="5" name="Espaço Reservado para Data 4">
-            <a:extLst>
-              <a:ext uri="{FF2B5EF4-FFF2-40B4-BE49-F238E27FC236}">
-                <a16:creationId xmlns:a16="http://schemas.microsoft.com/office/drawing/2014/main" id="{E0460BB9-B087-4A38-8002-1EBA670F0338}"/>
-              </a:ext>
-            </a:extLst>
-          </p:cNvPr>
+          <p:cNvPr id="5" name="Date Placeholder 4"/>
           <p:cNvSpPr>
             <a:spLocks noGrp="1"/>
           </p:cNvSpPr>
@@ -2681,7 +2368,7 @@
           <a:p>
             <a:fld id="{A96067C6-1D97-4125-BDF0-B33C18AFF0C3}" type="datetimeFigureOut">
               <a:rPr lang="pt-BR" smtClean="0"/>
-              <a:t>15/07/2025</a:t>
+              <a:t>18/07/2025</a:t>
             </a:fld>
             <a:endParaRPr lang="pt-BR"/>
           </a:p>
@@ -2689,13 +2376,7 @@
       </p:sp>
       <p:sp>
         <p:nvSpPr>
-          <p:cNvPr id="6" name="Espaço Reservado para Rodapé 5">
-            <a:extLst>
-              <a:ext uri="{FF2B5EF4-FFF2-40B4-BE49-F238E27FC236}">
-                <a16:creationId xmlns:a16="http://schemas.microsoft.com/office/drawing/2014/main" id="{4DE40933-CC93-4DCF-AF7A-92C6C7053BDD}"/>
-              </a:ext>
-            </a:extLst>
-          </p:cNvPr>
+          <p:cNvPr id="6" name="Footer Placeholder 5"/>
           <p:cNvSpPr>
             <a:spLocks noGrp="1"/>
           </p:cNvSpPr>
@@ -2714,13 +2395,7 @@
       </p:sp>
       <p:sp>
         <p:nvSpPr>
-          <p:cNvPr id="7" name="Espaço Reservado para Número de Slide 6">
-            <a:extLst>
-              <a:ext uri="{FF2B5EF4-FFF2-40B4-BE49-F238E27FC236}">
-                <a16:creationId xmlns:a16="http://schemas.microsoft.com/office/drawing/2014/main" id="{2065249C-CB9F-4897-968A-6A4CAF6F2067}"/>
-              </a:ext>
-            </a:extLst>
-          </p:cNvPr>
+          <p:cNvPr id="7" name="Slide Number Placeholder 6"/>
           <p:cNvSpPr>
             <a:spLocks noGrp="1"/>
           </p:cNvSpPr>
@@ -2744,7 +2419,7 @@
     </p:spTree>
     <p:extLst>
       <p:ext uri="{BB962C8B-B14F-4D97-AF65-F5344CB8AC3E}">
-        <p14:creationId xmlns:p14="http://schemas.microsoft.com/office/powerpoint/2010/main" val="3060222286"/>
+        <p14:creationId xmlns:p14="http://schemas.microsoft.com/office/powerpoint/2010/main" val="1712663217"/>
       </p:ext>
     </p:extLst>
   </p:cSld>
@@ -2758,7 +2433,7 @@
 <p:sldMaster xmlns:a="http://schemas.openxmlformats.org/drawingml/2006/main" xmlns:r="http://schemas.openxmlformats.org/officeDocument/2006/relationships" xmlns:p="http://schemas.openxmlformats.org/presentationml/2006/main">
   <p:cSld>
     <p:bg>
-      <p:bgRef idx="1001">
+      <p:bgRef idx="1002">
         <a:schemeClr val="bg1"/>
       </p:bgRef>
     </p:bg>
@@ -2778,13 +2453,7 @@
       </p:grpSpPr>
       <p:sp>
         <p:nvSpPr>
-          <p:cNvPr id="2" name="Espaço Reservado para Título 1">
-            <a:extLst>
-              <a:ext uri="{FF2B5EF4-FFF2-40B4-BE49-F238E27FC236}">
-                <a16:creationId xmlns:a16="http://schemas.microsoft.com/office/drawing/2014/main" id="{D3DCD95A-AFA6-4B83-B33E-CFBF561CFCFE}"/>
-              </a:ext>
-            </a:extLst>
-          </p:cNvPr>
+          <p:cNvPr id="2" name="Title Placeholder 1"/>
           <p:cNvSpPr>
             <a:spLocks noGrp="1"/>
           </p:cNvSpPr>
@@ -2811,18 +2480,13 @@
               <a:rPr lang="pt-BR"/>
               <a:t>Clique para editar o título Mestre</a:t>
             </a:r>
-          </a:p>
-        </p:txBody>
-      </p:sp>
-      <p:sp>
-        <p:nvSpPr>
-          <p:cNvPr id="3" name="Espaço Reservado para Texto 2">
-            <a:extLst>
-              <a:ext uri="{FF2B5EF4-FFF2-40B4-BE49-F238E27FC236}">
-                <a16:creationId xmlns:a16="http://schemas.microsoft.com/office/drawing/2014/main" id="{1EF3048B-80F4-4A56-B28F-5062E065B9E4}"/>
-              </a:ext>
-            </a:extLst>
-          </p:cNvPr>
+            <a:endParaRPr lang="en-US" dirty="0"/>
+          </a:p>
+        </p:txBody>
+      </p:sp>
+      <p:sp>
+        <p:nvSpPr>
+          <p:cNvPr id="3" name="Text Placeholder 2"/>
           <p:cNvSpPr>
             <a:spLocks noGrp="1"/>
           </p:cNvSpPr>
@@ -2878,18 +2542,13 @@
               <a:rPr lang="pt-BR"/>
               <a:t>Quinto nível</a:t>
             </a:r>
-          </a:p>
-        </p:txBody>
-      </p:sp>
-      <p:sp>
-        <p:nvSpPr>
-          <p:cNvPr id="4" name="Espaço Reservado para Data 3">
-            <a:extLst>
-              <a:ext uri="{FF2B5EF4-FFF2-40B4-BE49-F238E27FC236}">
-                <a16:creationId xmlns:a16="http://schemas.microsoft.com/office/drawing/2014/main" id="{284CC64A-39DF-4701-A7D6-060652FBD484}"/>
-              </a:ext>
-            </a:extLst>
-          </p:cNvPr>
+            <a:endParaRPr lang="en-US" dirty="0"/>
+          </a:p>
+        </p:txBody>
+      </p:sp>
+      <p:sp>
+        <p:nvSpPr>
+          <p:cNvPr id="4" name="Date Placeholder 3"/>
           <p:cNvSpPr>
             <a:spLocks noGrp="1"/>
           </p:cNvSpPr>
@@ -2922,7 +2581,7 @@
           <a:p>
             <a:fld id="{A96067C6-1D97-4125-BDF0-B33C18AFF0C3}" type="datetimeFigureOut">
               <a:rPr lang="pt-BR" smtClean="0"/>
-              <a:t>15/07/2025</a:t>
+              <a:t>18/07/2025</a:t>
             </a:fld>
             <a:endParaRPr lang="pt-BR"/>
           </a:p>
@@ -2930,13 +2589,7 @@
       </p:sp>
       <p:sp>
         <p:nvSpPr>
-          <p:cNvPr id="5" name="Espaço Reservado para Rodapé 4">
-            <a:extLst>
-              <a:ext uri="{FF2B5EF4-FFF2-40B4-BE49-F238E27FC236}">
-                <a16:creationId xmlns:a16="http://schemas.microsoft.com/office/drawing/2014/main" id="{95D03627-F82F-4924-8A72-2212F0B888AD}"/>
-              </a:ext>
-            </a:extLst>
-          </p:cNvPr>
+          <p:cNvPr id="5" name="Footer Placeholder 4"/>
           <p:cNvSpPr>
             <a:spLocks noGrp="1"/>
           </p:cNvSpPr>
@@ -2973,13 +2626,7 @@
       </p:sp>
       <p:sp>
         <p:nvSpPr>
-          <p:cNvPr id="6" name="Espaço Reservado para Número de Slide 5">
-            <a:extLst>
-              <a:ext uri="{FF2B5EF4-FFF2-40B4-BE49-F238E27FC236}">
-                <a16:creationId xmlns:a16="http://schemas.microsoft.com/office/drawing/2014/main" id="{0DFD54BB-0938-4A09-955A-A8855E567E86}"/>
-              </a:ext>
-            </a:extLst>
-          </p:cNvPr>
+          <p:cNvPr id="6" name="Slide Number Placeholder 5"/>
           <p:cNvSpPr>
             <a:spLocks noGrp="1"/>
           </p:cNvSpPr>
@@ -3021,23 +2668,23 @@
     </p:spTree>
     <p:extLst>
       <p:ext uri="{BB962C8B-B14F-4D97-AF65-F5344CB8AC3E}">
-        <p14:creationId xmlns:p14="http://schemas.microsoft.com/office/powerpoint/2010/main" val="1369755332"/>
+        <p14:creationId xmlns:p14="http://schemas.microsoft.com/office/powerpoint/2010/main" val="3562911634"/>
       </p:ext>
     </p:extLst>
   </p:cSld>
-  <p:clrMap bg1="lt1" tx1="dk1" bg2="lt2" tx2="dk2" accent1="accent1" accent2="accent2" accent3="accent3" accent4="accent4" accent5="accent5" accent6="accent6" hlink="hlink" folHlink="folHlink"/>
+  <p:clrMap bg1="dk1" tx1="lt1" bg2="dk2" tx2="lt2" accent1="accent1" accent2="accent2" accent3="accent3" accent4="accent4" accent5="accent5" accent6="accent6" hlink="hlink" folHlink="folHlink"/>
   <p:sldLayoutIdLst>
-    <p:sldLayoutId id="2147483649" r:id="rId1"/>
-    <p:sldLayoutId id="2147483650" r:id="rId2"/>
-    <p:sldLayoutId id="2147483651" r:id="rId3"/>
-    <p:sldLayoutId id="2147483652" r:id="rId4"/>
-    <p:sldLayoutId id="2147483653" r:id="rId5"/>
-    <p:sldLayoutId id="2147483654" r:id="rId6"/>
-    <p:sldLayoutId id="2147483655" r:id="rId7"/>
-    <p:sldLayoutId id="2147483656" r:id="rId8"/>
-    <p:sldLayoutId id="2147483657" r:id="rId9"/>
-    <p:sldLayoutId id="2147483658" r:id="rId10"/>
-    <p:sldLayoutId id="2147483659" r:id="rId11"/>
+    <p:sldLayoutId id="2147483733" r:id="rId1"/>
+    <p:sldLayoutId id="2147483734" r:id="rId2"/>
+    <p:sldLayoutId id="2147483735" r:id="rId3"/>
+    <p:sldLayoutId id="2147483736" r:id="rId4"/>
+    <p:sldLayoutId id="2147483737" r:id="rId5"/>
+    <p:sldLayoutId id="2147483738" r:id="rId6"/>
+    <p:sldLayoutId id="2147483739" r:id="rId7"/>
+    <p:sldLayoutId id="2147483740" r:id="rId8"/>
+    <p:sldLayoutId id="2147483741" r:id="rId9"/>
+    <p:sldLayoutId id="2147483742" r:id="rId10"/>
+    <p:sldLayoutId id="2147483743" r:id="rId11"/>
   </p:sldLayoutIdLst>
   <p:txStyles>
     <p:titleStyle>
@@ -3225,7 +2872,7 @@
     </p:bodyStyle>
     <p:otherStyle>
       <a:defPPr>
-        <a:defRPr lang="pt-BR"/>
+        <a:defRPr lang="en-US"/>
       </a:defPPr>
       <a:lvl1pPr marL="0" algn="l" defTabSz="914400" rtl="0" eaLnBrk="1" latinLnBrk="0" hangingPunct="1">
         <a:defRPr sz="1800" kern="1200">
@@ -3363,20 +3010,15 @@
         </p:spPr>
         <p:txBody>
           <a:bodyPr>
-            <a:normAutofit fontScale="90000"/>
+            <a:normAutofit/>
           </a:bodyPr>
           <a:lstStyle/>
           <a:p>
             <a:pPr algn="ctr"/>
             <a:r>
               <a:rPr lang="pt-BR" dirty="0"/>
-              <a:t>IA Genética aplicada ao Space </a:t>
-            </a:r>
-            <a:r>
-              <a:rPr lang="pt-BR" dirty="0" err="1"/>
-              <a:t>Invaders</a:t>
-            </a:r>
-            <a:endParaRPr lang="pt-BR" dirty="0"/>
+              <a:t>IA Genética</a:t>
+            </a:r>
           </a:p>
         </p:txBody>
       </p:sp>
@@ -3419,7 +3061,7 @@
             </a:r>
             <a:r>
               <a:rPr lang="pt-BR" sz="2800" dirty="0"/>
-              <a:t> II - IA Genética</a:t>
+              <a:t> II</a:t>
             </a:r>
           </a:p>
           <a:p>
@@ -4842,6 +4484,448 @@
         </p:nvSpPr>
         <p:spPr>
           <a:xfrm>
+            <a:off x="701965" y="477838"/>
+            <a:ext cx="11286836" cy="1011237"/>
+          </a:xfrm>
+        </p:spPr>
+        <p:txBody>
+          <a:bodyPr>
+            <a:normAutofit fontScale="90000"/>
+          </a:bodyPr>
+          <a:lstStyle/>
+          <a:p>
+            <a:pPr algn="ctr"/>
+            <a:r>
+              <a:rPr lang="pt-BR" dirty="0"/>
+              <a:t>Tipos de Problemas em IA e Soluções</a:t>
+            </a:r>
+          </a:p>
+        </p:txBody>
+      </p:sp>
+      <p:sp>
+        <p:nvSpPr>
+          <p:cNvPr id="40" name="CaixaDeTexto 39">
+            <a:extLst>
+              <a:ext uri="{FF2B5EF4-FFF2-40B4-BE49-F238E27FC236}">
+                <a16:creationId xmlns:a16="http://schemas.microsoft.com/office/drawing/2014/main" id="{435FC523-7799-40C5-BF56-74D65A99DF1F}"/>
+              </a:ext>
+            </a:extLst>
+          </p:cNvPr>
+          <p:cNvSpPr txBox="1"/>
+          <p:nvPr/>
+        </p:nvSpPr>
+        <p:spPr>
+          <a:xfrm>
+            <a:off x="1838035" y="2020344"/>
+            <a:ext cx="7629238" cy="4278094"/>
+          </a:xfrm>
+          <a:prstGeom prst="rect">
+            <a:avLst/>
+          </a:prstGeom>
+          <a:noFill/>
+        </p:spPr>
+        <p:txBody>
+          <a:bodyPr wrap="square">
+            <a:spAutoFit/>
+          </a:bodyPr>
+          <a:lstStyle/>
+          <a:p>
+            <a:r>
+              <a:rPr lang="pt-BR" sz="1600" b="1" dirty="0">
+                <a:latin typeface="Arial" panose="020B0604020202020204" pitchFamily="34" charset="0"/>
+                <a:cs typeface="Arial" panose="020B0604020202020204" pitchFamily="34" charset="0"/>
+              </a:rPr>
+              <a:t>Classificação:</a:t>
+            </a:r>
+            <a:r>
+              <a:rPr lang="pt-BR" sz="1600" dirty="0">
+                <a:latin typeface="Arial" panose="020B0604020202020204" pitchFamily="34" charset="0"/>
+                <a:cs typeface="Arial" panose="020B0604020202020204" pitchFamily="34" charset="0"/>
+              </a:rPr>
+              <a:t> diagnóstico, imagens, spam</a:t>
+            </a:r>
+            <a:br>
+              <a:rPr lang="pt-BR" sz="1600" dirty="0">
+                <a:latin typeface="Arial" panose="020B0604020202020204" pitchFamily="34" charset="0"/>
+                <a:cs typeface="Arial" panose="020B0604020202020204" pitchFamily="34" charset="0"/>
+              </a:rPr>
+            </a:br>
+            <a:r>
+              <a:rPr lang="pt-BR" sz="1600" dirty="0">
+                <a:latin typeface="Arial" panose="020B0604020202020204" pitchFamily="34" charset="0"/>
+                <a:cs typeface="Arial" panose="020B0604020202020204" pitchFamily="34" charset="0"/>
+              </a:rPr>
+              <a:t>	</a:t>
+            </a:r>
+            <a:r>
+              <a:rPr lang="pt-BR" sz="1600" i="1" dirty="0">
+                <a:latin typeface="Arial" panose="020B0604020202020204" pitchFamily="34" charset="0"/>
+                <a:cs typeface="Arial" panose="020B0604020202020204" pitchFamily="34" charset="0"/>
+              </a:rPr>
+              <a:t>Soluções:</a:t>
+            </a:r>
+            <a:r>
+              <a:rPr lang="pt-BR" sz="1600" dirty="0">
+                <a:latin typeface="Arial" panose="020B0604020202020204" pitchFamily="34" charset="0"/>
+                <a:cs typeface="Arial" panose="020B0604020202020204" pitchFamily="34" charset="0"/>
+              </a:rPr>
+              <a:t> Redes neurais, árvores de decisão, SVM</a:t>
+            </a:r>
+          </a:p>
+          <a:p>
+            <a:endParaRPr lang="pt-BR" sz="1600" dirty="0">
+              <a:latin typeface="Arial" panose="020B0604020202020204" pitchFamily="34" charset="0"/>
+              <a:cs typeface="Arial" panose="020B0604020202020204" pitchFamily="34" charset="0"/>
+            </a:endParaRPr>
+          </a:p>
+          <a:p>
+            <a:r>
+              <a:rPr lang="pt-BR" sz="1600" b="1" dirty="0">
+                <a:latin typeface="Arial" panose="020B0604020202020204" pitchFamily="34" charset="0"/>
+                <a:cs typeface="Arial" panose="020B0604020202020204" pitchFamily="34" charset="0"/>
+              </a:rPr>
+              <a:t>Regressão:</a:t>
+            </a:r>
+            <a:r>
+              <a:rPr lang="pt-BR" sz="1600" dirty="0">
+                <a:latin typeface="Arial" panose="020B0604020202020204" pitchFamily="34" charset="0"/>
+                <a:cs typeface="Arial" panose="020B0604020202020204" pitchFamily="34" charset="0"/>
+              </a:rPr>
+              <a:t> previsão de preços, demanda</a:t>
+            </a:r>
+            <a:br>
+              <a:rPr lang="pt-BR" sz="1600" dirty="0">
+                <a:latin typeface="Arial" panose="020B0604020202020204" pitchFamily="34" charset="0"/>
+                <a:cs typeface="Arial" panose="020B0604020202020204" pitchFamily="34" charset="0"/>
+              </a:rPr>
+            </a:br>
+            <a:r>
+              <a:rPr lang="pt-BR" sz="1600" dirty="0">
+                <a:latin typeface="Arial" panose="020B0604020202020204" pitchFamily="34" charset="0"/>
+                <a:cs typeface="Arial" panose="020B0604020202020204" pitchFamily="34" charset="0"/>
+              </a:rPr>
+              <a:t>	</a:t>
+            </a:r>
+            <a:r>
+              <a:rPr lang="pt-BR" sz="1600" i="1" dirty="0">
+                <a:latin typeface="Arial" panose="020B0604020202020204" pitchFamily="34" charset="0"/>
+                <a:cs typeface="Arial" panose="020B0604020202020204" pitchFamily="34" charset="0"/>
+              </a:rPr>
+              <a:t>Soluções:</a:t>
+            </a:r>
+            <a:r>
+              <a:rPr lang="pt-BR" sz="1600" dirty="0">
+                <a:latin typeface="Arial" panose="020B0604020202020204" pitchFamily="34" charset="0"/>
+                <a:cs typeface="Arial" panose="020B0604020202020204" pitchFamily="34" charset="0"/>
+              </a:rPr>
+              <a:t> Regressão, redes neurais, métodos bayesianos</a:t>
+            </a:r>
+          </a:p>
+          <a:p>
+            <a:endParaRPr lang="pt-BR" sz="1600" dirty="0">
+              <a:latin typeface="Arial" panose="020B0604020202020204" pitchFamily="34" charset="0"/>
+              <a:cs typeface="Arial" panose="020B0604020202020204" pitchFamily="34" charset="0"/>
+            </a:endParaRPr>
+          </a:p>
+          <a:p>
+            <a:r>
+              <a:rPr lang="pt-BR" sz="1600" b="1" dirty="0">
+                <a:latin typeface="Arial" panose="020B0604020202020204" pitchFamily="34" charset="0"/>
+                <a:cs typeface="Arial" panose="020B0604020202020204" pitchFamily="34" charset="0"/>
+              </a:rPr>
+              <a:t>Agrupamento:</a:t>
+            </a:r>
+            <a:r>
+              <a:rPr lang="pt-BR" sz="1600" dirty="0">
+                <a:latin typeface="Arial" panose="020B0604020202020204" pitchFamily="34" charset="0"/>
+                <a:cs typeface="Arial" panose="020B0604020202020204" pitchFamily="34" charset="0"/>
+              </a:rPr>
+              <a:t> segmentação, padrões</a:t>
+            </a:r>
+            <a:br>
+              <a:rPr lang="pt-BR" sz="1600" dirty="0">
+                <a:latin typeface="Arial" panose="020B0604020202020204" pitchFamily="34" charset="0"/>
+                <a:cs typeface="Arial" panose="020B0604020202020204" pitchFamily="34" charset="0"/>
+              </a:rPr>
+            </a:br>
+            <a:r>
+              <a:rPr lang="pt-BR" sz="1600" dirty="0">
+                <a:latin typeface="Arial" panose="020B0604020202020204" pitchFamily="34" charset="0"/>
+                <a:cs typeface="Arial" panose="020B0604020202020204" pitchFamily="34" charset="0"/>
+              </a:rPr>
+              <a:t>	</a:t>
+            </a:r>
+            <a:r>
+              <a:rPr lang="pt-BR" sz="1600" i="1" dirty="0">
+                <a:latin typeface="Arial" panose="020B0604020202020204" pitchFamily="34" charset="0"/>
+                <a:cs typeface="Arial" panose="020B0604020202020204" pitchFamily="34" charset="0"/>
+              </a:rPr>
+              <a:t>Soluções:</a:t>
+            </a:r>
+            <a:r>
+              <a:rPr lang="pt-BR" sz="1600" dirty="0">
+                <a:latin typeface="Arial" panose="020B0604020202020204" pitchFamily="34" charset="0"/>
+                <a:cs typeface="Arial" panose="020B0604020202020204" pitchFamily="34" charset="0"/>
+              </a:rPr>
+              <a:t> K-</a:t>
+            </a:r>
+            <a:r>
+              <a:rPr lang="pt-BR" sz="1600" dirty="0" err="1">
+                <a:latin typeface="Arial" panose="020B0604020202020204" pitchFamily="34" charset="0"/>
+                <a:cs typeface="Arial" panose="020B0604020202020204" pitchFamily="34" charset="0"/>
+              </a:rPr>
+              <a:t>means</a:t>
+            </a:r>
+            <a:r>
+              <a:rPr lang="pt-BR" sz="1600" dirty="0">
+                <a:latin typeface="Arial" panose="020B0604020202020204" pitchFamily="34" charset="0"/>
+                <a:cs typeface="Arial" panose="020B0604020202020204" pitchFamily="34" charset="0"/>
+              </a:rPr>
+              <a:t>, DBSCAN, </a:t>
+            </a:r>
+            <a:r>
+              <a:rPr lang="pt-BR" sz="1600" dirty="0" err="1">
+                <a:latin typeface="Arial" panose="020B0604020202020204" pitchFamily="34" charset="0"/>
+                <a:cs typeface="Arial" panose="020B0604020202020204" pitchFamily="34" charset="0"/>
+              </a:rPr>
+              <a:t>clustering</a:t>
+            </a:r>
+            <a:r>
+              <a:rPr lang="pt-BR" sz="1600" dirty="0">
+                <a:latin typeface="Arial" panose="020B0604020202020204" pitchFamily="34" charset="0"/>
+                <a:cs typeface="Arial" panose="020B0604020202020204" pitchFamily="34" charset="0"/>
+              </a:rPr>
+              <a:t> hierárquico</a:t>
+            </a:r>
+          </a:p>
+          <a:p>
+            <a:pPr>
+              <a:buFont typeface="Arial" panose="020B0604020202020204" pitchFamily="34" charset="0"/>
+              <a:buChar char="•"/>
+            </a:pPr>
+            <a:endParaRPr lang="pt-BR" sz="1600" dirty="0">
+              <a:latin typeface="Arial" panose="020B0604020202020204" pitchFamily="34" charset="0"/>
+              <a:cs typeface="Arial" panose="020B0604020202020204" pitchFamily="34" charset="0"/>
+            </a:endParaRPr>
+          </a:p>
+          <a:p>
+            <a:r>
+              <a:rPr lang="pt-BR" sz="1600" b="1" dirty="0">
+                <a:latin typeface="Arial" panose="020B0604020202020204" pitchFamily="34" charset="0"/>
+                <a:cs typeface="Arial" panose="020B0604020202020204" pitchFamily="34" charset="0"/>
+              </a:rPr>
+              <a:t>Busca/Otimização:</a:t>
+            </a:r>
+            <a:r>
+              <a:rPr lang="pt-BR" sz="1600" dirty="0">
+                <a:latin typeface="Arial" panose="020B0604020202020204" pitchFamily="34" charset="0"/>
+                <a:cs typeface="Arial" panose="020B0604020202020204" pitchFamily="34" charset="0"/>
+              </a:rPr>
+              <a:t> roteamento, recursos</a:t>
+            </a:r>
+          </a:p>
+          <a:p>
+            <a:pPr lvl="1"/>
+            <a:r>
+              <a:rPr lang="pt-BR" sz="1600" i="1" dirty="0">
+                <a:latin typeface="Arial" panose="020B0604020202020204" pitchFamily="34" charset="0"/>
+                <a:cs typeface="Arial" panose="020B0604020202020204" pitchFamily="34" charset="0"/>
+              </a:rPr>
+              <a:t>	Soluções:</a:t>
+            </a:r>
+            <a:r>
+              <a:rPr lang="pt-BR" sz="1600" dirty="0">
+                <a:latin typeface="Arial" panose="020B0604020202020204" pitchFamily="34" charset="0"/>
+                <a:cs typeface="Arial" panose="020B0604020202020204" pitchFamily="34" charset="0"/>
+              </a:rPr>
+              <a:t> </a:t>
+            </a:r>
+            <a:r>
+              <a:rPr lang="pt-BR" sz="1600" b="1" dirty="0">
+                <a:latin typeface="Arial" panose="020B0604020202020204" pitchFamily="34" charset="0"/>
+                <a:cs typeface="Arial" panose="020B0604020202020204" pitchFamily="34" charset="0"/>
+              </a:rPr>
+              <a:t>Algoritmos Genéticos (IA Genética)</a:t>
+            </a:r>
+            <a:endParaRPr lang="pt-BR" sz="1600" dirty="0">
+              <a:latin typeface="Arial" panose="020B0604020202020204" pitchFamily="34" charset="0"/>
+              <a:cs typeface="Arial" panose="020B0604020202020204" pitchFamily="34" charset="0"/>
+            </a:endParaRPr>
+          </a:p>
+          <a:p>
+            <a:pPr lvl="1"/>
+            <a:endParaRPr lang="pt-BR" sz="1600" dirty="0">
+              <a:latin typeface="Arial" panose="020B0604020202020204" pitchFamily="34" charset="0"/>
+              <a:cs typeface="Arial" panose="020B0604020202020204" pitchFamily="34" charset="0"/>
+            </a:endParaRPr>
+          </a:p>
+          <a:p>
+            <a:r>
+              <a:rPr lang="pt-BR" sz="1600" b="1" dirty="0">
+                <a:latin typeface="Arial" panose="020B0604020202020204" pitchFamily="34" charset="0"/>
+                <a:cs typeface="Arial" panose="020B0604020202020204" pitchFamily="34" charset="0"/>
+              </a:rPr>
+              <a:t>Planejamento/Controle:</a:t>
+            </a:r>
+            <a:r>
+              <a:rPr lang="pt-BR" sz="1600" dirty="0">
+                <a:latin typeface="Arial" panose="020B0604020202020204" pitchFamily="34" charset="0"/>
+                <a:cs typeface="Arial" panose="020B0604020202020204" pitchFamily="34" charset="0"/>
+              </a:rPr>
+              <a:t> robótica, jogos</a:t>
+            </a:r>
+            <a:br>
+              <a:rPr lang="pt-BR" sz="1600" dirty="0">
+                <a:latin typeface="Arial" panose="020B0604020202020204" pitchFamily="34" charset="0"/>
+                <a:cs typeface="Arial" panose="020B0604020202020204" pitchFamily="34" charset="0"/>
+              </a:rPr>
+            </a:br>
+            <a:r>
+              <a:rPr lang="pt-BR" sz="1600" dirty="0">
+                <a:latin typeface="Arial" panose="020B0604020202020204" pitchFamily="34" charset="0"/>
+                <a:cs typeface="Arial" panose="020B0604020202020204" pitchFamily="34" charset="0"/>
+              </a:rPr>
+              <a:t>	</a:t>
+            </a:r>
+            <a:r>
+              <a:rPr lang="pt-BR" sz="1600" i="1" dirty="0">
+                <a:latin typeface="Arial" panose="020B0604020202020204" pitchFamily="34" charset="0"/>
+                <a:cs typeface="Arial" panose="020B0604020202020204" pitchFamily="34" charset="0"/>
+              </a:rPr>
+              <a:t>Soluções:</a:t>
+            </a:r>
+            <a:r>
+              <a:rPr lang="pt-BR" sz="1600" dirty="0">
+                <a:latin typeface="Arial" panose="020B0604020202020204" pitchFamily="34" charset="0"/>
+                <a:cs typeface="Arial" panose="020B0604020202020204" pitchFamily="34" charset="0"/>
+              </a:rPr>
+              <a:t> </a:t>
+            </a:r>
+            <a:r>
+              <a:rPr lang="pt-BR" sz="1600" b="1" dirty="0">
+                <a:latin typeface="Arial" panose="020B0604020202020204" pitchFamily="34" charset="0"/>
+                <a:cs typeface="Arial" panose="020B0604020202020204" pitchFamily="34" charset="0"/>
+              </a:rPr>
+              <a:t>Algoritmos Genéticos (IA Genética)</a:t>
+            </a:r>
+            <a:r>
+              <a:rPr lang="pt-BR" sz="1600" dirty="0">
+                <a:latin typeface="Arial" panose="020B0604020202020204" pitchFamily="34" charset="0"/>
+                <a:cs typeface="Arial" panose="020B0604020202020204" pitchFamily="34" charset="0"/>
+              </a:rPr>
+              <a:t>, reforço, especialistas</a:t>
+            </a:r>
+          </a:p>
+          <a:p>
+            <a:pPr>
+              <a:buFont typeface="Arial" panose="020B0604020202020204" pitchFamily="34" charset="0"/>
+              <a:buChar char="•"/>
+            </a:pPr>
+            <a:endParaRPr lang="pt-BR" sz="1600" dirty="0">
+              <a:latin typeface="Arial" panose="020B0604020202020204" pitchFamily="34" charset="0"/>
+              <a:cs typeface="Arial" panose="020B0604020202020204" pitchFamily="34" charset="0"/>
+            </a:endParaRPr>
+          </a:p>
+          <a:p>
+            <a:r>
+              <a:rPr lang="pt-BR" sz="1600" b="1" dirty="0">
+                <a:latin typeface="Arial" panose="020B0604020202020204" pitchFamily="34" charset="0"/>
+                <a:cs typeface="Arial" panose="020B0604020202020204" pitchFamily="34" charset="0"/>
+              </a:rPr>
+              <a:t>NLP:</a:t>
+            </a:r>
+            <a:r>
+              <a:rPr lang="pt-BR" sz="1600" dirty="0">
+                <a:latin typeface="Arial" panose="020B0604020202020204" pitchFamily="34" charset="0"/>
+                <a:cs typeface="Arial" panose="020B0604020202020204" pitchFamily="34" charset="0"/>
+              </a:rPr>
+              <a:t> tradução, sentimentos, </a:t>
+            </a:r>
+            <a:r>
+              <a:rPr lang="pt-BR" sz="1600" dirty="0" err="1">
+                <a:latin typeface="Arial" panose="020B0604020202020204" pitchFamily="34" charset="0"/>
+                <a:cs typeface="Arial" panose="020B0604020202020204" pitchFamily="34" charset="0"/>
+              </a:rPr>
+              <a:t>chatbots</a:t>
+            </a:r>
+            <a:br>
+              <a:rPr lang="pt-BR" sz="1600" dirty="0">
+                <a:latin typeface="Arial" panose="020B0604020202020204" pitchFamily="34" charset="0"/>
+                <a:cs typeface="Arial" panose="020B0604020202020204" pitchFamily="34" charset="0"/>
+              </a:rPr>
+            </a:br>
+            <a:r>
+              <a:rPr lang="pt-BR" sz="1600" dirty="0">
+                <a:latin typeface="Arial" panose="020B0604020202020204" pitchFamily="34" charset="0"/>
+                <a:cs typeface="Arial" panose="020B0604020202020204" pitchFamily="34" charset="0"/>
+              </a:rPr>
+              <a:t>	</a:t>
+            </a:r>
+            <a:r>
+              <a:rPr lang="pt-BR" sz="1600" i="1" dirty="0">
+                <a:latin typeface="Arial" panose="020B0604020202020204" pitchFamily="34" charset="0"/>
+                <a:cs typeface="Arial" panose="020B0604020202020204" pitchFamily="34" charset="0"/>
+              </a:rPr>
+              <a:t>Soluções:</a:t>
+            </a:r>
+            <a:r>
+              <a:rPr lang="pt-BR" sz="1600" dirty="0">
+                <a:latin typeface="Arial" panose="020B0604020202020204" pitchFamily="34" charset="0"/>
+                <a:cs typeface="Arial" panose="020B0604020202020204" pitchFamily="34" charset="0"/>
+              </a:rPr>
+              <a:t> RNN, transformers, análise semântica</a:t>
+            </a:r>
+          </a:p>
+        </p:txBody>
+      </p:sp>
+    </p:spTree>
+    <p:extLst>
+      <p:ext uri="{BB962C8B-B14F-4D97-AF65-F5344CB8AC3E}">
+        <p14:creationId xmlns:p14="http://schemas.microsoft.com/office/powerpoint/2010/main" val="3099890814"/>
+      </p:ext>
+    </p:extLst>
+  </p:cSld>
+  <p:clrMapOvr>
+    <a:masterClrMapping/>
+  </p:clrMapOvr>
+</p:sld>
+</file>
+
+<file path=ppt/slides/slide3.xml><?xml version="1.0" encoding="utf-8"?>
+<p:sld xmlns:a="http://schemas.openxmlformats.org/drawingml/2006/main" xmlns:r="http://schemas.openxmlformats.org/officeDocument/2006/relationships" xmlns:p="http://schemas.openxmlformats.org/presentationml/2006/main">
+  <p:cSld>
+    <p:spTree>
+      <p:nvGrpSpPr>
+        <p:cNvPr id="1" name=""/>
+        <p:cNvGrpSpPr/>
+        <p:nvPr/>
+      </p:nvGrpSpPr>
+      <p:grpSpPr>
+        <a:xfrm>
+          <a:off x="0" y="0"/>
+          <a:ext cx="0" cy="0"/>
+          <a:chOff x="0" y="0"/>
+          <a:chExt cx="0" cy="0"/>
+        </a:xfrm>
+      </p:grpSpPr>
+      <p:sp>
+        <p:nvSpPr>
+          <p:cNvPr id="2" name="Título 1">
+            <a:extLst>
+              <a:ext uri="{FF2B5EF4-FFF2-40B4-BE49-F238E27FC236}">
+                <a16:creationId xmlns:a16="http://schemas.microsoft.com/office/drawing/2014/main" id="{9CC51775-3374-41BE-BFA9-7B34D25C1200}"/>
+              </a:ext>
+            </a:extLst>
+          </p:cNvPr>
+          <p:cNvSpPr>
+            <a:spLocks noGrp="1"/>
+          </p:cNvSpPr>
+          <p:nvPr>
+            <p:ph type="ctrTitle"/>
+          </p:nvPr>
+        </p:nvSpPr>
+        <p:spPr>
+          <a:xfrm>
             <a:off x="2963333" y="477838"/>
             <a:ext cx="5960533" cy="1011237"/>
           </a:xfrm>
@@ -4949,14 +5033,14 @@
           <p:nvPr>
             <p:extLst>
               <p:ext uri="{D42A27DB-BD31-4B8C-83A1-F6EECF244321}">
-                <p14:modId xmlns:p14="http://schemas.microsoft.com/office/powerpoint/2010/main" val="670560946"/>
+                <p14:modId xmlns:p14="http://schemas.microsoft.com/office/powerpoint/2010/main" val="2841794308"/>
               </p:ext>
             </p:extLst>
           </p:nvPr>
         </p:nvGraphicFramePr>
         <p:xfrm>
-          <a:off x="2253674" y="3920518"/>
-          <a:ext cx="7472217" cy="1828800"/>
+          <a:off x="6554742" y="4195988"/>
+          <a:ext cx="2490739" cy="1828800"/>
         </p:xfrm>
         <a:graphic>
           <a:graphicData uri="http://schemas.openxmlformats.org/drawingml/2006/table">
@@ -4968,51 +5052,12 @@
                 <a:gridCol w="2490739">
                   <a:extLst>
                     <a:ext uri="{9D8B030D-6E8A-4147-A177-3AD203B41FA5}">
-                      <a16:colId xmlns:a16="http://schemas.microsoft.com/office/drawing/2014/main" val="4108441670"/>
-                    </a:ext>
-                  </a:extLst>
-                </a:gridCol>
-                <a:gridCol w="2490739">
-                  <a:extLst>
-                    <a:ext uri="{9D8B030D-6E8A-4147-A177-3AD203B41FA5}">
-                      <a16:colId xmlns:a16="http://schemas.microsoft.com/office/drawing/2014/main" val="2806447584"/>
-                    </a:ext>
-                  </a:extLst>
-                </a:gridCol>
-                <a:gridCol w="2490739">
-                  <a:extLst>
-                    <a:ext uri="{9D8B030D-6E8A-4147-A177-3AD203B41FA5}">
                       <a16:colId xmlns:a16="http://schemas.microsoft.com/office/drawing/2014/main" val="853400757"/>
                     </a:ext>
                   </a:extLst>
                 </a:gridCol>
               </a:tblGrid>
-              <a:tr h="309598">
-                <a:tc>
-                  <a:txBody>
-                    <a:bodyPr/>
-                    <a:lstStyle/>
-                    <a:p>
-                      <a:r>
-                        <a:rPr lang="pt-BR" dirty="0"/>
-                        <a:t>Invasores</a:t>
-                      </a:r>
-                    </a:p>
-                  </a:txBody>
-                  <a:tcPr/>
-                </a:tc>
-                <a:tc>
-                  <a:txBody>
-                    <a:bodyPr/>
-                    <a:lstStyle/>
-                    <a:p>
-                      <a:endParaRPr lang="pt-BR" dirty="0"/>
-                    </a:p>
-                  </a:txBody>
-                  <a:tcPr>
-                    <a:noFill/>
-                  </a:tcPr>
-                </a:tc>
+              <a:tr h="0">
                 <a:tc>
                   <a:txBody>
                     <a:bodyPr/>
@@ -5040,31 +5085,6 @@
                     <a:p>
                       <a:r>
                         <a:rPr lang="pt-BR" dirty="0"/>
-                        <a:t>Lineares</a:t>
-                      </a:r>
-                    </a:p>
-                  </a:txBody>
-                  <a:tcPr/>
-                </a:tc>
-                <a:tc>
-                  <a:txBody>
-                    <a:bodyPr/>
-                    <a:lstStyle/>
-                    <a:p>
-                      <a:endParaRPr lang="pt-BR" dirty="0"/>
-                    </a:p>
-                  </a:txBody>
-                  <a:tcPr>
-                    <a:noFill/>
-                  </a:tcPr>
-                </a:tc>
-                <a:tc>
-                  <a:txBody>
-                    <a:bodyPr/>
-                    <a:lstStyle/>
-                    <a:p>
-                      <a:r>
-                        <a:rPr lang="pt-BR" dirty="0"/>
                         <a:t>Linear</a:t>
                       </a:r>
                     </a:p>
@@ -5078,31 +5098,6 @@
                 </a:extLst>
               </a:tr>
               <a:tr h="309598">
-                <a:tc>
-                  <a:txBody>
-                    <a:bodyPr/>
-                    <a:lstStyle/>
-                    <a:p>
-                      <a:r>
-                        <a:rPr lang="pt-BR" dirty="0"/>
-                        <a:t>Aleatórios</a:t>
-                      </a:r>
-                    </a:p>
-                  </a:txBody>
-                  <a:tcPr/>
-                </a:tc>
-                <a:tc>
-                  <a:txBody>
-                    <a:bodyPr/>
-                    <a:lstStyle/>
-                    <a:p>
-                      <a:endParaRPr lang="pt-BR" dirty="0"/>
-                    </a:p>
-                  </a:txBody>
-                  <a:tcPr>
-                    <a:noFill/>
-                  </a:tcPr>
-                </a:tc>
                 <a:tc>
                   <a:txBody>
                     <a:bodyPr/>
@@ -5130,31 +5125,6 @@
                     <a:p>
                       <a:r>
                         <a:rPr lang="pt-BR" dirty="0"/>
-                        <a:t>Com Logica de Desvio</a:t>
-                      </a:r>
-                    </a:p>
-                  </a:txBody>
-                  <a:tcPr/>
-                </a:tc>
-                <a:tc>
-                  <a:txBody>
-                    <a:bodyPr/>
-                    <a:lstStyle/>
-                    <a:p>
-                      <a:endParaRPr lang="pt-BR" dirty="0"/>
-                    </a:p>
-                  </a:txBody>
-                  <a:tcPr>
-                    <a:noFill/>
-                  </a:tcPr>
-                </a:tc>
-                <a:tc>
-                  <a:txBody>
-                    <a:bodyPr/>
-                    <a:lstStyle/>
-                    <a:p>
-                      <a:r>
-                        <a:rPr lang="pt-BR" dirty="0"/>
                         <a:t>Manual</a:t>
                       </a:r>
                     </a:p>
@@ -5168,31 +5138,6 @@
                 </a:extLst>
               </a:tr>
               <a:tr h="309598">
-                <a:tc>
-                  <a:txBody>
-                    <a:bodyPr/>
-                    <a:lstStyle/>
-                    <a:p>
-                      <a:r>
-                        <a:rPr lang="pt-BR" dirty="0"/>
-                        <a:t>Genéticos</a:t>
-                      </a:r>
-                    </a:p>
-                  </a:txBody>
-                  <a:tcPr/>
-                </a:tc>
-                <a:tc>
-                  <a:txBody>
-                    <a:bodyPr/>
-                    <a:lstStyle/>
-                    <a:p>
-                      <a:endParaRPr lang="pt-BR" dirty="0"/>
-                    </a:p>
-                  </a:txBody>
-                  <a:tcPr>
-                    <a:noFill/>
-                  </a:tcPr>
-                </a:tc>
                 <a:tc>
                   <a:txBody>
                     <a:bodyPr/>
@@ -5216,65 +5161,149 @@
           </a:graphicData>
         </a:graphic>
       </p:graphicFrame>
-      <p:sp>
-        <p:nvSpPr>
-          <p:cNvPr id="13" name="Retângulo 12">
+      <p:graphicFrame>
+        <p:nvGraphicFramePr>
+          <p:cNvPr id="6" name="Tabela 5">
             <a:extLst>
               <a:ext uri="{FF2B5EF4-FFF2-40B4-BE49-F238E27FC236}">
-                <a16:creationId xmlns:a16="http://schemas.microsoft.com/office/drawing/2014/main" id="{9D6DE1CB-751E-4740-8BFE-97C532383912}"/>
+                <a16:creationId xmlns:a16="http://schemas.microsoft.com/office/drawing/2014/main" id="{FDD3C5FB-A365-4BAD-8339-9D3723642C4C}"/>
               </a:ext>
             </a:extLst>
           </p:cNvPr>
-          <p:cNvSpPr/>
-          <p:nvPr/>
-        </p:nvSpPr>
-        <p:spPr>
-          <a:xfrm>
-            <a:off x="5420245" y="4050088"/>
-            <a:ext cx="1351509" cy="1569660"/>
-          </a:xfrm>
-          <a:prstGeom prst="rect">
-            <a:avLst/>
-          </a:prstGeom>
-          <a:noFill/>
-        </p:spPr>
-        <p:txBody>
-          <a:bodyPr wrap="square" lIns="91440" tIns="45720" rIns="91440" bIns="45720">
-            <a:spAutoFit/>
-          </a:bodyPr>
-          <a:lstStyle/>
-          <a:p>
-            <a:pPr algn="ctr"/>
-            <a:r>
-              <a:rPr lang="pt-BR" sz="9600" b="1" cap="none" spc="0" dirty="0">
-                <a:ln w="12700">
-                  <a:solidFill>
-                    <a:schemeClr val="accent1"/>
-                  </a:solidFill>
-                  <a:prstDash val="solid"/>
-                </a:ln>
-                <a:pattFill prst="pct50">
-                  <a:fgClr>
-                    <a:schemeClr val="accent1"/>
-                  </a:fgClr>
-                  <a:bgClr>
-                    <a:schemeClr val="accent1">
-                      <a:lumMod val="20000"/>
-                      <a:lumOff val="80000"/>
-                    </a:schemeClr>
-                  </a:bgClr>
-                </a:pattFill>
-                <a:effectLst>
-                  <a:outerShdw dist="38100" dir="2640000" algn="bl" rotWithShape="0">
-                    <a:schemeClr val="accent1"/>
-                  </a:outerShdw>
-                </a:effectLst>
-              </a:rPr>
-              <a:t>X</a:t>
-            </a:r>
-          </a:p>
-        </p:txBody>
-      </p:sp>
+          <p:cNvGraphicFramePr>
+            <a:graphicFrameLocks noGrp="1"/>
+          </p:cNvGraphicFramePr>
+          <p:nvPr>
+            <p:extLst>
+              <p:ext uri="{D42A27DB-BD31-4B8C-83A1-F6EECF244321}">
+                <p14:modId xmlns:p14="http://schemas.microsoft.com/office/powerpoint/2010/main" val="3902692650"/>
+              </p:ext>
+            </p:extLst>
+          </p:nvPr>
+        </p:nvGraphicFramePr>
+        <p:xfrm>
+          <a:off x="2701636" y="4195988"/>
+          <a:ext cx="2490739" cy="1828800"/>
+        </p:xfrm>
+        <a:graphic>
+          <a:graphicData uri="http://schemas.openxmlformats.org/drawingml/2006/table">
+            <a:tbl>
+              <a:tblPr firstRow="1" bandRow="1">
+                <a:tableStyleId>{5C22544A-7EE6-4342-B048-85BDC9FD1C3A}</a:tableStyleId>
+              </a:tblPr>
+              <a:tblGrid>
+                <a:gridCol w="2490739">
+                  <a:extLst>
+                    <a:ext uri="{9D8B030D-6E8A-4147-A177-3AD203B41FA5}">
+                      <a16:colId xmlns:a16="http://schemas.microsoft.com/office/drawing/2014/main" val="1051954406"/>
+                    </a:ext>
+                  </a:extLst>
+                </a:gridCol>
+              </a:tblGrid>
+              <a:tr h="309598">
+                <a:tc>
+                  <a:txBody>
+                    <a:bodyPr/>
+                    <a:lstStyle/>
+                    <a:p>
+                      <a:r>
+                        <a:rPr lang="pt-BR" dirty="0"/>
+                        <a:t>Invasores</a:t>
+                      </a:r>
+                    </a:p>
+                  </a:txBody>
+                  <a:tcPr/>
+                </a:tc>
+                <a:extLst>
+                  <a:ext uri="{0D108BD9-81ED-4DB2-BD59-A6C34878D82A}">
+                    <a16:rowId xmlns:a16="http://schemas.microsoft.com/office/drawing/2014/main" val="1204013417"/>
+                  </a:ext>
+                </a:extLst>
+              </a:tr>
+              <a:tr h="309598">
+                <a:tc>
+                  <a:txBody>
+                    <a:bodyPr/>
+                    <a:lstStyle/>
+                    <a:p>
+                      <a:r>
+                        <a:rPr lang="pt-BR" dirty="0"/>
+                        <a:t>Lineares</a:t>
+                      </a:r>
+                    </a:p>
+                  </a:txBody>
+                  <a:tcPr/>
+                </a:tc>
+                <a:extLst>
+                  <a:ext uri="{0D108BD9-81ED-4DB2-BD59-A6C34878D82A}">
+                    <a16:rowId xmlns:a16="http://schemas.microsoft.com/office/drawing/2014/main" val="1224035663"/>
+                  </a:ext>
+                </a:extLst>
+              </a:tr>
+              <a:tr h="309598">
+                <a:tc>
+                  <a:txBody>
+                    <a:bodyPr/>
+                    <a:lstStyle/>
+                    <a:p>
+                      <a:r>
+                        <a:rPr lang="pt-BR" dirty="0"/>
+                        <a:t>Aleatórios</a:t>
+                      </a:r>
+                    </a:p>
+                  </a:txBody>
+                  <a:tcPr/>
+                </a:tc>
+                <a:extLst>
+                  <a:ext uri="{0D108BD9-81ED-4DB2-BD59-A6C34878D82A}">
+                    <a16:rowId xmlns:a16="http://schemas.microsoft.com/office/drawing/2014/main" val="1023810621"/>
+                  </a:ext>
+                </a:extLst>
+              </a:tr>
+              <a:tr h="309598">
+                <a:tc>
+                  <a:txBody>
+                    <a:bodyPr/>
+                    <a:lstStyle/>
+                    <a:p>
+                      <a:r>
+                        <a:rPr lang="pt-BR" dirty="0"/>
+                        <a:t>Com Logica de Desvio</a:t>
+                      </a:r>
+                    </a:p>
+                  </a:txBody>
+                  <a:tcPr/>
+                </a:tc>
+                <a:extLst>
+                  <a:ext uri="{0D108BD9-81ED-4DB2-BD59-A6C34878D82A}">
+                    <a16:rowId xmlns:a16="http://schemas.microsoft.com/office/drawing/2014/main" val="2248909627"/>
+                  </a:ext>
+                </a:extLst>
+              </a:tr>
+              <a:tr h="309598">
+                <a:tc>
+                  <a:txBody>
+                    <a:bodyPr/>
+                    <a:lstStyle/>
+                    <a:p>
+                      <a:r>
+                        <a:rPr lang="pt-BR" dirty="0"/>
+                        <a:t>Genéticos</a:t>
+                      </a:r>
+                    </a:p>
+                  </a:txBody>
+                  <a:tcPr/>
+                </a:tc>
+                <a:extLst>
+                  <a:ext uri="{0D108BD9-81ED-4DB2-BD59-A6C34878D82A}">
+                    <a16:rowId xmlns:a16="http://schemas.microsoft.com/office/drawing/2014/main" val="1211577201"/>
+                  </a:ext>
+                </a:extLst>
+              </a:tr>
+            </a:tbl>
+          </a:graphicData>
+        </a:graphic>
+      </p:graphicFrame>
     </p:spTree>
     <p:extLst>
       <p:ext uri="{BB962C8B-B14F-4D97-AF65-F5344CB8AC3E}">
@@ -5288,7 +5317,7 @@
 </p:sld>
 </file>
 
-<file path=ppt/slides/slide3.xml><?xml version="1.0" encoding="utf-8"?>
+<file path=ppt/slides/slide4.xml><?xml version="1.0" encoding="utf-8"?>
 <p:sld xmlns:a="http://schemas.openxmlformats.org/drawingml/2006/main" xmlns:r="http://schemas.openxmlformats.org/officeDocument/2006/relationships" xmlns:p="http://schemas.openxmlformats.org/presentationml/2006/main">
   <p:cSld>
     <p:spTree>
@@ -5590,7 +5619,7 @@
 </p:sld>
 </file>
 
-<file path=ppt/slides/slide4.xml><?xml version="1.0" encoding="utf-8"?>
+<file path=ppt/slides/slide5.xml><?xml version="1.0" encoding="utf-8"?>
 <p:sld xmlns:a="http://schemas.openxmlformats.org/drawingml/2006/main" xmlns:r="http://schemas.openxmlformats.org/officeDocument/2006/relationships" xmlns:p="http://schemas.openxmlformats.org/presentationml/2006/main">
   <p:cSld>
     <p:spTree>
@@ -6384,7 +6413,7 @@
 </p:sld>
 </file>
 
-<file path=ppt/slides/slide5.xml><?xml version="1.0" encoding="utf-8"?>
+<file path=ppt/slides/slide6.xml><?xml version="1.0" encoding="utf-8"?>
 <p:sld xmlns:a="http://schemas.openxmlformats.org/drawingml/2006/main" xmlns:r="http://schemas.openxmlformats.org/officeDocument/2006/relationships" xmlns:p="http://schemas.openxmlformats.org/presentationml/2006/main">
   <p:cSld>
     <p:spTree>
@@ -6911,7 +6940,7 @@
 </p:sld>
 </file>
 
-<file path=ppt/slides/slide6.xml><?xml version="1.0" encoding="utf-8"?>
+<file path=ppt/slides/slide7.xml><?xml version="1.0" encoding="utf-8"?>
 <p:sld xmlns:a="http://schemas.openxmlformats.org/drawingml/2006/main" xmlns:r="http://schemas.openxmlformats.org/officeDocument/2006/relationships" xmlns:p="http://schemas.openxmlformats.org/presentationml/2006/main">
   <p:cSld>
     <p:spTree>
@@ -7377,448 +7406,6 @@
     <p:extLst>
       <p:ext uri="{BB962C8B-B14F-4D97-AF65-F5344CB8AC3E}">
         <p14:creationId xmlns:p14="http://schemas.microsoft.com/office/powerpoint/2010/main" val="2531453488"/>
-      </p:ext>
-    </p:extLst>
-  </p:cSld>
-  <p:clrMapOvr>
-    <a:masterClrMapping/>
-  </p:clrMapOvr>
-</p:sld>
-</file>
-
-<file path=ppt/slides/slide7.xml><?xml version="1.0" encoding="utf-8"?>
-<p:sld xmlns:a="http://schemas.openxmlformats.org/drawingml/2006/main" xmlns:r="http://schemas.openxmlformats.org/officeDocument/2006/relationships" xmlns:p="http://schemas.openxmlformats.org/presentationml/2006/main">
-  <p:cSld>
-    <p:spTree>
-      <p:nvGrpSpPr>
-        <p:cNvPr id="1" name=""/>
-        <p:cNvGrpSpPr/>
-        <p:nvPr/>
-      </p:nvGrpSpPr>
-      <p:grpSpPr>
-        <a:xfrm>
-          <a:off x="0" y="0"/>
-          <a:ext cx="0" cy="0"/>
-          <a:chOff x="0" y="0"/>
-          <a:chExt cx="0" cy="0"/>
-        </a:xfrm>
-      </p:grpSpPr>
-      <p:sp>
-        <p:nvSpPr>
-          <p:cNvPr id="2" name="Título 1">
-            <a:extLst>
-              <a:ext uri="{FF2B5EF4-FFF2-40B4-BE49-F238E27FC236}">
-                <a16:creationId xmlns:a16="http://schemas.microsoft.com/office/drawing/2014/main" id="{9CC51775-3374-41BE-BFA9-7B34D25C1200}"/>
-              </a:ext>
-            </a:extLst>
-          </p:cNvPr>
-          <p:cNvSpPr>
-            <a:spLocks noGrp="1"/>
-          </p:cNvSpPr>
-          <p:nvPr>
-            <p:ph type="ctrTitle"/>
-          </p:nvPr>
-        </p:nvSpPr>
-        <p:spPr>
-          <a:xfrm>
-            <a:off x="701965" y="477838"/>
-            <a:ext cx="11286836" cy="1011237"/>
-          </a:xfrm>
-        </p:spPr>
-        <p:txBody>
-          <a:bodyPr>
-            <a:normAutofit fontScale="90000"/>
-          </a:bodyPr>
-          <a:lstStyle/>
-          <a:p>
-            <a:pPr algn="ctr"/>
-            <a:r>
-              <a:rPr lang="pt-BR" dirty="0"/>
-              <a:t>Tipos de Problemas em IA e Soluções</a:t>
-            </a:r>
-          </a:p>
-        </p:txBody>
-      </p:sp>
-      <p:sp>
-        <p:nvSpPr>
-          <p:cNvPr id="40" name="CaixaDeTexto 39">
-            <a:extLst>
-              <a:ext uri="{FF2B5EF4-FFF2-40B4-BE49-F238E27FC236}">
-                <a16:creationId xmlns:a16="http://schemas.microsoft.com/office/drawing/2014/main" id="{435FC523-7799-40C5-BF56-74D65A99DF1F}"/>
-              </a:ext>
-            </a:extLst>
-          </p:cNvPr>
-          <p:cNvSpPr txBox="1"/>
-          <p:nvPr/>
-        </p:nvSpPr>
-        <p:spPr>
-          <a:xfrm>
-            <a:off x="1838035" y="2020344"/>
-            <a:ext cx="7629238" cy="4278094"/>
-          </a:xfrm>
-          <a:prstGeom prst="rect">
-            <a:avLst/>
-          </a:prstGeom>
-          <a:noFill/>
-        </p:spPr>
-        <p:txBody>
-          <a:bodyPr wrap="square">
-            <a:spAutoFit/>
-          </a:bodyPr>
-          <a:lstStyle/>
-          <a:p>
-            <a:r>
-              <a:rPr lang="pt-BR" sz="1600" b="1" dirty="0">
-                <a:latin typeface="Arial" panose="020B0604020202020204" pitchFamily="34" charset="0"/>
-                <a:cs typeface="Arial" panose="020B0604020202020204" pitchFamily="34" charset="0"/>
-              </a:rPr>
-              <a:t>Classificação:</a:t>
-            </a:r>
-            <a:r>
-              <a:rPr lang="pt-BR" sz="1600" dirty="0">
-                <a:latin typeface="Arial" panose="020B0604020202020204" pitchFamily="34" charset="0"/>
-                <a:cs typeface="Arial" panose="020B0604020202020204" pitchFamily="34" charset="0"/>
-              </a:rPr>
-              <a:t> diagnóstico, imagens, spam</a:t>
-            </a:r>
-            <a:br>
-              <a:rPr lang="pt-BR" sz="1600" dirty="0">
-                <a:latin typeface="Arial" panose="020B0604020202020204" pitchFamily="34" charset="0"/>
-                <a:cs typeface="Arial" panose="020B0604020202020204" pitchFamily="34" charset="0"/>
-              </a:rPr>
-            </a:br>
-            <a:r>
-              <a:rPr lang="pt-BR" sz="1600" dirty="0">
-                <a:latin typeface="Arial" panose="020B0604020202020204" pitchFamily="34" charset="0"/>
-                <a:cs typeface="Arial" panose="020B0604020202020204" pitchFamily="34" charset="0"/>
-              </a:rPr>
-              <a:t>	</a:t>
-            </a:r>
-            <a:r>
-              <a:rPr lang="pt-BR" sz="1600" i="1" dirty="0">
-                <a:latin typeface="Arial" panose="020B0604020202020204" pitchFamily="34" charset="0"/>
-                <a:cs typeface="Arial" panose="020B0604020202020204" pitchFamily="34" charset="0"/>
-              </a:rPr>
-              <a:t>Soluções:</a:t>
-            </a:r>
-            <a:r>
-              <a:rPr lang="pt-BR" sz="1600" dirty="0">
-                <a:latin typeface="Arial" panose="020B0604020202020204" pitchFamily="34" charset="0"/>
-                <a:cs typeface="Arial" panose="020B0604020202020204" pitchFamily="34" charset="0"/>
-              </a:rPr>
-              <a:t> Redes neurais, árvores de decisão, SVM</a:t>
-            </a:r>
-          </a:p>
-          <a:p>
-            <a:endParaRPr lang="pt-BR" sz="1600" dirty="0">
-              <a:latin typeface="Arial" panose="020B0604020202020204" pitchFamily="34" charset="0"/>
-              <a:cs typeface="Arial" panose="020B0604020202020204" pitchFamily="34" charset="0"/>
-            </a:endParaRPr>
-          </a:p>
-          <a:p>
-            <a:r>
-              <a:rPr lang="pt-BR" sz="1600" b="1" dirty="0">
-                <a:latin typeface="Arial" panose="020B0604020202020204" pitchFamily="34" charset="0"/>
-                <a:cs typeface="Arial" panose="020B0604020202020204" pitchFamily="34" charset="0"/>
-              </a:rPr>
-              <a:t>Regressão:</a:t>
-            </a:r>
-            <a:r>
-              <a:rPr lang="pt-BR" sz="1600" dirty="0">
-                <a:latin typeface="Arial" panose="020B0604020202020204" pitchFamily="34" charset="0"/>
-                <a:cs typeface="Arial" panose="020B0604020202020204" pitchFamily="34" charset="0"/>
-              </a:rPr>
-              <a:t> previsão de preços, demanda</a:t>
-            </a:r>
-            <a:br>
-              <a:rPr lang="pt-BR" sz="1600" dirty="0">
-                <a:latin typeface="Arial" panose="020B0604020202020204" pitchFamily="34" charset="0"/>
-                <a:cs typeface="Arial" panose="020B0604020202020204" pitchFamily="34" charset="0"/>
-              </a:rPr>
-            </a:br>
-            <a:r>
-              <a:rPr lang="pt-BR" sz="1600" dirty="0">
-                <a:latin typeface="Arial" panose="020B0604020202020204" pitchFamily="34" charset="0"/>
-                <a:cs typeface="Arial" panose="020B0604020202020204" pitchFamily="34" charset="0"/>
-              </a:rPr>
-              <a:t>	</a:t>
-            </a:r>
-            <a:r>
-              <a:rPr lang="pt-BR" sz="1600" i="1" dirty="0">
-                <a:latin typeface="Arial" panose="020B0604020202020204" pitchFamily="34" charset="0"/>
-                <a:cs typeface="Arial" panose="020B0604020202020204" pitchFamily="34" charset="0"/>
-              </a:rPr>
-              <a:t>Soluções:</a:t>
-            </a:r>
-            <a:r>
-              <a:rPr lang="pt-BR" sz="1600" dirty="0">
-                <a:latin typeface="Arial" panose="020B0604020202020204" pitchFamily="34" charset="0"/>
-                <a:cs typeface="Arial" panose="020B0604020202020204" pitchFamily="34" charset="0"/>
-              </a:rPr>
-              <a:t> Regressão, redes neurais, métodos bayesianos</a:t>
-            </a:r>
-          </a:p>
-          <a:p>
-            <a:endParaRPr lang="pt-BR" sz="1600" dirty="0">
-              <a:latin typeface="Arial" panose="020B0604020202020204" pitchFamily="34" charset="0"/>
-              <a:cs typeface="Arial" panose="020B0604020202020204" pitchFamily="34" charset="0"/>
-            </a:endParaRPr>
-          </a:p>
-          <a:p>
-            <a:r>
-              <a:rPr lang="pt-BR" sz="1600" b="1" dirty="0">
-                <a:latin typeface="Arial" panose="020B0604020202020204" pitchFamily="34" charset="0"/>
-                <a:cs typeface="Arial" panose="020B0604020202020204" pitchFamily="34" charset="0"/>
-              </a:rPr>
-              <a:t>Agrupamento:</a:t>
-            </a:r>
-            <a:r>
-              <a:rPr lang="pt-BR" sz="1600" dirty="0">
-                <a:latin typeface="Arial" panose="020B0604020202020204" pitchFamily="34" charset="0"/>
-                <a:cs typeface="Arial" panose="020B0604020202020204" pitchFamily="34" charset="0"/>
-              </a:rPr>
-              <a:t> segmentação, padrões</a:t>
-            </a:r>
-            <a:br>
-              <a:rPr lang="pt-BR" sz="1600" dirty="0">
-                <a:latin typeface="Arial" panose="020B0604020202020204" pitchFamily="34" charset="0"/>
-                <a:cs typeface="Arial" panose="020B0604020202020204" pitchFamily="34" charset="0"/>
-              </a:rPr>
-            </a:br>
-            <a:r>
-              <a:rPr lang="pt-BR" sz="1600" dirty="0">
-                <a:latin typeface="Arial" panose="020B0604020202020204" pitchFamily="34" charset="0"/>
-                <a:cs typeface="Arial" panose="020B0604020202020204" pitchFamily="34" charset="0"/>
-              </a:rPr>
-              <a:t>	</a:t>
-            </a:r>
-            <a:r>
-              <a:rPr lang="pt-BR" sz="1600" i="1" dirty="0">
-                <a:latin typeface="Arial" panose="020B0604020202020204" pitchFamily="34" charset="0"/>
-                <a:cs typeface="Arial" panose="020B0604020202020204" pitchFamily="34" charset="0"/>
-              </a:rPr>
-              <a:t>Soluções:</a:t>
-            </a:r>
-            <a:r>
-              <a:rPr lang="pt-BR" sz="1600" dirty="0">
-                <a:latin typeface="Arial" panose="020B0604020202020204" pitchFamily="34" charset="0"/>
-                <a:cs typeface="Arial" panose="020B0604020202020204" pitchFamily="34" charset="0"/>
-              </a:rPr>
-              <a:t> K-</a:t>
-            </a:r>
-            <a:r>
-              <a:rPr lang="pt-BR" sz="1600" dirty="0" err="1">
-                <a:latin typeface="Arial" panose="020B0604020202020204" pitchFamily="34" charset="0"/>
-                <a:cs typeface="Arial" panose="020B0604020202020204" pitchFamily="34" charset="0"/>
-              </a:rPr>
-              <a:t>means</a:t>
-            </a:r>
-            <a:r>
-              <a:rPr lang="pt-BR" sz="1600" dirty="0">
-                <a:latin typeface="Arial" panose="020B0604020202020204" pitchFamily="34" charset="0"/>
-                <a:cs typeface="Arial" panose="020B0604020202020204" pitchFamily="34" charset="0"/>
-              </a:rPr>
-              <a:t>, DBSCAN, </a:t>
-            </a:r>
-            <a:r>
-              <a:rPr lang="pt-BR" sz="1600" dirty="0" err="1">
-                <a:latin typeface="Arial" panose="020B0604020202020204" pitchFamily="34" charset="0"/>
-                <a:cs typeface="Arial" panose="020B0604020202020204" pitchFamily="34" charset="0"/>
-              </a:rPr>
-              <a:t>clustering</a:t>
-            </a:r>
-            <a:r>
-              <a:rPr lang="pt-BR" sz="1600" dirty="0">
-                <a:latin typeface="Arial" panose="020B0604020202020204" pitchFamily="34" charset="0"/>
-                <a:cs typeface="Arial" panose="020B0604020202020204" pitchFamily="34" charset="0"/>
-              </a:rPr>
-              <a:t> hierárquico</a:t>
-            </a:r>
-          </a:p>
-          <a:p>
-            <a:pPr>
-              <a:buFont typeface="Arial" panose="020B0604020202020204" pitchFamily="34" charset="0"/>
-              <a:buChar char="•"/>
-            </a:pPr>
-            <a:endParaRPr lang="pt-BR" sz="1600" dirty="0">
-              <a:latin typeface="Arial" panose="020B0604020202020204" pitchFamily="34" charset="0"/>
-              <a:cs typeface="Arial" panose="020B0604020202020204" pitchFamily="34" charset="0"/>
-            </a:endParaRPr>
-          </a:p>
-          <a:p>
-            <a:r>
-              <a:rPr lang="pt-BR" sz="1600" b="1" dirty="0">
-                <a:latin typeface="Arial" panose="020B0604020202020204" pitchFamily="34" charset="0"/>
-                <a:cs typeface="Arial" panose="020B0604020202020204" pitchFamily="34" charset="0"/>
-              </a:rPr>
-              <a:t>Busca/Otimização:</a:t>
-            </a:r>
-            <a:r>
-              <a:rPr lang="pt-BR" sz="1600" dirty="0">
-                <a:latin typeface="Arial" panose="020B0604020202020204" pitchFamily="34" charset="0"/>
-                <a:cs typeface="Arial" panose="020B0604020202020204" pitchFamily="34" charset="0"/>
-              </a:rPr>
-              <a:t> roteamento, recursos</a:t>
-            </a:r>
-          </a:p>
-          <a:p>
-            <a:pPr lvl="1"/>
-            <a:r>
-              <a:rPr lang="pt-BR" sz="1600" i="1" dirty="0">
-                <a:latin typeface="Arial" panose="020B0604020202020204" pitchFamily="34" charset="0"/>
-                <a:cs typeface="Arial" panose="020B0604020202020204" pitchFamily="34" charset="0"/>
-              </a:rPr>
-              <a:t>	Soluções:</a:t>
-            </a:r>
-            <a:r>
-              <a:rPr lang="pt-BR" sz="1600" dirty="0">
-                <a:latin typeface="Arial" panose="020B0604020202020204" pitchFamily="34" charset="0"/>
-                <a:cs typeface="Arial" panose="020B0604020202020204" pitchFamily="34" charset="0"/>
-              </a:rPr>
-              <a:t> </a:t>
-            </a:r>
-            <a:r>
-              <a:rPr lang="pt-BR" sz="1600" b="1" dirty="0">
-                <a:latin typeface="Arial" panose="020B0604020202020204" pitchFamily="34" charset="0"/>
-                <a:cs typeface="Arial" panose="020B0604020202020204" pitchFamily="34" charset="0"/>
-              </a:rPr>
-              <a:t>Algoritmos Genéticos (IA Genética)</a:t>
-            </a:r>
-            <a:endParaRPr lang="pt-BR" sz="1600" dirty="0">
-              <a:latin typeface="Arial" panose="020B0604020202020204" pitchFamily="34" charset="0"/>
-              <a:cs typeface="Arial" panose="020B0604020202020204" pitchFamily="34" charset="0"/>
-            </a:endParaRPr>
-          </a:p>
-          <a:p>
-            <a:pPr lvl="1"/>
-            <a:endParaRPr lang="pt-BR" sz="1600" dirty="0">
-              <a:latin typeface="Arial" panose="020B0604020202020204" pitchFamily="34" charset="0"/>
-              <a:cs typeface="Arial" panose="020B0604020202020204" pitchFamily="34" charset="0"/>
-            </a:endParaRPr>
-          </a:p>
-          <a:p>
-            <a:r>
-              <a:rPr lang="pt-BR" sz="1600" b="1" dirty="0">
-                <a:latin typeface="Arial" panose="020B0604020202020204" pitchFamily="34" charset="0"/>
-                <a:cs typeface="Arial" panose="020B0604020202020204" pitchFamily="34" charset="0"/>
-              </a:rPr>
-              <a:t>Planejamento/Controle:</a:t>
-            </a:r>
-            <a:r>
-              <a:rPr lang="pt-BR" sz="1600" dirty="0">
-                <a:latin typeface="Arial" panose="020B0604020202020204" pitchFamily="34" charset="0"/>
-                <a:cs typeface="Arial" panose="020B0604020202020204" pitchFamily="34" charset="0"/>
-              </a:rPr>
-              <a:t> robótica, jogos</a:t>
-            </a:r>
-            <a:br>
-              <a:rPr lang="pt-BR" sz="1600" dirty="0">
-                <a:latin typeface="Arial" panose="020B0604020202020204" pitchFamily="34" charset="0"/>
-                <a:cs typeface="Arial" panose="020B0604020202020204" pitchFamily="34" charset="0"/>
-              </a:rPr>
-            </a:br>
-            <a:r>
-              <a:rPr lang="pt-BR" sz="1600" dirty="0">
-                <a:latin typeface="Arial" panose="020B0604020202020204" pitchFamily="34" charset="0"/>
-                <a:cs typeface="Arial" panose="020B0604020202020204" pitchFamily="34" charset="0"/>
-              </a:rPr>
-              <a:t>	</a:t>
-            </a:r>
-            <a:r>
-              <a:rPr lang="pt-BR" sz="1600" i="1" dirty="0">
-                <a:latin typeface="Arial" panose="020B0604020202020204" pitchFamily="34" charset="0"/>
-                <a:cs typeface="Arial" panose="020B0604020202020204" pitchFamily="34" charset="0"/>
-              </a:rPr>
-              <a:t>Soluções:</a:t>
-            </a:r>
-            <a:r>
-              <a:rPr lang="pt-BR" sz="1600" dirty="0">
-                <a:latin typeface="Arial" panose="020B0604020202020204" pitchFamily="34" charset="0"/>
-                <a:cs typeface="Arial" panose="020B0604020202020204" pitchFamily="34" charset="0"/>
-              </a:rPr>
-              <a:t> </a:t>
-            </a:r>
-            <a:r>
-              <a:rPr lang="pt-BR" sz="1600" b="1" dirty="0">
-                <a:latin typeface="Arial" panose="020B0604020202020204" pitchFamily="34" charset="0"/>
-                <a:cs typeface="Arial" panose="020B0604020202020204" pitchFamily="34" charset="0"/>
-              </a:rPr>
-              <a:t>Algoritmos Genéticos (IA Genética)</a:t>
-            </a:r>
-            <a:r>
-              <a:rPr lang="pt-BR" sz="1600" dirty="0">
-                <a:latin typeface="Arial" panose="020B0604020202020204" pitchFamily="34" charset="0"/>
-                <a:cs typeface="Arial" panose="020B0604020202020204" pitchFamily="34" charset="0"/>
-              </a:rPr>
-              <a:t>, reforço, especialistas</a:t>
-            </a:r>
-          </a:p>
-          <a:p>
-            <a:pPr>
-              <a:buFont typeface="Arial" panose="020B0604020202020204" pitchFamily="34" charset="0"/>
-              <a:buChar char="•"/>
-            </a:pPr>
-            <a:endParaRPr lang="pt-BR" sz="1600" dirty="0">
-              <a:latin typeface="Arial" panose="020B0604020202020204" pitchFamily="34" charset="0"/>
-              <a:cs typeface="Arial" panose="020B0604020202020204" pitchFamily="34" charset="0"/>
-            </a:endParaRPr>
-          </a:p>
-          <a:p>
-            <a:r>
-              <a:rPr lang="pt-BR" sz="1600" b="1" dirty="0">
-                <a:latin typeface="Arial" panose="020B0604020202020204" pitchFamily="34" charset="0"/>
-                <a:cs typeface="Arial" panose="020B0604020202020204" pitchFamily="34" charset="0"/>
-              </a:rPr>
-              <a:t>NLP:</a:t>
-            </a:r>
-            <a:r>
-              <a:rPr lang="pt-BR" sz="1600" dirty="0">
-                <a:latin typeface="Arial" panose="020B0604020202020204" pitchFamily="34" charset="0"/>
-                <a:cs typeface="Arial" panose="020B0604020202020204" pitchFamily="34" charset="0"/>
-              </a:rPr>
-              <a:t> tradução, sentimentos, </a:t>
-            </a:r>
-            <a:r>
-              <a:rPr lang="pt-BR" sz="1600" dirty="0" err="1">
-                <a:latin typeface="Arial" panose="020B0604020202020204" pitchFamily="34" charset="0"/>
-                <a:cs typeface="Arial" panose="020B0604020202020204" pitchFamily="34" charset="0"/>
-              </a:rPr>
-              <a:t>chatbots</a:t>
-            </a:r>
-            <a:br>
-              <a:rPr lang="pt-BR" sz="1600" dirty="0">
-                <a:latin typeface="Arial" panose="020B0604020202020204" pitchFamily="34" charset="0"/>
-                <a:cs typeface="Arial" panose="020B0604020202020204" pitchFamily="34" charset="0"/>
-              </a:rPr>
-            </a:br>
-            <a:r>
-              <a:rPr lang="pt-BR" sz="1600" dirty="0">
-                <a:latin typeface="Arial" panose="020B0604020202020204" pitchFamily="34" charset="0"/>
-                <a:cs typeface="Arial" panose="020B0604020202020204" pitchFamily="34" charset="0"/>
-              </a:rPr>
-              <a:t>	</a:t>
-            </a:r>
-            <a:r>
-              <a:rPr lang="pt-BR" sz="1600" i="1" dirty="0">
-                <a:latin typeface="Arial" panose="020B0604020202020204" pitchFamily="34" charset="0"/>
-                <a:cs typeface="Arial" panose="020B0604020202020204" pitchFamily="34" charset="0"/>
-              </a:rPr>
-              <a:t>Soluções:</a:t>
-            </a:r>
-            <a:r>
-              <a:rPr lang="pt-BR" sz="1600" dirty="0">
-                <a:latin typeface="Arial" panose="020B0604020202020204" pitchFamily="34" charset="0"/>
-                <a:cs typeface="Arial" panose="020B0604020202020204" pitchFamily="34" charset="0"/>
-              </a:rPr>
-              <a:t> RNN, transformers, análise semântica</a:t>
-            </a:r>
-          </a:p>
-        </p:txBody>
-      </p:sp>
-    </p:spTree>
-    <p:extLst>
-      <p:ext uri="{BB962C8B-B14F-4D97-AF65-F5344CB8AC3E}">
-        <p14:creationId xmlns:p14="http://schemas.microsoft.com/office/powerpoint/2010/main" val="3099890814"/>
       </p:ext>
     </p:extLst>
   </p:cSld>
@@ -10597,9 +10184,9 @@
 </file>
 
 <file path=ppt/theme/theme1.xml><?xml version="1.0" encoding="utf-8"?>
-<a:theme xmlns:a="http://schemas.openxmlformats.org/drawingml/2006/main" name="Tema do Office">
+<a:theme xmlns:a="http://schemas.openxmlformats.org/drawingml/2006/main" name="Office Theme">
   <a:themeElements>
-    <a:clrScheme name="Office">
+    <a:clrScheme name="Tema do Office">
       <a:dk1>
         <a:sysClr val="windowText" lastClr="000000"/>
       </a:dk1>
@@ -10637,7 +10224,7 @@
         <a:srgbClr val="954F72"/>
       </a:folHlink>
     </a:clrScheme>
-    <a:fontScheme name="Office">
+    <a:fontScheme name="Tema do Office">
       <a:majorFont>
         <a:latin typeface="Calibri Light" panose="020F0302020204030204"/>
         <a:ea typeface=""/>
@@ -10672,23 +10259,6 @@
         <a:font script="Viet" typeface="Times New Roman"/>
         <a:font script="Uigh" typeface="Microsoft Uighur"/>
         <a:font script="Geor" typeface="Sylfaen"/>
-        <a:font script="Armn" typeface="Arial"/>
-        <a:font script="Bugi" typeface="Leelawadee UI"/>
-        <a:font script="Bopo" typeface="Microsoft JhengHei"/>
-        <a:font script="Java" typeface="Javanese Text"/>
-        <a:font script="Lisu" typeface="Segoe UI"/>
-        <a:font script="Mymr" typeface="Myanmar Text"/>
-        <a:font script="Nkoo" typeface="Ebrima"/>
-        <a:font script="Olck" typeface="Nirmala UI"/>
-        <a:font script="Osma" typeface="Ebrima"/>
-        <a:font script="Phag" typeface="Phagspa"/>
-        <a:font script="Syrn" typeface="Estrangelo Edessa"/>
-        <a:font script="Syrj" typeface="Estrangelo Edessa"/>
-        <a:font script="Syre" typeface="Estrangelo Edessa"/>
-        <a:font script="Sora" typeface="Nirmala UI"/>
-        <a:font script="Tale" typeface="Microsoft Tai Le"/>
-        <a:font script="Talu" typeface="Microsoft New Tai Lue"/>
-        <a:font script="Tfng" typeface="Ebrima"/>
       </a:majorFont>
       <a:minorFont>
         <a:latin typeface="Calibri" panose="020F0502020204030204"/>
@@ -10724,26 +10294,9 @@
         <a:font script="Viet" typeface="Arial"/>
         <a:font script="Uigh" typeface="Microsoft Uighur"/>
         <a:font script="Geor" typeface="Sylfaen"/>
-        <a:font script="Armn" typeface="Arial"/>
-        <a:font script="Bugi" typeface="Leelawadee UI"/>
-        <a:font script="Bopo" typeface="Microsoft JhengHei"/>
-        <a:font script="Java" typeface="Javanese Text"/>
-        <a:font script="Lisu" typeface="Segoe UI"/>
-        <a:font script="Mymr" typeface="Myanmar Text"/>
-        <a:font script="Nkoo" typeface="Ebrima"/>
-        <a:font script="Olck" typeface="Nirmala UI"/>
-        <a:font script="Osma" typeface="Ebrima"/>
-        <a:font script="Phag" typeface="Phagspa"/>
-        <a:font script="Syrn" typeface="Estrangelo Edessa"/>
-        <a:font script="Syrj" typeface="Estrangelo Edessa"/>
-        <a:font script="Syre" typeface="Estrangelo Edessa"/>
-        <a:font script="Sora" typeface="Nirmala UI"/>
-        <a:font script="Tale" typeface="Microsoft Tai Le"/>
-        <a:font script="Talu" typeface="Microsoft New Tai Lue"/>
-        <a:font script="Tfng" typeface="Ebrima"/>
       </a:minorFont>
     </a:fontScheme>
-    <a:fmtScheme name="Office">
+    <a:fmtScheme name="Tema do Office">
       <a:fillStyleLst>
         <a:solidFill>
           <a:schemeClr val="phClr"/>

--- a/IA Genetica.pptx
+++ b/IA Genetica.pptx
@@ -12,10 +12,10 @@
     <p:sldId id="258" r:id="rId6"/>
     <p:sldId id="259" r:id="rId7"/>
     <p:sldId id="260" r:id="rId8"/>
-    <p:sldId id="264" r:id="rId9"/>
-    <p:sldId id="263" r:id="rId10"/>
-    <p:sldId id="261" r:id="rId11"/>
-    <p:sldId id="262" r:id="rId12"/>
+    <p:sldId id="261" r:id="rId9"/>
+    <p:sldId id="262" r:id="rId10"/>
+    <p:sldId id="263" r:id="rId11"/>
+    <p:sldId id="264" r:id="rId12"/>
     <p:sldId id="267" r:id="rId13"/>
     <p:sldId id="269" r:id="rId14"/>
     <p:sldId id="266" r:id="rId15"/>
@@ -256,7 +256,7 @@
           <a:p>
             <a:fld id="{A96067C6-1D97-4125-BDF0-B33C18AFF0C3}" type="datetimeFigureOut">
               <a:rPr lang="pt-BR" smtClean="0"/>
-              <a:t>18/07/2025</a:t>
+              <a:t>21/07/2025</a:t>
             </a:fld>
             <a:endParaRPr lang="pt-BR"/>
           </a:p>
@@ -426,7 +426,7 @@
           <a:p>
             <a:fld id="{A96067C6-1D97-4125-BDF0-B33C18AFF0C3}" type="datetimeFigureOut">
               <a:rPr lang="pt-BR" smtClean="0"/>
-              <a:t>18/07/2025</a:t>
+              <a:t>21/07/2025</a:t>
             </a:fld>
             <a:endParaRPr lang="pt-BR"/>
           </a:p>
@@ -606,7 +606,7 @@
           <a:p>
             <a:fld id="{A96067C6-1D97-4125-BDF0-B33C18AFF0C3}" type="datetimeFigureOut">
               <a:rPr lang="pt-BR" smtClean="0"/>
-              <a:t>18/07/2025</a:t>
+              <a:t>21/07/2025</a:t>
             </a:fld>
             <a:endParaRPr lang="pt-BR"/>
           </a:p>
@@ -776,7 +776,7 @@
           <a:p>
             <a:fld id="{A96067C6-1D97-4125-BDF0-B33C18AFF0C3}" type="datetimeFigureOut">
               <a:rPr lang="pt-BR" smtClean="0"/>
-              <a:t>18/07/2025</a:t>
+              <a:t>21/07/2025</a:t>
             </a:fld>
             <a:endParaRPr lang="pt-BR"/>
           </a:p>
@@ -1022,7 +1022,7 @@
           <a:p>
             <a:fld id="{A96067C6-1D97-4125-BDF0-B33C18AFF0C3}" type="datetimeFigureOut">
               <a:rPr lang="pt-BR" smtClean="0"/>
-              <a:t>18/07/2025</a:t>
+              <a:t>21/07/2025</a:t>
             </a:fld>
             <a:endParaRPr lang="pt-BR"/>
           </a:p>
@@ -1254,7 +1254,7 @@
           <a:p>
             <a:fld id="{A96067C6-1D97-4125-BDF0-B33C18AFF0C3}" type="datetimeFigureOut">
               <a:rPr lang="pt-BR" smtClean="0"/>
-              <a:t>18/07/2025</a:t>
+              <a:t>21/07/2025</a:t>
             </a:fld>
             <a:endParaRPr lang="pt-BR"/>
           </a:p>
@@ -1621,7 +1621,7 @@
           <a:p>
             <a:fld id="{A96067C6-1D97-4125-BDF0-B33C18AFF0C3}" type="datetimeFigureOut">
               <a:rPr lang="pt-BR" smtClean="0"/>
-              <a:t>18/07/2025</a:t>
+              <a:t>21/07/2025</a:t>
             </a:fld>
             <a:endParaRPr lang="pt-BR"/>
           </a:p>
@@ -1739,7 +1739,7 @@
           <a:p>
             <a:fld id="{A96067C6-1D97-4125-BDF0-B33C18AFF0C3}" type="datetimeFigureOut">
               <a:rPr lang="pt-BR" smtClean="0"/>
-              <a:t>18/07/2025</a:t>
+              <a:t>21/07/2025</a:t>
             </a:fld>
             <a:endParaRPr lang="pt-BR"/>
           </a:p>
@@ -1834,7 +1834,7 @@
           <a:p>
             <a:fld id="{A96067C6-1D97-4125-BDF0-B33C18AFF0C3}" type="datetimeFigureOut">
               <a:rPr lang="pt-BR" smtClean="0"/>
-              <a:t>18/07/2025</a:t>
+              <a:t>21/07/2025</a:t>
             </a:fld>
             <a:endParaRPr lang="pt-BR"/>
           </a:p>
@@ -2111,7 +2111,7 @@
           <a:p>
             <a:fld id="{A96067C6-1D97-4125-BDF0-B33C18AFF0C3}" type="datetimeFigureOut">
               <a:rPr lang="pt-BR" smtClean="0"/>
-              <a:t>18/07/2025</a:t>
+              <a:t>21/07/2025</a:t>
             </a:fld>
             <a:endParaRPr lang="pt-BR"/>
           </a:p>
@@ -2368,7 +2368,7 @@
           <a:p>
             <a:fld id="{A96067C6-1D97-4125-BDF0-B33C18AFF0C3}" type="datetimeFigureOut">
               <a:rPr lang="pt-BR" smtClean="0"/>
-              <a:t>18/07/2025</a:t>
+              <a:t>21/07/2025</a:t>
             </a:fld>
             <a:endParaRPr lang="pt-BR"/>
           </a:p>
@@ -2581,7 +2581,7 @@
           <a:p>
             <a:fld id="{A96067C6-1D97-4125-BDF0-B33C18AFF0C3}" type="datetimeFigureOut">
               <a:rPr lang="pt-BR" smtClean="0"/>
-              <a:t>18/07/2025</a:t>
+              <a:t>21/07/2025</a:t>
             </a:fld>
             <a:endParaRPr lang="pt-BR"/>
           </a:p>
@@ -3149,7 +3149,7 @@
           <a:p>
             <a:r>
               <a:rPr lang="pt-BR" dirty="0"/>
-              <a:t>Escopo</a:t>
+              <a:t>IA Genética é uma Solução Viável?</a:t>
             </a:r>
           </a:p>
         </p:txBody>
@@ -3168,8 +3168,8 @@
         </p:nvSpPr>
         <p:spPr>
           <a:xfrm>
-            <a:off x="838200" y="2048932"/>
-            <a:ext cx="10405533" cy="3139321"/>
+            <a:off x="838200" y="1773488"/>
+            <a:ext cx="10405533" cy="4955203"/>
           </a:xfrm>
           <a:prstGeom prst="rect">
             <a:avLst/>
@@ -3183,83 +3183,192 @@
           <a:lstStyle/>
           <a:p>
             <a:r>
-              <a:rPr lang="pt-BR" dirty="0">
-                <a:latin typeface="Arial" panose="020B0604020202020204" pitchFamily="34" charset="0"/>
-                <a:cs typeface="Arial" panose="020B0604020202020204" pitchFamily="34" charset="0"/>
-              </a:rPr>
-              <a:t>O objetivo deste trabalho é desenvolver uma primeira versão de um agente jogador utilizando </a:t>
-            </a:r>
-            <a:r>
-              <a:rPr lang="pt-BR" b="1" dirty="0">
-                <a:latin typeface="Arial" panose="020B0604020202020204" pitchFamily="34" charset="0"/>
-                <a:cs typeface="Arial" panose="020B0604020202020204" pitchFamily="34" charset="0"/>
-              </a:rPr>
-              <a:t>Inteligência Artificial Genética</a:t>
-            </a:r>
-            <a:r>
-              <a:rPr lang="pt-BR" dirty="0">
-                <a:latin typeface="Arial" panose="020B0604020202020204" pitchFamily="34" charset="0"/>
-                <a:cs typeface="Arial" panose="020B0604020202020204" pitchFamily="34" charset="0"/>
-              </a:rPr>
-              <a:t> em um ambiente de Space </a:t>
-            </a:r>
-            <a:r>
-              <a:rPr lang="pt-BR" dirty="0" err="1">
-                <a:latin typeface="Arial" panose="020B0604020202020204" pitchFamily="34" charset="0"/>
-                <a:cs typeface="Arial" panose="020B0604020202020204" pitchFamily="34" charset="0"/>
-              </a:rPr>
-              <a:t>Invaders</a:t>
-            </a:r>
-            <a:r>
-              <a:rPr lang="pt-BR" dirty="0">
-                <a:latin typeface="Arial" panose="020B0604020202020204" pitchFamily="34" charset="0"/>
-                <a:cs typeface="Arial" panose="020B0604020202020204" pitchFamily="34" charset="0"/>
-              </a:rPr>
-              <a:t> simplificado.</a:t>
-            </a:r>
-          </a:p>
-          <a:p>
-            <a:endParaRPr lang="pt-BR" dirty="0">
+              <a:rPr lang="pt-BR" sz="1400" b="1" dirty="0">
+                <a:latin typeface="Arial" panose="020B0604020202020204" pitchFamily="34" charset="0"/>
+                <a:cs typeface="Arial" panose="020B0604020202020204" pitchFamily="34" charset="0"/>
+              </a:rPr>
+              <a:t>O que otimizar?</a:t>
+            </a:r>
+            <a:br>
+              <a:rPr lang="pt-BR" sz="1400" dirty="0">
+                <a:latin typeface="Arial" panose="020B0604020202020204" pitchFamily="34" charset="0"/>
+                <a:cs typeface="Arial" panose="020B0604020202020204" pitchFamily="34" charset="0"/>
+              </a:rPr>
+            </a:br>
+            <a:r>
+              <a:rPr lang="pt-BR" sz="1400" dirty="0">
+                <a:latin typeface="Arial" panose="020B0604020202020204" pitchFamily="34" charset="0"/>
+                <a:cs typeface="Arial" panose="020B0604020202020204" pitchFamily="34" charset="0"/>
+              </a:rPr>
+              <a:t>	Maximizar inimigos abatidos e rapidez (mínimo de jogadas).</a:t>
+            </a:r>
+          </a:p>
+          <a:p>
+            <a:endParaRPr lang="pt-BR" sz="1400" dirty="0">
               <a:latin typeface="Arial" panose="020B0604020202020204" pitchFamily="34" charset="0"/>
               <a:cs typeface="Arial" panose="020B0604020202020204" pitchFamily="34" charset="0"/>
             </a:endParaRPr>
           </a:p>
           <a:p>
             <a:r>
-              <a:rPr lang="pt-BR" dirty="0">
-                <a:latin typeface="Arial" panose="020B0604020202020204" pitchFamily="34" charset="0"/>
-                <a:cs typeface="Arial" panose="020B0604020202020204" pitchFamily="34" charset="0"/>
-              </a:rPr>
-              <a:t>Neste contexto, os inimigos serão configurados para apresentar movimentação linear e repetitiva ou permanecerão parados ao longo da partida, gerando um comportamento </a:t>
-            </a:r>
-            <a:r>
-              <a:rPr lang="pt-BR" b="1" dirty="0">
-                <a:latin typeface="Arial" panose="020B0604020202020204" pitchFamily="34" charset="0"/>
-                <a:cs typeface="Arial" panose="020B0604020202020204" pitchFamily="34" charset="0"/>
-              </a:rPr>
-              <a:t>estático</a:t>
-            </a:r>
-            <a:r>
-              <a:rPr lang="pt-BR" dirty="0">
-                <a:latin typeface="Arial" panose="020B0604020202020204" pitchFamily="34" charset="0"/>
-                <a:cs typeface="Arial" panose="020B0604020202020204" pitchFamily="34" charset="0"/>
-              </a:rPr>
-              <a:t>.</a:t>
-            </a:r>
-          </a:p>
-          <a:p>
-            <a:endParaRPr lang="pt-BR" dirty="0">
+              <a:rPr lang="pt-BR" sz="1400" b="1" dirty="0">
+                <a:latin typeface="Arial" panose="020B0604020202020204" pitchFamily="34" charset="0"/>
+                <a:cs typeface="Arial" panose="020B0604020202020204" pitchFamily="34" charset="0"/>
+              </a:rPr>
+              <a:t>Representação (genoma):</a:t>
+            </a:r>
+            <a:br>
+              <a:rPr lang="pt-BR" sz="1400" dirty="0">
+                <a:latin typeface="Arial" panose="020B0604020202020204" pitchFamily="34" charset="0"/>
+                <a:cs typeface="Arial" panose="020B0604020202020204" pitchFamily="34" charset="0"/>
+              </a:rPr>
+            </a:br>
+            <a:r>
+              <a:rPr lang="pt-BR" sz="1400" dirty="0">
+                <a:latin typeface="Arial" panose="020B0604020202020204" pitchFamily="34" charset="0"/>
+                <a:cs typeface="Arial" panose="020B0604020202020204" pitchFamily="34" charset="0"/>
+              </a:rPr>
+              <a:t>	Sequência de 700 genes (0=parado, 1=esq., 2=dir., 3=atirar).</a:t>
+            </a:r>
+          </a:p>
+          <a:p>
+            <a:endParaRPr lang="pt-BR" sz="1400" dirty="0">
               <a:latin typeface="Arial" panose="020B0604020202020204" pitchFamily="34" charset="0"/>
               <a:cs typeface="Arial" panose="020B0604020202020204" pitchFamily="34" charset="0"/>
             </a:endParaRPr>
           </a:p>
           <a:p>
             <a:r>
-              <a:rPr lang="pt-BR" dirty="0">
-                <a:latin typeface="Arial" panose="020B0604020202020204" pitchFamily="34" charset="0"/>
-                <a:cs typeface="Arial" panose="020B0604020202020204" pitchFamily="34" charset="0"/>
-              </a:rPr>
-              <a:t>O agente jogador, controlado por IA Genética, terá como principal objetivo eliminar todos os inimigos no menor tempo possível, buscando assim percorrer o caminho mais eficiente e otimizado para maximizar o desempenho no jogo.</a:t>
+              <a:rPr lang="pt-BR" sz="1400" b="1" dirty="0">
+                <a:latin typeface="Arial" panose="020B0604020202020204" pitchFamily="34" charset="0"/>
+                <a:cs typeface="Arial" panose="020B0604020202020204" pitchFamily="34" charset="0"/>
+              </a:rPr>
+              <a:t>Função de fitness:</a:t>
+            </a:r>
+            <a:br>
+              <a:rPr lang="pt-BR" sz="1400" dirty="0">
+                <a:latin typeface="Arial" panose="020B0604020202020204" pitchFamily="34" charset="0"/>
+                <a:cs typeface="Arial" panose="020B0604020202020204" pitchFamily="34" charset="0"/>
+              </a:rPr>
+            </a:br>
+            <a:r>
+              <a:rPr lang="pt-BR" sz="1400" dirty="0">
+                <a:latin typeface="Arial" panose="020B0604020202020204" pitchFamily="34" charset="0"/>
+                <a:cs typeface="Arial" panose="020B0604020202020204" pitchFamily="34" charset="0"/>
+              </a:rPr>
+              <a:t>	Soma ponderada: abates, rapidez dos acertos e bônus por eficiência.</a:t>
+            </a:r>
+          </a:p>
+          <a:p>
+            <a:endParaRPr lang="pt-BR" sz="1400" dirty="0">
+              <a:latin typeface="Arial" panose="020B0604020202020204" pitchFamily="34" charset="0"/>
+              <a:cs typeface="Arial" panose="020B0604020202020204" pitchFamily="34" charset="0"/>
+            </a:endParaRPr>
+          </a:p>
+          <a:p>
+            <a:r>
+              <a:rPr lang="pt-BR" sz="1400" b="1" dirty="0">
+                <a:latin typeface="Arial" panose="020B0604020202020204" pitchFamily="34" charset="0"/>
+                <a:cs typeface="Arial" panose="020B0604020202020204" pitchFamily="34" charset="0"/>
+              </a:rPr>
+              <a:t>Seleção:</a:t>
+            </a:r>
+            <a:br>
+              <a:rPr lang="pt-BR" sz="1400" dirty="0">
+                <a:latin typeface="Arial" panose="020B0604020202020204" pitchFamily="34" charset="0"/>
+                <a:cs typeface="Arial" panose="020B0604020202020204" pitchFamily="34" charset="0"/>
+              </a:rPr>
+            </a:br>
+            <a:r>
+              <a:rPr lang="pt-BR" sz="1400" dirty="0">
+                <a:latin typeface="Arial" panose="020B0604020202020204" pitchFamily="34" charset="0"/>
+                <a:cs typeface="Arial" panose="020B0604020202020204" pitchFamily="34" charset="0"/>
+              </a:rPr>
+              <a:t>	Torneio.</a:t>
+            </a:r>
+          </a:p>
+          <a:p>
+            <a:endParaRPr lang="pt-BR" sz="1400" dirty="0">
+              <a:latin typeface="Arial" panose="020B0604020202020204" pitchFamily="34" charset="0"/>
+              <a:cs typeface="Arial" panose="020B0604020202020204" pitchFamily="34" charset="0"/>
+            </a:endParaRPr>
+          </a:p>
+          <a:p>
+            <a:r>
+              <a:rPr lang="pt-BR" sz="1400" b="1" dirty="0">
+                <a:latin typeface="Arial" panose="020B0604020202020204" pitchFamily="34" charset="0"/>
+                <a:cs typeface="Arial" panose="020B0604020202020204" pitchFamily="34" charset="0"/>
+              </a:rPr>
+              <a:t>Crossover:</a:t>
+            </a:r>
+            <a:br>
+              <a:rPr lang="pt-BR" sz="1400" dirty="0">
+                <a:latin typeface="Arial" panose="020B0604020202020204" pitchFamily="34" charset="0"/>
+                <a:cs typeface="Arial" panose="020B0604020202020204" pitchFamily="34" charset="0"/>
+              </a:rPr>
+            </a:br>
+            <a:r>
+              <a:rPr lang="pt-BR" sz="1400" dirty="0">
+                <a:latin typeface="Arial" panose="020B0604020202020204" pitchFamily="34" charset="0"/>
+                <a:cs typeface="Arial" panose="020B0604020202020204" pitchFamily="34" charset="0"/>
+              </a:rPr>
+              <a:t>	Ponto fixo, 350 genes de cada pai.</a:t>
+            </a:r>
+          </a:p>
+          <a:p>
+            <a:endParaRPr lang="pt-BR" sz="1400" dirty="0">
+              <a:latin typeface="Arial" panose="020B0604020202020204" pitchFamily="34" charset="0"/>
+              <a:cs typeface="Arial" panose="020B0604020202020204" pitchFamily="34" charset="0"/>
+            </a:endParaRPr>
+          </a:p>
+          <a:p>
+            <a:r>
+              <a:rPr lang="pt-BR" sz="1400" b="1" dirty="0">
+                <a:latin typeface="Arial" panose="020B0604020202020204" pitchFamily="34" charset="0"/>
+                <a:cs typeface="Arial" panose="020B0604020202020204" pitchFamily="34" charset="0"/>
+              </a:rPr>
+              <a:t>Inicialização:</a:t>
+            </a:r>
+            <a:br>
+              <a:rPr lang="pt-BR" sz="1400" dirty="0">
+                <a:latin typeface="Arial" panose="020B0604020202020204" pitchFamily="34" charset="0"/>
+                <a:cs typeface="Arial" panose="020B0604020202020204" pitchFamily="34" charset="0"/>
+              </a:rPr>
+            </a:br>
+            <a:r>
+              <a:rPr lang="pt-BR" sz="1400" dirty="0">
+                <a:latin typeface="Arial" panose="020B0604020202020204" pitchFamily="34" charset="0"/>
+                <a:cs typeface="Arial" panose="020B0604020202020204" pitchFamily="34" charset="0"/>
+              </a:rPr>
+              <a:t>	Blocos de movimentos repetidos lateralmente, porém aleatórios + totalmente aleatórios.</a:t>
+            </a:r>
+          </a:p>
+          <a:p>
+            <a:endParaRPr lang="pt-BR" sz="1400" dirty="0">
+              <a:latin typeface="Arial" panose="020B0604020202020204" pitchFamily="34" charset="0"/>
+              <a:cs typeface="Arial" panose="020B0604020202020204" pitchFamily="34" charset="0"/>
+            </a:endParaRPr>
+          </a:p>
+          <a:p>
+            <a:r>
+              <a:rPr lang="pt-BR" sz="1400" b="1" dirty="0">
+                <a:latin typeface="Arial" panose="020B0604020202020204" pitchFamily="34" charset="0"/>
+                <a:cs typeface="Arial" panose="020B0604020202020204" pitchFamily="34" charset="0"/>
+              </a:rPr>
+              <a:t>Critério de parada:</a:t>
+            </a:r>
+            <a:br>
+              <a:rPr lang="pt-BR" sz="1400" dirty="0">
+                <a:latin typeface="Arial" panose="020B0604020202020204" pitchFamily="34" charset="0"/>
+                <a:cs typeface="Arial" panose="020B0604020202020204" pitchFamily="34" charset="0"/>
+              </a:rPr>
+            </a:br>
+            <a:r>
+              <a:rPr lang="pt-BR" sz="1400" dirty="0">
+                <a:latin typeface="Arial" panose="020B0604020202020204" pitchFamily="34" charset="0"/>
+                <a:cs typeface="Arial" panose="020B0604020202020204" pitchFamily="34" charset="0"/>
+              </a:rPr>
+              <a:t>	Eliminar todos os inimigos.</a:t>
             </a:r>
           </a:p>
           <a:p>
@@ -3273,7 +3382,7 @@
     </p:spTree>
     <p:extLst>
       <p:ext uri="{BB962C8B-B14F-4D97-AF65-F5344CB8AC3E}">
-        <p14:creationId xmlns:p14="http://schemas.microsoft.com/office/powerpoint/2010/main" val="2773783"/>
+        <p14:creationId xmlns:p14="http://schemas.microsoft.com/office/powerpoint/2010/main" val="1324432143"/>
       </p:ext>
     </p:extLst>
   </p:cSld>
@@ -3284,4138 +3393,6 @@
 </file>
 
 <file path=ppt/slides/slide11.xml><?xml version="1.0" encoding="utf-8"?>
-<p:sld xmlns:a="http://schemas.openxmlformats.org/drawingml/2006/main" xmlns:r="http://schemas.openxmlformats.org/officeDocument/2006/relationships" xmlns:p="http://schemas.openxmlformats.org/presentationml/2006/main">
-  <p:cSld>
-    <p:spTree>
-      <p:nvGrpSpPr>
-        <p:cNvPr id="1" name=""/>
-        <p:cNvGrpSpPr/>
-        <p:nvPr/>
-      </p:nvGrpSpPr>
-      <p:grpSpPr>
-        <a:xfrm>
-          <a:off x="0" y="0"/>
-          <a:ext cx="0" cy="0"/>
-          <a:chOff x="0" y="0"/>
-          <a:chExt cx="0" cy="0"/>
-        </a:xfrm>
-      </p:grpSpPr>
-      <p:sp>
-        <p:nvSpPr>
-          <p:cNvPr id="2" name="Título 1">
-            <a:extLst>
-              <a:ext uri="{FF2B5EF4-FFF2-40B4-BE49-F238E27FC236}">
-                <a16:creationId xmlns:a16="http://schemas.microsoft.com/office/drawing/2014/main" id="{1159F4F8-4F57-4E45-95E7-7C5AE43D5587}"/>
-              </a:ext>
-            </a:extLst>
-          </p:cNvPr>
-          <p:cNvSpPr>
-            <a:spLocks noGrp="1"/>
-          </p:cNvSpPr>
-          <p:nvPr>
-            <p:ph type="title"/>
-          </p:nvPr>
-        </p:nvSpPr>
-        <p:spPr/>
-        <p:txBody>
-          <a:bodyPr/>
-          <a:lstStyle/>
-          <a:p>
-            <a:r>
-              <a:rPr lang="pt-BR" dirty="0"/>
-              <a:t>Evoluções Futuras do Projeto</a:t>
-            </a:r>
-          </a:p>
-        </p:txBody>
-      </p:sp>
-      <p:sp>
-        <p:nvSpPr>
-          <p:cNvPr id="3" name="CaixaDeTexto 2">
-            <a:extLst>
-              <a:ext uri="{FF2B5EF4-FFF2-40B4-BE49-F238E27FC236}">
-                <a16:creationId xmlns:a16="http://schemas.microsoft.com/office/drawing/2014/main" id="{F106ECAA-3C08-474F-8ED7-D020A7693FA5}"/>
-              </a:ext>
-            </a:extLst>
-          </p:cNvPr>
-          <p:cNvSpPr txBox="1"/>
-          <p:nvPr/>
-        </p:nvSpPr>
-        <p:spPr>
-          <a:xfrm>
-            <a:off x="838201" y="2048932"/>
-            <a:ext cx="8534400" cy="2585323"/>
-          </a:xfrm>
-          <a:prstGeom prst="rect">
-            <a:avLst/>
-          </a:prstGeom>
-          <a:noFill/>
-        </p:spPr>
-        <p:txBody>
-          <a:bodyPr wrap="square" rtlCol="0">
-            <a:spAutoFit/>
-          </a:bodyPr>
-          <a:lstStyle/>
-          <a:p>
-            <a:r>
-              <a:rPr lang="pt-BR" dirty="0">
-                <a:latin typeface="Arial" panose="020B0604020202020204" pitchFamily="34" charset="0"/>
-                <a:cs typeface="Arial" panose="020B0604020202020204" pitchFamily="34" charset="0"/>
-              </a:rPr>
-              <a:t>Possibilidade de expandir o projeto com treinamento simultâneo de duas </a:t>
-            </a:r>
-            <a:r>
-              <a:rPr lang="pt-BR" dirty="0" err="1">
-                <a:latin typeface="Arial" panose="020B0604020202020204" pitchFamily="34" charset="0"/>
-                <a:cs typeface="Arial" panose="020B0604020202020204" pitchFamily="34" charset="0"/>
-              </a:rPr>
-              <a:t>IAs</a:t>
-            </a:r>
-            <a:r>
-              <a:rPr lang="pt-BR" dirty="0">
-                <a:latin typeface="Arial" panose="020B0604020202020204" pitchFamily="34" charset="0"/>
-                <a:cs typeface="Arial" panose="020B0604020202020204" pitchFamily="34" charset="0"/>
-              </a:rPr>
-              <a:t> usando NEAT (</a:t>
-            </a:r>
-            <a:r>
-              <a:rPr lang="pt-BR" dirty="0" err="1">
-                <a:latin typeface="Arial" panose="020B0604020202020204" pitchFamily="34" charset="0"/>
-                <a:cs typeface="Arial" panose="020B0604020202020204" pitchFamily="34" charset="0"/>
-              </a:rPr>
-              <a:t>NeuroEvolution</a:t>
-            </a:r>
-            <a:r>
-              <a:rPr lang="pt-BR" dirty="0">
-                <a:latin typeface="Arial" panose="020B0604020202020204" pitchFamily="34" charset="0"/>
-                <a:cs typeface="Arial" panose="020B0604020202020204" pitchFamily="34" charset="0"/>
-              </a:rPr>
-              <a:t> </a:t>
-            </a:r>
-            <a:r>
-              <a:rPr lang="pt-BR" dirty="0" err="1">
-                <a:latin typeface="Arial" panose="020B0604020202020204" pitchFamily="34" charset="0"/>
-                <a:cs typeface="Arial" panose="020B0604020202020204" pitchFamily="34" charset="0"/>
-              </a:rPr>
-              <a:t>of</a:t>
-            </a:r>
-            <a:r>
-              <a:rPr lang="pt-BR" dirty="0">
-                <a:latin typeface="Arial" panose="020B0604020202020204" pitchFamily="34" charset="0"/>
-                <a:cs typeface="Arial" panose="020B0604020202020204" pitchFamily="34" charset="0"/>
-              </a:rPr>
-              <a:t> </a:t>
-            </a:r>
-            <a:r>
-              <a:rPr lang="pt-BR" dirty="0" err="1">
-                <a:latin typeface="Arial" panose="020B0604020202020204" pitchFamily="34" charset="0"/>
-                <a:cs typeface="Arial" panose="020B0604020202020204" pitchFamily="34" charset="0"/>
-              </a:rPr>
-              <a:t>Augmenting</a:t>
-            </a:r>
-            <a:r>
-              <a:rPr lang="pt-BR" dirty="0">
-                <a:latin typeface="Arial" panose="020B0604020202020204" pitchFamily="34" charset="0"/>
-                <a:cs typeface="Arial" panose="020B0604020202020204" pitchFamily="34" charset="0"/>
-              </a:rPr>
-              <a:t> </a:t>
-            </a:r>
-            <a:r>
-              <a:rPr lang="pt-BR" dirty="0" err="1">
-                <a:latin typeface="Arial" panose="020B0604020202020204" pitchFamily="34" charset="0"/>
-                <a:cs typeface="Arial" panose="020B0604020202020204" pitchFamily="34" charset="0"/>
-              </a:rPr>
-              <a:t>Topologies</a:t>
-            </a:r>
-            <a:r>
-              <a:rPr lang="pt-BR" dirty="0">
-                <a:latin typeface="Arial" panose="020B0604020202020204" pitchFamily="34" charset="0"/>
-                <a:cs typeface="Arial" panose="020B0604020202020204" pitchFamily="34" charset="0"/>
-              </a:rPr>
-              <a:t>)</a:t>
-            </a:r>
-          </a:p>
-          <a:p>
-            <a:endParaRPr lang="pt-BR" dirty="0">
-              <a:latin typeface="Arial" panose="020B0604020202020204" pitchFamily="34" charset="0"/>
-              <a:cs typeface="Arial" panose="020B0604020202020204" pitchFamily="34" charset="0"/>
-            </a:endParaRPr>
-          </a:p>
-          <a:p>
-            <a:r>
-              <a:rPr lang="pt-BR" dirty="0">
-                <a:latin typeface="Arial" panose="020B0604020202020204" pitchFamily="34" charset="0"/>
-                <a:cs typeface="Arial" panose="020B0604020202020204" pitchFamily="34" charset="0"/>
-              </a:rPr>
-              <a:t>Tanto os inimigos quanto o jogador passam a perceber e reagir ao comportamento do oponente</a:t>
-            </a:r>
-          </a:p>
-          <a:p>
-            <a:endParaRPr lang="pt-BR" dirty="0">
-              <a:latin typeface="Arial" panose="020B0604020202020204" pitchFamily="34" charset="0"/>
-              <a:cs typeface="Arial" panose="020B0604020202020204" pitchFamily="34" charset="0"/>
-            </a:endParaRPr>
-          </a:p>
-          <a:p>
-            <a:r>
-              <a:rPr lang="pt-BR" dirty="0">
-                <a:latin typeface="Arial" panose="020B0604020202020204" pitchFamily="34" charset="0"/>
-                <a:cs typeface="Arial" panose="020B0604020202020204" pitchFamily="34" charset="0"/>
-              </a:rPr>
-              <a:t>Permite tomada de decisões mais complexas e adaptativas</a:t>
-            </a:r>
-          </a:p>
-          <a:p>
-            <a:endParaRPr lang="pt-BR" dirty="0">
-              <a:latin typeface="Arial" panose="020B0604020202020204" pitchFamily="34" charset="0"/>
-              <a:cs typeface="Arial" panose="020B0604020202020204" pitchFamily="34" charset="0"/>
-            </a:endParaRPr>
-          </a:p>
-          <a:p>
-            <a:r>
-              <a:rPr lang="pt-BR" dirty="0">
-                <a:latin typeface="Arial" panose="020B0604020202020204" pitchFamily="34" charset="0"/>
-                <a:cs typeface="Arial" panose="020B0604020202020204" pitchFamily="34" charset="0"/>
-              </a:rPr>
-              <a:t>Estratégias evoluem em tempo real conforme os movimentos do adversário</a:t>
-            </a:r>
-          </a:p>
-        </p:txBody>
-      </p:sp>
-    </p:spTree>
-    <p:extLst>
-      <p:ext uri="{BB962C8B-B14F-4D97-AF65-F5344CB8AC3E}">
-        <p14:creationId xmlns:p14="http://schemas.microsoft.com/office/powerpoint/2010/main" val="793195397"/>
-      </p:ext>
-    </p:extLst>
-  </p:cSld>
-  <p:clrMapOvr>
-    <a:masterClrMapping/>
-  </p:clrMapOvr>
-</p:sld>
-</file>
-
-<file path=ppt/slides/slide12.xml><?xml version="1.0" encoding="utf-8"?>
-<p:sld xmlns:a="http://schemas.openxmlformats.org/drawingml/2006/main" xmlns:r="http://schemas.openxmlformats.org/officeDocument/2006/relationships" xmlns:p="http://schemas.openxmlformats.org/presentationml/2006/main">
-  <p:cSld>
-    <p:spTree>
-      <p:nvGrpSpPr>
-        <p:cNvPr id="1" name=""/>
-        <p:cNvGrpSpPr/>
-        <p:nvPr/>
-      </p:nvGrpSpPr>
-      <p:grpSpPr>
-        <a:xfrm>
-          <a:off x="0" y="0"/>
-          <a:ext cx="0" cy="0"/>
-          <a:chOff x="0" y="0"/>
-          <a:chExt cx="0" cy="0"/>
-        </a:xfrm>
-      </p:grpSpPr>
-      <p:sp>
-        <p:nvSpPr>
-          <p:cNvPr id="2" name="Título 1">
-            <a:extLst>
-              <a:ext uri="{FF2B5EF4-FFF2-40B4-BE49-F238E27FC236}">
-                <a16:creationId xmlns:a16="http://schemas.microsoft.com/office/drawing/2014/main" id="{1159F4F8-4F57-4E45-95E7-7C5AE43D5587}"/>
-              </a:ext>
-            </a:extLst>
-          </p:cNvPr>
-          <p:cNvSpPr>
-            <a:spLocks noGrp="1"/>
-          </p:cNvSpPr>
-          <p:nvPr>
-            <p:ph type="title"/>
-          </p:nvPr>
-        </p:nvSpPr>
-        <p:spPr/>
-        <p:txBody>
-          <a:bodyPr/>
-          <a:lstStyle/>
-          <a:p>
-            <a:r>
-              <a:rPr lang="pt-BR" dirty="0"/>
-              <a:t>Importância do Elitismo e da Diversidade</a:t>
-            </a:r>
-          </a:p>
-        </p:txBody>
-      </p:sp>
-      <p:sp>
-        <p:nvSpPr>
-          <p:cNvPr id="6" name="CaixaDeTexto 5">
-            <a:extLst>
-              <a:ext uri="{FF2B5EF4-FFF2-40B4-BE49-F238E27FC236}">
-                <a16:creationId xmlns:a16="http://schemas.microsoft.com/office/drawing/2014/main" id="{E2508650-0878-448B-8385-536518D597EF}"/>
-              </a:ext>
-            </a:extLst>
-          </p:cNvPr>
-          <p:cNvSpPr txBox="1"/>
-          <p:nvPr/>
-        </p:nvSpPr>
-        <p:spPr>
-          <a:xfrm>
-            <a:off x="838199" y="2304994"/>
-            <a:ext cx="10762673" cy="1754326"/>
-          </a:xfrm>
-          <a:prstGeom prst="rect">
-            <a:avLst/>
-          </a:prstGeom>
-          <a:noFill/>
-        </p:spPr>
-        <p:txBody>
-          <a:bodyPr wrap="square">
-            <a:spAutoFit/>
-          </a:bodyPr>
-          <a:lstStyle/>
-          <a:p>
-            <a:pPr marL="0" marR="0" lvl="0" indent="0" algn="l" defTabSz="914400" rtl="0" eaLnBrk="0" fontAlgn="base" latinLnBrk="0" hangingPunct="0">
-              <a:lnSpc>
-                <a:spcPct val="100000"/>
-              </a:lnSpc>
-              <a:spcBef>
-                <a:spcPct val="0"/>
-              </a:spcBef>
-              <a:spcAft>
-                <a:spcPct val="0"/>
-              </a:spcAft>
-              <a:buClrTx/>
-              <a:buSzTx/>
-              <a:tabLst/>
-            </a:pPr>
-            <a:r>
-              <a:rPr kumimoji="0" lang="pt-BR" altLang="pt-BR" sz="1800" b="1" i="0" u="none" strike="noStrike" cap="none" normalizeH="0" baseline="0" dirty="0">
-                <a:ln>
-                  <a:noFill/>
-                </a:ln>
-                <a:solidFill>
-                  <a:schemeClr val="tx1"/>
-                </a:solidFill>
-                <a:effectLst/>
-                <a:latin typeface="Arial" panose="020B0604020202020204" pitchFamily="34" charset="0"/>
-              </a:rPr>
-              <a:t>Manter o melhor indivíduo </a:t>
-            </a:r>
-            <a:r>
-              <a:rPr kumimoji="0" lang="pt-BR" altLang="pt-BR" sz="1800" b="0" i="0" u="none" strike="noStrike" cap="none" normalizeH="0" baseline="0" dirty="0">
-                <a:ln>
-                  <a:noFill/>
-                </a:ln>
-                <a:solidFill>
-                  <a:schemeClr val="tx1"/>
-                </a:solidFill>
-                <a:effectLst/>
-                <a:latin typeface="Arial" panose="020B0604020202020204" pitchFamily="34" charset="0"/>
-              </a:rPr>
-              <a:t>(elitismo) em cada geração foi fundamental.</a:t>
-            </a:r>
-          </a:p>
-          <a:p>
-            <a:pPr marL="0" marR="0" lvl="0" indent="0" algn="l" defTabSz="914400" rtl="0" eaLnBrk="0" fontAlgn="base" latinLnBrk="0" hangingPunct="0">
-              <a:lnSpc>
-                <a:spcPct val="100000"/>
-              </a:lnSpc>
-              <a:spcBef>
-                <a:spcPct val="0"/>
-              </a:spcBef>
-              <a:spcAft>
-                <a:spcPct val="0"/>
-              </a:spcAft>
-              <a:buClrTx/>
-              <a:buSzTx/>
-              <a:tabLst/>
-            </a:pPr>
-            <a:endParaRPr lang="pt-BR" altLang="pt-BR" dirty="0">
-              <a:latin typeface="Arial" panose="020B0604020202020204" pitchFamily="34" charset="0"/>
-            </a:endParaRPr>
-          </a:p>
-          <a:p>
-            <a:pPr marL="0" marR="0" lvl="0" indent="0" algn="l" defTabSz="914400" rtl="0" eaLnBrk="0" fontAlgn="base" latinLnBrk="0" hangingPunct="0">
-              <a:lnSpc>
-                <a:spcPct val="100000"/>
-              </a:lnSpc>
-              <a:spcBef>
-                <a:spcPct val="0"/>
-              </a:spcBef>
-              <a:spcAft>
-                <a:spcPct val="0"/>
-              </a:spcAft>
-              <a:buClrTx/>
-              <a:buSzTx/>
-              <a:tabLst/>
-            </a:pPr>
-            <a:r>
-              <a:rPr kumimoji="0" lang="pt-BR" altLang="pt-BR" sz="1800" b="0" i="0" u="none" strike="noStrike" cap="none" normalizeH="0" baseline="0" dirty="0">
-                <a:ln>
-                  <a:noFill/>
-                </a:ln>
-                <a:solidFill>
-                  <a:schemeClr val="tx1"/>
-                </a:solidFill>
-                <a:effectLst/>
-                <a:latin typeface="Arial" panose="020B0604020202020204" pitchFamily="34" charset="0"/>
-              </a:rPr>
-              <a:t>Isso permitiu aumentar a taxa de mutação, acelerando a descoberta de caminhos mais eficientes.</a:t>
-            </a:r>
-          </a:p>
-          <a:p>
-            <a:pPr marL="0" marR="0" lvl="0" indent="0" algn="l" defTabSz="914400" rtl="0" eaLnBrk="0" fontAlgn="base" latinLnBrk="0" hangingPunct="0">
-              <a:lnSpc>
-                <a:spcPct val="100000"/>
-              </a:lnSpc>
-              <a:spcBef>
-                <a:spcPct val="0"/>
-              </a:spcBef>
-              <a:spcAft>
-                <a:spcPct val="0"/>
-              </a:spcAft>
-              <a:buClrTx/>
-              <a:buSzTx/>
-              <a:tabLst/>
-            </a:pPr>
-            <a:endParaRPr lang="pt-BR" altLang="pt-BR" dirty="0">
-              <a:latin typeface="Arial" panose="020B0604020202020204" pitchFamily="34" charset="0"/>
-            </a:endParaRPr>
-          </a:p>
-          <a:p>
-            <a:pPr marL="0" marR="0" lvl="0" indent="0" algn="l" defTabSz="914400" rtl="0" eaLnBrk="0" fontAlgn="base" latinLnBrk="0" hangingPunct="0">
-              <a:lnSpc>
-                <a:spcPct val="100000"/>
-              </a:lnSpc>
-              <a:spcBef>
-                <a:spcPct val="0"/>
-              </a:spcBef>
-              <a:spcAft>
-                <a:spcPct val="0"/>
-              </a:spcAft>
-              <a:buClrTx/>
-              <a:buSzTx/>
-              <a:tabLst/>
-            </a:pPr>
-            <a:r>
-              <a:rPr kumimoji="0" lang="pt-BR" altLang="pt-BR" sz="1800" b="0" i="0" u="none" strike="noStrike" cap="none" normalizeH="0" baseline="0" dirty="0">
-                <a:ln>
-                  <a:noFill/>
-                </a:ln>
-                <a:solidFill>
-                  <a:schemeClr val="tx1"/>
-                </a:solidFill>
-                <a:effectLst/>
-                <a:latin typeface="Arial" panose="020B0604020202020204" pitchFamily="34" charset="0"/>
-              </a:rPr>
-              <a:t>A combinação de elitismo, inicialização aprimorada e mutação em blocos estruturados favoreceu o surgimento de soluções cada vez melhores.</a:t>
-            </a:r>
-          </a:p>
-        </p:txBody>
-      </p:sp>
-    </p:spTree>
-    <p:extLst>
-      <p:ext uri="{BB962C8B-B14F-4D97-AF65-F5344CB8AC3E}">
-        <p14:creationId xmlns:p14="http://schemas.microsoft.com/office/powerpoint/2010/main" val="2216287888"/>
-      </p:ext>
-    </p:extLst>
-  </p:cSld>
-  <p:clrMapOvr>
-    <a:masterClrMapping/>
-  </p:clrMapOvr>
-</p:sld>
-</file>
-
-<file path=ppt/slides/slide13.xml><?xml version="1.0" encoding="utf-8"?>
-<p:sld xmlns:a="http://schemas.openxmlformats.org/drawingml/2006/main" xmlns:r="http://schemas.openxmlformats.org/officeDocument/2006/relationships" xmlns:p="http://schemas.openxmlformats.org/presentationml/2006/main">
-  <p:cSld>
-    <p:spTree>
-      <p:nvGrpSpPr>
-        <p:cNvPr id="1" name=""/>
-        <p:cNvGrpSpPr/>
-        <p:nvPr/>
-      </p:nvGrpSpPr>
-      <p:grpSpPr>
-        <a:xfrm>
-          <a:off x="0" y="0"/>
-          <a:ext cx="0" cy="0"/>
-          <a:chOff x="0" y="0"/>
-          <a:chExt cx="0" cy="0"/>
-        </a:xfrm>
-      </p:grpSpPr>
-      <p:sp>
-        <p:nvSpPr>
-          <p:cNvPr id="2" name="Título 1">
-            <a:extLst>
-              <a:ext uri="{FF2B5EF4-FFF2-40B4-BE49-F238E27FC236}">
-                <a16:creationId xmlns:a16="http://schemas.microsoft.com/office/drawing/2014/main" id="{1159F4F8-4F57-4E45-95E7-7C5AE43D5587}"/>
-              </a:ext>
-            </a:extLst>
-          </p:cNvPr>
-          <p:cNvSpPr>
-            <a:spLocks noGrp="1"/>
-          </p:cNvSpPr>
-          <p:nvPr>
-            <p:ph type="title"/>
-          </p:nvPr>
-        </p:nvSpPr>
-        <p:spPr/>
-        <p:txBody>
-          <a:bodyPr/>
-          <a:lstStyle/>
-          <a:p>
-            <a:r>
-              <a:rPr lang="pt-BR" dirty="0"/>
-              <a:t>Problemas e soluções</a:t>
-            </a:r>
-          </a:p>
-        </p:txBody>
-      </p:sp>
-      <p:sp>
-        <p:nvSpPr>
-          <p:cNvPr id="6" name="CaixaDeTexto 5">
-            <a:extLst>
-              <a:ext uri="{FF2B5EF4-FFF2-40B4-BE49-F238E27FC236}">
-                <a16:creationId xmlns:a16="http://schemas.microsoft.com/office/drawing/2014/main" id="{E2508650-0878-448B-8385-536518D597EF}"/>
-              </a:ext>
-            </a:extLst>
-          </p:cNvPr>
-          <p:cNvSpPr txBox="1"/>
-          <p:nvPr/>
-        </p:nvSpPr>
-        <p:spPr>
-          <a:xfrm>
-            <a:off x="838199" y="2304994"/>
-            <a:ext cx="10762673" cy="3139321"/>
-          </a:xfrm>
-          <a:prstGeom prst="rect">
-            <a:avLst/>
-          </a:prstGeom>
-          <a:noFill/>
-        </p:spPr>
-        <p:txBody>
-          <a:bodyPr wrap="square">
-            <a:spAutoFit/>
-          </a:bodyPr>
-          <a:lstStyle/>
-          <a:p>
-            <a:pPr marL="0" marR="0" lvl="0" indent="0" algn="l" defTabSz="914400" rtl="0" eaLnBrk="0" fontAlgn="base" latinLnBrk="0" hangingPunct="0">
-              <a:lnSpc>
-                <a:spcPct val="100000"/>
-              </a:lnSpc>
-              <a:spcBef>
-                <a:spcPct val="0"/>
-              </a:spcBef>
-              <a:spcAft>
-                <a:spcPct val="0"/>
-              </a:spcAft>
-              <a:buClrTx/>
-              <a:buSzTx/>
-              <a:tabLst/>
-            </a:pPr>
-            <a:r>
-              <a:rPr kumimoji="0" lang="pt-BR" altLang="pt-BR" sz="1800" b="1" i="0" u="none" strike="noStrike" cap="none" normalizeH="0" baseline="0" dirty="0">
-                <a:ln>
-                  <a:noFill/>
-                </a:ln>
-                <a:solidFill>
-                  <a:schemeClr val="tx1"/>
-                </a:solidFill>
-                <a:effectLst/>
-                <a:latin typeface="Arial" panose="020B0604020202020204" pitchFamily="34" charset="0"/>
-                <a:cs typeface="Arial" panose="020B0604020202020204" pitchFamily="34" charset="0"/>
-              </a:rPr>
-              <a:t>Inimigos em movimento:</a:t>
-            </a:r>
-            <a:r>
-              <a:rPr kumimoji="0" lang="pt-BR" altLang="pt-BR" sz="1800" b="0" i="0" u="none" strike="noStrike" cap="none" normalizeH="0" baseline="0" dirty="0">
-                <a:ln>
-                  <a:noFill/>
-                </a:ln>
-                <a:solidFill>
-                  <a:schemeClr val="tx1"/>
-                </a:solidFill>
-                <a:effectLst/>
-                <a:latin typeface="Arial" panose="020B0604020202020204" pitchFamily="34" charset="0"/>
-                <a:cs typeface="Arial" panose="020B0604020202020204" pitchFamily="34" charset="0"/>
-              </a:rPr>
-              <a:t> solução ficou fácil, pois todos cruzavam o centro da tela.</a:t>
-            </a:r>
-          </a:p>
-          <a:p>
-            <a:pPr marL="0" marR="0" lvl="0" indent="0" algn="l" defTabSz="914400" rtl="0" eaLnBrk="0" fontAlgn="base" latinLnBrk="0" hangingPunct="0">
-              <a:lnSpc>
-                <a:spcPct val="100000"/>
-              </a:lnSpc>
-              <a:spcBef>
-                <a:spcPct val="0"/>
-              </a:spcBef>
-              <a:spcAft>
-                <a:spcPct val="0"/>
-              </a:spcAft>
-              <a:buClrTx/>
-              <a:buSzTx/>
-              <a:tabLst/>
-            </a:pPr>
-            <a:endParaRPr kumimoji="0" lang="pt-BR" altLang="pt-BR" sz="1800" b="0" i="0" u="none" strike="noStrike" cap="none" normalizeH="0" baseline="0" dirty="0">
-              <a:ln>
-                <a:noFill/>
-              </a:ln>
-              <a:solidFill>
-                <a:schemeClr val="tx1"/>
-              </a:solidFill>
-              <a:effectLst/>
-              <a:latin typeface="Arial" panose="020B0604020202020204" pitchFamily="34" charset="0"/>
-              <a:cs typeface="Arial" panose="020B0604020202020204" pitchFamily="34" charset="0"/>
-            </a:endParaRPr>
-          </a:p>
-          <a:p>
-            <a:pPr marL="0" marR="0" lvl="0" indent="0" algn="l" defTabSz="914400" rtl="0" eaLnBrk="0" fontAlgn="base" latinLnBrk="0" hangingPunct="0">
-              <a:lnSpc>
-                <a:spcPct val="100000"/>
-              </a:lnSpc>
-              <a:spcBef>
-                <a:spcPct val="0"/>
-              </a:spcBef>
-              <a:spcAft>
-                <a:spcPct val="0"/>
-              </a:spcAft>
-              <a:buClrTx/>
-              <a:buSzTx/>
-              <a:tabLst/>
-            </a:pPr>
-            <a:r>
-              <a:rPr kumimoji="0" lang="pt-BR" altLang="pt-BR" sz="1800" b="1" i="0" u="none" strike="noStrike" cap="none" normalizeH="0" baseline="0" dirty="0">
-                <a:ln>
-                  <a:noFill/>
-                </a:ln>
-                <a:solidFill>
-                  <a:schemeClr val="tx1"/>
-                </a:solidFill>
-                <a:effectLst/>
-                <a:latin typeface="Arial" panose="020B0604020202020204" pitchFamily="34" charset="0"/>
-                <a:cs typeface="Arial" panose="020B0604020202020204" pitchFamily="34" charset="0"/>
-              </a:rPr>
-              <a:t>Inimigos parados:</a:t>
-            </a:r>
-            <a:r>
-              <a:rPr kumimoji="0" lang="pt-BR" altLang="pt-BR" sz="1800" b="0" i="0" u="none" strike="noStrike" cap="none" normalizeH="0" baseline="0" dirty="0">
-                <a:ln>
-                  <a:noFill/>
-                </a:ln>
-                <a:solidFill>
-                  <a:schemeClr val="tx1"/>
-                </a:solidFill>
-                <a:effectLst/>
-                <a:latin typeface="Arial" panose="020B0604020202020204" pitchFamily="34" charset="0"/>
-                <a:cs typeface="Arial" panose="020B0604020202020204" pitchFamily="34" charset="0"/>
-              </a:rPr>
-              <a:t> o agente ficava preso em máximos locais, parando em um dos lados.</a:t>
-            </a:r>
-          </a:p>
-          <a:p>
-            <a:pPr marL="0" marR="0" lvl="0" indent="0" algn="l" defTabSz="914400" rtl="0" eaLnBrk="0" fontAlgn="base" latinLnBrk="0" hangingPunct="0">
-              <a:lnSpc>
-                <a:spcPct val="100000"/>
-              </a:lnSpc>
-              <a:spcBef>
-                <a:spcPct val="0"/>
-              </a:spcBef>
-              <a:spcAft>
-                <a:spcPct val="0"/>
-              </a:spcAft>
-              <a:buClrTx/>
-              <a:buSzTx/>
-              <a:tabLst/>
-            </a:pPr>
-            <a:endParaRPr lang="pt-BR" altLang="pt-BR" dirty="0">
-              <a:latin typeface="Arial" panose="020B0604020202020204" pitchFamily="34" charset="0"/>
-              <a:cs typeface="Arial" panose="020B0604020202020204" pitchFamily="34" charset="0"/>
-            </a:endParaRPr>
-          </a:p>
-          <a:p>
-            <a:pPr marL="0" marR="0" lvl="0" indent="0" algn="l" defTabSz="914400" rtl="0" eaLnBrk="0" fontAlgn="base" latinLnBrk="0" hangingPunct="0">
-              <a:lnSpc>
-                <a:spcPct val="100000"/>
-              </a:lnSpc>
-              <a:spcBef>
-                <a:spcPct val="0"/>
-              </a:spcBef>
-              <a:spcAft>
-                <a:spcPct val="0"/>
-              </a:spcAft>
-              <a:buClrTx/>
-              <a:buSzTx/>
-              <a:tabLst/>
-            </a:pPr>
-            <a:r>
-              <a:rPr lang="pt-BR" b="1" dirty="0">
-                <a:latin typeface="Arial" panose="020B0604020202020204" pitchFamily="34" charset="0"/>
-                <a:cs typeface="Arial" panose="020B0604020202020204" pitchFamily="34" charset="0"/>
-              </a:rPr>
-              <a:t>Inicializar o jogador em posição aleatória: </a:t>
-            </a:r>
-            <a:r>
-              <a:rPr lang="pt-BR" dirty="0">
-                <a:latin typeface="Arial" panose="020B0604020202020204" pitchFamily="34" charset="0"/>
-                <a:cs typeface="Arial" panose="020B0604020202020204" pitchFamily="34" charset="0"/>
-              </a:rPr>
-              <a:t>resolveria o problema de forma trivial, mas não promoveria um aprendizado mais aprofundado sobre a dinâmica do agente e as estratégias evolutivas.</a:t>
-            </a:r>
-          </a:p>
-          <a:p>
-            <a:pPr marL="0" marR="0" lvl="0" indent="0" algn="l" defTabSz="914400" rtl="0" eaLnBrk="0" fontAlgn="base" latinLnBrk="0" hangingPunct="0">
-              <a:lnSpc>
-                <a:spcPct val="100000"/>
-              </a:lnSpc>
-              <a:spcBef>
-                <a:spcPct val="0"/>
-              </a:spcBef>
-              <a:spcAft>
-                <a:spcPct val="0"/>
-              </a:spcAft>
-              <a:buClrTx/>
-              <a:buSzTx/>
-              <a:tabLst/>
-            </a:pPr>
-            <a:endParaRPr kumimoji="0" lang="pt-BR" altLang="pt-BR" sz="1800" b="1" i="0" u="none" strike="noStrike" cap="none" normalizeH="0" baseline="0" dirty="0">
-              <a:ln>
-                <a:noFill/>
-              </a:ln>
-              <a:solidFill>
-                <a:schemeClr val="tx1"/>
-              </a:solidFill>
-              <a:effectLst/>
-              <a:latin typeface="Arial" panose="020B0604020202020204" pitchFamily="34" charset="0"/>
-              <a:cs typeface="Arial" panose="020B0604020202020204" pitchFamily="34" charset="0"/>
-            </a:endParaRPr>
-          </a:p>
-          <a:p>
-            <a:pPr marL="0" marR="0" lvl="0" indent="0" algn="l" defTabSz="914400" rtl="0" eaLnBrk="0" fontAlgn="base" latinLnBrk="0" hangingPunct="0">
-              <a:lnSpc>
-                <a:spcPct val="100000"/>
-              </a:lnSpc>
-              <a:spcBef>
-                <a:spcPct val="0"/>
-              </a:spcBef>
-              <a:spcAft>
-                <a:spcPct val="0"/>
-              </a:spcAft>
-              <a:buClrTx/>
-              <a:buSzTx/>
-              <a:tabLst/>
-            </a:pPr>
-            <a:r>
-              <a:rPr kumimoji="0" lang="pt-BR" altLang="pt-BR" sz="1800" b="1" i="0" u="none" strike="noStrike" cap="none" normalizeH="0" baseline="0" dirty="0">
-                <a:ln>
-                  <a:noFill/>
-                </a:ln>
-                <a:solidFill>
-                  <a:schemeClr val="tx1"/>
-                </a:solidFill>
-                <a:effectLst/>
-                <a:latin typeface="Arial" panose="020B0604020202020204" pitchFamily="34" charset="0"/>
-                <a:cs typeface="Arial" panose="020B0604020202020204" pitchFamily="34" charset="0"/>
-              </a:rPr>
-              <a:t>Solução:</a:t>
-            </a:r>
-            <a:endParaRPr kumimoji="0" lang="pt-BR" altLang="pt-BR" sz="1800" b="0" i="0" u="none" strike="noStrike" cap="none" normalizeH="0" baseline="0" dirty="0">
-              <a:ln>
-                <a:noFill/>
-              </a:ln>
-              <a:solidFill>
-                <a:schemeClr val="tx1"/>
-              </a:solidFill>
-              <a:effectLst/>
-              <a:latin typeface="Arial" panose="020B0604020202020204" pitchFamily="34" charset="0"/>
-              <a:cs typeface="Arial" panose="020B0604020202020204" pitchFamily="34" charset="0"/>
-            </a:endParaRPr>
-          </a:p>
-          <a:p>
-            <a:pPr marL="0" marR="0" lvl="0" indent="0" algn="l" defTabSz="914400" rtl="0" eaLnBrk="0" fontAlgn="base" latinLnBrk="0" hangingPunct="0">
-              <a:lnSpc>
-                <a:spcPct val="100000"/>
-              </a:lnSpc>
-              <a:spcBef>
-                <a:spcPct val="0"/>
-              </a:spcBef>
-              <a:spcAft>
-                <a:spcPct val="0"/>
-              </a:spcAft>
-              <a:buClrTx/>
-              <a:buSzTx/>
-              <a:tabLst/>
-            </a:pPr>
-            <a:r>
-              <a:rPr kumimoji="0" lang="pt-BR" altLang="pt-BR" sz="1800" b="0" i="0" u="none" strike="noStrike" cap="none" normalizeH="0" baseline="0" dirty="0">
-                <a:ln>
-                  <a:noFill/>
-                </a:ln>
-                <a:solidFill>
-                  <a:schemeClr val="tx1"/>
-                </a:solidFill>
-                <a:effectLst/>
-                <a:latin typeface="Arial" panose="020B0604020202020204" pitchFamily="34" charset="0"/>
-                <a:cs typeface="Arial" panose="020B0604020202020204" pitchFamily="34" charset="0"/>
-              </a:rPr>
-              <a:t>	Utilização de blocos de movimentos laterais repetitivos na população inicial, simulando comportamento mais realista.</a:t>
-            </a:r>
-          </a:p>
-          <a:p>
-            <a:pPr marL="0" marR="0" lvl="0" indent="0" algn="l" defTabSz="914400" rtl="0" eaLnBrk="0" fontAlgn="base" latinLnBrk="0" hangingPunct="0">
-              <a:lnSpc>
-                <a:spcPct val="100000"/>
-              </a:lnSpc>
-              <a:spcBef>
-                <a:spcPct val="0"/>
-              </a:spcBef>
-              <a:spcAft>
-                <a:spcPct val="0"/>
-              </a:spcAft>
-              <a:buClrTx/>
-              <a:buSzTx/>
-              <a:tabLst/>
-            </a:pPr>
-            <a:r>
-              <a:rPr kumimoji="0" lang="pt-BR" altLang="pt-BR" sz="1800" b="0" i="0" u="none" strike="noStrike" cap="none" normalizeH="0" baseline="0" dirty="0">
-                <a:ln>
-                  <a:noFill/>
-                </a:ln>
-                <a:solidFill>
-                  <a:schemeClr val="tx1"/>
-                </a:solidFill>
-                <a:effectLst/>
-                <a:latin typeface="Arial" panose="020B0604020202020204" pitchFamily="34" charset="0"/>
-                <a:cs typeface="Arial" panose="020B0604020202020204" pitchFamily="34" charset="0"/>
-              </a:rPr>
-              <a:t>	Adoção da mesma lógica na mutação, o que aprimorou ainda mais a performance do agente.</a:t>
-            </a:r>
-          </a:p>
-        </p:txBody>
-      </p:sp>
-    </p:spTree>
-    <p:extLst>
-      <p:ext uri="{BB962C8B-B14F-4D97-AF65-F5344CB8AC3E}">
-        <p14:creationId xmlns:p14="http://schemas.microsoft.com/office/powerpoint/2010/main" val="1554671738"/>
-      </p:ext>
-    </p:extLst>
-  </p:cSld>
-  <p:clrMapOvr>
-    <a:masterClrMapping/>
-  </p:clrMapOvr>
-</p:sld>
-</file>
-
-<file path=ppt/slides/slide14.xml><?xml version="1.0" encoding="utf-8"?>
-<p:sld xmlns:a="http://schemas.openxmlformats.org/drawingml/2006/main" xmlns:r="http://schemas.openxmlformats.org/officeDocument/2006/relationships" xmlns:p="http://schemas.openxmlformats.org/presentationml/2006/main">
-  <p:cSld>
-    <p:spTree>
-      <p:nvGrpSpPr>
-        <p:cNvPr id="1" name=""/>
-        <p:cNvGrpSpPr/>
-        <p:nvPr/>
-      </p:nvGrpSpPr>
-      <p:grpSpPr>
-        <a:xfrm>
-          <a:off x="0" y="0"/>
-          <a:ext cx="0" cy="0"/>
-          <a:chOff x="0" y="0"/>
-          <a:chExt cx="0" cy="0"/>
-        </a:xfrm>
-      </p:grpSpPr>
-      <p:sp>
-        <p:nvSpPr>
-          <p:cNvPr id="2" name="Title 1"/>
-          <p:cNvSpPr>
-            <a:spLocks noGrp="1"/>
-          </p:cNvSpPr>
-          <p:nvPr>
-            <p:ph type="title"/>
-          </p:nvPr>
-        </p:nvSpPr>
-        <p:spPr/>
-        <p:txBody>
-          <a:bodyPr/>
-          <a:lstStyle/>
-          <a:p>
-            <a:r>
-              <a:rPr dirty="0" err="1"/>
-              <a:t>Conclusão</a:t>
-            </a:r>
-            <a:endParaRPr dirty="0"/>
-          </a:p>
-        </p:txBody>
-      </p:sp>
-      <p:sp>
-        <p:nvSpPr>
-          <p:cNvPr id="3" name="Content Placeholder 2"/>
-          <p:cNvSpPr>
-            <a:spLocks noGrp="1"/>
-          </p:cNvSpPr>
-          <p:nvPr>
-            <p:ph idx="1"/>
-          </p:nvPr>
-        </p:nvSpPr>
-        <p:spPr/>
-        <p:txBody>
-          <a:bodyPr/>
-          <a:lstStyle/>
-          <a:p>
-            <a:endParaRPr dirty="0"/>
-          </a:p>
-          <a:p>
-            <a:pPr marL="0" indent="0" algn="l">
-              <a:buNone/>
-              <a:defRPr sz="1800">
-                <a:latin typeface="Calibri"/>
-              </a:defRPr>
-            </a:pPr>
-            <a:r>
-              <a:rPr sz="1800" dirty="0">
-                <a:latin typeface="Arial" panose="020B0604020202020204" pitchFamily="34" charset="0"/>
-                <a:cs typeface="Arial" panose="020B0604020202020204" pitchFamily="34" charset="0"/>
-              </a:rPr>
-              <a:t>IA </a:t>
-            </a:r>
-            <a:r>
-              <a:rPr sz="1800" dirty="0" err="1">
-                <a:latin typeface="Arial" panose="020B0604020202020204" pitchFamily="34" charset="0"/>
-                <a:cs typeface="Arial" panose="020B0604020202020204" pitchFamily="34" charset="0"/>
-              </a:rPr>
-              <a:t>Genética</a:t>
-            </a:r>
-            <a:r>
-              <a:rPr sz="1800" dirty="0">
-                <a:latin typeface="Arial" panose="020B0604020202020204" pitchFamily="34" charset="0"/>
-                <a:cs typeface="Arial" panose="020B0604020202020204" pitchFamily="34" charset="0"/>
-              </a:rPr>
-              <a:t> </a:t>
-            </a:r>
-            <a:r>
-              <a:rPr sz="1800" dirty="0" err="1">
-                <a:latin typeface="Arial" panose="020B0604020202020204" pitchFamily="34" charset="0"/>
-                <a:cs typeface="Arial" panose="020B0604020202020204" pitchFamily="34" charset="0"/>
-              </a:rPr>
-              <a:t>mostrou</a:t>
-            </a:r>
-            <a:r>
-              <a:rPr sz="1800" dirty="0">
-                <a:latin typeface="Arial" panose="020B0604020202020204" pitchFamily="34" charset="0"/>
-                <a:cs typeface="Arial" panose="020B0604020202020204" pitchFamily="34" charset="0"/>
-              </a:rPr>
-              <a:t>-se </a:t>
-            </a:r>
-            <a:r>
-              <a:rPr sz="1800" dirty="0" err="1">
-                <a:latin typeface="Arial" panose="020B0604020202020204" pitchFamily="34" charset="0"/>
-                <a:cs typeface="Arial" panose="020B0604020202020204" pitchFamily="34" charset="0"/>
-              </a:rPr>
-              <a:t>eficaz</a:t>
-            </a:r>
-            <a:r>
-              <a:rPr sz="1800" dirty="0">
-                <a:latin typeface="Arial" panose="020B0604020202020204" pitchFamily="34" charset="0"/>
-                <a:cs typeface="Arial" panose="020B0604020202020204" pitchFamily="34" charset="0"/>
-              </a:rPr>
-              <a:t> para </a:t>
-            </a:r>
-            <a:r>
-              <a:rPr sz="1800" dirty="0" err="1">
-                <a:latin typeface="Arial" panose="020B0604020202020204" pitchFamily="34" charset="0"/>
-                <a:cs typeface="Arial" panose="020B0604020202020204" pitchFamily="34" charset="0"/>
-              </a:rPr>
-              <a:t>treinar</a:t>
-            </a:r>
-            <a:r>
-              <a:rPr sz="1800" dirty="0">
-                <a:latin typeface="Arial" panose="020B0604020202020204" pitchFamily="34" charset="0"/>
-                <a:cs typeface="Arial" panose="020B0604020202020204" pitchFamily="34" charset="0"/>
-              </a:rPr>
-              <a:t> </a:t>
-            </a:r>
-            <a:r>
-              <a:rPr sz="1800" dirty="0" err="1">
-                <a:latin typeface="Arial" panose="020B0604020202020204" pitchFamily="34" charset="0"/>
-                <a:cs typeface="Arial" panose="020B0604020202020204" pitchFamily="34" charset="0"/>
-              </a:rPr>
-              <a:t>agente</a:t>
-            </a:r>
-            <a:endParaRPr lang="pt-BR" sz="1800" dirty="0">
-              <a:latin typeface="Arial" panose="020B0604020202020204" pitchFamily="34" charset="0"/>
-              <a:cs typeface="Arial" panose="020B0604020202020204" pitchFamily="34" charset="0"/>
-            </a:endParaRPr>
-          </a:p>
-          <a:p>
-            <a:pPr marL="0" indent="0" algn="l">
-              <a:buNone/>
-              <a:defRPr sz="1800">
-                <a:latin typeface="Calibri"/>
-              </a:defRPr>
-            </a:pPr>
-            <a:endParaRPr lang="pt-BR" sz="1800" dirty="0">
-              <a:latin typeface="Arial" panose="020B0604020202020204" pitchFamily="34" charset="0"/>
-              <a:cs typeface="Arial" panose="020B0604020202020204" pitchFamily="34" charset="0"/>
-            </a:endParaRPr>
-          </a:p>
-          <a:p>
-            <a:pPr marL="0" indent="0" algn="l">
-              <a:buNone/>
-              <a:defRPr sz="1800">
-                <a:latin typeface="Calibri"/>
-              </a:defRPr>
-            </a:pPr>
-            <a:r>
-              <a:rPr sz="1800" dirty="0" err="1">
-                <a:latin typeface="Arial" panose="020B0604020202020204" pitchFamily="34" charset="0"/>
-                <a:cs typeface="Arial" panose="020B0604020202020204" pitchFamily="34" charset="0"/>
-              </a:rPr>
-              <a:t>Problemas</a:t>
-            </a:r>
-            <a:r>
-              <a:rPr sz="1800" dirty="0">
-                <a:latin typeface="Arial" panose="020B0604020202020204" pitchFamily="34" charset="0"/>
-                <a:cs typeface="Arial" panose="020B0604020202020204" pitchFamily="34" charset="0"/>
-              </a:rPr>
-              <a:t> de </a:t>
-            </a:r>
-            <a:r>
-              <a:rPr sz="1800" dirty="0" err="1">
-                <a:latin typeface="Arial" panose="020B0604020202020204" pitchFamily="34" charset="0"/>
-                <a:cs typeface="Arial" panose="020B0604020202020204" pitchFamily="34" charset="0"/>
-              </a:rPr>
-              <a:t>máximos</a:t>
-            </a:r>
-            <a:r>
-              <a:rPr sz="1800" dirty="0">
-                <a:latin typeface="Arial" panose="020B0604020202020204" pitchFamily="34" charset="0"/>
-                <a:cs typeface="Arial" panose="020B0604020202020204" pitchFamily="34" charset="0"/>
-              </a:rPr>
-              <a:t> </a:t>
-            </a:r>
-            <a:r>
-              <a:rPr sz="1800" dirty="0" err="1">
-                <a:latin typeface="Arial" panose="020B0604020202020204" pitchFamily="34" charset="0"/>
-                <a:cs typeface="Arial" panose="020B0604020202020204" pitchFamily="34" charset="0"/>
-              </a:rPr>
-              <a:t>locais</a:t>
-            </a:r>
-            <a:r>
-              <a:rPr sz="1800" dirty="0">
-                <a:latin typeface="Arial" panose="020B0604020202020204" pitchFamily="34" charset="0"/>
-                <a:cs typeface="Arial" panose="020B0604020202020204" pitchFamily="34" charset="0"/>
-              </a:rPr>
-              <a:t> </a:t>
-            </a:r>
-            <a:r>
-              <a:rPr sz="1800" dirty="0" err="1">
-                <a:latin typeface="Arial" panose="020B0604020202020204" pitchFamily="34" charset="0"/>
-                <a:cs typeface="Arial" panose="020B0604020202020204" pitchFamily="34" charset="0"/>
-              </a:rPr>
-              <a:t>requerem</a:t>
-            </a:r>
-            <a:r>
-              <a:rPr sz="1800" dirty="0">
-                <a:latin typeface="Arial" panose="020B0604020202020204" pitchFamily="34" charset="0"/>
-                <a:cs typeface="Arial" panose="020B0604020202020204" pitchFamily="34" charset="0"/>
-              </a:rPr>
-              <a:t> </a:t>
-            </a:r>
-            <a:r>
-              <a:rPr sz="1800" dirty="0" err="1">
-                <a:latin typeface="Arial" panose="020B0604020202020204" pitchFamily="34" charset="0"/>
-                <a:cs typeface="Arial" panose="020B0604020202020204" pitchFamily="34" charset="0"/>
-              </a:rPr>
-              <a:t>mutações</a:t>
-            </a:r>
-            <a:r>
-              <a:rPr sz="1800" dirty="0">
-                <a:latin typeface="Arial" panose="020B0604020202020204" pitchFamily="34" charset="0"/>
-                <a:cs typeface="Arial" panose="020B0604020202020204" pitchFamily="34" charset="0"/>
-              </a:rPr>
-              <a:t> </a:t>
-            </a:r>
-            <a:r>
-              <a:rPr sz="1800" dirty="0" err="1">
-                <a:latin typeface="Arial" panose="020B0604020202020204" pitchFamily="34" charset="0"/>
-                <a:cs typeface="Arial" panose="020B0604020202020204" pitchFamily="34" charset="0"/>
-              </a:rPr>
-              <a:t>estruturadas</a:t>
-            </a:r>
-            <a:endParaRPr lang="pt-BR" sz="1800" dirty="0">
-              <a:latin typeface="Arial" panose="020B0604020202020204" pitchFamily="34" charset="0"/>
-              <a:cs typeface="Arial" panose="020B0604020202020204" pitchFamily="34" charset="0"/>
-            </a:endParaRPr>
-          </a:p>
-          <a:p>
-            <a:pPr marL="0" indent="0" algn="l">
-              <a:buNone/>
-              <a:defRPr sz="1800">
-                <a:latin typeface="Calibri"/>
-              </a:defRPr>
-            </a:pPr>
-            <a:endParaRPr lang="pt-BR" sz="1800" dirty="0">
-              <a:latin typeface="Arial" panose="020B0604020202020204" pitchFamily="34" charset="0"/>
-              <a:cs typeface="Arial" panose="020B0604020202020204" pitchFamily="34" charset="0"/>
-            </a:endParaRPr>
-          </a:p>
-          <a:p>
-            <a:pPr marL="0" indent="0">
-              <a:buNone/>
-              <a:defRPr sz="1800">
-                <a:latin typeface="Calibri"/>
-              </a:defRPr>
-            </a:pPr>
-            <a:r>
-              <a:rPr lang="pt-BR" sz="1800" dirty="0">
-                <a:latin typeface="Arial" panose="020B0604020202020204" pitchFamily="34" charset="0"/>
-                <a:cs typeface="Arial" panose="020B0604020202020204" pitchFamily="34" charset="0"/>
-              </a:rPr>
-              <a:t>Estratégias de inicialização e mutação melhoraram desempenho</a:t>
-            </a:r>
-          </a:p>
-          <a:p>
-            <a:pPr marL="0" indent="0" algn="l">
-              <a:buNone/>
-              <a:defRPr sz="1800">
-                <a:latin typeface="Calibri"/>
-              </a:defRPr>
-            </a:pPr>
-            <a:endParaRPr lang="pt-BR" sz="1800" dirty="0">
-              <a:latin typeface="Arial" panose="020B0604020202020204" pitchFamily="34" charset="0"/>
-              <a:cs typeface="Arial" panose="020B0604020202020204" pitchFamily="34" charset="0"/>
-            </a:endParaRPr>
-          </a:p>
-          <a:p>
-            <a:pPr marL="0" indent="0" algn="l">
-              <a:buNone/>
-              <a:defRPr sz="1800">
-                <a:latin typeface="Calibri"/>
-              </a:defRPr>
-            </a:pPr>
-            <a:r>
-              <a:rPr sz="1800" dirty="0" err="1">
-                <a:latin typeface="Arial" panose="020B0604020202020204" pitchFamily="34" charset="0"/>
-                <a:cs typeface="Arial" panose="020B0604020202020204" pitchFamily="34" charset="0"/>
-              </a:rPr>
-              <a:t>Próximos</a:t>
-            </a:r>
-            <a:r>
-              <a:rPr sz="1800" dirty="0">
-                <a:latin typeface="Arial" panose="020B0604020202020204" pitchFamily="34" charset="0"/>
-                <a:cs typeface="Arial" panose="020B0604020202020204" pitchFamily="34" charset="0"/>
-              </a:rPr>
-              <a:t> </a:t>
-            </a:r>
-            <a:r>
-              <a:rPr sz="1800" dirty="0" err="1">
-                <a:latin typeface="Arial" panose="020B0604020202020204" pitchFamily="34" charset="0"/>
-                <a:cs typeface="Arial" panose="020B0604020202020204" pitchFamily="34" charset="0"/>
-              </a:rPr>
-              <a:t>passos</a:t>
-            </a:r>
-            <a:r>
-              <a:rPr sz="1800" dirty="0">
-                <a:latin typeface="Arial" panose="020B0604020202020204" pitchFamily="34" charset="0"/>
-                <a:cs typeface="Arial" panose="020B0604020202020204" pitchFamily="34" charset="0"/>
-              </a:rPr>
-              <a:t> </a:t>
-            </a:r>
-            <a:r>
-              <a:rPr sz="1800" dirty="0" err="1">
-                <a:latin typeface="Arial" panose="020B0604020202020204" pitchFamily="34" charset="0"/>
-                <a:cs typeface="Arial" panose="020B0604020202020204" pitchFamily="34" charset="0"/>
-              </a:rPr>
-              <a:t>incluem</a:t>
-            </a:r>
-            <a:r>
-              <a:rPr sz="1800" dirty="0">
-                <a:latin typeface="Arial" panose="020B0604020202020204" pitchFamily="34" charset="0"/>
-                <a:cs typeface="Arial" panose="020B0604020202020204" pitchFamily="34" charset="0"/>
-              </a:rPr>
-              <a:t> </a:t>
-            </a:r>
-            <a:r>
-              <a:rPr lang="pt-BR" sz="1800" dirty="0">
-                <a:latin typeface="Arial" panose="020B0604020202020204" pitchFamily="34" charset="0"/>
-                <a:cs typeface="Arial" panose="020B0604020202020204" pitchFamily="34" charset="0"/>
-              </a:rPr>
-              <a:t>a conclusão do jogo</a:t>
-            </a:r>
-            <a:br>
-              <a:rPr dirty="0"/>
-            </a:br>
-            <a:endParaRPr dirty="0"/>
-          </a:p>
-        </p:txBody>
-      </p:sp>
-    </p:spTree>
-  </p:cSld>
-  <p:clrMapOvr>
-    <a:masterClrMapping/>
-  </p:clrMapOvr>
-</p:sld>
-</file>
-
-<file path=ppt/slides/slide2.xml><?xml version="1.0" encoding="utf-8"?>
-<p:sld xmlns:a="http://schemas.openxmlformats.org/drawingml/2006/main" xmlns:r="http://schemas.openxmlformats.org/officeDocument/2006/relationships" xmlns:p="http://schemas.openxmlformats.org/presentationml/2006/main">
-  <p:cSld>
-    <p:spTree>
-      <p:nvGrpSpPr>
-        <p:cNvPr id="1" name=""/>
-        <p:cNvGrpSpPr/>
-        <p:nvPr/>
-      </p:nvGrpSpPr>
-      <p:grpSpPr>
-        <a:xfrm>
-          <a:off x="0" y="0"/>
-          <a:ext cx="0" cy="0"/>
-          <a:chOff x="0" y="0"/>
-          <a:chExt cx="0" cy="0"/>
-        </a:xfrm>
-      </p:grpSpPr>
-      <p:sp>
-        <p:nvSpPr>
-          <p:cNvPr id="2" name="Título 1">
-            <a:extLst>
-              <a:ext uri="{FF2B5EF4-FFF2-40B4-BE49-F238E27FC236}">
-                <a16:creationId xmlns:a16="http://schemas.microsoft.com/office/drawing/2014/main" id="{9CC51775-3374-41BE-BFA9-7B34D25C1200}"/>
-              </a:ext>
-            </a:extLst>
-          </p:cNvPr>
-          <p:cNvSpPr>
-            <a:spLocks noGrp="1"/>
-          </p:cNvSpPr>
-          <p:nvPr>
-            <p:ph type="ctrTitle"/>
-          </p:nvPr>
-        </p:nvSpPr>
-        <p:spPr>
-          <a:xfrm>
-            <a:off x="701965" y="477838"/>
-            <a:ext cx="11286836" cy="1011237"/>
-          </a:xfrm>
-        </p:spPr>
-        <p:txBody>
-          <a:bodyPr>
-            <a:normAutofit fontScale="90000"/>
-          </a:bodyPr>
-          <a:lstStyle/>
-          <a:p>
-            <a:pPr algn="ctr"/>
-            <a:r>
-              <a:rPr lang="pt-BR" dirty="0"/>
-              <a:t>Tipos de Problemas em IA e Soluções</a:t>
-            </a:r>
-          </a:p>
-        </p:txBody>
-      </p:sp>
-      <p:sp>
-        <p:nvSpPr>
-          <p:cNvPr id="40" name="CaixaDeTexto 39">
-            <a:extLst>
-              <a:ext uri="{FF2B5EF4-FFF2-40B4-BE49-F238E27FC236}">
-                <a16:creationId xmlns:a16="http://schemas.microsoft.com/office/drawing/2014/main" id="{435FC523-7799-40C5-BF56-74D65A99DF1F}"/>
-              </a:ext>
-            </a:extLst>
-          </p:cNvPr>
-          <p:cNvSpPr txBox="1"/>
-          <p:nvPr/>
-        </p:nvSpPr>
-        <p:spPr>
-          <a:xfrm>
-            <a:off x="1838035" y="2020344"/>
-            <a:ext cx="7629238" cy="4278094"/>
-          </a:xfrm>
-          <a:prstGeom prst="rect">
-            <a:avLst/>
-          </a:prstGeom>
-          <a:noFill/>
-        </p:spPr>
-        <p:txBody>
-          <a:bodyPr wrap="square">
-            <a:spAutoFit/>
-          </a:bodyPr>
-          <a:lstStyle/>
-          <a:p>
-            <a:r>
-              <a:rPr lang="pt-BR" sz="1600" b="1" dirty="0">
-                <a:latin typeface="Arial" panose="020B0604020202020204" pitchFamily="34" charset="0"/>
-                <a:cs typeface="Arial" panose="020B0604020202020204" pitchFamily="34" charset="0"/>
-              </a:rPr>
-              <a:t>Classificação:</a:t>
-            </a:r>
-            <a:r>
-              <a:rPr lang="pt-BR" sz="1600" dirty="0">
-                <a:latin typeface="Arial" panose="020B0604020202020204" pitchFamily="34" charset="0"/>
-                <a:cs typeface="Arial" panose="020B0604020202020204" pitchFamily="34" charset="0"/>
-              </a:rPr>
-              <a:t> diagnóstico, imagens, spam</a:t>
-            </a:r>
-            <a:br>
-              <a:rPr lang="pt-BR" sz="1600" dirty="0">
-                <a:latin typeface="Arial" panose="020B0604020202020204" pitchFamily="34" charset="0"/>
-                <a:cs typeface="Arial" panose="020B0604020202020204" pitchFamily="34" charset="0"/>
-              </a:rPr>
-            </a:br>
-            <a:r>
-              <a:rPr lang="pt-BR" sz="1600" dirty="0">
-                <a:latin typeface="Arial" panose="020B0604020202020204" pitchFamily="34" charset="0"/>
-                <a:cs typeface="Arial" panose="020B0604020202020204" pitchFamily="34" charset="0"/>
-              </a:rPr>
-              <a:t>	</a:t>
-            </a:r>
-            <a:r>
-              <a:rPr lang="pt-BR" sz="1600" i="1" dirty="0">
-                <a:latin typeface="Arial" panose="020B0604020202020204" pitchFamily="34" charset="0"/>
-                <a:cs typeface="Arial" panose="020B0604020202020204" pitchFamily="34" charset="0"/>
-              </a:rPr>
-              <a:t>Soluções:</a:t>
-            </a:r>
-            <a:r>
-              <a:rPr lang="pt-BR" sz="1600" dirty="0">
-                <a:latin typeface="Arial" panose="020B0604020202020204" pitchFamily="34" charset="0"/>
-                <a:cs typeface="Arial" panose="020B0604020202020204" pitchFamily="34" charset="0"/>
-              </a:rPr>
-              <a:t> Redes neurais, árvores de decisão, SVM</a:t>
-            </a:r>
-          </a:p>
-          <a:p>
-            <a:endParaRPr lang="pt-BR" sz="1600" dirty="0">
-              <a:latin typeface="Arial" panose="020B0604020202020204" pitchFamily="34" charset="0"/>
-              <a:cs typeface="Arial" panose="020B0604020202020204" pitchFamily="34" charset="0"/>
-            </a:endParaRPr>
-          </a:p>
-          <a:p>
-            <a:r>
-              <a:rPr lang="pt-BR" sz="1600" b="1" dirty="0">
-                <a:latin typeface="Arial" panose="020B0604020202020204" pitchFamily="34" charset="0"/>
-                <a:cs typeface="Arial" panose="020B0604020202020204" pitchFamily="34" charset="0"/>
-              </a:rPr>
-              <a:t>Regressão:</a:t>
-            </a:r>
-            <a:r>
-              <a:rPr lang="pt-BR" sz="1600" dirty="0">
-                <a:latin typeface="Arial" panose="020B0604020202020204" pitchFamily="34" charset="0"/>
-                <a:cs typeface="Arial" panose="020B0604020202020204" pitchFamily="34" charset="0"/>
-              </a:rPr>
-              <a:t> previsão de preços, demanda</a:t>
-            </a:r>
-            <a:br>
-              <a:rPr lang="pt-BR" sz="1600" dirty="0">
-                <a:latin typeface="Arial" panose="020B0604020202020204" pitchFamily="34" charset="0"/>
-                <a:cs typeface="Arial" panose="020B0604020202020204" pitchFamily="34" charset="0"/>
-              </a:rPr>
-            </a:br>
-            <a:r>
-              <a:rPr lang="pt-BR" sz="1600" dirty="0">
-                <a:latin typeface="Arial" panose="020B0604020202020204" pitchFamily="34" charset="0"/>
-                <a:cs typeface="Arial" panose="020B0604020202020204" pitchFamily="34" charset="0"/>
-              </a:rPr>
-              <a:t>	</a:t>
-            </a:r>
-            <a:r>
-              <a:rPr lang="pt-BR" sz="1600" i="1" dirty="0">
-                <a:latin typeface="Arial" panose="020B0604020202020204" pitchFamily="34" charset="0"/>
-                <a:cs typeface="Arial" panose="020B0604020202020204" pitchFamily="34" charset="0"/>
-              </a:rPr>
-              <a:t>Soluções:</a:t>
-            </a:r>
-            <a:r>
-              <a:rPr lang="pt-BR" sz="1600" dirty="0">
-                <a:latin typeface="Arial" panose="020B0604020202020204" pitchFamily="34" charset="0"/>
-                <a:cs typeface="Arial" panose="020B0604020202020204" pitchFamily="34" charset="0"/>
-              </a:rPr>
-              <a:t> Regressão, redes neurais, métodos bayesianos</a:t>
-            </a:r>
-          </a:p>
-          <a:p>
-            <a:endParaRPr lang="pt-BR" sz="1600" dirty="0">
-              <a:latin typeface="Arial" panose="020B0604020202020204" pitchFamily="34" charset="0"/>
-              <a:cs typeface="Arial" panose="020B0604020202020204" pitchFamily="34" charset="0"/>
-            </a:endParaRPr>
-          </a:p>
-          <a:p>
-            <a:r>
-              <a:rPr lang="pt-BR" sz="1600" b="1" dirty="0">
-                <a:latin typeface="Arial" panose="020B0604020202020204" pitchFamily="34" charset="0"/>
-                <a:cs typeface="Arial" panose="020B0604020202020204" pitchFamily="34" charset="0"/>
-              </a:rPr>
-              <a:t>Agrupamento:</a:t>
-            </a:r>
-            <a:r>
-              <a:rPr lang="pt-BR" sz="1600" dirty="0">
-                <a:latin typeface="Arial" panose="020B0604020202020204" pitchFamily="34" charset="0"/>
-                <a:cs typeface="Arial" panose="020B0604020202020204" pitchFamily="34" charset="0"/>
-              </a:rPr>
-              <a:t> segmentação, padrões</a:t>
-            </a:r>
-            <a:br>
-              <a:rPr lang="pt-BR" sz="1600" dirty="0">
-                <a:latin typeface="Arial" panose="020B0604020202020204" pitchFamily="34" charset="0"/>
-                <a:cs typeface="Arial" panose="020B0604020202020204" pitchFamily="34" charset="0"/>
-              </a:rPr>
-            </a:br>
-            <a:r>
-              <a:rPr lang="pt-BR" sz="1600" dirty="0">
-                <a:latin typeface="Arial" panose="020B0604020202020204" pitchFamily="34" charset="0"/>
-                <a:cs typeface="Arial" panose="020B0604020202020204" pitchFamily="34" charset="0"/>
-              </a:rPr>
-              <a:t>	</a:t>
-            </a:r>
-            <a:r>
-              <a:rPr lang="pt-BR" sz="1600" i="1" dirty="0">
-                <a:latin typeface="Arial" panose="020B0604020202020204" pitchFamily="34" charset="0"/>
-                <a:cs typeface="Arial" panose="020B0604020202020204" pitchFamily="34" charset="0"/>
-              </a:rPr>
-              <a:t>Soluções:</a:t>
-            </a:r>
-            <a:r>
-              <a:rPr lang="pt-BR" sz="1600" dirty="0">
-                <a:latin typeface="Arial" panose="020B0604020202020204" pitchFamily="34" charset="0"/>
-                <a:cs typeface="Arial" panose="020B0604020202020204" pitchFamily="34" charset="0"/>
-              </a:rPr>
-              <a:t> K-</a:t>
-            </a:r>
-            <a:r>
-              <a:rPr lang="pt-BR" sz="1600" dirty="0" err="1">
-                <a:latin typeface="Arial" panose="020B0604020202020204" pitchFamily="34" charset="0"/>
-                <a:cs typeface="Arial" panose="020B0604020202020204" pitchFamily="34" charset="0"/>
-              </a:rPr>
-              <a:t>means</a:t>
-            </a:r>
-            <a:r>
-              <a:rPr lang="pt-BR" sz="1600" dirty="0">
-                <a:latin typeface="Arial" panose="020B0604020202020204" pitchFamily="34" charset="0"/>
-                <a:cs typeface="Arial" panose="020B0604020202020204" pitchFamily="34" charset="0"/>
-              </a:rPr>
-              <a:t>, DBSCAN, </a:t>
-            </a:r>
-            <a:r>
-              <a:rPr lang="pt-BR" sz="1600" dirty="0" err="1">
-                <a:latin typeface="Arial" panose="020B0604020202020204" pitchFamily="34" charset="0"/>
-                <a:cs typeface="Arial" panose="020B0604020202020204" pitchFamily="34" charset="0"/>
-              </a:rPr>
-              <a:t>clustering</a:t>
-            </a:r>
-            <a:r>
-              <a:rPr lang="pt-BR" sz="1600" dirty="0">
-                <a:latin typeface="Arial" panose="020B0604020202020204" pitchFamily="34" charset="0"/>
-                <a:cs typeface="Arial" panose="020B0604020202020204" pitchFamily="34" charset="0"/>
-              </a:rPr>
-              <a:t> hierárquico</a:t>
-            </a:r>
-          </a:p>
-          <a:p>
-            <a:pPr>
-              <a:buFont typeface="Arial" panose="020B0604020202020204" pitchFamily="34" charset="0"/>
-              <a:buChar char="•"/>
-            </a:pPr>
-            <a:endParaRPr lang="pt-BR" sz="1600" dirty="0">
-              <a:latin typeface="Arial" panose="020B0604020202020204" pitchFamily="34" charset="0"/>
-              <a:cs typeface="Arial" panose="020B0604020202020204" pitchFamily="34" charset="0"/>
-            </a:endParaRPr>
-          </a:p>
-          <a:p>
-            <a:r>
-              <a:rPr lang="pt-BR" sz="1600" b="1" dirty="0">
-                <a:latin typeface="Arial" panose="020B0604020202020204" pitchFamily="34" charset="0"/>
-                <a:cs typeface="Arial" panose="020B0604020202020204" pitchFamily="34" charset="0"/>
-              </a:rPr>
-              <a:t>Busca/Otimização:</a:t>
-            </a:r>
-            <a:r>
-              <a:rPr lang="pt-BR" sz="1600" dirty="0">
-                <a:latin typeface="Arial" panose="020B0604020202020204" pitchFamily="34" charset="0"/>
-                <a:cs typeface="Arial" panose="020B0604020202020204" pitchFamily="34" charset="0"/>
-              </a:rPr>
-              <a:t> roteamento, recursos</a:t>
-            </a:r>
-          </a:p>
-          <a:p>
-            <a:pPr lvl="1"/>
-            <a:r>
-              <a:rPr lang="pt-BR" sz="1600" i="1" dirty="0">
-                <a:latin typeface="Arial" panose="020B0604020202020204" pitchFamily="34" charset="0"/>
-                <a:cs typeface="Arial" panose="020B0604020202020204" pitchFamily="34" charset="0"/>
-              </a:rPr>
-              <a:t>	Soluções:</a:t>
-            </a:r>
-            <a:r>
-              <a:rPr lang="pt-BR" sz="1600" dirty="0">
-                <a:latin typeface="Arial" panose="020B0604020202020204" pitchFamily="34" charset="0"/>
-                <a:cs typeface="Arial" panose="020B0604020202020204" pitchFamily="34" charset="0"/>
-              </a:rPr>
-              <a:t> </a:t>
-            </a:r>
-            <a:r>
-              <a:rPr lang="pt-BR" sz="1600" b="1" dirty="0">
-                <a:latin typeface="Arial" panose="020B0604020202020204" pitchFamily="34" charset="0"/>
-                <a:cs typeface="Arial" panose="020B0604020202020204" pitchFamily="34" charset="0"/>
-              </a:rPr>
-              <a:t>Algoritmos Genéticos (IA Genética)</a:t>
-            </a:r>
-            <a:endParaRPr lang="pt-BR" sz="1600" dirty="0">
-              <a:latin typeface="Arial" panose="020B0604020202020204" pitchFamily="34" charset="0"/>
-              <a:cs typeface="Arial" panose="020B0604020202020204" pitchFamily="34" charset="0"/>
-            </a:endParaRPr>
-          </a:p>
-          <a:p>
-            <a:pPr lvl="1"/>
-            <a:endParaRPr lang="pt-BR" sz="1600" dirty="0">
-              <a:latin typeface="Arial" panose="020B0604020202020204" pitchFamily="34" charset="0"/>
-              <a:cs typeface="Arial" panose="020B0604020202020204" pitchFamily="34" charset="0"/>
-            </a:endParaRPr>
-          </a:p>
-          <a:p>
-            <a:r>
-              <a:rPr lang="pt-BR" sz="1600" b="1" dirty="0">
-                <a:latin typeface="Arial" panose="020B0604020202020204" pitchFamily="34" charset="0"/>
-                <a:cs typeface="Arial" panose="020B0604020202020204" pitchFamily="34" charset="0"/>
-              </a:rPr>
-              <a:t>Planejamento/Controle:</a:t>
-            </a:r>
-            <a:r>
-              <a:rPr lang="pt-BR" sz="1600" dirty="0">
-                <a:latin typeface="Arial" panose="020B0604020202020204" pitchFamily="34" charset="0"/>
-                <a:cs typeface="Arial" panose="020B0604020202020204" pitchFamily="34" charset="0"/>
-              </a:rPr>
-              <a:t> robótica, jogos</a:t>
-            </a:r>
-            <a:br>
-              <a:rPr lang="pt-BR" sz="1600" dirty="0">
-                <a:latin typeface="Arial" panose="020B0604020202020204" pitchFamily="34" charset="0"/>
-                <a:cs typeface="Arial" panose="020B0604020202020204" pitchFamily="34" charset="0"/>
-              </a:rPr>
-            </a:br>
-            <a:r>
-              <a:rPr lang="pt-BR" sz="1600" dirty="0">
-                <a:latin typeface="Arial" panose="020B0604020202020204" pitchFamily="34" charset="0"/>
-                <a:cs typeface="Arial" panose="020B0604020202020204" pitchFamily="34" charset="0"/>
-              </a:rPr>
-              <a:t>	</a:t>
-            </a:r>
-            <a:r>
-              <a:rPr lang="pt-BR" sz="1600" i="1" dirty="0">
-                <a:latin typeface="Arial" panose="020B0604020202020204" pitchFamily="34" charset="0"/>
-                <a:cs typeface="Arial" panose="020B0604020202020204" pitchFamily="34" charset="0"/>
-              </a:rPr>
-              <a:t>Soluções:</a:t>
-            </a:r>
-            <a:r>
-              <a:rPr lang="pt-BR" sz="1600" dirty="0">
-                <a:latin typeface="Arial" panose="020B0604020202020204" pitchFamily="34" charset="0"/>
-                <a:cs typeface="Arial" panose="020B0604020202020204" pitchFamily="34" charset="0"/>
-              </a:rPr>
-              <a:t> </a:t>
-            </a:r>
-            <a:r>
-              <a:rPr lang="pt-BR" sz="1600" b="1" dirty="0">
-                <a:latin typeface="Arial" panose="020B0604020202020204" pitchFamily="34" charset="0"/>
-                <a:cs typeface="Arial" panose="020B0604020202020204" pitchFamily="34" charset="0"/>
-              </a:rPr>
-              <a:t>Algoritmos Genéticos (IA Genética)</a:t>
-            </a:r>
-            <a:r>
-              <a:rPr lang="pt-BR" sz="1600" dirty="0">
-                <a:latin typeface="Arial" panose="020B0604020202020204" pitchFamily="34" charset="0"/>
-                <a:cs typeface="Arial" panose="020B0604020202020204" pitchFamily="34" charset="0"/>
-              </a:rPr>
-              <a:t>, reforço, especialistas</a:t>
-            </a:r>
-          </a:p>
-          <a:p>
-            <a:pPr>
-              <a:buFont typeface="Arial" panose="020B0604020202020204" pitchFamily="34" charset="0"/>
-              <a:buChar char="•"/>
-            </a:pPr>
-            <a:endParaRPr lang="pt-BR" sz="1600" dirty="0">
-              <a:latin typeface="Arial" panose="020B0604020202020204" pitchFamily="34" charset="0"/>
-              <a:cs typeface="Arial" panose="020B0604020202020204" pitchFamily="34" charset="0"/>
-            </a:endParaRPr>
-          </a:p>
-          <a:p>
-            <a:r>
-              <a:rPr lang="pt-BR" sz="1600" b="1" dirty="0">
-                <a:latin typeface="Arial" panose="020B0604020202020204" pitchFamily="34" charset="0"/>
-                <a:cs typeface="Arial" panose="020B0604020202020204" pitchFamily="34" charset="0"/>
-              </a:rPr>
-              <a:t>NLP:</a:t>
-            </a:r>
-            <a:r>
-              <a:rPr lang="pt-BR" sz="1600" dirty="0">
-                <a:latin typeface="Arial" panose="020B0604020202020204" pitchFamily="34" charset="0"/>
-                <a:cs typeface="Arial" panose="020B0604020202020204" pitchFamily="34" charset="0"/>
-              </a:rPr>
-              <a:t> tradução, sentimentos, </a:t>
-            </a:r>
-            <a:r>
-              <a:rPr lang="pt-BR" sz="1600" dirty="0" err="1">
-                <a:latin typeface="Arial" panose="020B0604020202020204" pitchFamily="34" charset="0"/>
-                <a:cs typeface="Arial" panose="020B0604020202020204" pitchFamily="34" charset="0"/>
-              </a:rPr>
-              <a:t>chatbots</a:t>
-            </a:r>
-            <a:br>
-              <a:rPr lang="pt-BR" sz="1600" dirty="0">
-                <a:latin typeface="Arial" panose="020B0604020202020204" pitchFamily="34" charset="0"/>
-                <a:cs typeface="Arial" panose="020B0604020202020204" pitchFamily="34" charset="0"/>
-              </a:rPr>
-            </a:br>
-            <a:r>
-              <a:rPr lang="pt-BR" sz="1600" dirty="0">
-                <a:latin typeface="Arial" panose="020B0604020202020204" pitchFamily="34" charset="0"/>
-                <a:cs typeface="Arial" panose="020B0604020202020204" pitchFamily="34" charset="0"/>
-              </a:rPr>
-              <a:t>	</a:t>
-            </a:r>
-            <a:r>
-              <a:rPr lang="pt-BR" sz="1600" i="1" dirty="0">
-                <a:latin typeface="Arial" panose="020B0604020202020204" pitchFamily="34" charset="0"/>
-                <a:cs typeface="Arial" panose="020B0604020202020204" pitchFamily="34" charset="0"/>
-              </a:rPr>
-              <a:t>Soluções:</a:t>
-            </a:r>
-            <a:r>
-              <a:rPr lang="pt-BR" sz="1600" dirty="0">
-                <a:latin typeface="Arial" panose="020B0604020202020204" pitchFamily="34" charset="0"/>
-                <a:cs typeface="Arial" panose="020B0604020202020204" pitchFamily="34" charset="0"/>
-              </a:rPr>
-              <a:t> RNN, transformers, análise semântica</a:t>
-            </a:r>
-          </a:p>
-        </p:txBody>
-      </p:sp>
-    </p:spTree>
-    <p:extLst>
-      <p:ext uri="{BB962C8B-B14F-4D97-AF65-F5344CB8AC3E}">
-        <p14:creationId xmlns:p14="http://schemas.microsoft.com/office/powerpoint/2010/main" val="3099890814"/>
-      </p:ext>
-    </p:extLst>
-  </p:cSld>
-  <p:clrMapOvr>
-    <a:masterClrMapping/>
-  </p:clrMapOvr>
-</p:sld>
-</file>
-
-<file path=ppt/slides/slide3.xml><?xml version="1.0" encoding="utf-8"?>
-<p:sld xmlns:a="http://schemas.openxmlformats.org/drawingml/2006/main" xmlns:r="http://schemas.openxmlformats.org/officeDocument/2006/relationships" xmlns:p="http://schemas.openxmlformats.org/presentationml/2006/main">
-  <p:cSld>
-    <p:spTree>
-      <p:nvGrpSpPr>
-        <p:cNvPr id="1" name=""/>
-        <p:cNvGrpSpPr/>
-        <p:nvPr/>
-      </p:nvGrpSpPr>
-      <p:grpSpPr>
-        <a:xfrm>
-          <a:off x="0" y="0"/>
-          <a:ext cx="0" cy="0"/>
-          <a:chOff x="0" y="0"/>
-          <a:chExt cx="0" cy="0"/>
-        </a:xfrm>
-      </p:grpSpPr>
-      <p:sp>
-        <p:nvSpPr>
-          <p:cNvPr id="2" name="Título 1">
-            <a:extLst>
-              <a:ext uri="{FF2B5EF4-FFF2-40B4-BE49-F238E27FC236}">
-                <a16:creationId xmlns:a16="http://schemas.microsoft.com/office/drawing/2014/main" id="{9CC51775-3374-41BE-BFA9-7B34D25C1200}"/>
-              </a:ext>
-            </a:extLst>
-          </p:cNvPr>
-          <p:cNvSpPr>
-            <a:spLocks noGrp="1"/>
-          </p:cNvSpPr>
-          <p:nvPr>
-            <p:ph type="ctrTitle"/>
-          </p:nvPr>
-        </p:nvSpPr>
-        <p:spPr>
-          <a:xfrm>
-            <a:off x="2963333" y="477838"/>
-            <a:ext cx="5960533" cy="1011237"/>
-          </a:xfrm>
-        </p:spPr>
-        <p:txBody>
-          <a:bodyPr/>
-          <a:lstStyle/>
-          <a:p>
-            <a:r>
-              <a:rPr lang="pt-BR" dirty="0"/>
-              <a:t>IA Genética</a:t>
-            </a:r>
-          </a:p>
-        </p:txBody>
-      </p:sp>
-      <p:sp>
-        <p:nvSpPr>
-          <p:cNvPr id="3" name="Subtítulo 2">
-            <a:extLst>
-              <a:ext uri="{FF2B5EF4-FFF2-40B4-BE49-F238E27FC236}">
-                <a16:creationId xmlns:a16="http://schemas.microsoft.com/office/drawing/2014/main" id="{2E36C558-0704-407A-A390-3D9DF24254BB}"/>
-              </a:ext>
-            </a:extLst>
-          </p:cNvPr>
-          <p:cNvSpPr>
-            <a:spLocks noGrp="1"/>
-          </p:cNvSpPr>
-          <p:nvPr>
-            <p:ph type="subTitle" idx="1"/>
-          </p:nvPr>
-        </p:nvSpPr>
-        <p:spPr>
-          <a:xfrm>
-            <a:off x="1524000" y="1884285"/>
-            <a:ext cx="9144000" cy="4072466"/>
-          </a:xfrm>
-        </p:spPr>
-        <p:txBody>
-          <a:bodyPr>
-            <a:normAutofit/>
-          </a:bodyPr>
-          <a:lstStyle/>
-          <a:p>
-            <a:r>
-              <a:rPr lang="pt-BR" sz="2800" dirty="0">
-                <a:latin typeface="Arial" panose="020B0604020202020204" pitchFamily="34" charset="0"/>
-                <a:cs typeface="Arial" panose="020B0604020202020204" pitchFamily="34" charset="0"/>
-              </a:rPr>
-              <a:t>Desenvolver um jogo baseado no Space </a:t>
-            </a:r>
-            <a:r>
-              <a:rPr lang="pt-BR" sz="2800" dirty="0" err="1">
-                <a:latin typeface="Arial" panose="020B0604020202020204" pitchFamily="34" charset="0"/>
-                <a:cs typeface="Arial" panose="020B0604020202020204" pitchFamily="34" charset="0"/>
-              </a:rPr>
-              <a:t>Invaders</a:t>
-            </a:r>
-            <a:r>
-              <a:rPr lang="pt-BR" sz="2800" dirty="0">
-                <a:latin typeface="Arial" panose="020B0604020202020204" pitchFamily="34" charset="0"/>
-                <a:cs typeface="Arial" panose="020B0604020202020204" pitchFamily="34" charset="0"/>
-              </a:rPr>
-              <a:t>.</a:t>
-            </a:r>
-            <a:br>
-              <a:rPr lang="pt-BR" sz="2800" dirty="0">
-                <a:latin typeface="Arial" panose="020B0604020202020204" pitchFamily="34" charset="0"/>
-                <a:cs typeface="Arial" panose="020B0604020202020204" pitchFamily="34" charset="0"/>
-              </a:rPr>
-            </a:br>
-            <a:endParaRPr lang="pt-BR" sz="2800" dirty="0">
-              <a:latin typeface="Arial" panose="020B0604020202020204" pitchFamily="34" charset="0"/>
-              <a:cs typeface="Arial" panose="020B0604020202020204" pitchFamily="34" charset="0"/>
-            </a:endParaRPr>
-          </a:p>
-          <a:p>
-            <a:br>
-              <a:rPr lang="pt-BR" sz="2800" dirty="0">
-                <a:latin typeface="Arial" panose="020B0604020202020204" pitchFamily="34" charset="0"/>
-                <a:cs typeface="Arial" panose="020B0604020202020204" pitchFamily="34" charset="0"/>
-              </a:rPr>
-            </a:br>
-            <a:r>
-              <a:rPr lang="pt-BR" sz="2800" dirty="0">
-                <a:latin typeface="Arial" panose="020B0604020202020204" pitchFamily="34" charset="0"/>
-                <a:cs typeface="Arial" panose="020B0604020202020204" pitchFamily="34" charset="0"/>
-              </a:rPr>
-              <a:t>Cenários:</a:t>
-            </a:r>
-          </a:p>
-        </p:txBody>
-      </p:sp>
-      <p:graphicFrame>
-        <p:nvGraphicFramePr>
-          <p:cNvPr id="4" name="Tabela 4">
-            <a:extLst>
-              <a:ext uri="{FF2B5EF4-FFF2-40B4-BE49-F238E27FC236}">
-                <a16:creationId xmlns:a16="http://schemas.microsoft.com/office/drawing/2014/main" id="{879DE0A8-A845-4471-A54D-65D245C62C9B}"/>
-              </a:ext>
-            </a:extLst>
-          </p:cNvPr>
-          <p:cNvGraphicFramePr>
-            <a:graphicFrameLocks noGrp="1"/>
-          </p:cNvGraphicFramePr>
-          <p:nvPr>
-            <p:extLst>
-              <p:ext uri="{D42A27DB-BD31-4B8C-83A1-F6EECF244321}">
-                <p14:modId xmlns:p14="http://schemas.microsoft.com/office/powerpoint/2010/main" val="2841794308"/>
-              </p:ext>
-            </p:extLst>
-          </p:nvPr>
-        </p:nvGraphicFramePr>
-        <p:xfrm>
-          <a:off x="6554742" y="4195988"/>
-          <a:ext cx="2490739" cy="1828800"/>
-        </p:xfrm>
-        <a:graphic>
-          <a:graphicData uri="http://schemas.openxmlformats.org/drawingml/2006/table">
-            <a:tbl>
-              <a:tblPr firstRow="1" bandRow="1">
-                <a:tableStyleId>{5C22544A-7EE6-4342-B048-85BDC9FD1C3A}</a:tableStyleId>
-              </a:tblPr>
-              <a:tblGrid>
-                <a:gridCol w="2490739">
-                  <a:extLst>
-                    <a:ext uri="{9D8B030D-6E8A-4147-A177-3AD203B41FA5}">
-                      <a16:colId xmlns:a16="http://schemas.microsoft.com/office/drawing/2014/main" val="853400757"/>
-                    </a:ext>
-                  </a:extLst>
-                </a:gridCol>
-              </a:tblGrid>
-              <a:tr h="0">
-                <a:tc>
-                  <a:txBody>
-                    <a:bodyPr/>
-                    <a:lstStyle/>
-                    <a:p>
-                      <a:r>
-                        <a:rPr lang="pt-BR" dirty="0"/>
-                        <a:t>Jogador</a:t>
-                      </a:r>
-                    </a:p>
-                  </a:txBody>
-                  <a:tcPr/>
-                </a:tc>
-                <a:extLst>
-                  <a:ext uri="{0D108BD9-81ED-4DB2-BD59-A6C34878D82A}">
-                    <a16:rowId xmlns:a16="http://schemas.microsoft.com/office/drawing/2014/main" val="3959859058"/>
-                  </a:ext>
-                </a:extLst>
-              </a:tr>
-              <a:tr h="309598">
-                <a:tc>
-                  <a:txBody>
-                    <a:bodyPr/>
-                    <a:lstStyle/>
-                    <a:p>
-                      <a:r>
-                        <a:rPr lang="pt-BR" dirty="0"/>
-                        <a:t>Linear</a:t>
-                      </a:r>
-                    </a:p>
-                  </a:txBody>
-                  <a:tcPr/>
-                </a:tc>
-                <a:extLst>
-                  <a:ext uri="{0D108BD9-81ED-4DB2-BD59-A6C34878D82A}">
-                    <a16:rowId xmlns:a16="http://schemas.microsoft.com/office/drawing/2014/main" val="1900998668"/>
-                  </a:ext>
-                </a:extLst>
-              </a:tr>
-              <a:tr h="309598">
-                <a:tc>
-                  <a:txBody>
-                    <a:bodyPr/>
-                    <a:lstStyle/>
-                    <a:p>
-                      <a:r>
-                        <a:rPr lang="pt-BR" dirty="0"/>
-                        <a:t>Aleatório</a:t>
-                      </a:r>
-                    </a:p>
-                  </a:txBody>
-                  <a:tcPr/>
-                </a:tc>
-                <a:extLst>
-                  <a:ext uri="{0D108BD9-81ED-4DB2-BD59-A6C34878D82A}">
-                    <a16:rowId xmlns:a16="http://schemas.microsoft.com/office/drawing/2014/main" val="1428515580"/>
-                  </a:ext>
-                </a:extLst>
-              </a:tr>
-              <a:tr h="309598">
-                <a:tc>
-                  <a:txBody>
-                    <a:bodyPr/>
-                    <a:lstStyle/>
-                    <a:p>
-                      <a:r>
-                        <a:rPr lang="pt-BR" dirty="0"/>
-                        <a:t>Manual</a:t>
-                      </a:r>
-                    </a:p>
-                  </a:txBody>
-                  <a:tcPr/>
-                </a:tc>
-                <a:extLst>
-                  <a:ext uri="{0D108BD9-81ED-4DB2-BD59-A6C34878D82A}">
-                    <a16:rowId xmlns:a16="http://schemas.microsoft.com/office/drawing/2014/main" val="3840388240"/>
-                  </a:ext>
-                </a:extLst>
-              </a:tr>
-              <a:tr h="309598">
-                <a:tc>
-                  <a:txBody>
-                    <a:bodyPr/>
-                    <a:lstStyle/>
-                    <a:p>
-                      <a:r>
-                        <a:rPr lang="pt-BR" dirty="0"/>
-                        <a:t>Genético</a:t>
-                      </a:r>
-                    </a:p>
-                  </a:txBody>
-                  <a:tcPr/>
-                </a:tc>
-                <a:extLst>
-                  <a:ext uri="{0D108BD9-81ED-4DB2-BD59-A6C34878D82A}">
-                    <a16:rowId xmlns:a16="http://schemas.microsoft.com/office/drawing/2014/main" val="1510973474"/>
-                  </a:ext>
-                </a:extLst>
-              </a:tr>
-            </a:tbl>
-          </a:graphicData>
-        </a:graphic>
-      </p:graphicFrame>
-      <p:graphicFrame>
-        <p:nvGraphicFramePr>
-          <p:cNvPr id="6" name="Tabela 5">
-            <a:extLst>
-              <a:ext uri="{FF2B5EF4-FFF2-40B4-BE49-F238E27FC236}">
-                <a16:creationId xmlns:a16="http://schemas.microsoft.com/office/drawing/2014/main" id="{FDD3C5FB-A365-4BAD-8339-9D3723642C4C}"/>
-              </a:ext>
-            </a:extLst>
-          </p:cNvPr>
-          <p:cNvGraphicFramePr>
-            <a:graphicFrameLocks noGrp="1"/>
-          </p:cNvGraphicFramePr>
-          <p:nvPr>
-            <p:extLst>
-              <p:ext uri="{D42A27DB-BD31-4B8C-83A1-F6EECF244321}">
-                <p14:modId xmlns:p14="http://schemas.microsoft.com/office/powerpoint/2010/main" val="3902692650"/>
-              </p:ext>
-            </p:extLst>
-          </p:nvPr>
-        </p:nvGraphicFramePr>
-        <p:xfrm>
-          <a:off x="2701636" y="4195988"/>
-          <a:ext cx="2490739" cy="1828800"/>
-        </p:xfrm>
-        <a:graphic>
-          <a:graphicData uri="http://schemas.openxmlformats.org/drawingml/2006/table">
-            <a:tbl>
-              <a:tblPr firstRow="1" bandRow="1">
-                <a:tableStyleId>{5C22544A-7EE6-4342-B048-85BDC9FD1C3A}</a:tableStyleId>
-              </a:tblPr>
-              <a:tblGrid>
-                <a:gridCol w="2490739">
-                  <a:extLst>
-                    <a:ext uri="{9D8B030D-6E8A-4147-A177-3AD203B41FA5}">
-                      <a16:colId xmlns:a16="http://schemas.microsoft.com/office/drawing/2014/main" val="1051954406"/>
-                    </a:ext>
-                  </a:extLst>
-                </a:gridCol>
-              </a:tblGrid>
-              <a:tr h="309598">
-                <a:tc>
-                  <a:txBody>
-                    <a:bodyPr/>
-                    <a:lstStyle/>
-                    <a:p>
-                      <a:r>
-                        <a:rPr lang="pt-BR" dirty="0"/>
-                        <a:t>Invasores</a:t>
-                      </a:r>
-                    </a:p>
-                  </a:txBody>
-                  <a:tcPr/>
-                </a:tc>
-                <a:extLst>
-                  <a:ext uri="{0D108BD9-81ED-4DB2-BD59-A6C34878D82A}">
-                    <a16:rowId xmlns:a16="http://schemas.microsoft.com/office/drawing/2014/main" val="1204013417"/>
-                  </a:ext>
-                </a:extLst>
-              </a:tr>
-              <a:tr h="309598">
-                <a:tc>
-                  <a:txBody>
-                    <a:bodyPr/>
-                    <a:lstStyle/>
-                    <a:p>
-                      <a:r>
-                        <a:rPr lang="pt-BR" dirty="0"/>
-                        <a:t>Lineares</a:t>
-                      </a:r>
-                    </a:p>
-                  </a:txBody>
-                  <a:tcPr/>
-                </a:tc>
-                <a:extLst>
-                  <a:ext uri="{0D108BD9-81ED-4DB2-BD59-A6C34878D82A}">
-                    <a16:rowId xmlns:a16="http://schemas.microsoft.com/office/drawing/2014/main" val="1224035663"/>
-                  </a:ext>
-                </a:extLst>
-              </a:tr>
-              <a:tr h="309598">
-                <a:tc>
-                  <a:txBody>
-                    <a:bodyPr/>
-                    <a:lstStyle/>
-                    <a:p>
-                      <a:r>
-                        <a:rPr lang="pt-BR" dirty="0"/>
-                        <a:t>Aleatórios</a:t>
-                      </a:r>
-                    </a:p>
-                  </a:txBody>
-                  <a:tcPr/>
-                </a:tc>
-                <a:extLst>
-                  <a:ext uri="{0D108BD9-81ED-4DB2-BD59-A6C34878D82A}">
-                    <a16:rowId xmlns:a16="http://schemas.microsoft.com/office/drawing/2014/main" val="1023810621"/>
-                  </a:ext>
-                </a:extLst>
-              </a:tr>
-              <a:tr h="309598">
-                <a:tc>
-                  <a:txBody>
-                    <a:bodyPr/>
-                    <a:lstStyle/>
-                    <a:p>
-                      <a:r>
-                        <a:rPr lang="pt-BR" dirty="0"/>
-                        <a:t>Com Logica de Desvio</a:t>
-                      </a:r>
-                    </a:p>
-                  </a:txBody>
-                  <a:tcPr/>
-                </a:tc>
-                <a:extLst>
-                  <a:ext uri="{0D108BD9-81ED-4DB2-BD59-A6C34878D82A}">
-                    <a16:rowId xmlns:a16="http://schemas.microsoft.com/office/drawing/2014/main" val="2248909627"/>
-                  </a:ext>
-                </a:extLst>
-              </a:tr>
-              <a:tr h="309598">
-                <a:tc>
-                  <a:txBody>
-                    <a:bodyPr/>
-                    <a:lstStyle/>
-                    <a:p>
-                      <a:r>
-                        <a:rPr lang="pt-BR" dirty="0"/>
-                        <a:t>Genéticos</a:t>
-                      </a:r>
-                    </a:p>
-                  </a:txBody>
-                  <a:tcPr/>
-                </a:tc>
-                <a:extLst>
-                  <a:ext uri="{0D108BD9-81ED-4DB2-BD59-A6C34878D82A}">
-                    <a16:rowId xmlns:a16="http://schemas.microsoft.com/office/drawing/2014/main" val="1211577201"/>
-                  </a:ext>
-                </a:extLst>
-              </a:tr>
-            </a:tbl>
-          </a:graphicData>
-        </a:graphic>
-      </p:graphicFrame>
-    </p:spTree>
-    <p:extLst>
-      <p:ext uri="{BB962C8B-B14F-4D97-AF65-F5344CB8AC3E}">
-        <p14:creationId xmlns:p14="http://schemas.microsoft.com/office/powerpoint/2010/main" val="2599106589"/>
-      </p:ext>
-    </p:extLst>
-  </p:cSld>
-  <p:clrMapOvr>
-    <a:masterClrMapping/>
-  </p:clrMapOvr>
-</p:sld>
-</file>
-
-<file path=ppt/slides/slide4.xml><?xml version="1.0" encoding="utf-8"?>
-<p:sld xmlns:a="http://schemas.openxmlformats.org/drawingml/2006/main" xmlns:r="http://schemas.openxmlformats.org/officeDocument/2006/relationships" xmlns:p="http://schemas.openxmlformats.org/presentationml/2006/main">
-  <p:cSld>
-    <p:spTree>
-      <p:nvGrpSpPr>
-        <p:cNvPr id="1" name=""/>
-        <p:cNvGrpSpPr/>
-        <p:nvPr/>
-      </p:nvGrpSpPr>
-      <p:grpSpPr>
-        <a:xfrm>
-          <a:off x="0" y="0"/>
-          <a:ext cx="0" cy="0"/>
-          <a:chOff x="0" y="0"/>
-          <a:chExt cx="0" cy="0"/>
-        </a:xfrm>
-      </p:grpSpPr>
-      <p:sp>
-        <p:nvSpPr>
-          <p:cNvPr id="2" name="Título 1">
-            <a:extLst>
-              <a:ext uri="{FF2B5EF4-FFF2-40B4-BE49-F238E27FC236}">
-                <a16:creationId xmlns:a16="http://schemas.microsoft.com/office/drawing/2014/main" id="{1159F4F8-4F57-4E45-95E7-7C5AE43D5587}"/>
-              </a:ext>
-            </a:extLst>
-          </p:cNvPr>
-          <p:cNvSpPr>
-            <a:spLocks noGrp="1"/>
-          </p:cNvSpPr>
-          <p:nvPr>
-            <p:ph type="title"/>
-          </p:nvPr>
-        </p:nvSpPr>
-        <p:spPr/>
-        <p:txBody>
-          <a:bodyPr/>
-          <a:lstStyle/>
-          <a:p>
-            <a:r>
-              <a:rPr lang="pt-BR" dirty="0"/>
-              <a:t>O Jogo</a:t>
-            </a:r>
-          </a:p>
-        </p:txBody>
-      </p:sp>
-      <p:pic>
-        <p:nvPicPr>
-          <p:cNvPr id="7" name="Imagem 6">
-            <a:extLst>
-              <a:ext uri="{FF2B5EF4-FFF2-40B4-BE49-F238E27FC236}">
-                <a16:creationId xmlns:a16="http://schemas.microsoft.com/office/drawing/2014/main" id="{ECEDF04A-74F4-4CA6-9BD8-1D7638F13942}"/>
-              </a:ext>
-            </a:extLst>
-          </p:cNvPr>
-          <p:cNvPicPr>
-            <a:picLocks noChangeAspect="1"/>
-          </p:cNvPicPr>
-          <p:nvPr/>
-        </p:nvPicPr>
-        <p:blipFill>
-          <a:blip r:embed="rId2"/>
-          <a:stretch>
-            <a:fillRect/>
-          </a:stretch>
-        </p:blipFill>
-        <p:spPr>
-          <a:xfrm>
-            <a:off x="443856" y="1788935"/>
-            <a:ext cx="5915556" cy="4094628"/>
-          </a:xfrm>
-          <a:prstGeom prst="rect">
-            <a:avLst/>
-          </a:prstGeom>
-        </p:spPr>
-      </p:pic>
-      <p:pic>
-        <p:nvPicPr>
-          <p:cNvPr id="9" name="Imagem 8">
-            <a:extLst>
-              <a:ext uri="{FF2B5EF4-FFF2-40B4-BE49-F238E27FC236}">
-                <a16:creationId xmlns:a16="http://schemas.microsoft.com/office/drawing/2014/main" id="{30003B7E-5F5B-432A-A74D-8D2D24307E00}"/>
-              </a:ext>
-            </a:extLst>
-          </p:cNvPr>
-          <p:cNvPicPr>
-            <a:picLocks noChangeAspect="1"/>
-          </p:cNvPicPr>
-          <p:nvPr/>
-        </p:nvPicPr>
-        <p:blipFill>
-          <a:blip r:embed="rId3"/>
-          <a:stretch>
-            <a:fillRect/>
-          </a:stretch>
-        </p:blipFill>
-        <p:spPr>
-          <a:xfrm>
-            <a:off x="6993167" y="744167"/>
-            <a:ext cx="952633" cy="752580"/>
-          </a:xfrm>
-          <a:prstGeom prst="rect">
-            <a:avLst/>
-          </a:prstGeom>
-        </p:spPr>
-      </p:pic>
-      <p:pic>
-        <p:nvPicPr>
-          <p:cNvPr id="11" name="Imagem 10">
-            <a:extLst>
-              <a:ext uri="{FF2B5EF4-FFF2-40B4-BE49-F238E27FC236}">
-                <a16:creationId xmlns:a16="http://schemas.microsoft.com/office/drawing/2014/main" id="{BDE71DA4-24E1-4E6A-BF3A-DA3C3C393F95}"/>
-              </a:ext>
-            </a:extLst>
-          </p:cNvPr>
-          <p:cNvPicPr>
-            <a:picLocks noChangeAspect="1"/>
-          </p:cNvPicPr>
-          <p:nvPr/>
-        </p:nvPicPr>
-        <p:blipFill>
-          <a:blip r:embed="rId4"/>
-          <a:stretch>
-            <a:fillRect/>
-          </a:stretch>
-        </p:blipFill>
-        <p:spPr>
-          <a:xfrm>
-            <a:off x="6931245" y="3493950"/>
-            <a:ext cx="1076475" cy="943107"/>
-          </a:xfrm>
-          <a:prstGeom prst="rect">
-            <a:avLst/>
-          </a:prstGeom>
-        </p:spPr>
-      </p:pic>
-      <p:sp>
-        <p:nvSpPr>
-          <p:cNvPr id="12" name="CaixaDeTexto 11">
-            <a:extLst>
-              <a:ext uri="{FF2B5EF4-FFF2-40B4-BE49-F238E27FC236}">
-                <a16:creationId xmlns:a16="http://schemas.microsoft.com/office/drawing/2014/main" id="{10CDAC1E-F6C4-45CC-B91B-FD54F5294CCA}"/>
-              </a:ext>
-            </a:extLst>
-          </p:cNvPr>
-          <p:cNvSpPr txBox="1"/>
-          <p:nvPr/>
-        </p:nvSpPr>
-        <p:spPr>
-          <a:xfrm>
-            <a:off x="8285018" y="889624"/>
-            <a:ext cx="1113895" cy="461665"/>
-          </a:xfrm>
-          <a:prstGeom prst="rect">
-            <a:avLst/>
-          </a:prstGeom>
-          <a:noFill/>
-        </p:spPr>
-        <p:txBody>
-          <a:bodyPr wrap="none" rtlCol="0">
-            <a:spAutoFit/>
-          </a:bodyPr>
-          <a:lstStyle/>
-          <a:p>
-            <a:r>
-              <a:rPr lang="pt-BR" sz="2400" dirty="0"/>
-              <a:t>Inimigo</a:t>
-            </a:r>
-            <a:endParaRPr lang="pt-BR" dirty="0"/>
-          </a:p>
-        </p:txBody>
-      </p:sp>
-      <p:sp>
-        <p:nvSpPr>
-          <p:cNvPr id="13" name="CaixaDeTexto 12">
-            <a:extLst>
-              <a:ext uri="{FF2B5EF4-FFF2-40B4-BE49-F238E27FC236}">
-                <a16:creationId xmlns:a16="http://schemas.microsoft.com/office/drawing/2014/main" id="{92DA30A4-9385-456C-B974-4534681B1783}"/>
-              </a:ext>
-            </a:extLst>
-          </p:cNvPr>
-          <p:cNvSpPr txBox="1"/>
-          <p:nvPr/>
-        </p:nvSpPr>
-        <p:spPr>
-          <a:xfrm>
-            <a:off x="8354292" y="3734670"/>
-            <a:ext cx="1161600" cy="461665"/>
-          </a:xfrm>
-          <a:prstGeom prst="rect">
-            <a:avLst/>
-          </a:prstGeom>
-          <a:noFill/>
-        </p:spPr>
-        <p:txBody>
-          <a:bodyPr wrap="none" rtlCol="0">
-            <a:spAutoFit/>
-          </a:bodyPr>
-          <a:lstStyle/>
-          <a:p>
-            <a:r>
-              <a:rPr lang="pt-BR" sz="2400" dirty="0"/>
-              <a:t>Jogador</a:t>
-            </a:r>
-            <a:endParaRPr lang="pt-BR" dirty="0"/>
-          </a:p>
-        </p:txBody>
-      </p:sp>
-      <p:sp>
-        <p:nvSpPr>
-          <p:cNvPr id="14" name="CaixaDeTexto 13">
-            <a:extLst>
-              <a:ext uri="{FF2B5EF4-FFF2-40B4-BE49-F238E27FC236}">
-                <a16:creationId xmlns:a16="http://schemas.microsoft.com/office/drawing/2014/main" id="{1406019F-B32F-47E1-BAF5-8DAAEEE26D24}"/>
-              </a:ext>
-            </a:extLst>
-          </p:cNvPr>
-          <p:cNvSpPr txBox="1"/>
-          <p:nvPr/>
-        </p:nvSpPr>
-        <p:spPr>
-          <a:xfrm>
-            <a:off x="8285018" y="1465866"/>
-            <a:ext cx="3223490" cy="646331"/>
-          </a:xfrm>
-          <a:prstGeom prst="rect">
-            <a:avLst/>
-          </a:prstGeom>
-          <a:noFill/>
-        </p:spPr>
-        <p:txBody>
-          <a:bodyPr wrap="square" rtlCol="0">
-            <a:spAutoFit/>
-          </a:bodyPr>
-          <a:lstStyle/>
-          <a:p>
-            <a:r>
-              <a:rPr lang="pt-BR" dirty="0"/>
-              <a:t>Objetivo: </a:t>
-            </a:r>
-          </a:p>
-          <a:p>
-            <a:r>
-              <a:rPr lang="pt-BR" dirty="0"/>
-              <a:t>Descer até o nível do jogador</a:t>
-            </a:r>
-          </a:p>
-        </p:txBody>
-      </p:sp>
-      <p:sp>
-        <p:nvSpPr>
-          <p:cNvPr id="15" name="CaixaDeTexto 14">
-            <a:extLst>
-              <a:ext uri="{FF2B5EF4-FFF2-40B4-BE49-F238E27FC236}">
-                <a16:creationId xmlns:a16="http://schemas.microsoft.com/office/drawing/2014/main" id="{1F1BF7F6-EBBA-4AB5-A1C1-A8E0FEE0A842}"/>
-              </a:ext>
-            </a:extLst>
-          </p:cNvPr>
-          <p:cNvSpPr txBox="1"/>
-          <p:nvPr/>
-        </p:nvSpPr>
-        <p:spPr>
-          <a:xfrm>
-            <a:off x="8354292" y="4351773"/>
-            <a:ext cx="3646054" cy="923330"/>
-          </a:xfrm>
-          <a:prstGeom prst="rect">
-            <a:avLst/>
-          </a:prstGeom>
-          <a:noFill/>
-        </p:spPr>
-        <p:txBody>
-          <a:bodyPr wrap="square" rtlCol="0">
-            <a:spAutoFit/>
-          </a:bodyPr>
-          <a:lstStyle/>
-          <a:p>
-            <a:r>
-              <a:rPr lang="pt-BR" dirty="0"/>
-              <a:t>Objetivo: </a:t>
-            </a:r>
-          </a:p>
-          <a:p>
-            <a:r>
-              <a:rPr lang="pt-BR" dirty="0"/>
-              <a:t>Matar o maior número de inimigos, mais rápido</a:t>
-            </a:r>
-          </a:p>
-        </p:txBody>
-      </p:sp>
-    </p:spTree>
-    <p:extLst>
-      <p:ext uri="{BB962C8B-B14F-4D97-AF65-F5344CB8AC3E}">
-        <p14:creationId xmlns:p14="http://schemas.microsoft.com/office/powerpoint/2010/main" val="3907219798"/>
-      </p:ext>
-    </p:extLst>
-  </p:cSld>
-  <p:clrMapOvr>
-    <a:masterClrMapping/>
-  </p:clrMapOvr>
-</p:sld>
-</file>
-
-<file path=ppt/slides/slide5.xml><?xml version="1.0" encoding="utf-8"?>
-<p:sld xmlns:a="http://schemas.openxmlformats.org/drawingml/2006/main" xmlns:r="http://schemas.openxmlformats.org/officeDocument/2006/relationships" xmlns:p="http://schemas.openxmlformats.org/presentationml/2006/main">
-  <p:cSld>
-    <p:spTree>
-      <p:nvGrpSpPr>
-        <p:cNvPr id="1" name=""/>
-        <p:cNvGrpSpPr/>
-        <p:nvPr/>
-      </p:nvGrpSpPr>
-      <p:grpSpPr>
-        <a:xfrm>
-          <a:off x="0" y="0"/>
-          <a:ext cx="0" cy="0"/>
-          <a:chOff x="0" y="0"/>
-          <a:chExt cx="0" cy="0"/>
-        </a:xfrm>
-      </p:grpSpPr>
-      <p:sp>
-        <p:nvSpPr>
-          <p:cNvPr id="2" name="Título 1">
-            <a:extLst>
-              <a:ext uri="{FF2B5EF4-FFF2-40B4-BE49-F238E27FC236}">
-                <a16:creationId xmlns:a16="http://schemas.microsoft.com/office/drawing/2014/main" id="{1159F4F8-4F57-4E45-95E7-7C5AE43D5587}"/>
-              </a:ext>
-            </a:extLst>
-          </p:cNvPr>
-          <p:cNvSpPr>
-            <a:spLocks noGrp="1"/>
-          </p:cNvSpPr>
-          <p:nvPr>
-            <p:ph type="title"/>
-          </p:nvPr>
-        </p:nvSpPr>
-        <p:spPr/>
-        <p:txBody>
-          <a:bodyPr/>
-          <a:lstStyle/>
-          <a:p>
-            <a:r>
-              <a:rPr lang="pt-BR" dirty="0"/>
-              <a:t>Regras</a:t>
-            </a:r>
-          </a:p>
-        </p:txBody>
-      </p:sp>
-      <p:sp>
-        <p:nvSpPr>
-          <p:cNvPr id="12" name="CaixaDeTexto 11">
-            <a:extLst>
-              <a:ext uri="{FF2B5EF4-FFF2-40B4-BE49-F238E27FC236}">
-                <a16:creationId xmlns:a16="http://schemas.microsoft.com/office/drawing/2014/main" id="{10CDAC1E-F6C4-45CC-B91B-FD54F5294CCA}"/>
-              </a:ext>
-            </a:extLst>
-          </p:cNvPr>
-          <p:cNvSpPr txBox="1"/>
-          <p:nvPr/>
-        </p:nvSpPr>
-        <p:spPr>
-          <a:xfrm>
-            <a:off x="7941265" y="452789"/>
-            <a:ext cx="1113895" cy="461665"/>
-          </a:xfrm>
-          <a:prstGeom prst="rect">
-            <a:avLst/>
-          </a:prstGeom>
-          <a:noFill/>
-        </p:spPr>
-        <p:txBody>
-          <a:bodyPr wrap="none" rtlCol="0">
-            <a:spAutoFit/>
-          </a:bodyPr>
-          <a:lstStyle/>
-          <a:p>
-            <a:r>
-              <a:rPr lang="pt-BR" sz="2400" dirty="0"/>
-              <a:t>Inimigo</a:t>
-            </a:r>
-            <a:endParaRPr lang="pt-BR" dirty="0"/>
-          </a:p>
-        </p:txBody>
-      </p:sp>
-      <p:sp>
-        <p:nvSpPr>
-          <p:cNvPr id="13" name="CaixaDeTexto 12">
-            <a:extLst>
-              <a:ext uri="{FF2B5EF4-FFF2-40B4-BE49-F238E27FC236}">
-                <a16:creationId xmlns:a16="http://schemas.microsoft.com/office/drawing/2014/main" id="{92DA30A4-9385-456C-B974-4534681B1783}"/>
-              </a:ext>
-            </a:extLst>
-          </p:cNvPr>
-          <p:cNvSpPr txBox="1"/>
-          <p:nvPr/>
-        </p:nvSpPr>
-        <p:spPr>
-          <a:xfrm>
-            <a:off x="5488892" y="3772922"/>
-            <a:ext cx="1161600" cy="461665"/>
-          </a:xfrm>
-          <a:prstGeom prst="rect">
-            <a:avLst/>
-          </a:prstGeom>
-          <a:noFill/>
-        </p:spPr>
-        <p:txBody>
-          <a:bodyPr wrap="none" rtlCol="0">
-            <a:spAutoFit/>
-          </a:bodyPr>
-          <a:lstStyle/>
-          <a:p>
-            <a:r>
-              <a:rPr lang="pt-BR" sz="2400" dirty="0"/>
-              <a:t>Jogador</a:t>
-            </a:r>
-            <a:endParaRPr lang="pt-BR" dirty="0"/>
-          </a:p>
-        </p:txBody>
-      </p:sp>
-      <p:sp>
-        <p:nvSpPr>
-          <p:cNvPr id="16" name="CaixaDeTexto 15">
-            <a:extLst>
-              <a:ext uri="{FF2B5EF4-FFF2-40B4-BE49-F238E27FC236}">
-                <a16:creationId xmlns:a16="http://schemas.microsoft.com/office/drawing/2014/main" id="{6C517516-FA90-485F-93D6-BF1DAD3CA854}"/>
-              </a:ext>
-            </a:extLst>
-          </p:cNvPr>
-          <p:cNvSpPr txBox="1"/>
-          <p:nvPr/>
-        </p:nvSpPr>
-        <p:spPr>
-          <a:xfrm>
-            <a:off x="5488892" y="4409209"/>
-            <a:ext cx="4504848" cy="923330"/>
-          </a:xfrm>
-          <a:prstGeom prst="rect">
-            <a:avLst/>
-          </a:prstGeom>
-          <a:noFill/>
-        </p:spPr>
-        <p:txBody>
-          <a:bodyPr wrap="square" rtlCol="0">
-            <a:spAutoFit/>
-          </a:bodyPr>
-          <a:lstStyle/>
-          <a:p>
-            <a:pPr marL="285750" indent="-285750">
-              <a:buFont typeface="Arial" panose="020B0604020202020204" pitchFamily="34" charset="0"/>
-              <a:buChar char="•"/>
-            </a:pPr>
-            <a:r>
-              <a:rPr lang="pt-BR" dirty="0"/>
-              <a:t>Movimentos Laterais</a:t>
-            </a:r>
-          </a:p>
-          <a:p>
-            <a:pPr marL="285750" indent="-285750">
-              <a:buFont typeface="Arial" panose="020B0604020202020204" pitchFamily="34" charset="0"/>
-              <a:buChar char="•"/>
-            </a:pPr>
-            <a:r>
-              <a:rPr lang="pt-BR" dirty="0"/>
-              <a:t>1 Tiro por vez</a:t>
-            </a:r>
-          </a:p>
-          <a:p>
-            <a:pPr marL="285750" indent="-285750">
-              <a:buFont typeface="Arial" panose="020B0604020202020204" pitchFamily="34" charset="0"/>
-              <a:buChar char="•"/>
-            </a:pPr>
-            <a:r>
-              <a:rPr lang="pt-BR" dirty="0"/>
-              <a:t>Controle do Tiro com movimentos laterais</a:t>
-            </a:r>
-          </a:p>
-        </p:txBody>
-      </p:sp>
-      <p:sp>
-        <p:nvSpPr>
-          <p:cNvPr id="17" name="CaixaDeTexto 16">
-            <a:extLst>
-              <a:ext uri="{FF2B5EF4-FFF2-40B4-BE49-F238E27FC236}">
-                <a16:creationId xmlns:a16="http://schemas.microsoft.com/office/drawing/2014/main" id="{F861585B-8493-4B0C-8689-05E929684D98}"/>
-              </a:ext>
-            </a:extLst>
-          </p:cNvPr>
-          <p:cNvSpPr txBox="1"/>
-          <p:nvPr/>
-        </p:nvSpPr>
-        <p:spPr>
-          <a:xfrm>
-            <a:off x="7941265" y="1215603"/>
-            <a:ext cx="4504848" cy="1754326"/>
-          </a:xfrm>
-          <a:prstGeom prst="rect">
-            <a:avLst/>
-          </a:prstGeom>
-          <a:noFill/>
-        </p:spPr>
-        <p:txBody>
-          <a:bodyPr wrap="square" rtlCol="0">
-            <a:spAutoFit/>
-          </a:bodyPr>
-          <a:lstStyle/>
-          <a:p>
-            <a:pPr marL="285750" indent="-285750">
-              <a:buFont typeface="Arial" panose="020B0604020202020204" pitchFamily="34" charset="0"/>
-              <a:buChar char="•"/>
-            </a:pPr>
-            <a:r>
-              <a:rPr lang="pt-BR" dirty="0"/>
-              <a:t>5 opções de movimento</a:t>
-            </a:r>
-          </a:p>
-          <a:p>
-            <a:pPr marL="742950" lvl="1" indent="-285750">
-              <a:buFont typeface="Arial" panose="020B0604020202020204" pitchFamily="34" charset="0"/>
-              <a:buChar char="•"/>
-            </a:pPr>
-            <a:r>
-              <a:rPr lang="pt-BR" dirty="0"/>
-              <a:t>Esquerda</a:t>
-            </a:r>
-          </a:p>
-          <a:p>
-            <a:pPr marL="742950" lvl="1" indent="-285750">
-              <a:buFont typeface="Arial" panose="020B0604020202020204" pitchFamily="34" charset="0"/>
-              <a:buChar char="•"/>
-            </a:pPr>
-            <a:r>
-              <a:rPr lang="pt-BR" dirty="0"/>
-              <a:t>Esquerda + Descida</a:t>
-            </a:r>
-          </a:p>
-          <a:p>
-            <a:pPr marL="742950" lvl="1" indent="-285750">
-              <a:buFont typeface="Arial" panose="020B0604020202020204" pitchFamily="34" charset="0"/>
-              <a:buChar char="•"/>
-            </a:pPr>
-            <a:r>
-              <a:rPr lang="pt-BR" dirty="0"/>
-              <a:t>Descida</a:t>
-            </a:r>
-          </a:p>
-          <a:p>
-            <a:pPr marL="742950" lvl="1" indent="-285750">
-              <a:buFont typeface="Arial" panose="020B0604020202020204" pitchFamily="34" charset="0"/>
-              <a:buChar char="•"/>
-            </a:pPr>
-            <a:r>
-              <a:rPr lang="pt-BR" dirty="0"/>
-              <a:t>Direita + Descida</a:t>
-            </a:r>
-          </a:p>
-          <a:p>
-            <a:pPr marL="742950" lvl="1" indent="-285750">
-              <a:buFont typeface="Arial" panose="020B0604020202020204" pitchFamily="34" charset="0"/>
-              <a:buChar char="•"/>
-            </a:pPr>
-            <a:r>
-              <a:rPr lang="pt-BR" dirty="0"/>
-              <a:t>Direita</a:t>
-            </a:r>
-          </a:p>
-        </p:txBody>
-      </p:sp>
-      <p:grpSp>
-        <p:nvGrpSpPr>
-          <p:cNvPr id="28" name="Agrupar 27">
-            <a:extLst>
-              <a:ext uri="{FF2B5EF4-FFF2-40B4-BE49-F238E27FC236}">
-                <a16:creationId xmlns:a16="http://schemas.microsoft.com/office/drawing/2014/main" id="{8BC02F46-02B7-4CE5-BA70-6DA8D4C572EE}"/>
-              </a:ext>
-            </a:extLst>
-          </p:cNvPr>
-          <p:cNvGrpSpPr/>
-          <p:nvPr/>
-        </p:nvGrpSpPr>
-        <p:grpSpPr>
-          <a:xfrm>
-            <a:off x="599486" y="3505077"/>
-            <a:ext cx="4305901" cy="2953162"/>
-            <a:chOff x="599486" y="3505077"/>
-            <a:chExt cx="4305901" cy="2953162"/>
-          </a:xfrm>
-        </p:grpSpPr>
-        <p:pic>
-          <p:nvPicPr>
-            <p:cNvPr id="6" name="Imagem 5">
-              <a:extLst>
-                <a:ext uri="{FF2B5EF4-FFF2-40B4-BE49-F238E27FC236}">
-                  <a16:creationId xmlns:a16="http://schemas.microsoft.com/office/drawing/2014/main" id="{B18B85E8-75CB-4972-854C-8661D757AFCF}"/>
-                </a:ext>
-              </a:extLst>
-            </p:cNvPr>
-            <p:cNvPicPr>
-              <a:picLocks noChangeAspect="1"/>
-            </p:cNvPicPr>
-            <p:nvPr/>
-          </p:nvPicPr>
-          <p:blipFill>
-            <a:blip r:embed="rId2"/>
-            <a:stretch>
-              <a:fillRect/>
-            </a:stretch>
-          </p:blipFill>
-          <p:spPr>
-            <a:xfrm>
-              <a:off x="599486" y="3505077"/>
-              <a:ext cx="4305901" cy="2953162"/>
-            </a:xfrm>
-            <a:prstGeom prst="rect">
-              <a:avLst/>
-            </a:prstGeom>
-          </p:spPr>
-        </p:pic>
-        <p:sp>
-          <p:nvSpPr>
-            <p:cNvPr id="8" name="Seta: para a Direita 7">
-              <a:extLst>
-                <a:ext uri="{FF2B5EF4-FFF2-40B4-BE49-F238E27FC236}">
-                  <a16:creationId xmlns:a16="http://schemas.microsoft.com/office/drawing/2014/main" id="{988EBD86-7F5F-4A31-A256-F807D58A5FC1}"/>
-                </a:ext>
-              </a:extLst>
-            </p:cNvPr>
-            <p:cNvSpPr/>
-            <p:nvPr/>
-          </p:nvSpPr>
-          <p:spPr>
-            <a:xfrm>
-              <a:off x="3509818" y="6085427"/>
-              <a:ext cx="618837" cy="84464"/>
-            </a:xfrm>
-            <a:prstGeom prst="rightArrow">
-              <a:avLst/>
-            </a:prstGeom>
-          </p:spPr>
-          <p:style>
-            <a:lnRef idx="2">
-              <a:schemeClr val="accent1">
-                <a:shade val="50000"/>
-              </a:schemeClr>
-            </a:lnRef>
-            <a:fillRef idx="1">
-              <a:schemeClr val="accent1"/>
-            </a:fillRef>
-            <a:effectRef idx="0">
-              <a:schemeClr val="accent1"/>
-            </a:effectRef>
-            <a:fontRef idx="minor">
-              <a:schemeClr val="lt1"/>
-            </a:fontRef>
-          </p:style>
-          <p:txBody>
-            <a:bodyPr rtlCol="0" anchor="ctr"/>
-            <a:lstStyle/>
-            <a:p>
-              <a:pPr algn="ctr"/>
-              <a:endParaRPr lang="pt-BR"/>
-            </a:p>
-          </p:txBody>
-        </p:sp>
-        <p:sp>
-          <p:nvSpPr>
-            <p:cNvPr id="18" name="Seta: para a Direita 17">
-              <a:extLst>
-                <a:ext uri="{FF2B5EF4-FFF2-40B4-BE49-F238E27FC236}">
-                  <a16:creationId xmlns:a16="http://schemas.microsoft.com/office/drawing/2014/main" id="{73482D80-6A2D-49D4-830D-B90737C55034}"/>
-                </a:ext>
-              </a:extLst>
-            </p:cNvPr>
-            <p:cNvSpPr/>
-            <p:nvPr/>
-          </p:nvSpPr>
-          <p:spPr>
-            <a:xfrm>
-              <a:off x="3431311" y="4141179"/>
-              <a:ext cx="618837" cy="84464"/>
-            </a:xfrm>
-            <a:prstGeom prst="rightArrow">
-              <a:avLst/>
-            </a:prstGeom>
-          </p:spPr>
-          <p:style>
-            <a:lnRef idx="2">
-              <a:schemeClr val="accent1">
-                <a:shade val="50000"/>
-              </a:schemeClr>
-            </a:lnRef>
-            <a:fillRef idx="1">
-              <a:schemeClr val="accent1"/>
-            </a:fillRef>
-            <a:effectRef idx="0">
-              <a:schemeClr val="accent1"/>
-            </a:effectRef>
-            <a:fontRef idx="minor">
-              <a:schemeClr val="lt1"/>
-            </a:fontRef>
-          </p:style>
-          <p:txBody>
-            <a:bodyPr rtlCol="0" anchor="ctr"/>
-            <a:lstStyle/>
-            <a:p>
-              <a:pPr algn="ctr"/>
-              <a:endParaRPr lang="pt-BR"/>
-            </a:p>
-          </p:txBody>
-        </p:sp>
-        <p:sp>
-          <p:nvSpPr>
-            <p:cNvPr id="19" name="Seta: para a Direita 18">
-              <a:extLst>
-                <a:ext uri="{FF2B5EF4-FFF2-40B4-BE49-F238E27FC236}">
-                  <a16:creationId xmlns:a16="http://schemas.microsoft.com/office/drawing/2014/main" id="{D4ED41B4-869E-4E9B-BF17-5862F34F29FB}"/>
-                </a:ext>
-              </a:extLst>
-            </p:cNvPr>
-            <p:cNvSpPr/>
-            <p:nvPr/>
-          </p:nvSpPr>
-          <p:spPr>
-            <a:xfrm rot="10800000">
-              <a:off x="1593256" y="6099286"/>
-              <a:ext cx="618837" cy="84464"/>
-            </a:xfrm>
-            <a:prstGeom prst="rightArrow">
-              <a:avLst/>
-            </a:prstGeom>
-          </p:spPr>
-          <p:style>
-            <a:lnRef idx="2">
-              <a:schemeClr val="accent1">
-                <a:shade val="50000"/>
-              </a:schemeClr>
-            </a:lnRef>
-            <a:fillRef idx="1">
-              <a:schemeClr val="accent1"/>
-            </a:fillRef>
-            <a:effectRef idx="0">
-              <a:schemeClr val="accent1"/>
-            </a:effectRef>
-            <a:fontRef idx="minor">
-              <a:schemeClr val="lt1"/>
-            </a:fontRef>
-          </p:style>
-          <p:txBody>
-            <a:bodyPr rtlCol="0" anchor="ctr"/>
-            <a:lstStyle/>
-            <a:p>
-              <a:pPr algn="ctr"/>
-              <a:endParaRPr lang="pt-BR"/>
-            </a:p>
-          </p:txBody>
-        </p:sp>
-        <p:sp>
-          <p:nvSpPr>
-            <p:cNvPr id="20" name="Seta: para a Direita 19">
-              <a:extLst>
-                <a:ext uri="{FF2B5EF4-FFF2-40B4-BE49-F238E27FC236}">
-                  <a16:creationId xmlns:a16="http://schemas.microsoft.com/office/drawing/2014/main" id="{E336AD46-147F-4385-96D1-0E74C0347F5F}"/>
-                </a:ext>
-              </a:extLst>
-            </p:cNvPr>
-            <p:cNvSpPr/>
-            <p:nvPr/>
-          </p:nvSpPr>
-          <p:spPr>
-            <a:xfrm rot="10800000">
-              <a:off x="1671768" y="4145805"/>
-              <a:ext cx="618837" cy="84464"/>
-            </a:xfrm>
-            <a:prstGeom prst="rightArrow">
-              <a:avLst/>
-            </a:prstGeom>
-          </p:spPr>
-          <p:style>
-            <a:lnRef idx="2">
-              <a:schemeClr val="accent1">
-                <a:shade val="50000"/>
-              </a:schemeClr>
-            </a:lnRef>
-            <a:fillRef idx="1">
-              <a:schemeClr val="accent1"/>
-            </a:fillRef>
-            <a:effectRef idx="0">
-              <a:schemeClr val="accent1"/>
-            </a:effectRef>
-            <a:fontRef idx="minor">
-              <a:schemeClr val="lt1"/>
-            </a:fontRef>
-          </p:style>
-          <p:txBody>
-            <a:bodyPr rtlCol="0" anchor="ctr"/>
-            <a:lstStyle/>
-            <a:p>
-              <a:pPr algn="ctr"/>
-              <a:endParaRPr lang="pt-BR"/>
-            </a:p>
-          </p:txBody>
-        </p:sp>
-      </p:grpSp>
-      <p:grpSp>
-        <p:nvGrpSpPr>
-          <p:cNvPr id="27" name="Agrupar 26">
-            <a:extLst>
-              <a:ext uri="{FF2B5EF4-FFF2-40B4-BE49-F238E27FC236}">
-                <a16:creationId xmlns:a16="http://schemas.microsoft.com/office/drawing/2014/main" id="{519C986D-2ABA-44B1-A97B-9E724E28C836}"/>
-              </a:ext>
-            </a:extLst>
-          </p:cNvPr>
-          <p:cNvGrpSpPr/>
-          <p:nvPr/>
-        </p:nvGrpSpPr>
-        <p:grpSpPr>
-          <a:xfrm>
-            <a:off x="4107246" y="481463"/>
-            <a:ext cx="3181794" cy="1743318"/>
-            <a:chOff x="3574728" y="906340"/>
-            <a:chExt cx="3181794" cy="1743318"/>
-          </a:xfrm>
-        </p:grpSpPr>
-        <p:pic>
-          <p:nvPicPr>
-            <p:cNvPr id="21" name="Imagem 20">
-              <a:extLst>
-                <a:ext uri="{FF2B5EF4-FFF2-40B4-BE49-F238E27FC236}">
-                  <a16:creationId xmlns:a16="http://schemas.microsoft.com/office/drawing/2014/main" id="{DDC0507C-AC88-49F5-BF27-9B6771E0F0F5}"/>
-                </a:ext>
-              </a:extLst>
-            </p:cNvPr>
-            <p:cNvPicPr>
-              <a:picLocks noChangeAspect="1"/>
-            </p:cNvPicPr>
-            <p:nvPr/>
-          </p:nvPicPr>
-          <p:blipFill>
-            <a:blip r:embed="rId3"/>
-            <a:stretch>
-              <a:fillRect/>
-            </a:stretch>
-          </p:blipFill>
-          <p:spPr>
-            <a:xfrm>
-              <a:off x="3574728" y="906340"/>
-              <a:ext cx="3181794" cy="1743318"/>
-            </a:xfrm>
-            <a:prstGeom prst="rect">
-              <a:avLst/>
-            </a:prstGeom>
-          </p:spPr>
-        </p:pic>
-        <p:sp>
-          <p:nvSpPr>
-            <p:cNvPr id="22" name="Seta: para a Direita 21">
-              <a:extLst>
-                <a:ext uri="{FF2B5EF4-FFF2-40B4-BE49-F238E27FC236}">
-                  <a16:creationId xmlns:a16="http://schemas.microsoft.com/office/drawing/2014/main" id="{4B478C96-1075-4E15-A7CB-D2B456F2A2D5}"/>
-                </a:ext>
-              </a:extLst>
-            </p:cNvPr>
-            <p:cNvSpPr/>
-            <p:nvPr/>
-          </p:nvSpPr>
-          <p:spPr>
-            <a:xfrm>
-              <a:off x="5708388" y="1337463"/>
-              <a:ext cx="618837" cy="84464"/>
-            </a:xfrm>
-            <a:prstGeom prst="rightArrow">
-              <a:avLst/>
-            </a:prstGeom>
-          </p:spPr>
-          <p:style>
-            <a:lnRef idx="2">
-              <a:schemeClr val="accent1">
-                <a:shade val="50000"/>
-              </a:schemeClr>
-            </a:lnRef>
-            <a:fillRef idx="1">
-              <a:schemeClr val="accent1"/>
-            </a:fillRef>
-            <a:effectRef idx="0">
-              <a:schemeClr val="accent1"/>
-            </a:effectRef>
-            <a:fontRef idx="minor">
-              <a:schemeClr val="lt1"/>
-            </a:fontRef>
-          </p:style>
-          <p:txBody>
-            <a:bodyPr rtlCol="0" anchor="ctr"/>
-            <a:lstStyle/>
-            <a:p>
-              <a:pPr algn="ctr"/>
-              <a:endParaRPr lang="pt-BR"/>
-            </a:p>
-          </p:txBody>
-        </p:sp>
-        <p:sp>
-          <p:nvSpPr>
-            <p:cNvPr id="23" name="Seta: para a Direita 22">
-              <a:extLst>
-                <a:ext uri="{FF2B5EF4-FFF2-40B4-BE49-F238E27FC236}">
-                  <a16:creationId xmlns:a16="http://schemas.microsoft.com/office/drawing/2014/main" id="{A39360C9-84BC-4BF8-89CC-438FC2497095}"/>
-                </a:ext>
-              </a:extLst>
-            </p:cNvPr>
-            <p:cNvSpPr/>
-            <p:nvPr/>
-          </p:nvSpPr>
-          <p:spPr>
-            <a:xfrm rot="10800000">
-              <a:off x="3984511" y="1369683"/>
-              <a:ext cx="618837" cy="84464"/>
-            </a:xfrm>
-            <a:prstGeom prst="rightArrow">
-              <a:avLst/>
-            </a:prstGeom>
-          </p:spPr>
-          <p:style>
-            <a:lnRef idx="2">
-              <a:schemeClr val="accent1">
-                <a:shade val="50000"/>
-              </a:schemeClr>
-            </a:lnRef>
-            <a:fillRef idx="1">
-              <a:schemeClr val="accent1"/>
-            </a:fillRef>
-            <a:effectRef idx="0">
-              <a:schemeClr val="accent1"/>
-            </a:effectRef>
-            <a:fontRef idx="minor">
-              <a:schemeClr val="lt1"/>
-            </a:fontRef>
-          </p:style>
-          <p:txBody>
-            <a:bodyPr rtlCol="0" anchor="ctr"/>
-            <a:lstStyle/>
-            <a:p>
-              <a:pPr algn="ctr"/>
-              <a:endParaRPr lang="pt-BR"/>
-            </a:p>
-          </p:txBody>
-        </p:sp>
-        <p:sp>
-          <p:nvSpPr>
-            <p:cNvPr id="24" name="Seta: para a Direita 23">
-              <a:extLst>
-                <a:ext uri="{FF2B5EF4-FFF2-40B4-BE49-F238E27FC236}">
-                  <a16:creationId xmlns:a16="http://schemas.microsoft.com/office/drawing/2014/main" id="{A2879C1E-B8EC-4296-8347-BABED9DE3CB9}"/>
-                </a:ext>
-              </a:extLst>
-            </p:cNvPr>
-            <p:cNvSpPr/>
-            <p:nvPr/>
-          </p:nvSpPr>
-          <p:spPr>
-            <a:xfrm rot="5400000">
-              <a:off x="4837734" y="1865310"/>
-              <a:ext cx="618837" cy="84464"/>
-            </a:xfrm>
-            <a:prstGeom prst="rightArrow">
-              <a:avLst/>
-            </a:prstGeom>
-          </p:spPr>
-          <p:style>
-            <a:lnRef idx="2">
-              <a:schemeClr val="accent1">
-                <a:shade val="50000"/>
-              </a:schemeClr>
-            </a:lnRef>
-            <a:fillRef idx="1">
-              <a:schemeClr val="accent1"/>
-            </a:fillRef>
-            <a:effectRef idx="0">
-              <a:schemeClr val="accent1"/>
-            </a:effectRef>
-            <a:fontRef idx="minor">
-              <a:schemeClr val="lt1"/>
-            </a:fontRef>
-          </p:style>
-          <p:txBody>
-            <a:bodyPr rtlCol="0" anchor="ctr"/>
-            <a:lstStyle/>
-            <a:p>
-              <a:pPr algn="ctr"/>
-              <a:endParaRPr lang="pt-BR"/>
-            </a:p>
-          </p:txBody>
-        </p:sp>
-        <p:sp>
-          <p:nvSpPr>
-            <p:cNvPr id="25" name="Seta: para a Direita 24">
-              <a:extLst>
-                <a:ext uri="{FF2B5EF4-FFF2-40B4-BE49-F238E27FC236}">
-                  <a16:creationId xmlns:a16="http://schemas.microsoft.com/office/drawing/2014/main" id="{10A56F58-8EA6-4083-B31D-C844B3D613DD}"/>
-                </a:ext>
-              </a:extLst>
-            </p:cNvPr>
-            <p:cNvSpPr/>
-            <p:nvPr/>
-          </p:nvSpPr>
-          <p:spPr>
-            <a:xfrm rot="2721028">
-              <a:off x="5350355" y="1832990"/>
-              <a:ext cx="618837" cy="84464"/>
-            </a:xfrm>
-            <a:prstGeom prst="rightArrow">
-              <a:avLst/>
-            </a:prstGeom>
-          </p:spPr>
-          <p:style>
-            <a:lnRef idx="2">
-              <a:schemeClr val="accent1">
-                <a:shade val="50000"/>
-              </a:schemeClr>
-            </a:lnRef>
-            <a:fillRef idx="1">
-              <a:schemeClr val="accent1"/>
-            </a:fillRef>
-            <a:effectRef idx="0">
-              <a:schemeClr val="accent1"/>
-            </a:effectRef>
-            <a:fontRef idx="minor">
-              <a:schemeClr val="lt1"/>
-            </a:fontRef>
-          </p:style>
-          <p:txBody>
-            <a:bodyPr rtlCol="0" anchor="ctr"/>
-            <a:lstStyle/>
-            <a:p>
-              <a:pPr algn="ctr"/>
-              <a:endParaRPr lang="pt-BR"/>
-            </a:p>
-          </p:txBody>
-        </p:sp>
-        <p:sp>
-          <p:nvSpPr>
-            <p:cNvPr id="26" name="Seta: para a Direita 25">
-              <a:extLst>
-                <a:ext uri="{FF2B5EF4-FFF2-40B4-BE49-F238E27FC236}">
-                  <a16:creationId xmlns:a16="http://schemas.microsoft.com/office/drawing/2014/main" id="{0787904D-CB80-4B9E-A44D-1ADA8E8E80AE}"/>
-                </a:ext>
-              </a:extLst>
-            </p:cNvPr>
-            <p:cNvSpPr/>
-            <p:nvPr/>
-          </p:nvSpPr>
-          <p:spPr>
-            <a:xfrm rot="7915562">
-              <a:off x="4323864" y="1856677"/>
-              <a:ext cx="618837" cy="84464"/>
-            </a:xfrm>
-            <a:prstGeom prst="rightArrow">
-              <a:avLst/>
-            </a:prstGeom>
-          </p:spPr>
-          <p:style>
-            <a:lnRef idx="2">
-              <a:schemeClr val="accent1">
-                <a:shade val="50000"/>
-              </a:schemeClr>
-            </a:lnRef>
-            <a:fillRef idx="1">
-              <a:schemeClr val="accent1"/>
-            </a:fillRef>
-            <a:effectRef idx="0">
-              <a:schemeClr val="accent1"/>
-            </a:effectRef>
-            <a:fontRef idx="minor">
-              <a:schemeClr val="lt1"/>
-            </a:fontRef>
-          </p:style>
-          <p:txBody>
-            <a:bodyPr rtlCol="0" anchor="ctr"/>
-            <a:lstStyle/>
-            <a:p>
-              <a:pPr algn="ctr"/>
-              <a:endParaRPr lang="pt-BR"/>
-            </a:p>
-          </p:txBody>
-        </p:sp>
-      </p:grpSp>
-    </p:spTree>
-    <p:extLst>
-      <p:ext uri="{BB962C8B-B14F-4D97-AF65-F5344CB8AC3E}">
-        <p14:creationId xmlns:p14="http://schemas.microsoft.com/office/powerpoint/2010/main" val="3342166559"/>
-      </p:ext>
-    </p:extLst>
-  </p:cSld>
-  <p:clrMapOvr>
-    <a:masterClrMapping/>
-  </p:clrMapOvr>
-</p:sld>
-</file>
-
-<file path=ppt/slides/slide6.xml><?xml version="1.0" encoding="utf-8"?>
-<p:sld xmlns:a="http://schemas.openxmlformats.org/drawingml/2006/main" xmlns:r="http://schemas.openxmlformats.org/officeDocument/2006/relationships" xmlns:p="http://schemas.openxmlformats.org/presentationml/2006/main">
-  <p:cSld>
-    <p:spTree>
-      <p:nvGrpSpPr>
-        <p:cNvPr id="1" name=""/>
-        <p:cNvGrpSpPr/>
-        <p:nvPr/>
-      </p:nvGrpSpPr>
-      <p:grpSpPr>
-        <a:xfrm>
-          <a:off x="0" y="0"/>
-          <a:ext cx="0" cy="0"/>
-          <a:chOff x="0" y="0"/>
-          <a:chExt cx="0" cy="0"/>
-        </a:xfrm>
-      </p:grpSpPr>
-      <p:sp>
-        <p:nvSpPr>
-          <p:cNvPr id="2" name="Título 1">
-            <a:extLst>
-              <a:ext uri="{FF2B5EF4-FFF2-40B4-BE49-F238E27FC236}">
-                <a16:creationId xmlns:a16="http://schemas.microsoft.com/office/drawing/2014/main" id="{1159F4F8-4F57-4E45-95E7-7C5AE43D5587}"/>
-              </a:ext>
-            </a:extLst>
-          </p:cNvPr>
-          <p:cNvSpPr>
-            <a:spLocks noGrp="1"/>
-          </p:cNvSpPr>
-          <p:nvPr>
-            <p:ph type="title"/>
-          </p:nvPr>
-        </p:nvSpPr>
-        <p:spPr/>
-        <p:txBody>
-          <a:bodyPr/>
-          <a:lstStyle/>
-          <a:p>
-            <a:r>
-              <a:rPr lang="pt-BR" dirty="0"/>
-              <a:t>Inimigo</a:t>
-            </a:r>
-          </a:p>
-        </p:txBody>
-      </p:sp>
-      <p:sp>
-        <p:nvSpPr>
-          <p:cNvPr id="12" name="CaixaDeTexto 11">
-            <a:extLst>
-              <a:ext uri="{FF2B5EF4-FFF2-40B4-BE49-F238E27FC236}">
-                <a16:creationId xmlns:a16="http://schemas.microsoft.com/office/drawing/2014/main" id="{10CDAC1E-F6C4-45CC-B91B-FD54F5294CCA}"/>
-              </a:ext>
-            </a:extLst>
-          </p:cNvPr>
-          <p:cNvSpPr txBox="1"/>
-          <p:nvPr/>
-        </p:nvSpPr>
-        <p:spPr>
-          <a:xfrm>
-            <a:off x="3684552" y="427741"/>
-            <a:ext cx="3497881" cy="1015663"/>
-          </a:xfrm>
-          <a:prstGeom prst="rect">
-            <a:avLst/>
-          </a:prstGeom>
-          <a:noFill/>
-        </p:spPr>
-        <p:txBody>
-          <a:bodyPr wrap="none" rtlCol="0">
-            <a:spAutoFit/>
-          </a:bodyPr>
-          <a:lstStyle/>
-          <a:p>
-            <a:r>
-              <a:rPr lang="pt-BR" sz="2400" b="1" dirty="0"/>
-              <a:t>Lineares</a:t>
-            </a:r>
-          </a:p>
-          <a:p>
-            <a:r>
-              <a:rPr lang="pt-BR" dirty="0"/>
-              <a:t>Direita + descida até a extremidade</a:t>
-            </a:r>
-          </a:p>
-          <a:p>
-            <a:r>
-              <a:rPr lang="pt-BR" dirty="0"/>
-              <a:t>Inverte o lado à cada extremidade </a:t>
-            </a:r>
-          </a:p>
-        </p:txBody>
-      </p:sp>
-      <p:grpSp>
-        <p:nvGrpSpPr>
-          <p:cNvPr id="27" name="Agrupar 26">
-            <a:extLst>
-              <a:ext uri="{FF2B5EF4-FFF2-40B4-BE49-F238E27FC236}">
-                <a16:creationId xmlns:a16="http://schemas.microsoft.com/office/drawing/2014/main" id="{519C986D-2ABA-44B1-A97B-9E724E28C836}"/>
-              </a:ext>
-            </a:extLst>
-          </p:cNvPr>
-          <p:cNvGrpSpPr/>
-          <p:nvPr/>
-        </p:nvGrpSpPr>
-        <p:grpSpPr>
-          <a:xfrm>
-            <a:off x="717501" y="3187718"/>
-            <a:ext cx="3181794" cy="1743318"/>
-            <a:chOff x="3574728" y="906340"/>
-            <a:chExt cx="3181794" cy="1743318"/>
-          </a:xfrm>
-        </p:grpSpPr>
-        <p:pic>
-          <p:nvPicPr>
-            <p:cNvPr id="21" name="Imagem 20">
-              <a:extLst>
-                <a:ext uri="{FF2B5EF4-FFF2-40B4-BE49-F238E27FC236}">
-                  <a16:creationId xmlns:a16="http://schemas.microsoft.com/office/drawing/2014/main" id="{DDC0507C-AC88-49F5-BF27-9B6771E0F0F5}"/>
-                </a:ext>
-              </a:extLst>
-            </p:cNvPr>
-            <p:cNvPicPr>
-              <a:picLocks noChangeAspect="1"/>
-            </p:cNvPicPr>
-            <p:nvPr/>
-          </p:nvPicPr>
-          <p:blipFill>
-            <a:blip r:embed="rId2"/>
-            <a:stretch>
-              <a:fillRect/>
-            </a:stretch>
-          </p:blipFill>
-          <p:spPr>
-            <a:xfrm>
-              <a:off x="3574728" y="906340"/>
-              <a:ext cx="3181794" cy="1743318"/>
-            </a:xfrm>
-            <a:prstGeom prst="rect">
-              <a:avLst/>
-            </a:prstGeom>
-          </p:spPr>
-        </p:pic>
-        <p:sp>
-          <p:nvSpPr>
-            <p:cNvPr id="22" name="Seta: para a Direita 21">
-              <a:extLst>
-                <a:ext uri="{FF2B5EF4-FFF2-40B4-BE49-F238E27FC236}">
-                  <a16:creationId xmlns:a16="http://schemas.microsoft.com/office/drawing/2014/main" id="{4B478C96-1075-4E15-A7CB-D2B456F2A2D5}"/>
-                </a:ext>
-              </a:extLst>
-            </p:cNvPr>
-            <p:cNvSpPr/>
-            <p:nvPr/>
-          </p:nvSpPr>
-          <p:spPr>
-            <a:xfrm>
-              <a:off x="5708388" y="1337463"/>
-              <a:ext cx="618837" cy="84464"/>
-            </a:xfrm>
-            <a:prstGeom prst="rightArrow">
-              <a:avLst/>
-            </a:prstGeom>
-          </p:spPr>
-          <p:style>
-            <a:lnRef idx="2">
-              <a:schemeClr val="accent1">
-                <a:shade val="50000"/>
-              </a:schemeClr>
-            </a:lnRef>
-            <a:fillRef idx="1">
-              <a:schemeClr val="accent1"/>
-            </a:fillRef>
-            <a:effectRef idx="0">
-              <a:schemeClr val="accent1"/>
-            </a:effectRef>
-            <a:fontRef idx="minor">
-              <a:schemeClr val="lt1"/>
-            </a:fontRef>
-          </p:style>
-          <p:txBody>
-            <a:bodyPr rtlCol="0" anchor="ctr"/>
-            <a:lstStyle/>
-            <a:p>
-              <a:pPr algn="ctr"/>
-              <a:endParaRPr lang="pt-BR"/>
-            </a:p>
-          </p:txBody>
-        </p:sp>
-        <p:sp>
-          <p:nvSpPr>
-            <p:cNvPr id="23" name="Seta: para a Direita 22">
-              <a:extLst>
-                <a:ext uri="{FF2B5EF4-FFF2-40B4-BE49-F238E27FC236}">
-                  <a16:creationId xmlns:a16="http://schemas.microsoft.com/office/drawing/2014/main" id="{A39360C9-84BC-4BF8-89CC-438FC2497095}"/>
-                </a:ext>
-              </a:extLst>
-            </p:cNvPr>
-            <p:cNvSpPr/>
-            <p:nvPr/>
-          </p:nvSpPr>
-          <p:spPr>
-            <a:xfrm rot="10800000">
-              <a:off x="3984511" y="1369683"/>
-              <a:ext cx="618837" cy="84464"/>
-            </a:xfrm>
-            <a:prstGeom prst="rightArrow">
-              <a:avLst/>
-            </a:prstGeom>
-          </p:spPr>
-          <p:style>
-            <a:lnRef idx="2">
-              <a:schemeClr val="accent1">
-                <a:shade val="50000"/>
-              </a:schemeClr>
-            </a:lnRef>
-            <a:fillRef idx="1">
-              <a:schemeClr val="accent1"/>
-            </a:fillRef>
-            <a:effectRef idx="0">
-              <a:schemeClr val="accent1"/>
-            </a:effectRef>
-            <a:fontRef idx="minor">
-              <a:schemeClr val="lt1"/>
-            </a:fontRef>
-          </p:style>
-          <p:txBody>
-            <a:bodyPr rtlCol="0" anchor="ctr"/>
-            <a:lstStyle/>
-            <a:p>
-              <a:pPr algn="ctr"/>
-              <a:endParaRPr lang="pt-BR"/>
-            </a:p>
-          </p:txBody>
-        </p:sp>
-        <p:sp>
-          <p:nvSpPr>
-            <p:cNvPr id="24" name="Seta: para a Direita 23">
-              <a:extLst>
-                <a:ext uri="{FF2B5EF4-FFF2-40B4-BE49-F238E27FC236}">
-                  <a16:creationId xmlns:a16="http://schemas.microsoft.com/office/drawing/2014/main" id="{A2879C1E-B8EC-4296-8347-BABED9DE3CB9}"/>
-                </a:ext>
-              </a:extLst>
-            </p:cNvPr>
-            <p:cNvSpPr/>
-            <p:nvPr/>
-          </p:nvSpPr>
-          <p:spPr>
-            <a:xfrm rot="5400000">
-              <a:off x="4837734" y="1865310"/>
-              <a:ext cx="618837" cy="84464"/>
-            </a:xfrm>
-            <a:prstGeom prst="rightArrow">
-              <a:avLst/>
-            </a:prstGeom>
-          </p:spPr>
-          <p:style>
-            <a:lnRef idx="2">
-              <a:schemeClr val="accent1">
-                <a:shade val="50000"/>
-              </a:schemeClr>
-            </a:lnRef>
-            <a:fillRef idx="1">
-              <a:schemeClr val="accent1"/>
-            </a:fillRef>
-            <a:effectRef idx="0">
-              <a:schemeClr val="accent1"/>
-            </a:effectRef>
-            <a:fontRef idx="minor">
-              <a:schemeClr val="lt1"/>
-            </a:fontRef>
-          </p:style>
-          <p:txBody>
-            <a:bodyPr rtlCol="0" anchor="ctr"/>
-            <a:lstStyle/>
-            <a:p>
-              <a:pPr algn="ctr"/>
-              <a:endParaRPr lang="pt-BR"/>
-            </a:p>
-          </p:txBody>
-        </p:sp>
-        <p:sp>
-          <p:nvSpPr>
-            <p:cNvPr id="25" name="Seta: para a Direita 24">
-              <a:extLst>
-                <a:ext uri="{FF2B5EF4-FFF2-40B4-BE49-F238E27FC236}">
-                  <a16:creationId xmlns:a16="http://schemas.microsoft.com/office/drawing/2014/main" id="{10A56F58-8EA6-4083-B31D-C844B3D613DD}"/>
-                </a:ext>
-              </a:extLst>
-            </p:cNvPr>
-            <p:cNvSpPr/>
-            <p:nvPr/>
-          </p:nvSpPr>
-          <p:spPr>
-            <a:xfrm rot="2721028">
-              <a:off x="5350355" y="1832990"/>
-              <a:ext cx="618837" cy="84464"/>
-            </a:xfrm>
-            <a:prstGeom prst="rightArrow">
-              <a:avLst/>
-            </a:prstGeom>
-          </p:spPr>
-          <p:style>
-            <a:lnRef idx="2">
-              <a:schemeClr val="accent1">
-                <a:shade val="50000"/>
-              </a:schemeClr>
-            </a:lnRef>
-            <a:fillRef idx="1">
-              <a:schemeClr val="accent1"/>
-            </a:fillRef>
-            <a:effectRef idx="0">
-              <a:schemeClr val="accent1"/>
-            </a:effectRef>
-            <a:fontRef idx="minor">
-              <a:schemeClr val="lt1"/>
-            </a:fontRef>
-          </p:style>
-          <p:txBody>
-            <a:bodyPr rtlCol="0" anchor="ctr"/>
-            <a:lstStyle/>
-            <a:p>
-              <a:pPr algn="ctr"/>
-              <a:endParaRPr lang="pt-BR"/>
-            </a:p>
-          </p:txBody>
-        </p:sp>
-        <p:sp>
-          <p:nvSpPr>
-            <p:cNvPr id="26" name="Seta: para a Direita 25">
-              <a:extLst>
-                <a:ext uri="{FF2B5EF4-FFF2-40B4-BE49-F238E27FC236}">
-                  <a16:creationId xmlns:a16="http://schemas.microsoft.com/office/drawing/2014/main" id="{0787904D-CB80-4B9E-A44D-1ADA8E8E80AE}"/>
-                </a:ext>
-              </a:extLst>
-            </p:cNvPr>
-            <p:cNvSpPr/>
-            <p:nvPr/>
-          </p:nvSpPr>
-          <p:spPr>
-            <a:xfrm rot="7915562">
-              <a:off x="4323864" y="1856677"/>
-              <a:ext cx="618837" cy="84464"/>
-            </a:xfrm>
-            <a:prstGeom prst="rightArrow">
-              <a:avLst/>
-            </a:prstGeom>
-          </p:spPr>
-          <p:style>
-            <a:lnRef idx="2">
-              <a:schemeClr val="accent1">
-                <a:shade val="50000"/>
-              </a:schemeClr>
-            </a:lnRef>
-            <a:fillRef idx="1">
-              <a:schemeClr val="accent1"/>
-            </a:fillRef>
-            <a:effectRef idx="0">
-              <a:schemeClr val="accent1"/>
-            </a:effectRef>
-            <a:fontRef idx="minor">
-              <a:schemeClr val="lt1"/>
-            </a:fontRef>
-          </p:style>
-          <p:txBody>
-            <a:bodyPr rtlCol="0" anchor="ctr"/>
-            <a:lstStyle/>
-            <a:p>
-              <a:pPr algn="ctr"/>
-              <a:endParaRPr lang="pt-BR"/>
-            </a:p>
-          </p:txBody>
-        </p:sp>
-      </p:grpSp>
-      <p:sp>
-        <p:nvSpPr>
-          <p:cNvPr id="28" name="CaixaDeTexto 27">
-            <a:extLst>
-              <a:ext uri="{FF2B5EF4-FFF2-40B4-BE49-F238E27FC236}">
-                <a16:creationId xmlns:a16="http://schemas.microsoft.com/office/drawing/2014/main" id="{1C793452-DB08-4F2A-9216-D532697C3B74}"/>
-              </a:ext>
-            </a:extLst>
-          </p:cNvPr>
-          <p:cNvSpPr txBox="1"/>
-          <p:nvPr/>
-        </p:nvSpPr>
-        <p:spPr>
-          <a:xfrm>
-            <a:off x="5194211" y="5115143"/>
-            <a:ext cx="3013454" cy="738664"/>
-          </a:xfrm>
-          <a:prstGeom prst="rect">
-            <a:avLst/>
-          </a:prstGeom>
-          <a:noFill/>
-        </p:spPr>
-        <p:txBody>
-          <a:bodyPr wrap="none" rtlCol="0">
-            <a:spAutoFit/>
-          </a:bodyPr>
-          <a:lstStyle/>
-          <a:p>
-            <a:r>
-              <a:rPr lang="pt-BR" sz="2400" b="1" dirty="0"/>
-              <a:t>Genéticos</a:t>
-            </a:r>
-          </a:p>
-          <a:p>
-            <a:r>
-              <a:rPr lang="pt-BR" dirty="0"/>
-              <a:t>Transmitem os melhores Gens</a:t>
-            </a:r>
-          </a:p>
-        </p:txBody>
-      </p:sp>
-      <p:sp>
-        <p:nvSpPr>
-          <p:cNvPr id="29" name="CaixaDeTexto 28">
-            <a:extLst>
-              <a:ext uri="{FF2B5EF4-FFF2-40B4-BE49-F238E27FC236}">
-                <a16:creationId xmlns:a16="http://schemas.microsoft.com/office/drawing/2014/main" id="{CD929D14-5258-4CFB-B092-E084B26CC5AF}"/>
-              </a:ext>
-            </a:extLst>
-          </p:cNvPr>
-          <p:cNvSpPr txBox="1"/>
-          <p:nvPr/>
-        </p:nvSpPr>
-        <p:spPr>
-          <a:xfrm>
-            <a:off x="6114254" y="3735525"/>
-            <a:ext cx="3830053" cy="1015663"/>
-          </a:xfrm>
-          <a:prstGeom prst="rect">
-            <a:avLst/>
-          </a:prstGeom>
-          <a:noFill/>
-        </p:spPr>
-        <p:txBody>
-          <a:bodyPr wrap="square" rtlCol="0">
-            <a:spAutoFit/>
-          </a:bodyPr>
-          <a:lstStyle/>
-          <a:p>
-            <a:r>
-              <a:rPr lang="pt-BR" sz="2400" b="1" dirty="0"/>
-              <a:t>Com Logica de Desvio</a:t>
-            </a:r>
-          </a:p>
-          <a:p>
-            <a:r>
-              <a:rPr lang="pt-BR" dirty="0"/>
-              <a:t>Vai descendo</a:t>
-            </a:r>
-          </a:p>
-          <a:p>
-            <a:r>
-              <a:rPr lang="pt-BR" dirty="0"/>
-              <a:t>Tenta desviar quando tiro aproxima</a:t>
-            </a:r>
-          </a:p>
-        </p:txBody>
-      </p:sp>
-      <p:sp>
-        <p:nvSpPr>
-          <p:cNvPr id="30" name="CaixaDeTexto 29">
-            <a:extLst>
-              <a:ext uri="{FF2B5EF4-FFF2-40B4-BE49-F238E27FC236}">
-                <a16:creationId xmlns:a16="http://schemas.microsoft.com/office/drawing/2014/main" id="{669EA15F-551E-4B10-86B2-3B8C4FC9BD02}"/>
-              </a:ext>
-            </a:extLst>
-          </p:cNvPr>
-          <p:cNvSpPr txBox="1"/>
-          <p:nvPr/>
-        </p:nvSpPr>
-        <p:spPr>
-          <a:xfrm>
-            <a:off x="5072293" y="1792872"/>
-            <a:ext cx="6048290" cy="1292662"/>
-          </a:xfrm>
-          <a:prstGeom prst="rect">
-            <a:avLst/>
-          </a:prstGeom>
-          <a:noFill/>
-        </p:spPr>
-        <p:txBody>
-          <a:bodyPr wrap="square" rtlCol="0">
-            <a:spAutoFit/>
-          </a:bodyPr>
-          <a:lstStyle/>
-          <a:p>
-            <a:r>
-              <a:rPr lang="pt-BR" sz="2400" b="1" dirty="0"/>
-              <a:t>Aleatórios</a:t>
-            </a:r>
-          </a:p>
-          <a:p>
-            <a:r>
-              <a:rPr lang="pt-BR" dirty="0"/>
-              <a:t>Sorteia a quantidade de movimentos</a:t>
-            </a:r>
-          </a:p>
-          <a:p>
-            <a:r>
-              <a:rPr lang="pt-BR" dirty="0"/>
-              <a:t>Sorteia os lados</a:t>
-            </a:r>
-          </a:p>
-          <a:p>
-            <a:r>
-              <a:rPr lang="pt-BR" dirty="0"/>
-              <a:t>Novo sorteio ao término dos movimentos</a:t>
-            </a:r>
-          </a:p>
-        </p:txBody>
-      </p:sp>
-    </p:spTree>
-    <p:extLst>
-      <p:ext uri="{BB962C8B-B14F-4D97-AF65-F5344CB8AC3E}">
-        <p14:creationId xmlns:p14="http://schemas.microsoft.com/office/powerpoint/2010/main" val="4055844690"/>
-      </p:ext>
-    </p:extLst>
-  </p:cSld>
-  <p:clrMapOvr>
-    <a:masterClrMapping/>
-  </p:clrMapOvr>
-</p:sld>
-</file>
-
-<file path=ppt/slides/slide7.xml><?xml version="1.0" encoding="utf-8"?>
-<p:sld xmlns:a="http://schemas.openxmlformats.org/drawingml/2006/main" xmlns:r="http://schemas.openxmlformats.org/officeDocument/2006/relationships" xmlns:p="http://schemas.openxmlformats.org/presentationml/2006/main">
-  <p:cSld>
-    <p:spTree>
-      <p:nvGrpSpPr>
-        <p:cNvPr id="1" name=""/>
-        <p:cNvGrpSpPr/>
-        <p:nvPr/>
-      </p:nvGrpSpPr>
-      <p:grpSpPr>
-        <a:xfrm>
-          <a:off x="0" y="0"/>
-          <a:ext cx="0" cy="0"/>
-          <a:chOff x="0" y="0"/>
-          <a:chExt cx="0" cy="0"/>
-        </a:xfrm>
-      </p:grpSpPr>
-      <p:sp>
-        <p:nvSpPr>
-          <p:cNvPr id="2" name="Título 1">
-            <a:extLst>
-              <a:ext uri="{FF2B5EF4-FFF2-40B4-BE49-F238E27FC236}">
-                <a16:creationId xmlns:a16="http://schemas.microsoft.com/office/drawing/2014/main" id="{1159F4F8-4F57-4E45-95E7-7C5AE43D5587}"/>
-              </a:ext>
-            </a:extLst>
-          </p:cNvPr>
-          <p:cNvSpPr>
-            <a:spLocks noGrp="1"/>
-          </p:cNvSpPr>
-          <p:nvPr>
-            <p:ph type="title"/>
-          </p:nvPr>
-        </p:nvSpPr>
-        <p:spPr/>
-        <p:txBody>
-          <a:bodyPr/>
-          <a:lstStyle/>
-          <a:p>
-            <a:r>
-              <a:rPr lang="pt-BR" dirty="0"/>
-              <a:t>Jogador</a:t>
-            </a:r>
-          </a:p>
-        </p:txBody>
-      </p:sp>
-      <p:sp>
-        <p:nvSpPr>
-          <p:cNvPr id="12" name="CaixaDeTexto 11">
-            <a:extLst>
-              <a:ext uri="{FF2B5EF4-FFF2-40B4-BE49-F238E27FC236}">
-                <a16:creationId xmlns:a16="http://schemas.microsoft.com/office/drawing/2014/main" id="{10CDAC1E-F6C4-45CC-B91B-FD54F5294CCA}"/>
-              </a:ext>
-            </a:extLst>
-          </p:cNvPr>
-          <p:cNvSpPr txBox="1"/>
-          <p:nvPr/>
-        </p:nvSpPr>
-        <p:spPr>
-          <a:xfrm>
-            <a:off x="3684552" y="427741"/>
-            <a:ext cx="3379195" cy="1015663"/>
-          </a:xfrm>
-          <a:prstGeom prst="rect">
-            <a:avLst/>
-          </a:prstGeom>
-          <a:noFill/>
-        </p:spPr>
-        <p:txBody>
-          <a:bodyPr wrap="none" rtlCol="0">
-            <a:spAutoFit/>
-          </a:bodyPr>
-          <a:lstStyle/>
-          <a:p>
-            <a:r>
-              <a:rPr lang="pt-BR" sz="2400" b="1" dirty="0"/>
-              <a:t>Linear</a:t>
-            </a:r>
-          </a:p>
-          <a:p>
-            <a:r>
-              <a:rPr lang="pt-BR" dirty="0"/>
-              <a:t>Inverte o lado à cada extremidade</a:t>
-            </a:r>
-          </a:p>
-          <a:p>
-            <a:r>
-              <a:rPr lang="pt-BR" dirty="0"/>
-              <a:t>Atira sempre que disponível </a:t>
-            </a:r>
-          </a:p>
-        </p:txBody>
-      </p:sp>
-      <p:sp>
-        <p:nvSpPr>
-          <p:cNvPr id="28" name="CaixaDeTexto 27">
-            <a:extLst>
-              <a:ext uri="{FF2B5EF4-FFF2-40B4-BE49-F238E27FC236}">
-                <a16:creationId xmlns:a16="http://schemas.microsoft.com/office/drawing/2014/main" id="{1C793452-DB08-4F2A-9216-D532697C3B74}"/>
-              </a:ext>
-            </a:extLst>
-          </p:cNvPr>
-          <p:cNvSpPr txBox="1"/>
-          <p:nvPr/>
-        </p:nvSpPr>
-        <p:spPr>
-          <a:xfrm>
-            <a:off x="5637556" y="5115143"/>
-            <a:ext cx="3013454" cy="738664"/>
-          </a:xfrm>
-          <a:prstGeom prst="rect">
-            <a:avLst/>
-          </a:prstGeom>
-          <a:noFill/>
-        </p:spPr>
-        <p:txBody>
-          <a:bodyPr wrap="none" rtlCol="0">
-            <a:spAutoFit/>
-          </a:bodyPr>
-          <a:lstStyle/>
-          <a:p>
-            <a:r>
-              <a:rPr lang="pt-BR" sz="2400" b="1" dirty="0"/>
-              <a:t>Genético</a:t>
-            </a:r>
-          </a:p>
-          <a:p>
-            <a:r>
-              <a:rPr lang="pt-BR" dirty="0"/>
-              <a:t>Transmitem os melhores Gens</a:t>
-            </a:r>
-          </a:p>
-        </p:txBody>
-      </p:sp>
-      <p:sp>
-        <p:nvSpPr>
-          <p:cNvPr id="29" name="CaixaDeTexto 28">
-            <a:extLst>
-              <a:ext uri="{FF2B5EF4-FFF2-40B4-BE49-F238E27FC236}">
-                <a16:creationId xmlns:a16="http://schemas.microsoft.com/office/drawing/2014/main" id="{CD929D14-5258-4CFB-B092-E084B26CC5AF}"/>
-              </a:ext>
-            </a:extLst>
-          </p:cNvPr>
-          <p:cNvSpPr txBox="1"/>
-          <p:nvPr/>
-        </p:nvSpPr>
-        <p:spPr>
-          <a:xfrm>
-            <a:off x="6114254" y="3735525"/>
-            <a:ext cx="3830053" cy="738664"/>
-          </a:xfrm>
-          <a:prstGeom prst="rect">
-            <a:avLst/>
-          </a:prstGeom>
-          <a:noFill/>
-        </p:spPr>
-        <p:txBody>
-          <a:bodyPr wrap="square" rtlCol="0">
-            <a:spAutoFit/>
-          </a:bodyPr>
-          <a:lstStyle/>
-          <a:p>
-            <a:r>
-              <a:rPr lang="pt-BR" sz="2400" b="1" dirty="0"/>
-              <a:t>Manual</a:t>
-            </a:r>
-          </a:p>
-          <a:p>
-            <a:r>
-              <a:rPr lang="pt-BR" dirty="0"/>
-              <a:t>Controlado por Humano</a:t>
-            </a:r>
-          </a:p>
-        </p:txBody>
-      </p:sp>
-      <p:sp>
-        <p:nvSpPr>
-          <p:cNvPr id="30" name="CaixaDeTexto 29">
-            <a:extLst>
-              <a:ext uri="{FF2B5EF4-FFF2-40B4-BE49-F238E27FC236}">
-                <a16:creationId xmlns:a16="http://schemas.microsoft.com/office/drawing/2014/main" id="{669EA15F-551E-4B10-86B2-3B8C4FC9BD02}"/>
-              </a:ext>
-            </a:extLst>
-          </p:cNvPr>
-          <p:cNvSpPr txBox="1"/>
-          <p:nvPr/>
-        </p:nvSpPr>
-        <p:spPr>
-          <a:xfrm>
-            <a:off x="5072293" y="1792872"/>
-            <a:ext cx="6048290" cy="1292662"/>
-          </a:xfrm>
-          <a:prstGeom prst="rect">
-            <a:avLst/>
-          </a:prstGeom>
-          <a:noFill/>
-        </p:spPr>
-        <p:txBody>
-          <a:bodyPr wrap="square" rtlCol="0">
-            <a:spAutoFit/>
-          </a:bodyPr>
-          <a:lstStyle/>
-          <a:p>
-            <a:r>
-              <a:rPr lang="pt-BR" sz="2400" b="1" dirty="0"/>
-              <a:t>Aleatório</a:t>
-            </a:r>
-          </a:p>
-          <a:p>
-            <a:r>
-              <a:rPr lang="pt-BR" dirty="0"/>
-              <a:t>Sorteia a quantidade de movimentos</a:t>
-            </a:r>
-          </a:p>
-          <a:p>
-            <a:r>
-              <a:rPr lang="pt-BR" dirty="0"/>
-              <a:t>Sorteia os lados</a:t>
-            </a:r>
-          </a:p>
-          <a:p>
-            <a:r>
-              <a:rPr lang="pt-BR" dirty="0"/>
-              <a:t>Novo sorteio ao término dos movimentos</a:t>
-            </a:r>
-          </a:p>
-        </p:txBody>
-      </p:sp>
-      <p:grpSp>
-        <p:nvGrpSpPr>
-          <p:cNvPr id="14" name="Agrupar 13">
-            <a:extLst>
-              <a:ext uri="{FF2B5EF4-FFF2-40B4-BE49-F238E27FC236}">
-                <a16:creationId xmlns:a16="http://schemas.microsoft.com/office/drawing/2014/main" id="{4A91037F-49CE-4005-8558-13D2BF53372A}"/>
-              </a:ext>
-            </a:extLst>
-          </p:cNvPr>
-          <p:cNvGrpSpPr/>
-          <p:nvPr/>
-        </p:nvGrpSpPr>
-        <p:grpSpPr>
-          <a:xfrm>
-            <a:off x="525595" y="2900645"/>
-            <a:ext cx="4305901" cy="2953162"/>
-            <a:chOff x="599486" y="3505077"/>
-            <a:chExt cx="4305901" cy="2953162"/>
-          </a:xfrm>
-        </p:grpSpPr>
-        <p:pic>
-          <p:nvPicPr>
-            <p:cNvPr id="15" name="Imagem 14">
-              <a:extLst>
-                <a:ext uri="{FF2B5EF4-FFF2-40B4-BE49-F238E27FC236}">
-                  <a16:creationId xmlns:a16="http://schemas.microsoft.com/office/drawing/2014/main" id="{AA169D88-FACB-40AA-9129-7BE654A498B6}"/>
-                </a:ext>
-              </a:extLst>
-            </p:cNvPr>
-            <p:cNvPicPr>
-              <a:picLocks noChangeAspect="1"/>
-            </p:cNvPicPr>
-            <p:nvPr/>
-          </p:nvPicPr>
-          <p:blipFill>
-            <a:blip r:embed="rId2"/>
-            <a:stretch>
-              <a:fillRect/>
-            </a:stretch>
-          </p:blipFill>
-          <p:spPr>
-            <a:xfrm>
-              <a:off x="599486" y="3505077"/>
-              <a:ext cx="4305901" cy="2953162"/>
-            </a:xfrm>
-            <a:prstGeom prst="rect">
-              <a:avLst/>
-            </a:prstGeom>
-          </p:spPr>
-        </p:pic>
-        <p:sp>
-          <p:nvSpPr>
-            <p:cNvPr id="16" name="Seta: para a Direita 15">
-              <a:extLst>
-                <a:ext uri="{FF2B5EF4-FFF2-40B4-BE49-F238E27FC236}">
-                  <a16:creationId xmlns:a16="http://schemas.microsoft.com/office/drawing/2014/main" id="{8717D373-13CA-44D0-BA7D-2835FF929F4D}"/>
-                </a:ext>
-              </a:extLst>
-            </p:cNvPr>
-            <p:cNvSpPr/>
-            <p:nvPr/>
-          </p:nvSpPr>
-          <p:spPr>
-            <a:xfrm>
-              <a:off x="3509818" y="6085427"/>
-              <a:ext cx="618837" cy="84464"/>
-            </a:xfrm>
-            <a:prstGeom prst="rightArrow">
-              <a:avLst/>
-            </a:prstGeom>
-          </p:spPr>
-          <p:style>
-            <a:lnRef idx="2">
-              <a:schemeClr val="accent1">
-                <a:shade val="50000"/>
-              </a:schemeClr>
-            </a:lnRef>
-            <a:fillRef idx="1">
-              <a:schemeClr val="accent1"/>
-            </a:fillRef>
-            <a:effectRef idx="0">
-              <a:schemeClr val="accent1"/>
-            </a:effectRef>
-            <a:fontRef idx="minor">
-              <a:schemeClr val="lt1"/>
-            </a:fontRef>
-          </p:style>
-          <p:txBody>
-            <a:bodyPr rtlCol="0" anchor="ctr"/>
-            <a:lstStyle/>
-            <a:p>
-              <a:pPr algn="ctr"/>
-              <a:endParaRPr lang="pt-BR"/>
-            </a:p>
-          </p:txBody>
-        </p:sp>
-        <p:sp>
-          <p:nvSpPr>
-            <p:cNvPr id="17" name="Seta: para a Direita 16">
-              <a:extLst>
-                <a:ext uri="{FF2B5EF4-FFF2-40B4-BE49-F238E27FC236}">
-                  <a16:creationId xmlns:a16="http://schemas.microsoft.com/office/drawing/2014/main" id="{3E6C4EE9-3D28-4A64-BD11-A4565B39A452}"/>
-                </a:ext>
-              </a:extLst>
-            </p:cNvPr>
-            <p:cNvSpPr/>
-            <p:nvPr/>
-          </p:nvSpPr>
-          <p:spPr>
-            <a:xfrm>
-              <a:off x="3431311" y="4141179"/>
-              <a:ext cx="618837" cy="84464"/>
-            </a:xfrm>
-            <a:prstGeom prst="rightArrow">
-              <a:avLst/>
-            </a:prstGeom>
-          </p:spPr>
-          <p:style>
-            <a:lnRef idx="2">
-              <a:schemeClr val="accent1">
-                <a:shade val="50000"/>
-              </a:schemeClr>
-            </a:lnRef>
-            <a:fillRef idx="1">
-              <a:schemeClr val="accent1"/>
-            </a:fillRef>
-            <a:effectRef idx="0">
-              <a:schemeClr val="accent1"/>
-            </a:effectRef>
-            <a:fontRef idx="minor">
-              <a:schemeClr val="lt1"/>
-            </a:fontRef>
-          </p:style>
-          <p:txBody>
-            <a:bodyPr rtlCol="0" anchor="ctr"/>
-            <a:lstStyle/>
-            <a:p>
-              <a:pPr algn="ctr"/>
-              <a:endParaRPr lang="pt-BR"/>
-            </a:p>
-          </p:txBody>
-        </p:sp>
-        <p:sp>
-          <p:nvSpPr>
-            <p:cNvPr id="18" name="Seta: para a Direita 17">
-              <a:extLst>
-                <a:ext uri="{FF2B5EF4-FFF2-40B4-BE49-F238E27FC236}">
-                  <a16:creationId xmlns:a16="http://schemas.microsoft.com/office/drawing/2014/main" id="{50905A4F-E05F-47D2-9144-A64D8DFAA68D}"/>
-                </a:ext>
-              </a:extLst>
-            </p:cNvPr>
-            <p:cNvSpPr/>
-            <p:nvPr/>
-          </p:nvSpPr>
-          <p:spPr>
-            <a:xfrm rot="10800000">
-              <a:off x="1593256" y="6099286"/>
-              <a:ext cx="618837" cy="84464"/>
-            </a:xfrm>
-            <a:prstGeom prst="rightArrow">
-              <a:avLst/>
-            </a:prstGeom>
-          </p:spPr>
-          <p:style>
-            <a:lnRef idx="2">
-              <a:schemeClr val="accent1">
-                <a:shade val="50000"/>
-              </a:schemeClr>
-            </a:lnRef>
-            <a:fillRef idx="1">
-              <a:schemeClr val="accent1"/>
-            </a:fillRef>
-            <a:effectRef idx="0">
-              <a:schemeClr val="accent1"/>
-            </a:effectRef>
-            <a:fontRef idx="minor">
-              <a:schemeClr val="lt1"/>
-            </a:fontRef>
-          </p:style>
-          <p:txBody>
-            <a:bodyPr rtlCol="0" anchor="ctr"/>
-            <a:lstStyle/>
-            <a:p>
-              <a:pPr algn="ctr"/>
-              <a:endParaRPr lang="pt-BR"/>
-            </a:p>
-          </p:txBody>
-        </p:sp>
-        <p:sp>
-          <p:nvSpPr>
-            <p:cNvPr id="19" name="Seta: para a Direita 18">
-              <a:extLst>
-                <a:ext uri="{FF2B5EF4-FFF2-40B4-BE49-F238E27FC236}">
-                  <a16:creationId xmlns:a16="http://schemas.microsoft.com/office/drawing/2014/main" id="{6ADB5983-E948-49B1-BC10-5C2E6952B307}"/>
-                </a:ext>
-              </a:extLst>
-            </p:cNvPr>
-            <p:cNvSpPr/>
-            <p:nvPr/>
-          </p:nvSpPr>
-          <p:spPr>
-            <a:xfrm rot="10800000">
-              <a:off x="1671768" y="4145805"/>
-              <a:ext cx="618837" cy="84464"/>
-            </a:xfrm>
-            <a:prstGeom prst="rightArrow">
-              <a:avLst/>
-            </a:prstGeom>
-          </p:spPr>
-          <p:style>
-            <a:lnRef idx="2">
-              <a:schemeClr val="accent1">
-                <a:shade val="50000"/>
-              </a:schemeClr>
-            </a:lnRef>
-            <a:fillRef idx="1">
-              <a:schemeClr val="accent1"/>
-            </a:fillRef>
-            <a:effectRef idx="0">
-              <a:schemeClr val="accent1"/>
-            </a:effectRef>
-            <a:fontRef idx="minor">
-              <a:schemeClr val="lt1"/>
-            </a:fontRef>
-          </p:style>
-          <p:txBody>
-            <a:bodyPr rtlCol="0" anchor="ctr"/>
-            <a:lstStyle/>
-            <a:p>
-              <a:pPr algn="ctr"/>
-              <a:endParaRPr lang="pt-BR"/>
-            </a:p>
-          </p:txBody>
-        </p:sp>
-      </p:grpSp>
-    </p:spTree>
-    <p:extLst>
-      <p:ext uri="{BB962C8B-B14F-4D97-AF65-F5344CB8AC3E}">
-        <p14:creationId xmlns:p14="http://schemas.microsoft.com/office/powerpoint/2010/main" val="2531453488"/>
-      </p:ext>
-    </p:extLst>
-  </p:cSld>
-  <p:clrMapOvr>
-    <a:masterClrMapping/>
-  </p:clrMapOvr>
-</p:sld>
-</file>
-
-<file path=ppt/slides/slide8.xml><?xml version="1.0" encoding="utf-8"?>
 <p:sld xmlns:a="http://schemas.openxmlformats.org/drawingml/2006/main" xmlns:r="http://schemas.openxmlformats.org/officeDocument/2006/relationships" xmlns:p="http://schemas.openxmlformats.org/presentationml/2006/main">
   <p:cSld>
     <p:spTree>
@@ -9900,6 +5877,4092 @@
 </p:sld>
 </file>
 
+<file path=ppt/slides/slide12.xml><?xml version="1.0" encoding="utf-8"?>
+<p:sld xmlns:a="http://schemas.openxmlformats.org/drawingml/2006/main" xmlns:r="http://schemas.openxmlformats.org/officeDocument/2006/relationships" xmlns:p="http://schemas.openxmlformats.org/presentationml/2006/main">
+  <p:cSld>
+    <p:spTree>
+      <p:nvGrpSpPr>
+        <p:cNvPr id="1" name=""/>
+        <p:cNvGrpSpPr/>
+        <p:nvPr/>
+      </p:nvGrpSpPr>
+      <p:grpSpPr>
+        <a:xfrm>
+          <a:off x="0" y="0"/>
+          <a:ext cx="0" cy="0"/>
+          <a:chOff x="0" y="0"/>
+          <a:chExt cx="0" cy="0"/>
+        </a:xfrm>
+      </p:grpSpPr>
+      <p:sp>
+        <p:nvSpPr>
+          <p:cNvPr id="2" name="Título 1">
+            <a:extLst>
+              <a:ext uri="{FF2B5EF4-FFF2-40B4-BE49-F238E27FC236}">
+                <a16:creationId xmlns:a16="http://schemas.microsoft.com/office/drawing/2014/main" id="{1159F4F8-4F57-4E45-95E7-7C5AE43D5587}"/>
+              </a:ext>
+            </a:extLst>
+          </p:cNvPr>
+          <p:cNvSpPr>
+            <a:spLocks noGrp="1"/>
+          </p:cNvSpPr>
+          <p:nvPr>
+            <p:ph type="title"/>
+          </p:nvPr>
+        </p:nvSpPr>
+        <p:spPr/>
+        <p:txBody>
+          <a:bodyPr/>
+          <a:lstStyle/>
+          <a:p>
+            <a:r>
+              <a:rPr lang="pt-BR" dirty="0"/>
+              <a:t>Importância do Elitismo e da Diversidade</a:t>
+            </a:r>
+          </a:p>
+        </p:txBody>
+      </p:sp>
+      <p:sp>
+        <p:nvSpPr>
+          <p:cNvPr id="6" name="CaixaDeTexto 5">
+            <a:extLst>
+              <a:ext uri="{FF2B5EF4-FFF2-40B4-BE49-F238E27FC236}">
+                <a16:creationId xmlns:a16="http://schemas.microsoft.com/office/drawing/2014/main" id="{E2508650-0878-448B-8385-536518D597EF}"/>
+              </a:ext>
+            </a:extLst>
+          </p:cNvPr>
+          <p:cNvSpPr txBox="1"/>
+          <p:nvPr/>
+        </p:nvSpPr>
+        <p:spPr>
+          <a:xfrm>
+            <a:off x="838199" y="2304994"/>
+            <a:ext cx="10762673" cy="1754326"/>
+          </a:xfrm>
+          <a:prstGeom prst="rect">
+            <a:avLst/>
+          </a:prstGeom>
+          <a:noFill/>
+        </p:spPr>
+        <p:txBody>
+          <a:bodyPr wrap="square">
+            <a:spAutoFit/>
+          </a:bodyPr>
+          <a:lstStyle/>
+          <a:p>
+            <a:pPr marL="0" marR="0" lvl="0" indent="0" algn="l" defTabSz="914400" rtl="0" eaLnBrk="0" fontAlgn="base" latinLnBrk="0" hangingPunct="0">
+              <a:lnSpc>
+                <a:spcPct val="100000"/>
+              </a:lnSpc>
+              <a:spcBef>
+                <a:spcPct val="0"/>
+              </a:spcBef>
+              <a:spcAft>
+                <a:spcPct val="0"/>
+              </a:spcAft>
+              <a:buClrTx/>
+              <a:buSzTx/>
+              <a:tabLst/>
+            </a:pPr>
+            <a:r>
+              <a:rPr kumimoji="0" lang="pt-BR" altLang="pt-BR" sz="1800" b="1" i="0" u="none" strike="noStrike" cap="none" normalizeH="0" baseline="0" dirty="0">
+                <a:ln>
+                  <a:noFill/>
+                </a:ln>
+                <a:solidFill>
+                  <a:schemeClr val="tx1"/>
+                </a:solidFill>
+                <a:effectLst/>
+                <a:latin typeface="Arial" panose="020B0604020202020204" pitchFamily="34" charset="0"/>
+              </a:rPr>
+              <a:t>Manter o melhor indivíduo </a:t>
+            </a:r>
+            <a:r>
+              <a:rPr kumimoji="0" lang="pt-BR" altLang="pt-BR" sz="1800" b="0" i="0" u="none" strike="noStrike" cap="none" normalizeH="0" baseline="0" dirty="0">
+                <a:ln>
+                  <a:noFill/>
+                </a:ln>
+                <a:solidFill>
+                  <a:schemeClr val="tx1"/>
+                </a:solidFill>
+                <a:effectLst/>
+                <a:latin typeface="Arial" panose="020B0604020202020204" pitchFamily="34" charset="0"/>
+              </a:rPr>
+              <a:t>(elitismo) em cada geração foi fundamental.</a:t>
+            </a:r>
+          </a:p>
+          <a:p>
+            <a:pPr marL="0" marR="0" lvl="0" indent="0" algn="l" defTabSz="914400" rtl="0" eaLnBrk="0" fontAlgn="base" latinLnBrk="0" hangingPunct="0">
+              <a:lnSpc>
+                <a:spcPct val="100000"/>
+              </a:lnSpc>
+              <a:spcBef>
+                <a:spcPct val="0"/>
+              </a:spcBef>
+              <a:spcAft>
+                <a:spcPct val="0"/>
+              </a:spcAft>
+              <a:buClrTx/>
+              <a:buSzTx/>
+              <a:tabLst/>
+            </a:pPr>
+            <a:endParaRPr lang="pt-BR" altLang="pt-BR" dirty="0">
+              <a:latin typeface="Arial" panose="020B0604020202020204" pitchFamily="34" charset="0"/>
+            </a:endParaRPr>
+          </a:p>
+          <a:p>
+            <a:pPr marL="0" marR="0" lvl="0" indent="0" algn="l" defTabSz="914400" rtl="0" eaLnBrk="0" fontAlgn="base" latinLnBrk="0" hangingPunct="0">
+              <a:lnSpc>
+                <a:spcPct val="100000"/>
+              </a:lnSpc>
+              <a:spcBef>
+                <a:spcPct val="0"/>
+              </a:spcBef>
+              <a:spcAft>
+                <a:spcPct val="0"/>
+              </a:spcAft>
+              <a:buClrTx/>
+              <a:buSzTx/>
+              <a:tabLst/>
+            </a:pPr>
+            <a:r>
+              <a:rPr kumimoji="0" lang="pt-BR" altLang="pt-BR" sz="1800" b="0" i="0" u="none" strike="noStrike" cap="none" normalizeH="0" baseline="0" dirty="0">
+                <a:ln>
+                  <a:noFill/>
+                </a:ln>
+                <a:solidFill>
+                  <a:schemeClr val="tx1"/>
+                </a:solidFill>
+                <a:effectLst/>
+                <a:latin typeface="Arial" panose="020B0604020202020204" pitchFamily="34" charset="0"/>
+              </a:rPr>
+              <a:t>Isso permitiu aumentar a taxa de mutação, acelerando a descoberta de caminhos mais eficientes.</a:t>
+            </a:r>
+          </a:p>
+          <a:p>
+            <a:pPr marL="0" marR="0" lvl="0" indent="0" algn="l" defTabSz="914400" rtl="0" eaLnBrk="0" fontAlgn="base" latinLnBrk="0" hangingPunct="0">
+              <a:lnSpc>
+                <a:spcPct val="100000"/>
+              </a:lnSpc>
+              <a:spcBef>
+                <a:spcPct val="0"/>
+              </a:spcBef>
+              <a:spcAft>
+                <a:spcPct val="0"/>
+              </a:spcAft>
+              <a:buClrTx/>
+              <a:buSzTx/>
+              <a:tabLst/>
+            </a:pPr>
+            <a:endParaRPr lang="pt-BR" altLang="pt-BR" dirty="0">
+              <a:latin typeface="Arial" panose="020B0604020202020204" pitchFamily="34" charset="0"/>
+            </a:endParaRPr>
+          </a:p>
+          <a:p>
+            <a:pPr marL="0" marR="0" lvl="0" indent="0" algn="l" defTabSz="914400" rtl="0" eaLnBrk="0" fontAlgn="base" latinLnBrk="0" hangingPunct="0">
+              <a:lnSpc>
+                <a:spcPct val="100000"/>
+              </a:lnSpc>
+              <a:spcBef>
+                <a:spcPct val="0"/>
+              </a:spcBef>
+              <a:spcAft>
+                <a:spcPct val="0"/>
+              </a:spcAft>
+              <a:buClrTx/>
+              <a:buSzTx/>
+              <a:tabLst/>
+            </a:pPr>
+            <a:r>
+              <a:rPr kumimoji="0" lang="pt-BR" altLang="pt-BR" sz="1800" b="0" i="0" u="none" strike="noStrike" cap="none" normalizeH="0" baseline="0" dirty="0">
+                <a:ln>
+                  <a:noFill/>
+                </a:ln>
+                <a:solidFill>
+                  <a:schemeClr val="tx1"/>
+                </a:solidFill>
+                <a:effectLst/>
+                <a:latin typeface="Arial" panose="020B0604020202020204" pitchFamily="34" charset="0"/>
+              </a:rPr>
+              <a:t>A combinação de elitismo, inicialização aprimorada e mutação em blocos estruturados favoreceu o surgimento de soluções cada vez melhores.</a:t>
+            </a:r>
+          </a:p>
+        </p:txBody>
+      </p:sp>
+    </p:spTree>
+    <p:extLst>
+      <p:ext uri="{BB962C8B-B14F-4D97-AF65-F5344CB8AC3E}">
+        <p14:creationId xmlns:p14="http://schemas.microsoft.com/office/powerpoint/2010/main" val="2216287888"/>
+      </p:ext>
+    </p:extLst>
+  </p:cSld>
+  <p:clrMapOvr>
+    <a:masterClrMapping/>
+  </p:clrMapOvr>
+</p:sld>
+</file>
+
+<file path=ppt/slides/slide13.xml><?xml version="1.0" encoding="utf-8"?>
+<p:sld xmlns:a="http://schemas.openxmlformats.org/drawingml/2006/main" xmlns:r="http://schemas.openxmlformats.org/officeDocument/2006/relationships" xmlns:p="http://schemas.openxmlformats.org/presentationml/2006/main">
+  <p:cSld>
+    <p:spTree>
+      <p:nvGrpSpPr>
+        <p:cNvPr id="1" name=""/>
+        <p:cNvGrpSpPr/>
+        <p:nvPr/>
+      </p:nvGrpSpPr>
+      <p:grpSpPr>
+        <a:xfrm>
+          <a:off x="0" y="0"/>
+          <a:ext cx="0" cy="0"/>
+          <a:chOff x="0" y="0"/>
+          <a:chExt cx="0" cy="0"/>
+        </a:xfrm>
+      </p:grpSpPr>
+      <p:sp>
+        <p:nvSpPr>
+          <p:cNvPr id="2" name="Título 1">
+            <a:extLst>
+              <a:ext uri="{FF2B5EF4-FFF2-40B4-BE49-F238E27FC236}">
+                <a16:creationId xmlns:a16="http://schemas.microsoft.com/office/drawing/2014/main" id="{1159F4F8-4F57-4E45-95E7-7C5AE43D5587}"/>
+              </a:ext>
+            </a:extLst>
+          </p:cNvPr>
+          <p:cNvSpPr>
+            <a:spLocks noGrp="1"/>
+          </p:cNvSpPr>
+          <p:nvPr>
+            <p:ph type="title"/>
+          </p:nvPr>
+        </p:nvSpPr>
+        <p:spPr/>
+        <p:txBody>
+          <a:bodyPr/>
+          <a:lstStyle/>
+          <a:p>
+            <a:r>
+              <a:rPr lang="pt-BR" dirty="0"/>
+              <a:t>Problemas e soluções</a:t>
+            </a:r>
+          </a:p>
+        </p:txBody>
+      </p:sp>
+      <p:sp>
+        <p:nvSpPr>
+          <p:cNvPr id="6" name="CaixaDeTexto 5">
+            <a:extLst>
+              <a:ext uri="{FF2B5EF4-FFF2-40B4-BE49-F238E27FC236}">
+                <a16:creationId xmlns:a16="http://schemas.microsoft.com/office/drawing/2014/main" id="{E2508650-0878-448B-8385-536518D597EF}"/>
+              </a:ext>
+            </a:extLst>
+          </p:cNvPr>
+          <p:cNvSpPr txBox="1"/>
+          <p:nvPr/>
+        </p:nvSpPr>
+        <p:spPr>
+          <a:xfrm>
+            <a:off x="838199" y="2304994"/>
+            <a:ext cx="10762673" cy="3139321"/>
+          </a:xfrm>
+          <a:prstGeom prst="rect">
+            <a:avLst/>
+          </a:prstGeom>
+          <a:noFill/>
+        </p:spPr>
+        <p:txBody>
+          <a:bodyPr wrap="square">
+            <a:spAutoFit/>
+          </a:bodyPr>
+          <a:lstStyle/>
+          <a:p>
+            <a:pPr marL="0" marR="0" lvl="0" indent="0" algn="l" defTabSz="914400" rtl="0" eaLnBrk="0" fontAlgn="base" latinLnBrk="0" hangingPunct="0">
+              <a:lnSpc>
+                <a:spcPct val="100000"/>
+              </a:lnSpc>
+              <a:spcBef>
+                <a:spcPct val="0"/>
+              </a:spcBef>
+              <a:spcAft>
+                <a:spcPct val="0"/>
+              </a:spcAft>
+              <a:buClrTx/>
+              <a:buSzTx/>
+              <a:tabLst/>
+            </a:pPr>
+            <a:r>
+              <a:rPr kumimoji="0" lang="pt-BR" altLang="pt-BR" sz="1800" b="1" i="0" u="none" strike="noStrike" cap="none" normalizeH="0" baseline="0" dirty="0">
+                <a:ln>
+                  <a:noFill/>
+                </a:ln>
+                <a:solidFill>
+                  <a:schemeClr val="tx1"/>
+                </a:solidFill>
+                <a:effectLst/>
+                <a:latin typeface="Arial" panose="020B0604020202020204" pitchFamily="34" charset="0"/>
+                <a:cs typeface="Arial" panose="020B0604020202020204" pitchFamily="34" charset="0"/>
+              </a:rPr>
+              <a:t>Inimigos em movimento:</a:t>
+            </a:r>
+            <a:r>
+              <a:rPr kumimoji="0" lang="pt-BR" altLang="pt-BR" sz="1800" b="0" i="0" u="none" strike="noStrike" cap="none" normalizeH="0" baseline="0" dirty="0">
+                <a:ln>
+                  <a:noFill/>
+                </a:ln>
+                <a:solidFill>
+                  <a:schemeClr val="tx1"/>
+                </a:solidFill>
+                <a:effectLst/>
+                <a:latin typeface="Arial" panose="020B0604020202020204" pitchFamily="34" charset="0"/>
+                <a:cs typeface="Arial" panose="020B0604020202020204" pitchFamily="34" charset="0"/>
+              </a:rPr>
+              <a:t> solução ficou fácil, pois todos cruzavam o centro da tela.</a:t>
+            </a:r>
+          </a:p>
+          <a:p>
+            <a:pPr marL="0" marR="0" lvl="0" indent="0" algn="l" defTabSz="914400" rtl="0" eaLnBrk="0" fontAlgn="base" latinLnBrk="0" hangingPunct="0">
+              <a:lnSpc>
+                <a:spcPct val="100000"/>
+              </a:lnSpc>
+              <a:spcBef>
+                <a:spcPct val="0"/>
+              </a:spcBef>
+              <a:spcAft>
+                <a:spcPct val="0"/>
+              </a:spcAft>
+              <a:buClrTx/>
+              <a:buSzTx/>
+              <a:tabLst/>
+            </a:pPr>
+            <a:endParaRPr kumimoji="0" lang="pt-BR" altLang="pt-BR" sz="1800" b="0" i="0" u="none" strike="noStrike" cap="none" normalizeH="0" baseline="0" dirty="0">
+              <a:ln>
+                <a:noFill/>
+              </a:ln>
+              <a:solidFill>
+                <a:schemeClr val="tx1"/>
+              </a:solidFill>
+              <a:effectLst/>
+              <a:latin typeface="Arial" panose="020B0604020202020204" pitchFamily="34" charset="0"/>
+              <a:cs typeface="Arial" panose="020B0604020202020204" pitchFamily="34" charset="0"/>
+            </a:endParaRPr>
+          </a:p>
+          <a:p>
+            <a:pPr marL="0" marR="0" lvl="0" indent="0" algn="l" defTabSz="914400" rtl="0" eaLnBrk="0" fontAlgn="base" latinLnBrk="0" hangingPunct="0">
+              <a:lnSpc>
+                <a:spcPct val="100000"/>
+              </a:lnSpc>
+              <a:spcBef>
+                <a:spcPct val="0"/>
+              </a:spcBef>
+              <a:spcAft>
+                <a:spcPct val="0"/>
+              </a:spcAft>
+              <a:buClrTx/>
+              <a:buSzTx/>
+              <a:tabLst/>
+            </a:pPr>
+            <a:r>
+              <a:rPr kumimoji="0" lang="pt-BR" altLang="pt-BR" sz="1800" b="1" i="0" u="none" strike="noStrike" cap="none" normalizeH="0" baseline="0" dirty="0">
+                <a:ln>
+                  <a:noFill/>
+                </a:ln>
+                <a:solidFill>
+                  <a:schemeClr val="tx1"/>
+                </a:solidFill>
+                <a:effectLst/>
+                <a:latin typeface="Arial" panose="020B0604020202020204" pitchFamily="34" charset="0"/>
+                <a:cs typeface="Arial" panose="020B0604020202020204" pitchFamily="34" charset="0"/>
+              </a:rPr>
+              <a:t>Inimigos parados:</a:t>
+            </a:r>
+            <a:r>
+              <a:rPr kumimoji="0" lang="pt-BR" altLang="pt-BR" sz="1800" b="0" i="0" u="none" strike="noStrike" cap="none" normalizeH="0" baseline="0" dirty="0">
+                <a:ln>
+                  <a:noFill/>
+                </a:ln>
+                <a:solidFill>
+                  <a:schemeClr val="tx1"/>
+                </a:solidFill>
+                <a:effectLst/>
+                <a:latin typeface="Arial" panose="020B0604020202020204" pitchFamily="34" charset="0"/>
+                <a:cs typeface="Arial" panose="020B0604020202020204" pitchFamily="34" charset="0"/>
+              </a:rPr>
+              <a:t> o agente ficava preso em máximos locais, parando em um dos lados.</a:t>
+            </a:r>
+          </a:p>
+          <a:p>
+            <a:pPr marL="0" marR="0" lvl="0" indent="0" algn="l" defTabSz="914400" rtl="0" eaLnBrk="0" fontAlgn="base" latinLnBrk="0" hangingPunct="0">
+              <a:lnSpc>
+                <a:spcPct val="100000"/>
+              </a:lnSpc>
+              <a:spcBef>
+                <a:spcPct val="0"/>
+              </a:spcBef>
+              <a:spcAft>
+                <a:spcPct val="0"/>
+              </a:spcAft>
+              <a:buClrTx/>
+              <a:buSzTx/>
+              <a:tabLst/>
+            </a:pPr>
+            <a:endParaRPr lang="pt-BR" altLang="pt-BR" dirty="0">
+              <a:latin typeface="Arial" panose="020B0604020202020204" pitchFamily="34" charset="0"/>
+              <a:cs typeface="Arial" panose="020B0604020202020204" pitchFamily="34" charset="0"/>
+            </a:endParaRPr>
+          </a:p>
+          <a:p>
+            <a:pPr marL="0" marR="0" lvl="0" indent="0" algn="l" defTabSz="914400" rtl="0" eaLnBrk="0" fontAlgn="base" latinLnBrk="0" hangingPunct="0">
+              <a:lnSpc>
+                <a:spcPct val="100000"/>
+              </a:lnSpc>
+              <a:spcBef>
+                <a:spcPct val="0"/>
+              </a:spcBef>
+              <a:spcAft>
+                <a:spcPct val="0"/>
+              </a:spcAft>
+              <a:buClrTx/>
+              <a:buSzTx/>
+              <a:tabLst/>
+            </a:pPr>
+            <a:r>
+              <a:rPr lang="pt-BR" b="1" dirty="0">
+                <a:latin typeface="Arial" panose="020B0604020202020204" pitchFamily="34" charset="0"/>
+                <a:cs typeface="Arial" panose="020B0604020202020204" pitchFamily="34" charset="0"/>
+              </a:rPr>
+              <a:t>Inicializar o jogador em posição aleatória: </a:t>
+            </a:r>
+            <a:r>
+              <a:rPr lang="pt-BR" dirty="0">
+                <a:latin typeface="Arial" panose="020B0604020202020204" pitchFamily="34" charset="0"/>
+                <a:cs typeface="Arial" panose="020B0604020202020204" pitchFamily="34" charset="0"/>
+              </a:rPr>
+              <a:t>resolveria o problema de forma trivial, mas não promoveria um aprendizado mais aprofundado sobre a dinâmica do agente e as estratégias evolutivas.</a:t>
+            </a:r>
+          </a:p>
+          <a:p>
+            <a:pPr marL="0" marR="0" lvl="0" indent="0" algn="l" defTabSz="914400" rtl="0" eaLnBrk="0" fontAlgn="base" latinLnBrk="0" hangingPunct="0">
+              <a:lnSpc>
+                <a:spcPct val="100000"/>
+              </a:lnSpc>
+              <a:spcBef>
+                <a:spcPct val="0"/>
+              </a:spcBef>
+              <a:spcAft>
+                <a:spcPct val="0"/>
+              </a:spcAft>
+              <a:buClrTx/>
+              <a:buSzTx/>
+              <a:tabLst/>
+            </a:pPr>
+            <a:endParaRPr kumimoji="0" lang="pt-BR" altLang="pt-BR" sz="1800" b="1" i="0" u="none" strike="noStrike" cap="none" normalizeH="0" baseline="0" dirty="0">
+              <a:ln>
+                <a:noFill/>
+              </a:ln>
+              <a:solidFill>
+                <a:schemeClr val="tx1"/>
+              </a:solidFill>
+              <a:effectLst/>
+              <a:latin typeface="Arial" panose="020B0604020202020204" pitchFamily="34" charset="0"/>
+              <a:cs typeface="Arial" panose="020B0604020202020204" pitchFamily="34" charset="0"/>
+            </a:endParaRPr>
+          </a:p>
+          <a:p>
+            <a:pPr marL="0" marR="0" lvl="0" indent="0" algn="l" defTabSz="914400" rtl="0" eaLnBrk="0" fontAlgn="base" latinLnBrk="0" hangingPunct="0">
+              <a:lnSpc>
+                <a:spcPct val="100000"/>
+              </a:lnSpc>
+              <a:spcBef>
+                <a:spcPct val="0"/>
+              </a:spcBef>
+              <a:spcAft>
+                <a:spcPct val="0"/>
+              </a:spcAft>
+              <a:buClrTx/>
+              <a:buSzTx/>
+              <a:tabLst/>
+            </a:pPr>
+            <a:r>
+              <a:rPr kumimoji="0" lang="pt-BR" altLang="pt-BR" sz="1800" b="1" i="0" u="none" strike="noStrike" cap="none" normalizeH="0" baseline="0" dirty="0">
+                <a:ln>
+                  <a:noFill/>
+                </a:ln>
+                <a:solidFill>
+                  <a:schemeClr val="tx1"/>
+                </a:solidFill>
+                <a:effectLst/>
+                <a:latin typeface="Arial" panose="020B0604020202020204" pitchFamily="34" charset="0"/>
+                <a:cs typeface="Arial" panose="020B0604020202020204" pitchFamily="34" charset="0"/>
+              </a:rPr>
+              <a:t>Solução:</a:t>
+            </a:r>
+            <a:endParaRPr kumimoji="0" lang="pt-BR" altLang="pt-BR" sz="1800" b="0" i="0" u="none" strike="noStrike" cap="none" normalizeH="0" baseline="0" dirty="0">
+              <a:ln>
+                <a:noFill/>
+              </a:ln>
+              <a:solidFill>
+                <a:schemeClr val="tx1"/>
+              </a:solidFill>
+              <a:effectLst/>
+              <a:latin typeface="Arial" panose="020B0604020202020204" pitchFamily="34" charset="0"/>
+              <a:cs typeface="Arial" panose="020B0604020202020204" pitchFamily="34" charset="0"/>
+            </a:endParaRPr>
+          </a:p>
+          <a:p>
+            <a:pPr marL="0" marR="0" lvl="0" indent="0" algn="l" defTabSz="914400" rtl="0" eaLnBrk="0" fontAlgn="base" latinLnBrk="0" hangingPunct="0">
+              <a:lnSpc>
+                <a:spcPct val="100000"/>
+              </a:lnSpc>
+              <a:spcBef>
+                <a:spcPct val="0"/>
+              </a:spcBef>
+              <a:spcAft>
+                <a:spcPct val="0"/>
+              </a:spcAft>
+              <a:buClrTx/>
+              <a:buSzTx/>
+              <a:tabLst/>
+            </a:pPr>
+            <a:r>
+              <a:rPr kumimoji="0" lang="pt-BR" altLang="pt-BR" sz="1800" b="0" i="0" u="none" strike="noStrike" cap="none" normalizeH="0" baseline="0" dirty="0">
+                <a:ln>
+                  <a:noFill/>
+                </a:ln>
+                <a:solidFill>
+                  <a:schemeClr val="tx1"/>
+                </a:solidFill>
+                <a:effectLst/>
+                <a:latin typeface="Arial" panose="020B0604020202020204" pitchFamily="34" charset="0"/>
+                <a:cs typeface="Arial" panose="020B0604020202020204" pitchFamily="34" charset="0"/>
+              </a:rPr>
+              <a:t>	Utilização de blocos de movimentos laterais repetitivos na população inicial, simulando comportamento mais realista.</a:t>
+            </a:r>
+          </a:p>
+          <a:p>
+            <a:pPr marL="0" marR="0" lvl="0" indent="0" algn="l" defTabSz="914400" rtl="0" eaLnBrk="0" fontAlgn="base" latinLnBrk="0" hangingPunct="0">
+              <a:lnSpc>
+                <a:spcPct val="100000"/>
+              </a:lnSpc>
+              <a:spcBef>
+                <a:spcPct val="0"/>
+              </a:spcBef>
+              <a:spcAft>
+                <a:spcPct val="0"/>
+              </a:spcAft>
+              <a:buClrTx/>
+              <a:buSzTx/>
+              <a:tabLst/>
+            </a:pPr>
+            <a:r>
+              <a:rPr kumimoji="0" lang="pt-BR" altLang="pt-BR" sz="1800" b="0" i="0" u="none" strike="noStrike" cap="none" normalizeH="0" baseline="0" dirty="0">
+                <a:ln>
+                  <a:noFill/>
+                </a:ln>
+                <a:solidFill>
+                  <a:schemeClr val="tx1"/>
+                </a:solidFill>
+                <a:effectLst/>
+                <a:latin typeface="Arial" panose="020B0604020202020204" pitchFamily="34" charset="0"/>
+                <a:cs typeface="Arial" panose="020B0604020202020204" pitchFamily="34" charset="0"/>
+              </a:rPr>
+              <a:t>	Adoção da mesma lógica na mutação, o que aprimorou ainda mais a performance do agente.</a:t>
+            </a:r>
+          </a:p>
+        </p:txBody>
+      </p:sp>
+    </p:spTree>
+    <p:extLst>
+      <p:ext uri="{BB962C8B-B14F-4D97-AF65-F5344CB8AC3E}">
+        <p14:creationId xmlns:p14="http://schemas.microsoft.com/office/powerpoint/2010/main" val="1554671738"/>
+      </p:ext>
+    </p:extLst>
+  </p:cSld>
+  <p:clrMapOvr>
+    <a:masterClrMapping/>
+  </p:clrMapOvr>
+</p:sld>
+</file>
+
+<file path=ppt/slides/slide14.xml><?xml version="1.0" encoding="utf-8"?>
+<p:sld xmlns:a="http://schemas.openxmlformats.org/drawingml/2006/main" xmlns:r="http://schemas.openxmlformats.org/officeDocument/2006/relationships" xmlns:p="http://schemas.openxmlformats.org/presentationml/2006/main">
+  <p:cSld>
+    <p:spTree>
+      <p:nvGrpSpPr>
+        <p:cNvPr id="1" name=""/>
+        <p:cNvGrpSpPr/>
+        <p:nvPr/>
+      </p:nvGrpSpPr>
+      <p:grpSpPr>
+        <a:xfrm>
+          <a:off x="0" y="0"/>
+          <a:ext cx="0" cy="0"/>
+          <a:chOff x="0" y="0"/>
+          <a:chExt cx="0" cy="0"/>
+        </a:xfrm>
+      </p:grpSpPr>
+      <p:sp>
+        <p:nvSpPr>
+          <p:cNvPr id="2" name="Title 1"/>
+          <p:cNvSpPr>
+            <a:spLocks noGrp="1"/>
+          </p:cNvSpPr>
+          <p:nvPr>
+            <p:ph type="title"/>
+          </p:nvPr>
+        </p:nvSpPr>
+        <p:spPr/>
+        <p:txBody>
+          <a:bodyPr/>
+          <a:lstStyle/>
+          <a:p>
+            <a:r>
+              <a:rPr dirty="0" err="1"/>
+              <a:t>Conclusão</a:t>
+            </a:r>
+            <a:endParaRPr dirty="0"/>
+          </a:p>
+        </p:txBody>
+      </p:sp>
+      <p:sp>
+        <p:nvSpPr>
+          <p:cNvPr id="3" name="Content Placeholder 2"/>
+          <p:cNvSpPr>
+            <a:spLocks noGrp="1"/>
+          </p:cNvSpPr>
+          <p:nvPr>
+            <p:ph idx="1"/>
+          </p:nvPr>
+        </p:nvSpPr>
+        <p:spPr/>
+        <p:txBody>
+          <a:bodyPr/>
+          <a:lstStyle/>
+          <a:p>
+            <a:endParaRPr dirty="0"/>
+          </a:p>
+          <a:p>
+            <a:pPr marL="0" indent="0" algn="l">
+              <a:buNone/>
+              <a:defRPr sz="1800">
+                <a:latin typeface="Calibri"/>
+              </a:defRPr>
+            </a:pPr>
+            <a:r>
+              <a:rPr sz="1800" dirty="0">
+                <a:latin typeface="Arial" panose="020B0604020202020204" pitchFamily="34" charset="0"/>
+                <a:cs typeface="Arial" panose="020B0604020202020204" pitchFamily="34" charset="0"/>
+              </a:rPr>
+              <a:t>IA </a:t>
+            </a:r>
+            <a:r>
+              <a:rPr sz="1800" dirty="0" err="1">
+                <a:latin typeface="Arial" panose="020B0604020202020204" pitchFamily="34" charset="0"/>
+                <a:cs typeface="Arial" panose="020B0604020202020204" pitchFamily="34" charset="0"/>
+              </a:rPr>
+              <a:t>Genética</a:t>
+            </a:r>
+            <a:r>
+              <a:rPr sz="1800" dirty="0">
+                <a:latin typeface="Arial" panose="020B0604020202020204" pitchFamily="34" charset="0"/>
+                <a:cs typeface="Arial" panose="020B0604020202020204" pitchFamily="34" charset="0"/>
+              </a:rPr>
+              <a:t> </a:t>
+            </a:r>
+            <a:r>
+              <a:rPr sz="1800" dirty="0" err="1">
+                <a:latin typeface="Arial" panose="020B0604020202020204" pitchFamily="34" charset="0"/>
+                <a:cs typeface="Arial" panose="020B0604020202020204" pitchFamily="34" charset="0"/>
+              </a:rPr>
+              <a:t>mostrou</a:t>
+            </a:r>
+            <a:r>
+              <a:rPr sz="1800" dirty="0">
+                <a:latin typeface="Arial" panose="020B0604020202020204" pitchFamily="34" charset="0"/>
+                <a:cs typeface="Arial" panose="020B0604020202020204" pitchFamily="34" charset="0"/>
+              </a:rPr>
+              <a:t>-se </a:t>
+            </a:r>
+            <a:r>
+              <a:rPr sz="1800" dirty="0" err="1">
+                <a:latin typeface="Arial" panose="020B0604020202020204" pitchFamily="34" charset="0"/>
+                <a:cs typeface="Arial" panose="020B0604020202020204" pitchFamily="34" charset="0"/>
+              </a:rPr>
+              <a:t>eficaz</a:t>
+            </a:r>
+            <a:r>
+              <a:rPr sz="1800" dirty="0">
+                <a:latin typeface="Arial" panose="020B0604020202020204" pitchFamily="34" charset="0"/>
+                <a:cs typeface="Arial" panose="020B0604020202020204" pitchFamily="34" charset="0"/>
+              </a:rPr>
+              <a:t> para </a:t>
+            </a:r>
+            <a:r>
+              <a:rPr sz="1800" dirty="0" err="1">
+                <a:latin typeface="Arial" panose="020B0604020202020204" pitchFamily="34" charset="0"/>
+                <a:cs typeface="Arial" panose="020B0604020202020204" pitchFamily="34" charset="0"/>
+              </a:rPr>
+              <a:t>treinar</a:t>
+            </a:r>
+            <a:r>
+              <a:rPr sz="1800" dirty="0">
+                <a:latin typeface="Arial" panose="020B0604020202020204" pitchFamily="34" charset="0"/>
+                <a:cs typeface="Arial" panose="020B0604020202020204" pitchFamily="34" charset="0"/>
+              </a:rPr>
+              <a:t> </a:t>
+            </a:r>
+            <a:r>
+              <a:rPr sz="1800" dirty="0" err="1">
+                <a:latin typeface="Arial" panose="020B0604020202020204" pitchFamily="34" charset="0"/>
+                <a:cs typeface="Arial" panose="020B0604020202020204" pitchFamily="34" charset="0"/>
+              </a:rPr>
+              <a:t>agente</a:t>
+            </a:r>
+            <a:endParaRPr lang="pt-BR" sz="1800" dirty="0">
+              <a:latin typeface="Arial" panose="020B0604020202020204" pitchFamily="34" charset="0"/>
+              <a:cs typeface="Arial" panose="020B0604020202020204" pitchFamily="34" charset="0"/>
+            </a:endParaRPr>
+          </a:p>
+          <a:p>
+            <a:pPr marL="0" indent="0" algn="l">
+              <a:buNone/>
+              <a:defRPr sz="1800">
+                <a:latin typeface="Calibri"/>
+              </a:defRPr>
+            </a:pPr>
+            <a:endParaRPr lang="pt-BR" sz="1800" dirty="0">
+              <a:latin typeface="Arial" panose="020B0604020202020204" pitchFamily="34" charset="0"/>
+              <a:cs typeface="Arial" panose="020B0604020202020204" pitchFamily="34" charset="0"/>
+            </a:endParaRPr>
+          </a:p>
+          <a:p>
+            <a:pPr marL="0" indent="0" algn="l">
+              <a:buNone/>
+              <a:defRPr sz="1800">
+                <a:latin typeface="Calibri"/>
+              </a:defRPr>
+            </a:pPr>
+            <a:r>
+              <a:rPr sz="1800" dirty="0" err="1">
+                <a:latin typeface="Arial" panose="020B0604020202020204" pitchFamily="34" charset="0"/>
+                <a:cs typeface="Arial" panose="020B0604020202020204" pitchFamily="34" charset="0"/>
+              </a:rPr>
+              <a:t>Problemas</a:t>
+            </a:r>
+            <a:r>
+              <a:rPr sz="1800" dirty="0">
+                <a:latin typeface="Arial" panose="020B0604020202020204" pitchFamily="34" charset="0"/>
+                <a:cs typeface="Arial" panose="020B0604020202020204" pitchFamily="34" charset="0"/>
+              </a:rPr>
+              <a:t> de </a:t>
+            </a:r>
+            <a:r>
+              <a:rPr sz="1800" dirty="0" err="1">
+                <a:latin typeface="Arial" panose="020B0604020202020204" pitchFamily="34" charset="0"/>
+                <a:cs typeface="Arial" panose="020B0604020202020204" pitchFamily="34" charset="0"/>
+              </a:rPr>
+              <a:t>máximos</a:t>
+            </a:r>
+            <a:r>
+              <a:rPr sz="1800" dirty="0">
+                <a:latin typeface="Arial" panose="020B0604020202020204" pitchFamily="34" charset="0"/>
+                <a:cs typeface="Arial" panose="020B0604020202020204" pitchFamily="34" charset="0"/>
+              </a:rPr>
+              <a:t> </a:t>
+            </a:r>
+            <a:r>
+              <a:rPr sz="1800" dirty="0" err="1">
+                <a:latin typeface="Arial" panose="020B0604020202020204" pitchFamily="34" charset="0"/>
+                <a:cs typeface="Arial" panose="020B0604020202020204" pitchFamily="34" charset="0"/>
+              </a:rPr>
+              <a:t>locais</a:t>
+            </a:r>
+            <a:r>
+              <a:rPr sz="1800" dirty="0">
+                <a:latin typeface="Arial" panose="020B0604020202020204" pitchFamily="34" charset="0"/>
+                <a:cs typeface="Arial" panose="020B0604020202020204" pitchFamily="34" charset="0"/>
+              </a:rPr>
+              <a:t> </a:t>
+            </a:r>
+            <a:r>
+              <a:rPr sz="1800" dirty="0" err="1">
+                <a:latin typeface="Arial" panose="020B0604020202020204" pitchFamily="34" charset="0"/>
+                <a:cs typeface="Arial" panose="020B0604020202020204" pitchFamily="34" charset="0"/>
+              </a:rPr>
+              <a:t>requerem</a:t>
+            </a:r>
+            <a:r>
+              <a:rPr sz="1800" dirty="0">
+                <a:latin typeface="Arial" panose="020B0604020202020204" pitchFamily="34" charset="0"/>
+                <a:cs typeface="Arial" panose="020B0604020202020204" pitchFamily="34" charset="0"/>
+              </a:rPr>
+              <a:t> </a:t>
+            </a:r>
+            <a:r>
+              <a:rPr sz="1800" dirty="0" err="1">
+                <a:latin typeface="Arial" panose="020B0604020202020204" pitchFamily="34" charset="0"/>
+                <a:cs typeface="Arial" panose="020B0604020202020204" pitchFamily="34" charset="0"/>
+              </a:rPr>
+              <a:t>mutações</a:t>
+            </a:r>
+            <a:r>
+              <a:rPr sz="1800" dirty="0">
+                <a:latin typeface="Arial" panose="020B0604020202020204" pitchFamily="34" charset="0"/>
+                <a:cs typeface="Arial" panose="020B0604020202020204" pitchFamily="34" charset="0"/>
+              </a:rPr>
+              <a:t> </a:t>
+            </a:r>
+            <a:r>
+              <a:rPr sz="1800" dirty="0" err="1">
+                <a:latin typeface="Arial" panose="020B0604020202020204" pitchFamily="34" charset="0"/>
+                <a:cs typeface="Arial" panose="020B0604020202020204" pitchFamily="34" charset="0"/>
+              </a:rPr>
+              <a:t>estruturadas</a:t>
+            </a:r>
+            <a:endParaRPr lang="pt-BR" sz="1800" dirty="0">
+              <a:latin typeface="Arial" panose="020B0604020202020204" pitchFamily="34" charset="0"/>
+              <a:cs typeface="Arial" panose="020B0604020202020204" pitchFamily="34" charset="0"/>
+            </a:endParaRPr>
+          </a:p>
+          <a:p>
+            <a:pPr marL="0" indent="0" algn="l">
+              <a:buNone/>
+              <a:defRPr sz="1800">
+                <a:latin typeface="Calibri"/>
+              </a:defRPr>
+            </a:pPr>
+            <a:endParaRPr lang="pt-BR" sz="1800" dirty="0">
+              <a:latin typeface="Arial" panose="020B0604020202020204" pitchFamily="34" charset="0"/>
+              <a:cs typeface="Arial" panose="020B0604020202020204" pitchFamily="34" charset="0"/>
+            </a:endParaRPr>
+          </a:p>
+          <a:p>
+            <a:pPr marL="0" indent="0">
+              <a:buNone/>
+              <a:defRPr sz="1800">
+                <a:latin typeface="Calibri"/>
+              </a:defRPr>
+            </a:pPr>
+            <a:r>
+              <a:rPr lang="pt-BR" sz="1800" dirty="0">
+                <a:latin typeface="Arial" panose="020B0604020202020204" pitchFamily="34" charset="0"/>
+                <a:cs typeface="Arial" panose="020B0604020202020204" pitchFamily="34" charset="0"/>
+              </a:rPr>
+              <a:t>Estratégias de inicialização e mutação melhoraram desempenho</a:t>
+            </a:r>
+          </a:p>
+          <a:p>
+            <a:pPr marL="0" indent="0" algn="l">
+              <a:buNone/>
+              <a:defRPr sz="1800">
+                <a:latin typeface="Calibri"/>
+              </a:defRPr>
+            </a:pPr>
+            <a:endParaRPr lang="pt-BR" sz="1800" dirty="0">
+              <a:latin typeface="Arial" panose="020B0604020202020204" pitchFamily="34" charset="0"/>
+              <a:cs typeface="Arial" panose="020B0604020202020204" pitchFamily="34" charset="0"/>
+            </a:endParaRPr>
+          </a:p>
+          <a:p>
+            <a:pPr marL="0" indent="0" algn="l">
+              <a:buNone/>
+              <a:defRPr sz="1800">
+                <a:latin typeface="Calibri"/>
+              </a:defRPr>
+            </a:pPr>
+            <a:r>
+              <a:rPr sz="1800" dirty="0" err="1">
+                <a:latin typeface="Arial" panose="020B0604020202020204" pitchFamily="34" charset="0"/>
+                <a:cs typeface="Arial" panose="020B0604020202020204" pitchFamily="34" charset="0"/>
+              </a:rPr>
+              <a:t>Próximos</a:t>
+            </a:r>
+            <a:r>
+              <a:rPr sz="1800" dirty="0">
+                <a:latin typeface="Arial" panose="020B0604020202020204" pitchFamily="34" charset="0"/>
+                <a:cs typeface="Arial" panose="020B0604020202020204" pitchFamily="34" charset="0"/>
+              </a:rPr>
+              <a:t> </a:t>
+            </a:r>
+            <a:r>
+              <a:rPr sz="1800" dirty="0" err="1">
+                <a:latin typeface="Arial" panose="020B0604020202020204" pitchFamily="34" charset="0"/>
+                <a:cs typeface="Arial" panose="020B0604020202020204" pitchFamily="34" charset="0"/>
+              </a:rPr>
+              <a:t>passos</a:t>
+            </a:r>
+            <a:r>
+              <a:rPr sz="1800" dirty="0">
+                <a:latin typeface="Arial" panose="020B0604020202020204" pitchFamily="34" charset="0"/>
+                <a:cs typeface="Arial" panose="020B0604020202020204" pitchFamily="34" charset="0"/>
+              </a:rPr>
+              <a:t> </a:t>
+            </a:r>
+            <a:r>
+              <a:rPr sz="1800" dirty="0" err="1">
+                <a:latin typeface="Arial" panose="020B0604020202020204" pitchFamily="34" charset="0"/>
+                <a:cs typeface="Arial" panose="020B0604020202020204" pitchFamily="34" charset="0"/>
+              </a:rPr>
+              <a:t>incluem</a:t>
+            </a:r>
+            <a:r>
+              <a:rPr sz="1800" dirty="0">
+                <a:latin typeface="Arial" panose="020B0604020202020204" pitchFamily="34" charset="0"/>
+                <a:cs typeface="Arial" panose="020B0604020202020204" pitchFamily="34" charset="0"/>
+              </a:rPr>
+              <a:t> </a:t>
+            </a:r>
+            <a:r>
+              <a:rPr lang="pt-BR" sz="1800" dirty="0">
+                <a:latin typeface="Arial" panose="020B0604020202020204" pitchFamily="34" charset="0"/>
+                <a:cs typeface="Arial" panose="020B0604020202020204" pitchFamily="34" charset="0"/>
+              </a:rPr>
+              <a:t>a conclusão do jogo</a:t>
+            </a:r>
+            <a:br>
+              <a:rPr dirty="0"/>
+            </a:br>
+            <a:endParaRPr dirty="0"/>
+          </a:p>
+        </p:txBody>
+      </p:sp>
+    </p:spTree>
+  </p:cSld>
+  <p:clrMapOvr>
+    <a:masterClrMapping/>
+  </p:clrMapOvr>
+</p:sld>
+</file>
+
+<file path=ppt/slides/slide2.xml><?xml version="1.0" encoding="utf-8"?>
+<p:sld xmlns:a="http://schemas.openxmlformats.org/drawingml/2006/main" xmlns:r="http://schemas.openxmlformats.org/officeDocument/2006/relationships" xmlns:p="http://schemas.openxmlformats.org/presentationml/2006/main">
+  <p:cSld>
+    <p:spTree>
+      <p:nvGrpSpPr>
+        <p:cNvPr id="1" name=""/>
+        <p:cNvGrpSpPr/>
+        <p:nvPr/>
+      </p:nvGrpSpPr>
+      <p:grpSpPr>
+        <a:xfrm>
+          <a:off x="0" y="0"/>
+          <a:ext cx="0" cy="0"/>
+          <a:chOff x="0" y="0"/>
+          <a:chExt cx="0" cy="0"/>
+        </a:xfrm>
+      </p:grpSpPr>
+      <p:sp>
+        <p:nvSpPr>
+          <p:cNvPr id="2" name="Título 1">
+            <a:extLst>
+              <a:ext uri="{FF2B5EF4-FFF2-40B4-BE49-F238E27FC236}">
+                <a16:creationId xmlns:a16="http://schemas.microsoft.com/office/drawing/2014/main" id="{9CC51775-3374-41BE-BFA9-7B34D25C1200}"/>
+              </a:ext>
+            </a:extLst>
+          </p:cNvPr>
+          <p:cNvSpPr>
+            <a:spLocks noGrp="1"/>
+          </p:cNvSpPr>
+          <p:nvPr>
+            <p:ph type="ctrTitle"/>
+          </p:nvPr>
+        </p:nvSpPr>
+        <p:spPr>
+          <a:xfrm>
+            <a:off x="701965" y="477838"/>
+            <a:ext cx="11286836" cy="1011237"/>
+          </a:xfrm>
+        </p:spPr>
+        <p:txBody>
+          <a:bodyPr>
+            <a:normAutofit fontScale="90000"/>
+          </a:bodyPr>
+          <a:lstStyle/>
+          <a:p>
+            <a:pPr algn="ctr"/>
+            <a:r>
+              <a:rPr lang="pt-BR" dirty="0"/>
+              <a:t>Tipos de Problemas em IA e Soluções</a:t>
+            </a:r>
+          </a:p>
+        </p:txBody>
+      </p:sp>
+      <p:sp>
+        <p:nvSpPr>
+          <p:cNvPr id="40" name="CaixaDeTexto 39">
+            <a:extLst>
+              <a:ext uri="{FF2B5EF4-FFF2-40B4-BE49-F238E27FC236}">
+                <a16:creationId xmlns:a16="http://schemas.microsoft.com/office/drawing/2014/main" id="{435FC523-7799-40C5-BF56-74D65A99DF1F}"/>
+              </a:ext>
+            </a:extLst>
+          </p:cNvPr>
+          <p:cNvSpPr txBox="1"/>
+          <p:nvPr/>
+        </p:nvSpPr>
+        <p:spPr>
+          <a:xfrm>
+            <a:off x="1838035" y="2020344"/>
+            <a:ext cx="7629238" cy="4278094"/>
+          </a:xfrm>
+          <a:prstGeom prst="rect">
+            <a:avLst/>
+          </a:prstGeom>
+          <a:noFill/>
+        </p:spPr>
+        <p:txBody>
+          <a:bodyPr wrap="square">
+            <a:spAutoFit/>
+          </a:bodyPr>
+          <a:lstStyle/>
+          <a:p>
+            <a:r>
+              <a:rPr lang="pt-BR" sz="1600" b="1" dirty="0">
+                <a:latin typeface="Arial" panose="020B0604020202020204" pitchFamily="34" charset="0"/>
+                <a:cs typeface="Arial" panose="020B0604020202020204" pitchFamily="34" charset="0"/>
+              </a:rPr>
+              <a:t>Classificação:</a:t>
+            </a:r>
+            <a:r>
+              <a:rPr lang="pt-BR" sz="1600" dirty="0">
+                <a:latin typeface="Arial" panose="020B0604020202020204" pitchFamily="34" charset="0"/>
+                <a:cs typeface="Arial" panose="020B0604020202020204" pitchFamily="34" charset="0"/>
+              </a:rPr>
+              <a:t> diagnóstico, imagens, spam</a:t>
+            </a:r>
+            <a:br>
+              <a:rPr lang="pt-BR" sz="1600" dirty="0">
+                <a:latin typeface="Arial" panose="020B0604020202020204" pitchFamily="34" charset="0"/>
+                <a:cs typeface="Arial" panose="020B0604020202020204" pitchFamily="34" charset="0"/>
+              </a:rPr>
+            </a:br>
+            <a:r>
+              <a:rPr lang="pt-BR" sz="1600" dirty="0">
+                <a:latin typeface="Arial" panose="020B0604020202020204" pitchFamily="34" charset="0"/>
+                <a:cs typeface="Arial" panose="020B0604020202020204" pitchFamily="34" charset="0"/>
+              </a:rPr>
+              <a:t>	</a:t>
+            </a:r>
+            <a:r>
+              <a:rPr lang="pt-BR" sz="1600" i="1" dirty="0">
+                <a:latin typeface="Arial" panose="020B0604020202020204" pitchFamily="34" charset="0"/>
+                <a:cs typeface="Arial" panose="020B0604020202020204" pitchFamily="34" charset="0"/>
+              </a:rPr>
+              <a:t>Soluções:</a:t>
+            </a:r>
+            <a:r>
+              <a:rPr lang="pt-BR" sz="1600" dirty="0">
+                <a:latin typeface="Arial" panose="020B0604020202020204" pitchFamily="34" charset="0"/>
+                <a:cs typeface="Arial" panose="020B0604020202020204" pitchFamily="34" charset="0"/>
+              </a:rPr>
+              <a:t> Redes neurais, árvores de decisão, SVM</a:t>
+            </a:r>
+          </a:p>
+          <a:p>
+            <a:endParaRPr lang="pt-BR" sz="1600" dirty="0">
+              <a:latin typeface="Arial" panose="020B0604020202020204" pitchFamily="34" charset="0"/>
+              <a:cs typeface="Arial" panose="020B0604020202020204" pitchFamily="34" charset="0"/>
+            </a:endParaRPr>
+          </a:p>
+          <a:p>
+            <a:r>
+              <a:rPr lang="pt-BR" sz="1600" b="1" dirty="0">
+                <a:latin typeface="Arial" panose="020B0604020202020204" pitchFamily="34" charset="0"/>
+                <a:cs typeface="Arial" panose="020B0604020202020204" pitchFamily="34" charset="0"/>
+              </a:rPr>
+              <a:t>Regressão:</a:t>
+            </a:r>
+            <a:r>
+              <a:rPr lang="pt-BR" sz="1600" dirty="0">
+                <a:latin typeface="Arial" panose="020B0604020202020204" pitchFamily="34" charset="0"/>
+                <a:cs typeface="Arial" panose="020B0604020202020204" pitchFamily="34" charset="0"/>
+              </a:rPr>
+              <a:t> previsão de preços, demanda</a:t>
+            </a:r>
+            <a:br>
+              <a:rPr lang="pt-BR" sz="1600" dirty="0">
+                <a:latin typeface="Arial" panose="020B0604020202020204" pitchFamily="34" charset="0"/>
+                <a:cs typeface="Arial" panose="020B0604020202020204" pitchFamily="34" charset="0"/>
+              </a:rPr>
+            </a:br>
+            <a:r>
+              <a:rPr lang="pt-BR" sz="1600" dirty="0">
+                <a:latin typeface="Arial" panose="020B0604020202020204" pitchFamily="34" charset="0"/>
+                <a:cs typeface="Arial" panose="020B0604020202020204" pitchFamily="34" charset="0"/>
+              </a:rPr>
+              <a:t>	</a:t>
+            </a:r>
+            <a:r>
+              <a:rPr lang="pt-BR" sz="1600" i="1" dirty="0">
+                <a:latin typeface="Arial" panose="020B0604020202020204" pitchFamily="34" charset="0"/>
+                <a:cs typeface="Arial" panose="020B0604020202020204" pitchFamily="34" charset="0"/>
+              </a:rPr>
+              <a:t>Soluções:</a:t>
+            </a:r>
+            <a:r>
+              <a:rPr lang="pt-BR" sz="1600" dirty="0">
+                <a:latin typeface="Arial" panose="020B0604020202020204" pitchFamily="34" charset="0"/>
+                <a:cs typeface="Arial" panose="020B0604020202020204" pitchFamily="34" charset="0"/>
+              </a:rPr>
+              <a:t> Regressão, redes neurais, métodos bayesianos</a:t>
+            </a:r>
+          </a:p>
+          <a:p>
+            <a:endParaRPr lang="pt-BR" sz="1600" dirty="0">
+              <a:latin typeface="Arial" panose="020B0604020202020204" pitchFamily="34" charset="0"/>
+              <a:cs typeface="Arial" panose="020B0604020202020204" pitchFamily="34" charset="0"/>
+            </a:endParaRPr>
+          </a:p>
+          <a:p>
+            <a:r>
+              <a:rPr lang="pt-BR" sz="1600" b="1" dirty="0">
+                <a:latin typeface="Arial" panose="020B0604020202020204" pitchFamily="34" charset="0"/>
+                <a:cs typeface="Arial" panose="020B0604020202020204" pitchFamily="34" charset="0"/>
+              </a:rPr>
+              <a:t>Agrupamento:</a:t>
+            </a:r>
+            <a:r>
+              <a:rPr lang="pt-BR" sz="1600" dirty="0">
+                <a:latin typeface="Arial" panose="020B0604020202020204" pitchFamily="34" charset="0"/>
+                <a:cs typeface="Arial" panose="020B0604020202020204" pitchFamily="34" charset="0"/>
+              </a:rPr>
+              <a:t> segmentação, padrões</a:t>
+            </a:r>
+            <a:br>
+              <a:rPr lang="pt-BR" sz="1600" dirty="0">
+                <a:latin typeface="Arial" panose="020B0604020202020204" pitchFamily="34" charset="0"/>
+                <a:cs typeface="Arial" panose="020B0604020202020204" pitchFamily="34" charset="0"/>
+              </a:rPr>
+            </a:br>
+            <a:r>
+              <a:rPr lang="pt-BR" sz="1600" dirty="0">
+                <a:latin typeface="Arial" panose="020B0604020202020204" pitchFamily="34" charset="0"/>
+                <a:cs typeface="Arial" panose="020B0604020202020204" pitchFamily="34" charset="0"/>
+              </a:rPr>
+              <a:t>	</a:t>
+            </a:r>
+            <a:r>
+              <a:rPr lang="pt-BR" sz="1600" i="1" dirty="0">
+                <a:latin typeface="Arial" panose="020B0604020202020204" pitchFamily="34" charset="0"/>
+                <a:cs typeface="Arial" panose="020B0604020202020204" pitchFamily="34" charset="0"/>
+              </a:rPr>
+              <a:t>Soluções:</a:t>
+            </a:r>
+            <a:r>
+              <a:rPr lang="pt-BR" sz="1600" dirty="0">
+                <a:latin typeface="Arial" panose="020B0604020202020204" pitchFamily="34" charset="0"/>
+                <a:cs typeface="Arial" panose="020B0604020202020204" pitchFamily="34" charset="0"/>
+              </a:rPr>
+              <a:t> K-</a:t>
+            </a:r>
+            <a:r>
+              <a:rPr lang="pt-BR" sz="1600" dirty="0" err="1">
+                <a:latin typeface="Arial" panose="020B0604020202020204" pitchFamily="34" charset="0"/>
+                <a:cs typeface="Arial" panose="020B0604020202020204" pitchFamily="34" charset="0"/>
+              </a:rPr>
+              <a:t>means</a:t>
+            </a:r>
+            <a:r>
+              <a:rPr lang="pt-BR" sz="1600" dirty="0">
+                <a:latin typeface="Arial" panose="020B0604020202020204" pitchFamily="34" charset="0"/>
+                <a:cs typeface="Arial" panose="020B0604020202020204" pitchFamily="34" charset="0"/>
+              </a:rPr>
+              <a:t>, DBSCAN, </a:t>
+            </a:r>
+            <a:r>
+              <a:rPr lang="pt-BR" sz="1600" dirty="0" err="1">
+                <a:latin typeface="Arial" panose="020B0604020202020204" pitchFamily="34" charset="0"/>
+                <a:cs typeface="Arial" panose="020B0604020202020204" pitchFamily="34" charset="0"/>
+              </a:rPr>
+              <a:t>clustering</a:t>
+            </a:r>
+            <a:r>
+              <a:rPr lang="pt-BR" sz="1600" dirty="0">
+                <a:latin typeface="Arial" panose="020B0604020202020204" pitchFamily="34" charset="0"/>
+                <a:cs typeface="Arial" panose="020B0604020202020204" pitchFamily="34" charset="0"/>
+              </a:rPr>
+              <a:t> hierárquico</a:t>
+            </a:r>
+          </a:p>
+          <a:p>
+            <a:pPr>
+              <a:buFont typeface="Arial" panose="020B0604020202020204" pitchFamily="34" charset="0"/>
+              <a:buChar char="•"/>
+            </a:pPr>
+            <a:endParaRPr lang="pt-BR" sz="1600" dirty="0">
+              <a:latin typeface="Arial" panose="020B0604020202020204" pitchFamily="34" charset="0"/>
+              <a:cs typeface="Arial" panose="020B0604020202020204" pitchFamily="34" charset="0"/>
+            </a:endParaRPr>
+          </a:p>
+          <a:p>
+            <a:r>
+              <a:rPr lang="pt-BR" sz="1600" b="1" dirty="0">
+                <a:latin typeface="Arial" panose="020B0604020202020204" pitchFamily="34" charset="0"/>
+                <a:cs typeface="Arial" panose="020B0604020202020204" pitchFamily="34" charset="0"/>
+              </a:rPr>
+              <a:t>Busca/Otimização:</a:t>
+            </a:r>
+            <a:r>
+              <a:rPr lang="pt-BR" sz="1600" dirty="0">
+                <a:latin typeface="Arial" panose="020B0604020202020204" pitchFamily="34" charset="0"/>
+                <a:cs typeface="Arial" panose="020B0604020202020204" pitchFamily="34" charset="0"/>
+              </a:rPr>
+              <a:t> roteamento, recursos</a:t>
+            </a:r>
+          </a:p>
+          <a:p>
+            <a:pPr lvl="1"/>
+            <a:r>
+              <a:rPr lang="pt-BR" sz="1600" i="1" dirty="0">
+                <a:latin typeface="Arial" panose="020B0604020202020204" pitchFamily="34" charset="0"/>
+                <a:cs typeface="Arial" panose="020B0604020202020204" pitchFamily="34" charset="0"/>
+              </a:rPr>
+              <a:t>	Soluções:</a:t>
+            </a:r>
+            <a:r>
+              <a:rPr lang="pt-BR" sz="1600" dirty="0">
+                <a:latin typeface="Arial" panose="020B0604020202020204" pitchFamily="34" charset="0"/>
+                <a:cs typeface="Arial" panose="020B0604020202020204" pitchFamily="34" charset="0"/>
+              </a:rPr>
+              <a:t> </a:t>
+            </a:r>
+            <a:r>
+              <a:rPr lang="pt-BR" sz="1600" b="1" dirty="0">
+                <a:latin typeface="Arial" panose="020B0604020202020204" pitchFamily="34" charset="0"/>
+                <a:cs typeface="Arial" panose="020B0604020202020204" pitchFamily="34" charset="0"/>
+              </a:rPr>
+              <a:t>Algoritmos Genéticos (IA Genética)</a:t>
+            </a:r>
+            <a:endParaRPr lang="pt-BR" sz="1600" dirty="0">
+              <a:latin typeface="Arial" panose="020B0604020202020204" pitchFamily="34" charset="0"/>
+              <a:cs typeface="Arial" panose="020B0604020202020204" pitchFamily="34" charset="0"/>
+            </a:endParaRPr>
+          </a:p>
+          <a:p>
+            <a:pPr lvl="1"/>
+            <a:endParaRPr lang="pt-BR" sz="1600" dirty="0">
+              <a:latin typeface="Arial" panose="020B0604020202020204" pitchFamily="34" charset="0"/>
+              <a:cs typeface="Arial" panose="020B0604020202020204" pitchFamily="34" charset="0"/>
+            </a:endParaRPr>
+          </a:p>
+          <a:p>
+            <a:r>
+              <a:rPr lang="pt-BR" sz="1600" b="1" dirty="0">
+                <a:latin typeface="Arial" panose="020B0604020202020204" pitchFamily="34" charset="0"/>
+                <a:cs typeface="Arial" panose="020B0604020202020204" pitchFamily="34" charset="0"/>
+              </a:rPr>
+              <a:t>Planejamento/Controle:</a:t>
+            </a:r>
+            <a:r>
+              <a:rPr lang="pt-BR" sz="1600" dirty="0">
+                <a:latin typeface="Arial" panose="020B0604020202020204" pitchFamily="34" charset="0"/>
+                <a:cs typeface="Arial" panose="020B0604020202020204" pitchFamily="34" charset="0"/>
+              </a:rPr>
+              <a:t> robótica, jogos</a:t>
+            </a:r>
+            <a:br>
+              <a:rPr lang="pt-BR" sz="1600" dirty="0">
+                <a:latin typeface="Arial" panose="020B0604020202020204" pitchFamily="34" charset="0"/>
+                <a:cs typeface="Arial" panose="020B0604020202020204" pitchFamily="34" charset="0"/>
+              </a:rPr>
+            </a:br>
+            <a:r>
+              <a:rPr lang="pt-BR" sz="1600" dirty="0">
+                <a:latin typeface="Arial" panose="020B0604020202020204" pitchFamily="34" charset="0"/>
+                <a:cs typeface="Arial" panose="020B0604020202020204" pitchFamily="34" charset="0"/>
+              </a:rPr>
+              <a:t>	</a:t>
+            </a:r>
+            <a:r>
+              <a:rPr lang="pt-BR" sz="1600" i="1" dirty="0">
+                <a:latin typeface="Arial" panose="020B0604020202020204" pitchFamily="34" charset="0"/>
+                <a:cs typeface="Arial" panose="020B0604020202020204" pitchFamily="34" charset="0"/>
+              </a:rPr>
+              <a:t>Soluções:</a:t>
+            </a:r>
+            <a:r>
+              <a:rPr lang="pt-BR" sz="1600" dirty="0">
+                <a:latin typeface="Arial" panose="020B0604020202020204" pitchFamily="34" charset="0"/>
+                <a:cs typeface="Arial" panose="020B0604020202020204" pitchFamily="34" charset="0"/>
+              </a:rPr>
+              <a:t> </a:t>
+            </a:r>
+            <a:r>
+              <a:rPr lang="pt-BR" sz="1600" b="1" dirty="0">
+                <a:latin typeface="Arial" panose="020B0604020202020204" pitchFamily="34" charset="0"/>
+                <a:cs typeface="Arial" panose="020B0604020202020204" pitchFamily="34" charset="0"/>
+              </a:rPr>
+              <a:t>Algoritmos Genéticos (IA Genética)</a:t>
+            </a:r>
+            <a:r>
+              <a:rPr lang="pt-BR" sz="1600" dirty="0">
+                <a:latin typeface="Arial" panose="020B0604020202020204" pitchFamily="34" charset="0"/>
+                <a:cs typeface="Arial" panose="020B0604020202020204" pitchFamily="34" charset="0"/>
+              </a:rPr>
+              <a:t>, reforço, especialistas</a:t>
+            </a:r>
+          </a:p>
+          <a:p>
+            <a:pPr>
+              <a:buFont typeface="Arial" panose="020B0604020202020204" pitchFamily="34" charset="0"/>
+              <a:buChar char="•"/>
+            </a:pPr>
+            <a:endParaRPr lang="pt-BR" sz="1600" dirty="0">
+              <a:latin typeface="Arial" panose="020B0604020202020204" pitchFamily="34" charset="0"/>
+              <a:cs typeface="Arial" panose="020B0604020202020204" pitchFamily="34" charset="0"/>
+            </a:endParaRPr>
+          </a:p>
+          <a:p>
+            <a:r>
+              <a:rPr lang="pt-BR" sz="1600" b="1" dirty="0">
+                <a:latin typeface="Arial" panose="020B0604020202020204" pitchFamily="34" charset="0"/>
+                <a:cs typeface="Arial" panose="020B0604020202020204" pitchFamily="34" charset="0"/>
+              </a:rPr>
+              <a:t>NLP:</a:t>
+            </a:r>
+            <a:r>
+              <a:rPr lang="pt-BR" sz="1600" dirty="0">
+                <a:latin typeface="Arial" panose="020B0604020202020204" pitchFamily="34" charset="0"/>
+                <a:cs typeface="Arial" panose="020B0604020202020204" pitchFamily="34" charset="0"/>
+              </a:rPr>
+              <a:t> tradução, sentimentos, </a:t>
+            </a:r>
+            <a:r>
+              <a:rPr lang="pt-BR" sz="1600" dirty="0" err="1">
+                <a:latin typeface="Arial" panose="020B0604020202020204" pitchFamily="34" charset="0"/>
+                <a:cs typeface="Arial" panose="020B0604020202020204" pitchFamily="34" charset="0"/>
+              </a:rPr>
+              <a:t>chatbots</a:t>
+            </a:r>
+            <a:br>
+              <a:rPr lang="pt-BR" sz="1600" dirty="0">
+                <a:latin typeface="Arial" panose="020B0604020202020204" pitchFamily="34" charset="0"/>
+                <a:cs typeface="Arial" panose="020B0604020202020204" pitchFamily="34" charset="0"/>
+              </a:rPr>
+            </a:br>
+            <a:r>
+              <a:rPr lang="pt-BR" sz="1600" dirty="0">
+                <a:latin typeface="Arial" panose="020B0604020202020204" pitchFamily="34" charset="0"/>
+                <a:cs typeface="Arial" panose="020B0604020202020204" pitchFamily="34" charset="0"/>
+              </a:rPr>
+              <a:t>	</a:t>
+            </a:r>
+            <a:r>
+              <a:rPr lang="pt-BR" sz="1600" i="1" dirty="0">
+                <a:latin typeface="Arial" panose="020B0604020202020204" pitchFamily="34" charset="0"/>
+                <a:cs typeface="Arial" panose="020B0604020202020204" pitchFamily="34" charset="0"/>
+              </a:rPr>
+              <a:t>Soluções:</a:t>
+            </a:r>
+            <a:r>
+              <a:rPr lang="pt-BR" sz="1600" dirty="0">
+                <a:latin typeface="Arial" panose="020B0604020202020204" pitchFamily="34" charset="0"/>
+                <a:cs typeface="Arial" panose="020B0604020202020204" pitchFamily="34" charset="0"/>
+              </a:rPr>
+              <a:t> RNN, transformers, análise semântica</a:t>
+            </a:r>
+          </a:p>
+        </p:txBody>
+      </p:sp>
+    </p:spTree>
+    <p:extLst>
+      <p:ext uri="{BB962C8B-B14F-4D97-AF65-F5344CB8AC3E}">
+        <p14:creationId xmlns:p14="http://schemas.microsoft.com/office/powerpoint/2010/main" val="3099890814"/>
+      </p:ext>
+    </p:extLst>
+  </p:cSld>
+  <p:clrMapOvr>
+    <a:masterClrMapping/>
+  </p:clrMapOvr>
+</p:sld>
+</file>
+
+<file path=ppt/slides/slide3.xml><?xml version="1.0" encoding="utf-8"?>
+<p:sld xmlns:a="http://schemas.openxmlformats.org/drawingml/2006/main" xmlns:r="http://schemas.openxmlformats.org/officeDocument/2006/relationships" xmlns:p="http://schemas.openxmlformats.org/presentationml/2006/main">
+  <p:cSld>
+    <p:spTree>
+      <p:nvGrpSpPr>
+        <p:cNvPr id="1" name=""/>
+        <p:cNvGrpSpPr/>
+        <p:nvPr/>
+      </p:nvGrpSpPr>
+      <p:grpSpPr>
+        <a:xfrm>
+          <a:off x="0" y="0"/>
+          <a:ext cx="0" cy="0"/>
+          <a:chOff x="0" y="0"/>
+          <a:chExt cx="0" cy="0"/>
+        </a:xfrm>
+      </p:grpSpPr>
+      <p:sp>
+        <p:nvSpPr>
+          <p:cNvPr id="2" name="Título 1">
+            <a:extLst>
+              <a:ext uri="{FF2B5EF4-FFF2-40B4-BE49-F238E27FC236}">
+                <a16:creationId xmlns:a16="http://schemas.microsoft.com/office/drawing/2014/main" id="{9CC51775-3374-41BE-BFA9-7B34D25C1200}"/>
+              </a:ext>
+            </a:extLst>
+          </p:cNvPr>
+          <p:cNvSpPr>
+            <a:spLocks noGrp="1"/>
+          </p:cNvSpPr>
+          <p:nvPr>
+            <p:ph type="ctrTitle"/>
+          </p:nvPr>
+        </p:nvSpPr>
+        <p:spPr>
+          <a:xfrm>
+            <a:off x="2963333" y="477838"/>
+            <a:ext cx="5960533" cy="1011237"/>
+          </a:xfrm>
+        </p:spPr>
+        <p:txBody>
+          <a:bodyPr/>
+          <a:lstStyle/>
+          <a:p>
+            <a:r>
+              <a:rPr lang="pt-BR" dirty="0"/>
+              <a:t>Cenários</a:t>
+            </a:r>
+          </a:p>
+        </p:txBody>
+      </p:sp>
+      <p:sp>
+        <p:nvSpPr>
+          <p:cNvPr id="3" name="Subtítulo 2">
+            <a:extLst>
+              <a:ext uri="{FF2B5EF4-FFF2-40B4-BE49-F238E27FC236}">
+                <a16:creationId xmlns:a16="http://schemas.microsoft.com/office/drawing/2014/main" id="{2E36C558-0704-407A-A390-3D9DF24254BB}"/>
+              </a:ext>
+            </a:extLst>
+          </p:cNvPr>
+          <p:cNvSpPr>
+            <a:spLocks noGrp="1"/>
+          </p:cNvSpPr>
+          <p:nvPr>
+            <p:ph type="subTitle" idx="1"/>
+          </p:nvPr>
+        </p:nvSpPr>
+        <p:spPr>
+          <a:xfrm>
+            <a:off x="1524000" y="1884285"/>
+            <a:ext cx="9144000" cy="4072466"/>
+          </a:xfrm>
+        </p:spPr>
+        <p:txBody>
+          <a:bodyPr>
+            <a:normAutofit/>
+          </a:bodyPr>
+          <a:lstStyle/>
+          <a:p>
+            <a:endParaRPr lang="pt-BR" sz="2800" dirty="0">
+              <a:latin typeface="Arial" panose="020B0604020202020204" pitchFamily="34" charset="0"/>
+              <a:cs typeface="Arial" panose="020B0604020202020204" pitchFamily="34" charset="0"/>
+            </a:endParaRPr>
+          </a:p>
+          <a:p>
+            <a:r>
+              <a:rPr lang="pt-BR" sz="2800" dirty="0">
+                <a:latin typeface="Arial" panose="020B0604020202020204" pitchFamily="34" charset="0"/>
+                <a:cs typeface="Arial" panose="020B0604020202020204" pitchFamily="34" charset="0"/>
+              </a:rPr>
+              <a:t>Desenvolver um jogo baseado no Space </a:t>
+            </a:r>
+            <a:r>
+              <a:rPr lang="pt-BR" sz="2800" dirty="0" err="1">
+                <a:latin typeface="Arial" panose="020B0604020202020204" pitchFamily="34" charset="0"/>
+                <a:cs typeface="Arial" panose="020B0604020202020204" pitchFamily="34" charset="0"/>
+              </a:rPr>
+              <a:t>Invaders</a:t>
+            </a:r>
+            <a:r>
+              <a:rPr lang="pt-BR" sz="2800" dirty="0">
+                <a:latin typeface="Arial" panose="020B0604020202020204" pitchFamily="34" charset="0"/>
+                <a:cs typeface="Arial" panose="020B0604020202020204" pitchFamily="34" charset="0"/>
+              </a:rPr>
+              <a:t>.</a:t>
+            </a:r>
+            <a:br>
+              <a:rPr lang="pt-BR" sz="2800" dirty="0">
+                <a:latin typeface="Arial" panose="020B0604020202020204" pitchFamily="34" charset="0"/>
+                <a:cs typeface="Arial" panose="020B0604020202020204" pitchFamily="34" charset="0"/>
+              </a:rPr>
+            </a:br>
+            <a:endParaRPr lang="pt-BR" sz="2800" dirty="0">
+              <a:latin typeface="Arial" panose="020B0604020202020204" pitchFamily="34" charset="0"/>
+              <a:cs typeface="Arial" panose="020B0604020202020204" pitchFamily="34" charset="0"/>
+            </a:endParaRPr>
+          </a:p>
+        </p:txBody>
+      </p:sp>
+      <p:graphicFrame>
+        <p:nvGraphicFramePr>
+          <p:cNvPr id="4" name="Tabela 4">
+            <a:extLst>
+              <a:ext uri="{FF2B5EF4-FFF2-40B4-BE49-F238E27FC236}">
+                <a16:creationId xmlns:a16="http://schemas.microsoft.com/office/drawing/2014/main" id="{879DE0A8-A845-4471-A54D-65D245C62C9B}"/>
+              </a:ext>
+            </a:extLst>
+          </p:cNvPr>
+          <p:cNvGraphicFramePr>
+            <a:graphicFrameLocks noGrp="1"/>
+          </p:cNvGraphicFramePr>
+          <p:nvPr>
+            <p:extLst>
+              <p:ext uri="{D42A27DB-BD31-4B8C-83A1-F6EECF244321}">
+                <p14:modId xmlns:p14="http://schemas.microsoft.com/office/powerpoint/2010/main" val="2841794308"/>
+              </p:ext>
+            </p:extLst>
+          </p:nvPr>
+        </p:nvGraphicFramePr>
+        <p:xfrm>
+          <a:off x="6554742" y="4195988"/>
+          <a:ext cx="2490739" cy="1828800"/>
+        </p:xfrm>
+        <a:graphic>
+          <a:graphicData uri="http://schemas.openxmlformats.org/drawingml/2006/table">
+            <a:tbl>
+              <a:tblPr firstRow="1" bandRow="1">
+                <a:tableStyleId>{5C22544A-7EE6-4342-B048-85BDC9FD1C3A}</a:tableStyleId>
+              </a:tblPr>
+              <a:tblGrid>
+                <a:gridCol w="2490739">
+                  <a:extLst>
+                    <a:ext uri="{9D8B030D-6E8A-4147-A177-3AD203B41FA5}">
+                      <a16:colId xmlns:a16="http://schemas.microsoft.com/office/drawing/2014/main" val="853400757"/>
+                    </a:ext>
+                  </a:extLst>
+                </a:gridCol>
+              </a:tblGrid>
+              <a:tr h="0">
+                <a:tc>
+                  <a:txBody>
+                    <a:bodyPr/>
+                    <a:lstStyle/>
+                    <a:p>
+                      <a:r>
+                        <a:rPr lang="pt-BR" dirty="0"/>
+                        <a:t>Jogador</a:t>
+                      </a:r>
+                    </a:p>
+                  </a:txBody>
+                  <a:tcPr/>
+                </a:tc>
+                <a:extLst>
+                  <a:ext uri="{0D108BD9-81ED-4DB2-BD59-A6C34878D82A}">
+                    <a16:rowId xmlns:a16="http://schemas.microsoft.com/office/drawing/2014/main" val="3959859058"/>
+                  </a:ext>
+                </a:extLst>
+              </a:tr>
+              <a:tr h="309598">
+                <a:tc>
+                  <a:txBody>
+                    <a:bodyPr/>
+                    <a:lstStyle/>
+                    <a:p>
+                      <a:r>
+                        <a:rPr lang="pt-BR" dirty="0"/>
+                        <a:t>Linear</a:t>
+                      </a:r>
+                    </a:p>
+                  </a:txBody>
+                  <a:tcPr/>
+                </a:tc>
+                <a:extLst>
+                  <a:ext uri="{0D108BD9-81ED-4DB2-BD59-A6C34878D82A}">
+                    <a16:rowId xmlns:a16="http://schemas.microsoft.com/office/drawing/2014/main" val="1900998668"/>
+                  </a:ext>
+                </a:extLst>
+              </a:tr>
+              <a:tr h="309598">
+                <a:tc>
+                  <a:txBody>
+                    <a:bodyPr/>
+                    <a:lstStyle/>
+                    <a:p>
+                      <a:r>
+                        <a:rPr lang="pt-BR" dirty="0"/>
+                        <a:t>Aleatório</a:t>
+                      </a:r>
+                    </a:p>
+                  </a:txBody>
+                  <a:tcPr/>
+                </a:tc>
+                <a:extLst>
+                  <a:ext uri="{0D108BD9-81ED-4DB2-BD59-A6C34878D82A}">
+                    <a16:rowId xmlns:a16="http://schemas.microsoft.com/office/drawing/2014/main" val="1428515580"/>
+                  </a:ext>
+                </a:extLst>
+              </a:tr>
+              <a:tr h="309598">
+                <a:tc>
+                  <a:txBody>
+                    <a:bodyPr/>
+                    <a:lstStyle/>
+                    <a:p>
+                      <a:r>
+                        <a:rPr lang="pt-BR" dirty="0"/>
+                        <a:t>Manual</a:t>
+                      </a:r>
+                    </a:p>
+                  </a:txBody>
+                  <a:tcPr/>
+                </a:tc>
+                <a:extLst>
+                  <a:ext uri="{0D108BD9-81ED-4DB2-BD59-A6C34878D82A}">
+                    <a16:rowId xmlns:a16="http://schemas.microsoft.com/office/drawing/2014/main" val="3840388240"/>
+                  </a:ext>
+                </a:extLst>
+              </a:tr>
+              <a:tr h="309598">
+                <a:tc>
+                  <a:txBody>
+                    <a:bodyPr/>
+                    <a:lstStyle/>
+                    <a:p>
+                      <a:r>
+                        <a:rPr lang="pt-BR" dirty="0"/>
+                        <a:t>Genético</a:t>
+                      </a:r>
+                    </a:p>
+                  </a:txBody>
+                  <a:tcPr/>
+                </a:tc>
+                <a:extLst>
+                  <a:ext uri="{0D108BD9-81ED-4DB2-BD59-A6C34878D82A}">
+                    <a16:rowId xmlns:a16="http://schemas.microsoft.com/office/drawing/2014/main" val="1510973474"/>
+                  </a:ext>
+                </a:extLst>
+              </a:tr>
+            </a:tbl>
+          </a:graphicData>
+        </a:graphic>
+      </p:graphicFrame>
+      <p:graphicFrame>
+        <p:nvGraphicFramePr>
+          <p:cNvPr id="6" name="Tabela 5">
+            <a:extLst>
+              <a:ext uri="{FF2B5EF4-FFF2-40B4-BE49-F238E27FC236}">
+                <a16:creationId xmlns:a16="http://schemas.microsoft.com/office/drawing/2014/main" id="{FDD3C5FB-A365-4BAD-8339-9D3723642C4C}"/>
+              </a:ext>
+            </a:extLst>
+          </p:cNvPr>
+          <p:cNvGraphicFramePr>
+            <a:graphicFrameLocks noGrp="1"/>
+          </p:cNvGraphicFramePr>
+          <p:nvPr>
+            <p:extLst>
+              <p:ext uri="{D42A27DB-BD31-4B8C-83A1-F6EECF244321}">
+                <p14:modId xmlns:p14="http://schemas.microsoft.com/office/powerpoint/2010/main" val="3902692650"/>
+              </p:ext>
+            </p:extLst>
+          </p:nvPr>
+        </p:nvGraphicFramePr>
+        <p:xfrm>
+          <a:off x="2701636" y="4195988"/>
+          <a:ext cx="2490739" cy="1828800"/>
+        </p:xfrm>
+        <a:graphic>
+          <a:graphicData uri="http://schemas.openxmlformats.org/drawingml/2006/table">
+            <a:tbl>
+              <a:tblPr firstRow="1" bandRow="1">
+                <a:tableStyleId>{5C22544A-7EE6-4342-B048-85BDC9FD1C3A}</a:tableStyleId>
+              </a:tblPr>
+              <a:tblGrid>
+                <a:gridCol w="2490739">
+                  <a:extLst>
+                    <a:ext uri="{9D8B030D-6E8A-4147-A177-3AD203B41FA5}">
+                      <a16:colId xmlns:a16="http://schemas.microsoft.com/office/drawing/2014/main" val="1051954406"/>
+                    </a:ext>
+                  </a:extLst>
+                </a:gridCol>
+              </a:tblGrid>
+              <a:tr h="309598">
+                <a:tc>
+                  <a:txBody>
+                    <a:bodyPr/>
+                    <a:lstStyle/>
+                    <a:p>
+                      <a:r>
+                        <a:rPr lang="pt-BR" dirty="0"/>
+                        <a:t>Invasores</a:t>
+                      </a:r>
+                    </a:p>
+                  </a:txBody>
+                  <a:tcPr/>
+                </a:tc>
+                <a:extLst>
+                  <a:ext uri="{0D108BD9-81ED-4DB2-BD59-A6C34878D82A}">
+                    <a16:rowId xmlns:a16="http://schemas.microsoft.com/office/drawing/2014/main" val="1204013417"/>
+                  </a:ext>
+                </a:extLst>
+              </a:tr>
+              <a:tr h="309598">
+                <a:tc>
+                  <a:txBody>
+                    <a:bodyPr/>
+                    <a:lstStyle/>
+                    <a:p>
+                      <a:r>
+                        <a:rPr lang="pt-BR" dirty="0"/>
+                        <a:t>Lineares</a:t>
+                      </a:r>
+                    </a:p>
+                  </a:txBody>
+                  <a:tcPr/>
+                </a:tc>
+                <a:extLst>
+                  <a:ext uri="{0D108BD9-81ED-4DB2-BD59-A6C34878D82A}">
+                    <a16:rowId xmlns:a16="http://schemas.microsoft.com/office/drawing/2014/main" val="1224035663"/>
+                  </a:ext>
+                </a:extLst>
+              </a:tr>
+              <a:tr h="309598">
+                <a:tc>
+                  <a:txBody>
+                    <a:bodyPr/>
+                    <a:lstStyle/>
+                    <a:p>
+                      <a:r>
+                        <a:rPr lang="pt-BR" dirty="0"/>
+                        <a:t>Aleatórios</a:t>
+                      </a:r>
+                    </a:p>
+                  </a:txBody>
+                  <a:tcPr/>
+                </a:tc>
+                <a:extLst>
+                  <a:ext uri="{0D108BD9-81ED-4DB2-BD59-A6C34878D82A}">
+                    <a16:rowId xmlns:a16="http://schemas.microsoft.com/office/drawing/2014/main" val="1023810621"/>
+                  </a:ext>
+                </a:extLst>
+              </a:tr>
+              <a:tr h="309598">
+                <a:tc>
+                  <a:txBody>
+                    <a:bodyPr/>
+                    <a:lstStyle/>
+                    <a:p>
+                      <a:r>
+                        <a:rPr lang="pt-BR" dirty="0"/>
+                        <a:t>Com Logica de Desvio</a:t>
+                      </a:r>
+                    </a:p>
+                  </a:txBody>
+                  <a:tcPr/>
+                </a:tc>
+                <a:extLst>
+                  <a:ext uri="{0D108BD9-81ED-4DB2-BD59-A6C34878D82A}">
+                    <a16:rowId xmlns:a16="http://schemas.microsoft.com/office/drawing/2014/main" val="2248909627"/>
+                  </a:ext>
+                </a:extLst>
+              </a:tr>
+              <a:tr h="309598">
+                <a:tc>
+                  <a:txBody>
+                    <a:bodyPr/>
+                    <a:lstStyle/>
+                    <a:p>
+                      <a:r>
+                        <a:rPr lang="pt-BR" dirty="0"/>
+                        <a:t>Genéticos</a:t>
+                      </a:r>
+                    </a:p>
+                  </a:txBody>
+                  <a:tcPr/>
+                </a:tc>
+                <a:extLst>
+                  <a:ext uri="{0D108BD9-81ED-4DB2-BD59-A6C34878D82A}">
+                    <a16:rowId xmlns:a16="http://schemas.microsoft.com/office/drawing/2014/main" val="1211577201"/>
+                  </a:ext>
+                </a:extLst>
+              </a:tr>
+            </a:tbl>
+          </a:graphicData>
+        </a:graphic>
+      </p:graphicFrame>
+    </p:spTree>
+    <p:extLst>
+      <p:ext uri="{BB962C8B-B14F-4D97-AF65-F5344CB8AC3E}">
+        <p14:creationId xmlns:p14="http://schemas.microsoft.com/office/powerpoint/2010/main" val="2599106589"/>
+      </p:ext>
+    </p:extLst>
+  </p:cSld>
+  <p:clrMapOvr>
+    <a:masterClrMapping/>
+  </p:clrMapOvr>
+</p:sld>
+</file>
+
+<file path=ppt/slides/slide4.xml><?xml version="1.0" encoding="utf-8"?>
+<p:sld xmlns:a="http://schemas.openxmlformats.org/drawingml/2006/main" xmlns:r="http://schemas.openxmlformats.org/officeDocument/2006/relationships" xmlns:p="http://schemas.openxmlformats.org/presentationml/2006/main">
+  <p:cSld>
+    <p:spTree>
+      <p:nvGrpSpPr>
+        <p:cNvPr id="1" name=""/>
+        <p:cNvGrpSpPr/>
+        <p:nvPr/>
+      </p:nvGrpSpPr>
+      <p:grpSpPr>
+        <a:xfrm>
+          <a:off x="0" y="0"/>
+          <a:ext cx="0" cy="0"/>
+          <a:chOff x="0" y="0"/>
+          <a:chExt cx="0" cy="0"/>
+        </a:xfrm>
+      </p:grpSpPr>
+      <p:sp>
+        <p:nvSpPr>
+          <p:cNvPr id="2" name="Título 1">
+            <a:extLst>
+              <a:ext uri="{FF2B5EF4-FFF2-40B4-BE49-F238E27FC236}">
+                <a16:creationId xmlns:a16="http://schemas.microsoft.com/office/drawing/2014/main" id="{1159F4F8-4F57-4E45-95E7-7C5AE43D5587}"/>
+              </a:ext>
+            </a:extLst>
+          </p:cNvPr>
+          <p:cNvSpPr>
+            <a:spLocks noGrp="1"/>
+          </p:cNvSpPr>
+          <p:nvPr>
+            <p:ph type="title"/>
+          </p:nvPr>
+        </p:nvSpPr>
+        <p:spPr/>
+        <p:txBody>
+          <a:bodyPr/>
+          <a:lstStyle/>
+          <a:p>
+            <a:r>
+              <a:rPr lang="pt-BR" dirty="0"/>
+              <a:t>O Jogo</a:t>
+            </a:r>
+          </a:p>
+        </p:txBody>
+      </p:sp>
+      <p:pic>
+        <p:nvPicPr>
+          <p:cNvPr id="7" name="Imagem 6">
+            <a:extLst>
+              <a:ext uri="{FF2B5EF4-FFF2-40B4-BE49-F238E27FC236}">
+                <a16:creationId xmlns:a16="http://schemas.microsoft.com/office/drawing/2014/main" id="{ECEDF04A-74F4-4CA6-9BD8-1D7638F13942}"/>
+              </a:ext>
+            </a:extLst>
+          </p:cNvPr>
+          <p:cNvPicPr>
+            <a:picLocks noChangeAspect="1"/>
+          </p:cNvPicPr>
+          <p:nvPr/>
+        </p:nvPicPr>
+        <p:blipFill>
+          <a:blip r:embed="rId2"/>
+          <a:stretch>
+            <a:fillRect/>
+          </a:stretch>
+        </p:blipFill>
+        <p:spPr>
+          <a:xfrm>
+            <a:off x="443856" y="1788935"/>
+            <a:ext cx="5915556" cy="4094628"/>
+          </a:xfrm>
+          <a:prstGeom prst="rect">
+            <a:avLst/>
+          </a:prstGeom>
+        </p:spPr>
+      </p:pic>
+      <p:pic>
+        <p:nvPicPr>
+          <p:cNvPr id="9" name="Imagem 8">
+            <a:extLst>
+              <a:ext uri="{FF2B5EF4-FFF2-40B4-BE49-F238E27FC236}">
+                <a16:creationId xmlns:a16="http://schemas.microsoft.com/office/drawing/2014/main" id="{30003B7E-5F5B-432A-A74D-8D2D24307E00}"/>
+              </a:ext>
+            </a:extLst>
+          </p:cNvPr>
+          <p:cNvPicPr>
+            <a:picLocks noChangeAspect="1"/>
+          </p:cNvPicPr>
+          <p:nvPr/>
+        </p:nvPicPr>
+        <p:blipFill>
+          <a:blip r:embed="rId3"/>
+          <a:stretch>
+            <a:fillRect/>
+          </a:stretch>
+        </p:blipFill>
+        <p:spPr>
+          <a:xfrm>
+            <a:off x="6993167" y="744167"/>
+            <a:ext cx="952633" cy="752580"/>
+          </a:xfrm>
+          <a:prstGeom prst="rect">
+            <a:avLst/>
+          </a:prstGeom>
+        </p:spPr>
+      </p:pic>
+      <p:pic>
+        <p:nvPicPr>
+          <p:cNvPr id="11" name="Imagem 10">
+            <a:extLst>
+              <a:ext uri="{FF2B5EF4-FFF2-40B4-BE49-F238E27FC236}">
+                <a16:creationId xmlns:a16="http://schemas.microsoft.com/office/drawing/2014/main" id="{BDE71DA4-24E1-4E6A-BF3A-DA3C3C393F95}"/>
+              </a:ext>
+            </a:extLst>
+          </p:cNvPr>
+          <p:cNvPicPr>
+            <a:picLocks noChangeAspect="1"/>
+          </p:cNvPicPr>
+          <p:nvPr/>
+        </p:nvPicPr>
+        <p:blipFill>
+          <a:blip r:embed="rId4"/>
+          <a:stretch>
+            <a:fillRect/>
+          </a:stretch>
+        </p:blipFill>
+        <p:spPr>
+          <a:xfrm>
+            <a:off x="6931245" y="3493950"/>
+            <a:ext cx="1076475" cy="943107"/>
+          </a:xfrm>
+          <a:prstGeom prst="rect">
+            <a:avLst/>
+          </a:prstGeom>
+        </p:spPr>
+      </p:pic>
+      <p:sp>
+        <p:nvSpPr>
+          <p:cNvPr id="12" name="CaixaDeTexto 11">
+            <a:extLst>
+              <a:ext uri="{FF2B5EF4-FFF2-40B4-BE49-F238E27FC236}">
+                <a16:creationId xmlns:a16="http://schemas.microsoft.com/office/drawing/2014/main" id="{10CDAC1E-F6C4-45CC-B91B-FD54F5294CCA}"/>
+              </a:ext>
+            </a:extLst>
+          </p:cNvPr>
+          <p:cNvSpPr txBox="1"/>
+          <p:nvPr/>
+        </p:nvSpPr>
+        <p:spPr>
+          <a:xfrm>
+            <a:off x="8285018" y="889624"/>
+            <a:ext cx="1113895" cy="461665"/>
+          </a:xfrm>
+          <a:prstGeom prst="rect">
+            <a:avLst/>
+          </a:prstGeom>
+          <a:noFill/>
+        </p:spPr>
+        <p:txBody>
+          <a:bodyPr wrap="none" rtlCol="0">
+            <a:spAutoFit/>
+          </a:bodyPr>
+          <a:lstStyle/>
+          <a:p>
+            <a:r>
+              <a:rPr lang="pt-BR" sz="2400" dirty="0"/>
+              <a:t>Inimigo</a:t>
+            </a:r>
+            <a:endParaRPr lang="pt-BR" dirty="0"/>
+          </a:p>
+        </p:txBody>
+      </p:sp>
+      <p:sp>
+        <p:nvSpPr>
+          <p:cNvPr id="13" name="CaixaDeTexto 12">
+            <a:extLst>
+              <a:ext uri="{FF2B5EF4-FFF2-40B4-BE49-F238E27FC236}">
+                <a16:creationId xmlns:a16="http://schemas.microsoft.com/office/drawing/2014/main" id="{92DA30A4-9385-456C-B974-4534681B1783}"/>
+              </a:ext>
+            </a:extLst>
+          </p:cNvPr>
+          <p:cNvSpPr txBox="1"/>
+          <p:nvPr/>
+        </p:nvSpPr>
+        <p:spPr>
+          <a:xfrm>
+            <a:off x="8354292" y="3734670"/>
+            <a:ext cx="1161600" cy="461665"/>
+          </a:xfrm>
+          <a:prstGeom prst="rect">
+            <a:avLst/>
+          </a:prstGeom>
+          <a:noFill/>
+        </p:spPr>
+        <p:txBody>
+          <a:bodyPr wrap="none" rtlCol="0">
+            <a:spAutoFit/>
+          </a:bodyPr>
+          <a:lstStyle/>
+          <a:p>
+            <a:r>
+              <a:rPr lang="pt-BR" sz="2400" dirty="0"/>
+              <a:t>Jogador</a:t>
+            </a:r>
+            <a:endParaRPr lang="pt-BR" dirty="0"/>
+          </a:p>
+        </p:txBody>
+      </p:sp>
+      <p:sp>
+        <p:nvSpPr>
+          <p:cNvPr id="14" name="CaixaDeTexto 13">
+            <a:extLst>
+              <a:ext uri="{FF2B5EF4-FFF2-40B4-BE49-F238E27FC236}">
+                <a16:creationId xmlns:a16="http://schemas.microsoft.com/office/drawing/2014/main" id="{1406019F-B32F-47E1-BAF5-8DAAEEE26D24}"/>
+              </a:ext>
+            </a:extLst>
+          </p:cNvPr>
+          <p:cNvSpPr txBox="1"/>
+          <p:nvPr/>
+        </p:nvSpPr>
+        <p:spPr>
+          <a:xfrm>
+            <a:off x="8285018" y="1465866"/>
+            <a:ext cx="3223490" cy="646331"/>
+          </a:xfrm>
+          <a:prstGeom prst="rect">
+            <a:avLst/>
+          </a:prstGeom>
+          <a:noFill/>
+        </p:spPr>
+        <p:txBody>
+          <a:bodyPr wrap="square" rtlCol="0">
+            <a:spAutoFit/>
+          </a:bodyPr>
+          <a:lstStyle/>
+          <a:p>
+            <a:r>
+              <a:rPr lang="pt-BR" dirty="0"/>
+              <a:t>Objetivo: </a:t>
+            </a:r>
+          </a:p>
+          <a:p>
+            <a:r>
+              <a:rPr lang="pt-BR" dirty="0"/>
+              <a:t>Descer até o nível do jogador</a:t>
+            </a:r>
+          </a:p>
+        </p:txBody>
+      </p:sp>
+      <p:sp>
+        <p:nvSpPr>
+          <p:cNvPr id="15" name="CaixaDeTexto 14">
+            <a:extLst>
+              <a:ext uri="{FF2B5EF4-FFF2-40B4-BE49-F238E27FC236}">
+                <a16:creationId xmlns:a16="http://schemas.microsoft.com/office/drawing/2014/main" id="{1F1BF7F6-EBBA-4AB5-A1C1-A8E0FEE0A842}"/>
+              </a:ext>
+            </a:extLst>
+          </p:cNvPr>
+          <p:cNvSpPr txBox="1"/>
+          <p:nvPr/>
+        </p:nvSpPr>
+        <p:spPr>
+          <a:xfrm>
+            <a:off x="8354292" y="4351773"/>
+            <a:ext cx="3646054" cy="923330"/>
+          </a:xfrm>
+          <a:prstGeom prst="rect">
+            <a:avLst/>
+          </a:prstGeom>
+          <a:noFill/>
+        </p:spPr>
+        <p:txBody>
+          <a:bodyPr wrap="square" rtlCol="0">
+            <a:spAutoFit/>
+          </a:bodyPr>
+          <a:lstStyle/>
+          <a:p>
+            <a:r>
+              <a:rPr lang="pt-BR" dirty="0"/>
+              <a:t>Objetivo: </a:t>
+            </a:r>
+          </a:p>
+          <a:p>
+            <a:r>
+              <a:rPr lang="pt-BR" dirty="0"/>
+              <a:t>Matar o maior número de inimigos, mais rápido</a:t>
+            </a:r>
+          </a:p>
+        </p:txBody>
+      </p:sp>
+    </p:spTree>
+    <p:extLst>
+      <p:ext uri="{BB962C8B-B14F-4D97-AF65-F5344CB8AC3E}">
+        <p14:creationId xmlns:p14="http://schemas.microsoft.com/office/powerpoint/2010/main" val="3907219798"/>
+      </p:ext>
+    </p:extLst>
+  </p:cSld>
+  <p:clrMapOvr>
+    <a:masterClrMapping/>
+  </p:clrMapOvr>
+</p:sld>
+</file>
+
+<file path=ppt/slides/slide5.xml><?xml version="1.0" encoding="utf-8"?>
+<p:sld xmlns:a="http://schemas.openxmlformats.org/drawingml/2006/main" xmlns:r="http://schemas.openxmlformats.org/officeDocument/2006/relationships" xmlns:p="http://schemas.openxmlformats.org/presentationml/2006/main">
+  <p:cSld>
+    <p:spTree>
+      <p:nvGrpSpPr>
+        <p:cNvPr id="1" name=""/>
+        <p:cNvGrpSpPr/>
+        <p:nvPr/>
+      </p:nvGrpSpPr>
+      <p:grpSpPr>
+        <a:xfrm>
+          <a:off x="0" y="0"/>
+          <a:ext cx="0" cy="0"/>
+          <a:chOff x="0" y="0"/>
+          <a:chExt cx="0" cy="0"/>
+        </a:xfrm>
+      </p:grpSpPr>
+      <p:sp>
+        <p:nvSpPr>
+          <p:cNvPr id="2" name="Título 1">
+            <a:extLst>
+              <a:ext uri="{FF2B5EF4-FFF2-40B4-BE49-F238E27FC236}">
+                <a16:creationId xmlns:a16="http://schemas.microsoft.com/office/drawing/2014/main" id="{1159F4F8-4F57-4E45-95E7-7C5AE43D5587}"/>
+              </a:ext>
+            </a:extLst>
+          </p:cNvPr>
+          <p:cNvSpPr>
+            <a:spLocks noGrp="1"/>
+          </p:cNvSpPr>
+          <p:nvPr>
+            <p:ph type="title"/>
+          </p:nvPr>
+        </p:nvSpPr>
+        <p:spPr/>
+        <p:txBody>
+          <a:bodyPr/>
+          <a:lstStyle/>
+          <a:p>
+            <a:r>
+              <a:rPr lang="pt-BR" dirty="0"/>
+              <a:t>Regras</a:t>
+            </a:r>
+          </a:p>
+        </p:txBody>
+      </p:sp>
+      <p:sp>
+        <p:nvSpPr>
+          <p:cNvPr id="12" name="CaixaDeTexto 11">
+            <a:extLst>
+              <a:ext uri="{FF2B5EF4-FFF2-40B4-BE49-F238E27FC236}">
+                <a16:creationId xmlns:a16="http://schemas.microsoft.com/office/drawing/2014/main" id="{10CDAC1E-F6C4-45CC-B91B-FD54F5294CCA}"/>
+              </a:ext>
+            </a:extLst>
+          </p:cNvPr>
+          <p:cNvSpPr txBox="1"/>
+          <p:nvPr/>
+        </p:nvSpPr>
+        <p:spPr>
+          <a:xfrm>
+            <a:off x="7941265" y="452789"/>
+            <a:ext cx="1113895" cy="461665"/>
+          </a:xfrm>
+          <a:prstGeom prst="rect">
+            <a:avLst/>
+          </a:prstGeom>
+          <a:noFill/>
+        </p:spPr>
+        <p:txBody>
+          <a:bodyPr wrap="none" rtlCol="0">
+            <a:spAutoFit/>
+          </a:bodyPr>
+          <a:lstStyle/>
+          <a:p>
+            <a:r>
+              <a:rPr lang="pt-BR" sz="2400" dirty="0"/>
+              <a:t>Inimigo</a:t>
+            </a:r>
+            <a:endParaRPr lang="pt-BR" dirty="0"/>
+          </a:p>
+        </p:txBody>
+      </p:sp>
+      <p:sp>
+        <p:nvSpPr>
+          <p:cNvPr id="13" name="CaixaDeTexto 12">
+            <a:extLst>
+              <a:ext uri="{FF2B5EF4-FFF2-40B4-BE49-F238E27FC236}">
+                <a16:creationId xmlns:a16="http://schemas.microsoft.com/office/drawing/2014/main" id="{92DA30A4-9385-456C-B974-4534681B1783}"/>
+              </a:ext>
+            </a:extLst>
+          </p:cNvPr>
+          <p:cNvSpPr txBox="1"/>
+          <p:nvPr/>
+        </p:nvSpPr>
+        <p:spPr>
+          <a:xfrm>
+            <a:off x="5488892" y="3772922"/>
+            <a:ext cx="1161600" cy="461665"/>
+          </a:xfrm>
+          <a:prstGeom prst="rect">
+            <a:avLst/>
+          </a:prstGeom>
+          <a:noFill/>
+        </p:spPr>
+        <p:txBody>
+          <a:bodyPr wrap="none" rtlCol="0">
+            <a:spAutoFit/>
+          </a:bodyPr>
+          <a:lstStyle/>
+          <a:p>
+            <a:r>
+              <a:rPr lang="pt-BR" sz="2400" dirty="0"/>
+              <a:t>Jogador</a:t>
+            </a:r>
+            <a:endParaRPr lang="pt-BR" dirty="0"/>
+          </a:p>
+        </p:txBody>
+      </p:sp>
+      <p:sp>
+        <p:nvSpPr>
+          <p:cNvPr id="16" name="CaixaDeTexto 15">
+            <a:extLst>
+              <a:ext uri="{FF2B5EF4-FFF2-40B4-BE49-F238E27FC236}">
+                <a16:creationId xmlns:a16="http://schemas.microsoft.com/office/drawing/2014/main" id="{6C517516-FA90-485F-93D6-BF1DAD3CA854}"/>
+              </a:ext>
+            </a:extLst>
+          </p:cNvPr>
+          <p:cNvSpPr txBox="1"/>
+          <p:nvPr/>
+        </p:nvSpPr>
+        <p:spPr>
+          <a:xfrm>
+            <a:off x="5488892" y="4409209"/>
+            <a:ext cx="4504848" cy="923330"/>
+          </a:xfrm>
+          <a:prstGeom prst="rect">
+            <a:avLst/>
+          </a:prstGeom>
+          <a:noFill/>
+        </p:spPr>
+        <p:txBody>
+          <a:bodyPr wrap="square" rtlCol="0">
+            <a:spAutoFit/>
+          </a:bodyPr>
+          <a:lstStyle/>
+          <a:p>
+            <a:pPr marL="285750" indent="-285750">
+              <a:buFont typeface="Arial" panose="020B0604020202020204" pitchFamily="34" charset="0"/>
+              <a:buChar char="•"/>
+            </a:pPr>
+            <a:r>
+              <a:rPr lang="pt-BR" dirty="0"/>
+              <a:t>Movimentos Laterais</a:t>
+            </a:r>
+          </a:p>
+          <a:p>
+            <a:pPr marL="285750" indent="-285750">
+              <a:buFont typeface="Arial" panose="020B0604020202020204" pitchFamily="34" charset="0"/>
+              <a:buChar char="•"/>
+            </a:pPr>
+            <a:r>
+              <a:rPr lang="pt-BR" dirty="0"/>
+              <a:t>1 Tiro por vez</a:t>
+            </a:r>
+          </a:p>
+          <a:p>
+            <a:pPr marL="285750" indent="-285750">
+              <a:buFont typeface="Arial" panose="020B0604020202020204" pitchFamily="34" charset="0"/>
+              <a:buChar char="•"/>
+            </a:pPr>
+            <a:r>
+              <a:rPr lang="pt-BR" dirty="0"/>
+              <a:t>Controle do Tiro com movimentos laterais</a:t>
+            </a:r>
+          </a:p>
+        </p:txBody>
+      </p:sp>
+      <p:sp>
+        <p:nvSpPr>
+          <p:cNvPr id="17" name="CaixaDeTexto 16">
+            <a:extLst>
+              <a:ext uri="{FF2B5EF4-FFF2-40B4-BE49-F238E27FC236}">
+                <a16:creationId xmlns:a16="http://schemas.microsoft.com/office/drawing/2014/main" id="{F861585B-8493-4B0C-8689-05E929684D98}"/>
+              </a:ext>
+            </a:extLst>
+          </p:cNvPr>
+          <p:cNvSpPr txBox="1"/>
+          <p:nvPr/>
+        </p:nvSpPr>
+        <p:spPr>
+          <a:xfrm>
+            <a:off x="7941265" y="1215603"/>
+            <a:ext cx="4504848" cy="1754326"/>
+          </a:xfrm>
+          <a:prstGeom prst="rect">
+            <a:avLst/>
+          </a:prstGeom>
+          <a:noFill/>
+        </p:spPr>
+        <p:txBody>
+          <a:bodyPr wrap="square" rtlCol="0">
+            <a:spAutoFit/>
+          </a:bodyPr>
+          <a:lstStyle/>
+          <a:p>
+            <a:pPr marL="285750" indent="-285750">
+              <a:buFont typeface="Arial" panose="020B0604020202020204" pitchFamily="34" charset="0"/>
+              <a:buChar char="•"/>
+            </a:pPr>
+            <a:r>
+              <a:rPr lang="pt-BR" dirty="0"/>
+              <a:t>5 opções de movimento</a:t>
+            </a:r>
+          </a:p>
+          <a:p>
+            <a:pPr marL="742950" lvl="1" indent="-285750">
+              <a:buFont typeface="Arial" panose="020B0604020202020204" pitchFamily="34" charset="0"/>
+              <a:buChar char="•"/>
+            </a:pPr>
+            <a:r>
+              <a:rPr lang="pt-BR" dirty="0"/>
+              <a:t>Esquerda</a:t>
+            </a:r>
+          </a:p>
+          <a:p>
+            <a:pPr marL="742950" lvl="1" indent="-285750">
+              <a:buFont typeface="Arial" panose="020B0604020202020204" pitchFamily="34" charset="0"/>
+              <a:buChar char="•"/>
+            </a:pPr>
+            <a:r>
+              <a:rPr lang="pt-BR" dirty="0"/>
+              <a:t>Esquerda + Descida</a:t>
+            </a:r>
+          </a:p>
+          <a:p>
+            <a:pPr marL="742950" lvl="1" indent="-285750">
+              <a:buFont typeface="Arial" panose="020B0604020202020204" pitchFamily="34" charset="0"/>
+              <a:buChar char="•"/>
+            </a:pPr>
+            <a:r>
+              <a:rPr lang="pt-BR" dirty="0"/>
+              <a:t>Descida</a:t>
+            </a:r>
+          </a:p>
+          <a:p>
+            <a:pPr marL="742950" lvl="1" indent="-285750">
+              <a:buFont typeface="Arial" panose="020B0604020202020204" pitchFamily="34" charset="0"/>
+              <a:buChar char="•"/>
+            </a:pPr>
+            <a:r>
+              <a:rPr lang="pt-BR" dirty="0"/>
+              <a:t>Direita + Descida</a:t>
+            </a:r>
+          </a:p>
+          <a:p>
+            <a:pPr marL="742950" lvl="1" indent="-285750">
+              <a:buFont typeface="Arial" panose="020B0604020202020204" pitchFamily="34" charset="0"/>
+              <a:buChar char="•"/>
+            </a:pPr>
+            <a:r>
+              <a:rPr lang="pt-BR" dirty="0"/>
+              <a:t>Direita</a:t>
+            </a:r>
+          </a:p>
+        </p:txBody>
+      </p:sp>
+      <p:grpSp>
+        <p:nvGrpSpPr>
+          <p:cNvPr id="28" name="Agrupar 27">
+            <a:extLst>
+              <a:ext uri="{FF2B5EF4-FFF2-40B4-BE49-F238E27FC236}">
+                <a16:creationId xmlns:a16="http://schemas.microsoft.com/office/drawing/2014/main" id="{8BC02F46-02B7-4CE5-BA70-6DA8D4C572EE}"/>
+              </a:ext>
+            </a:extLst>
+          </p:cNvPr>
+          <p:cNvGrpSpPr/>
+          <p:nvPr/>
+        </p:nvGrpSpPr>
+        <p:grpSpPr>
+          <a:xfrm>
+            <a:off x="599486" y="3505077"/>
+            <a:ext cx="4305901" cy="2953162"/>
+            <a:chOff x="599486" y="3505077"/>
+            <a:chExt cx="4305901" cy="2953162"/>
+          </a:xfrm>
+        </p:grpSpPr>
+        <p:pic>
+          <p:nvPicPr>
+            <p:cNvPr id="6" name="Imagem 5">
+              <a:extLst>
+                <a:ext uri="{FF2B5EF4-FFF2-40B4-BE49-F238E27FC236}">
+                  <a16:creationId xmlns:a16="http://schemas.microsoft.com/office/drawing/2014/main" id="{B18B85E8-75CB-4972-854C-8661D757AFCF}"/>
+                </a:ext>
+              </a:extLst>
+            </p:cNvPr>
+            <p:cNvPicPr>
+              <a:picLocks noChangeAspect="1"/>
+            </p:cNvPicPr>
+            <p:nvPr/>
+          </p:nvPicPr>
+          <p:blipFill>
+            <a:blip r:embed="rId2"/>
+            <a:stretch>
+              <a:fillRect/>
+            </a:stretch>
+          </p:blipFill>
+          <p:spPr>
+            <a:xfrm>
+              <a:off x="599486" y="3505077"/>
+              <a:ext cx="4305901" cy="2953162"/>
+            </a:xfrm>
+            <a:prstGeom prst="rect">
+              <a:avLst/>
+            </a:prstGeom>
+          </p:spPr>
+        </p:pic>
+        <p:sp>
+          <p:nvSpPr>
+            <p:cNvPr id="8" name="Seta: para a Direita 7">
+              <a:extLst>
+                <a:ext uri="{FF2B5EF4-FFF2-40B4-BE49-F238E27FC236}">
+                  <a16:creationId xmlns:a16="http://schemas.microsoft.com/office/drawing/2014/main" id="{988EBD86-7F5F-4A31-A256-F807D58A5FC1}"/>
+                </a:ext>
+              </a:extLst>
+            </p:cNvPr>
+            <p:cNvSpPr/>
+            <p:nvPr/>
+          </p:nvSpPr>
+          <p:spPr>
+            <a:xfrm>
+              <a:off x="3509818" y="6085427"/>
+              <a:ext cx="618837" cy="84464"/>
+            </a:xfrm>
+            <a:prstGeom prst="rightArrow">
+              <a:avLst/>
+            </a:prstGeom>
+          </p:spPr>
+          <p:style>
+            <a:lnRef idx="2">
+              <a:schemeClr val="accent1">
+                <a:shade val="50000"/>
+              </a:schemeClr>
+            </a:lnRef>
+            <a:fillRef idx="1">
+              <a:schemeClr val="accent1"/>
+            </a:fillRef>
+            <a:effectRef idx="0">
+              <a:schemeClr val="accent1"/>
+            </a:effectRef>
+            <a:fontRef idx="minor">
+              <a:schemeClr val="lt1"/>
+            </a:fontRef>
+          </p:style>
+          <p:txBody>
+            <a:bodyPr rtlCol="0" anchor="ctr"/>
+            <a:lstStyle/>
+            <a:p>
+              <a:pPr algn="ctr"/>
+              <a:endParaRPr lang="pt-BR"/>
+            </a:p>
+          </p:txBody>
+        </p:sp>
+        <p:sp>
+          <p:nvSpPr>
+            <p:cNvPr id="18" name="Seta: para a Direita 17">
+              <a:extLst>
+                <a:ext uri="{FF2B5EF4-FFF2-40B4-BE49-F238E27FC236}">
+                  <a16:creationId xmlns:a16="http://schemas.microsoft.com/office/drawing/2014/main" id="{73482D80-6A2D-49D4-830D-B90737C55034}"/>
+                </a:ext>
+              </a:extLst>
+            </p:cNvPr>
+            <p:cNvSpPr/>
+            <p:nvPr/>
+          </p:nvSpPr>
+          <p:spPr>
+            <a:xfrm>
+              <a:off x="3431311" y="4141179"/>
+              <a:ext cx="618837" cy="84464"/>
+            </a:xfrm>
+            <a:prstGeom prst="rightArrow">
+              <a:avLst/>
+            </a:prstGeom>
+          </p:spPr>
+          <p:style>
+            <a:lnRef idx="2">
+              <a:schemeClr val="accent1">
+                <a:shade val="50000"/>
+              </a:schemeClr>
+            </a:lnRef>
+            <a:fillRef idx="1">
+              <a:schemeClr val="accent1"/>
+            </a:fillRef>
+            <a:effectRef idx="0">
+              <a:schemeClr val="accent1"/>
+            </a:effectRef>
+            <a:fontRef idx="minor">
+              <a:schemeClr val="lt1"/>
+            </a:fontRef>
+          </p:style>
+          <p:txBody>
+            <a:bodyPr rtlCol="0" anchor="ctr"/>
+            <a:lstStyle/>
+            <a:p>
+              <a:pPr algn="ctr"/>
+              <a:endParaRPr lang="pt-BR"/>
+            </a:p>
+          </p:txBody>
+        </p:sp>
+        <p:sp>
+          <p:nvSpPr>
+            <p:cNvPr id="19" name="Seta: para a Direita 18">
+              <a:extLst>
+                <a:ext uri="{FF2B5EF4-FFF2-40B4-BE49-F238E27FC236}">
+                  <a16:creationId xmlns:a16="http://schemas.microsoft.com/office/drawing/2014/main" id="{D4ED41B4-869E-4E9B-BF17-5862F34F29FB}"/>
+                </a:ext>
+              </a:extLst>
+            </p:cNvPr>
+            <p:cNvSpPr/>
+            <p:nvPr/>
+          </p:nvSpPr>
+          <p:spPr>
+            <a:xfrm rot="10800000">
+              <a:off x="1593256" y="6099286"/>
+              <a:ext cx="618837" cy="84464"/>
+            </a:xfrm>
+            <a:prstGeom prst="rightArrow">
+              <a:avLst/>
+            </a:prstGeom>
+          </p:spPr>
+          <p:style>
+            <a:lnRef idx="2">
+              <a:schemeClr val="accent1">
+                <a:shade val="50000"/>
+              </a:schemeClr>
+            </a:lnRef>
+            <a:fillRef idx="1">
+              <a:schemeClr val="accent1"/>
+            </a:fillRef>
+            <a:effectRef idx="0">
+              <a:schemeClr val="accent1"/>
+            </a:effectRef>
+            <a:fontRef idx="minor">
+              <a:schemeClr val="lt1"/>
+            </a:fontRef>
+          </p:style>
+          <p:txBody>
+            <a:bodyPr rtlCol="0" anchor="ctr"/>
+            <a:lstStyle/>
+            <a:p>
+              <a:pPr algn="ctr"/>
+              <a:endParaRPr lang="pt-BR"/>
+            </a:p>
+          </p:txBody>
+        </p:sp>
+        <p:sp>
+          <p:nvSpPr>
+            <p:cNvPr id="20" name="Seta: para a Direita 19">
+              <a:extLst>
+                <a:ext uri="{FF2B5EF4-FFF2-40B4-BE49-F238E27FC236}">
+                  <a16:creationId xmlns:a16="http://schemas.microsoft.com/office/drawing/2014/main" id="{E336AD46-147F-4385-96D1-0E74C0347F5F}"/>
+                </a:ext>
+              </a:extLst>
+            </p:cNvPr>
+            <p:cNvSpPr/>
+            <p:nvPr/>
+          </p:nvSpPr>
+          <p:spPr>
+            <a:xfrm rot="10800000">
+              <a:off x="1671768" y="4145805"/>
+              <a:ext cx="618837" cy="84464"/>
+            </a:xfrm>
+            <a:prstGeom prst="rightArrow">
+              <a:avLst/>
+            </a:prstGeom>
+          </p:spPr>
+          <p:style>
+            <a:lnRef idx="2">
+              <a:schemeClr val="accent1">
+                <a:shade val="50000"/>
+              </a:schemeClr>
+            </a:lnRef>
+            <a:fillRef idx="1">
+              <a:schemeClr val="accent1"/>
+            </a:fillRef>
+            <a:effectRef idx="0">
+              <a:schemeClr val="accent1"/>
+            </a:effectRef>
+            <a:fontRef idx="minor">
+              <a:schemeClr val="lt1"/>
+            </a:fontRef>
+          </p:style>
+          <p:txBody>
+            <a:bodyPr rtlCol="0" anchor="ctr"/>
+            <a:lstStyle/>
+            <a:p>
+              <a:pPr algn="ctr"/>
+              <a:endParaRPr lang="pt-BR"/>
+            </a:p>
+          </p:txBody>
+        </p:sp>
+      </p:grpSp>
+      <p:grpSp>
+        <p:nvGrpSpPr>
+          <p:cNvPr id="27" name="Agrupar 26">
+            <a:extLst>
+              <a:ext uri="{FF2B5EF4-FFF2-40B4-BE49-F238E27FC236}">
+                <a16:creationId xmlns:a16="http://schemas.microsoft.com/office/drawing/2014/main" id="{519C986D-2ABA-44B1-A97B-9E724E28C836}"/>
+              </a:ext>
+            </a:extLst>
+          </p:cNvPr>
+          <p:cNvGrpSpPr/>
+          <p:nvPr/>
+        </p:nvGrpSpPr>
+        <p:grpSpPr>
+          <a:xfrm>
+            <a:off x="4107246" y="481463"/>
+            <a:ext cx="3181794" cy="1743318"/>
+            <a:chOff x="3574728" y="906340"/>
+            <a:chExt cx="3181794" cy="1743318"/>
+          </a:xfrm>
+        </p:grpSpPr>
+        <p:pic>
+          <p:nvPicPr>
+            <p:cNvPr id="21" name="Imagem 20">
+              <a:extLst>
+                <a:ext uri="{FF2B5EF4-FFF2-40B4-BE49-F238E27FC236}">
+                  <a16:creationId xmlns:a16="http://schemas.microsoft.com/office/drawing/2014/main" id="{DDC0507C-AC88-49F5-BF27-9B6771E0F0F5}"/>
+                </a:ext>
+              </a:extLst>
+            </p:cNvPr>
+            <p:cNvPicPr>
+              <a:picLocks noChangeAspect="1"/>
+            </p:cNvPicPr>
+            <p:nvPr/>
+          </p:nvPicPr>
+          <p:blipFill>
+            <a:blip r:embed="rId3"/>
+            <a:stretch>
+              <a:fillRect/>
+            </a:stretch>
+          </p:blipFill>
+          <p:spPr>
+            <a:xfrm>
+              <a:off x="3574728" y="906340"/>
+              <a:ext cx="3181794" cy="1743318"/>
+            </a:xfrm>
+            <a:prstGeom prst="rect">
+              <a:avLst/>
+            </a:prstGeom>
+          </p:spPr>
+        </p:pic>
+        <p:sp>
+          <p:nvSpPr>
+            <p:cNvPr id="22" name="Seta: para a Direita 21">
+              <a:extLst>
+                <a:ext uri="{FF2B5EF4-FFF2-40B4-BE49-F238E27FC236}">
+                  <a16:creationId xmlns:a16="http://schemas.microsoft.com/office/drawing/2014/main" id="{4B478C96-1075-4E15-A7CB-D2B456F2A2D5}"/>
+                </a:ext>
+              </a:extLst>
+            </p:cNvPr>
+            <p:cNvSpPr/>
+            <p:nvPr/>
+          </p:nvSpPr>
+          <p:spPr>
+            <a:xfrm>
+              <a:off x="5708388" y="1337463"/>
+              <a:ext cx="618837" cy="84464"/>
+            </a:xfrm>
+            <a:prstGeom prst="rightArrow">
+              <a:avLst/>
+            </a:prstGeom>
+          </p:spPr>
+          <p:style>
+            <a:lnRef idx="2">
+              <a:schemeClr val="accent1">
+                <a:shade val="50000"/>
+              </a:schemeClr>
+            </a:lnRef>
+            <a:fillRef idx="1">
+              <a:schemeClr val="accent1"/>
+            </a:fillRef>
+            <a:effectRef idx="0">
+              <a:schemeClr val="accent1"/>
+            </a:effectRef>
+            <a:fontRef idx="minor">
+              <a:schemeClr val="lt1"/>
+            </a:fontRef>
+          </p:style>
+          <p:txBody>
+            <a:bodyPr rtlCol="0" anchor="ctr"/>
+            <a:lstStyle/>
+            <a:p>
+              <a:pPr algn="ctr"/>
+              <a:endParaRPr lang="pt-BR"/>
+            </a:p>
+          </p:txBody>
+        </p:sp>
+        <p:sp>
+          <p:nvSpPr>
+            <p:cNvPr id="23" name="Seta: para a Direita 22">
+              <a:extLst>
+                <a:ext uri="{FF2B5EF4-FFF2-40B4-BE49-F238E27FC236}">
+                  <a16:creationId xmlns:a16="http://schemas.microsoft.com/office/drawing/2014/main" id="{A39360C9-84BC-4BF8-89CC-438FC2497095}"/>
+                </a:ext>
+              </a:extLst>
+            </p:cNvPr>
+            <p:cNvSpPr/>
+            <p:nvPr/>
+          </p:nvSpPr>
+          <p:spPr>
+            <a:xfrm rot="10800000">
+              <a:off x="3984511" y="1369683"/>
+              <a:ext cx="618837" cy="84464"/>
+            </a:xfrm>
+            <a:prstGeom prst="rightArrow">
+              <a:avLst/>
+            </a:prstGeom>
+          </p:spPr>
+          <p:style>
+            <a:lnRef idx="2">
+              <a:schemeClr val="accent1">
+                <a:shade val="50000"/>
+              </a:schemeClr>
+            </a:lnRef>
+            <a:fillRef idx="1">
+              <a:schemeClr val="accent1"/>
+            </a:fillRef>
+            <a:effectRef idx="0">
+              <a:schemeClr val="accent1"/>
+            </a:effectRef>
+            <a:fontRef idx="minor">
+              <a:schemeClr val="lt1"/>
+            </a:fontRef>
+          </p:style>
+          <p:txBody>
+            <a:bodyPr rtlCol="0" anchor="ctr"/>
+            <a:lstStyle/>
+            <a:p>
+              <a:pPr algn="ctr"/>
+              <a:endParaRPr lang="pt-BR"/>
+            </a:p>
+          </p:txBody>
+        </p:sp>
+        <p:sp>
+          <p:nvSpPr>
+            <p:cNvPr id="24" name="Seta: para a Direita 23">
+              <a:extLst>
+                <a:ext uri="{FF2B5EF4-FFF2-40B4-BE49-F238E27FC236}">
+                  <a16:creationId xmlns:a16="http://schemas.microsoft.com/office/drawing/2014/main" id="{A2879C1E-B8EC-4296-8347-BABED9DE3CB9}"/>
+                </a:ext>
+              </a:extLst>
+            </p:cNvPr>
+            <p:cNvSpPr/>
+            <p:nvPr/>
+          </p:nvSpPr>
+          <p:spPr>
+            <a:xfrm rot="5400000">
+              <a:off x="4837734" y="1865310"/>
+              <a:ext cx="618837" cy="84464"/>
+            </a:xfrm>
+            <a:prstGeom prst="rightArrow">
+              <a:avLst/>
+            </a:prstGeom>
+          </p:spPr>
+          <p:style>
+            <a:lnRef idx="2">
+              <a:schemeClr val="accent1">
+                <a:shade val="50000"/>
+              </a:schemeClr>
+            </a:lnRef>
+            <a:fillRef idx="1">
+              <a:schemeClr val="accent1"/>
+            </a:fillRef>
+            <a:effectRef idx="0">
+              <a:schemeClr val="accent1"/>
+            </a:effectRef>
+            <a:fontRef idx="minor">
+              <a:schemeClr val="lt1"/>
+            </a:fontRef>
+          </p:style>
+          <p:txBody>
+            <a:bodyPr rtlCol="0" anchor="ctr"/>
+            <a:lstStyle/>
+            <a:p>
+              <a:pPr algn="ctr"/>
+              <a:endParaRPr lang="pt-BR"/>
+            </a:p>
+          </p:txBody>
+        </p:sp>
+        <p:sp>
+          <p:nvSpPr>
+            <p:cNvPr id="25" name="Seta: para a Direita 24">
+              <a:extLst>
+                <a:ext uri="{FF2B5EF4-FFF2-40B4-BE49-F238E27FC236}">
+                  <a16:creationId xmlns:a16="http://schemas.microsoft.com/office/drawing/2014/main" id="{10A56F58-8EA6-4083-B31D-C844B3D613DD}"/>
+                </a:ext>
+              </a:extLst>
+            </p:cNvPr>
+            <p:cNvSpPr/>
+            <p:nvPr/>
+          </p:nvSpPr>
+          <p:spPr>
+            <a:xfrm rot="2721028">
+              <a:off x="5350355" y="1832990"/>
+              <a:ext cx="618837" cy="84464"/>
+            </a:xfrm>
+            <a:prstGeom prst="rightArrow">
+              <a:avLst/>
+            </a:prstGeom>
+          </p:spPr>
+          <p:style>
+            <a:lnRef idx="2">
+              <a:schemeClr val="accent1">
+                <a:shade val="50000"/>
+              </a:schemeClr>
+            </a:lnRef>
+            <a:fillRef idx="1">
+              <a:schemeClr val="accent1"/>
+            </a:fillRef>
+            <a:effectRef idx="0">
+              <a:schemeClr val="accent1"/>
+            </a:effectRef>
+            <a:fontRef idx="minor">
+              <a:schemeClr val="lt1"/>
+            </a:fontRef>
+          </p:style>
+          <p:txBody>
+            <a:bodyPr rtlCol="0" anchor="ctr"/>
+            <a:lstStyle/>
+            <a:p>
+              <a:pPr algn="ctr"/>
+              <a:endParaRPr lang="pt-BR"/>
+            </a:p>
+          </p:txBody>
+        </p:sp>
+        <p:sp>
+          <p:nvSpPr>
+            <p:cNvPr id="26" name="Seta: para a Direita 25">
+              <a:extLst>
+                <a:ext uri="{FF2B5EF4-FFF2-40B4-BE49-F238E27FC236}">
+                  <a16:creationId xmlns:a16="http://schemas.microsoft.com/office/drawing/2014/main" id="{0787904D-CB80-4B9E-A44D-1ADA8E8E80AE}"/>
+                </a:ext>
+              </a:extLst>
+            </p:cNvPr>
+            <p:cNvSpPr/>
+            <p:nvPr/>
+          </p:nvSpPr>
+          <p:spPr>
+            <a:xfrm rot="7915562">
+              <a:off x="4323864" y="1856677"/>
+              <a:ext cx="618837" cy="84464"/>
+            </a:xfrm>
+            <a:prstGeom prst="rightArrow">
+              <a:avLst/>
+            </a:prstGeom>
+          </p:spPr>
+          <p:style>
+            <a:lnRef idx="2">
+              <a:schemeClr val="accent1">
+                <a:shade val="50000"/>
+              </a:schemeClr>
+            </a:lnRef>
+            <a:fillRef idx="1">
+              <a:schemeClr val="accent1"/>
+            </a:fillRef>
+            <a:effectRef idx="0">
+              <a:schemeClr val="accent1"/>
+            </a:effectRef>
+            <a:fontRef idx="minor">
+              <a:schemeClr val="lt1"/>
+            </a:fontRef>
+          </p:style>
+          <p:txBody>
+            <a:bodyPr rtlCol="0" anchor="ctr"/>
+            <a:lstStyle/>
+            <a:p>
+              <a:pPr algn="ctr"/>
+              <a:endParaRPr lang="pt-BR"/>
+            </a:p>
+          </p:txBody>
+        </p:sp>
+      </p:grpSp>
+    </p:spTree>
+    <p:extLst>
+      <p:ext uri="{BB962C8B-B14F-4D97-AF65-F5344CB8AC3E}">
+        <p14:creationId xmlns:p14="http://schemas.microsoft.com/office/powerpoint/2010/main" val="3342166559"/>
+      </p:ext>
+    </p:extLst>
+  </p:cSld>
+  <p:clrMapOvr>
+    <a:masterClrMapping/>
+  </p:clrMapOvr>
+</p:sld>
+</file>
+
+<file path=ppt/slides/slide6.xml><?xml version="1.0" encoding="utf-8"?>
+<p:sld xmlns:a="http://schemas.openxmlformats.org/drawingml/2006/main" xmlns:r="http://schemas.openxmlformats.org/officeDocument/2006/relationships" xmlns:p="http://schemas.openxmlformats.org/presentationml/2006/main">
+  <p:cSld>
+    <p:spTree>
+      <p:nvGrpSpPr>
+        <p:cNvPr id="1" name=""/>
+        <p:cNvGrpSpPr/>
+        <p:nvPr/>
+      </p:nvGrpSpPr>
+      <p:grpSpPr>
+        <a:xfrm>
+          <a:off x="0" y="0"/>
+          <a:ext cx="0" cy="0"/>
+          <a:chOff x="0" y="0"/>
+          <a:chExt cx="0" cy="0"/>
+        </a:xfrm>
+      </p:grpSpPr>
+      <p:sp>
+        <p:nvSpPr>
+          <p:cNvPr id="2" name="Título 1">
+            <a:extLst>
+              <a:ext uri="{FF2B5EF4-FFF2-40B4-BE49-F238E27FC236}">
+                <a16:creationId xmlns:a16="http://schemas.microsoft.com/office/drawing/2014/main" id="{1159F4F8-4F57-4E45-95E7-7C5AE43D5587}"/>
+              </a:ext>
+            </a:extLst>
+          </p:cNvPr>
+          <p:cNvSpPr>
+            <a:spLocks noGrp="1"/>
+          </p:cNvSpPr>
+          <p:nvPr>
+            <p:ph type="title"/>
+          </p:nvPr>
+        </p:nvSpPr>
+        <p:spPr/>
+        <p:txBody>
+          <a:bodyPr/>
+          <a:lstStyle/>
+          <a:p>
+            <a:r>
+              <a:rPr lang="pt-BR" dirty="0"/>
+              <a:t>Inimigo</a:t>
+            </a:r>
+          </a:p>
+        </p:txBody>
+      </p:sp>
+      <p:sp>
+        <p:nvSpPr>
+          <p:cNvPr id="12" name="CaixaDeTexto 11">
+            <a:extLst>
+              <a:ext uri="{FF2B5EF4-FFF2-40B4-BE49-F238E27FC236}">
+                <a16:creationId xmlns:a16="http://schemas.microsoft.com/office/drawing/2014/main" id="{10CDAC1E-F6C4-45CC-B91B-FD54F5294CCA}"/>
+              </a:ext>
+            </a:extLst>
+          </p:cNvPr>
+          <p:cNvSpPr txBox="1"/>
+          <p:nvPr/>
+        </p:nvSpPr>
+        <p:spPr>
+          <a:xfrm>
+            <a:off x="3684552" y="427741"/>
+            <a:ext cx="3497881" cy="1015663"/>
+          </a:xfrm>
+          <a:prstGeom prst="rect">
+            <a:avLst/>
+          </a:prstGeom>
+          <a:noFill/>
+        </p:spPr>
+        <p:txBody>
+          <a:bodyPr wrap="none" rtlCol="0">
+            <a:spAutoFit/>
+          </a:bodyPr>
+          <a:lstStyle/>
+          <a:p>
+            <a:r>
+              <a:rPr lang="pt-BR" sz="2400" b="1" dirty="0"/>
+              <a:t>Lineares</a:t>
+            </a:r>
+          </a:p>
+          <a:p>
+            <a:r>
+              <a:rPr lang="pt-BR" dirty="0"/>
+              <a:t>Direita + descida até a extremidade</a:t>
+            </a:r>
+          </a:p>
+          <a:p>
+            <a:r>
+              <a:rPr lang="pt-BR" dirty="0"/>
+              <a:t>Inverte o lado à cada extremidade </a:t>
+            </a:r>
+          </a:p>
+        </p:txBody>
+      </p:sp>
+      <p:grpSp>
+        <p:nvGrpSpPr>
+          <p:cNvPr id="27" name="Agrupar 26">
+            <a:extLst>
+              <a:ext uri="{FF2B5EF4-FFF2-40B4-BE49-F238E27FC236}">
+                <a16:creationId xmlns:a16="http://schemas.microsoft.com/office/drawing/2014/main" id="{519C986D-2ABA-44B1-A97B-9E724E28C836}"/>
+              </a:ext>
+            </a:extLst>
+          </p:cNvPr>
+          <p:cNvGrpSpPr/>
+          <p:nvPr/>
+        </p:nvGrpSpPr>
+        <p:grpSpPr>
+          <a:xfrm>
+            <a:off x="717501" y="3187718"/>
+            <a:ext cx="3181794" cy="1743318"/>
+            <a:chOff x="3574728" y="906340"/>
+            <a:chExt cx="3181794" cy="1743318"/>
+          </a:xfrm>
+        </p:grpSpPr>
+        <p:pic>
+          <p:nvPicPr>
+            <p:cNvPr id="21" name="Imagem 20">
+              <a:extLst>
+                <a:ext uri="{FF2B5EF4-FFF2-40B4-BE49-F238E27FC236}">
+                  <a16:creationId xmlns:a16="http://schemas.microsoft.com/office/drawing/2014/main" id="{DDC0507C-AC88-49F5-BF27-9B6771E0F0F5}"/>
+                </a:ext>
+              </a:extLst>
+            </p:cNvPr>
+            <p:cNvPicPr>
+              <a:picLocks noChangeAspect="1"/>
+            </p:cNvPicPr>
+            <p:nvPr/>
+          </p:nvPicPr>
+          <p:blipFill>
+            <a:blip r:embed="rId2"/>
+            <a:stretch>
+              <a:fillRect/>
+            </a:stretch>
+          </p:blipFill>
+          <p:spPr>
+            <a:xfrm>
+              <a:off x="3574728" y="906340"/>
+              <a:ext cx="3181794" cy="1743318"/>
+            </a:xfrm>
+            <a:prstGeom prst="rect">
+              <a:avLst/>
+            </a:prstGeom>
+          </p:spPr>
+        </p:pic>
+        <p:sp>
+          <p:nvSpPr>
+            <p:cNvPr id="22" name="Seta: para a Direita 21">
+              <a:extLst>
+                <a:ext uri="{FF2B5EF4-FFF2-40B4-BE49-F238E27FC236}">
+                  <a16:creationId xmlns:a16="http://schemas.microsoft.com/office/drawing/2014/main" id="{4B478C96-1075-4E15-A7CB-D2B456F2A2D5}"/>
+                </a:ext>
+              </a:extLst>
+            </p:cNvPr>
+            <p:cNvSpPr/>
+            <p:nvPr/>
+          </p:nvSpPr>
+          <p:spPr>
+            <a:xfrm>
+              <a:off x="5708388" y="1337463"/>
+              <a:ext cx="618837" cy="84464"/>
+            </a:xfrm>
+            <a:prstGeom prst="rightArrow">
+              <a:avLst/>
+            </a:prstGeom>
+          </p:spPr>
+          <p:style>
+            <a:lnRef idx="2">
+              <a:schemeClr val="accent1">
+                <a:shade val="50000"/>
+              </a:schemeClr>
+            </a:lnRef>
+            <a:fillRef idx="1">
+              <a:schemeClr val="accent1"/>
+            </a:fillRef>
+            <a:effectRef idx="0">
+              <a:schemeClr val="accent1"/>
+            </a:effectRef>
+            <a:fontRef idx="minor">
+              <a:schemeClr val="lt1"/>
+            </a:fontRef>
+          </p:style>
+          <p:txBody>
+            <a:bodyPr rtlCol="0" anchor="ctr"/>
+            <a:lstStyle/>
+            <a:p>
+              <a:pPr algn="ctr"/>
+              <a:endParaRPr lang="pt-BR"/>
+            </a:p>
+          </p:txBody>
+        </p:sp>
+        <p:sp>
+          <p:nvSpPr>
+            <p:cNvPr id="23" name="Seta: para a Direita 22">
+              <a:extLst>
+                <a:ext uri="{FF2B5EF4-FFF2-40B4-BE49-F238E27FC236}">
+                  <a16:creationId xmlns:a16="http://schemas.microsoft.com/office/drawing/2014/main" id="{A39360C9-84BC-4BF8-89CC-438FC2497095}"/>
+                </a:ext>
+              </a:extLst>
+            </p:cNvPr>
+            <p:cNvSpPr/>
+            <p:nvPr/>
+          </p:nvSpPr>
+          <p:spPr>
+            <a:xfrm rot="10800000">
+              <a:off x="3984511" y="1369683"/>
+              <a:ext cx="618837" cy="84464"/>
+            </a:xfrm>
+            <a:prstGeom prst="rightArrow">
+              <a:avLst/>
+            </a:prstGeom>
+          </p:spPr>
+          <p:style>
+            <a:lnRef idx="2">
+              <a:schemeClr val="accent1">
+                <a:shade val="50000"/>
+              </a:schemeClr>
+            </a:lnRef>
+            <a:fillRef idx="1">
+              <a:schemeClr val="accent1"/>
+            </a:fillRef>
+            <a:effectRef idx="0">
+              <a:schemeClr val="accent1"/>
+            </a:effectRef>
+            <a:fontRef idx="minor">
+              <a:schemeClr val="lt1"/>
+            </a:fontRef>
+          </p:style>
+          <p:txBody>
+            <a:bodyPr rtlCol="0" anchor="ctr"/>
+            <a:lstStyle/>
+            <a:p>
+              <a:pPr algn="ctr"/>
+              <a:endParaRPr lang="pt-BR"/>
+            </a:p>
+          </p:txBody>
+        </p:sp>
+        <p:sp>
+          <p:nvSpPr>
+            <p:cNvPr id="24" name="Seta: para a Direita 23">
+              <a:extLst>
+                <a:ext uri="{FF2B5EF4-FFF2-40B4-BE49-F238E27FC236}">
+                  <a16:creationId xmlns:a16="http://schemas.microsoft.com/office/drawing/2014/main" id="{A2879C1E-B8EC-4296-8347-BABED9DE3CB9}"/>
+                </a:ext>
+              </a:extLst>
+            </p:cNvPr>
+            <p:cNvSpPr/>
+            <p:nvPr/>
+          </p:nvSpPr>
+          <p:spPr>
+            <a:xfrm rot="5400000">
+              <a:off x="4837734" y="1865310"/>
+              <a:ext cx="618837" cy="84464"/>
+            </a:xfrm>
+            <a:prstGeom prst="rightArrow">
+              <a:avLst/>
+            </a:prstGeom>
+          </p:spPr>
+          <p:style>
+            <a:lnRef idx="2">
+              <a:schemeClr val="accent1">
+                <a:shade val="50000"/>
+              </a:schemeClr>
+            </a:lnRef>
+            <a:fillRef idx="1">
+              <a:schemeClr val="accent1"/>
+            </a:fillRef>
+            <a:effectRef idx="0">
+              <a:schemeClr val="accent1"/>
+            </a:effectRef>
+            <a:fontRef idx="minor">
+              <a:schemeClr val="lt1"/>
+            </a:fontRef>
+          </p:style>
+          <p:txBody>
+            <a:bodyPr rtlCol="0" anchor="ctr"/>
+            <a:lstStyle/>
+            <a:p>
+              <a:pPr algn="ctr"/>
+              <a:endParaRPr lang="pt-BR"/>
+            </a:p>
+          </p:txBody>
+        </p:sp>
+        <p:sp>
+          <p:nvSpPr>
+            <p:cNvPr id="25" name="Seta: para a Direita 24">
+              <a:extLst>
+                <a:ext uri="{FF2B5EF4-FFF2-40B4-BE49-F238E27FC236}">
+                  <a16:creationId xmlns:a16="http://schemas.microsoft.com/office/drawing/2014/main" id="{10A56F58-8EA6-4083-B31D-C844B3D613DD}"/>
+                </a:ext>
+              </a:extLst>
+            </p:cNvPr>
+            <p:cNvSpPr/>
+            <p:nvPr/>
+          </p:nvSpPr>
+          <p:spPr>
+            <a:xfrm rot="2721028">
+              <a:off x="5350355" y="1832990"/>
+              <a:ext cx="618837" cy="84464"/>
+            </a:xfrm>
+            <a:prstGeom prst="rightArrow">
+              <a:avLst/>
+            </a:prstGeom>
+          </p:spPr>
+          <p:style>
+            <a:lnRef idx="2">
+              <a:schemeClr val="accent1">
+                <a:shade val="50000"/>
+              </a:schemeClr>
+            </a:lnRef>
+            <a:fillRef idx="1">
+              <a:schemeClr val="accent1"/>
+            </a:fillRef>
+            <a:effectRef idx="0">
+              <a:schemeClr val="accent1"/>
+            </a:effectRef>
+            <a:fontRef idx="minor">
+              <a:schemeClr val="lt1"/>
+            </a:fontRef>
+          </p:style>
+          <p:txBody>
+            <a:bodyPr rtlCol="0" anchor="ctr"/>
+            <a:lstStyle/>
+            <a:p>
+              <a:pPr algn="ctr"/>
+              <a:endParaRPr lang="pt-BR"/>
+            </a:p>
+          </p:txBody>
+        </p:sp>
+        <p:sp>
+          <p:nvSpPr>
+            <p:cNvPr id="26" name="Seta: para a Direita 25">
+              <a:extLst>
+                <a:ext uri="{FF2B5EF4-FFF2-40B4-BE49-F238E27FC236}">
+                  <a16:creationId xmlns:a16="http://schemas.microsoft.com/office/drawing/2014/main" id="{0787904D-CB80-4B9E-A44D-1ADA8E8E80AE}"/>
+                </a:ext>
+              </a:extLst>
+            </p:cNvPr>
+            <p:cNvSpPr/>
+            <p:nvPr/>
+          </p:nvSpPr>
+          <p:spPr>
+            <a:xfrm rot="7915562">
+              <a:off x="4323864" y="1856677"/>
+              <a:ext cx="618837" cy="84464"/>
+            </a:xfrm>
+            <a:prstGeom prst="rightArrow">
+              <a:avLst/>
+            </a:prstGeom>
+          </p:spPr>
+          <p:style>
+            <a:lnRef idx="2">
+              <a:schemeClr val="accent1">
+                <a:shade val="50000"/>
+              </a:schemeClr>
+            </a:lnRef>
+            <a:fillRef idx="1">
+              <a:schemeClr val="accent1"/>
+            </a:fillRef>
+            <a:effectRef idx="0">
+              <a:schemeClr val="accent1"/>
+            </a:effectRef>
+            <a:fontRef idx="minor">
+              <a:schemeClr val="lt1"/>
+            </a:fontRef>
+          </p:style>
+          <p:txBody>
+            <a:bodyPr rtlCol="0" anchor="ctr"/>
+            <a:lstStyle/>
+            <a:p>
+              <a:pPr algn="ctr"/>
+              <a:endParaRPr lang="pt-BR"/>
+            </a:p>
+          </p:txBody>
+        </p:sp>
+      </p:grpSp>
+      <p:sp>
+        <p:nvSpPr>
+          <p:cNvPr id="28" name="CaixaDeTexto 27">
+            <a:extLst>
+              <a:ext uri="{FF2B5EF4-FFF2-40B4-BE49-F238E27FC236}">
+                <a16:creationId xmlns:a16="http://schemas.microsoft.com/office/drawing/2014/main" id="{1C793452-DB08-4F2A-9216-D532697C3B74}"/>
+              </a:ext>
+            </a:extLst>
+          </p:cNvPr>
+          <p:cNvSpPr txBox="1"/>
+          <p:nvPr/>
+        </p:nvSpPr>
+        <p:spPr>
+          <a:xfrm>
+            <a:off x="5194211" y="5115143"/>
+            <a:ext cx="3013454" cy="738664"/>
+          </a:xfrm>
+          <a:prstGeom prst="rect">
+            <a:avLst/>
+          </a:prstGeom>
+          <a:noFill/>
+        </p:spPr>
+        <p:txBody>
+          <a:bodyPr wrap="none" rtlCol="0">
+            <a:spAutoFit/>
+          </a:bodyPr>
+          <a:lstStyle/>
+          <a:p>
+            <a:r>
+              <a:rPr lang="pt-BR" sz="2400" b="1" dirty="0"/>
+              <a:t>Genéticos</a:t>
+            </a:r>
+          </a:p>
+          <a:p>
+            <a:r>
+              <a:rPr lang="pt-BR" dirty="0"/>
+              <a:t>Transmitem os melhores Gens</a:t>
+            </a:r>
+          </a:p>
+        </p:txBody>
+      </p:sp>
+      <p:sp>
+        <p:nvSpPr>
+          <p:cNvPr id="29" name="CaixaDeTexto 28">
+            <a:extLst>
+              <a:ext uri="{FF2B5EF4-FFF2-40B4-BE49-F238E27FC236}">
+                <a16:creationId xmlns:a16="http://schemas.microsoft.com/office/drawing/2014/main" id="{CD929D14-5258-4CFB-B092-E084B26CC5AF}"/>
+              </a:ext>
+            </a:extLst>
+          </p:cNvPr>
+          <p:cNvSpPr txBox="1"/>
+          <p:nvPr/>
+        </p:nvSpPr>
+        <p:spPr>
+          <a:xfrm>
+            <a:off x="6114254" y="3735525"/>
+            <a:ext cx="3830053" cy="1015663"/>
+          </a:xfrm>
+          <a:prstGeom prst="rect">
+            <a:avLst/>
+          </a:prstGeom>
+          <a:noFill/>
+        </p:spPr>
+        <p:txBody>
+          <a:bodyPr wrap="square" rtlCol="0">
+            <a:spAutoFit/>
+          </a:bodyPr>
+          <a:lstStyle/>
+          <a:p>
+            <a:r>
+              <a:rPr lang="pt-BR" sz="2400" b="1" dirty="0"/>
+              <a:t>Com Logica de Desvio</a:t>
+            </a:r>
+          </a:p>
+          <a:p>
+            <a:r>
+              <a:rPr lang="pt-BR" dirty="0"/>
+              <a:t>Vai descendo</a:t>
+            </a:r>
+          </a:p>
+          <a:p>
+            <a:r>
+              <a:rPr lang="pt-BR" dirty="0"/>
+              <a:t>Tenta desviar quando tiro aproxima</a:t>
+            </a:r>
+          </a:p>
+        </p:txBody>
+      </p:sp>
+      <p:sp>
+        <p:nvSpPr>
+          <p:cNvPr id="30" name="CaixaDeTexto 29">
+            <a:extLst>
+              <a:ext uri="{FF2B5EF4-FFF2-40B4-BE49-F238E27FC236}">
+                <a16:creationId xmlns:a16="http://schemas.microsoft.com/office/drawing/2014/main" id="{669EA15F-551E-4B10-86B2-3B8C4FC9BD02}"/>
+              </a:ext>
+            </a:extLst>
+          </p:cNvPr>
+          <p:cNvSpPr txBox="1"/>
+          <p:nvPr/>
+        </p:nvSpPr>
+        <p:spPr>
+          <a:xfrm>
+            <a:off x="5072293" y="1792872"/>
+            <a:ext cx="6048290" cy="1292662"/>
+          </a:xfrm>
+          <a:prstGeom prst="rect">
+            <a:avLst/>
+          </a:prstGeom>
+          <a:noFill/>
+        </p:spPr>
+        <p:txBody>
+          <a:bodyPr wrap="square" rtlCol="0">
+            <a:spAutoFit/>
+          </a:bodyPr>
+          <a:lstStyle/>
+          <a:p>
+            <a:r>
+              <a:rPr lang="pt-BR" sz="2400" b="1" dirty="0"/>
+              <a:t>Aleatórios</a:t>
+            </a:r>
+          </a:p>
+          <a:p>
+            <a:r>
+              <a:rPr lang="pt-BR" dirty="0"/>
+              <a:t>Sorteia a quantidade de movimentos</a:t>
+            </a:r>
+          </a:p>
+          <a:p>
+            <a:r>
+              <a:rPr lang="pt-BR" dirty="0"/>
+              <a:t>Sorteia os lados</a:t>
+            </a:r>
+          </a:p>
+          <a:p>
+            <a:r>
+              <a:rPr lang="pt-BR" dirty="0"/>
+              <a:t>Novo sorteio ao término dos movimentos</a:t>
+            </a:r>
+          </a:p>
+        </p:txBody>
+      </p:sp>
+    </p:spTree>
+    <p:extLst>
+      <p:ext uri="{BB962C8B-B14F-4D97-AF65-F5344CB8AC3E}">
+        <p14:creationId xmlns:p14="http://schemas.microsoft.com/office/powerpoint/2010/main" val="4055844690"/>
+      </p:ext>
+    </p:extLst>
+  </p:cSld>
+  <p:clrMapOvr>
+    <a:masterClrMapping/>
+  </p:clrMapOvr>
+</p:sld>
+</file>
+
+<file path=ppt/slides/slide7.xml><?xml version="1.0" encoding="utf-8"?>
+<p:sld xmlns:a="http://schemas.openxmlformats.org/drawingml/2006/main" xmlns:r="http://schemas.openxmlformats.org/officeDocument/2006/relationships" xmlns:p="http://schemas.openxmlformats.org/presentationml/2006/main">
+  <p:cSld>
+    <p:spTree>
+      <p:nvGrpSpPr>
+        <p:cNvPr id="1" name=""/>
+        <p:cNvGrpSpPr/>
+        <p:nvPr/>
+      </p:nvGrpSpPr>
+      <p:grpSpPr>
+        <a:xfrm>
+          <a:off x="0" y="0"/>
+          <a:ext cx="0" cy="0"/>
+          <a:chOff x="0" y="0"/>
+          <a:chExt cx="0" cy="0"/>
+        </a:xfrm>
+      </p:grpSpPr>
+      <p:sp>
+        <p:nvSpPr>
+          <p:cNvPr id="2" name="Título 1">
+            <a:extLst>
+              <a:ext uri="{FF2B5EF4-FFF2-40B4-BE49-F238E27FC236}">
+                <a16:creationId xmlns:a16="http://schemas.microsoft.com/office/drawing/2014/main" id="{1159F4F8-4F57-4E45-95E7-7C5AE43D5587}"/>
+              </a:ext>
+            </a:extLst>
+          </p:cNvPr>
+          <p:cNvSpPr>
+            <a:spLocks noGrp="1"/>
+          </p:cNvSpPr>
+          <p:nvPr>
+            <p:ph type="title"/>
+          </p:nvPr>
+        </p:nvSpPr>
+        <p:spPr/>
+        <p:txBody>
+          <a:bodyPr/>
+          <a:lstStyle/>
+          <a:p>
+            <a:r>
+              <a:rPr lang="pt-BR" dirty="0"/>
+              <a:t>Jogador</a:t>
+            </a:r>
+          </a:p>
+        </p:txBody>
+      </p:sp>
+      <p:sp>
+        <p:nvSpPr>
+          <p:cNvPr id="12" name="CaixaDeTexto 11">
+            <a:extLst>
+              <a:ext uri="{FF2B5EF4-FFF2-40B4-BE49-F238E27FC236}">
+                <a16:creationId xmlns:a16="http://schemas.microsoft.com/office/drawing/2014/main" id="{10CDAC1E-F6C4-45CC-B91B-FD54F5294CCA}"/>
+              </a:ext>
+            </a:extLst>
+          </p:cNvPr>
+          <p:cNvSpPr txBox="1"/>
+          <p:nvPr/>
+        </p:nvSpPr>
+        <p:spPr>
+          <a:xfrm>
+            <a:off x="3684552" y="427741"/>
+            <a:ext cx="3379195" cy="1015663"/>
+          </a:xfrm>
+          <a:prstGeom prst="rect">
+            <a:avLst/>
+          </a:prstGeom>
+          <a:noFill/>
+        </p:spPr>
+        <p:txBody>
+          <a:bodyPr wrap="none" rtlCol="0">
+            <a:spAutoFit/>
+          </a:bodyPr>
+          <a:lstStyle/>
+          <a:p>
+            <a:r>
+              <a:rPr lang="pt-BR" sz="2400" b="1" dirty="0"/>
+              <a:t>Linear</a:t>
+            </a:r>
+          </a:p>
+          <a:p>
+            <a:r>
+              <a:rPr lang="pt-BR" dirty="0"/>
+              <a:t>Inverte o lado à cada extremidade</a:t>
+            </a:r>
+          </a:p>
+          <a:p>
+            <a:r>
+              <a:rPr lang="pt-BR" dirty="0"/>
+              <a:t>Atira sempre que disponível </a:t>
+            </a:r>
+          </a:p>
+        </p:txBody>
+      </p:sp>
+      <p:sp>
+        <p:nvSpPr>
+          <p:cNvPr id="28" name="CaixaDeTexto 27">
+            <a:extLst>
+              <a:ext uri="{FF2B5EF4-FFF2-40B4-BE49-F238E27FC236}">
+                <a16:creationId xmlns:a16="http://schemas.microsoft.com/office/drawing/2014/main" id="{1C793452-DB08-4F2A-9216-D532697C3B74}"/>
+              </a:ext>
+            </a:extLst>
+          </p:cNvPr>
+          <p:cNvSpPr txBox="1"/>
+          <p:nvPr/>
+        </p:nvSpPr>
+        <p:spPr>
+          <a:xfrm>
+            <a:off x="5637556" y="5115143"/>
+            <a:ext cx="3013454" cy="738664"/>
+          </a:xfrm>
+          <a:prstGeom prst="rect">
+            <a:avLst/>
+          </a:prstGeom>
+          <a:noFill/>
+        </p:spPr>
+        <p:txBody>
+          <a:bodyPr wrap="none" rtlCol="0">
+            <a:spAutoFit/>
+          </a:bodyPr>
+          <a:lstStyle/>
+          <a:p>
+            <a:r>
+              <a:rPr lang="pt-BR" sz="2400" b="1" dirty="0"/>
+              <a:t>Genético</a:t>
+            </a:r>
+          </a:p>
+          <a:p>
+            <a:r>
+              <a:rPr lang="pt-BR" dirty="0"/>
+              <a:t>Transmitem os melhores Gens</a:t>
+            </a:r>
+          </a:p>
+        </p:txBody>
+      </p:sp>
+      <p:sp>
+        <p:nvSpPr>
+          <p:cNvPr id="29" name="CaixaDeTexto 28">
+            <a:extLst>
+              <a:ext uri="{FF2B5EF4-FFF2-40B4-BE49-F238E27FC236}">
+                <a16:creationId xmlns:a16="http://schemas.microsoft.com/office/drawing/2014/main" id="{CD929D14-5258-4CFB-B092-E084B26CC5AF}"/>
+              </a:ext>
+            </a:extLst>
+          </p:cNvPr>
+          <p:cNvSpPr txBox="1"/>
+          <p:nvPr/>
+        </p:nvSpPr>
+        <p:spPr>
+          <a:xfrm>
+            <a:off x="6114254" y="3735525"/>
+            <a:ext cx="3830053" cy="738664"/>
+          </a:xfrm>
+          <a:prstGeom prst="rect">
+            <a:avLst/>
+          </a:prstGeom>
+          <a:noFill/>
+        </p:spPr>
+        <p:txBody>
+          <a:bodyPr wrap="square" rtlCol="0">
+            <a:spAutoFit/>
+          </a:bodyPr>
+          <a:lstStyle/>
+          <a:p>
+            <a:r>
+              <a:rPr lang="pt-BR" sz="2400" b="1" dirty="0"/>
+              <a:t>Manual</a:t>
+            </a:r>
+          </a:p>
+          <a:p>
+            <a:r>
+              <a:rPr lang="pt-BR" dirty="0"/>
+              <a:t>Controlado por Humano</a:t>
+            </a:r>
+          </a:p>
+        </p:txBody>
+      </p:sp>
+      <p:sp>
+        <p:nvSpPr>
+          <p:cNvPr id="30" name="CaixaDeTexto 29">
+            <a:extLst>
+              <a:ext uri="{FF2B5EF4-FFF2-40B4-BE49-F238E27FC236}">
+                <a16:creationId xmlns:a16="http://schemas.microsoft.com/office/drawing/2014/main" id="{669EA15F-551E-4B10-86B2-3B8C4FC9BD02}"/>
+              </a:ext>
+            </a:extLst>
+          </p:cNvPr>
+          <p:cNvSpPr txBox="1"/>
+          <p:nvPr/>
+        </p:nvSpPr>
+        <p:spPr>
+          <a:xfrm>
+            <a:off x="5072293" y="1792872"/>
+            <a:ext cx="6048290" cy="1292662"/>
+          </a:xfrm>
+          <a:prstGeom prst="rect">
+            <a:avLst/>
+          </a:prstGeom>
+          <a:noFill/>
+        </p:spPr>
+        <p:txBody>
+          <a:bodyPr wrap="square" rtlCol="0">
+            <a:spAutoFit/>
+          </a:bodyPr>
+          <a:lstStyle/>
+          <a:p>
+            <a:r>
+              <a:rPr lang="pt-BR" sz="2400" b="1" dirty="0"/>
+              <a:t>Aleatório</a:t>
+            </a:r>
+          </a:p>
+          <a:p>
+            <a:r>
+              <a:rPr lang="pt-BR" dirty="0"/>
+              <a:t>Sorteia a quantidade de movimentos</a:t>
+            </a:r>
+          </a:p>
+          <a:p>
+            <a:r>
+              <a:rPr lang="pt-BR" dirty="0"/>
+              <a:t>Sorteia os lados</a:t>
+            </a:r>
+          </a:p>
+          <a:p>
+            <a:r>
+              <a:rPr lang="pt-BR" dirty="0"/>
+              <a:t>Novo sorteio ao término dos movimentos</a:t>
+            </a:r>
+          </a:p>
+        </p:txBody>
+      </p:sp>
+      <p:grpSp>
+        <p:nvGrpSpPr>
+          <p:cNvPr id="14" name="Agrupar 13">
+            <a:extLst>
+              <a:ext uri="{FF2B5EF4-FFF2-40B4-BE49-F238E27FC236}">
+                <a16:creationId xmlns:a16="http://schemas.microsoft.com/office/drawing/2014/main" id="{4A91037F-49CE-4005-8558-13D2BF53372A}"/>
+              </a:ext>
+            </a:extLst>
+          </p:cNvPr>
+          <p:cNvGrpSpPr/>
+          <p:nvPr/>
+        </p:nvGrpSpPr>
+        <p:grpSpPr>
+          <a:xfrm>
+            <a:off x="525595" y="2900645"/>
+            <a:ext cx="4305901" cy="2953162"/>
+            <a:chOff x="599486" y="3505077"/>
+            <a:chExt cx="4305901" cy="2953162"/>
+          </a:xfrm>
+        </p:grpSpPr>
+        <p:pic>
+          <p:nvPicPr>
+            <p:cNvPr id="15" name="Imagem 14">
+              <a:extLst>
+                <a:ext uri="{FF2B5EF4-FFF2-40B4-BE49-F238E27FC236}">
+                  <a16:creationId xmlns:a16="http://schemas.microsoft.com/office/drawing/2014/main" id="{AA169D88-FACB-40AA-9129-7BE654A498B6}"/>
+                </a:ext>
+              </a:extLst>
+            </p:cNvPr>
+            <p:cNvPicPr>
+              <a:picLocks noChangeAspect="1"/>
+            </p:cNvPicPr>
+            <p:nvPr/>
+          </p:nvPicPr>
+          <p:blipFill>
+            <a:blip r:embed="rId2"/>
+            <a:stretch>
+              <a:fillRect/>
+            </a:stretch>
+          </p:blipFill>
+          <p:spPr>
+            <a:xfrm>
+              <a:off x="599486" y="3505077"/>
+              <a:ext cx="4305901" cy="2953162"/>
+            </a:xfrm>
+            <a:prstGeom prst="rect">
+              <a:avLst/>
+            </a:prstGeom>
+          </p:spPr>
+        </p:pic>
+        <p:sp>
+          <p:nvSpPr>
+            <p:cNvPr id="16" name="Seta: para a Direita 15">
+              <a:extLst>
+                <a:ext uri="{FF2B5EF4-FFF2-40B4-BE49-F238E27FC236}">
+                  <a16:creationId xmlns:a16="http://schemas.microsoft.com/office/drawing/2014/main" id="{8717D373-13CA-44D0-BA7D-2835FF929F4D}"/>
+                </a:ext>
+              </a:extLst>
+            </p:cNvPr>
+            <p:cNvSpPr/>
+            <p:nvPr/>
+          </p:nvSpPr>
+          <p:spPr>
+            <a:xfrm>
+              <a:off x="3509818" y="6085427"/>
+              <a:ext cx="618837" cy="84464"/>
+            </a:xfrm>
+            <a:prstGeom prst="rightArrow">
+              <a:avLst/>
+            </a:prstGeom>
+          </p:spPr>
+          <p:style>
+            <a:lnRef idx="2">
+              <a:schemeClr val="accent1">
+                <a:shade val="50000"/>
+              </a:schemeClr>
+            </a:lnRef>
+            <a:fillRef idx="1">
+              <a:schemeClr val="accent1"/>
+            </a:fillRef>
+            <a:effectRef idx="0">
+              <a:schemeClr val="accent1"/>
+            </a:effectRef>
+            <a:fontRef idx="minor">
+              <a:schemeClr val="lt1"/>
+            </a:fontRef>
+          </p:style>
+          <p:txBody>
+            <a:bodyPr rtlCol="0" anchor="ctr"/>
+            <a:lstStyle/>
+            <a:p>
+              <a:pPr algn="ctr"/>
+              <a:endParaRPr lang="pt-BR"/>
+            </a:p>
+          </p:txBody>
+        </p:sp>
+        <p:sp>
+          <p:nvSpPr>
+            <p:cNvPr id="17" name="Seta: para a Direita 16">
+              <a:extLst>
+                <a:ext uri="{FF2B5EF4-FFF2-40B4-BE49-F238E27FC236}">
+                  <a16:creationId xmlns:a16="http://schemas.microsoft.com/office/drawing/2014/main" id="{3E6C4EE9-3D28-4A64-BD11-A4565B39A452}"/>
+                </a:ext>
+              </a:extLst>
+            </p:cNvPr>
+            <p:cNvSpPr/>
+            <p:nvPr/>
+          </p:nvSpPr>
+          <p:spPr>
+            <a:xfrm>
+              <a:off x="3431311" y="4141179"/>
+              <a:ext cx="618837" cy="84464"/>
+            </a:xfrm>
+            <a:prstGeom prst="rightArrow">
+              <a:avLst/>
+            </a:prstGeom>
+          </p:spPr>
+          <p:style>
+            <a:lnRef idx="2">
+              <a:schemeClr val="accent1">
+                <a:shade val="50000"/>
+              </a:schemeClr>
+            </a:lnRef>
+            <a:fillRef idx="1">
+              <a:schemeClr val="accent1"/>
+            </a:fillRef>
+            <a:effectRef idx="0">
+              <a:schemeClr val="accent1"/>
+            </a:effectRef>
+            <a:fontRef idx="minor">
+              <a:schemeClr val="lt1"/>
+            </a:fontRef>
+          </p:style>
+          <p:txBody>
+            <a:bodyPr rtlCol="0" anchor="ctr"/>
+            <a:lstStyle/>
+            <a:p>
+              <a:pPr algn="ctr"/>
+              <a:endParaRPr lang="pt-BR"/>
+            </a:p>
+          </p:txBody>
+        </p:sp>
+        <p:sp>
+          <p:nvSpPr>
+            <p:cNvPr id="18" name="Seta: para a Direita 17">
+              <a:extLst>
+                <a:ext uri="{FF2B5EF4-FFF2-40B4-BE49-F238E27FC236}">
+                  <a16:creationId xmlns:a16="http://schemas.microsoft.com/office/drawing/2014/main" id="{50905A4F-E05F-47D2-9144-A64D8DFAA68D}"/>
+                </a:ext>
+              </a:extLst>
+            </p:cNvPr>
+            <p:cNvSpPr/>
+            <p:nvPr/>
+          </p:nvSpPr>
+          <p:spPr>
+            <a:xfrm rot="10800000">
+              <a:off x="1593256" y="6099286"/>
+              <a:ext cx="618837" cy="84464"/>
+            </a:xfrm>
+            <a:prstGeom prst="rightArrow">
+              <a:avLst/>
+            </a:prstGeom>
+          </p:spPr>
+          <p:style>
+            <a:lnRef idx="2">
+              <a:schemeClr val="accent1">
+                <a:shade val="50000"/>
+              </a:schemeClr>
+            </a:lnRef>
+            <a:fillRef idx="1">
+              <a:schemeClr val="accent1"/>
+            </a:fillRef>
+            <a:effectRef idx="0">
+              <a:schemeClr val="accent1"/>
+            </a:effectRef>
+            <a:fontRef idx="minor">
+              <a:schemeClr val="lt1"/>
+            </a:fontRef>
+          </p:style>
+          <p:txBody>
+            <a:bodyPr rtlCol="0" anchor="ctr"/>
+            <a:lstStyle/>
+            <a:p>
+              <a:pPr algn="ctr"/>
+              <a:endParaRPr lang="pt-BR"/>
+            </a:p>
+          </p:txBody>
+        </p:sp>
+        <p:sp>
+          <p:nvSpPr>
+            <p:cNvPr id="19" name="Seta: para a Direita 18">
+              <a:extLst>
+                <a:ext uri="{FF2B5EF4-FFF2-40B4-BE49-F238E27FC236}">
+                  <a16:creationId xmlns:a16="http://schemas.microsoft.com/office/drawing/2014/main" id="{6ADB5983-E948-49B1-BC10-5C2E6952B307}"/>
+                </a:ext>
+              </a:extLst>
+            </p:cNvPr>
+            <p:cNvSpPr/>
+            <p:nvPr/>
+          </p:nvSpPr>
+          <p:spPr>
+            <a:xfrm rot="10800000">
+              <a:off x="1671768" y="4145805"/>
+              <a:ext cx="618837" cy="84464"/>
+            </a:xfrm>
+            <a:prstGeom prst="rightArrow">
+              <a:avLst/>
+            </a:prstGeom>
+          </p:spPr>
+          <p:style>
+            <a:lnRef idx="2">
+              <a:schemeClr val="accent1">
+                <a:shade val="50000"/>
+              </a:schemeClr>
+            </a:lnRef>
+            <a:fillRef idx="1">
+              <a:schemeClr val="accent1"/>
+            </a:fillRef>
+            <a:effectRef idx="0">
+              <a:schemeClr val="accent1"/>
+            </a:effectRef>
+            <a:fontRef idx="minor">
+              <a:schemeClr val="lt1"/>
+            </a:fontRef>
+          </p:style>
+          <p:txBody>
+            <a:bodyPr rtlCol="0" anchor="ctr"/>
+            <a:lstStyle/>
+            <a:p>
+              <a:pPr algn="ctr"/>
+              <a:endParaRPr lang="pt-BR"/>
+            </a:p>
+          </p:txBody>
+        </p:sp>
+      </p:grpSp>
+    </p:spTree>
+    <p:extLst>
+      <p:ext uri="{BB962C8B-B14F-4D97-AF65-F5344CB8AC3E}">
+        <p14:creationId xmlns:p14="http://schemas.microsoft.com/office/powerpoint/2010/main" val="2531453488"/>
+      </p:ext>
+    </p:extLst>
+  </p:cSld>
+  <p:clrMapOvr>
+    <a:masterClrMapping/>
+  </p:clrMapOvr>
+</p:sld>
+</file>
+
+<file path=ppt/slides/slide8.xml><?xml version="1.0" encoding="utf-8"?>
+<p:sld xmlns:a="http://schemas.openxmlformats.org/drawingml/2006/main" xmlns:r="http://schemas.openxmlformats.org/officeDocument/2006/relationships" xmlns:p="http://schemas.openxmlformats.org/presentationml/2006/main">
+  <p:cSld>
+    <p:spTree>
+      <p:nvGrpSpPr>
+        <p:cNvPr id="1" name=""/>
+        <p:cNvGrpSpPr/>
+        <p:nvPr/>
+      </p:nvGrpSpPr>
+      <p:grpSpPr>
+        <a:xfrm>
+          <a:off x="0" y="0"/>
+          <a:ext cx="0" cy="0"/>
+          <a:chOff x="0" y="0"/>
+          <a:chExt cx="0" cy="0"/>
+        </a:xfrm>
+      </p:grpSpPr>
+      <p:sp>
+        <p:nvSpPr>
+          <p:cNvPr id="2" name="Título 1">
+            <a:extLst>
+              <a:ext uri="{FF2B5EF4-FFF2-40B4-BE49-F238E27FC236}">
+                <a16:creationId xmlns:a16="http://schemas.microsoft.com/office/drawing/2014/main" id="{1159F4F8-4F57-4E45-95E7-7C5AE43D5587}"/>
+              </a:ext>
+            </a:extLst>
+          </p:cNvPr>
+          <p:cNvSpPr>
+            <a:spLocks noGrp="1"/>
+          </p:cNvSpPr>
+          <p:nvPr>
+            <p:ph type="title"/>
+          </p:nvPr>
+        </p:nvSpPr>
+        <p:spPr/>
+        <p:txBody>
+          <a:bodyPr/>
+          <a:lstStyle/>
+          <a:p>
+            <a:r>
+              <a:rPr lang="pt-BR" dirty="0"/>
+              <a:t>Escopo</a:t>
+            </a:r>
+          </a:p>
+        </p:txBody>
+      </p:sp>
+      <p:sp>
+        <p:nvSpPr>
+          <p:cNvPr id="3" name="CaixaDeTexto 2">
+            <a:extLst>
+              <a:ext uri="{FF2B5EF4-FFF2-40B4-BE49-F238E27FC236}">
+                <a16:creationId xmlns:a16="http://schemas.microsoft.com/office/drawing/2014/main" id="{F106ECAA-3C08-474F-8ED7-D020A7693FA5}"/>
+              </a:ext>
+            </a:extLst>
+          </p:cNvPr>
+          <p:cNvSpPr txBox="1"/>
+          <p:nvPr/>
+        </p:nvSpPr>
+        <p:spPr>
+          <a:xfrm>
+            <a:off x="838200" y="2048932"/>
+            <a:ext cx="10405533" cy="3139321"/>
+          </a:xfrm>
+          <a:prstGeom prst="rect">
+            <a:avLst/>
+          </a:prstGeom>
+          <a:noFill/>
+        </p:spPr>
+        <p:txBody>
+          <a:bodyPr wrap="square" rtlCol="0">
+            <a:spAutoFit/>
+          </a:bodyPr>
+          <a:lstStyle/>
+          <a:p>
+            <a:r>
+              <a:rPr lang="pt-BR" dirty="0">
+                <a:latin typeface="Arial" panose="020B0604020202020204" pitchFamily="34" charset="0"/>
+                <a:cs typeface="Arial" panose="020B0604020202020204" pitchFamily="34" charset="0"/>
+              </a:rPr>
+              <a:t>O objetivo deste trabalho é desenvolver uma primeira versão de um agente jogador utilizando </a:t>
+            </a:r>
+            <a:r>
+              <a:rPr lang="pt-BR" b="1" dirty="0">
+                <a:latin typeface="Arial" panose="020B0604020202020204" pitchFamily="34" charset="0"/>
+                <a:cs typeface="Arial" panose="020B0604020202020204" pitchFamily="34" charset="0"/>
+              </a:rPr>
+              <a:t>Inteligência Artificial Genética</a:t>
+            </a:r>
+            <a:r>
+              <a:rPr lang="pt-BR" dirty="0">
+                <a:latin typeface="Arial" panose="020B0604020202020204" pitchFamily="34" charset="0"/>
+                <a:cs typeface="Arial" panose="020B0604020202020204" pitchFamily="34" charset="0"/>
+              </a:rPr>
+              <a:t> em um ambiente de Space </a:t>
+            </a:r>
+            <a:r>
+              <a:rPr lang="pt-BR" dirty="0" err="1">
+                <a:latin typeface="Arial" panose="020B0604020202020204" pitchFamily="34" charset="0"/>
+                <a:cs typeface="Arial" panose="020B0604020202020204" pitchFamily="34" charset="0"/>
+              </a:rPr>
+              <a:t>Invaders</a:t>
+            </a:r>
+            <a:r>
+              <a:rPr lang="pt-BR" dirty="0">
+                <a:latin typeface="Arial" panose="020B0604020202020204" pitchFamily="34" charset="0"/>
+                <a:cs typeface="Arial" panose="020B0604020202020204" pitchFamily="34" charset="0"/>
+              </a:rPr>
+              <a:t> simplificado.</a:t>
+            </a:r>
+          </a:p>
+          <a:p>
+            <a:endParaRPr lang="pt-BR" dirty="0">
+              <a:latin typeface="Arial" panose="020B0604020202020204" pitchFamily="34" charset="0"/>
+              <a:cs typeface="Arial" panose="020B0604020202020204" pitchFamily="34" charset="0"/>
+            </a:endParaRPr>
+          </a:p>
+          <a:p>
+            <a:r>
+              <a:rPr lang="pt-BR" dirty="0">
+                <a:latin typeface="Arial" panose="020B0604020202020204" pitchFamily="34" charset="0"/>
+                <a:cs typeface="Arial" panose="020B0604020202020204" pitchFamily="34" charset="0"/>
+              </a:rPr>
+              <a:t>Neste contexto, os inimigos serão configurados para apresentar movimentação linear e repetitiva ou permanecerão parados ao longo da partida, gerando um comportamento </a:t>
+            </a:r>
+            <a:r>
+              <a:rPr lang="pt-BR" b="1" dirty="0">
+                <a:latin typeface="Arial" panose="020B0604020202020204" pitchFamily="34" charset="0"/>
+                <a:cs typeface="Arial" panose="020B0604020202020204" pitchFamily="34" charset="0"/>
+              </a:rPr>
+              <a:t>estático</a:t>
+            </a:r>
+            <a:r>
+              <a:rPr lang="pt-BR" dirty="0">
+                <a:latin typeface="Arial" panose="020B0604020202020204" pitchFamily="34" charset="0"/>
+                <a:cs typeface="Arial" panose="020B0604020202020204" pitchFamily="34" charset="0"/>
+              </a:rPr>
+              <a:t>.</a:t>
+            </a:r>
+          </a:p>
+          <a:p>
+            <a:endParaRPr lang="pt-BR" dirty="0">
+              <a:latin typeface="Arial" panose="020B0604020202020204" pitchFamily="34" charset="0"/>
+              <a:cs typeface="Arial" panose="020B0604020202020204" pitchFamily="34" charset="0"/>
+            </a:endParaRPr>
+          </a:p>
+          <a:p>
+            <a:r>
+              <a:rPr lang="pt-BR" dirty="0">
+                <a:latin typeface="Arial" panose="020B0604020202020204" pitchFamily="34" charset="0"/>
+                <a:cs typeface="Arial" panose="020B0604020202020204" pitchFamily="34" charset="0"/>
+              </a:rPr>
+              <a:t>O agente jogador, controlado por IA Genética, terá como principal objetivo eliminar todos os inimigos no menor tempo possível, buscando assim percorrer o caminho mais eficiente e otimizado para maximizar o desempenho no jogo.</a:t>
+            </a:r>
+          </a:p>
+          <a:p>
+            <a:endParaRPr lang="pt-BR" dirty="0"/>
+          </a:p>
+          <a:p>
+            <a:endParaRPr lang="pt-BR" dirty="0"/>
+          </a:p>
+        </p:txBody>
+      </p:sp>
+    </p:spTree>
+    <p:extLst>
+      <p:ext uri="{BB962C8B-B14F-4D97-AF65-F5344CB8AC3E}">
+        <p14:creationId xmlns:p14="http://schemas.microsoft.com/office/powerpoint/2010/main" val="2773783"/>
+      </p:ext>
+    </p:extLst>
+  </p:cSld>
+  <p:clrMapOvr>
+    <a:masterClrMapping/>
+  </p:clrMapOvr>
+</p:sld>
+</file>
+
 <file path=ppt/slides/slide9.xml><?xml version="1.0" encoding="utf-8"?>
 <p:sld xmlns:a="http://schemas.openxmlformats.org/drawingml/2006/main" xmlns:r="http://schemas.openxmlformats.org/officeDocument/2006/relationships" xmlns:p="http://schemas.openxmlformats.org/presentationml/2006/main">
   <p:cSld>
@@ -9940,7 +10003,7 @@
           <a:p>
             <a:r>
               <a:rPr lang="pt-BR" dirty="0"/>
-              <a:t>IA Genética é uma Solução Viável?</a:t>
+              <a:t>Evoluções Futuras do Projeto</a:t>
             </a:r>
           </a:p>
         </p:txBody>
@@ -9959,8 +10022,8 @@
         </p:nvSpPr>
         <p:spPr>
           <a:xfrm>
-            <a:off x="838200" y="1773488"/>
-            <a:ext cx="10405533" cy="4955203"/>
+            <a:off x="838201" y="2048932"/>
+            <a:ext cx="8534400" cy="2585323"/>
           </a:xfrm>
           <a:prstGeom prst="rect">
             <a:avLst/>
@@ -9974,206 +10037,134 @@
           <a:lstStyle/>
           <a:p>
             <a:r>
-              <a:rPr lang="pt-BR" sz="1400" b="1" dirty="0">
-                <a:latin typeface="Arial" panose="020B0604020202020204" pitchFamily="34" charset="0"/>
-                <a:cs typeface="Arial" panose="020B0604020202020204" pitchFamily="34" charset="0"/>
-              </a:rPr>
-              <a:t>O que otimizar?</a:t>
-            </a:r>
-            <a:br>
-              <a:rPr lang="pt-BR" sz="1400" dirty="0">
-                <a:latin typeface="Arial" panose="020B0604020202020204" pitchFamily="34" charset="0"/>
-                <a:cs typeface="Arial" panose="020B0604020202020204" pitchFamily="34" charset="0"/>
-              </a:rPr>
-            </a:br>
-            <a:r>
-              <a:rPr lang="pt-BR" sz="1400" dirty="0">
-                <a:latin typeface="Arial" panose="020B0604020202020204" pitchFamily="34" charset="0"/>
-                <a:cs typeface="Arial" panose="020B0604020202020204" pitchFamily="34" charset="0"/>
-              </a:rPr>
-              <a:t>	Maximizar inimigos abatidos e rapidez (mínimo de jogadas).</a:t>
-            </a:r>
-          </a:p>
-          <a:p>
-            <a:endParaRPr lang="pt-BR" sz="1400" dirty="0">
+              <a:rPr lang="pt-BR" dirty="0">
+                <a:latin typeface="Arial" panose="020B0604020202020204" pitchFamily="34" charset="0"/>
+                <a:cs typeface="Arial" panose="020B0604020202020204" pitchFamily="34" charset="0"/>
+              </a:rPr>
+              <a:t>Possibilidade de expandir o projeto com treinamento simultâneo de duas </a:t>
+            </a:r>
+            <a:r>
+              <a:rPr lang="pt-BR" dirty="0" err="1">
+                <a:latin typeface="Arial" panose="020B0604020202020204" pitchFamily="34" charset="0"/>
+                <a:cs typeface="Arial" panose="020B0604020202020204" pitchFamily="34" charset="0"/>
+              </a:rPr>
+              <a:t>IAs</a:t>
+            </a:r>
+            <a:r>
+              <a:rPr lang="pt-BR" dirty="0">
+                <a:latin typeface="Arial" panose="020B0604020202020204" pitchFamily="34" charset="0"/>
+                <a:cs typeface="Arial" panose="020B0604020202020204" pitchFamily="34" charset="0"/>
+              </a:rPr>
+              <a:t> usando NEAT (</a:t>
+            </a:r>
+            <a:r>
+              <a:rPr lang="pt-BR" dirty="0" err="1">
+                <a:latin typeface="Arial" panose="020B0604020202020204" pitchFamily="34" charset="0"/>
+                <a:cs typeface="Arial" panose="020B0604020202020204" pitchFamily="34" charset="0"/>
+              </a:rPr>
+              <a:t>NeuroEvolution</a:t>
+            </a:r>
+            <a:r>
+              <a:rPr lang="pt-BR" dirty="0">
+                <a:latin typeface="Arial" panose="020B0604020202020204" pitchFamily="34" charset="0"/>
+                <a:cs typeface="Arial" panose="020B0604020202020204" pitchFamily="34" charset="0"/>
+              </a:rPr>
+              <a:t> </a:t>
+            </a:r>
+            <a:r>
+              <a:rPr lang="pt-BR" dirty="0" err="1">
+                <a:latin typeface="Arial" panose="020B0604020202020204" pitchFamily="34" charset="0"/>
+                <a:cs typeface="Arial" panose="020B0604020202020204" pitchFamily="34" charset="0"/>
+              </a:rPr>
+              <a:t>of</a:t>
+            </a:r>
+            <a:r>
+              <a:rPr lang="pt-BR" dirty="0">
+                <a:latin typeface="Arial" panose="020B0604020202020204" pitchFamily="34" charset="0"/>
+                <a:cs typeface="Arial" panose="020B0604020202020204" pitchFamily="34" charset="0"/>
+              </a:rPr>
+              <a:t> </a:t>
+            </a:r>
+            <a:r>
+              <a:rPr lang="pt-BR" dirty="0" err="1">
+                <a:latin typeface="Arial" panose="020B0604020202020204" pitchFamily="34" charset="0"/>
+                <a:cs typeface="Arial" panose="020B0604020202020204" pitchFamily="34" charset="0"/>
+              </a:rPr>
+              <a:t>Augmenting</a:t>
+            </a:r>
+            <a:r>
+              <a:rPr lang="pt-BR" dirty="0">
+                <a:latin typeface="Arial" panose="020B0604020202020204" pitchFamily="34" charset="0"/>
+                <a:cs typeface="Arial" panose="020B0604020202020204" pitchFamily="34" charset="0"/>
+              </a:rPr>
+              <a:t> </a:t>
+            </a:r>
+            <a:r>
+              <a:rPr lang="pt-BR" dirty="0" err="1">
+                <a:latin typeface="Arial" panose="020B0604020202020204" pitchFamily="34" charset="0"/>
+                <a:cs typeface="Arial" panose="020B0604020202020204" pitchFamily="34" charset="0"/>
+              </a:rPr>
+              <a:t>Topologies</a:t>
+            </a:r>
+            <a:r>
+              <a:rPr lang="pt-BR" dirty="0">
+                <a:latin typeface="Arial" panose="020B0604020202020204" pitchFamily="34" charset="0"/>
+                <a:cs typeface="Arial" panose="020B0604020202020204" pitchFamily="34" charset="0"/>
+              </a:rPr>
+              <a:t>)</a:t>
+            </a:r>
+          </a:p>
+          <a:p>
+            <a:endParaRPr lang="pt-BR" dirty="0">
               <a:latin typeface="Arial" panose="020B0604020202020204" pitchFamily="34" charset="0"/>
               <a:cs typeface="Arial" panose="020B0604020202020204" pitchFamily="34" charset="0"/>
             </a:endParaRPr>
           </a:p>
           <a:p>
             <a:r>
-              <a:rPr lang="pt-BR" sz="1400" b="1" dirty="0">
-                <a:latin typeface="Arial" panose="020B0604020202020204" pitchFamily="34" charset="0"/>
-                <a:cs typeface="Arial" panose="020B0604020202020204" pitchFamily="34" charset="0"/>
-              </a:rPr>
-              <a:t>Representação (genoma):</a:t>
-            </a:r>
-            <a:br>
-              <a:rPr lang="pt-BR" sz="1400" dirty="0">
-                <a:latin typeface="Arial" panose="020B0604020202020204" pitchFamily="34" charset="0"/>
-                <a:cs typeface="Arial" panose="020B0604020202020204" pitchFamily="34" charset="0"/>
-              </a:rPr>
-            </a:br>
-            <a:r>
-              <a:rPr lang="pt-BR" sz="1400" dirty="0">
-                <a:latin typeface="Arial" panose="020B0604020202020204" pitchFamily="34" charset="0"/>
-                <a:cs typeface="Arial" panose="020B0604020202020204" pitchFamily="34" charset="0"/>
-              </a:rPr>
-              <a:t>	Sequência de 700 genes (0=parar, 1=esq., 2=dir., 3=atirar).</a:t>
-            </a:r>
-          </a:p>
-          <a:p>
-            <a:endParaRPr lang="pt-BR" sz="1400" dirty="0">
+              <a:rPr lang="pt-BR" dirty="0">
+                <a:latin typeface="Arial" panose="020B0604020202020204" pitchFamily="34" charset="0"/>
+                <a:cs typeface="Arial" panose="020B0604020202020204" pitchFamily="34" charset="0"/>
+              </a:rPr>
+              <a:t>Tanto os inimigos quanto o jogador passam a perceber e reagir ao comportamento do oponente</a:t>
+            </a:r>
+          </a:p>
+          <a:p>
+            <a:endParaRPr lang="pt-BR" dirty="0">
               <a:latin typeface="Arial" panose="020B0604020202020204" pitchFamily="34" charset="0"/>
               <a:cs typeface="Arial" panose="020B0604020202020204" pitchFamily="34" charset="0"/>
             </a:endParaRPr>
           </a:p>
           <a:p>
             <a:r>
-              <a:rPr lang="pt-BR" sz="1400" b="1" dirty="0">
-                <a:latin typeface="Arial" panose="020B0604020202020204" pitchFamily="34" charset="0"/>
-                <a:cs typeface="Arial" panose="020B0604020202020204" pitchFamily="34" charset="0"/>
-              </a:rPr>
-              <a:t>Função de fitness:</a:t>
-            </a:r>
-            <a:br>
-              <a:rPr lang="pt-BR" sz="1400" dirty="0">
-                <a:latin typeface="Arial" panose="020B0604020202020204" pitchFamily="34" charset="0"/>
-                <a:cs typeface="Arial" panose="020B0604020202020204" pitchFamily="34" charset="0"/>
-              </a:rPr>
-            </a:br>
-            <a:r>
-              <a:rPr lang="pt-BR" sz="1400" dirty="0">
-                <a:latin typeface="Arial" panose="020B0604020202020204" pitchFamily="34" charset="0"/>
-                <a:cs typeface="Arial" panose="020B0604020202020204" pitchFamily="34" charset="0"/>
-              </a:rPr>
-              <a:t>	Soma ponderada: abates, rapidez dos acertos e bônus por eficiência.</a:t>
-            </a:r>
-          </a:p>
-          <a:p>
-            <a:endParaRPr lang="pt-BR" sz="1400" dirty="0">
+              <a:rPr lang="pt-BR" dirty="0">
+                <a:latin typeface="Arial" panose="020B0604020202020204" pitchFamily="34" charset="0"/>
+                <a:cs typeface="Arial" panose="020B0604020202020204" pitchFamily="34" charset="0"/>
+              </a:rPr>
+              <a:t>Permite tomada de decisões mais complexas e adaptativas</a:t>
+            </a:r>
+          </a:p>
+          <a:p>
+            <a:endParaRPr lang="pt-BR" dirty="0">
               <a:latin typeface="Arial" panose="020B0604020202020204" pitchFamily="34" charset="0"/>
               <a:cs typeface="Arial" panose="020B0604020202020204" pitchFamily="34" charset="0"/>
             </a:endParaRPr>
           </a:p>
           <a:p>
             <a:r>
-              <a:rPr lang="pt-BR" sz="1400" b="1" dirty="0">
-                <a:latin typeface="Arial" panose="020B0604020202020204" pitchFamily="34" charset="0"/>
-                <a:cs typeface="Arial" panose="020B0604020202020204" pitchFamily="34" charset="0"/>
-              </a:rPr>
-              <a:t>Seleção:</a:t>
-            </a:r>
-            <a:br>
-              <a:rPr lang="pt-BR" sz="1400" dirty="0">
-                <a:latin typeface="Arial" panose="020B0604020202020204" pitchFamily="34" charset="0"/>
-                <a:cs typeface="Arial" panose="020B0604020202020204" pitchFamily="34" charset="0"/>
-              </a:rPr>
-            </a:br>
-            <a:r>
-              <a:rPr lang="pt-BR" sz="1400" dirty="0">
-                <a:latin typeface="Arial" panose="020B0604020202020204" pitchFamily="34" charset="0"/>
-                <a:cs typeface="Arial" panose="020B0604020202020204" pitchFamily="34" charset="0"/>
-              </a:rPr>
-              <a:t>	Torneio.</a:t>
-            </a:r>
-          </a:p>
-          <a:p>
-            <a:endParaRPr lang="pt-BR" sz="1400" dirty="0">
-              <a:latin typeface="Arial" panose="020B0604020202020204" pitchFamily="34" charset="0"/>
-              <a:cs typeface="Arial" panose="020B0604020202020204" pitchFamily="34" charset="0"/>
-            </a:endParaRPr>
-          </a:p>
-          <a:p>
-            <a:r>
-              <a:rPr lang="pt-BR" sz="1400" b="1" dirty="0">
-                <a:latin typeface="Arial" panose="020B0604020202020204" pitchFamily="34" charset="0"/>
-                <a:cs typeface="Arial" panose="020B0604020202020204" pitchFamily="34" charset="0"/>
-              </a:rPr>
-              <a:t>Crossover:</a:t>
-            </a:r>
-            <a:br>
-              <a:rPr lang="pt-BR" sz="1400" dirty="0">
-                <a:latin typeface="Arial" panose="020B0604020202020204" pitchFamily="34" charset="0"/>
-                <a:cs typeface="Arial" panose="020B0604020202020204" pitchFamily="34" charset="0"/>
-              </a:rPr>
-            </a:br>
-            <a:r>
-              <a:rPr lang="pt-BR" sz="1400" dirty="0">
-                <a:latin typeface="Arial" panose="020B0604020202020204" pitchFamily="34" charset="0"/>
-                <a:cs typeface="Arial" panose="020B0604020202020204" pitchFamily="34" charset="0"/>
-              </a:rPr>
-              <a:t>	Ponto fixo, 350 genes de cada pai.</a:t>
-            </a:r>
-          </a:p>
-          <a:p>
-            <a:endParaRPr lang="pt-BR" sz="1400" dirty="0">
-              <a:latin typeface="Arial" panose="020B0604020202020204" pitchFamily="34" charset="0"/>
-              <a:cs typeface="Arial" panose="020B0604020202020204" pitchFamily="34" charset="0"/>
-            </a:endParaRPr>
-          </a:p>
-          <a:p>
-            <a:r>
-              <a:rPr lang="pt-BR" sz="1400" b="1" dirty="0">
-                <a:latin typeface="Arial" panose="020B0604020202020204" pitchFamily="34" charset="0"/>
-                <a:cs typeface="Arial" panose="020B0604020202020204" pitchFamily="34" charset="0"/>
-              </a:rPr>
-              <a:t>Inicialização:</a:t>
-            </a:r>
-            <a:br>
-              <a:rPr lang="pt-BR" sz="1400" dirty="0">
-                <a:latin typeface="Arial" panose="020B0604020202020204" pitchFamily="34" charset="0"/>
-                <a:cs typeface="Arial" panose="020B0604020202020204" pitchFamily="34" charset="0"/>
-              </a:rPr>
-            </a:br>
-            <a:r>
-              <a:rPr lang="pt-BR" sz="1400" dirty="0">
-                <a:latin typeface="Arial" panose="020B0604020202020204" pitchFamily="34" charset="0"/>
-                <a:cs typeface="Arial" panose="020B0604020202020204" pitchFamily="34" charset="0"/>
-              </a:rPr>
-              <a:t>	Blocos de movimentos repetidos lateralmente, porém aleatórios + totalmente aleatórios.</a:t>
-            </a:r>
-          </a:p>
-          <a:p>
-            <a:endParaRPr lang="pt-BR" sz="1400" dirty="0">
-              <a:latin typeface="Arial" panose="020B0604020202020204" pitchFamily="34" charset="0"/>
-              <a:cs typeface="Arial" panose="020B0604020202020204" pitchFamily="34" charset="0"/>
-            </a:endParaRPr>
-          </a:p>
-          <a:p>
-            <a:r>
-              <a:rPr lang="pt-BR" sz="1400" b="1" dirty="0">
-                <a:latin typeface="Arial" panose="020B0604020202020204" pitchFamily="34" charset="0"/>
-                <a:cs typeface="Arial" panose="020B0604020202020204" pitchFamily="34" charset="0"/>
-              </a:rPr>
-              <a:t>Critério de parada:</a:t>
-            </a:r>
-            <a:br>
-              <a:rPr lang="pt-BR" sz="1400" dirty="0">
-                <a:latin typeface="Arial" panose="020B0604020202020204" pitchFamily="34" charset="0"/>
-                <a:cs typeface="Arial" panose="020B0604020202020204" pitchFamily="34" charset="0"/>
-              </a:rPr>
-            </a:br>
-            <a:r>
-              <a:rPr lang="pt-BR" sz="1400" dirty="0">
-                <a:latin typeface="Arial" panose="020B0604020202020204" pitchFamily="34" charset="0"/>
-                <a:cs typeface="Arial" panose="020B0604020202020204" pitchFamily="34" charset="0"/>
-              </a:rPr>
-              <a:t>	Eliminar todos os inimigos.</a:t>
-            </a:r>
-          </a:p>
-          <a:p>
-            <a:endParaRPr lang="pt-BR" dirty="0"/>
-          </a:p>
-          <a:p>
-            <a:endParaRPr lang="pt-BR" dirty="0"/>
+              <a:rPr lang="pt-BR" dirty="0">
+                <a:latin typeface="Arial" panose="020B0604020202020204" pitchFamily="34" charset="0"/>
+                <a:cs typeface="Arial" panose="020B0604020202020204" pitchFamily="34" charset="0"/>
+              </a:rPr>
+              <a:t>Estratégias evoluem em tempo real conforme os movimentos do adversário</a:t>
+            </a:r>
           </a:p>
         </p:txBody>
       </p:sp>
     </p:spTree>
     <p:extLst>
       <p:ext uri="{BB962C8B-B14F-4D97-AF65-F5344CB8AC3E}">
-        <p14:creationId xmlns:p14="http://schemas.microsoft.com/office/powerpoint/2010/main" val="1324432143"/>
+        <p14:creationId xmlns:p14="http://schemas.microsoft.com/office/powerpoint/2010/main" val="793195397"/>
       </p:ext>
     </p:extLst>
   </p:cSld>
